--- a/Examples.pptx
+++ b/Examples.pptx
@@ -104,13 +104,18 @@
       </a:defRPr>
     </a:lvl9pPr>
   </p:defaultTextStyle>
+  <p:extLst>
+    <p:ext uri="{EFAFB233-063F-42B5-8137-9DF3F51BA10A}">
+      <p15:sldGuideLst xmlns:p15="http://schemas.microsoft.com/office/powerpoint/2012/main"/>
+    </p:ext>
+  </p:extLst>
 </p:presentation>
 </file>
 
 <file path=ppt/revisionInfo.xml><?xml version="1.0" encoding="utf-8"?>
 <p1510:revInfo xmlns:a="http://schemas.openxmlformats.org/drawingml/2006/main" xmlns:r="http://schemas.openxmlformats.org/officeDocument/2006/relationships" xmlns:p1510="http://schemas.microsoft.com/office/powerpoint/2015/10/main">
   <p1510:revLst>
-    <p1510:client id="{2A3E10D1-ABAB-4574-ADA8-42C8B9BEC6A9}" v="11" dt="2025-02-20T19:31:25.758"/>
+    <p1510:client id="{2A3E10D1-ABAB-4574-ADA8-42C8B9BEC6A9}" v="21" dt="2025-02-20T20:21:24.243"/>
   </p1510:revLst>
 </p1510:revInfo>
 </file>
@@ -120,12 +125,12 @@
   <pc:docChgLst>
     <pc:chgData name="Zoheir HADID" userId="123d7235792d1862" providerId="LiveId" clId="{2A3E10D1-ABAB-4574-ADA8-42C8B9BEC6A9}"/>
     <pc:docChg chg="custSel addSld modSld">
-      <pc:chgData name="Zoheir HADID" userId="123d7235792d1862" providerId="LiveId" clId="{2A3E10D1-ABAB-4574-ADA8-42C8B9BEC6A9}" dt="2025-02-20T19:31:52.507" v="112" actId="14100"/>
+      <pc:chgData name="Zoheir HADID" userId="123d7235792d1862" providerId="LiveId" clId="{2A3E10D1-ABAB-4574-ADA8-42C8B9BEC6A9}" dt="2025-02-20T20:21:24.243" v="234" actId="164"/>
       <pc:docMkLst>
         <pc:docMk/>
       </pc:docMkLst>
       <pc:sldChg chg="addSp delSp modSp new mod">
-        <pc:chgData name="Zoheir HADID" userId="123d7235792d1862" providerId="LiveId" clId="{2A3E10D1-ABAB-4574-ADA8-42C8B9BEC6A9}" dt="2025-02-20T19:31:52.507" v="112" actId="14100"/>
+        <pc:chgData name="Zoheir HADID" userId="123d7235792d1862" providerId="LiveId" clId="{2A3E10D1-ABAB-4574-ADA8-42C8B9BEC6A9}" dt="2025-02-20T20:21:24.243" v="234" actId="164"/>
         <pc:sldMkLst>
           <pc:docMk/>
           <pc:sldMk cId="4243550657" sldId="256"/>
@@ -138,12 +143,28 @@
             <ac:spMk id="2" creationId="{2D83656A-B467-2273-0C04-FD9353F64340}"/>
           </ac:spMkLst>
         </pc:spChg>
+        <pc:spChg chg="add mod">
+          <ac:chgData name="Zoheir HADID" userId="123d7235792d1862" providerId="LiveId" clId="{2A3E10D1-ABAB-4574-ADA8-42C8B9BEC6A9}" dt="2025-02-20T20:21:24.243" v="234" actId="164"/>
+          <ac:spMkLst>
+            <pc:docMk/>
+            <pc:sldMk cId="4243550657" sldId="256"/>
+            <ac:spMk id="2" creationId="{3F58695C-B3F0-1FC7-CFE1-2B5C6549804D}"/>
+          </ac:spMkLst>
+        </pc:spChg>
         <pc:spChg chg="del">
           <ac:chgData name="Zoheir HADID" userId="123d7235792d1862" providerId="LiveId" clId="{2A3E10D1-ABAB-4574-ADA8-42C8B9BEC6A9}" dt="2025-02-20T19:21:16.104" v="1" actId="478"/>
           <ac:spMkLst>
             <pc:docMk/>
             <pc:sldMk cId="4243550657" sldId="256"/>
             <ac:spMk id="3" creationId="{63B1EE4A-9D28-42A0-8B7A-44192871A48D}"/>
+          </ac:spMkLst>
+        </pc:spChg>
+        <pc:spChg chg="add mod">
+          <ac:chgData name="Zoheir HADID" userId="123d7235792d1862" providerId="LiveId" clId="{2A3E10D1-ABAB-4574-ADA8-42C8B9BEC6A9}" dt="2025-02-20T20:21:24.243" v="234" actId="164"/>
+          <ac:spMkLst>
+            <pc:docMk/>
+            <pc:sldMk cId="4243550657" sldId="256"/>
+            <ac:spMk id="3" creationId="{9D31B456-E998-A022-8E1C-C895D76722DB}"/>
           </ac:spMkLst>
         </pc:spChg>
         <pc:spChg chg="add mod ord topLvl">
@@ -154,8 +175,48 @@
             <ac:spMk id="4" creationId="{CAC6ACE4-478B-9440-72AE-E2B8DE434C14}"/>
           </ac:spMkLst>
         </pc:spChg>
+        <pc:spChg chg="add mod">
+          <ac:chgData name="Zoheir HADID" userId="123d7235792d1862" providerId="LiveId" clId="{2A3E10D1-ABAB-4574-ADA8-42C8B9BEC6A9}" dt="2025-02-20T20:21:24.243" v="234" actId="164"/>
+          <ac:spMkLst>
+            <pc:docMk/>
+            <pc:sldMk cId="4243550657" sldId="256"/>
+            <ac:spMk id="5" creationId="{B7C6E827-14BE-CCE9-CCC2-1CA18C3F376A}"/>
+          </ac:spMkLst>
+        </pc:spChg>
+        <pc:spChg chg="add mod">
+          <ac:chgData name="Zoheir HADID" userId="123d7235792d1862" providerId="LiveId" clId="{2A3E10D1-ABAB-4574-ADA8-42C8B9BEC6A9}" dt="2025-02-20T20:21:24.243" v="234" actId="164"/>
+          <ac:spMkLst>
+            <pc:docMk/>
+            <pc:sldMk cId="4243550657" sldId="256"/>
+            <ac:spMk id="8" creationId="{A2CEDBE5-902D-5F6F-4DD0-873F201BDECF}"/>
+          </ac:spMkLst>
+        </pc:spChg>
+        <pc:spChg chg="add mod">
+          <ac:chgData name="Zoheir HADID" userId="123d7235792d1862" providerId="LiveId" clId="{2A3E10D1-ABAB-4574-ADA8-42C8B9BEC6A9}" dt="2025-02-20T20:21:24.243" v="234" actId="164"/>
+          <ac:spMkLst>
+            <pc:docMk/>
+            <pc:sldMk cId="4243550657" sldId="256"/>
+            <ac:spMk id="9" creationId="{E5337EE6-9012-34EF-C7AF-3ADE37326102}"/>
+          </ac:spMkLst>
+        </pc:spChg>
+        <pc:spChg chg="add mod">
+          <ac:chgData name="Zoheir HADID" userId="123d7235792d1862" providerId="LiveId" clId="{2A3E10D1-ABAB-4574-ADA8-42C8B9BEC6A9}" dt="2025-02-20T20:21:24.243" v="234" actId="164"/>
+          <ac:spMkLst>
+            <pc:docMk/>
+            <pc:sldMk cId="4243550657" sldId="256"/>
+            <ac:spMk id="11" creationId="{8029C2BE-EFE1-F14B-C923-D78C968A5D31}"/>
+          </ac:spMkLst>
+        </pc:spChg>
+        <pc:spChg chg="add mod">
+          <ac:chgData name="Zoheir HADID" userId="123d7235792d1862" providerId="LiveId" clId="{2A3E10D1-ABAB-4574-ADA8-42C8B9BEC6A9}" dt="2025-02-20T20:21:24.243" v="234" actId="164"/>
+          <ac:spMkLst>
+            <pc:docMk/>
+            <pc:sldMk cId="4243550657" sldId="256"/>
+            <ac:spMk id="12" creationId="{D9C04986-58BE-ADD3-C55D-3F28A552404B}"/>
+          </ac:spMkLst>
+        </pc:spChg>
         <pc:spChg chg="add mod topLvl">
-          <ac:chgData name="Zoheir HADID" userId="123d7235792d1862" providerId="LiveId" clId="{2A3E10D1-ABAB-4574-ADA8-42C8B9BEC6A9}" dt="2025-02-20T19:30:41.471" v="104" actId="164"/>
+          <ac:chgData name="Zoheir HADID" userId="123d7235792d1862" providerId="LiveId" clId="{2A3E10D1-ABAB-4574-ADA8-42C8B9BEC6A9}" dt="2025-02-20T20:21:12.531" v="233" actId="2711"/>
           <ac:spMkLst>
             <pc:docMk/>
             <pc:sldMk cId="4243550657" sldId="256"/>
@@ -163,7 +224,7 @@
           </ac:spMkLst>
         </pc:spChg>
         <pc:spChg chg="add mod topLvl">
-          <ac:chgData name="Zoheir HADID" userId="123d7235792d1862" providerId="LiveId" clId="{2A3E10D1-ABAB-4574-ADA8-42C8B9BEC6A9}" dt="2025-02-20T19:30:41.471" v="104" actId="164"/>
+          <ac:chgData name="Zoheir HADID" userId="123d7235792d1862" providerId="LiveId" clId="{2A3E10D1-ABAB-4574-ADA8-42C8B9BEC6A9}" dt="2025-02-20T20:00:50.516" v="114" actId="20577"/>
           <ac:spMkLst>
             <pc:docMk/>
             <pc:sldMk cId="4243550657" sldId="256"/>
@@ -171,19 +232,35 @@
           </ac:spMkLst>
         </pc:spChg>
         <pc:spChg chg="add mod topLvl">
-          <ac:chgData name="Zoheir HADID" userId="123d7235792d1862" providerId="LiveId" clId="{2A3E10D1-ABAB-4574-ADA8-42C8B9BEC6A9}" dt="2025-02-20T19:30:41.471" v="104" actId="164"/>
+          <ac:chgData name="Zoheir HADID" userId="123d7235792d1862" providerId="LiveId" clId="{2A3E10D1-ABAB-4574-ADA8-42C8B9BEC6A9}" dt="2025-02-20T20:21:12.531" v="233" actId="2711"/>
           <ac:spMkLst>
             <pc:docMk/>
             <pc:sldMk cId="4243550657" sldId="256"/>
             <ac:spMk id="15" creationId="{8557D550-09EA-42A8-F987-6994E539AC81}"/>
           </ac:spMkLst>
         </pc:spChg>
+        <pc:spChg chg="add mod">
+          <ac:chgData name="Zoheir HADID" userId="123d7235792d1862" providerId="LiveId" clId="{2A3E10D1-ABAB-4574-ADA8-42C8B9BEC6A9}" dt="2025-02-20T20:21:24.243" v="234" actId="164"/>
+          <ac:spMkLst>
+            <pc:docMk/>
+            <pc:sldMk cId="4243550657" sldId="256"/>
+            <ac:spMk id="16" creationId="{B2E8991D-F101-939D-AFA5-01A73FD4F0C9}"/>
+          </ac:spMkLst>
+        </pc:spChg>
         <pc:spChg chg="add mod ord topLvl">
-          <ac:chgData name="Zoheir HADID" userId="123d7235792d1862" providerId="LiveId" clId="{2A3E10D1-ABAB-4574-ADA8-42C8B9BEC6A9}" dt="2025-02-20T19:31:38.500" v="109" actId="14100"/>
+          <ac:chgData name="Zoheir HADID" userId="123d7235792d1862" providerId="LiveId" clId="{2A3E10D1-ABAB-4574-ADA8-42C8B9BEC6A9}" dt="2025-02-20T20:21:12.531" v="233" actId="2711"/>
           <ac:spMkLst>
             <pc:docMk/>
             <pc:sldMk cId="4243550657" sldId="256"/>
             <ac:spMk id="17" creationId="{D48D90E7-C8D6-2FF2-3B47-E4F6522056F1}"/>
+          </ac:spMkLst>
+        </pc:spChg>
+        <pc:spChg chg="add mod">
+          <ac:chgData name="Zoheir HADID" userId="123d7235792d1862" providerId="LiveId" clId="{2A3E10D1-ABAB-4574-ADA8-42C8B9BEC6A9}" dt="2025-02-20T20:21:24.243" v="234" actId="164"/>
+          <ac:spMkLst>
+            <pc:docMk/>
+            <pc:sldMk cId="4243550657" sldId="256"/>
+            <ac:spMk id="18" creationId="{BBAF7C19-38B8-A1D2-5BFE-4122ECF96344}"/>
           </ac:spMkLst>
         </pc:spChg>
         <pc:spChg chg="add mod topLvl">
@@ -192,6 +269,14 @@
             <pc:docMk/>
             <pc:sldMk cId="4243550657" sldId="256"/>
             <ac:spMk id="19" creationId="{662FF9E1-802F-CC34-7C6B-3000B6DA7E4C}"/>
+          </ac:spMkLst>
+        </pc:spChg>
+        <pc:spChg chg="add mod">
+          <ac:chgData name="Zoheir HADID" userId="123d7235792d1862" providerId="LiveId" clId="{2A3E10D1-ABAB-4574-ADA8-42C8B9BEC6A9}" dt="2025-02-20T20:21:24.243" v="234" actId="164"/>
+          <ac:spMkLst>
+            <pc:docMk/>
+            <pc:sldMk cId="4243550657" sldId="256"/>
+            <ac:spMk id="20" creationId="{0F165808-3BD0-C1FB-9EC0-9ED8F7035E7C}"/>
           </ac:spMkLst>
         </pc:spChg>
         <pc:spChg chg="add mod topLvl">
@@ -203,7 +288,7 @@
           </ac:spMkLst>
         </pc:spChg>
         <pc:spChg chg="add mod">
-          <ac:chgData name="Zoheir HADID" userId="123d7235792d1862" providerId="LiveId" clId="{2A3E10D1-ABAB-4574-ADA8-42C8B9BEC6A9}" dt="2025-02-20T19:31:52.507" v="112" actId="14100"/>
+          <ac:chgData name="Zoheir HADID" userId="123d7235792d1862" providerId="LiveId" clId="{2A3E10D1-ABAB-4574-ADA8-42C8B9BEC6A9}" dt="2025-02-20T20:21:12.531" v="233" actId="2711"/>
           <ac:spMkLst>
             <pc:docMk/>
             <pc:sldMk cId="4243550657" sldId="256"/>
@@ -3496,10 +3581,10 @@
       </p:grpSpPr>
       <p:grpSp>
         <p:nvGrpSpPr>
-          <p:cNvPr id="30" name="Groupe 29">
-            <a:extLst>
-              <a:ext uri="{FF2B5EF4-FFF2-40B4-BE49-F238E27FC236}">
-                <a16:creationId xmlns:a16="http://schemas.microsoft.com/office/drawing/2014/main" id="{5FC09632-2055-7347-5EA0-68F6E6CDEA1D}"/>
+          <p:cNvPr id="22" name="Groupe 21">
+            <a:extLst>
+              <a:ext uri="{FF2B5EF4-FFF2-40B4-BE49-F238E27FC236}">
+                <a16:creationId xmlns:a16="http://schemas.microsoft.com/office/drawing/2014/main" id="{66399055-31A3-FFED-2DE8-92F7B869A6F2}"/>
               </a:ext>
             </a:extLst>
           </p:cNvPr>
@@ -3508,18 +3593,18 @@
         </p:nvGrpSpPr>
         <p:grpSpPr>
           <a:xfrm>
-            <a:off x="4411583" y="1612486"/>
-            <a:ext cx="1812128" cy="3046015"/>
-            <a:chOff x="4411583" y="1612486"/>
-            <a:chExt cx="1812128" cy="3046015"/>
+            <a:off x="3666640" y="1503089"/>
+            <a:ext cx="3183392" cy="3710463"/>
+            <a:chOff x="3666640" y="1503089"/>
+            <a:chExt cx="3183392" cy="3710463"/>
           </a:xfrm>
         </p:grpSpPr>
         <p:grpSp>
           <p:nvGrpSpPr>
-            <p:cNvPr id="29" name="Groupe 28">
+            <p:cNvPr id="30" name="Groupe 29">
               <a:extLst>
                 <a:ext uri="{FF2B5EF4-FFF2-40B4-BE49-F238E27FC236}">
-                  <a16:creationId xmlns:a16="http://schemas.microsoft.com/office/drawing/2014/main" id="{A8516AF3-EB63-B6A4-2596-C03BE35F799A}"/>
+                  <a16:creationId xmlns:a16="http://schemas.microsoft.com/office/drawing/2014/main" id="{5FC09632-2055-7347-5EA0-68F6E6CDEA1D}"/>
                 </a:ext>
               </a:extLst>
             </p:cNvPr>
@@ -3528,190 +3613,493 @@
           </p:nvGrpSpPr>
           <p:grpSpPr>
             <a:xfrm>
-              <a:off x="4411583" y="2198858"/>
-              <a:ext cx="1812128" cy="2459643"/>
-              <a:chOff x="4411583" y="2198858"/>
-              <a:chExt cx="1812128" cy="2459643"/>
+              <a:off x="4411583" y="1612486"/>
+              <a:ext cx="1812128" cy="3029023"/>
+              <a:chOff x="4411583" y="1612486"/>
+              <a:chExt cx="1812128" cy="3029023"/>
             </a:xfrm>
           </p:grpSpPr>
-          <p:sp>
-            <p:nvSpPr>
-              <p:cNvPr id="4" name="Cube 3">
+          <p:grpSp>
+            <p:nvGrpSpPr>
+              <p:cNvPr id="29" name="Groupe 28">
                 <a:extLst>
                   <a:ext uri="{FF2B5EF4-FFF2-40B4-BE49-F238E27FC236}">
-                    <a16:creationId xmlns:a16="http://schemas.microsoft.com/office/drawing/2014/main" id="{CAC6ACE4-478B-9440-72AE-E2B8DE434C14}"/>
+                    <a16:creationId xmlns:a16="http://schemas.microsoft.com/office/drawing/2014/main" id="{A8516AF3-EB63-B6A4-2596-C03BE35F799A}"/>
                   </a:ext>
                 </a:extLst>
               </p:cNvPr>
-              <p:cNvSpPr/>
+              <p:cNvGrpSpPr/>
               <p:nvPr/>
-            </p:nvSpPr>
-            <p:spPr>
+            </p:nvGrpSpPr>
+            <p:grpSpPr>
               <a:xfrm>
-                <a:off x="4526733" y="2199993"/>
-                <a:ext cx="1167897" cy="2227152"/>
+                <a:off x="4411583" y="2198858"/>
+                <a:ext cx="1812128" cy="2442651"/>
+                <a:chOff x="4411583" y="2198858"/>
+                <a:chExt cx="1812128" cy="2442651"/>
               </a:xfrm>
-              <a:prstGeom prst="cube">
-                <a:avLst>
-                  <a:gd name="adj" fmla="val 39729"/>
-                </a:avLst>
-              </a:prstGeom>
-            </p:spPr>
-            <p:style>
-              <a:lnRef idx="1">
-                <a:schemeClr val="accent3"/>
-              </a:lnRef>
-              <a:fillRef idx="2">
-                <a:schemeClr val="accent3"/>
-              </a:fillRef>
-              <a:effectRef idx="1">
-                <a:schemeClr val="accent3"/>
-              </a:effectRef>
-              <a:fontRef idx="minor">
-                <a:schemeClr val="dk1"/>
-              </a:fontRef>
-            </p:style>
-            <p:txBody>
-              <a:bodyPr rtlCol="0" anchor="ctr"/>
-              <a:lstStyle/>
-              <a:p>
-                <a:pPr algn="ctr"/>
-                <a:endParaRPr lang="fr-FR" sz="1000"/>
-              </a:p>
-            </p:txBody>
-          </p:sp>
-          <p:cxnSp>
-            <p:nvCxnSpPr>
-              <p:cNvPr id="6" name="Connecteur droit avec flèche 5">
+            </p:grpSpPr>
+            <p:sp>
+              <p:nvSpPr>
+                <p:cNvPr id="4" name="Cube 3">
+                  <a:extLst>
+                    <a:ext uri="{FF2B5EF4-FFF2-40B4-BE49-F238E27FC236}">
+                      <a16:creationId xmlns:a16="http://schemas.microsoft.com/office/drawing/2014/main" id="{CAC6ACE4-478B-9440-72AE-E2B8DE434C14}"/>
+                    </a:ext>
+                  </a:extLst>
+                </p:cNvPr>
+                <p:cNvSpPr/>
+                <p:nvPr/>
+              </p:nvSpPr>
+              <p:spPr>
+                <a:xfrm>
+                  <a:off x="4526733" y="2199993"/>
+                  <a:ext cx="1167897" cy="2227152"/>
+                </a:xfrm>
+                <a:prstGeom prst="cube">
+                  <a:avLst>
+                    <a:gd name="adj" fmla="val 39729"/>
+                  </a:avLst>
+                </a:prstGeom>
+              </p:spPr>
+              <p:style>
+                <a:lnRef idx="1">
+                  <a:schemeClr val="accent3"/>
+                </a:lnRef>
+                <a:fillRef idx="2">
+                  <a:schemeClr val="accent3"/>
+                </a:fillRef>
+                <a:effectRef idx="1">
+                  <a:schemeClr val="accent3"/>
+                </a:effectRef>
+                <a:fontRef idx="minor">
+                  <a:schemeClr val="dk1"/>
+                </a:fontRef>
+              </p:style>
+              <p:txBody>
+                <a:bodyPr rtlCol="0" anchor="ctr"/>
+                <a:lstStyle/>
+                <a:p>
+                  <a:pPr algn="ctr"/>
+                  <a:endParaRPr lang="fr-FR" sz="1000">
+                    <a:latin typeface="Arial" panose="020B0604020202020204" pitchFamily="34" charset="0"/>
+                    <a:cs typeface="Arial" panose="020B0604020202020204" pitchFamily="34" charset="0"/>
+                  </a:endParaRPr>
+                </a:p>
+              </p:txBody>
+            </p:sp>
+            <p:cxnSp>
+              <p:nvCxnSpPr>
+                <p:cNvPr id="6" name="Connecteur droit avec flèche 5">
+                  <a:extLst>
+                    <a:ext uri="{FF2B5EF4-FFF2-40B4-BE49-F238E27FC236}">
+                      <a16:creationId xmlns:a16="http://schemas.microsoft.com/office/drawing/2014/main" id="{E90CF314-DCC1-E89C-356F-6D1BAF84DB0A}"/>
+                    </a:ext>
+                  </a:extLst>
+                </p:cNvPr>
+                <p:cNvCxnSpPr>
+                  <a:cxnSpLocks/>
+                </p:cNvCxnSpPr>
+                <p:nvPr/>
+              </p:nvCxnSpPr>
+              <p:spPr>
+                <a:xfrm flipH="1">
+                  <a:off x="5097101" y="2198858"/>
+                  <a:ext cx="463993" cy="463994"/>
+                </a:xfrm>
+                <a:prstGeom prst="straightConnector1">
+                  <a:avLst/>
+                </a:prstGeom>
+                <a:ln>
+                  <a:headEnd type="triangle"/>
+                  <a:tailEnd type="triangle"/>
+                </a:ln>
+              </p:spPr>
+              <p:style>
+                <a:lnRef idx="2">
+                  <a:schemeClr val="accent1"/>
+                </a:lnRef>
+                <a:fillRef idx="0">
+                  <a:schemeClr val="accent1"/>
+                </a:fillRef>
+                <a:effectRef idx="1">
+                  <a:schemeClr val="accent1"/>
+                </a:effectRef>
+                <a:fontRef idx="minor">
+                  <a:schemeClr val="tx1"/>
+                </a:fontRef>
+              </p:style>
+            </p:cxnSp>
+            <p:cxnSp>
+              <p:nvCxnSpPr>
+                <p:cNvPr id="7" name="Connecteur droit avec flèche 6">
+                  <a:extLst>
+                    <a:ext uri="{FF2B5EF4-FFF2-40B4-BE49-F238E27FC236}">
+                      <a16:creationId xmlns:a16="http://schemas.microsoft.com/office/drawing/2014/main" id="{A8143D30-D6E2-D195-6724-41A32E85C0AD}"/>
+                    </a:ext>
+                  </a:extLst>
+                </p:cNvPr>
+                <p:cNvCxnSpPr>
+                  <a:cxnSpLocks/>
+                </p:cNvCxnSpPr>
+                <p:nvPr/>
+              </p:nvCxnSpPr>
+              <p:spPr>
+                <a:xfrm>
+                  <a:off x="5310991" y="2592686"/>
+                  <a:ext cx="0" cy="1763158"/>
+                </a:xfrm>
+                <a:prstGeom prst="straightConnector1">
+                  <a:avLst/>
+                </a:prstGeom>
+                <a:ln>
+                  <a:headEnd type="triangle"/>
+                  <a:tailEnd type="triangle"/>
+                </a:ln>
+              </p:spPr>
+              <p:style>
+                <a:lnRef idx="2">
+                  <a:schemeClr val="accent1"/>
+                </a:lnRef>
+                <a:fillRef idx="0">
+                  <a:schemeClr val="accent1"/>
+                </a:fillRef>
+                <a:effectRef idx="1">
+                  <a:schemeClr val="accent1"/>
+                </a:effectRef>
+                <a:fontRef idx="minor">
+                  <a:schemeClr val="tx1"/>
+                </a:fontRef>
+              </p:style>
+            </p:cxnSp>
+            <p:cxnSp>
+              <p:nvCxnSpPr>
+                <p:cNvPr id="10" name="Connecteur droit avec flèche 9">
+                  <a:extLst>
+                    <a:ext uri="{FF2B5EF4-FFF2-40B4-BE49-F238E27FC236}">
+                      <a16:creationId xmlns:a16="http://schemas.microsoft.com/office/drawing/2014/main" id="{1EF644BA-B95D-10A2-E5C4-526596A112FA}"/>
+                    </a:ext>
+                  </a:extLst>
+                </p:cNvPr>
+                <p:cNvCxnSpPr>
+                  <a:cxnSpLocks/>
+                </p:cNvCxnSpPr>
+                <p:nvPr/>
+              </p:nvCxnSpPr>
+              <p:spPr>
+                <a:xfrm>
+                  <a:off x="4526733" y="2766968"/>
+                  <a:ext cx="703903" cy="0"/>
+                </a:xfrm>
+                <a:prstGeom prst="straightConnector1">
+                  <a:avLst/>
+                </a:prstGeom>
+                <a:ln>
+                  <a:headEnd type="triangle"/>
+                  <a:tailEnd type="triangle"/>
+                </a:ln>
+              </p:spPr>
+              <p:style>
+                <a:lnRef idx="2">
+                  <a:schemeClr val="accent1"/>
+                </a:lnRef>
+                <a:fillRef idx="0">
+                  <a:schemeClr val="accent1"/>
+                </a:fillRef>
+                <a:effectRef idx="1">
+                  <a:schemeClr val="accent1"/>
+                </a:effectRef>
+                <a:fontRef idx="minor">
+                  <a:schemeClr val="tx1"/>
+                </a:fontRef>
+              </p:style>
+            </p:cxnSp>
+            <p:sp>
+              <p:nvSpPr>
+                <p:cNvPr id="13" name="ZoneTexte 12">
+                  <a:extLst>
+                    <a:ext uri="{FF2B5EF4-FFF2-40B4-BE49-F238E27FC236}">
+                      <a16:creationId xmlns:a16="http://schemas.microsoft.com/office/drawing/2014/main" id="{5C856BAA-B93B-D2F9-5117-C8E9E976C8E9}"/>
+                    </a:ext>
+                  </a:extLst>
+                </p:cNvPr>
+                <p:cNvSpPr txBox="1"/>
+                <p:nvPr/>
+              </p:nvSpPr>
+              <p:spPr>
+                <a:xfrm>
+                  <a:off x="5267424" y="3232348"/>
+                  <a:ext cx="636713" cy="246221"/>
+                </a:xfrm>
+                <a:prstGeom prst="rect">
+                  <a:avLst/>
+                </a:prstGeom>
+                <a:noFill/>
+              </p:spPr>
+              <p:txBody>
+                <a:bodyPr wrap="none" rtlCol="0">
+                  <a:spAutoFit/>
+                </a:bodyPr>
+                <a:lstStyle/>
+                <a:p>
+                  <a:r>
+                    <a:rPr lang="fr-FR" sz="1000" dirty="0">
+                      <a:latin typeface="Arial" panose="020B0604020202020204" pitchFamily="34" charset="0"/>
+                      <a:cs typeface="Arial" panose="020B0604020202020204" pitchFamily="34" charset="0"/>
+                    </a:rPr>
+                    <a:t>H=1.5m</a:t>
+                  </a:r>
+                </a:p>
+              </p:txBody>
+            </p:sp>
+            <p:sp>
+              <p:nvSpPr>
+                <p:cNvPr id="14" name="ZoneTexte 13">
+                  <a:extLst>
+                    <a:ext uri="{FF2B5EF4-FFF2-40B4-BE49-F238E27FC236}">
+                      <a16:creationId xmlns:a16="http://schemas.microsoft.com/office/drawing/2014/main" id="{2BCFB17E-D087-52E4-D49F-A12D4B9A37F2}"/>
+                    </a:ext>
+                  </a:extLst>
+                </p:cNvPr>
+                <p:cNvSpPr txBox="1"/>
+                <p:nvPr/>
+              </p:nvSpPr>
+              <p:spPr>
+                <a:xfrm>
+                  <a:off x="4731849" y="2732585"/>
+                  <a:ext cx="614271" cy="246221"/>
+                </a:xfrm>
+                <a:prstGeom prst="rect">
+                  <a:avLst/>
+                </a:prstGeom>
+                <a:noFill/>
+              </p:spPr>
+              <p:txBody>
+                <a:bodyPr wrap="none" rtlCol="0">
+                  <a:spAutoFit/>
+                </a:bodyPr>
+                <a:lstStyle/>
+                <a:p>
+                  <a:r>
+                    <a:rPr lang="fr-FR" sz="1000" dirty="0">
+                      <a:latin typeface="Arial" panose="020B0604020202020204" pitchFamily="34" charset="0"/>
+                      <a:cs typeface="Arial" panose="020B0604020202020204" pitchFamily="34" charset="0"/>
+                    </a:rPr>
+                    <a:t>L=0.6m</a:t>
+                  </a:r>
+                </a:p>
+              </p:txBody>
+            </p:sp>
+            <p:sp>
+              <p:nvSpPr>
+                <p:cNvPr id="15" name="ZoneTexte 14">
+                  <a:extLst>
+                    <a:ext uri="{FF2B5EF4-FFF2-40B4-BE49-F238E27FC236}">
+                      <a16:creationId xmlns:a16="http://schemas.microsoft.com/office/drawing/2014/main" id="{8557D550-09EA-42A8-F987-6994E539AC81}"/>
+                    </a:ext>
+                  </a:extLst>
+                </p:cNvPr>
+                <p:cNvSpPr txBox="1"/>
+                <p:nvPr/>
+              </p:nvSpPr>
+              <p:spPr>
+                <a:xfrm>
+                  <a:off x="5009114" y="2262506"/>
+                  <a:ext cx="665567" cy="246221"/>
+                </a:xfrm>
+                <a:prstGeom prst="rect">
+                  <a:avLst/>
+                </a:prstGeom>
+                <a:noFill/>
+              </p:spPr>
+              <p:txBody>
+                <a:bodyPr wrap="none" rtlCol="0">
+                  <a:spAutoFit/>
+                </a:bodyPr>
+                <a:lstStyle/>
+                <a:p>
+                  <a:r>
+                    <a:rPr lang="fr-FR" sz="1000" dirty="0">
+                      <a:latin typeface="Arial" panose="020B0604020202020204" pitchFamily="34" charset="0"/>
+                      <a:cs typeface="Arial" panose="020B0604020202020204" pitchFamily="34" charset="0"/>
+                    </a:rPr>
+                    <a:t>W=0.8m</a:t>
+                  </a:r>
+                </a:p>
+              </p:txBody>
+            </p:sp>
+            <p:sp>
+              <p:nvSpPr>
+                <p:cNvPr id="19" name="ZoneTexte 18">
+                  <a:extLst>
+                    <a:ext uri="{FF2B5EF4-FFF2-40B4-BE49-F238E27FC236}">
+                      <a16:creationId xmlns:a16="http://schemas.microsoft.com/office/drawing/2014/main" id="{662FF9E1-802F-CC34-7C6B-3000B6DA7E4C}"/>
+                    </a:ext>
+                  </a:extLst>
+                </p:cNvPr>
+                <p:cNvSpPr txBox="1"/>
+                <p:nvPr/>
+              </p:nvSpPr>
+              <p:spPr>
+                <a:xfrm>
+                  <a:off x="4442989" y="4385349"/>
+                  <a:ext cx="1344130" cy="256160"/>
+                </a:xfrm>
+                <a:prstGeom prst="rect">
+                  <a:avLst/>
+                </a:prstGeom>
+                <a:noFill/>
+              </p:spPr>
+              <p:txBody>
+                <a:bodyPr wrap="square">
+                  <a:spAutoFit/>
+                </a:bodyPr>
+                <a:lstStyle/>
+                <a:p>
+                  <a:pPr>
+                    <a:lnSpc>
+                      <a:spcPts val="1425"/>
+                    </a:lnSpc>
+                  </a:pPr>
+                  <a:r>
+                    <a:rPr lang="fr-FR" sz="1000" b="0" dirty="0" err="1">
+                      <a:solidFill>
+                        <a:srgbClr val="A31515"/>
+                      </a:solidFill>
+                      <a:effectLst/>
+                      <a:latin typeface="Arial" panose="020B0604020202020204" pitchFamily="34" charset="0"/>
+                      <a:cs typeface="Arial" panose="020B0604020202020204" pitchFamily="34" charset="0"/>
+                    </a:rPr>
+                    <a:t>horizontal_down</a:t>
+                  </a:r>
+                  <a:endParaRPr lang="fr-FR" sz="1000" b="0" dirty="0">
+                    <a:solidFill>
+                      <a:srgbClr val="000000"/>
+                    </a:solidFill>
+                    <a:effectLst/>
+                    <a:latin typeface="Arial" panose="020B0604020202020204" pitchFamily="34" charset="0"/>
+                    <a:cs typeface="Arial" panose="020B0604020202020204" pitchFamily="34" charset="0"/>
+                  </a:endParaRPr>
+                </a:p>
+              </p:txBody>
+            </p:sp>
+            <p:sp>
+              <p:nvSpPr>
+                <p:cNvPr id="21" name="ZoneTexte 20">
+                  <a:extLst>
+                    <a:ext uri="{FF2B5EF4-FFF2-40B4-BE49-F238E27FC236}">
+                      <a16:creationId xmlns:a16="http://schemas.microsoft.com/office/drawing/2014/main" id="{B0DADAC8-ADD5-A214-68EA-A4E9CD44BC32}"/>
+                    </a:ext>
+                  </a:extLst>
+                </p:cNvPr>
+                <p:cNvSpPr txBox="1"/>
+                <p:nvPr/>
+              </p:nvSpPr>
+              <p:spPr>
+                <a:xfrm rot="19064297">
+                  <a:off x="5244816" y="2781758"/>
+                  <a:ext cx="978895" cy="256160"/>
+                </a:xfrm>
+                <a:prstGeom prst="rect">
+                  <a:avLst/>
+                </a:prstGeom>
+                <a:noFill/>
+              </p:spPr>
+              <p:txBody>
+                <a:bodyPr wrap="square">
+                  <a:spAutoFit/>
+                </a:bodyPr>
+                <a:lstStyle/>
+                <a:p>
+                  <a:pPr>
+                    <a:lnSpc>
+                      <a:spcPts val="1425"/>
+                    </a:lnSpc>
+                  </a:pPr>
+                  <a:r>
+                    <a:rPr lang="fr-FR" sz="1000" b="0" dirty="0">
+                      <a:solidFill>
+                        <a:srgbClr val="A31515"/>
+                      </a:solidFill>
+                      <a:effectLst/>
+                      <a:latin typeface="Arial" panose="020B0604020202020204" pitchFamily="34" charset="0"/>
+                      <a:cs typeface="Arial" panose="020B0604020202020204" pitchFamily="34" charset="0"/>
+                    </a:rPr>
+                    <a:t>vertical 2</a:t>
+                  </a:r>
+                  <a:endParaRPr lang="fr-FR" sz="1000" b="0" dirty="0">
+                    <a:solidFill>
+                      <a:srgbClr val="000000"/>
+                    </a:solidFill>
+                    <a:effectLst/>
+                    <a:latin typeface="Arial" panose="020B0604020202020204" pitchFamily="34" charset="0"/>
+                    <a:cs typeface="Arial" panose="020B0604020202020204" pitchFamily="34" charset="0"/>
+                  </a:endParaRPr>
+                </a:p>
+              </p:txBody>
+            </p:sp>
+            <p:sp>
+              <p:nvSpPr>
+                <p:cNvPr id="28" name="ZoneTexte 27">
+                  <a:extLst>
+                    <a:ext uri="{FF2B5EF4-FFF2-40B4-BE49-F238E27FC236}">
+                      <a16:creationId xmlns:a16="http://schemas.microsoft.com/office/drawing/2014/main" id="{B3720C06-9D29-94A2-A8D5-2732955F5015}"/>
+                    </a:ext>
+                  </a:extLst>
+                </p:cNvPr>
+                <p:cNvSpPr txBox="1"/>
+                <p:nvPr/>
+              </p:nvSpPr>
+              <p:spPr>
+                <a:xfrm>
+                  <a:off x="4411583" y="3394977"/>
+                  <a:ext cx="975230" cy="256160"/>
+                </a:xfrm>
+                <a:prstGeom prst="rect">
+                  <a:avLst/>
+                </a:prstGeom>
+                <a:noFill/>
+              </p:spPr>
+              <p:txBody>
+                <a:bodyPr wrap="square">
+                  <a:spAutoFit/>
+                </a:bodyPr>
+                <a:lstStyle/>
+                <a:p>
+                  <a:pPr>
+                    <a:lnSpc>
+                      <a:spcPts val="1425"/>
+                    </a:lnSpc>
+                  </a:pPr>
+                  <a:r>
+                    <a:rPr lang="fr-FR" sz="1000" b="0" dirty="0">
+                      <a:solidFill>
+                        <a:srgbClr val="A31515"/>
+                      </a:solidFill>
+                      <a:effectLst/>
+                      <a:latin typeface="Arial" panose="020B0604020202020204" pitchFamily="34" charset="0"/>
+                      <a:cs typeface="Arial" panose="020B0604020202020204" pitchFamily="34" charset="0"/>
+                    </a:rPr>
+                    <a:t>vertical 1</a:t>
+                  </a:r>
+                  <a:endParaRPr lang="fr-FR" sz="1000" b="0" dirty="0">
+                    <a:solidFill>
+                      <a:srgbClr val="000000"/>
+                    </a:solidFill>
+                    <a:effectLst/>
+                    <a:latin typeface="Arial" panose="020B0604020202020204" pitchFamily="34" charset="0"/>
+                    <a:cs typeface="Arial" panose="020B0604020202020204" pitchFamily="34" charset="0"/>
+                  </a:endParaRPr>
+                </a:p>
+              </p:txBody>
+            </p:sp>
+          </p:grpSp>
+          <p:sp>
+            <p:nvSpPr>
+              <p:cNvPr id="17" name="ZoneTexte 16">
                 <a:extLst>
                   <a:ext uri="{FF2B5EF4-FFF2-40B4-BE49-F238E27FC236}">
-                    <a16:creationId xmlns:a16="http://schemas.microsoft.com/office/drawing/2014/main" id="{E90CF314-DCC1-E89C-356F-6D1BAF84DB0A}"/>
-                  </a:ext>
-                </a:extLst>
-              </p:cNvPr>
-              <p:cNvCxnSpPr>
-                <a:cxnSpLocks/>
-              </p:cNvCxnSpPr>
-              <p:nvPr/>
-            </p:nvCxnSpPr>
-            <p:spPr>
-              <a:xfrm flipH="1">
-                <a:off x="5097101" y="2198858"/>
-                <a:ext cx="463993" cy="463994"/>
-              </a:xfrm>
-              <a:prstGeom prst="straightConnector1">
-                <a:avLst/>
-              </a:prstGeom>
-              <a:ln>
-                <a:headEnd type="triangle"/>
-                <a:tailEnd type="triangle"/>
-              </a:ln>
-            </p:spPr>
-            <p:style>
-              <a:lnRef idx="2">
-                <a:schemeClr val="accent1"/>
-              </a:lnRef>
-              <a:fillRef idx="0">
-                <a:schemeClr val="accent1"/>
-              </a:fillRef>
-              <a:effectRef idx="1">
-                <a:schemeClr val="accent1"/>
-              </a:effectRef>
-              <a:fontRef idx="minor">
-                <a:schemeClr val="tx1"/>
-              </a:fontRef>
-            </p:style>
-          </p:cxnSp>
-          <p:cxnSp>
-            <p:nvCxnSpPr>
-              <p:cNvPr id="7" name="Connecteur droit avec flèche 6">
-                <a:extLst>
-                  <a:ext uri="{FF2B5EF4-FFF2-40B4-BE49-F238E27FC236}">
-                    <a16:creationId xmlns:a16="http://schemas.microsoft.com/office/drawing/2014/main" id="{A8143D30-D6E2-D195-6724-41A32E85C0AD}"/>
-                  </a:ext>
-                </a:extLst>
-              </p:cNvPr>
-              <p:cNvCxnSpPr>
-                <a:cxnSpLocks/>
-              </p:cNvCxnSpPr>
-              <p:nvPr/>
-            </p:nvCxnSpPr>
-            <p:spPr>
-              <a:xfrm>
-                <a:off x="5310991" y="2592686"/>
-                <a:ext cx="0" cy="1763158"/>
-              </a:xfrm>
-              <a:prstGeom prst="straightConnector1">
-                <a:avLst/>
-              </a:prstGeom>
-              <a:ln>
-                <a:headEnd type="triangle"/>
-                <a:tailEnd type="triangle"/>
-              </a:ln>
-            </p:spPr>
-            <p:style>
-              <a:lnRef idx="2">
-                <a:schemeClr val="accent1"/>
-              </a:lnRef>
-              <a:fillRef idx="0">
-                <a:schemeClr val="accent1"/>
-              </a:fillRef>
-              <a:effectRef idx="1">
-                <a:schemeClr val="accent1"/>
-              </a:effectRef>
-              <a:fontRef idx="minor">
-                <a:schemeClr val="tx1"/>
-              </a:fontRef>
-            </p:style>
-          </p:cxnSp>
-          <p:cxnSp>
-            <p:nvCxnSpPr>
-              <p:cNvPr id="10" name="Connecteur droit avec flèche 9">
-                <a:extLst>
-                  <a:ext uri="{FF2B5EF4-FFF2-40B4-BE49-F238E27FC236}">
-                    <a16:creationId xmlns:a16="http://schemas.microsoft.com/office/drawing/2014/main" id="{1EF644BA-B95D-10A2-E5C4-526596A112FA}"/>
-                  </a:ext>
-                </a:extLst>
-              </p:cNvPr>
-              <p:cNvCxnSpPr>
-                <a:cxnSpLocks/>
-              </p:cNvCxnSpPr>
-              <p:nvPr/>
-            </p:nvCxnSpPr>
-            <p:spPr>
-              <a:xfrm>
-                <a:off x="4526733" y="2766968"/>
-                <a:ext cx="703903" cy="0"/>
-              </a:xfrm>
-              <a:prstGeom prst="straightConnector1">
-                <a:avLst/>
-              </a:prstGeom>
-              <a:ln>
-                <a:headEnd type="triangle"/>
-                <a:tailEnd type="triangle"/>
-              </a:ln>
-            </p:spPr>
-            <p:style>
-              <a:lnRef idx="2">
-                <a:schemeClr val="accent1"/>
-              </a:lnRef>
-              <a:fillRef idx="0">
-                <a:schemeClr val="accent1"/>
-              </a:fillRef>
-              <a:effectRef idx="1">
-                <a:schemeClr val="accent1"/>
-              </a:effectRef>
-              <a:fontRef idx="minor">
-                <a:schemeClr val="tx1"/>
-              </a:fontRef>
-            </p:style>
-          </p:cxnSp>
-          <p:sp>
-            <p:nvSpPr>
-              <p:cNvPr id="13" name="ZoneTexte 12">
-                <a:extLst>
-                  <a:ext uri="{FF2B5EF4-FFF2-40B4-BE49-F238E27FC236}">
-                    <a16:creationId xmlns:a16="http://schemas.microsoft.com/office/drawing/2014/main" id="{5C856BAA-B93B-D2F9-5117-C8E9E976C8E9}"/>
+                    <a16:creationId xmlns:a16="http://schemas.microsoft.com/office/drawing/2014/main" id="{D48D90E7-C8D6-2FF2-3B47-E4F6522056F1}"/>
                   </a:ext>
                 </a:extLst>
               </p:cNvPr>
@@ -3719,114 +4107,9 @@
               <p:nvPr/>
             </p:nvSpPr>
             <p:spPr>
-              <a:xfrm>
-                <a:off x="5267424" y="3232348"/>
-                <a:ext cx="519694" cy="246221"/>
-              </a:xfrm>
-              <a:prstGeom prst="rect">
-                <a:avLst/>
-              </a:prstGeom>
-              <a:noFill/>
-            </p:spPr>
-            <p:txBody>
-              <a:bodyPr wrap="none" rtlCol="0">
-                <a:spAutoFit/>
-              </a:bodyPr>
-              <a:lstStyle/>
-              <a:p>
-                <a:r>
-                  <a:rPr lang="fr-FR" sz="1000" dirty="0"/>
-                  <a:t>H=1.5</a:t>
-                </a:r>
-              </a:p>
-            </p:txBody>
-          </p:sp>
-          <p:sp>
-            <p:nvSpPr>
-              <p:cNvPr id="14" name="ZoneTexte 13">
-                <a:extLst>
-                  <a:ext uri="{FF2B5EF4-FFF2-40B4-BE49-F238E27FC236}">
-                    <a16:creationId xmlns:a16="http://schemas.microsoft.com/office/drawing/2014/main" id="{2BCFB17E-D087-52E4-D49F-A12D4B9A37F2}"/>
-                  </a:ext>
-                </a:extLst>
-              </p:cNvPr>
-              <p:cNvSpPr txBox="1"/>
-              <p:nvPr/>
-            </p:nvSpPr>
-            <p:spPr>
-              <a:xfrm>
-                <a:off x="4731849" y="2732585"/>
-                <a:ext cx="492443" cy="246221"/>
-              </a:xfrm>
-              <a:prstGeom prst="rect">
-                <a:avLst/>
-              </a:prstGeom>
-              <a:noFill/>
-            </p:spPr>
-            <p:txBody>
-              <a:bodyPr wrap="none" rtlCol="0">
-                <a:spAutoFit/>
-              </a:bodyPr>
-              <a:lstStyle/>
-              <a:p>
-                <a:r>
-                  <a:rPr lang="fr-FR" sz="1000" dirty="0"/>
-                  <a:t>L=0.6</a:t>
-                </a:r>
-              </a:p>
-            </p:txBody>
-          </p:sp>
-          <p:sp>
-            <p:nvSpPr>
-              <p:cNvPr id="15" name="ZoneTexte 14">
-                <a:extLst>
-                  <a:ext uri="{FF2B5EF4-FFF2-40B4-BE49-F238E27FC236}">
-                    <a16:creationId xmlns:a16="http://schemas.microsoft.com/office/drawing/2014/main" id="{8557D550-09EA-42A8-F987-6994E539AC81}"/>
-                  </a:ext>
-                </a:extLst>
-              </p:cNvPr>
-              <p:cNvSpPr txBox="1"/>
-              <p:nvPr/>
-            </p:nvSpPr>
-            <p:spPr>
-              <a:xfrm>
-                <a:off x="5009114" y="2262506"/>
-                <a:ext cx="542136" cy="246221"/>
-              </a:xfrm>
-              <a:prstGeom prst="rect">
-                <a:avLst/>
-              </a:prstGeom>
-              <a:noFill/>
-            </p:spPr>
-            <p:txBody>
-              <a:bodyPr wrap="none" rtlCol="0">
-                <a:spAutoFit/>
-              </a:bodyPr>
-              <a:lstStyle/>
-              <a:p>
-                <a:r>
-                  <a:rPr lang="fr-FR" sz="1000" dirty="0"/>
-                  <a:t>W=0.8</a:t>
-                </a:r>
-              </a:p>
-            </p:txBody>
-          </p:sp>
-          <p:sp>
-            <p:nvSpPr>
-              <p:cNvPr id="19" name="ZoneTexte 18">
-                <a:extLst>
-                  <a:ext uri="{FF2B5EF4-FFF2-40B4-BE49-F238E27FC236}">
-                    <a16:creationId xmlns:a16="http://schemas.microsoft.com/office/drawing/2014/main" id="{662FF9E1-802F-CC34-7C6B-3000B6DA7E4C}"/>
-                  </a:ext>
-                </a:extLst>
-              </p:cNvPr>
-              <p:cNvSpPr txBox="1"/>
-              <p:nvPr/>
-            </p:nvSpPr>
-            <p:spPr>
-              <a:xfrm>
-                <a:off x="4442989" y="4385349"/>
-                <a:ext cx="1344130" cy="273152"/>
+              <a:xfrm rot="18893151">
+                <a:off x="4388421" y="2101077"/>
+                <a:ext cx="1233341" cy="256160"/>
               </a:xfrm>
               <a:prstGeom prst="rect">
                 <a:avLst/>
@@ -3850,122 +4133,18 @@
                       <a:srgbClr val="A31515"/>
                     </a:solidFill>
                     <a:effectLst/>
-                    <a:latin typeface="Courier New" panose="02070309020205020404" pitchFamily="49" charset="0"/>
+                    <a:latin typeface="Arial" panose="020B0604020202020204" pitchFamily="34" charset="0"/>
+                    <a:cs typeface="Arial" panose="020B0604020202020204" pitchFamily="34" charset="0"/>
                   </a:rPr>
-                  <a:t>horizontal_down</a:t>
+                  <a:t>horizontal_up</a:t>
                 </a:r>
                 <a:endParaRPr lang="fr-FR" sz="1000" b="0" dirty="0">
                   <a:solidFill>
                     <a:srgbClr val="000000"/>
                   </a:solidFill>
                   <a:effectLst/>
-                  <a:latin typeface="Courier New" panose="02070309020205020404" pitchFamily="49" charset="0"/>
-                </a:endParaRPr>
-              </a:p>
-            </p:txBody>
-          </p:sp>
-          <p:sp>
-            <p:nvSpPr>
-              <p:cNvPr id="21" name="ZoneTexte 20">
-                <a:extLst>
-                  <a:ext uri="{FF2B5EF4-FFF2-40B4-BE49-F238E27FC236}">
-                    <a16:creationId xmlns:a16="http://schemas.microsoft.com/office/drawing/2014/main" id="{B0DADAC8-ADD5-A214-68EA-A4E9CD44BC32}"/>
-                  </a:ext>
-                </a:extLst>
-              </p:cNvPr>
-              <p:cNvSpPr txBox="1"/>
-              <p:nvPr/>
-            </p:nvSpPr>
-            <p:spPr>
-              <a:xfrm rot="19064297">
-                <a:off x="5244816" y="2773262"/>
-                <a:ext cx="978895" cy="273152"/>
-              </a:xfrm>
-              <a:prstGeom prst="rect">
-                <a:avLst/>
-              </a:prstGeom>
-              <a:noFill/>
-            </p:spPr>
-            <p:txBody>
-              <a:bodyPr wrap="square">
-                <a:spAutoFit/>
-              </a:bodyPr>
-              <a:lstStyle/>
-              <a:p>
-                <a:pPr>
-                  <a:lnSpc>
-                    <a:spcPts val="1425"/>
-                  </a:lnSpc>
-                </a:pPr>
-                <a:r>
-                  <a:rPr lang="fr-FR" sz="1000" b="0" dirty="0">
-                    <a:solidFill>
-                      <a:srgbClr val="A31515"/>
-                    </a:solidFill>
-                    <a:effectLst/>
-                    <a:latin typeface="Courier New" panose="02070309020205020404" pitchFamily="49" charset="0"/>
-                  </a:rPr>
-                  <a:t>vertical 2</a:t>
-                </a:r>
-                <a:endParaRPr lang="fr-FR" sz="1000" b="0" dirty="0">
-                  <a:solidFill>
-                    <a:srgbClr val="000000"/>
-                  </a:solidFill>
-                  <a:effectLst/>
-                  <a:latin typeface="Courier New" panose="02070309020205020404" pitchFamily="49" charset="0"/>
-                </a:endParaRPr>
-              </a:p>
-            </p:txBody>
-          </p:sp>
-          <p:sp>
-            <p:nvSpPr>
-              <p:cNvPr id="28" name="ZoneTexte 27">
-                <a:extLst>
-                  <a:ext uri="{FF2B5EF4-FFF2-40B4-BE49-F238E27FC236}">
-                    <a16:creationId xmlns:a16="http://schemas.microsoft.com/office/drawing/2014/main" id="{B3720C06-9D29-94A2-A8D5-2732955F5015}"/>
-                  </a:ext>
-                </a:extLst>
-              </p:cNvPr>
-              <p:cNvSpPr txBox="1"/>
-              <p:nvPr/>
-            </p:nvSpPr>
-            <p:spPr>
-              <a:xfrm>
-                <a:off x="4411583" y="3394977"/>
-                <a:ext cx="975230" cy="273152"/>
-              </a:xfrm>
-              <a:prstGeom prst="rect">
-                <a:avLst/>
-              </a:prstGeom>
-              <a:noFill/>
-            </p:spPr>
-            <p:txBody>
-              <a:bodyPr wrap="square">
-                <a:spAutoFit/>
-              </a:bodyPr>
-              <a:lstStyle/>
-              <a:p>
-                <a:pPr>
-                  <a:lnSpc>
-                    <a:spcPts val="1425"/>
-                  </a:lnSpc>
-                </a:pPr>
-                <a:r>
-                  <a:rPr lang="fr-FR" sz="1000" b="0" dirty="0">
-                    <a:solidFill>
-                      <a:srgbClr val="A31515"/>
-                    </a:solidFill>
-                    <a:effectLst/>
-                    <a:latin typeface="Courier New" panose="02070309020205020404" pitchFamily="49" charset="0"/>
-                  </a:rPr>
-                  <a:t>vertical 1</a:t>
-                </a:r>
-                <a:endParaRPr lang="fr-FR" sz="1000" b="0" dirty="0">
-                  <a:solidFill>
-                    <a:srgbClr val="000000"/>
-                  </a:solidFill>
-                  <a:effectLst/>
-                  <a:latin typeface="Courier New" panose="02070309020205020404" pitchFamily="49" charset="0"/>
+                  <a:latin typeface="Arial" panose="020B0604020202020204" pitchFamily="34" charset="0"/>
+                  <a:cs typeface="Arial" panose="020B0604020202020204" pitchFamily="34" charset="0"/>
                 </a:endParaRPr>
               </a:p>
             </p:txBody>
@@ -3973,10 +4152,10 @@
         </p:grpSp>
         <p:sp>
           <p:nvSpPr>
-            <p:cNvPr id="17" name="ZoneTexte 16">
+            <p:cNvPr id="2" name="ZoneTexte 1">
               <a:extLst>
                 <a:ext uri="{FF2B5EF4-FFF2-40B4-BE49-F238E27FC236}">
-                  <a16:creationId xmlns:a16="http://schemas.microsoft.com/office/drawing/2014/main" id="{D48D90E7-C8D6-2FF2-3B47-E4F6522056F1}"/>
+                  <a16:creationId xmlns:a16="http://schemas.microsoft.com/office/drawing/2014/main" id="{3F58695C-B3F0-1FC7-CFE1-2B5C6549804D}"/>
                 </a:ext>
               </a:extLst>
             </p:cNvPr>
@@ -3984,9 +4163,9 @@
             <p:nvPr/>
           </p:nvSpPr>
           <p:spPr>
-            <a:xfrm rot="18893151">
-              <a:off x="4388421" y="2092581"/>
-              <a:ext cx="1233341" cy="273152"/>
+            <a:xfrm>
+              <a:off x="4487699" y="3074206"/>
+              <a:ext cx="694421" cy="246221"/>
             </a:xfrm>
             <a:prstGeom prst="rect">
               <a:avLst/>
@@ -3994,33 +4173,465 @@
             <a:noFill/>
           </p:spPr>
           <p:txBody>
-            <a:bodyPr wrap="square">
+            <a:bodyPr wrap="none" rtlCol="0">
               <a:spAutoFit/>
             </a:bodyPr>
             <a:lstStyle/>
             <a:p>
-              <a:pPr>
-                <a:lnSpc>
-                  <a:spcPts val="1425"/>
-                </a:lnSpc>
-              </a:pPr>
               <a:r>
-                <a:rPr lang="fr-FR" sz="1000" b="0" dirty="0" err="1">
+                <a:rPr lang="fr-FR" sz="1000" dirty="0" err="1">
+                  <a:latin typeface="Arial" panose="020B0604020202020204" pitchFamily="34" charset="0"/>
+                  <a:cs typeface="Arial" panose="020B0604020202020204" pitchFamily="34" charset="0"/>
+                </a:rPr>
+                <a:t>Tp</a:t>
+              </a:r>
+              <a:r>
+                <a:rPr lang="fr-FR" sz="1000" dirty="0">
+                  <a:latin typeface="Arial" panose="020B0604020202020204" pitchFamily="34" charset="0"/>
+                  <a:cs typeface="Arial" panose="020B0604020202020204" pitchFamily="34" charset="0"/>
+                </a:rPr>
+                <a:t>=60°C</a:t>
+              </a:r>
+            </a:p>
+          </p:txBody>
+        </p:sp>
+        <p:sp>
+          <p:nvSpPr>
+            <p:cNvPr id="3" name="ZoneTexte 2">
+              <a:extLst>
+                <a:ext uri="{FF2B5EF4-FFF2-40B4-BE49-F238E27FC236}">
+                  <a16:creationId xmlns:a16="http://schemas.microsoft.com/office/drawing/2014/main" id="{9D31B456-E998-A022-8E1C-C895D76722DB}"/>
+                </a:ext>
+              </a:extLst>
+            </p:cNvPr>
+            <p:cNvSpPr txBox="1"/>
+            <p:nvPr/>
+          </p:nvSpPr>
+          <p:spPr>
+            <a:xfrm>
+              <a:off x="3694794" y="2307744"/>
+              <a:ext cx="694421" cy="246221"/>
+            </a:xfrm>
+            <a:prstGeom prst="rect">
+              <a:avLst/>
+            </a:prstGeom>
+            <a:noFill/>
+          </p:spPr>
+          <p:txBody>
+            <a:bodyPr wrap="none" rtlCol="0">
+              <a:spAutoFit/>
+            </a:bodyPr>
+            <a:lstStyle/>
+            <a:p>
+              <a:r>
+                <a:rPr lang="fr-FR" sz="1000" dirty="0">
+                  <a:latin typeface="Arial" panose="020B0604020202020204" pitchFamily="34" charset="0"/>
+                  <a:cs typeface="Arial" panose="020B0604020202020204" pitchFamily="34" charset="0"/>
+                </a:rPr>
+                <a:t>Ta=25°C</a:t>
+              </a:r>
+            </a:p>
+          </p:txBody>
+        </p:sp>
+        <p:sp>
+          <p:nvSpPr>
+            <p:cNvPr id="5" name="Flèche : droite 4">
+              <a:extLst>
+                <a:ext uri="{FF2B5EF4-FFF2-40B4-BE49-F238E27FC236}">
+                  <a16:creationId xmlns:a16="http://schemas.microsoft.com/office/drawing/2014/main" id="{B7C6E827-14BE-CCE9-CCC2-1CA18C3F376A}"/>
+                </a:ext>
+              </a:extLst>
+            </p:cNvPr>
+            <p:cNvSpPr/>
+            <p:nvPr/>
+          </p:nvSpPr>
+          <p:spPr>
+            <a:xfrm>
+              <a:off x="5805699" y="2883889"/>
+              <a:ext cx="324000" cy="216000"/>
+            </a:xfrm>
+            <a:prstGeom prst="rightArrow">
+              <a:avLst/>
+            </a:prstGeom>
+          </p:spPr>
+          <p:style>
+            <a:lnRef idx="2">
+              <a:schemeClr val="accent2">
+                <a:shade val="15000"/>
+              </a:schemeClr>
+            </a:lnRef>
+            <a:fillRef idx="1">
+              <a:schemeClr val="accent2"/>
+            </a:fillRef>
+            <a:effectRef idx="0">
+              <a:schemeClr val="accent2"/>
+            </a:effectRef>
+            <a:fontRef idx="minor">
+              <a:schemeClr val="lt1"/>
+            </a:fontRef>
+          </p:style>
+          <p:txBody>
+            <a:bodyPr rtlCol="0" anchor="ctr"/>
+            <a:lstStyle/>
+            <a:p>
+              <a:pPr algn="ctr"/>
+              <a:endParaRPr lang="fr-FR">
+                <a:latin typeface="Arial" panose="020B0604020202020204" pitchFamily="34" charset="0"/>
+                <a:cs typeface="Arial" panose="020B0604020202020204" pitchFamily="34" charset="0"/>
+              </a:endParaRPr>
+            </a:p>
+          </p:txBody>
+        </p:sp>
+        <p:sp>
+          <p:nvSpPr>
+            <p:cNvPr id="8" name="Flèche : droite 7">
+              <a:extLst>
+                <a:ext uri="{FF2B5EF4-FFF2-40B4-BE49-F238E27FC236}">
+                  <a16:creationId xmlns:a16="http://schemas.microsoft.com/office/drawing/2014/main" id="{A2CEDBE5-902D-5F6F-4DD0-873F201BDECF}"/>
+                </a:ext>
+              </a:extLst>
+            </p:cNvPr>
+            <p:cNvSpPr/>
+            <p:nvPr/>
+          </p:nvSpPr>
+          <p:spPr>
+            <a:xfrm rot="7878817">
+              <a:off x="4318470" y="3725293"/>
+              <a:ext cx="324000" cy="216000"/>
+            </a:xfrm>
+            <a:prstGeom prst="rightArrow">
+              <a:avLst/>
+            </a:prstGeom>
+          </p:spPr>
+          <p:style>
+            <a:lnRef idx="2">
+              <a:schemeClr val="accent2">
+                <a:shade val="15000"/>
+              </a:schemeClr>
+            </a:lnRef>
+            <a:fillRef idx="1">
+              <a:schemeClr val="accent2"/>
+            </a:fillRef>
+            <a:effectRef idx="0">
+              <a:schemeClr val="accent2"/>
+            </a:effectRef>
+            <a:fontRef idx="minor">
+              <a:schemeClr val="lt1"/>
+            </a:fontRef>
+          </p:style>
+          <p:txBody>
+            <a:bodyPr rtlCol="0" anchor="ctr"/>
+            <a:lstStyle/>
+            <a:p>
+              <a:pPr algn="ctr"/>
+              <a:endParaRPr lang="fr-FR" dirty="0">
+                <a:latin typeface="Arial" panose="020B0604020202020204" pitchFamily="34" charset="0"/>
+                <a:cs typeface="Arial" panose="020B0604020202020204" pitchFamily="34" charset="0"/>
+              </a:endParaRPr>
+            </a:p>
+          </p:txBody>
+        </p:sp>
+        <p:sp>
+          <p:nvSpPr>
+            <p:cNvPr id="9" name="Flèche : droite 8">
+              <a:extLst>
+                <a:ext uri="{FF2B5EF4-FFF2-40B4-BE49-F238E27FC236}">
+                  <a16:creationId xmlns:a16="http://schemas.microsoft.com/office/drawing/2014/main" id="{E5337EE6-9012-34EF-C7AF-3ADE37326102}"/>
+                </a:ext>
+              </a:extLst>
+            </p:cNvPr>
+            <p:cNvSpPr/>
+            <p:nvPr/>
+          </p:nvSpPr>
+          <p:spPr>
+            <a:xfrm rot="5400000">
+              <a:off x="4735091" y="4705003"/>
+              <a:ext cx="324000" cy="216000"/>
+            </a:xfrm>
+            <a:prstGeom prst="rightArrow">
+              <a:avLst/>
+            </a:prstGeom>
+          </p:spPr>
+          <p:style>
+            <a:lnRef idx="2">
+              <a:schemeClr val="accent2">
+                <a:shade val="15000"/>
+              </a:schemeClr>
+            </a:lnRef>
+            <a:fillRef idx="1">
+              <a:schemeClr val="accent2"/>
+            </a:fillRef>
+            <a:effectRef idx="0">
+              <a:schemeClr val="accent2"/>
+            </a:effectRef>
+            <a:fontRef idx="minor">
+              <a:schemeClr val="lt1"/>
+            </a:fontRef>
+          </p:style>
+          <p:txBody>
+            <a:bodyPr rtlCol="0" anchor="ctr"/>
+            <a:lstStyle/>
+            <a:p>
+              <a:pPr algn="ctr"/>
+              <a:endParaRPr lang="fr-FR" dirty="0">
+                <a:latin typeface="Arial" panose="020B0604020202020204" pitchFamily="34" charset="0"/>
+                <a:cs typeface="Arial" panose="020B0604020202020204" pitchFamily="34" charset="0"/>
+              </a:endParaRPr>
+            </a:p>
+          </p:txBody>
+        </p:sp>
+        <p:sp>
+          <p:nvSpPr>
+            <p:cNvPr id="11" name="Flèche : droite 10">
+              <a:extLst>
+                <a:ext uri="{FF2B5EF4-FFF2-40B4-BE49-F238E27FC236}">
+                  <a16:creationId xmlns:a16="http://schemas.microsoft.com/office/drawing/2014/main" id="{8029C2BE-EFE1-F14B-C923-D78C968A5D31}"/>
+                </a:ext>
+              </a:extLst>
+            </p:cNvPr>
+            <p:cNvSpPr/>
+            <p:nvPr/>
+          </p:nvSpPr>
+          <p:spPr>
+            <a:xfrm rot="16200000">
+              <a:off x="4824684" y="1806158"/>
+              <a:ext cx="324000" cy="216000"/>
+            </a:xfrm>
+            <a:prstGeom prst="rightArrow">
+              <a:avLst/>
+            </a:prstGeom>
+          </p:spPr>
+          <p:style>
+            <a:lnRef idx="2">
+              <a:schemeClr val="accent2">
+                <a:shade val="15000"/>
+              </a:schemeClr>
+            </a:lnRef>
+            <a:fillRef idx="1">
+              <a:schemeClr val="accent2"/>
+            </a:fillRef>
+            <a:effectRef idx="0">
+              <a:schemeClr val="accent2"/>
+            </a:effectRef>
+            <a:fontRef idx="minor">
+              <a:schemeClr val="lt1"/>
+            </a:fontRef>
+          </p:style>
+          <p:txBody>
+            <a:bodyPr rtlCol="0" anchor="ctr"/>
+            <a:lstStyle/>
+            <a:p>
+              <a:pPr algn="ctr"/>
+              <a:endParaRPr lang="fr-FR" dirty="0">
+                <a:latin typeface="Arial" panose="020B0604020202020204" pitchFamily="34" charset="0"/>
+                <a:cs typeface="Arial" panose="020B0604020202020204" pitchFamily="34" charset="0"/>
+              </a:endParaRPr>
+            </a:p>
+          </p:txBody>
+        </p:sp>
+        <p:sp>
+          <p:nvSpPr>
+            <p:cNvPr id="12" name="ZoneTexte 11">
+              <a:extLst>
+                <a:ext uri="{FF2B5EF4-FFF2-40B4-BE49-F238E27FC236}">
+                  <a16:creationId xmlns:a16="http://schemas.microsoft.com/office/drawing/2014/main" id="{D9C04986-58BE-ADD3-C55D-3F28A552404B}"/>
+                </a:ext>
+              </a:extLst>
+            </p:cNvPr>
+            <p:cNvSpPr txBox="1"/>
+            <p:nvPr/>
+          </p:nvSpPr>
+          <p:spPr>
+            <a:xfrm>
+              <a:off x="4698921" y="1503089"/>
+              <a:ext cx="591829" cy="261610"/>
+            </a:xfrm>
+            <a:prstGeom prst="rect">
+              <a:avLst/>
+            </a:prstGeom>
+            <a:noFill/>
+          </p:spPr>
+          <p:txBody>
+            <a:bodyPr wrap="none" rtlCol="0">
+              <a:spAutoFit/>
+            </a:bodyPr>
+            <a:lstStyle>
+              <a:defPPr>
+                <a:defRPr lang="fr-FR"/>
+              </a:defPPr>
+              <a:lvl1pPr>
+                <a:defRPr sz="1100">
                   <a:solidFill>
-                    <a:srgbClr val="A31515"/>
+                    <a:schemeClr val="accent2"/>
                   </a:solidFill>
-                  <a:effectLst/>
-                  <a:latin typeface="Courier New" panose="02070309020205020404" pitchFamily="49" charset="0"/>
+                </a:defRPr>
+              </a:lvl1pPr>
+            </a:lstStyle>
+            <a:p>
+              <a:r>
+                <a:rPr lang="fr-FR" dirty="0">
+                  <a:latin typeface="Arial" panose="020B0604020202020204" pitchFamily="34" charset="0"/>
+                  <a:cs typeface="Arial" panose="020B0604020202020204" pitchFamily="34" charset="0"/>
                 </a:rPr>
-                <a:t>horizontal_up</a:t>
+                <a:t>191 W</a:t>
               </a:r>
-              <a:endParaRPr lang="fr-FR" sz="1000" b="0" dirty="0">
-                <a:solidFill>
-                  <a:srgbClr val="000000"/>
-                </a:solidFill>
-                <a:effectLst/>
-                <a:latin typeface="Courier New" panose="02070309020205020404" pitchFamily="49" charset="0"/>
+            </a:p>
+          </p:txBody>
+        </p:sp>
+        <p:sp>
+          <p:nvSpPr>
+            <p:cNvPr id="16" name="ZoneTexte 15">
+              <a:extLst>
+                <a:ext uri="{FF2B5EF4-FFF2-40B4-BE49-F238E27FC236}">
+                  <a16:creationId xmlns:a16="http://schemas.microsoft.com/office/drawing/2014/main" id="{B2E8991D-F101-939D-AFA5-01A73FD4F0C9}"/>
+                </a:ext>
+              </a:extLst>
+            </p:cNvPr>
+            <p:cNvSpPr txBox="1"/>
+            <p:nvPr/>
+          </p:nvSpPr>
+          <p:spPr>
+            <a:xfrm>
+              <a:off x="4622291" y="4905775"/>
+              <a:ext cx="603050" cy="307777"/>
+            </a:xfrm>
+            <a:prstGeom prst="rect">
+              <a:avLst/>
+            </a:prstGeom>
+            <a:noFill/>
+          </p:spPr>
+          <p:txBody>
+            <a:bodyPr wrap="none" rtlCol="0">
+              <a:spAutoFit/>
+            </a:bodyPr>
+            <a:lstStyle>
+              <a:defPPr>
+                <a:defRPr lang="fr-FR"/>
+              </a:defPPr>
+              <a:lvl1pPr>
+                <a:defRPr sz="1400">
+                  <a:solidFill>
+                    <a:schemeClr val="accent2"/>
+                  </a:solidFill>
+                </a:defRPr>
+              </a:lvl1pPr>
+            </a:lstStyle>
+            <a:p>
+              <a:r>
+                <a:rPr lang="fr-FR" sz="1100" dirty="0">
+                  <a:latin typeface="Arial" panose="020B0604020202020204" pitchFamily="34" charset="0"/>
+                  <a:cs typeface="Arial" panose="020B0604020202020204" pitchFamily="34" charset="0"/>
+                </a:rPr>
+                <a:t>190</a:t>
+              </a:r>
+              <a:r>
+                <a:rPr lang="fr-FR" dirty="0">
+                  <a:latin typeface="Arial" panose="020B0604020202020204" pitchFamily="34" charset="0"/>
+                  <a:cs typeface="Arial" panose="020B0604020202020204" pitchFamily="34" charset="0"/>
+                </a:rPr>
+                <a:t> </a:t>
+              </a:r>
+              <a:r>
+                <a:rPr lang="fr-FR" sz="1100" dirty="0">
+                  <a:latin typeface="Arial" panose="020B0604020202020204" pitchFamily="34" charset="0"/>
+                  <a:cs typeface="Arial" panose="020B0604020202020204" pitchFamily="34" charset="0"/>
+                </a:rPr>
+                <a:t>W</a:t>
+              </a:r>
+              <a:endParaRPr lang="fr-FR" dirty="0">
+                <a:latin typeface="Arial" panose="020B0604020202020204" pitchFamily="34" charset="0"/>
+                <a:cs typeface="Arial" panose="020B0604020202020204" pitchFamily="34" charset="0"/>
               </a:endParaRPr>
+            </a:p>
+          </p:txBody>
+        </p:sp>
+        <p:sp>
+          <p:nvSpPr>
+            <p:cNvPr id="18" name="ZoneTexte 17">
+              <a:extLst>
+                <a:ext uri="{FF2B5EF4-FFF2-40B4-BE49-F238E27FC236}">
+                  <a16:creationId xmlns:a16="http://schemas.microsoft.com/office/drawing/2014/main" id="{BBAF7C19-38B8-A1D2-5BFE-4122ECF96344}"/>
+                </a:ext>
+              </a:extLst>
+            </p:cNvPr>
+            <p:cNvSpPr txBox="1"/>
+            <p:nvPr/>
+          </p:nvSpPr>
+          <p:spPr>
+            <a:xfrm>
+              <a:off x="6125154" y="2838279"/>
+              <a:ext cx="724878" cy="261610"/>
+            </a:xfrm>
+            <a:prstGeom prst="rect">
+              <a:avLst/>
+            </a:prstGeom>
+            <a:noFill/>
+          </p:spPr>
+          <p:txBody>
+            <a:bodyPr wrap="none" rtlCol="0">
+              <a:spAutoFit/>
+            </a:bodyPr>
+            <a:lstStyle/>
+            <a:p>
+              <a:r>
+                <a:rPr lang="fr-FR" sz="1100" dirty="0">
+                  <a:solidFill>
+                    <a:schemeClr val="accent2"/>
+                  </a:solidFill>
+                  <a:latin typeface="Arial" panose="020B0604020202020204" pitchFamily="34" charset="0"/>
+                  <a:cs typeface="Arial" panose="020B0604020202020204" pitchFamily="34" charset="0"/>
+                </a:rPr>
+                <a:t>445*2 W</a:t>
+              </a:r>
+            </a:p>
+          </p:txBody>
+        </p:sp>
+        <p:sp>
+          <p:nvSpPr>
+            <p:cNvPr id="20" name="ZoneTexte 19">
+              <a:extLst>
+                <a:ext uri="{FF2B5EF4-FFF2-40B4-BE49-F238E27FC236}">
+                  <a16:creationId xmlns:a16="http://schemas.microsoft.com/office/drawing/2014/main" id="{0F165808-3BD0-C1FB-9EC0-9ED8F7035E7C}"/>
+                </a:ext>
+              </a:extLst>
+            </p:cNvPr>
+            <p:cNvSpPr txBox="1"/>
+            <p:nvPr/>
+          </p:nvSpPr>
+          <p:spPr>
+            <a:xfrm>
+              <a:off x="3666640" y="3913466"/>
+              <a:ext cx="841897" cy="261610"/>
+            </a:xfrm>
+            <a:prstGeom prst="rect">
+              <a:avLst/>
+            </a:prstGeom>
+            <a:noFill/>
+          </p:spPr>
+          <p:txBody>
+            <a:bodyPr wrap="none" rtlCol="0">
+              <a:spAutoFit/>
+            </a:bodyPr>
+            <a:lstStyle>
+              <a:defPPr>
+                <a:defRPr lang="fr-FR"/>
+              </a:defPPr>
+              <a:lvl1pPr>
+                <a:defRPr sz="1400">
+                  <a:solidFill>
+                    <a:schemeClr val="accent2"/>
+                  </a:solidFill>
+                </a:defRPr>
+              </a:lvl1pPr>
+            </a:lstStyle>
+            <a:p>
+              <a:r>
+                <a:rPr lang="fr-FR" sz="1100" dirty="0">
+                  <a:latin typeface="Arial" panose="020B0604020202020204" pitchFamily="34" charset="0"/>
+                  <a:cs typeface="Arial" panose="020B0604020202020204" pitchFamily="34" charset="0"/>
+                </a:rPr>
+                <a:t>337.5*2 W</a:t>
+              </a:r>
             </a:p>
           </p:txBody>
         </p:sp>

--- a/Examples.pptx
+++ b/Examples.pptx
@@ -6,6 +6,7 @@
   </p:sldMasterIdLst>
   <p:sldIdLst>
     <p:sldId id="256" r:id="rId2"/>
+    <p:sldId id="257" r:id="rId3"/>
   </p:sldIdLst>
   <p:sldSz cx="12192000" cy="6858000"/>
   <p:notesSz cx="6858000" cy="9144000"/>
@@ -115,7 +116,7 @@
 <file path=ppt/revisionInfo.xml><?xml version="1.0" encoding="utf-8"?>
 <p1510:revInfo xmlns:a="http://schemas.openxmlformats.org/drawingml/2006/main" xmlns:r="http://schemas.openxmlformats.org/officeDocument/2006/relationships" xmlns:p1510="http://schemas.microsoft.com/office/powerpoint/2015/10/main">
   <p1510:revLst>
-    <p1510:client id="{2A3E10D1-ABAB-4574-ADA8-42C8B9BEC6A9}" v="21" dt="2025-02-20T20:21:24.243"/>
+    <p1510:client id="{2A3E10D1-ABAB-4574-ADA8-42C8B9BEC6A9}" v="40" dt="2025-02-21T19:50:36.880"/>
   </p1510:revLst>
 </p1510:revInfo>
 </file>
@@ -124,8 +125,8 @@
 <pc:chgInfo xmlns:a="http://schemas.openxmlformats.org/drawingml/2006/main" xmlns:r="http://schemas.openxmlformats.org/officeDocument/2006/relationships" xmlns:ac="http://schemas.microsoft.com/office/drawing/2013/main/command" xmlns:pc="http://schemas.microsoft.com/office/powerpoint/2013/main/command">
   <pc:docChgLst>
     <pc:chgData name="Zoheir HADID" userId="123d7235792d1862" providerId="LiveId" clId="{2A3E10D1-ABAB-4574-ADA8-42C8B9BEC6A9}"/>
-    <pc:docChg chg="custSel addSld modSld">
-      <pc:chgData name="Zoheir HADID" userId="123d7235792d1862" providerId="LiveId" clId="{2A3E10D1-ABAB-4574-ADA8-42C8B9BEC6A9}" dt="2025-02-20T20:21:24.243" v="234" actId="164"/>
+    <pc:docChg chg="undo custSel addSld modSld">
+      <pc:chgData name="Zoheir HADID" userId="123d7235792d1862" providerId="LiveId" clId="{2A3E10D1-ABAB-4574-ADA8-42C8B9BEC6A9}" dt="2025-02-21T19:50:36.880" v="580" actId="164"/>
       <pc:docMkLst>
         <pc:docMk/>
       </pc:docMkLst>
@@ -360,6 +361,229 @@
           </ac:cxnSpMkLst>
         </pc:cxnChg>
       </pc:sldChg>
+      <pc:sldChg chg="addSp delSp modSp new mod">
+        <pc:chgData name="Zoheir HADID" userId="123d7235792d1862" providerId="LiveId" clId="{2A3E10D1-ABAB-4574-ADA8-42C8B9BEC6A9}" dt="2025-02-21T19:50:36.880" v="580" actId="164"/>
+        <pc:sldMkLst>
+          <pc:docMk/>
+          <pc:sldMk cId="2787972203" sldId="257"/>
+        </pc:sldMkLst>
+        <pc:spChg chg="del">
+          <ac:chgData name="Zoheir HADID" userId="123d7235792d1862" providerId="LiveId" clId="{2A3E10D1-ABAB-4574-ADA8-42C8B9BEC6A9}" dt="2025-02-21T19:25:09.745" v="236" actId="478"/>
+          <ac:spMkLst>
+            <pc:docMk/>
+            <pc:sldMk cId="2787972203" sldId="257"/>
+            <ac:spMk id="2" creationId="{90BC8288-6CAB-71B5-446B-C4D562B757E4}"/>
+          </ac:spMkLst>
+        </pc:spChg>
+        <pc:spChg chg="del">
+          <ac:chgData name="Zoheir HADID" userId="123d7235792d1862" providerId="LiveId" clId="{2A3E10D1-ABAB-4574-ADA8-42C8B9BEC6A9}" dt="2025-02-21T19:25:09.745" v="236" actId="478"/>
+          <ac:spMkLst>
+            <pc:docMk/>
+            <pc:sldMk cId="2787972203" sldId="257"/>
+            <ac:spMk id="3" creationId="{81341424-7B27-5F47-ADA7-76B5F472A05C}"/>
+          </ac:spMkLst>
+        </pc:spChg>
+        <pc:spChg chg="add mod">
+          <ac:chgData name="Zoheir HADID" userId="123d7235792d1862" providerId="LiveId" clId="{2A3E10D1-ABAB-4574-ADA8-42C8B9BEC6A9}" dt="2025-02-21T19:28:29.278" v="286" actId="164"/>
+          <ac:spMkLst>
+            <pc:docMk/>
+            <pc:sldMk cId="2787972203" sldId="257"/>
+            <ac:spMk id="4" creationId="{4DB96345-948C-FCB7-DB28-721A41378137}"/>
+          </ac:spMkLst>
+        </pc:spChg>
+        <pc:spChg chg="add mod">
+          <ac:chgData name="Zoheir HADID" userId="123d7235792d1862" providerId="LiveId" clId="{2A3E10D1-ABAB-4574-ADA8-42C8B9BEC6A9}" dt="2025-02-21T19:28:29.278" v="286" actId="164"/>
+          <ac:spMkLst>
+            <pc:docMk/>
+            <pc:sldMk cId="2787972203" sldId="257"/>
+            <ac:spMk id="5" creationId="{CA63D634-B8DD-81CD-C1E5-41ED1F7CEF77}"/>
+          </ac:spMkLst>
+        </pc:spChg>
+        <pc:spChg chg="add mod">
+          <ac:chgData name="Zoheir HADID" userId="123d7235792d1862" providerId="LiveId" clId="{2A3E10D1-ABAB-4574-ADA8-42C8B9BEC6A9}" dt="2025-02-21T19:28:29.278" v="286" actId="164"/>
+          <ac:spMkLst>
+            <pc:docMk/>
+            <pc:sldMk cId="2787972203" sldId="257"/>
+            <ac:spMk id="6" creationId="{7806EE60-D007-9708-17E7-E5C7DF6EDFF3}"/>
+          </ac:spMkLst>
+        </pc:spChg>
+        <pc:spChg chg="add mod">
+          <ac:chgData name="Zoheir HADID" userId="123d7235792d1862" providerId="LiveId" clId="{2A3E10D1-ABAB-4574-ADA8-42C8B9BEC6A9}" dt="2025-02-21T19:50:36.880" v="580" actId="164"/>
+          <ac:spMkLst>
+            <pc:docMk/>
+            <pc:sldMk cId="2787972203" sldId="257"/>
+            <ac:spMk id="22" creationId="{1A6A485C-CAC0-9BC2-E1BB-CA53ADCEE13E}"/>
+          </ac:spMkLst>
+        </pc:spChg>
+        <pc:spChg chg="add mod">
+          <ac:chgData name="Zoheir HADID" userId="123d7235792d1862" providerId="LiveId" clId="{2A3E10D1-ABAB-4574-ADA8-42C8B9BEC6A9}" dt="2025-02-21T19:50:36.880" v="580" actId="164"/>
+          <ac:spMkLst>
+            <pc:docMk/>
+            <pc:sldMk cId="2787972203" sldId="257"/>
+            <ac:spMk id="23" creationId="{7F2D0FAA-AB06-5A5A-5E37-F9E3707F86AE}"/>
+          </ac:spMkLst>
+        </pc:spChg>
+        <pc:spChg chg="add mod">
+          <ac:chgData name="Zoheir HADID" userId="123d7235792d1862" providerId="LiveId" clId="{2A3E10D1-ABAB-4574-ADA8-42C8B9BEC6A9}" dt="2025-02-21T19:50:36.880" v="580" actId="164"/>
+          <ac:spMkLst>
+            <pc:docMk/>
+            <pc:sldMk cId="2787972203" sldId="257"/>
+            <ac:spMk id="24" creationId="{13BC16B1-0B0C-3B12-19E0-BB4C69C4AAB9}"/>
+          </ac:spMkLst>
+        </pc:spChg>
+        <pc:spChg chg="add mod">
+          <ac:chgData name="Zoheir HADID" userId="123d7235792d1862" providerId="LiveId" clId="{2A3E10D1-ABAB-4574-ADA8-42C8B9BEC6A9}" dt="2025-02-21T19:31:59.969" v="343" actId="20577"/>
+          <ac:spMkLst>
+            <pc:docMk/>
+            <pc:sldMk cId="2787972203" sldId="257"/>
+            <ac:spMk id="25" creationId="{A60FB4EC-8961-71DE-4CA3-2BEE79D21313}"/>
+          </ac:spMkLst>
+        </pc:spChg>
+        <pc:spChg chg="add mod">
+          <ac:chgData name="Zoheir HADID" userId="123d7235792d1862" providerId="LiveId" clId="{2A3E10D1-ABAB-4574-ADA8-42C8B9BEC6A9}" dt="2025-02-21T19:32:16.532" v="353" actId="1076"/>
+          <ac:spMkLst>
+            <pc:docMk/>
+            <pc:sldMk cId="2787972203" sldId="257"/>
+            <ac:spMk id="26" creationId="{0106C6E6-99C9-952B-07CE-C32361AF9C8E}"/>
+          </ac:spMkLst>
+        </pc:spChg>
+        <pc:spChg chg="add mod">
+          <ac:chgData name="Zoheir HADID" userId="123d7235792d1862" providerId="LiveId" clId="{2A3E10D1-ABAB-4574-ADA8-42C8B9BEC6A9}" dt="2025-02-21T19:50:36.880" v="580" actId="164"/>
+          <ac:spMkLst>
+            <pc:docMk/>
+            <pc:sldMk cId="2787972203" sldId="257"/>
+            <ac:spMk id="27" creationId="{6A03283C-46DC-0A2F-6974-D3F6456CC793}"/>
+          </ac:spMkLst>
+        </pc:spChg>
+        <pc:spChg chg="add mod">
+          <ac:chgData name="Zoheir HADID" userId="123d7235792d1862" providerId="LiveId" clId="{2A3E10D1-ABAB-4574-ADA8-42C8B9BEC6A9}" dt="2025-02-21T19:50:36.880" v="580" actId="164"/>
+          <ac:spMkLst>
+            <pc:docMk/>
+            <pc:sldMk cId="2787972203" sldId="257"/>
+            <ac:spMk id="28" creationId="{F7BB8399-C38C-D574-1C82-84CFE5207783}"/>
+          </ac:spMkLst>
+        </pc:spChg>
+        <pc:spChg chg="add mod">
+          <ac:chgData name="Zoheir HADID" userId="123d7235792d1862" providerId="LiveId" clId="{2A3E10D1-ABAB-4574-ADA8-42C8B9BEC6A9}" dt="2025-02-21T19:50:36.880" v="580" actId="164"/>
+          <ac:spMkLst>
+            <pc:docMk/>
+            <pc:sldMk cId="2787972203" sldId="257"/>
+            <ac:spMk id="29" creationId="{409467AE-691D-4047-1B9E-EB9AF385DB5B}"/>
+          </ac:spMkLst>
+        </pc:spChg>
+        <pc:spChg chg="add mod">
+          <ac:chgData name="Zoheir HADID" userId="123d7235792d1862" providerId="LiveId" clId="{2A3E10D1-ABAB-4574-ADA8-42C8B9BEC6A9}" dt="2025-02-21T19:50:36.880" v="580" actId="164"/>
+          <ac:spMkLst>
+            <pc:docMk/>
+            <pc:sldMk cId="2787972203" sldId="257"/>
+            <ac:spMk id="30" creationId="{F5C62A59-9FDA-5E5E-2E20-AE8D90ACD23F}"/>
+          </ac:spMkLst>
+        </pc:spChg>
+        <pc:spChg chg="add mod">
+          <ac:chgData name="Zoheir HADID" userId="123d7235792d1862" providerId="LiveId" clId="{2A3E10D1-ABAB-4574-ADA8-42C8B9BEC6A9}" dt="2025-02-21T19:50:36.880" v="580" actId="164"/>
+          <ac:spMkLst>
+            <pc:docMk/>
+            <pc:sldMk cId="2787972203" sldId="257"/>
+            <ac:spMk id="31" creationId="{09C1A312-1A01-9460-33FC-D819D8D17A3B}"/>
+          </ac:spMkLst>
+        </pc:spChg>
+        <pc:spChg chg="add mod">
+          <ac:chgData name="Zoheir HADID" userId="123d7235792d1862" providerId="LiveId" clId="{2A3E10D1-ABAB-4574-ADA8-42C8B9BEC6A9}" dt="2025-02-21T19:37:35.524" v="446" actId="1076"/>
+          <ac:spMkLst>
+            <pc:docMk/>
+            <pc:sldMk cId="2787972203" sldId="257"/>
+            <ac:spMk id="32" creationId="{73C62EED-D7DE-66CB-76C8-E087D04E6B5E}"/>
+          </ac:spMkLst>
+        </pc:spChg>
+        <pc:spChg chg="add mod">
+          <ac:chgData name="Zoheir HADID" userId="123d7235792d1862" providerId="LiveId" clId="{2A3E10D1-ABAB-4574-ADA8-42C8B9BEC6A9}" dt="2025-02-21T19:50:36.880" v="580" actId="164"/>
+          <ac:spMkLst>
+            <pc:docMk/>
+            <pc:sldMk cId="2787972203" sldId="257"/>
+            <ac:spMk id="33" creationId="{752B9085-4713-25DD-87FE-E1CD863FB7BA}"/>
+          </ac:spMkLst>
+        </pc:spChg>
+        <pc:spChg chg="add del mod">
+          <ac:chgData name="Zoheir HADID" userId="123d7235792d1862" providerId="LiveId" clId="{2A3E10D1-ABAB-4574-ADA8-42C8B9BEC6A9}" dt="2025-02-21T19:48:57.220" v="576" actId="21"/>
+          <ac:spMkLst>
+            <pc:docMk/>
+            <pc:sldMk cId="2787972203" sldId="257"/>
+            <ac:spMk id="35" creationId="{3612D506-3853-4E84-9D35-07708C753018}"/>
+          </ac:spMkLst>
+        </pc:spChg>
+        <pc:spChg chg="add del">
+          <ac:chgData name="Zoheir HADID" userId="123d7235792d1862" providerId="LiveId" clId="{2A3E10D1-ABAB-4574-ADA8-42C8B9BEC6A9}" dt="2025-02-21T19:39:04.018" v="459" actId="22"/>
+          <ac:spMkLst>
+            <pc:docMk/>
+            <pc:sldMk cId="2787972203" sldId="257"/>
+            <ac:spMk id="37" creationId="{B5234319-4D93-1A42-AD37-E3A21D8F37FF}"/>
+          </ac:spMkLst>
+        </pc:spChg>
+        <pc:spChg chg="add del">
+          <ac:chgData name="Zoheir HADID" userId="123d7235792d1862" providerId="LiveId" clId="{2A3E10D1-ABAB-4574-ADA8-42C8B9BEC6A9}" dt="2025-02-21T19:39:12.955" v="461" actId="22"/>
+          <ac:spMkLst>
+            <pc:docMk/>
+            <pc:sldMk cId="2787972203" sldId="257"/>
+            <ac:spMk id="39" creationId="{78C7A25C-68BF-B36A-BF29-71289C046A3F}"/>
+          </ac:spMkLst>
+        </pc:spChg>
+        <pc:spChg chg="add mod">
+          <ac:chgData name="Zoheir HADID" userId="123d7235792d1862" providerId="LiveId" clId="{2A3E10D1-ABAB-4574-ADA8-42C8B9BEC6A9}" dt="2025-02-21T19:50:36.880" v="580" actId="164"/>
+          <ac:spMkLst>
+            <pc:docMk/>
+            <pc:sldMk cId="2787972203" sldId="257"/>
+            <ac:spMk id="41" creationId="{C4BC200B-EE31-C416-9BDB-8C216944AEBD}"/>
+          </ac:spMkLst>
+        </pc:spChg>
+        <pc:grpChg chg="add mod">
+          <ac:chgData name="Zoheir HADID" userId="123d7235792d1862" providerId="LiveId" clId="{2A3E10D1-ABAB-4574-ADA8-42C8B9BEC6A9}" dt="2025-02-21T19:34:02.812" v="397" actId="14100"/>
+          <ac:grpSpMkLst>
+            <pc:docMk/>
+            <pc:sldMk cId="2787972203" sldId="257"/>
+            <ac:grpSpMk id="7" creationId="{2764C442-AD40-56D7-B3EB-E5FA199A9679}"/>
+          </ac:grpSpMkLst>
+        </pc:grpChg>
+        <pc:cxnChg chg="add mod">
+          <ac:chgData name="Zoheir HADID" userId="123d7235792d1862" providerId="LiveId" clId="{2A3E10D1-ABAB-4574-ADA8-42C8B9BEC6A9}" dt="2025-02-21T19:29:33.221" v="292" actId="14100"/>
+          <ac:cxnSpMkLst>
+            <pc:docMk/>
+            <pc:sldMk cId="2787972203" sldId="257"/>
+            <ac:cxnSpMk id="9" creationId="{0773B754-5369-3CE4-1767-004BE8FEEFEE}"/>
+          </ac:cxnSpMkLst>
+        </pc:cxnChg>
+        <pc:cxnChg chg="add mod">
+          <ac:chgData name="Zoheir HADID" userId="123d7235792d1862" providerId="LiveId" clId="{2A3E10D1-ABAB-4574-ADA8-42C8B9BEC6A9}" dt="2025-02-21T19:29:29.836" v="291" actId="14100"/>
+          <ac:cxnSpMkLst>
+            <pc:docMk/>
+            <pc:sldMk cId="2787972203" sldId="257"/>
+            <ac:cxnSpMk id="10" creationId="{89B03A1E-4E6C-FA74-59AB-2CFA5C145AB4}"/>
+          </ac:cxnSpMkLst>
+        </pc:cxnChg>
+        <pc:cxnChg chg="add mod">
+          <ac:chgData name="Zoheir HADID" userId="123d7235792d1862" providerId="LiveId" clId="{2A3E10D1-ABAB-4574-ADA8-42C8B9BEC6A9}" dt="2025-02-21T19:30:04.861" v="303" actId="14100"/>
+          <ac:cxnSpMkLst>
+            <pc:docMk/>
+            <pc:sldMk cId="2787972203" sldId="257"/>
+            <ac:cxnSpMk id="13" creationId="{E891EAE3-C2FE-72AF-2879-0B7EF28DF4C0}"/>
+          </ac:cxnSpMkLst>
+        </pc:cxnChg>
+        <pc:cxnChg chg="add mod">
+          <ac:chgData name="Zoheir HADID" userId="123d7235792d1862" providerId="LiveId" clId="{2A3E10D1-ABAB-4574-ADA8-42C8B9BEC6A9}" dt="2025-02-21T19:29:54.301" v="299" actId="1076"/>
+          <ac:cxnSpMkLst>
+            <pc:docMk/>
+            <pc:sldMk cId="2787972203" sldId="257"/>
+            <ac:cxnSpMk id="16" creationId="{D2B5ED51-9FAB-CFF3-D006-D36A895A859F}"/>
+          </ac:cxnSpMkLst>
+        </pc:cxnChg>
+        <pc:cxnChg chg="add mod">
+          <ac:chgData name="Zoheir HADID" userId="123d7235792d1862" providerId="LiveId" clId="{2A3E10D1-ABAB-4574-ADA8-42C8B9BEC6A9}" dt="2025-02-21T19:30:00.939" v="302" actId="14100"/>
+          <ac:cxnSpMkLst>
+            <pc:docMk/>
+            <pc:sldMk cId="2787972203" sldId="257"/>
+            <ac:cxnSpMk id="19" creationId="{0DB33351-FF35-F4B4-6A1B-062DE44458DF}"/>
+          </ac:cxnSpMkLst>
+        </pc:cxnChg>
+      </pc:sldChg>
     </pc:docChg>
   </pc:docChgLst>
 </pc:chgInfo>
@@ -512,7 +736,7 @@
           <a:p>
             <a:fld id="{44643AC4-22AA-4210-A6CC-8CC3C7E4451E}" type="datetimeFigureOut">
               <a:rPr lang="fr-FR" smtClean="0"/>
-              <a:t>20/02/2025</a:t>
+              <a:t>21/02/2025</a:t>
             </a:fld>
             <a:endParaRPr lang="fr-FR"/>
           </a:p>
@@ -710,7 +934,7 @@
           <a:p>
             <a:fld id="{44643AC4-22AA-4210-A6CC-8CC3C7E4451E}" type="datetimeFigureOut">
               <a:rPr lang="fr-FR" smtClean="0"/>
-              <a:t>20/02/2025</a:t>
+              <a:t>21/02/2025</a:t>
             </a:fld>
             <a:endParaRPr lang="fr-FR"/>
           </a:p>
@@ -918,7 +1142,7 @@
           <a:p>
             <a:fld id="{44643AC4-22AA-4210-A6CC-8CC3C7E4451E}" type="datetimeFigureOut">
               <a:rPr lang="fr-FR" smtClean="0"/>
-              <a:t>20/02/2025</a:t>
+              <a:t>21/02/2025</a:t>
             </a:fld>
             <a:endParaRPr lang="fr-FR"/>
           </a:p>
@@ -1116,7 +1340,7 @@
           <a:p>
             <a:fld id="{44643AC4-22AA-4210-A6CC-8CC3C7E4451E}" type="datetimeFigureOut">
               <a:rPr lang="fr-FR" smtClean="0"/>
-              <a:t>20/02/2025</a:t>
+              <a:t>21/02/2025</a:t>
             </a:fld>
             <a:endParaRPr lang="fr-FR"/>
           </a:p>
@@ -1391,7 +1615,7 @@
           <a:p>
             <a:fld id="{44643AC4-22AA-4210-A6CC-8CC3C7E4451E}" type="datetimeFigureOut">
               <a:rPr lang="fr-FR" smtClean="0"/>
-              <a:t>20/02/2025</a:t>
+              <a:t>21/02/2025</a:t>
             </a:fld>
             <a:endParaRPr lang="fr-FR"/>
           </a:p>
@@ -1656,7 +1880,7 @@
           <a:p>
             <a:fld id="{44643AC4-22AA-4210-A6CC-8CC3C7E4451E}" type="datetimeFigureOut">
               <a:rPr lang="fr-FR" smtClean="0"/>
-              <a:t>20/02/2025</a:t>
+              <a:t>21/02/2025</a:t>
             </a:fld>
             <a:endParaRPr lang="fr-FR"/>
           </a:p>
@@ -2068,7 +2292,7 @@
           <a:p>
             <a:fld id="{44643AC4-22AA-4210-A6CC-8CC3C7E4451E}" type="datetimeFigureOut">
               <a:rPr lang="fr-FR" smtClean="0"/>
-              <a:t>20/02/2025</a:t>
+              <a:t>21/02/2025</a:t>
             </a:fld>
             <a:endParaRPr lang="fr-FR"/>
           </a:p>
@@ -2209,7 +2433,7 @@
           <a:p>
             <a:fld id="{44643AC4-22AA-4210-A6CC-8CC3C7E4451E}" type="datetimeFigureOut">
               <a:rPr lang="fr-FR" smtClean="0"/>
-              <a:t>20/02/2025</a:t>
+              <a:t>21/02/2025</a:t>
             </a:fld>
             <a:endParaRPr lang="fr-FR"/>
           </a:p>
@@ -2322,7 +2546,7 @@
           <a:p>
             <a:fld id="{44643AC4-22AA-4210-A6CC-8CC3C7E4451E}" type="datetimeFigureOut">
               <a:rPr lang="fr-FR" smtClean="0"/>
-              <a:t>20/02/2025</a:t>
+              <a:t>21/02/2025</a:t>
             </a:fld>
             <a:endParaRPr lang="fr-FR"/>
           </a:p>
@@ -2633,7 +2857,7 @@
           <a:p>
             <a:fld id="{44643AC4-22AA-4210-A6CC-8CC3C7E4451E}" type="datetimeFigureOut">
               <a:rPr lang="fr-FR" smtClean="0"/>
-              <a:t>20/02/2025</a:t>
+              <a:t>21/02/2025</a:t>
             </a:fld>
             <a:endParaRPr lang="fr-FR"/>
           </a:p>
@@ -2921,7 +3145,7 @@
           <a:p>
             <a:fld id="{44643AC4-22AA-4210-A6CC-8CC3C7E4451E}" type="datetimeFigureOut">
               <a:rPr lang="fr-FR" smtClean="0"/>
-              <a:t>20/02/2025</a:t>
+              <a:t>21/02/2025</a:t>
             </a:fld>
             <a:endParaRPr lang="fr-FR"/>
           </a:p>
@@ -3162,7 +3386,7 @@
           <a:p>
             <a:fld id="{44643AC4-22AA-4210-A6CC-8CC3C7E4451E}" type="datetimeFigureOut">
               <a:rPr lang="fr-FR" smtClean="0"/>
-              <a:t>20/02/2025</a:t>
+              <a:t>21/02/2025</a:t>
             </a:fld>
             <a:endParaRPr lang="fr-FR"/>
           </a:p>
@@ -4649,6 +4873,895 @@
 </p:sld>
 </file>
 
+<file path=ppt/slides/slide2.xml><?xml version="1.0" encoding="utf-8"?>
+<p:sld xmlns:a="http://schemas.openxmlformats.org/drawingml/2006/main" xmlns:r="http://schemas.openxmlformats.org/officeDocument/2006/relationships" xmlns:p="http://schemas.openxmlformats.org/presentationml/2006/main">
+  <p:cSld>
+    <p:spTree>
+      <p:nvGrpSpPr>
+        <p:cNvPr id="1" name=""/>
+        <p:cNvGrpSpPr/>
+        <p:nvPr/>
+      </p:nvGrpSpPr>
+      <p:grpSpPr>
+        <a:xfrm>
+          <a:off x="0" y="0"/>
+          <a:ext cx="0" cy="0"/>
+          <a:chOff x="0" y="0"/>
+          <a:chExt cx="0" cy="0"/>
+        </a:xfrm>
+      </p:grpSpPr>
+      <p:grpSp>
+        <p:nvGrpSpPr>
+          <p:cNvPr id="42" name="Groupe 41">
+            <a:extLst>
+              <a:ext uri="{FF2B5EF4-FFF2-40B4-BE49-F238E27FC236}">
+                <a16:creationId xmlns:a16="http://schemas.microsoft.com/office/drawing/2014/main" id="{1AD21FEA-9E58-AB38-8BD6-B04CD456F2E2}"/>
+              </a:ext>
+            </a:extLst>
+          </p:cNvPr>
+          <p:cNvGrpSpPr/>
+          <p:nvPr/>
+        </p:nvGrpSpPr>
+        <p:grpSpPr>
+          <a:xfrm>
+            <a:off x="1733094" y="748590"/>
+            <a:ext cx="5074783" cy="3688531"/>
+            <a:chOff x="1733094" y="748590"/>
+            <a:chExt cx="5074783" cy="3688531"/>
+          </a:xfrm>
+        </p:grpSpPr>
+        <p:grpSp>
+          <p:nvGrpSpPr>
+            <p:cNvPr id="7" name="Groupe 6">
+              <a:extLst>
+                <a:ext uri="{FF2B5EF4-FFF2-40B4-BE49-F238E27FC236}">
+                  <a16:creationId xmlns:a16="http://schemas.microsoft.com/office/drawing/2014/main" id="{2764C442-AD40-56D7-B3EB-E5FA199A9679}"/>
+                </a:ext>
+              </a:extLst>
+            </p:cNvPr>
+            <p:cNvGrpSpPr/>
+            <p:nvPr/>
+          </p:nvGrpSpPr>
+          <p:grpSpPr>
+            <a:xfrm>
+              <a:off x="2736562" y="749300"/>
+              <a:ext cx="1797633" cy="3497384"/>
+              <a:chOff x="2736562" y="1366684"/>
+              <a:chExt cx="1797633" cy="2880000"/>
+            </a:xfrm>
+          </p:grpSpPr>
+          <p:sp>
+            <p:nvSpPr>
+              <p:cNvPr id="4" name="Rectangle 3">
+                <a:extLst>
+                  <a:ext uri="{FF2B5EF4-FFF2-40B4-BE49-F238E27FC236}">
+                    <a16:creationId xmlns:a16="http://schemas.microsoft.com/office/drawing/2014/main" id="{4DB96345-948C-FCB7-DB28-721A41378137}"/>
+                  </a:ext>
+                </a:extLst>
+              </p:cNvPr>
+              <p:cNvSpPr/>
+              <p:nvPr/>
+            </p:nvSpPr>
+            <p:spPr>
+              <a:xfrm>
+                <a:off x="2736562" y="1366684"/>
+                <a:ext cx="1331580" cy="2880000"/>
+              </a:xfrm>
+              <a:prstGeom prst="rect">
+                <a:avLst/>
+              </a:prstGeom>
+              <a:ln>
+                <a:noFill/>
+              </a:ln>
+            </p:spPr>
+            <p:style>
+              <a:lnRef idx="2">
+                <a:schemeClr val="accent1">
+                  <a:shade val="15000"/>
+                </a:schemeClr>
+              </a:lnRef>
+              <a:fillRef idx="1">
+                <a:schemeClr val="accent1"/>
+              </a:fillRef>
+              <a:effectRef idx="0">
+                <a:schemeClr val="accent1"/>
+              </a:effectRef>
+              <a:fontRef idx="minor">
+                <a:schemeClr val="lt1"/>
+              </a:fontRef>
+            </p:style>
+            <p:txBody>
+              <a:bodyPr rtlCol="0" anchor="ctr"/>
+              <a:lstStyle/>
+              <a:p>
+                <a:pPr algn="ctr"/>
+                <a:endParaRPr lang="fr-FR" dirty="0"/>
+              </a:p>
+            </p:txBody>
+          </p:sp>
+          <p:sp>
+            <p:nvSpPr>
+              <p:cNvPr id="5" name="Rectangle 4">
+                <a:extLst>
+                  <a:ext uri="{FF2B5EF4-FFF2-40B4-BE49-F238E27FC236}">
+                    <a16:creationId xmlns:a16="http://schemas.microsoft.com/office/drawing/2014/main" id="{CA63D634-B8DD-81CD-C1E5-41ED1F7CEF77}"/>
+                  </a:ext>
+                </a:extLst>
+              </p:cNvPr>
+              <p:cNvSpPr/>
+              <p:nvPr/>
+            </p:nvSpPr>
+            <p:spPr>
+              <a:xfrm>
+                <a:off x="4068142" y="1366684"/>
+                <a:ext cx="332895" cy="2880000"/>
+              </a:xfrm>
+              <a:prstGeom prst="rect">
+                <a:avLst/>
+              </a:prstGeom>
+              <a:solidFill>
+                <a:schemeClr val="accent6">
+                  <a:lumMod val="75000"/>
+                </a:schemeClr>
+              </a:solidFill>
+              <a:ln>
+                <a:noFill/>
+              </a:ln>
+            </p:spPr>
+            <p:style>
+              <a:lnRef idx="2">
+                <a:schemeClr val="accent2">
+                  <a:shade val="15000"/>
+                </a:schemeClr>
+              </a:lnRef>
+              <a:fillRef idx="1">
+                <a:schemeClr val="accent2"/>
+              </a:fillRef>
+              <a:effectRef idx="0">
+                <a:schemeClr val="accent2"/>
+              </a:effectRef>
+              <a:fontRef idx="minor">
+                <a:schemeClr val="lt1"/>
+              </a:fontRef>
+            </p:style>
+            <p:txBody>
+              <a:bodyPr rtlCol="0" anchor="ctr"/>
+              <a:lstStyle/>
+              <a:p>
+                <a:pPr algn="ctr"/>
+                <a:endParaRPr lang="fr-FR" dirty="0">
+                  <a:highlight>
+                    <a:srgbClr val="FFFF00"/>
+                  </a:highlight>
+                </a:endParaRPr>
+              </a:p>
+            </p:txBody>
+          </p:sp>
+          <p:sp>
+            <p:nvSpPr>
+              <p:cNvPr id="6" name="Rectangle 5">
+                <a:extLst>
+                  <a:ext uri="{FF2B5EF4-FFF2-40B4-BE49-F238E27FC236}">
+                    <a16:creationId xmlns:a16="http://schemas.microsoft.com/office/drawing/2014/main" id="{7806EE60-D007-9708-17E7-E5C7DF6EDFF3}"/>
+                  </a:ext>
+                </a:extLst>
+              </p:cNvPr>
+              <p:cNvSpPr/>
+              <p:nvPr/>
+            </p:nvSpPr>
+            <p:spPr>
+              <a:xfrm>
+                <a:off x="4401037" y="1366684"/>
+                <a:ext cx="133158" cy="2880000"/>
+              </a:xfrm>
+              <a:prstGeom prst="rect">
+                <a:avLst/>
+              </a:prstGeom>
+              <a:solidFill>
+                <a:schemeClr val="accent2">
+                  <a:lumMod val="75000"/>
+                </a:schemeClr>
+              </a:solidFill>
+              <a:ln>
+                <a:noFill/>
+              </a:ln>
+            </p:spPr>
+            <p:style>
+              <a:lnRef idx="2">
+                <a:schemeClr val="accent1">
+                  <a:shade val="15000"/>
+                </a:schemeClr>
+              </a:lnRef>
+              <a:fillRef idx="1">
+                <a:schemeClr val="accent1"/>
+              </a:fillRef>
+              <a:effectRef idx="0">
+                <a:schemeClr val="accent1"/>
+              </a:effectRef>
+              <a:fontRef idx="minor">
+                <a:schemeClr val="lt1"/>
+              </a:fontRef>
+            </p:style>
+            <p:txBody>
+              <a:bodyPr rtlCol="0" anchor="ctr"/>
+              <a:lstStyle/>
+              <a:p>
+                <a:pPr algn="ctr"/>
+                <a:endParaRPr lang="fr-FR" dirty="0"/>
+              </a:p>
+            </p:txBody>
+          </p:sp>
+        </p:grpSp>
+        <p:cxnSp>
+          <p:nvCxnSpPr>
+            <p:cNvPr id="9" name="Connecteur droit 8">
+              <a:extLst>
+                <a:ext uri="{FF2B5EF4-FFF2-40B4-BE49-F238E27FC236}">
+                  <a16:creationId xmlns:a16="http://schemas.microsoft.com/office/drawing/2014/main" id="{0773B754-5369-3CE4-1767-004BE8FEEFEE}"/>
+                </a:ext>
+              </a:extLst>
+            </p:cNvPr>
+            <p:cNvCxnSpPr>
+              <a:cxnSpLocks/>
+            </p:cNvCxnSpPr>
+            <p:nvPr/>
+          </p:nvCxnSpPr>
+          <p:spPr>
+            <a:xfrm flipV="1">
+              <a:off x="2240280" y="3688080"/>
+              <a:ext cx="496282" cy="60960"/>
+            </a:xfrm>
+            <a:prstGeom prst="line">
+              <a:avLst/>
+            </a:prstGeom>
+          </p:spPr>
+          <p:style>
+            <a:lnRef idx="2">
+              <a:schemeClr val="dk1"/>
+            </a:lnRef>
+            <a:fillRef idx="0">
+              <a:schemeClr val="dk1"/>
+            </a:fillRef>
+            <a:effectRef idx="1">
+              <a:schemeClr val="dk1"/>
+            </a:effectRef>
+            <a:fontRef idx="minor">
+              <a:schemeClr val="tx1"/>
+            </a:fontRef>
+          </p:style>
+        </p:cxnSp>
+        <p:cxnSp>
+          <p:nvCxnSpPr>
+            <p:cNvPr id="10" name="Connecteur droit 9">
+              <a:extLst>
+                <a:ext uri="{FF2B5EF4-FFF2-40B4-BE49-F238E27FC236}">
+                  <a16:creationId xmlns:a16="http://schemas.microsoft.com/office/drawing/2014/main" id="{89B03A1E-4E6C-FA74-59AB-2CFA5C145AB4}"/>
+                </a:ext>
+              </a:extLst>
+            </p:cNvPr>
+            <p:cNvCxnSpPr>
+              <a:cxnSpLocks/>
+            </p:cNvCxnSpPr>
+            <p:nvPr/>
+          </p:nvCxnSpPr>
+          <p:spPr>
+            <a:xfrm flipV="1">
+              <a:off x="2745164" y="3429000"/>
+              <a:ext cx="1322978" cy="259080"/>
+            </a:xfrm>
+            <a:prstGeom prst="line">
+              <a:avLst/>
+            </a:prstGeom>
+          </p:spPr>
+          <p:style>
+            <a:lnRef idx="2">
+              <a:schemeClr val="dk1"/>
+            </a:lnRef>
+            <a:fillRef idx="0">
+              <a:schemeClr val="dk1"/>
+            </a:fillRef>
+            <a:effectRef idx="1">
+              <a:schemeClr val="dk1"/>
+            </a:effectRef>
+            <a:fontRef idx="minor">
+              <a:schemeClr val="tx1"/>
+            </a:fontRef>
+          </p:style>
+        </p:cxnSp>
+        <p:cxnSp>
+          <p:nvCxnSpPr>
+            <p:cNvPr id="13" name="Connecteur droit 12">
+              <a:extLst>
+                <a:ext uri="{FF2B5EF4-FFF2-40B4-BE49-F238E27FC236}">
+                  <a16:creationId xmlns:a16="http://schemas.microsoft.com/office/drawing/2014/main" id="{E891EAE3-C2FE-72AF-2879-0B7EF28DF4C0}"/>
+                </a:ext>
+              </a:extLst>
+            </p:cNvPr>
+            <p:cNvCxnSpPr>
+              <a:cxnSpLocks/>
+            </p:cNvCxnSpPr>
+            <p:nvPr/>
+          </p:nvCxnSpPr>
+          <p:spPr>
+            <a:xfrm flipV="1">
+              <a:off x="4059540" y="2171700"/>
+              <a:ext cx="319870" cy="1257300"/>
+            </a:xfrm>
+            <a:prstGeom prst="line">
+              <a:avLst/>
+            </a:prstGeom>
+          </p:spPr>
+          <p:style>
+            <a:lnRef idx="2">
+              <a:schemeClr val="dk1"/>
+            </a:lnRef>
+            <a:fillRef idx="0">
+              <a:schemeClr val="dk1"/>
+            </a:fillRef>
+            <a:effectRef idx="1">
+              <a:schemeClr val="dk1"/>
+            </a:effectRef>
+            <a:fontRef idx="minor">
+              <a:schemeClr val="tx1"/>
+            </a:fontRef>
+          </p:style>
+        </p:cxnSp>
+        <p:cxnSp>
+          <p:nvCxnSpPr>
+            <p:cNvPr id="16" name="Connecteur droit 15">
+              <a:extLst>
+                <a:ext uri="{FF2B5EF4-FFF2-40B4-BE49-F238E27FC236}">
+                  <a16:creationId xmlns:a16="http://schemas.microsoft.com/office/drawing/2014/main" id="{D2B5ED51-9FAB-CFF3-D006-D36A895A859F}"/>
+                </a:ext>
+              </a:extLst>
+            </p:cNvPr>
+            <p:cNvCxnSpPr>
+              <a:cxnSpLocks/>
+            </p:cNvCxnSpPr>
+            <p:nvPr/>
+          </p:nvCxnSpPr>
+          <p:spPr>
+            <a:xfrm flipH="1">
+              <a:off x="4379410" y="2087880"/>
+              <a:ext cx="154785" cy="83820"/>
+            </a:xfrm>
+            <a:prstGeom prst="line">
+              <a:avLst/>
+            </a:prstGeom>
+          </p:spPr>
+          <p:style>
+            <a:lnRef idx="2">
+              <a:schemeClr val="dk1"/>
+            </a:lnRef>
+            <a:fillRef idx="0">
+              <a:schemeClr val="dk1"/>
+            </a:fillRef>
+            <a:effectRef idx="1">
+              <a:schemeClr val="dk1"/>
+            </a:effectRef>
+            <a:fontRef idx="minor">
+              <a:schemeClr val="tx1"/>
+            </a:fontRef>
+          </p:style>
+        </p:cxnSp>
+        <p:cxnSp>
+          <p:nvCxnSpPr>
+            <p:cNvPr id="19" name="Connecteur droit 18">
+              <a:extLst>
+                <a:ext uri="{FF2B5EF4-FFF2-40B4-BE49-F238E27FC236}">
+                  <a16:creationId xmlns:a16="http://schemas.microsoft.com/office/drawing/2014/main" id="{0DB33351-FF35-F4B4-6A1B-062DE44458DF}"/>
+                </a:ext>
+              </a:extLst>
+            </p:cNvPr>
+            <p:cNvCxnSpPr>
+              <a:cxnSpLocks/>
+            </p:cNvCxnSpPr>
+            <p:nvPr/>
+          </p:nvCxnSpPr>
+          <p:spPr>
+            <a:xfrm flipH="1">
+              <a:off x="4534195" y="1943100"/>
+              <a:ext cx="662645" cy="144780"/>
+            </a:xfrm>
+            <a:prstGeom prst="line">
+              <a:avLst/>
+            </a:prstGeom>
+          </p:spPr>
+          <p:style>
+            <a:lnRef idx="2">
+              <a:schemeClr val="dk1"/>
+            </a:lnRef>
+            <a:fillRef idx="0">
+              <a:schemeClr val="dk1"/>
+            </a:fillRef>
+            <a:effectRef idx="1">
+              <a:schemeClr val="dk1"/>
+            </a:effectRef>
+            <a:fontRef idx="minor">
+              <a:schemeClr val="tx1"/>
+            </a:fontRef>
+          </p:style>
+        </p:cxnSp>
+        <p:sp>
+          <p:nvSpPr>
+            <p:cNvPr id="22" name="ZoneTexte 21">
+              <a:extLst>
+                <a:ext uri="{FF2B5EF4-FFF2-40B4-BE49-F238E27FC236}">
+                  <a16:creationId xmlns:a16="http://schemas.microsoft.com/office/drawing/2014/main" id="{1A6A485C-CAC0-9BC2-E1BB-CA53ADCEE13E}"/>
+                </a:ext>
+              </a:extLst>
+            </p:cNvPr>
+            <p:cNvSpPr txBox="1"/>
+            <p:nvPr/>
+          </p:nvSpPr>
+          <p:spPr>
+            <a:xfrm>
+              <a:off x="5163920" y="1783206"/>
+              <a:ext cx="471604" cy="253916"/>
+            </a:xfrm>
+            <a:prstGeom prst="rect">
+              <a:avLst/>
+            </a:prstGeom>
+            <a:noFill/>
+          </p:spPr>
+          <p:txBody>
+            <a:bodyPr wrap="none" rtlCol="0">
+              <a:spAutoFit/>
+            </a:bodyPr>
+            <a:lstStyle/>
+            <a:p>
+              <a:r>
+                <a:rPr lang="fr-FR" sz="1050" dirty="0"/>
+                <a:t>20°C</a:t>
+              </a:r>
+            </a:p>
+          </p:txBody>
+        </p:sp>
+        <p:sp>
+          <p:nvSpPr>
+            <p:cNvPr id="23" name="ZoneTexte 22">
+              <a:extLst>
+                <a:ext uri="{FF2B5EF4-FFF2-40B4-BE49-F238E27FC236}">
+                  <a16:creationId xmlns:a16="http://schemas.microsoft.com/office/drawing/2014/main" id="{7F2D0FAA-AB06-5A5A-5E37-F9E3707F86AE}"/>
+                </a:ext>
+              </a:extLst>
+            </p:cNvPr>
+            <p:cNvSpPr txBox="1"/>
+            <p:nvPr/>
+          </p:nvSpPr>
+          <p:spPr>
+            <a:xfrm>
+              <a:off x="1733094" y="3688080"/>
+              <a:ext cx="518091" cy="253916"/>
+            </a:xfrm>
+            <a:prstGeom prst="rect">
+              <a:avLst/>
+            </a:prstGeom>
+            <a:noFill/>
+          </p:spPr>
+          <p:txBody>
+            <a:bodyPr wrap="none" rtlCol="0">
+              <a:spAutoFit/>
+            </a:bodyPr>
+            <a:lstStyle/>
+            <a:p>
+              <a:r>
+                <a:rPr lang="fr-FR" sz="1050" dirty="0"/>
+                <a:t>-10°C</a:t>
+              </a:r>
+            </a:p>
+          </p:txBody>
+        </p:sp>
+        <p:sp>
+          <p:nvSpPr>
+            <p:cNvPr id="24" name="ZoneTexte 23">
+              <a:extLst>
+                <a:ext uri="{FF2B5EF4-FFF2-40B4-BE49-F238E27FC236}">
+                  <a16:creationId xmlns:a16="http://schemas.microsoft.com/office/drawing/2014/main" id="{13BC16B1-0B0C-3B12-19E0-BB4C69C4AAB9}"/>
+                </a:ext>
+              </a:extLst>
+            </p:cNvPr>
+            <p:cNvSpPr txBox="1"/>
+            <p:nvPr/>
+          </p:nvSpPr>
+          <p:spPr>
+            <a:xfrm>
+              <a:off x="2457727" y="3464644"/>
+              <a:ext cx="556563" cy="253916"/>
+            </a:xfrm>
+            <a:prstGeom prst="rect">
+              <a:avLst/>
+            </a:prstGeom>
+            <a:noFill/>
+          </p:spPr>
+          <p:txBody>
+            <a:bodyPr wrap="none" rtlCol="0">
+              <a:spAutoFit/>
+            </a:bodyPr>
+            <a:lstStyle/>
+            <a:p>
+              <a:r>
+                <a:rPr lang="fr-FR" sz="1050" dirty="0"/>
+                <a:t>-9,3°C</a:t>
+              </a:r>
+            </a:p>
+          </p:txBody>
+        </p:sp>
+        <p:sp>
+          <p:nvSpPr>
+            <p:cNvPr id="25" name="ZoneTexte 24">
+              <a:extLst>
+                <a:ext uri="{FF2B5EF4-FFF2-40B4-BE49-F238E27FC236}">
+                  <a16:creationId xmlns:a16="http://schemas.microsoft.com/office/drawing/2014/main" id="{A60FB4EC-8961-71DE-4CA3-2BEE79D21313}"/>
+                </a:ext>
+              </a:extLst>
+            </p:cNvPr>
+            <p:cNvSpPr txBox="1"/>
+            <p:nvPr/>
+          </p:nvSpPr>
+          <p:spPr>
+            <a:xfrm>
+              <a:off x="3776958" y="3403544"/>
+              <a:ext cx="556563" cy="253916"/>
+            </a:xfrm>
+            <a:prstGeom prst="rect">
+              <a:avLst/>
+            </a:prstGeom>
+            <a:noFill/>
+          </p:spPr>
+          <p:txBody>
+            <a:bodyPr wrap="none" rtlCol="0">
+              <a:spAutoFit/>
+            </a:bodyPr>
+            <a:lstStyle/>
+            <a:p>
+              <a:r>
+                <a:rPr lang="fr-FR" sz="1050" dirty="0"/>
+                <a:t>-7,2°C</a:t>
+              </a:r>
+            </a:p>
+          </p:txBody>
+        </p:sp>
+        <p:sp>
+          <p:nvSpPr>
+            <p:cNvPr id="26" name="ZoneTexte 25">
+              <a:extLst>
+                <a:ext uri="{FF2B5EF4-FFF2-40B4-BE49-F238E27FC236}">
+                  <a16:creationId xmlns:a16="http://schemas.microsoft.com/office/drawing/2014/main" id="{0106C6E6-99C9-952B-07CE-C32361AF9C8E}"/>
+                </a:ext>
+              </a:extLst>
+            </p:cNvPr>
+            <p:cNvSpPr txBox="1"/>
+            <p:nvPr/>
+          </p:nvSpPr>
+          <p:spPr>
+            <a:xfrm>
+              <a:off x="3871550" y="2044742"/>
+              <a:ext cx="582211" cy="253916"/>
+            </a:xfrm>
+            <a:prstGeom prst="rect">
+              <a:avLst/>
+            </a:prstGeom>
+            <a:noFill/>
+          </p:spPr>
+          <p:txBody>
+            <a:bodyPr wrap="none" rtlCol="0">
+              <a:spAutoFit/>
+            </a:bodyPr>
+            <a:lstStyle/>
+            <a:p>
+              <a:r>
+                <a:rPr lang="fr-FR" sz="1050" dirty="0"/>
+                <a:t>17,5°C</a:t>
+              </a:r>
+            </a:p>
+          </p:txBody>
+        </p:sp>
+        <p:sp>
+          <p:nvSpPr>
+            <p:cNvPr id="27" name="ZoneTexte 26">
+              <a:extLst>
+                <a:ext uri="{FF2B5EF4-FFF2-40B4-BE49-F238E27FC236}">
+                  <a16:creationId xmlns:a16="http://schemas.microsoft.com/office/drawing/2014/main" id="{6A03283C-46DC-0A2F-6974-D3F6456CC793}"/>
+                </a:ext>
+              </a:extLst>
+            </p:cNvPr>
+            <p:cNvSpPr txBox="1"/>
+            <p:nvPr/>
+          </p:nvSpPr>
+          <p:spPr>
+            <a:xfrm>
+              <a:off x="4329274" y="1884806"/>
+              <a:ext cx="582211" cy="253916"/>
+            </a:xfrm>
+            <a:prstGeom prst="rect">
+              <a:avLst/>
+            </a:prstGeom>
+            <a:noFill/>
+          </p:spPr>
+          <p:txBody>
+            <a:bodyPr wrap="none" rtlCol="0">
+              <a:spAutoFit/>
+            </a:bodyPr>
+            <a:lstStyle/>
+            <a:p>
+              <a:r>
+                <a:rPr lang="fr-FR" sz="1050" dirty="0"/>
+                <a:t>18,1°C</a:t>
+              </a:r>
+            </a:p>
+          </p:txBody>
+        </p:sp>
+        <p:sp>
+          <p:nvSpPr>
+            <p:cNvPr id="28" name="ZoneTexte 27">
+              <a:extLst>
+                <a:ext uri="{FF2B5EF4-FFF2-40B4-BE49-F238E27FC236}">
+                  <a16:creationId xmlns:a16="http://schemas.microsoft.com/office/drawing/2014/main" id="{F7BB8399-C38C-D574-1C82-84CFE5207783}"/>
+                </a:ext>
+              </a:extLst>
+            </p:cNvPr>
+            <p:cNvSpPr txBox="1"/>
+            <p:nvPr/>
+          </p:nvSpPr>
+          <p:spPr>
+            <a:xfrm rot="16200000">
+              <a:off x="2824886" y="1148990"/>
+              <a:ext cx="1023037" cy="253916"/>
+            </a:xfrm>
+            <a:prstGeom prst="rect">
+              <a:avLst/>
+            </a:prstGeom>
+            <a:noFill/>
+          </p:spPr>
+          <p:txBody>
+            <a:bodyPr wrap="none" rtlCol="0">
+              <a:spAutoFit/>
+            </a:bodyPr>
+            <a:lstStyle/>
+            <a:p>
+              <a:r>
+                <a:rPr lang="fr-FR" sz="1050" dirty="0"/>
+                <a:t>Parpaing 0,2m</a:t>
+              </a:r>
+            </a:p>
+          </p:txBody>
+        </p:sp>
+        <p:sp>
+          <p:nvSpPr>
+            <p:cNvPr id="29" name="ZoneTexte 28">
+              <a:extLst>
+                <a:ext uri="{FF2B5EF4-FFF2-40B4-BE49-F238E27FC236}">
+                  <a16:creationId xmlns:a16="http://schemas.microsoft.com/office/drawing/2014/main" id="{409467AE-691D-4047-1B9E-EB9AF385DB5B}"/>
+                </a:ext>
+              </a:extLst>
+            </p:cNvPr>
+            <p:cNvSpPr txBox="1"/>
+            <p:nvPr/>
+          </p:nvSpPr>
+          <p:spPr>
+            <a:xfrm rot="16200000">
+              <a:off x="3590706" y="1250971"/>
+              <a:ext cx="1258678" cy="253916"/>
+            </a:xfrm>
+            <a:prstGeom prst="rect">
+              <a:avLst/>
+            </a:prstGeom>
+            <a:noFill/>
+          </p:spPr>
+          <p:txBody>
+            <a:bodyPr wrap="none" rtlCol="0">
+              <a:spAutoFit/>
+            </a:bodyPr>
+            <a:lstStyle/>
+            <a:p>
+              <a:r>
+                <a:rPr lang="fr-FR" sz="1050" dirty="0"/>
+                <a:t>Polystyrène 0,05m</a:t>
+              </a:r>
+            </a:p>
+          </p:txBody>
+        </p:sp>
+        <p:sp>
+          <p:nvSpPr>
+            <p:cNvPr id="30" name="ZoneTexte 29">
+              <a:extLst>
+                <a:ext uri="{FF2B5EF4-FFF2-40B4-BE49-F238E27FC236}">
+                  <a16:creationId xmlns:a16="http://schemas.microsoft.com/office/drawing/2014/main" id="{F5C62A59-9FDA-5E5E-2E20-AE8D90ACD23F}"/>
+                </a:ext>
+              </a:extLst>
+            </p:cNvPr>
+            <p:cNvSpPr txBox="1"/>
+            <p:nvPr/>
+          </p:nvSpPr>
+          <p:spPr>
+            <a:xfrm rot="16200000">
+              <a:off x="4008045" y="1100099"/>
+              <a:ext cx="925253" cy="253916"/>
+            </a:xfrm>
+            <a:prstGeom prst="rect">
+              <a:avLst/>
+            </a:prstGeom>
+            <a:noFill/>
+          </p:spPr>
+          <p:txBody>
+            <a:bodyPr wrap="none" rtlCol="0">
+              <a:spAutoFit/>
+            </a:bodyPr>
+            <a:lstStyle/>
+            <a:p>
+              <a:r>
+                <a:rPr lang="fr-FR" sz="1050" dirty="0"/>
+                <a:t>Plâtre 0,02m</a:t>
+              </a:r>
+            </a:p>
+          </p:txBody>
+        </p:sp>
+        <p:sp>
+          <p:nvSpPr>
+            <p:cNvPr id="31" name="ZoneTexte 30">
+              <a:extLst>
+                <a:ext uri="{FF2B5EF4-FFF2-40B4-BE49-F238E27FC236}">
+                  <a16:creationId xmlns:a16="http://schemas.microsoft.com/office/drawing/2014/main" id="{09C1A312-1A01-9460-33FC-D819D8D17A3B}"/>
+                </a:ext>
+              </a:extLst>
+            </p:cNvPr>
+            <p:cNvSpPr txBox="1"/>
+            <p:nvPr/>
+          </p:nvSpPr>
+          <p:spPr>
+            <a:xfrm rot="16200000">
+              <a:off x="2376412" y="2191184"/>
+              <a:ext cx="518091" cy="253916"/>
+            </a:xfrm>
+            <a:prstGeom prst="rect">
+              <a:avLst/>
+            </a:prstGeom>
+            <a:noFill/>
+          </p:spPr>
+          <p:txBody>
+            <a:bodyPr wrap="none" rtlCol="0">
+              <a:spAutoFit/>
+            </a:bodyPr>
+            <a:lstStyle/>
+            <a:p>
+              <a:r>
+                <a:rPr lang="fr-FR" sz="1050" dirty="0"/>
+                <a:t>10 m²</a:t>
+              </a:r>
+            </a:p>
+          </p:txBody>
+        </p:sp>
+        <p:sp>
+          <p:nvSpPr>
+            <p:cNvPr id="32" name="ZoneTexte 31">
+              <a:extLst>
+                <a:ext uri="{FF2B5EF4-FFF2-40B4-BE49-F238E27FC236}">
+                  <a16:creationId xmlns:a16="http://schemas.microsoft.com/office/drawing/2014/main" id="{73C62EED-D7DE-66CB-76C8-E087D04E6B5E}"/>
+                </a:ext>
+              </a:extLst>
+            </p:cNvPr>
+            <p:cNvSpPr txBox="1"/>
+            <p:nvPr/>
+          </p:nvSpPr>
+          <p:spPr>
+            <a:xfrm rot="16200000">
+              <a:off x="1866364" y="2501277"/>
+              <a:ext cx="659155" cy="253916"/>
+            </a:xfrm>
+            <a:prstGeom prst="rect">
+              <a:avLst/>
+            </a:prstGeom>
+            <a:noFill/>
+          </p:spPr>
+          <p:txBody>
+            <a:bodyPr wrap="none" rtlCol="0">
+              <a:spAutoFit/>
+            </a:bodyPr>
+            <a:lstStyle/>
+            <a:p>
+              <a:r>
+                <a:rPr lang="fr-FR" sz="1050" dirty="0"/>
+                <a:t>148,7 W</a:t>
+              </a:r>
+            </a:p>
+          </p:txBody>
+        </p:sp>
+        <p:sp>
+          <p:nvSpPr>
+            <p:cNvPr id="33" name="Flèche : droite 32">
+              <a:extLst>
+                <a:ext uri="{FF2B5EF4-FFF2-40B4-BE49-F238E27FC236}">
+                  <a16:creationId xmlns:a16="http://schemas.microsoft.com/office/drawing/2014/main" id="{752B9085-4713-25DD-87FE-E1CD863FB7BA}"/>
+                </a:ext>
+              </a:extLst>
+            </p:cNvPr>
+            <p:cNvSpPr/>
+            <p:nvPr/>
+          </p:nvSpPr>
+          <p:spPr>
+            <a:xfrm rot="10622480">
+              <a:off x="2301032" y="2464783"/>
+              <a:ext cx="483057" cy="275792"/>
+            </a:xfrm>
+            <a:prstGeom prst="rightArrow">
+              <a:avLst/>
+            </a:prstGeom>
+          </p:spPr>
+          <p:style>
+            <a:lnRef idx="2">
+              <a:schemeClr val="accent2">
+                <a:shade val="15000"/>
+              </a:schemeClr>
+            </a:lnRef>
+            <a:fillRef idx="1">
+              <a:schemeClr val="accent2"/>
+            </a:fillRef>
+            <a:effectRef idx="0">
+              <a:schemeClr val="accent2"/>
+            </a:effectRef>
+            <a:fontRef idx="minor">
+              <a:schemeClr val="lt1"/>
+            </a:fontRef>
+          </p:style>
+          <p:txBody>
+            <a:bodyPr rtlCol="0" anchor="ctr"/>
+            <a:lstStyle/>
+            <a:p>
+              <a:pPr algn="ctr"/>
+              <a:endParaRPr lang="fr-FR"/>
+            </a:p>
+          </p:txBody>
+        </p:sp>
+        <p:sp>
+          <p:nvSpPr>
+            <p:cNvPr id="41" name="ZoneTexte 40">
+              <a:extLst>
+                <a:ext uri="{FF2B5EF4-FFF2-40B4-BE49-F238E27FC236}">
+                  <a16:creationId xmlns:a16="http://schemas.microsoft.com/office/drawing/2014/main" id="{C4BC200B-EE31-C416-9BDB-8C216944AEBD}"/>
+                </a:ext>
+              </a:extLst>
+            </p:cNvPr>
+            <p:cNvSpPr txBox="1"/>
+            <p:nvPr/>
+          </p:nvSpPr>
+          <p:spPr>
+            <a:xfrm>
+              <a:off x="2260512" y="4183205"/>
+              <a:ext cx="4547365" cy="253916"/>
+            </a:xfrm>
+            <a:prstGeom prst="rect">
+              <a:avLst/>
+            </a:prstGeom>
+            <a:noFill/>
+          </p:spPr>
+          <p:txBody>
+            <a:bodyPr wrap="square">
+              <a:spAutoFit/>
+            </a:bodyPr>
+            <a:lstStyle/>
+            <a:p>
+              <a:r>
+                <a:rPr lang="fr-FR" sz="1050" dirty="0"/>
+                <a:t>0,043 +                   0,142+            1,667 + 0,04 + 0,125 = 2,017 m².°C/W</a:t>
+              </a:r>
+            </a:p>
+          </p:txBody>
+        </p:sp>
+      </p:grpSp>
+    </p:spTree>
+    <p:extLst>
+      <p:ext uri="{BB962C8B-B14F-4D97-AF65-F5344CB8AC3E}">
+        <p14:creationId xmlns:p14="http://schemas.microsoft.com/office/powerpoint/2010/main" val="2787972203"/>
+      </p:ext>
+    </p:extLst>
+  </p:cSld>
+  <p:clrMapOvr>
+    <a:masterClrMapping/>
+  </p:clrMapOvr>
+</p:sld>
+</file>
+
 <file path=ppt/theme/theme1.xml><?xml version="1.0" encoding="utf-8"?>
 <a:theme xmlns:a="http://schemas.openxmlformats.org/drawingml/2006/main" name="Thème Office">
   <a:themeElements>

--- a/Examples.pptx
+++ b/Examples.pptx
@@ -7,6 +7,7 @@
   <p:sldIdLst>
     <p:sldId id="256" r:id="rId2"/>
     <p:sldId id="257" r:id="rId3"/>
+    <p:sldId id="258" r:id="rId4"/>
   </p:sldIdLst>
   <p:sldSz cx="12192000" cy="6858000"/>
   <p:notesSz cx="6858000" cy="9144000"/>
@@ -116,7 +117,7 @@
 <file path=ppt/revisionInfo.xml><?xml version="1.0" encoding="utf-8"?>
 <p1510:revInfo xmlns:a="http://schemas.openxmlformats.org/drawingml/2006/main" xmlns:r="http://schemas.openxmlformats.org/officeDocument/2006/relationships" xmlns:p1510="http://schemas.microsoft.com/office/powerpoint/2015/10/main">
   <p1510:revLst>
-    <p1510:client id="{2A3E10D1-ABAB-4574-ADA8-42C8B9BEC6A9}" v="40" dt="2025-02-21T19:50:36.880"/>
+    <p1510:client id="{2A3E10D1-ABAB-4574-ADA8-42C8B9BEC6A9}" v="47" dt="2025-02-22T15:40:43.348"/>
   </p1510:revLst>
 </p1510:revInfo>
 </file>
@@ -126,7 +127,7 @@
   <pc:docChgLst>
     <pc:chgData name="Zoheir HADID" userId="123d7235792d1862" providerId="LiveId" clId="{2A3E10D1-ABAB-4574-ADA8-42C8B9BEC6A9}"/>
     <pc:docChg chg="undo custSel addSld modSld">
-      <pc:chgData name="Zoheir HADID" userId="123d7235792d1862" providerId="LiveId" clId="{2A3E10D1-ABAB-4574-ADA8-42C8B9BEC6A9}" dt="2025-02-21T19:50:36.880" v="580" actId="164"/>
+      <pc:chgData name="Zoheir HADID" userId="123d7235792d1862" providerId="LiveId" clId="{2A3E10D1-ABAB-4574-ADA8-42C8B9BEC6A9}" dt="2025-02-22T15:40:43.348" v="825" actId="164"/>
       <pc:docMkLst>
         <pc:docMk/>
       </pc:docMkLst>
@@ -136,28 +137,12 @@
           <pc:docMk/>
           <pc:sldMk cId="4243550657" sldId="256"/>
         </pc:sldMkLst>
-        <pc:spChg chg="del">
-          <ac:chgData name="Zoheir HADID" userId="123d7235792d1862" providerId="LiveId" clId="{2A3E10D1-ABAB-4574-ADA8-42C8B9BEC6A9}" dt="2025-02-20T19:21:16.104" v="1" actId="478"/>
-          <ac:spMkLst>
-            <pc:docMk/>
-            <pc:sldMk cId="4243550657" sldId="256"/>
-            <ac:spMk id="2" creationId="{2D83656A-B467-2273-0C04-FD9353F64340}"/>
-          </ac:spMkLst>
-        </pc:spChg>
         <pc:spChg chg="add mod">
           <ac:chgData name="Zoheir HADID" userId="123d7235792d1862" providerId="LiveId" clId="{2A3E10D1-ABAB-4574-ADA8-42C8B9BEC6A9}" dt="2025-02-20T20:21:24.243" v="234" actId="164"/>
           <ac:spMkLst>
             <pc:docMk/>
             <pc:sldMk cId="4243550657" sldId="256"/>
             <ac:spMk id="2" creationId="{3F58695C-B3F0-1FC7-CFE1-2B5C6549804D}"/>
-          </ac:spMkLst>
-        </pc:spChg>
-        <pc:spChg chg="del">
-          <ac:chgData name="Zoheir HADID" userId="123d7235792d1862" providerId="LiveId" clId="{2A3E10D1-ABAB-4574-ADA8-42C8B9BEC6A9}" dt="2025-02-20T19:21:16.104" v="1" actId="478"/>
-          <ac:spMkLst>
-            <pc:docMk/>
-            <pc:sldMk cId="4243550657" sldId="256"/>
-            <ac:spMk id="3" creationId="{63B1EE4A-9D28-42A0-8B7A-44192871A48D}"/>
           </ac:spMkLst>
         </pc:spChg>
         <pc:spChg chg="add mod">
@@ -296,14 +281,6 @@
             <ac:spMk id="28" creationId="{B3720C06-9D29-94A2-A8D5-2732955F5015}"/>
           </ac:spMkLst>
         </pc:spChg>
-        <pc:grpChg chg="add del mod">
-          <ac:chgData name="Zoheir HADID" userId="123d7235792d1862" providerId="LiveId" clId="{2A3E10D1-ABAB-4574-ADA8-42C8B9BEC6A9}" dt="2025-02-20T19:29:54.379" v="94" actId="165"/>
-          <ac:grpSpMkLst>
-            <pc:docMk/>
-            <pc:sldMk cId="4243550657" sldId="256"/>
-            <ac:grpSpMk id="27" creationId="{D9F5FF10-C9C7-AFDB-5A97-3883EF6192A0}"/>
-          </ac:grpSpMkLst>
-        </pc:grpChg>
         <pc:grpChg chg="add mod">
           <ac:chgData name="Zoheir HADID" userId="123d7235792d1862" providerId="LiveId" clId="{2A3E10D1-ABAB-4574-ADA8-42C8B9BEC6A9}" dt="2025-02-20T19:31:25.758" v="108" actId="164"/>
           <ac:grpSpMkLst>
@@ -342,22 +319,6 @@
             <pc:docMk/>
             <pc:sldMk cId="4243550657" sldId="256"/>
             <ac:cxnSpMk id="10" creationId="{1EF644BA-B95D-10A2-E5C4-526596A112FA}"/>
-          </ac:cxnSpMkLst>
-        </pc:cxnChg>
-        <pc:cxnChg chg="add del mod">
-          <ac:chgData name="Zoheir HADID" userId="123d7235792d1862" providerId="LiveId" clId="{2A3E10D1-ABAB-4574-ADA8-42C8B9BEC6A9}" dt="2025-02-20T19:28:08.530" v="77" actId="478"/>
-          <ac:cxnSpMkLst>
-            <pc:docMk/>
-            <pc:sldMk cId="4243550657" sldId="256"/>
-            <ac:cxnSpMk id="23" creationId="{673ADB77-31B4-4C2B-9036-57BD0C0CCFB2}"/>
-          </ac:cxnSpMkLst>
-        </pc:cxnChg>
-        <pc:cxnChg chg="add del mod">
-          <ac:chgData name="Zoheir HADID" userId="123d7235792d1862" providerId="LiveId" clId="{2A3E10D1-ABAB-4574-ADA8-42C8B9BEC6A9}" dt="2025-02-20T19:28:07.106" v="76" actId="478"/>
-          <ac:cxnSpMkLst>
-            <pc:docMk/>
-            <pc:sldMk cId="4243550657" sldId="256"/>
-            <ac:cxnSpMk id="25" creationId="{27B9A182-7293-5F52-AE5E-77543D6A62A6}"/>
           </ac:cxnSpMkLst>
         </pc:cxnChg>
       </pc:sldChg>
@@ -584,6 +545,157 @@
           </ac:cxnSpMkLst>
         </pc:cxnChg>
       </pc:sldChg>
+      <pc:sldChg chg="addSp delSp modSp new mod">
+        <pc:chgData name="Zoheir HADID" userId="123d7235792d1862" providerId="LiveId" clId="{2A3E10D1-ABAB-4574-ADA8-42C8B9BEC6A9}" dt="2025-02-22T15:40:43.348" v="825" actId="164"/>
+        <pc:sldMkLst>
+          <pc:docMk/>
+          <pc:sldMk cId="517225097" sldId="258"/>
+        </pc:sldMkLst>
+        <pc:spChg chg="del">
+          <ac:chgData name="Zoheir HADID" userId="123d7235792d1862" providerId="LiveId" clId="{2A3E10D1-ABAB-4574-ADA8-42C8B9BEC6A9}" dt="2025-02-22T15:26:55.923" v="582" actId="478"/>
+          <ac:spMkLst>
+            <pc:docMk/>
+            <pc:sldMk cId="517225097" sldId="258"/>
+            <ac:spMk id="2" creationId="{9BF26287-88B6-29C6-6F40-E71D60A3F9A6}"/>
+          </ac:spMkLst>
+        </pc:spChg>
+        <pc:spChg chg="del">
+          <ac:chgData name="Zoheir HADID" userId="123d7235792d1862" providerId="LiveId" clId="{2A3E10D1-ABAB-4574-ADA8-42C8B9BEC6A9}" dt="2025-02-22T15:26:55.923" v="582" actId="478"/>
+          <ac:spMkLst>
+            <pc:docMk/>
+            <pc:sldMk cId="517225097" sldId="258"/>
+            <ac:spMk id="3" creationId="{27C2536E-1F53-B406-7828-F32F6F73432A}"/>
+          </ac:spMkLst>
+        </pc:spChg>
+        <pc:spChg chg="add mod">
+          <ac:chgData name="Zoheir HADID" userId="123d7235792d1862" providerId="LiveId" clId="{2A3E10D1-ABAB-4574-ADA8-42C8B9BEC6A9}" dt="2025-02-22T15:40:43.348" v="825" actId="164"/>
+          <ac:spMkLst>
+            <pc:docMk/>
+            <pc:sldMk cId="517225097" sldId="258"/>
+            <ac:spMk id="4" creationId="{FF7CA384-9261-4B2F-C031-5C7D1CDE3837}"/>
+          </ac:spMkLst>
+        </pc:spChg>
+        <pc:spChg chg="add mod">
+          <ac:chgData name="Zoheir HADID" userId="123d7235792d1862" providerId="LiveId" clId="{2A3E10D1-ABAB-4574-ADA8-42C8B9BEC6A9}" dt="2025-02-22T15:40:43.348" v="825" actId="164"/>
+          <ac:spMkLst>
+            <pc:docMk/>
+            <pc:sldMk cId="517225097" sldId="258"/>
+            <ac:spMk id="5" creationId="{84BDC965-07A7-2833-DF1D-962DEC5A7C38}"/>
+          </ac:spMkLst>
+        </pc:spChg>
+        <pc:spChg chg="add mod">
+          <ac:chgData name="Zoheir HADID" userId="123d7235792d1862" providerId="LiveId" clId="{2A3E10D1-ABAB-4574-ADA8-42C8B9BEC6A9}" dt="2025-02-22T15:36:52.093" v="767" actId="207"/>
+          <ac:spMkLst>
+            <pc:docMk/>
+            <pc:sldMk cId="517225097" sldId="258"/>
+            <ac:spMk id="6" creationId="{902813AF-539A-30C0-ADA3-930E170BFAC5}"/>
+          </ac:spMkLst>
+        </pc:spChg>
+        <pc:spChg chg="add mod">
+          <ac:chgData name="Zoheir HADID" userId="123d7235792d1862" providerId="LiveId" clId="{2A3E10D1-ABAB-4574-ADA8-42C8B9BEC6A9}" dt="2025-02-22T15:40:43.348" v="825" actId="164"/>
+          <ac:spMkLst>
+            <pc:docMk/>
+            <pc:sldMk cId="517225097" sldId="258"/>
+            <ac:spMk id="7" creationId="{958D7A05-E15E-AFC5-F4C2-4F42867CACBF}"/>
+          </ac:spMkLst>
+        </pc:spChg>
+        <pc:spChg chg="add mod">
+          <ac:chgData name="Zoheir HADID" userId="123d7235792d1862" providerId="LiveId" clId="{2A3E10D1-ABAB-4574-ADA8-42C8B9BEC6A9}" dt="2025-02-22T15:30:47.808" v="651" actId="14100"/>
+          <ac:spMkLst>
+            <pc:docMk/>
+            <pc:sldMk cId="517225097" sldId="258"/>
+            <ac:spMk id="8" creationId="{A849B0C0-04C9-F3C7-602A-7C358B22F98C}"/>
+          </ac:spMkLst>
+        </pc:spChg>
+        <pc:spChg chg="add mod">
+          <ac:chgData name="Zoheir HADID" userId="123d7235792d1862" providerId="LiveId" clId="{2A3E10D1-ABAB-4574-ADA8-42C8B9BEC6A9}" dt="2025-02-22T15:40:43.348" v="825" actId="164"/>
+          <ac:spMkLst>
+            <pc:docMk/>
+            <pc:sldMk cId="517225097" sldId="258"/>
+            <ac:spMk id="17" creationId="{80E64579-F4DF-FFC9-1360-A33281432025}"/>
+          </ac:spMkLst>
+        </pc:spChg>
+        <pc:spChg chg="add del mod">
+          <ac:chgData name="Zoheir HADID" userId="123d7235792d1862" providerId="LiveId" clId="{2A3E10D1-ABAB-4574-ADA8-42C8B9BEC6A9}" dt="2025-02-22T15:40:43.348" v="825" actId="164"/>
+          <ac:spMkLst>
+            <pc:docMk/>
+            <pc:sldMk cId="517225097" sldId="258"/>
+            <ac:spMk id="18" creationId="{83AC6062-23A6-BDC8-1306-A43E3C23D925}"/>
+          </ac:spMkLst>
+        </pc:spChg>
+        <pc:spChg chg="add mod">
+          <ac:chgData name="Zoheir HADID" userId="123d7235792d1862" providerId="LiveId" clId="{2A3E10D1-ABAB-4574-ADA8-42C8B9BEC6A9}" dt="2025-02-22T15:40:43.348" v="825" actId="164"/>
+          <ac:spMkLst>
+            <pc:docMk/>
+            <pc:sldMk cId="517225097" sldId="258"/>
+            <ac:spMk id="19" creationId="{6194947A-237A-056D-2030-BB9B04F37491}"/>
+          </ac:spMkLst>
+        </pc:spChg>
+        <pc:spChg chg="add mod">
+          <ac:chgData name="Zoheir HADID" userId="123d7235792d1862" providerId="LiveId" clId="{2A3E10D1-ABAB-4574-ADA8-42C8B9BEC6A9}" dt="2025-02-22T15:40:43.348" v="825" actId="164"/>
+          <ac:spMkLst>
+            <pc:docMk/>
+            <pc:sldMk cId="517225097" sldId="258"/>
+            <ac:spMk id="21" creationId="{2FB627EB-F0EA-7E33-E10D-DDAE3C09E28D}"/>
+          </ac:spMkLst>
+        </pc:spChg>
+        <pc:spChg chg="add mod">
+          <ac:chgData name="Zoheir HADID" userId="123d7235792d1862" providerId="LiveId" clId="{2A3E10D1-ABAB-4574-ADA8-42C8B9BEC6A9}" dt="2025-02-22T15:40:43.348" v="825" actId="164"/>
+          <ac:spMkLst>
+            <pc:docMk/>
+            <pc:sldMk cId="517225097" sldId="258"/>
+            <ac:spMk id="23" creationId="{F0BAB0BB-4B74-2A2A-BE4F-5CB2BE62614C}"/>
+          </ac:spMkLst>
+        </pc:spChg>
+        <pc:spChg chg="add del mod">
+          <ac:chgData name="Zoheir HADID" userId="123d7235792d1862" providerId="LiveId" clId="{2A3E10D1-ABAB-4574-ADA8-42C8B9BEC6A9}" dt="2025-02-22T15:40:24.614" v="823" actId="478"/>
+          <ac:spMkLst>
+            <pc:docMk/>
+            <pc:sldMk cId="517225097" sldId="258"/>
+            <ac:spMk id="25" creationId="{64D04E9E-B984-BF55-3068-C3C1760BEC32}"/>
+          </ac:spMkLst>
+        </pc:spChg>
+        <pc:spChg chg="add mod">
+          <ac:chgData name="Zoheir HADID" userId="123d7235792d1862" providerId="LiveId" clId="{2A3E10D1-ABAB-4574-ADA8-42C8B9BEC6A9}" dt="2025-02-22T15:40:43.348" v="825" actId="164"/>
+          <ac:spMkLst>
+            <pc:docMk/>
+            <pc:sldMk cId="517225097" sldId="258"/>
+            <ac:spMk id="29" creationId="{FB94D4E0-F34F-8728-FA6C-AEEB08876245}"/>
+          </ac:spMkLst>
+        </pc:spChg>
+        <pc:spChg chg="add mod">
+          <ac:chgData name="Zoheir HADID" userId="123d7235792d1862" providerId="LiveId" clId="{2A3E10D1-ABAB-4574-ADA8-42C8B9BEC6A9}" dt="2025-02-22T15:40:43.348" v="825" actId="164"/>
+          <ac:spMkLst>
+            <pc:docMk/>
+            <pc:sldMk cId="517225097" sldId="258"/>
+            <ac:spMk id="30" creationId="{A5C6F7CD-5D75-B631-ACC0-9AE4EEFBC8BB}"/>
+          </ac:spMkLst>
+        </pc:spChg>
+        <pc:cxnChg chg="add mod">
+          <ac:chgData name="Zoheir HADID" userId="123d7235792d1862" providerId="LiveId" clId="{2A3E10D1-ABAB-4574-ADA8-42C8B9BEC6A9}" dt="2025-02-22T15:30:54.181" v="653" actId="14100"/>
+          <ac:cxnSpMkLst>
+            <pc:docMk/>
+            <pc:sldMk cId="517225097" sldId="258"/>
+            <ac:cxnSpMk id="10" creationId="{3DEC641D-5DB9-A13E-672F-02784861F272}"/>
+          </ac:cxnSpMkLst>
+        </pc:cxnChg>
+        <pc:cxnChg chg="add mod">
+          <ac:chgData name="Zoheir HADID" userId="123d7235792d1862" providerId="LiveId" clId="{2A3E10D1-ABAB-4574-ADA8-42C8B9BEC6A9}" dt="2025-02-22T15:31:25.806" v="660" actId="1076"/>
+          <ac:cxnSpMkLst>
+            <pc:docMk/>
+            <pc:sldMk cId="517225097" sldId="258"/>
+            <ac:cxnSpMk id="14" creationId="{D0C2B624-CF2B-75D8-B438-D196DBFF52AD}"/>
+          </ac:cxnSpMkLst>
+        </pc:cxnChg>
+        <pc:cxnChg chg="add mod">
+          <ac:chgData name="Zoheir HADID" userId="123d7235792d1862" providerId="LiveId" clId="{2A3E10D1-ABAB-4574-ADA8-42C8B9BEC6A9}" dt="2025-02-22T15:39:10.334" v="803" actId="1076"/>
+          <ac:cxnSpMkLst>
+            <pc:docMk/>
+            <pc:sldMk cId="517225097" sldId="258"/>
+            <ac:cxnSpMk id="27" creationId="{54E16171-74F8-BDE1-F569-ADD3E9936A89}"/>
+          </ac:cxnSpMkLst>
+        </pc:cxnChg>
+      </pc:sldChg>
     </pc:docChg>
   </pc:docChgLst>
 </pc:chgInfo>
@@ -736,7 +848,7 @@
           <a:p>
             <a:fld id="{44643AC4-22AA-4210-A6CC-8CC3C7E4451E}" type="datetimeFigureOut">
               <a:rPr lang="fr-FR" smtClean="0"/>
-              <a:t>21/02/2025</a:t>
+              <a:t>22/02/2025</a:t>
             </a:fld>
             <a:endParaRPr lang="fr-FR"/>
           </a:p>
@@ -934,7 +1046,7 @@
           <a:p>
             <a:fld id="{44643AC4-22AA-4210-A6CC-8CC3C7E4451E}" type="datetimeFigureOut">
               <a:rPr lang="fr-FR" smtClean="0"/>
-              <a:t>21/02/2025</a:t>
+              <a:t>22/02/2025</a:t>
             </a:fld>
             <a:endParaRPr lang="fr-FR"/>
           </a:p>
@@ -1142,7 +1254,7 @@
           <a:p>
             <a:fld id="{44643AC4-22AA-4210-A6CC-8CC3C7E4451E}" type="datetimeFigureOut">
               <a:rPr lang="fr-FR" smtClean="0"/>
-              <a:t>21/02/2025</a:t>
+              <a:t>22/02/2025</a:t>
             </a:fld>
             <a:endParaRPr lang="fr-FR"/>
           </a:p>
@@ -1340,7 +1452,7 @@
           <a:p>
             <a:fld id="{44643AC4-22AA-4210-A6CC-8CC3C7E4451E}" type="datetimeFigureOut">
               <a:rPr lang="fr-FR" smtClean="0"/>
-              <a:t>21/02/2025</a:t>
+              <a:t>22/02/2025</a:t>
             </a:fld>
             <a:endParaRPr lang="fr-FR"/>
           </a:p>
@@ -1615,7 +1727,7 @@
           <a:p>
             <a:fld id="{44643AC4-22AA-4210-A6CC-8CC3C7E4451E}" type="datetimeFigureOut">
               <a:rPr lang="fr-FR" smtClean="0"/>
-              <a:t>21/02/2025</a:t>
+              <a:t>22/02/2025</a:t>
             </a:fld>
             <a:endParaRPr lang="fr-FR"/>
           </a:p>
@@ -1880,7 +1992,7 @@
           <a:p>
             <a:fld id="{44643AC4-22AA-4210-A6CC-8CC3C7E4451E}" type="datetimeFigureOut">
               <a:rPr lang="fr-FR" smtClean="0"/>
-              <a:t>21/02/2025</a:t>
+              <a:t>22/02/2025</a:t>
             </a:fld>
             <a:endParaRPr lang="fr-FR"/>
           </a:p>
@@ -2292,7 +2404,7 @@
           <a:p>
             <a:fld id="{44643AC4-22AA-4210-A6CC-8CC3C7E4451E}" type="datetimeFigureOut">
               <a:rPr lang="fr-FR" smtClean="0"/>
-              <a:t>21/02/2025</a:t>
+              <a:t>22/02/2025</a:t>
             </a:fld>
             <a:endParaRPr lang="fr-FR"/>
           </a:p>
@@ -2433,7 +2545,7 @@
           <a:p>
             <a:fld id="{44643AC4-22AA-4210-A6CC-8CC3C7E4451E}" type="datetimeFigureOut">
               <a:rPr lang="fr-FR" smtClean="0"/>
-              <a:t>21/02/2025</a:t>
+              <a:t>22/02/2025</a:t>
             </a:fld>
             <a:endParaRPr lang="fr-FR"/>
           </a:p>
@@ -2546,7 +2658,7 @@
           <a:p>
             <a:fld id="{44643AC4-22AA-4210-A6CC-8CC3C7E4451E}" type="datetimeFigureOut">
               <a:rPr lang="fr-FR" smtClean="0"/>
-              <a:t>21/02/2025</a:t>
+              <a:t>22/02/2025</a:t>
             </a:fld>
             <a:endParaRPr lang="fr-FR"/>
           </a:p>
@@ -2857,7 +2969,7 @@
           <a:p>
             <a:fld id="{44643AC4-22AA-4210-A6CC-8CC3C7E4451E}" type="datetimeFigureOut">
               <a:rPr lang="fr-FR" smtClean="0"/>
-              <a:t>21/02/2025</a:t>
+              <a:t>22/02/2025</a:t>
             </a:fld>
             <a:endParaRPr lang="fr-FR"/>
           </a:p>
@@ -3145,7 +3257,7 @@
           <a:p>
             <a:fld id="{44643AC4-22AA-4210-A6CC-8CC3C7E4451E}" type="datetimeFigureOut">
               <a:rPr lang="fr-FR" smtClean="0"/>
-              <a:t>21/02/2025</a:t>
+              <a:t>22/02/2025</a:t>
             </a:fld>
             <a:endParaRPr lang="fr-FR"/>
           </a:p>
@@ -3386,7 +3498,7 @@
           <a:p>
             <a:fld id="{44643AC4-22AA-4210-A6CC-8CC3C7E4451E}" type="datetimeFigureOut">
               <a:rPr lang="fr-FR" smtClean="0"/>
-              <a:t>21/02/2025</a:t>
+              <a:t>22/02/2025</a:t>
             </a:fld>
             <a:endParaRPr lang="fr-FR"/>
           </a:p>
@@ -5762,6 +5874,825 @@
 </p:sld>
 </file>
 
+<file path=ppt/slides/slide3.xml><?xml version="1.0" encoding="utf-8"?>
+<p:sld xmlns:a="http://schemas.openxmlformats.org/drawingml/2006/main" xmlns:r="http://schemas.openxmlformats.org/officeDocument/2006/relationships" xmlns:p="http://schemas.openxmlformats.org/presentationml/2006/main">
+  <p:cSld>
+    <p:spTree>
+      <p:nvGrpSpPr>
+        <p:cNvPr id="1" name=""/>
+        <p:cNvGrpSpPr/>
+        <p:nvPr/>
+      </p:nvGrpSpPr>
+      <p:grpSpPr>
+        <a:xfrm>
+          <a:off x="0" y="0"/>
+          <a:ext cx="0" cy="0"/>
+          <a:chOff x="0" y="0"/>
+          <a:chExt cx="0" cy="0"/>
+        </a:xfrm>
+      </p:grpSpPr>
+      <p:grpSp>
+        <p:nvGrpSpPr>
+          <p:cNvPr id="31" name="Groupe 30">
+            <a:extLst>
+              <a:ext uri="{FF2B5EF4-FFF2-40B4-BE49-F238E27FC236}">
+                <a16:creationId xmlns:a16="http://schemas.microsoft.com/office/drawing/2014/main" id="{44CE9A8D-13D1-5E06-9D4C-726350940C51}"/>
+              </a:ext>
+            </a:extLst>
+          </p:cNvPr>
+          <p:cNvGrpSpPr/>
+          <p:nvPr/>
+        </p:nvGrpSpPr>
+        <p:grpSpPr>
+          <a:xfrm>
+            <a:off x="2910348" y="914653"/>
+            <a:ext cx="6676104" cy="3578946"/>
+            <a:chOff x="2910348" y="914653"/>
+            <a:chExt cx="6676104" cy="3578946"/>
+          </a:xfrm>
+        </p:grpSpPr>
+        <p:sp>
+          <p:nvSpPr>
+            <p:cNvPr id="4" name="Rectangle 3">
+              <a:extLst>
+                <a:ext uri="{FF2B5EF4-FFF2-40B4-BE49-F238E27FC236}">
+                  <a16:creationId xmlns:a16="http://schemas.microsoft.com/office/drawing/2014/main" id="{FF7CA384-9261-4B2F-C031-5C7D1CDE3837}"/>
+                </a:ext>
+              </a:extLst>
+            </p:cNvPr>
+            <p:cNvSpPr/>
+            <p:nvPr/>
+          </p:nvSpPr>
+          <p:spPr>
+            <a:xfrm>
+              <a:off x="3775587" y="2261419"/>
+              <a:ext cx="5043948" cy="1440000"/>
+            </a:xfrm>
+            <a:prstGeom prst="rect">
+              <a:avLst/>
+            </a:prstGeom>
+            <a:solidFill>
+              <a:schemeClr val="accent1">
+                <a:lumMod val="40000"/>
+                <a:lumOff val="60000"/>
+              </a:schemeClr>
+            </a:solidFill>
+            <a:ln>
+              <a:noFill/>
+            </a:ln>
+          </p:spPr>
+          <p:style>
+            <a:lnRef idx="2">
+              <a:schemeClr val="accent2">
+                <a:shade val="15000"/>
+              </a:schemeClr>
+            </a:lnRef>
+            <a:fillRef idx="1">
+              <a:schemeClr val="accent2"/>
+            </a:fillRef>
+            <a:effectRef idx="0">
+              <a:schemeClr val="accent2"/>
+            </a:effectRef>
+            <a:fontRef idx="minor">
+              <a:schemeClr val="lt1"/>
+            </a:fontRef>
+          </p:style>
+          <p:txBody>
+            <a:bodyPr rtlCol="0" anchor="ctr"/>
+            <a:lstStyle/>
+            <a:p>
+              <a:pPr algn="ctr"/>
+              <a:endParaRPr lang="fr-FR"/>
+            </a:p>
+          </p:txBody>
+        </p:sp>
+        <p:sp>
+          <p:nvSpPr>
+            <p:cNvPr id="5" name="Rectangle 4">
+              <a:extLst>
+                <a:ext uri="{FF2B5EF4-FFF2-40B4-BE49-F238E27FC236}">
+                  <a16:creationId xmlns:a16="http://schemas.microsoft.com/office/drawing/2014/main" id="{84BDC965-07A7-2833-DF1D-962DEC5A7C38}"/>
+                </a:ext>
+              </a:extLst>
+            </p:cNvPr>
+            <p:cNvSpPr/>
+            <p:nvPr/>
+          </p:nvSpPr>
+          <p:spPr>
+            <a:xfrm>
+              <a:off x="3775587" y="2103794"/>
+              <a:ext cx="5043948" cy="144000"/>
+            </a:xfrm>
+            <a:prstGeom prst="rect">
+              <a:avLst/>
+            </a:prstGeom>
+            <a:ln>
+              <a:noFill/>
+            </a:ln>
+          </p:spPr>
+          <p:style>
+            <a:lnRef idx="2">
+              <a:schemeClr val="dk1">
+                <a:shade val="15000"/>
+              </a:schemeClr>
+            </a:lnRef>
+            <a:fillRef idx="1">
+              <a:schemeClr val="dk1"/>
+            </a:fillRef>
+            <a:effectRef idx="0">
+              <a:schemeClr val="dk1"/>
+            </a:effectRef>
+            <a:fontRef idx="minor">
+              <a:schemeClr val="lt1"/>
+            </a:fontRef>
+          </p:style>
+          <p:txBody>
+            <a:bodyPr rtlCol="0" anchor="ctr"/>
+            <a:lstStyle/>
+            <a:p>
+              <a:pPr algn="ctr"/>
+              <a:endParaRPr lang="fr-FR"/>
+            </a:p>
+          </p:txBody>
+        </p:sp>
+        <p:sp>
+          <p:nvSpPr>
+            <p:cNvPr id="6" name="Rectangle 5">
+              <a:extLst>
+                <a:ext uri="{FF2B5EF4-FFF2-40B4-BE49-F238E27FC236}">
+                  <a16:creationId xmlns:a16="http://schemas.microsoft.com/office/drawing/2014/main" id="{902813AF-539A-30C0-ADA3-930E170BFAC5}"/>
+                </a:ext>
+              </a:extLst>
+            </p:cNvPr>
+            <p:cNvSpPr/>
+            <p:nvPr/>
+          </p:nvSpPr>
+          <p:spPr>
+            <a:xfrm>
+              <a:off x="3775587" y="1727922"/>
+              <a:ext cx="5043948" cy="360000"/>
+            </a:xfrm>
+            <a:prstGeom prst="rect">
+              <a:avLst/>
+            </a:prstGeom>
+            <a:ln>
+              <a:noFill/>
+            </a:ln>
+          </p:spPr>
+          <p:style>
+            <a:lnRef idx="2">
+              <a:schemeClr val="accent6">
+                <a:shade val="15000"/>
+              </a:schemeClr>
+            </a:lnRef>
+            <a:fillRef idx="1">
+              <a:schemeClr val="accent6"/>
+            </a:fillRef>
+            <a:effectRef idx="0">
+              <a:schemeClr val="accent6"/>
+            </a:effectRef>
+            <a:fontRef idx="minor">
+              <a:schemeClr val="lt1"/>
+            </a:fontRef>
+          </p:style>
+          <p:txBody>
+            <a:bodyPr rtlCol="0" anchor="ctr"/>
+            <a:lstStyle/>
+            <a:p>
+              <a:pPr algn="ctr"/>
+              <a:endParaRPr lang="fr-FR" dirty="0">
+                <a:solidFill>
+                  <a:srgbClr val="FF0000"/>
+                </a:solidFill>
+              </a:endParaRPr>
+            </a:p>
+          </p:txBody>
+        </p:sp>
+        <p:sp>
+          <p:nvSpPr>
+            <p:cNvPr id="7" name="Rectangle 6">
+              <a:extLst>
+                <a:ext uri="{FF2B5EF4-FFF2-40B4-BE49-F238E27FC236}">
+                  <a16:creationId xmlns:a16="http://schemas.microsoft.com/office/drawing/2014/main" id="{958D7A05-E15E-AFC5-F4C2-4F42867CACBF}"/>
+                </a:ext>
+              </a:extLst>
+            </p:cNvPr>
+            <p:cNvSpPr/>
+            <p:nvPr/>
+          </p:nvSpPr>
+          <p:spPr>
+            <a:xfrm>
+              <a:off x="3775587" y="3706764"/>
+              <a:ext cx="5043948" cy="144000"/>
+            </a:xfrm>
+            <a:prstGeom prst="rect">
+              <a:avLst/>
+            </a:prstGeom>
+            <a:ln>
+              <a:noFill/>
+            </a:ln>
+          </p:spPr>
+          <p:style>
+            <a:lnRef idx="2">
+              <a:schemeClr val="dk1">
+                <a:shade val="15000"/>
+              </a:schemeClr>
+            </a:lnRef>
+            <a:fillRef idx="1">
+              <a:schemeClr val="dk1"/>
+            </a:fillRef>
+            <a:effectRef idx="0">
+              <a:schemeClr val="dk1"/>
+            </a:effectRef>
+            <a:fontRef idx="minor">
+              <a:schemeClr val="lt1"/>
+            </a:fontRef>
+          </p:style>
+          <p:txBody>
+            <a:bodyPr rtlCol="0" anchor="ctr"/>
+            <a:lstStyle/>
+            <a:p>
+              <a:pPr algn="ctr"/>
+              <a:endParaRPr lang="fr-FR" dirty="0"/>
+            </a:p>
+          </p:txBody>
+        </p:sp>
+        <p:sp>
+          <p:nvSpPr>
+            <p:cNvPr id="8" name="Rectangle 7">
+              <a:extLst>
+                <a:ext uri="{FF2B5EF4-FFF2-40B4-BE49-F238E27FC236}">
+                  <a16:creationId xmlns:a16="http://schemas.microsoft.com/office/drawing/2014/main" id="{A849B0C0-04C9-F3C7-602A-7C358B22F98C}"/>
+                </a:ext>
+              </a:extLst>
+            </p:cNvPr>
+            <p:cNvSpPr/>
+            <p:nvPr/>
+          </p:nvSpPr>
+          <p:spPr>
+            <a:xfrm>
+              <a:off x="3775587" y="3860596"/>
+              <a:ext cx="5043948" cy="324000"/>
+            </a:xfrm>
+            <a:prstGeom prst="rect">
+              <a:avLst/>
+            </a:prstGeom>
+            <a:ln>
+              <a:noFill/>
+            </a:ln>
+          </p:spPr>
+          <p:style>
+            <a:lnRef idx="2">
+              <a:schemeClr val="accent6">
+                <a:shade val="15000"/>
+              </a:schemeClr>
+            </a:lnRef>
+            <a:fillRef idx="1">
+              <a:schemeClr val="accent6"/>
+            </a:fillRef>
+            <a:effectRef idx="0">
+              <a:schemeClr val="accent6"/>
+            </a:effectRef>
+            <a:fontRef idx="minor">
+              <a:schemeClr val="lt1"/>
+            </a:fontRef>
+          </p:style>
+          <p:txBody>
+            <a:bodyPr rtlCol="0" anchor="ctr"/>
+            <a:lstStyle/>
+            <a:p>
+              <a:pPr algn="ctr"/>
+              <a:endParaRPr lang="fr-FR" dirty="0"/>
+            </a:p>
+          </p:txBody>
+        </p:sp>
+        <p:cxnSp>
+          <p:nvCxnSpPr>
+            <p:cNvPr id="10" name="Connecteur droit 9">
+              <a:extLst>
+                <a:ext uri="{FF2B5EF4-FFF2-40B4-BE49-F238E27FC236}">
+                  <a16:creationId xmlns:a16="http://schemas.microsoft.com/office/drawing/2014/main" id="{3DEC641D-5DB9-A13E-672F-02784861F272}"/>
+                </a:ext>
+              </a:extLst>
+            </p:cNvPr>
+            <p:cNvCxnSpPr>
+              <a:cxnSpLocks/>
+            </p:cNvCxnSpPr>
+            <p:nvPr/>
+          </p:nvCxnSpPr>
+          <p:spPr>
+            <a:xfrm>
+              <a:off x="2910348" y="2989007"/>
+              <a:ext cx="6676104" cy="0"/>
+            </a:xfrm>
+            <a:prstGeom prst="line">
+              <a:avLst/>
+            </a:prstGeom>
+            <a:ln>
+              <a:prstDash val="lgDashDot"/>
+            </a:ln>
+          </p:spPr>
+          <p:style>
+            <a:lnRef idx="2">
+              <a:schemeClr val="dk1"/>
+            </a:lnRef>
+            <a:fillRef idx="0">
+              <a:schemeClr val="dk1"/>
+            </a:fillRef>
+            <a:effectRef idx="1">
+              <a:schemeClr val="dk1"/>
+            </a:effectRef>
+            <a:fontRef idx="minor">
+              <a:schemeClr val="tx1"/>
+            </a:fontRef>
+          </p:style>
+        </p:cxnSp>
+        <p:cxnSp>
+          <p:nvCxnSpPr>
+            <p:cNvPr id="14" name="Connecteur droit avec flèche 13">
+              <a:extLst>
+                <a:ext uri="{FF2B5EF4-FFF2-40B4-BE49-F238E27FC236}">
+                  <a16:creationId xmlns:a16="http://schemas.microsoft.com/office/drawing/2014/main" id="{D0C2B624-CF2B-75D8-B438-D196DBFF52AD}"/>
+                </a:ext>
+              </a:extLst>
+            </p:cNvPr>
+            <p:cNvCxnSpPr>
+              <a:cxnSpLocks/>
+            </p:cNvCxnSpPr>
+            <p:nvPr/>
+          </p:nvCxnSpPr>
+          <p:spPr>
+            <a:xfrm>
+              <a:off x="3667432" y="2113626"/>
+              <a:ext cx="0" cy="1746970"/>
+            </a:xfrm>
+            <a:prstGeom prst="straightConnector1">
+              <a:avLst/>
+            </a:prstGeom>
+            <a:ln>
+              <a:headEnd type="triangle"/>
+              <a:tailEnd type="triangle"/>
+            </a:ln>
+          </p:spPr>
+          <p:style>
+            <a:lnRef idx="2">
+              <a:schemeClr val="accent1"/>
+            </a:lnRef>
+            <a:fillRef idx="0">
+              <a:schemeClr val="accent1"/>
+            </a:fillRef>
+            <a:effectRef idx="1">
+              <a:schemeClr val="accent1"/>
+            </a:effectRef>
+            <a:fontRef idx="minor">
+              <a:schemeClr val="tx1"/>
+            </a:fontRef>
+          </p:style>
+        </p:cxnSp>
+        <p:sp>
+          <p:nvSpPr>
+            <p:cNvPr id="17" name="ZoneTexte 16">
+              <a:extLst>
+                <a:ext uri="{FF2B5EF4-FFF2-40B4-BE49-F238E27FC236}">
+                  <a16:creationId xmlns:a16="http://schemas.microsoft.com/office/drawing/2014/main" id="{80E64579-F4DF-FFC9-1360-A33281432025}"/>
+                </a:ext>
+              </a:extLst>
+            </p:cNvPr>
+            <p:cNvSpPr txBox="1"/>
+            <p:nvPr/>
+          </p:nvSpPr>
+          <p:spPr>
+            <a:xfrm>
+              <a:off x="2914550" y="2591464"/>
+              <a:ext cx="644728" cy="276999"/>
+            </a:xfrm>
+            <a:prstGeom prst="rect">
+              <a:avLst/>
+            </a:prstGeom>
+            <a:noFill/>
+          </p:spPr>
+          <p:txBody>
+            <a:bodyPr wrap="none" rtlCol="0">
+              <a:spAutoFit/>
+            </a:bodyPr>
+            <a:lstStyle/>
+            <a:p>
+              <a:r>
+                <a:rPr lang="fr-FR" sz="1200" dirty="0"/>
+                <a:t>DN=80</a:t>
+              </a:r>
+            </a:p>
+          </p:txBody>
+        </p:sp>
+        <p:sp>
+          <p:nvSpPr>
+            <p:cNvPr id="18" name="ZoneTexte 17">
+              <a:extLst>
+                <a:ext uri="{FF2B5EF4-FFF2-40B4-BE49-F238E27FC236}">
+                  <a16:creationId xmlns:a16="http://schemas.microsoft.com/office/drawing/2014/main" id="{83AC6062-23A6-BDC8-1306-A43E3C23D925}"/>
+                </a:ext>
+              </a:extLst>
+            </p:cNvPr>
+            <p:cNvSpPr txBox="1"/>
+            <p:nvPr/>
+          </p:nvSpPr>
+          <p:spPr>
+            <a:xfrm>
+              <a:off x="5579672" y="3024916"/>
+              <a:ext cx="1032655" cy="646331"/>
+            </a:xfrm>
+            <a:prstGeom prst="rect">
+              <a:avLst/>
+            </a:prstGeom>
+            <a:noFill/>
+          </p:spPr>
+          <p:txBody>
+            <a:bodyPr wrap="none" rtlCol="0">
+              <a:spAutoFit/>
+            </a:bodyPr>
+            <a:lstStyle/>
+            <a:p>
+              <a:r>
+                <a:rPr lang="fr-FR" sz="1200" dirty="0" err="1"/>
+                <a:t>fluid</a:t>
+              </a:r>
+              <a:r>
+                <a:rPr lang="fr-FR" sz="1200" dirty="0"/>
+                <a:t>=‘water’</a:t>
+              </a:r>
+            </a:p>
+            <a:p>
+              <a:r>
+                <a:rPr lang="fr-FR" sz="1200" dirty="0" err="1"/>
+                <a:t>T_fluid</a:t>
+              </a:r>
+              <a:r>
+                <a:rPr lang="fr-FR" sz="1200" dirty="0"/>
+                <a:t>=70°C</a:t>
+              </a:r>
+            </a:p>
+            <a:p>
+              <a:r>
+                <a:rPr lang="fr-FR" sz="1200" dirty="0"/>
+                <a:t>F_m3h=20</a:t>
+              </a:r>
+            </a:p>
+          </p:txBody>
+        </p:sp>
+        <p:sp>
+          <p:nvSpPr>
+            <p:cNvPr id="19" name="ZoneTexte 18">
+              <a:extLst>
+                <a:ext uri="{FF2B5EF4-FFF2-40B4-BE49-F238E27FC236}">
+                  <a16:creationId xmlns:a16="http://schemas.microsoft.com/office/drawing/2014/main" id="{6194947A-237A-056D-2030-BB9B04F37491}"/>
+                </a:ext>
+              </a:extLst>
+            </p:cNvPr>
+            <p:cNvSpPr txBox="1"/>
+            <p:nvPr/>
+          </p:nvSpPr>
+          <p:spPr>
+            <a:xfrm>
+              <a:off x="5863788" y="4216600"/>
+              <a:ext cx="1127232" cy="276999"/>
+            </a:xfrm>
+            <a:prstGeom prst="rect">
+              <a:avLst/>
+            </a:prstGeom>
+            <a:noFill/>
+          </p:spPr>
+          <p:txBody>
+            <a:bodyPr wrap="none" rtlCol="0">
+              <a:spAutoFit/>
+            </a:bodyPr>
+            <a:lstStyle/>
+            <a:p>
+              <a:r>
+                <a:rPr lang="fr-FR" sz="1200" dirty="0" err="1"/>
+                <a:t>L_tube</a:t>
+              </a:r>
+              <a:r>
+                <a:rPr lang="fr-FR" sz="1200" dirty="0"/>
+                <a:t>=500 m</a:t>
+              </a:r>
+            </a:p>
+          </p:txBody>
+        </p:sp>
+        <p:sp>
+          <p:nvSpPr>
+            <p:cNvPr id="21" name="ZoneTexte 20">
+              <a:extLst>
+                <a:ext uri="{FF2B5EF4-FFF2-40B4-BE49-F238E27FC236}">
+                  <a16:creationId xmlns:a16="http://schemas.microsoft.com/office/drawing/2014/main" id="{2FB627EB-F0EA-7E33-E10D-DDAE3C09E28D}"/>
+                </a:ext>
+              </a:extLst>
+            </p:cNvPr>
+            <p:cNvSpPr txBox="1"/>
+            <p:nvPr/>
+          </p:nvSpPr>
+          <p:spPr>
+            <a:xfrm>
+              <a:off x="5205059" y="3629763"/>
+              <a:ext cx="2378098" cy="273152"/>
+            </a:xfrm>
+            <a:prstGeom prst="rect">
+              <a:avLst/>
+            </a:prstGeom>
+            <a:noFill/>
+          </p:spPr>
+          <p:txBody>
+            <a:bodyPr wrap="square">
+              <a:spAutoFit/>
+            </a:bodyPr>
+            <a:lstStyle/>
+            <a:p>
+              <a:pPr>
+                <a:lnSpc>
+                  <a:spcPts val="1425"/>
+                </a:lnSpc>
+              </a:pPr>
+              <a:r>
+                <a:rPr lang="fr-FR" sz="1200" b="0" dirty="0" err="1">
+                  <a:solidFill>
+                    <a:srgbClr val="9CDCFE"/>
+                  </a:solidFill>
+                  <a:effectLst/>
+                  <a:latin typeface="Consolas" panose="020B0609020204030204" pitchFamily="49" charset="0"/>
+                </a:rPr>
+                <a:t>material</a:t>
+              </a:r>
+              <a:r>
+                <a:rPr lang="fr-FR" sz="1200" b="0" dirty="0">
+                  <a:solidFill>
+                    <a:srgbClr val="D4D4D4"/>
+                  </a:solidFill>
+                  <a:effectLst/>
+                  <a:latin typeface="Consolas" panose="020B0609020204030204" pitchFamily="49" charset="0"/>
+                </a:rPr>
+                <a:t>=</a:t>
+              </a:r>
+              <a:r>
+                <a:rPr lang="fr-FR" sz="1200" b="0" dirty="0">
+                  <a:solidFill>
+                    <a:srgbClr val="CE9178"/>
+                  </a:solidFill>
+                  <a:effectLst/>
+                  <a:latin typeface="Consolas" panose="020B0609020204030204" pitchFamily="49" charset="0"/>
+                </a:rPr>
+                <a:t>'Acier'</a:t>
+              </a:r>
+              <a:endParaRPr lang="fr-FR" sz="1200" b="0" dirty="0">
+                <a:solidFill>
+                  <a:srgbClr val="CCCCCC"/>
+                </a:solidFill>
+                <a:effectLst/>
+                <a:latin typeface="Consolas" panose="020B0609020204030204" pitchFamily="49" charset="0"/>
+              </a:endParaRPr>
+            </a:p>
+          </p:txBody>
+        </p:sp>
+        <p:sp>
+          <p:nvSpPr>
+            <p:cNvPr id="23" name="ZoneTexte 22">
+              <a:extLst>
+                <a:ext uri="{FF2B5EF4-FFF2-40B4-BE49-F238E27FC236}">
+                  <a16:creationId xmlns:a16="http://schemas.microsoft.com/office/drawing/2014/main" id="{F0BAB0BB-4B74-2A2A-BE4F-5CB2BE62614C}"/>
+                </a:ext>
+              </a:extLst>
+            </p:cNvPr>
+            <p:cNvSpPr txBox="1"/>
+            <p:nvPr/>
+          </p:nvSpPr>
+          <p:spPr>
+            <a:xfrm>
+              <a:off x="4759273" y="1786241"/>
+              <a:ext cx="3076575" cy="273152"/>
+            </a:xfrm>
+            <a:prstGeom prst="rect">
+              <a:avLst/>
+            </a:prstGeom>
+            <a:noFill/>
+          </p:spPr>
+          <p:txBody>
+            <a:bodyPr wrap="square">
+              <a:spAutoFit/>
+            </a:bodyPr>
+            <a:lstStyle/>
+            <a:p>
+              <a:pPr>
+                <a:lnSpc>
+                  <a:spcPts val="1425"/>
+                </a:lnSpc>
+              </a:pPr>
+              <a:r>
+                <a:rPr lang="fr-FR" sz="1200" b="0" dirty="0">
+                  <a:solidFill>
+                    <a:srgbClr val="9CDCFE"/>
+                  </a:solidFill>
+                  <a:effectLst/>
+                  <a:latin typeface="Consolas" panose="020B0609020204030204" pitchFamily="49" charset="0"/>
+                </a:rPr>
+                <a:t>insulation</a:t>
+              </a:r>
+              <a:r>
+                <a:rPr lang="fr-FR" sz="1200" b="0" dirty="0">
+                  <a:solidFill>
+                    <a:srgbClr val="D4D4D4"/>
+                  </a:solidFill>
+                  <a:effectLst/>
+                  <a:latin typeface="Consolas" panose="020B0609020204030204" pitchFamily="49" charset="0"/>
+                </a:rPr>
+                <a:t>=</a:t>
+              </a:r>
+              <a:r>
+                <a:rPr lang="fr-FR" sz="1200" b="0" dirty="0">
+                  <a:solidFill>
+                    <a:srgbClr val="FF0000"/>
+                  </a:solidFill>
+                  <a:effectLst/>
+                  <a:latin typeface="Consolas" panose="020B0609020204030204" pitchFamily="49" charset="0"/>
+                </a:rPr>
+                <a:t>'laine </a:t>
+              </a:r>
+              <a:r>
+                <a:rPr lang="fr-FR" sz="1200" dirty="0">
+                  <a:solidFill>
+                    <a:srgbClr val="FF0000"/>
+                  </a:solidFill>
+                  <a:latin typeface="Consolas" panose="020B0609020204030204" pitchFamily="49" charset="0"/>
+                </a:rPr>
+                <a:t>minérale</a:t>
+              </a:r>
+              <a:r>
+                <a:rPr lang="fr-FR" sz="1200" b="0" dirty="0">
+                  <a:solidFill>
+                    <a:srgbClr val="FF0000"/>
+                  </a:solidFill>
+                  <a:effectLst/>
+                  <a:latin typeface="Consolas" panose="020B0609020204030204" pitchFamily="49" charset="0"/>
+                </a:rPr>
+                <a:t>'</a:t>
+              </a:r>
+            </a:p>
+          </p:txBody>
+        </p:sp>
+        <p:cxnSp>
+          <p:nvCxnSpPr>
+            <p:cNvPr id="27" name="Connecteur droit avec flèche 26">
+              <a:extLst>
+                <a:ext uri="{FF2B5EF4-FFF2-40B4-BE49-F238E27FC236}">
+                  <a16:creationId xmlns:a16="http://schemas.microsoft.com/office/drawing/2014/main" id="{54E16171-74F8-BDE1-F569-ADD3E9936A89}"/>
+                </a:ext>
+              </a:extLst>
+            </p:cNvPr>
+            <p:cNvCxnSpPr/>
+            <p:nvPr/>
+          </p:nvCxnSpPr>
+          <p:spPr>
+            <a:xfrm>
+              <a:off x="8856049" y="3860596"/>
+              <a:ext cx="0" cy="324000"/>
+            </a:xfrm>
+            <a:prstGeom prst="straightConnector1">
+              <a:avLst/>
+            </a:prstGeom>
+            <a:ln>
+              <a:headEnd type="triangle"/>
+              <a:tailEnd type="triangle"/>
+            </a:ln>
+          </p:spPr>
+          <p:style>
+            <a:lnRef idx="2">
+              <a:schemeClr val="accent1"/>
+            </a:lnRef>
+            <a:fillRef idx="0">
+              <a:schemeClr val="accent1"/>
+            </a:fillRef>
+            <a:effectRef idx="1">
+              <a:schemeClr val="accent1"/>
+            </a:effectRef>
+            <a:fontRef idx="minor">
+              <a:schemeClr val="tx1"/>
+            </a:fontRef>
+          </p:style>
+        </p:cxnSp>
+        <p:sp>
+          <p:nvSpPr>
+            <p:cNvPr id="29" name="ZoneTexte 28">
+              <a:extLst>
+                <a:ext uri="{FF2B5EF4-FFF2-40B4-BE49-F238E27FC236}">
+                  <a16:creationId xmlns:a16="http://schemas.microsoft.com/office/drawing/2014/main" id="{FB94D4E0-F34F-8728-FA6C-AEEB08876245}"/>
+                </a:ext>
+              </a:extLst>
+            </p:cNvPr>
+            <p:cNvSpPr txBox="1"/>
+            <p:nvPr/>
+          </p:nvSpPr>
+          <p:spPr>
+            <a:xfrm>
+              <a:off x="6394108" y="3850129"/>
+              <a:ext cx="2626698" cy="276999"/>
+            </a:xfrm>
+            <a:prstGeom prst="rect">
+              <a:avLst/>
+            </a:prstGeom>
+            <a:noFill/>
+          </p:spPr>
+          <p:txBody>
+            <a:bodyPr wrap="square">
+              <a:spAutoFit/>
+            </a:bodyPr>
+            <a:lstStyle/>
+            <a:p>
+              <a:r>
+                <a:rPr lang="en-US" sz="1200" dirty="0" err="1">
+                  <a:solidFill>
+                    <a:srgbClr val="9CDCFE"/>
+                  </a:solidFill>
+                  <a:latin typeface="Consolas" panose="020B0609020204030204" pitchFamily="49" charset="0"/>
+                </a:rPr>
+                <a:t>insulation_thickness</a:t>
+              </a:r>
+              <a:r>
+                <a:rPr lang="en-US" sz="1200" dirty="0">
+                  <a:solidFill>
+                    <a:srgbClr val="D4D4D4"/>
+                  </a:solidFill>
+                  <a:latin typeface="Consolas" panose="020B0609020204030204" pitchFamily="49" charset="0"/>
+                </a:rPr>
+                <a:t>=</a:t>
+              </a:r>
+              <a:r>
+                <a:rPr lang="en-US" sz="1200" dirty="0">
+                  <a:solidFill>
+                    <a:srgbClr val="FF0000"/>
+                  </a:solidFill>
+                  <a:latin typeface="Consolas" panose="020B0609020204030204" pitchFamily="49" charset="0"/>
+                </a:rPr>
+                <a:t>0.04 m</a:t>
+              </a:r>
+              <a:endParaRPr lang="fr-FR" sz="1400" dirty="0">
+                <a:solidFill>
+                  <a:srgbClr val="FF0000"/>
+                </a:solidFill>
+                <a:latin typeface="Consolas" panose="020B0609020204030204" pitchFamily="49" charset="0"/>
+              </a:endParaRPr>
+            </a:p>
+          </p:txBody>
+        </p:sp>
+        <p:sp>
+          <p:nvSpPr>
+            <p:cNvPr id="30" name="ZoneTexte 29">
+              <a:extLst>
+                <a:ext uri="{FF2B5EF4-FFF2-40B4-BE49-F238E27FC236}">
+                  <a16:creationId xmlns:a16="http://schemas.microsoft.com/office/drawing/2014/main" id="{A5C6F7CD-5D75-B631-ACC0-9AE4EEFBC8BB}"/>
+                </a:ext>
+              </a:extLst>
+            </p:cNvPr>
+            <p:cNvSpPr txBox="1"/>
+            <p:nvPr/>
+          </p:nvSpPr>
+          <p:spPr>
+            <a:xfrm>
+              <a:off x="5441557" y="914653"/>
+              <a:ext cx="985847" cy="276999"/>
+            </a:xfrm>
+            <a:prstGeom prst="rect">
+              <a:avLst/>
+            </a:prstGeom>
+            <a:noFill/>
+          </p:spPr>
+          <p:txBody>
+            <a:bodyPr wrap="none" rtlCol="0">
+              <a:spAutoFit/>
+            </a:bodyPr>
+            <a:lstStyle/>
+            <a:p>
+              <a:r>
+                <a:rPr lang="fr-FR" sz="1200" dirty="0" err="1"/>
+                <a:t>Tamb</a:t>
+              </a:r>
+              <a:r>
+                <a:rPr lang="fr-FR" sz="1200" dirty="0"/>
+                <a:t>=20 °C</a:t>
+              </a:r>
+            </a:p>
+          </p:txBody>
+        </p:sp>
+      </p:grpSp>
+    </p:spTree>
+    <p:extLst>
+      <p:ext uri="{BB962C8B-B14F-4D97-AF65-F5344CB8AC3E}">
+        <p14:creationId xmlns:p14="http://schemas.microsoft.com/office/powerpoint/2010/main" val="517225097"/>
+      </p:ext>
+    </p:extLst>
+  </p:cSld>
+  <p:clrMapOvr>
+    <a:masterClrMapping/>
+  </p:clrMapOvr>
+</p:sld>
+</file>
+
 <file path=ppt/theme/theme1.xml><?xml version="1.0" encoding="utf-8"?>
 <a:theme xmlns:a="http://schemas.openxmlformats.org/drawingml/2006/main" name="Thème Office">
   <a:themeElements>

--- a/Examples.pptx
+++ b/Examples.pptx
@@ -8,6 +8,7 @@
     <p:sldId id="256" r:id="rId2"/>
     <p:sldId id="257" r:id="rId3"/>
     <p:sldId id="258" r:id="rId4"/>
+    <p:sldId id="259" r:id="rId5"/>
   </p:sldIdLst>
   <p:sldSz cx="12192000" cy="6858000"/>
   <p:notesSz cx="6858000" cy="9144000"/>
@@ -117,7 +118,7 @@
 <file path=ppt/revisionInfo.xml><?xml version="1.0" encoding="utf-8"?>
 <p1510:revInfo xmlns:a="http://schemas.openxmlformats.org/drawingml/2006/main" xmlns:r="http://schemas.openxmlformats.org/officeDocument/2006/relationships" xmlns:p1510="http://schemas.microsoft.com/office/powerpoint/2015/10/main">
   <p1510:revLst>
-    <p1510:client id="{2A3E10D1-ABAB-4574-ADA8-42C8B9BEC6A9}" v="47" dt="2025-02-22T15:40:43.348"/>
+    <p1510:client id="{2A3E10D1-ABAB-4574-ADA8-42C8B9BEC6A9}" v="229" dt="2025-02-23T16:31:11.490"/>
   </p1510:revLst>
 </p1510:revInfo>
 </file>
@@ -126,8 +127,8 @@
 <pc:chgInfo xmlns:a="http://schemas.openxmlformats.org/drawingml/2006/main" xmlns:r="http://schemas.openxmlformats.org/officeDocument/2006/relationships" xmlns:ac="http://schemas.microsoft.com/office/drawing/2013/main/command" xmlns:pc="http://schemas.microsoft.com/office/powerpoint/2013/main/command">
   <pc:docChgLst>
     <pc:chgData name="Zoheir HADID" userId="123d7235792d1862" providerId="LiveId" clId="{2A3E10D1-ABAB-4574-ADA8-42C8B9BEC6A9}"/>
-    <pc:docChg chg="undo custSel addSld modSld">
-      <pc:chgData name="Zoheir HADID" userId="123d7235792d1862" providerId="LiveId" clId="{2A3E10D1-ABAB-4574-ADA8-42C8B9BEC6A9}" dt="2025-02-22T15:40:43.348" v="825" actId="164"/>
+    <pc:docChg chg="undo redo custSel addSld modSld">
+      <pc:chgData name="Zoheir HADID" userId="123d7235792d1862" providerId="LiveId" clId="{2A3E10D1-ABAB-4574-ADA8-42C8B9BEC6A9}" dt="2025-02-23T16:31:11.490" v="1300" actId="1076"/>
       <pc:docMkLst>
         <pc:docMk/>
       </pc:docMkLst>
@@ -328,22 +329,6 @@
           <pc:docMk/>
           <pc:sldMk cId="2787972203" sldId="257"/>
         </pc:sldMkLst>
-        <pc:spChg chg="del">
-          <ac:chgData name="Zoheir HADID" userId="123d7235792d1862" providerId="LiveId" clId="{2A3E10D1-ABAB-4574-ADA8-42C8B9BEC6A9}" dt="2025-02-21T19:25:09.745" v="236" actId="478"/>
-          <ac:spMkLst>
-            <pc:docMk/>
-            <pc:sldMk cId="2787972203" sldId="257"/>
-            <ac:spMk id="2" creationId="{90BC8288-6CAB-71B5-446B-C4D562B757E4}"/>
-          </ac:spMkLst>
-        </pc:spChg>
-        <pc:spChg chg="del">
-          <ac:chgData name="Zoheir HADID" userId="123d7235792d1862" providerId="LiveId" clId="{2A3E10D1-ABAB-4574-ADA8-42C8B9BEC6A9}" dt="2025-02-21T19:25:09.745" v="236" actId="478"/>
-          <ac:spMkLst>
-            <pc:docMk/>
-            <pc:sldMk cId="2787972203" sldId="257"/>
-            <ac:spMk id="3" creationId="{81341424-7B27-5F47-ADA7-76B5F472A05C}"/>
-          </ac:spMkLst>
-        </pc:spChg>
         <pc:spChg chg="add mod">
           <ac:chgData name="Zoheir HADID" userId="123d7235792d1862" providerId="LiveId" clId="{2A3E10D1-ABAB-4574-ADA8-42C8B9BEC6A9}" dt="2025-02-21T19:28:29.278" v="286" actId="164"/>
           <ac:spMkLst>
@@ -462,30 +447,6 @@
             <pc:docMk/>
             <pc:sldMk cId="2787972203" sldId="257"/>
             <ac:spMk id="33" creationId="{752B9085-4713-25DD-87FE-E1CD863FB7BA}"/>
-          </ac:spMkLst>
-        </pc:spChg>
-        <pc:spChg chg="add del mod">
-          <ac:chgData name="Zoheir HADID" userId="123d7235792d1862" providerId="LiveId" clId="{2A3E10D1-ABAB-4574-ADA8-42C8B9BEC6A9}" dt="2025-02-21T19:48:57.220" v="576" actId="21"/>
-          <ac:spMkLst>
-            <pc:docMk/>
-            <pc:sldMk cId="2787972203" sldId="257"/>
-            <ac:spMk id="35" creationId="{3612D506-3853-4E84-9D35-07708C753018}"/>
-          </ac:spMkLst>
-        </pc:spChg>
-        <pc:spChg chg="add del">
-          <ac:chgData name="Zoheir HADID" userId="123d7235792d1862" providerId="LiveId" clId="{2A3E10D1-ABAB-4574-ADA8-42C8B9BEC6A9}" dt="2025-02-21T19:39:04.018" v="459" actId="22"/>
-          <ac:spMkLst>
-            <pc:docMk/>
-            <pc:sldMk cId="2787972203" sldId="257"/>
-            <ac:spMk id="37" creationId="{B5234319-4D93-1A42-AD37-E3A21D8F37FF}"/>
-          </ac:spMkLst>
-        </pc:spChg>
-        <pc:spChg chg="add del">
-          <ac:chgData name="Zoheir HADID" userId="123d7235792d1862" providerId="LiveId" clId="{2A3E10D1-ABAB-4574-ADA8-42C8B9BEC6A9}" dt="2025-02-21T19:39:12.955" v="461" actId="22"/>
-          <ac:spMkLst>
-            <pc:docMk/>
-            <pc:sldMk cId="2787972203" sldId="257"/>
-            <ac:spMk id="39" creationId="{78C7A25C-68BF-B36A-BF29-71289C046A3F}"/>
           </ac:spMkLst>
         </pc:spChg>
         <pc:spChg chg="add mod">
@@ -693,6 +654,405 @@
             <pc:docMk/>
             <pc:sldMk cId="517225097" sldId="258"/>
             <ac:cxnSpMk id="27" creationId="{54E16171-74F8-BDE1-F569-ADD3E9936A89}"/>
+          </ac:cxnSpMkLst>
+        </pc:cxnChg>
+      </pc:sldChg>
+      <pc:sldChg chg="addSp delSp modSp new mod">
+        <pc:chgData name="Zoheir HADID" userId="123d7235792d1862" providerId="LiveId" clId="{2A3E10D1-ABAB-4574-ADA8-42C8B9BEC6A9}" dt="2025-02-23T16:31:11.490" v="1300" actId="1076"/>
+        <pc:sldMkLst>
+          <pc:docMk/>
+          <pc:sldMk cId="3641366307" sldId="259"/>
+        </pc:sldMkLst>
+        <pc:spChg chg="del">
+          <ac:chgData name="Zoheir HADID" userId="123d7235792d1862" providerId="LiveId" clId="{2A3E10D1-ABAB-4574-ADA8-42C8B9BEC6A9}" dt="2025-02-23T15:12:44.151" v="827" actId="478"/>
+          <ac:spMkLst>
+            <pc:docMk/>
+            <pc:sldMk cId="3641366307" sldId="259"/>
+            <ac:spMk id="2" creationId="{37F74546-9DD2-D104-3252-EB8767732DEB}"/>
+          </ac:spMkLst>
+        </pc:spChg>
+        <pc:spChg chg="del">
+          <ac:chgData name="Zoheir HADID" userId="123d7235792d1862" providerId="LiveId" clId="{2A3E10D1-ABAB-4574-ADA8-42C8B9BEC6A9}" dt="2025-02-23T15:12:46.799" v="828" actId="478"/>
+          <ac:spMkLst>
+            <pc:docMk/>
+            <pc:sldMk cId="3641366307" sldId="259"/>
+            <ac:spMk id="3" creationId="{8B37FEDC-215E-1F6D-2565-86AE20B79521}"/>
+          </ac:spMkLst>
+        </pc:spChg>
+        <pc:spChg chg="add del mod">
+          <ac:chgData name="Zoheir HADID" userId="123d7235792d1862" providerId="LiveId" clId="{2A3E10D1-ABAB-4574-ADA8-42C8B9BEC6A9}" dt="2025-02-23T15:13:02.856" v="831" actId="478"/>
+          <ac:spMkLst>
+            <pc:docMk/>
+            <pc:sldMk cId="3641366307" sldId="259"/>
+            <ac:spMk id="4" creationId="{1C65D463-07A9-2BD3-EC27-26B2A0C6EC4D}"/>
+          </ac:spMkLst>
+        </pc:spChg>
+        <pc:spChg chg="add mod">
+          <ac:chgData name="Zoheir HADID" userId="123d7235792d1862" providerId="LiveId" clId="{2A3E10D1-ABAB-4574-ADA8-42C8B9BEC6A9}" dt="2025-02-23T16:31:11.490" v="1300" actId="1076"/>
+          <ac:spMkLst>
+            <pc:docMk/>
+            <pc:sldMk cId="3641366307" sldId="259"/>
+            <ac:spMk id="5" creationId="{D0A9803C-97A7-EF99-A8E2-2DE03C42D3BC}"/>
+          </ac:spMkLst>
+        </pc:spChg>
+        <pc:spChg chg="add mod">
+          <ac:chgData name="Zoheir HADID" userId="123d7235792d1862" providerId="LiveId" clId="{2A3E10D1-ABAB-4574-ADA8-42C8B9BEC6A9}" dt="2025-02-23T16:31:11.490" v="1300" actId="1076"/>
+          <ac:spMkLst>
+            <pc:docMk/>
+            <pc:sldMk cId="3641366307" sldId="259"/>
+            <ac:spMk id="6" creationId="{6BE85D7F-4FCA-6E9A-E447-015B4936D5A8}"/>
+          </ac:spMkLst>
+        </pc:spChg>
+        <pc:spChg chg="add mod topLvl">
+          <ac:chgData name="Zoheir HADID" userId="123d7235792d1862" providerId="LiveId" clId="{2A3E10D1-ABAB-4574-ADA8-42C8B9BEC6A9}" dt="2025-02-23T16:31:11.490" v="1300" actId="1076"/>
+          <ac:spMkLst>
+            <pc:docMk/>
+            <pc:sldMk cId="3641366307" sldId="259"/>
+            <ac:spMk id="7" creationId="{3C8285DD-86D4-256B-F3E4-6AF84937F837}"/>
+          </ac:spMkLst>
+        </pc:spChg>
+        <pc:spChg chg="add mod topLvl">
+          <ac:chgData name="Zoheir HADID" userId="123d7235792d1862" providerId="LiveId" clId="{2A3E10D1-ABAB-4574-ADA8-42C8B9BEC6A9}" dt="2025-02-23T16:31:11.490" v="1300" actId="1076"/>
+          <ac:spMkLst>
+            <pc:docMk/>
+            <pc:sldMk cId="3641366307" sldId="259"/>
+            <ac:spMk id="8" creationId="{E5B48736-81DC-834B-5C23-DA37F2D01A91}"/>
+          </ac:spMkLst>
+        </pc:spChg>
+        <pc:spChg chg="mod">
+          <ac:chgData name="Zoheir HADID" userId="123d7235792d1862" providerId="LiveId" clId="{2A3E10D1-ABAB-4574-ADA8-42C8B9BEC6A9}" dt="2025-02-23T15:15:40.593" v="895" actId="207"/>
+          <ac:spMkLst>
+            <pc:docMk/>
+            <pc:sldMk cId="3641366307" sldId="259"/>
+            <ac:spMk id="11" creationId="{0F59F33F-E4BD-2BBE-74C6-E848CF81822F}"/>
+          </ac:spMkLst>
+        </pc:spChg>
+        <pc:spChg chg="mod">
+          <ac:chgData name="Zoheir HADID" userId="123d7235792d1862" providerId="LiveId" clId="{2A3E10D1-ABAB-4574-ADA8-42C8B9BEC6A9}" dt="2025-02-23T15:15:29.476" v="893"/>
+          <ac:spMkLst>
+            <pc:docMk/>
+            <pc:sldMk cId="3641366307" sldId="259"/>
+            <ac:spMk id="12" creationId="{DA53AF3E-84C3-8961-F994-793334DEEFA2}"/>
+          </ac:spMkLst>
+        </pc:spChg>
+        <pc:spChg chg="mod">
+          <ac:chgData name="Zoheir HADID" userId="123d7235792d1862" providerId="LiveId" clId="{2A3E10D1-ABAB-4574-ADA8-42C8B9BEC6A9}" dt="2025-02-23T15:22:29.491" v="967" actId="14100"/>
+          <ac:spMkLst>
+            <pc:docMk/>
+            <pc:sldMk cId="3641366307" sldId="259"/>
+            <ac:spMk id="15" creationId="{7A0D1C58-B0DD-276E-7635-A72732BA1C7C}"/>
+          </ac:spMkLst>
+        </pc:spChg>
+        <pc:spChg chg="mod">
+          <ac:chgData name="Zoheir HADID" userId="123d7235792d1862" providerId="LiveId" clId="{2A3E10D1-ABAB-4574-ADA8-42C8B9BEC6A9}" dt="2025-02-23T15:18:11.485" v="918"/>
+          <ac:spMkLst>
+            <pc:docMk/>
+            <pc:sldMk cId="3641366307" sldId="259"/>
+            <ac:spMk id="16" creationId="{A2C67C17-89C7-C26B-EE98-195BC4691AC1}"/>
+          </ac:spMkLst>
+        </pc:spChg>
+        <pc:spChg chg="add mod ord">
+          <ac:chgData name="Zoheir HADID" userId="123d7235792d1862" providerId="LiveId" clId="{2A3E10D1-ABAB-4574-ADA8-42C8B9BEC6A9}" dt="2025-02-23T15:20:46.862" v="942" actId="167"/>
+          <ac:spMkLst>
+            <pc:docMk/>
+            <pc:sldMk cId="3641366307" sldId="259"/>
+            <ac:spMk id="19" creationId="{29F411F1-7F34-3CA5-3BC0-57DA91722F91}"/>
+          </ac:spMkLst>
+        </pc:spChg>
+        <pc:spChg chg="add mod">
+          <ac:chgData name="Zoheir HADID" userId="123d7235792d1862" providerId="LiveId" clId="{2A3E10D1-ABAB-4574-ADA8-42C8B9BEC6A9}" dt="2025-02-23T15:20:23.009" v="937" actId="164"/>
+          <ac:spMkLst>
+            <pc:docMk/>
+            <pc:sldMk cId="3641366307" sldId="259"/>
+            <ac:spMk id="20" creationId="{029F4A8E-AEB4-D48C-6FC4-F2FB08916554}"/>
+          </ac:spMkLst>
+        </pc:spChg>
+        <pc:spChg chg="add mod">
+          <ac:chgData name="Zoheir HADID" userId="123d7235792d1862" providerId="LiveId" clId="{2A3E10D1-ABAB-4574-ADA8-42C8B9BEC6A9}" dt="2025-02-23T16:31:11.490" v="1300" actId="1076"/>
+          <ac:spMkLst>
+            <pc:docMk/>
+            <pc:sldMk cId="3641366307" sldId="259"/>
+            <ac:spMk id="21" creationId="{24917456-031D-76B9-30CF-CB2222464AAA}"/>
+          </ac:spMkLst>
+        </pc:spChg>
+        <pc:spChg chg="mod">
+          <ac:chgData name="Zoheir HADID" userId="123d7235792d1862" providerId="LiveId" clId="{2A3E10D1-ABAB-4574-ADA8-42C8B9BEC6A9}" dt="2025-02-23T16:31:11.490" v="1300" actId="1076"/>
+          <ac:spMkLst>
+            <pc:docMk/>
+            <pc:sldMk cId="3641366307" sldId="259"/>
+            <ac:spMk id="24" creationId="{B20E4939-B5CD-2D68-027C-91F01D9370E0}"/>
+          </ac:spMkLst>
+        </pc:spChg>
+        <pc:spChg chg="mod">
+          <ac:chgData name="Zoheir HADID" userId="123d7235792d1862" providerId="LiveId" clId="{2A3E10D1-ABAB-4574-ADA8-42C8B9BEC6A9}" dt="2025-02-23T15:21:03.861" v="946" actId="14100"/>
+          <ac:spMkLst>
+            <pc:docMk/>
+            <pc:sldMk cId="3641366307" sldId="259"/>
+            <ac:spMk id="25" creationId="{20A808B5-8B6E-C093-C99B-8C4A1699B32E}"/>
+          </ac:spMkLst>
+        </pc:spChg>
+        <pc:spChg chg="mod">
+          <ac:chgData name="Zoheir HADID" userId="123d7235792d1862" providerId="LiveId" clId="{2A3E10D1-ABAB-4574-ADA8-42C8B9BEC6A9}" dt="2025-02-23T16:31:11.490" v="1300" actId="1076"/>
+          <ac:spMkLst>
+            <pc:docMk/>
+            <pc:sldMk cId="3641366307" sldId="259"/>
+            <ac:spMk id="27" creationId="{43C5EF52-8355-5991-7071-1C1D72DFF283}"/>
+          </ac:spMkLst>
+        </pc:spChg>
+        <pc:spChg chg="mod">
+          <ac:chgData name="Zoheir HADID" userId="123d7235792d1862" providerId="LiveId" clId="{2A3E10D1-ABAB-4574-ADA8-42C8B9BEC6A9}" dt="2025-02-23T15:21:14.259" v="948"/>
+          <ac:spMkLst>
+            <pc:docMk/>
+            <pc:sldMk cId="3641366307" sldId="259"/>
+            <ac:spMk id="28" creationId="{35A2A6F9-0735-9988-0C27-E378BBA99C56}"/>
+          </ac:spMkLst>
+        </pc:spChg>
+        <pc:spChg chg="add mod">
+          <ac:chgData name="Zoheir HADID" userId="123d7235792d1862" providerId="LiveId" clId="{2A3E10D1-ABAB-4574-ADA8-42C8B9BEC6A9}" dt="2025-02-23T16:31:11.490" v="1300" actId="1076"/>
+          <ac:spMkLst>
+            <pc:docMk/>
+            <pc:sldMk cId="3641366307" sldId="259"/>
+            <ac:spMk id="48" creationId="{DD8760CB-F193-51C3-88DE-537EA1595048}"/>
+          </ac:spMkLst>
+        </pc:spChg>
+        <pc:spChg chg="add mod">
+          <ac:chgData name="Zoheir HADID" userId="123d7235792d1862" providerId="LiveId" clId="{2A3E10D1-ABAB-4574-ADA8-42C8B9BEC6A9}" dt="2025-02-23T16:31:11.490" v="1300" actId="1076"/>
+          <ac:spMkLst>
+            <pc:docMk/>
+            <pc:sldMk cId="3641366307" sldId="259"/>
+            <ac:spMk id="49" creationId="{88F88FFF-EF74-CC9B-7F60-C92F622D0A82}"/>
+          </ac:spMkLst>
+        </pc:spChg>
+        <pc:spChg chg="add mod">
+          <ac:chgData name="Zoheir HADID" userId="123d7235792d1862" providerId="LiveId" clId="{2A3E10D1-ABAB-4574-ADA8-42C8B9BEC6A9}" dt="2025-02-23T16:31:02.895" v="1298" actId="164"/>
+          <ac:spMkLst>
+            <pc:docMk/>
+            <pc:sldMk cId="3641366307" sldId="259"/>
+            <ac:spMk id="50" creationId="{F539AE3F-946E-E166-D863-CFB62858787C}"/>
+          </ac:spMkLst>
+        </pc:spChg>
+        <pc:spChg chg="add mod">
+          <ac:chgData name="Zoheir HADID" userId="123d7235792d1862" providerId="LiveId" clId="{2A3E10D1-ABAB-4574-ADA8-42C8B9BEC6A9}" dt="2025-02-23T16:31:02.895" v="1298" actId="164"/>
+          <ac:spMkLst>
+            <pc:docMk/>
+            <pc:sldMk cId="3641366307" sldId="259"/>
+            <ac:spMk id="51" creationId="{8AC4A822-C449-8A12-6695-0BD634B26978}"/>
+          </ac:spMkLst>
+        </pc:spChg>
+        <pc:spChg chg="add mod">
+          <ac:chgData name="Zoheir HADID" userId="123d7235792d1862" providerId="LiveId" clId="{2A3E10D1-ABAB-4574-ADA8-42C8B9BEC6A9}" dt="2025-02-23T16:31:11.490" v="1300" actId="1076"/>
+          <ac:spMkLst>
+            <pc:docMk/>
+            <pc:sldMk cId="3641366307" sldId="259"/>
+            <ac:spMk id="52" creationId="{25CEE3DF-2D04-3F6B-C025-47BDC9B8D57B}"/>
+          </ac:spMkLst>
+        </pc:spChg>
+        <pc:spChg chg="add del mod">
+          <ac:chgData name="Zoheir HADID" userId="123d7235792d1862" providerId="LiveId" clId="{2A3E10D1-ABAB-4574-ADA8-42C8B9BEC6A9}" dt="2025-02-23T15:38:56.545" v="1193" actId="478"/>
+          <ac:spMkLst>
+            <pc:docMk/>
+            <pc:sldMk cId="3641366307" sldId="259"/>
+            <ac:spMk id="53" creationId="{7F38AD93-18F1-0D8F-5834-7D02DEADE3E9}"/>
+          </ac:spMkLst>
+        </pc:spChg>
+        <pc:spChg chg="add del">
+          <ac:chgData name="Zoheir HADID" userId="123d7235792d1862" providerId="LiveId" clId="{2A3E10D1-ABAB-4574-ADA8-42C8B9BEC6A9}" dt="2025-02-23T15:39:00.803" v="1195" actId="478"/>
+          <ac:spMkLst>
+            <pc:docMk/>
+            <pc:sldMk cId="3641366307" sldId="259"/>
+            <ac:spMk id="54" creationId="{8EC47516-5AFF-9028-3723-85D29B276A7E}"/>
+          </ac:spMkLst>
+        </pc:spChg>
+        <pc:spChg chg="add del mod">
+          <ac:chgData name="Zoheir HADID" userId="123d7235792d1862" providerId="LiveId" clId="{2A3E10D1-ABAB-4574-ADA8-42C8B9BEC6A9}" dt="2025-02-23T15:39:49.365" v="1205" actId="478"/>
+          <ac:spMkLst>
+            <pc:docMk/>
+            <pc:sldMk cId="3641366307" sldId="259"/>
+            <ac:spMk id="55" creationId="{B18C4C32-174E-2DA9-A072-C404DF4561BA}"/>
+          </ac:spMkLst>
+        </pc:spChg>
+        <pc:spChg chg="add">
+          <ac:chgData name="Zoheir HADID" userId="123d7235792d1862" providerId="LiveId" clId="{2A3E10D1-ABAB-4574-ADA8-42C8B9BEC6A9}" dt="2025-02-23T15:39:20.635" v="1197"/>
+          <ac:spMkLst>
+            <pc:docMk/>
+            <pc:sldMk cId="3641366307" sldId="259"/>
+            <ac:spMk id="56" creationId="{DA49CA28-D70E-3184-D7A7-01954A784439}"/>
+          </ac:spMkLst>
+        </pc:spChg>
+        <pc:spChg chg="add">
+          <ac:chgData name="Zoheir HADID" userId="123d7235792d1862" providerId="LiveId" clId="{2A3E10D1-ABAB-4574-ADA8-42C8B9BEC6A9}" dt="2025-02-23T15:39:25.828" v="1199"/>
+          <ac:spMkLst>
+            <pc:docMk/>
+            <pc:sldMk cId="3641366307" sldId="259"/>
+            <ac:spMk id="57" creationId="{6760186C-9F3A-2DA6-BE82-4A4241343DD9}"/>
+          </ac:spMkLst>
+        </pc:spChg>
+        <pc:spChg chg="add">
+          <ac:chgData name="Zoheir HADID" userId="123d7235792d1862" providerId="LiveId" clId="{2A3E10D1-ABAB-4574-ADA8-42C8B9BEC6A9}" dt="2025-02-23T15:39:41.124" v="1201"/>
+          <ac:spMkLst>
+            <pc:docMk/>
+            <pc:sldMk cId="3641366307" sldId="259"/>
+            <ac:spMk id="58" creationId="{70E40EB9-09E9-89EB-5F67-AE3FF34F30E9}"/>
+          </ac:spMkLst>
+        </pc:spChg>
+        <pc:spChg chg="add">
+          <ac:chgData name="Zoheir HADID" userId="123d7235792d1862" providerId="LiveId" clId="{2A3E10D1-ABAB-4574-ADA8-42C8B9BEC6A9}" dt="2025-02-23T15:41:49.805" v="1207"/>
+          <ac:spMkLst>
+            <pc:docMk/>
+            <pc:sldMk cId="3641366307" sldId="259"/>
+            <ac:spMk id="59" creationId="{6241D2F3-9B32-16AC-D7BF-A8C4166C71E0}"/>
+          </ac:spMkLst>
+        </pc:spChg>
+        <pc:spChg chg="add">
+          <ac:chgData name="Zoheir HADID" userId="123d7235792d1862" providerId="LiveId" clId="{2A3E10D1-ABAB-4574-ADA8-42C8B9BEC6A9}" dt="2025-02-23T15:42:02.500" v="1210"/>
+          <ac:spMkLst>
+            <pc:docMk/>
+            <pc:sldMk cId="3641366307" sldId="259"/>
+            <ac:spMk id="60" creationId="{8C59E5D8-9B62-7E1C-BC43-BB80A5C5CBDC}"/>
+          </ac:spMkLst>
+        </pc:spChg>
+        <pc:spChg chg="add">
+          <ac:chgData name="Zoheir HADID" userId="123d7235792d1862" providerId="LiveId" clId="{2A3E10D1-ABAB-4574-ADA8-42C8B9BEC6A9}" dt="2025-02-23T15:42:48.615" v="1218"/>
+          <ac:spMkLst>
+            <pc:docMk/>
+            <pc:sldMk cId="3641366307" sldId="259"/>
+            <ac:spMk id="61" creationId="{D2F88CDF-10C9-937E-5A65-9FB2248238B3}"/>
+          </ac:spMkLst>
+        </pc:spChg>
+        <pc:spChg chg="add del mod">
+          <ac:chgData name="Zoheir HADID" userId="123d7235792d1862" providerId="LiveId" clId="{2A3E10D1-ABAB-4574-ADA8-42C8B9BEC6A9}" dt="2025-02-23T16:28:09.925" v="1282" actId="478"/>
+          <ac:spMkLst>
+            <pc:docMk/>
+            <pc:sldMk cId="3641366307" sldId="259"/>
+            <ac:spMk id="62" creationId="{99413568-0C0B-40AB-4704-5CE0BDA2A7C5}"/>
+          </ac:spMkLst>
+        </pc:spChg>
+        <pc:spChg chg="add">
+          <ac:chgData name="Zoheir HADID" userId="123d7235792d1862" providerId="LiveId" clId="{2A3E10D1-ABAB-4574-ADA8-42C8B9BEC6A9}" dt="2025-02-23T15:46:14.106" v="1243"/>
+          <ac:spMkLst>
+            <pc:docMk/>
+            <pc:sldMk cId="3641366307" sldId="259"/>
+            <ac:spMk id="63" creationId="{74EAD2C5-B7C7-71D5-2C84-9DD31E519DC7}"/>
+          </ac:spMkLst>
+        </pc:spChg>
+        <pc:spChg chg="add">
+          <ac:chgData name="Zoheir HADID" userId="123d7235792d1862" providerId="LiveId" clId="{2A3E10D1-ABAB-4574-ADA8-42C8B9BEC6A9}" dt="2025-02-23T15:46:39.177" v="1247"/>
+          <ac:spMkLst>
+            <pc:docMk/>
+            <pc:sldMk cId="3641366307" sldId="259"/>
+            <ac:spMk id="64" creationId="{37C5FD24-C3AA-27F6-465B-D063097EA3F2}"/>
+          </ac:spMkLst>
+        </pc:spChg>
+        <pc:grpChg chg="add del mod">
+          <ac:chgData name="Zoheir HADID" userId="123d7235792d1862" providerId="LiveId" clId="{2A3E10D1-ABAB-4574-ADA8-42C8B9BEC6A9}" dt="2025-02-23T15:17:35.123" v="914" actId="165"/>
+          <ac:grpSpMkLst>
+            <pc:docMk/>
+            <pc:sldMk cId="3641366307" sldId="259"/>
+            <ac:grpSpMk id="9" creationId="{41B782CE-E22D-24D6-9317-642D8B43B6CB}"/>
+          </ac:grpSpMkLst>
+        </pc:grpChg>
+        <pc:grpChg chg="add del mod">
+          <ac:chgData name="Zoheir HADID" userId="123d7235792d1862" providerId="LiveId" clId="{2A3E10D1-ABAB-4574-ADA8-42C8B9BEC6A9}" dt="2025-02-23T15:17:03.830" v="908" actId="478"/>
+          <ac:grpSpMkLst>
+            <pc:docMk/>
+            <pc:sldMk cId="3641366307" sldId="259"/>
+            <ac:grpSpMk id="10" creationId="{54DA4006-85D5-AE96-5792-47E2D387E12E}"/>
+          </ac:grpSpMkLst>
+        </pc:grpChg>
+        <pc:grpChg chg="add mod">
+          <ac:chgData name="Zoheir HADID" userId="123d7235792d1862" providerId="LiveId" clId="{2A3E10D1-ABAB-4574-ADA8-42C8B9BEC6A9}" dt="2025-02-23T15:22:52.605" v="968" actId="164"/>
+          <ac:grpSpMkLst>
+            <pc:docMk/>
+            <pc:sldMk cId="3641366307" sldId="259"/>
+            <ac:grpSpMk id="13" creationId="{36FA6994-9C38-AE50-2054-9074D7295DD1}"/>
+          </ac:grpSpMkLst>
+        </pc:grpChg>
+        <pc:grpChg chg="add mod">
+          <ac:chgData name="Zoheir HADID" userId="123d7235792d1862" providerId="LiveId" clId="{2A3E10D1-ABAB-4574-ADA8-42C8B9BEC6A9}" dt="2025-02-23T15:23:23.400" v="971" actId="164"/>
+          <ac:grpSpMkLst>
+            <pc:docMk/>
+            <pc:sldMk cId="3641366307" sldId="259"/>
+            <ac:grpSpMk id="14" creationId="{7AF0DA3D-8FF5-FA51-E245-2FC5DBB64ACA}"/>
+          </ac:grpSpMkLst>
+        </pc:grpChg>
+        <pc:grpChg chg="add mod">
+          <ac:chgData name="Zoheir HADID" userId="123d7235792d1862" providerId="LiveId" clId="{2A3E10D1-ABAB-4574-ADA8-42C8B9BEC6A9}" dt="2025-02-23T15:23:01.782" v="969" actId="164"/>
+          <ac:grpSpMkLst>
+            <pc:docMk/>
+            <pc:sldMk cId="3641366307" sldId="259"/>
+            <ac:grpSpMk id="22" creationId="{CDF6488B-9FB7-2678-A0E7-DA6A7DEA1359}"/>
+          </ac:grpSpMkLst>
+        </pc:grpChg>
+        <pc:grpChg chg="add mod">
+          <ac:chgData name="Zoheir HADID" userId="123d7235792d1862" providerId="LiveId" clId="{2A3E10D1-ABAB-4574-ADA8-42C8B9BEC6A9}" dt="2025-02-23T15:23:01.782" v="969" actId="164"/>
+          <ac:grpSpMkLst>
+            <pc:docMk/>
+            <pc:sldMk cId="3641366307" sldId="259"/>
+            <ac:grpSpMk id="23" creationId="{97F4453B-6E2D-5CCC-88BC-9F9440CF7FE2}"/>
+          </ac:grpSpMkLst>
+        </pc:grpChg>
+        <pc:grpChg chg="add mod">
+          <ac:chgData name="Zoheir HADID" userId="123d7235792d1862" providerId="LiveId" clId="{2A3E10D1-ABAB-4574-ADA8-42C8B9BEC6A9}" dt="2025-02-23T15:23:01.782" v="969" actId="164"/>
+          <ac:grpSpMkLst>
+            <pc:docMk/>
+            <pc:sldMk cId="3641366307" sldId="259"/>
+            <ac:grpSpMk id="26" creationId="{EC9E6CD6-BED4-605E-503F-D8BF1551EB3D}"/>
+          </ac:grpSpMkLst>
+        </pc:grpChg>
+        <pc:grpChg chg="add mod">
+          <ac:chgData name="Zoheir HADID" userId="123d7235792d1862" providerId="LiveId" clId="{2A3E10D1-ABAB-4574-ADA8-42C8B9BEC6A9}" dt="2025-02-23T16:31:02.895" v="1298" actId="164"/>
+          <ac:grpSpMkLst>
+            <pc:docMk/>
+            <pc:sldMk cId="3641366307" sldId="259"/>
+            <ac:grpSpMk id="33" creationId="{60F46626-C8E0-E4EC-70F4-ABB1C7884F59}"/>
+          </ac:grpSpMkLst>
+        </pc:grpChg>
+        <pc:grpChg chg="add mod ord">
+          <ac:chgData name="Zoheir HADID" userId="123d7235792d1862" providerId="LiveId" clId="{2A3E10D1-ABAB-4574-ADA8-42C8B9BEC6A9}" dt="2025-02-23T16:31:02.895" v="1298" actId="164"/>
+          <ac:grpSpMkLst>
+            <pc:docMk/>
+            <pc:sldMk cId="3641366307" sldId="259"/>
+            <ac:grpSpMk id="34" creationId="{03E1FA59-07C2-1253-6CBA-2419FDD3762D}"/>
+          </ac:grpSpMkLst>
+        </pc:grpChg>
+        <pc:grpChg chg="add mod">
+          <ac:chgData name="Zoheir HADID" userId="123d7235792d1862" providerId="LiveId" clId="{2A3E10D1-ABAB-4574-ADA8-42C8B9BEC6A9}" dt="2025-02-23T16:31:02.895" v="1298" actId="164"/>
+          <ac:grpSpMkLst>
+            <pc:docMk/>
+            <pc:sldMk cId="3641366307" sldId="259"/>
+            <ac:grpSpMk id="35" creationId="{189421C9-77B4-3152-7943-C1283328E920}"/>
+          </ac:grpSpMkLst>
+        </pc:grpChg>
+        <pc:grpChg chg="add mod">
+          <ac:chgData name="Zoheir HADID" userId="123d7235792d1862" providerId="LiveId" clId="{2A3E10D1-ABAB-4574-ADA8-42C8B9BEC6A9}" dt="2025-02-23T16:31:02.895" v="1298" actId="164"/>
+          <ac:grpSpMkLst>
+            <pc:docMk/>
+            <pc:sldMk cId="3641366307" sldId="259"/>
+            <ac:grpSpMk id="65" creationId="{A2DC5EF5-B947-CAD9-81E8-84C5E9B69367}"/>
+          </ac:grpSpMkLst>
+        </pc:grpChg>
+        <pc:cxnChg chg="add mod ord">
+          <ac:chgData name="Zoheir HADID" userId="123d7235792d1862" providerId="LiveId" clId="{2A3E10D1-ABAB-4574-ADA8-42C8B9BEC6A9}" dt="2025-02-23T15:26:57.437" v="1000" actId="14100"/>
+          <ac:cxnSpMkLst>
+            <pc:docMk/>
+            <pc:sldMk cId="3641366307" sldId="259"/>
+            <ac:cxnSpMk id="18" creationId="{93B28062-F57F-E2BD-1C52-F4E744098F08}"/>
+          </ac:cxnSpMkLst>
+        </pc:cxnChg>
+        <pc:cxnChg chg="add mod">
+          <ac:chgData name="Zoheir HADID" userId="123d7235792d1862" providerId="LiveId" clId="{2A3E10D1-ABAB-4574-ADA8-42C8B9BEC6A9}" dt="2025-02-23T15:37:47.453" v="1109" actId="1037"/>
+          <ac:cxnSpMkLst>
+            <pc:docMk/>
+            <pc:sldMk cId="3641366307" sldId="259"/>
+            <ac:cxnSpMk id="37" creationId="{E506B479-C4CC-E19C-E5BC-F7345A4D25D9}"/>
+          </ac:cxnSpMkLst>
+        </pc:cxnChg>
+        <pc:cxnChg chg="add mod">
+          <ac:chgData name="Zoheir HADID" userId="123d7235792d1862" providerId="LiveId" clId="{2A3E10D1-ABAB-4574-ADA8-42C8B9BEC6A9}" dt="2025-02-23T16:31:02.895" v="1298" actId="164"/>
+          <ac:cxnSpMkLst>
+            <pc:docMk/>
+            <pc:sldMk cId="3641366307" sldId="259"/>
+            <ac:cxnSpMk id="40" creationId="{10E85750-2F5C-F492-6881-5BD5E7F60371}"/>
           </ac:cxnSpMkLst>
         </pc:cxnChg>
       </pc:sldChg>
@@ -848,7 +1208,7 @@
           <a:p>
             <a:fld id="{44643AC4-22AA-4210-A6CC-8CC3C7E4451E}" type="datetimeFigureOut">
               <a:rPr lang="fr-FR" smtClean="0"/>
-              <a:t>22/02/2025</a:t>
+              <a:t>23/02/2025</a:t>
             </a:fld>
             <a:endParaRPr lang="fr-FR"/>
           </a:p>
@@ -1046,7 +1406,7 @@
           <a:p>
             <a:fld id="{44643AC4-22AA-4210-A6CC-8CC3C7E4451E}" type="datetimeFigureOut">
               <a:rPr lang="fr-FR" smtClean="0"/>
-              <a:t>22/02/2025</a:t>
+              <a:t>23/02/2025</a:t>
             </a:fld>
             <a:endParaRPr lang="fr-FR"/>
           </a:p>
@@ -1254,7 +1614,7 @@
           <a:p>
             <a:fld id="{44643AC4-22AA-4210-A6CC-8CC3C7E4451E}" type="datetimeFigureOut">
               <a:rPr lang="fr-FR" smtClean="0"/>
-              <a:t>22/02/2025</a:t>
+              <a:t>23/02/2025</a:t>
             </a:fld>
             <a:endParaRPr lang="fr-FR"/>
           </a:p>
@@ -1452,7 +1812,7 @@
           <a:p>
             <a:fld id="{44643AC4-22AA-4210-A6CC-8CC3C7E4451E}" type="datetimeFigureOut">
               <a:rPr lang="fr-FR" smtClean="0"/>
-              <a:t>22/02/2025</a:t>
+              <a:t>23/02/2025</a:t>
             </a:fld>
             <a:endParaRPr lang="fr-FR"/>
           </a:p>
@@ -1727,7 +2087,7 @@
           <a:p>
             <a:fld id="{44643AC4-22AA-4210-A6CC-8CC3C7E4451E}" type="datetimeFigureOut">
               <a:rPr lang="fr-FR" smtClean="0"/>
-              <a:t>22/02/2025</a:t>
+              <a:t>23/02/2025</a:t>
             </a:fld>
             <a:endParaRPr lang="fr-FR"/>
           </a:p>
@@ -1992,7 +2352,7 @@
           <a:p>
             <a:fld id="{44643AC4-22AA-4210-A6CC-8CC3C7E4451E}" type="datetimeFigureOut">
               <a:rPr lang="fr-FR" smtClean="0"/>
-              <a:t>22/02/2025</a:t>
+              <a:t>23/02/2025</a:t>
             </a:fld>
             <a:endParaRPr lang="fr-FR"/>
           </a:p>
@@ -2404,7 +2764,7 @@
           <a:p>
             <a:fld id="{44643AC4-22AA-4210-A6CC-8CC3C7E4451E}" type="datetimeFigureOut">
               <a:rPr lang="fr-FR" smtClean="0"/>
-              <a:t>22/02/2025</a:t>
+              <a:t>23/02/2025</a:t>
             </a:fld>
             <a:endParaRPr lang="fr-FR"/>
           </a:p>
@@ -2545,7 +2905,7 @@
           <a:p>
             <a:fld id="{44643AC4-22AA-4210-A6CC-8CC3C7E4451E}" type="datetimeFigureOut">
               <a:rPr lang="fr-FR" smtClean="0"/>
-              <a:t>22/02/2025</a:t>
+              <a:t>23/02/2025</a:t>
             </a:fld>
             <a:endParaRPr lang="fr-FR"/>
           </a:p>
@@ -2658,7 +3018,7 @@
           <a:p>
             <a:fld id="{44643AC4-22AA-4210-A6CC-8CC3C7E4451E}" type="datetimeFigureOut">
               <a:rPr lang="fr-FR" smtClean="0"/>
-              <a:t>22/02/2025</a:t>
+              <a:t>23/02/2025</a:t>
             </a:fld>
             <a:endParaRPr lang="fr-FR"/>
           </a:p>
@@ -2969,7 +3329,7 @@
           <a:p>
             <a:fld id="{44643AC4-22AA-4210-A6CC-8CC3C7E4451E}" type="datetimeFigureOut">
               <a:rPr lang="fr-FR" smtClean="0"/>
-              <a:t>22/02/2025</a:t>
+              <a:t>23/02/2025</a:t>
             </a:fld>
             <a:endParaRPr lang="fr-FR"/>
           </a:p>
@@ -3257,7 +3617,7 @@
           <a:p>
             <a:fld id="{44643AC4-22AA-4210-A6CC-8CC3C7E4451E}" type="datetimeFigureOut">
               <a:rPr lang="fr-FR" smtClean="0"/>
-              <a:t>22/02/2025</a:t>
+              <a:t>23/02/2025</a:t>
             </a:fld>
             <a:endParaRPr lang="fr-FR"/>
           </a:p>
@@ -3498,7 +3858,7 @@
           <a:p>
             <a:fld id="{44643AC4-22AA-4210-A6CC-8CC3C7E4451E}" type="datetimeFigureOut">
               <a:rPr lang="fr-FR" smtClean="0"/>
-              <a:t>22/02/2025</a:t>
+              <a:t>23/02/2025</a:t>
             </a:fld>
             <a:endParaRPr lang="fr-FR"/>
           </a:p>
@@ -6693,6 +7053,2605 @@
 </p:sld>
 </file>
 
+<file path=ppt/slides/slide4.xml><?xml version="1.0" encoding="utf-8"?>
+<p:sld xmlns:a="http://schemas.openxmlformats.org/drawingml/2006/main" xmlns:r="http://schemas.openxmlformats.org/officeDocument/2006/relationships" xmlns:p="http://schemas.openxmlformats.org/presentationml/2006/main">
+  <p:cSld>
+    <p:spTree>
+      <p:nvGrpSpPr>
+        <p:cNvPr id="1" name=""/>
+        <p:cNvGrpSpPr/>
+        <p:nvPr/>
+      </p:nvGrpSpPr>
+      <p:grpSpPr>
+        <a:xfrm>
+          <a:off x="0" y="0"/>
+          <a:ext cx="0" cy="0"/>
+          <a:chOff x="0" y="0"/>
+          <a:chExt cx="0" cy="0"/>
+        </a:xfrm>
+      </p:grpSpPr>
+      <p:grpSp>
+        <p:nvGrpSpPr>
+          <p:cNvPr id="65" name="Groupe 64">
+            <a:extLst>
+              <a:ext uri="{FF2B5EF4-FFF2-40B4-BE49-F238E27FC236}">
+                <a16:creationId xmlns:a16="http://schemas.microsoft.com/office/drawing/2014/main" id="{A2DC5EF5-B947-CAD9-81E8-84C5E9B69367}"/>
+              </a:ext>
+            </a:extLst>
+          </p:cNvPr>
+          <p:cNvGrpSpPr/>
+          <p:nvPr/>
+        </p:nvGrpSpPr>
+        <p:grpSpPr>
+          <a:xfrm>
+            <a:off x="982795" y="2408271"/>
+            <a:ext cx="10102710" cy="1795294"/>
+            <a:chOff x="982795" y="2408271"/>
+            <a:chExt cx="10102710" cy="1795294"/>
+          </a:xfrm>
+        </p:grpSpPr>
+        <p:grpSp>
+          <p:nvGrpSpPr>
+            <p:cNvPr id="34" name="Groupe 33">
+              <a:extLst>
+                <a:ext uri="{FF2B5EF4-FFF2-40B4-BE49-F238E27FC236}">
+                  <a16:creationId xmlns:a16="http://schemas.microsoft.com/office/drawing/2014/main" id="{03E1FA59-07C2-1253-6CBA-2419FDD3762D}"/>
+                </a:ext>
+              </a:extLst>
+            </p:cNvPr>
+            <p:cNvGrpSpPr/>
+            <p:nvPr/>
+          </p:nvGrpSpPr>
+          <p:grpSpPr>
+            <a:xfrm>
+              <a:off x="3404483" y="2408271"/>
+              <a:ext cx="5295948" cy="1746970"/>
+              <a:chOff x="2243670" y="3525871"/>
+              <a:chExt cx="5295948" cy="1746970"/>
+            </a:xfrm>
+          </p:grpSpPr>
+          <p:grpSp>
+            <p:nvGrpSpPr>
+              <p:cNvPr id="22" name="Groupe 21">
+                <a:extLst>
+                  <a:ext uri="{FF2B5EF4-FFF2-40B4-BE49-F238E27FC236}">
+                    <a16:creationId xmlns:a16="http://schemas.microsoft.com/office/drawing/2014/main" id="{CDF6488B-9FB7-2678-A0E7-DA6A7DEA1359}"/>
+                  </a:ext>
+                </a:extLst>
+              </p:cNvPr>
+              <p:cNvGrpSpPr/>
+              <p:nvPr/>
+            </p:nvGrpSpPr>
+            <p:grpSpPr>
+              <a:xfrm>
+                <a:off x="2369670" y="3525871"/>
+                <a:ext cx="5043948" cy="1746970"/>
+                <a:chOff x="3775587" y="2103794"/>
+                <a:chExt cx="5043948" cy="1746970"/>
+              </a:xfrm>
+            </p:grpSpPr>
+            <p:sp>
+              <p:nvSpPr>
+                <p:cNvPr id="19" name="Rectangle 18">
+                  <a:extLst>
+                    <a:ext uri="{FF2B5EF4-FFF2-40B4-BE49-F238E27FC236}">
+                      <a16:creationId xmlns:a16="http://schemas.microsoft.com/office/drawing/2014/main" id="{29F411F1-7F34-3CA5-3BC0-57DA91722F91}"/>
+                    </a:ext>
+                  </a:extLst>
+                </p:cNvPr>
+                <p:cNvSpPr/>
+                <p:nvPr/>
+              </p:nvSpPr>
+              <p:spPr>
+                <a:xfrm>
+                  <a:off x="3775587" y="2261419"/>
+                  <a:ext cx="5043948" cy="1440000"/>
+                </a:xfrm>
+                <a:prstGeom prst="rect">
+                  <a:avLst/>
+                </a:prstGeom>
+                <a:solidFill>
+                  <a:schemeClr val="accent1">
+                    <a:lumMod val="40000"/>
+                    <a:lumOff val="60000"/>
+                  </a:schemeClr>
+                </a:solidFill>
+                <a:ln>
+                  <a:noFill/>
+                </a:ln>
+              </p:spPr>
+              <p:style>
+                <a:lnRef idx="2">
+                  <a:schemeClr val="accent2">
+                    <a:shade val="15000"/>
+                  </a:schemeClr>
+                </a:lnRef>
+                <a:fillRef idx="1">
+                  <a:schemeClr val="accent2"/>
+                </a:fillRef>
+                <a:effectRef idx="0">
+                  <a:schemeClr val="accent2"/>
+                </a:effectRef>
+                <a:fontRef idx="minor">
+                  <a:schemeClr val="lt1"/>
+                </a:fontRef>
+              </p:style>
+              <p:txBody>
+                <a:bodyPr rtlCol="0" anchor="ctr"/>
+                <a:lstStyle/>
+                <a:p>
+                  <a:pPr algn="ctr"/>
+                  <a:endParaRPr lang="fr-FR"/>
+                </a:p>
+              </p:txBody>
+            </p:sp>
+            <p:sp>
+              <p:nvSpPr>
+                <p:cNvPr id="20" name="Rectangle 19">
+                  <a:extLst>
+                    <a:ext uri="{FF2B5EF4-FFF2-40B4-BE49-F238E27FC236}">
+                      <a16:creationId xmlns:a16="http://schemas.microsoft.com/office/drawing/2014/main" id="{029F4A8E-AEB4-D48C-6FC4-F2FB08916554}"/>
+                    </a:ext>
+                  </a:extLst>
+                </p:cNvPr>
+                <p:cNvSpPr/>
+                <p:nvPr/>
+              </p:nvSpPr>
+              <p:spPr>
+                <a:xfrm>
+                  <a:off x="3775587" y="2103794"/>
+                  <a:ext cx="5043948" cy="144000"/>
+                </a:xfrm>
+                <a:prstGeom prst="rect">
+                  <a:avLst/>
+                </a:prstGeom>
+                <a:ln>
+                  <a:noFill/>
+                </a:ln>
+              </p:spPr>
+              <p:style>
+                <a:lnRef idx="2">
+                  <a:schemeClr val="dk1">
+                    <a:shade val="15000"/>
+                  </a:schemeClr>
+                </a:lnRef>
+                <a:fillRef idx="1">
+                  <a:schemeClr val="dk1"/>
+                </a:fillRef>
+                <a:effectRef idx="0">
+                  <a:schemeClr val="dk1"/>
+                </a:effectRef>
+                <a:fontRef idx="minor">
+                  <a:schemeClr val="lt1"/>
+                </a:fontRef>
+              </p:style>
+              <p:txBody>
+                <a:bodyPr rtlCol="0" anchor="ctr"/>
+                <a:lstStyle/>
+                <a:p>
+                  <a:pPr algn="ctr"/>
+                  <a:endParaRPr lang="fr-FR"/>
+                </a:p>
+              </p:txBody>
+            </p:sp>
+            <p:sp>
+              <p:nvSpPr>
+                <p:cNvPr id="21" name="Rectangle 20">
+                  <a:extLst>
+                    <a:ext uri="{FF2B5EF4-FFF2-40B4-BE49-F238E27FC236}">
+                      <a16:creationId xmlns:a16="http://schemas.microsoft.com/office/drawing/2014/main" id="{24917456-031D-76B9-30CF-CB2222464AAA}"/>
+                    </a:ext>
+                  </a:extLst>
+                </p:cNvPr>
+                <p:cNvSpPr/>
+                <p:nvPr/>
+              </p:nvSpPr>
+              <p:spPr>
+                <a:xfrm>
+                  <a:off x="3775587" y="3706764"/>
+                  <a:ext cx="5043948" cy="144000"/>
+                </a:xfrm>
+                <a:prstGeom prst="rect">
+                  <a:avLst/>
+                </a:prstGeom>
+                <a:ln>
+                  <a:noFill/>
+                </a:ln>
+              </p:spPr>
+              <p:style>
+                <a:lnRef idx="2">
+                  <a:schemeClr val="dk1">
+                    <a:shade val="15000"/>
+                  </a:schemeClr>
+                </a:lnRef>
+                <a:fillRef idx="1">
+                  <a:schemeClr val="dk1"/>
+                </a:fillRef>
+                <a:effectRef idx="0">
+                  <a:schemeClr val="dk1"/>
+                </a:effectRef>
+                <a:fontRef idx="minor">
+                  <a:schemeClr val="lt1"/>
+                </a:fontRef>
+              </p:style>
+              <p:txBody>
+                <a:bodyPr rtlCol="0" anchor="ctr"/>
+                <a:lstStyle/>
+                <a:p>
+                  <a:pPr algn="ctr"/>
+                  <a:endParaRPr lang="fr-FR" dirty="0"/>
+                </a:p>
+              </p:txBody>
+            </p:sp>
+          </p:grpSp>
+          <p:grpSp>
+            <p:nvGrpSpPr>
+              <p:cNvPr id="23" name="Groupe 22">
+                <a:extLst>
+                  <a:ext uri="{FF2B5EF4-FFF2-40B4-BE49-F238E27FC236}">
+                    <a16:creationId xmlns:a16="http://schemas.microsoft.com/office/drawing/2014/main" id="{97F4453B-6E2D-5CCC-88BC-9F9440CF7FE2}"/>
+                  </a:ext>
+                </a:extLst>
+              </p:cNvPr>
+              <p:cNvGrpSpPr/>
+              <p:nvPr/>
+            </p:nvGrpSpPr>
+            <p:grpSpPr>
+              <a:xfrm>
+                <a:off x="2243670" y="4277496"/>
+                <a:ext cx="252000" cy="252000"/>
+                <a:chOff x="7980618" y="3273675"/>
+                <a:chExt cx="252000" cy="252000"/>
+              </a:xfrm>
+            </p:grpSpPr>
+            <p:sp>
+              <p:nvSpPr>
+                <p:cNvPr id="24" name="Ellipse 23">
+                  <a:extLst>
+                    <a:ext uri="{FF2B5EF4-FFF2-40B4-BE49-F238E27FC236}">
+                      <a16:creationId xmlns:a16="http://schemas.microsoft.com/office/drawing/2014/main" id="{B20E4939-B5CD-2D68-027C-91F01D9370E0}"/>
+                    </a:ext>
+                  </a:extLst>
+                </p:cNvPr>
+                <p:cNvSpPr/>
+                <p:nvPr/>
+              </p:nvSpPr>
+              <p:spPr>
+                <a:xfrm>
+                  <a:off x="7980618" y="3273675"/>
+                  <a:ext cx="252000" cy="252000"/>
+                </a:xfrm>
+                <a:prstGeom prst="ellipse">
+                  <a:avLst/>
+                </a:prstGeom>
+                <a:ln>
+                  <a:solidFill>
+                    <a:schemeClr val="bg2"/>
+                  </a:solidFill>
+                </a:ln>
+              </p:spPr>
+              <p:style>
+                <a:lnRef idx="2">
+                  <a:schemeClr val="accent1">
+                    <a:shade val="15000"/>
+                  </a:schemeClr>
+                </a:lnRef>
+                <a:fillRef idx="1">
+                  <a:schemeClr val="accent1"/>
+                </a:fillRef>
+                <a:effectRef idx="0">
+                  <a:schemeClr val="accent1"/>
+                </a:effectRef>
+                <a:fontRef idx="minor">
+                  <a:schemeClr val="lt1"/>
+                </a:fontRef>
+              </p:style>
+              <p:txBody>
+                <a:bodyPr rtlCol="0" anchor="ctr"/>
+                <a:lstStyle/>
+                <a:p>
+                  <a:pPr algn="ctr"/>
+                  <a:endParaRPr lang="fr-FR" dirty="0"/>
+                </a:p>
+              </p:txBody>
+            </p:sp>
+            <p:sp>
+              <p:nvSpPr>
+                <p:cNvPr id="25" name="Ellipse 24">
+                  <a:extLst>
+                    <a:ext uri="{FF2B5EF4-FFF2-40B4-BE49-F238E27FC236}">
+                      <a16:creationId xmlns:a16="http://schemas.microsoft.com/office/drawing/2014/main" id="{20A808B5-8B6E-C093-C99B-8C4A1699B32E}"/>
+                    </a:ext>
+                  </a:extLst>
+                </p:cNvPr>
+                <p:cNvSpPr/>
+                <p:nvPr/>
+              </p:nvSpPr>
+              <p:spPr>
+                <a:xfrm>
+                  <a:off x="8034618" y="3327675"/>
+                  <a:ext cx="144000" cy="144000"/>
+                </a:xfrm>
+                <a:prstGeom prst="ellipse">
+                  <a:avLst/>
+                </a:prstGeom>
+                <a:ln>
+                  <a:noFill/>
+                </a:ln>
+              </p:spPr>
+              <p:style>
+                <a:lnRef idx="2">
+                  <a:schemeClr val="accent1"/>
+                </a:lnRef>
+                <a:fillRef idx="1">
+                  <a:schemeClr val="lt1"/>
+                </a:fillRef>
+                <a:effectRef idx="0">
+                  <a:schemeClr val="accent1"/>
+                </a:effectRef>
+                <a:fontRef idx="minor">
+                  <a:schemeClr val="dk1"/>
+                </a:fontRef>
+              </p:style>
+              <p:txBody>
+                <a:bodyPr rtlCol="0" anchor="ctr"/>
+                <a:lstStyle/>
+                <a:p>
+                  <a:pPr algn="ctr"/>
+                  <a:endParaRPr lang="fr-FR" dirty="0"/>
+                </a:p>
+              </p:txBody>
+            </p:sp>
+          </p:grpSp>
+          <p:grpSp>
+            <p:nvGrpSpPr>
+              <p:cNvPr id="26" name="Groupe 25">
+                <a:extLst>
+                  <a:ext uri="{FF2B5EF4-FFF2-40B4-BE49-F238E27FC236}">
+                    <a16:creationId xmlns:a16="http://schemas.microsoft.com/office/drawing/2014/main" id="{EC9E6CD6-BED4-605E-503F-D8BF1551EB3D}"/>
+                  </a:ext>
+                </a:extLst>
+              </p:cNvPr>
+              <p:cNvGrpSpPr/>
+              <p:nvPr/>
+            </p:nvGrpSpPr>
+            <p:grpSpPr>
+              <a:xfrm>
+                <a:off x="7287618" y="4277496"/>
+                <a:ext cx="252000" cy="252000"/>
+                <a:chOff x="7980618" y="3273675"/>
+                <a:chExt cx="252000" cy="252000"/>
+              </a:xfrm>
+            </p:grpSpPr>
+            <p:sp>
+              <p:nvSpPr>
+                <p:cNvPr id="27" name="Ellipse 26">
+                  <a:extLst>
+                    <a:ext uri="{FF2B5EF4-FFF2-40B4-BE49-F238E27FC236}">
+                      <a16:creationId xmlns:a16="http://schemas.microsoft.com/office/drawing/2014/main" id="{43C5EF52-8355-5991-7071-1C1D72DFF283}"/>
+                    </a:ext>
+                  </a:extLst>
+                </p:cNvPr>
+                <p:cNvSpPr/>
+                <p:nvPr/>
+              </p:nvSpPr>
+              <p:spPr>
+                <a:xfrm>
+                  <a:off x="7980618" y="3273675"/>
+                  <a:ext cx="252000" cy="252000"/>
+                </a:xfrm>
+                <a:prstGeom prst="ellipse">
+                  <a:avLst/>
+                </a:prstGeom>
+                <a:solidFill>
+                  <a:schemeClr val="accent2"/>
+                </a:solidFill>
+                <a:ln>
+                  <a:solidFill>
+                    <a:schemeClr val="bg2"/>
+                  </a:solidFill>
+                </a:ln>
+              </p:spPr>
+              <p:style>
+                <a:lnRef idx="2">
+                  <a:schemeClr val="accent1">
+                    <a:shade val="15000"/>
+                  </a:schemeClr>
+                </a:lnRef>
+                <a:fillRef idx="1">
+                  <a:schemeClr val="accent1"/>
+                </a:fillRef>
+                <a:effectRef idx="0">
+                  <a:schemeClr val="accent1"/>
+                </a:effectRef>
+                <a:fontRef idx="minor">
+                  <a:schemeClr val="lt1"/>
+                </a:fontRef>
+              </p:style>
+              <p:txBody>
+                <a:bodyPr rtlCol="0" anchor="ctr"/>
+                <a:lstStyle/>
+                <a:p>
+                  <a:pPr algn="ctr"/>
+                  <a:endParaRPr lang="fr-FR" dirty="0"/>
+                </a:p>
+              </p:txBody>
+            </p:sp>
+            <p:sp>
+              <p:nvSpPr>
+                <p:cNvPr id="28" name="Ellipse 27">
+                  <a:extLst>
+                    <a:ext uri="{FF2B5EF4-FFF2-40B4-BE49-F238E27FC236}">
+                      <a16:creationId xmlns:a16="http://schemas.microsoft.com/office/drawing/2014/main" id="{35A2A6F9-0735-9988-0C27-E378BBA99C56}"/>
+                    </a:ext>
+                  </a:extLst>
+                </p:cNvPr>
+                <p:cNvSpPr/>
+                <p:nvPr/>
+              </p:nvSpPr>
+              <p:spPr>
+                <a:xfrm>
+                  <a:off x="8034618" y="3327675"/>
+                  <a:ext cx="144000" cy="144000"/>
+                </a:xfrm>
+                <a:prstGeom prst="ellipse">
+                  <a:avLst/>
+                </a:prstGeom>
+                <a:ln>
+                  <a:noFill/>
+                </a:ln>
+              </p:spPr>
+              <p:style>
+                <a:lnRef idx="2">
+                  <a:schemeClr val="accent1"/>
+                </a:lnRef>
+                <a:fillRef idx="1">
+                  <a:schemeClr val="lt1"/>
+                </a:fillRef>
+                <a:effectRef idx="0">
+                  <a:schemeClr val="accent1"/>
+                </a:effectRef>
+                <a:fontRef idx="minor">
+                  <a:schemeClr val="dk1"/>
+                </a:fontRef>
+              </p:style>
+              <p:txBody>
+                <a:bodyPr rtlCol="0" anchor="ctr"/>
+                <a:lstStyle/>
+                <a:p>
+                  <a:pPr algn="ctr"/>
+                  <a:endParaRPr lang="fr-FR" dirty="0"/>
+                </a:p>
+              </p:txBody>
+            </p:sp>
+          </p:grpSp>
+        </p:grpSp>
+        <p:grpSp>
+          <p:nvGrpSpPr>
+            <p:cNvPr id="33" name="Groupe 32">
+              <a:extLst>
+                <a:ext uri="{FF2B5EF4-FFF2-40B4-BE49-F238E27FC236}">
+                  <a16:creationId xmlns:a16="http://schemas.microsoft.com/office/drawing/2014/main" id="{60F46626-C8E0-E4EC-70F4-ABB1C7884F59}"/>
+                </a:ext>
+              </a:extLst>
+            </p:cNvPr>
+            <p:cNvGrpSpPr/>
+            <p:nvPr/>
+          </p:nvGrpSpPr>
+          <p:grpSpPr>
+            <a:xfrm flipH="1">
+              <a:off x="9694284" y="2745896"/>
+              <a:ext cx="1206000" cy="1080000"/>
+              <a:chOff x="2285508" y="2252130"/>
+              <a:chExt cx="1206000" cy="1080000"/>
+            </a:xfrm>
+          </p:grpSpPr>
+          <p:sp>
+            <p:nvSpPr>
+              <p:cNvPr id="6" name="Ellipse 5">
+                <a:extLst>
+                  <a:ext uri="{FF2B5EF4-FFF2-40B4-BE49-F238E27FC236}">
+                    <a16:creationId xmlns:a16="http://schemas.microsoft.com/office/drawing/2014/main" id="{6BE85D7F-4FCA-6E9A-E447-015B4936D5A8}"/>
+                  </a:ext>
+                </a:extLst>
+              </p:cNvPr>
+              <p:cNvSpPr/>
+              <p:nvPr/>
+            </p:nvSpPr>
+            <p:spPr>
+              <a:xfrm>
+                <a:off x="2285508" y="2252130"/>
+                <a:ext cx="1080000" cy="1080000"/>
+              </a:xfrm>
+              <a:prstGeom prst="ellipse">
+                <a:avLst/>
+              </a:prstGeom>
+              <a:ln>
+                <a:noFill/>
+              </a:ln>
+            </p:spPr>
+            <p:style>
+              <a:lnRef idx="2">
+                <a:schemeClr val="accent2">
+                  <a:shade val="15000"/>
+                </a:schemeClr>
+              </a:lnRef>
+              <a:fillRef idx="1">
+                <a:schemeClr val="accent2"/>
+              </a:fillRef>
+              <a:effectRef idx="0">
+                <a:schemeClr val="accent2"/>
+              </a:effectRef>
+              <a:fontRef idx="minor">
+                <a:schemeClr val="lt1"/>
+              </a:fontRef>
+            </p:style>
+            <p:txBody>
+              <a:bodyPr rtlCol="0" anchor="ctr"/>
+              <a:lstStyle/>
+              <a:p>
+                <a:pPr algn="ctr"/>
+                <a:endParaRPr lang="fr-FR" dirty="0"/>
+              </a:p>
+            </p:txBody>
+          </p:sp>
+          <p:grpSp>
+            <p:nvGrpSpPr>
+              <p:cNvPr id="13" name="Groupe 12">
+                <a:extLst>
+                  <a:ext uri="{FF2B5EF4-FFF2-40B4-BE49-F238E27FC236}">
+                    <a16:creationId xmlns:a16="http://schemas.microsoft.com/office/drawing/2014/main" id="{36FA6994-9C38-AE50-2054-9074D7295DD1}"/>
+                  </a:ext>
+                </a:extLst>
+              </p:cNvPr>
+              <p:cNvGrpSpPr/>
+              <p:nvPr/>
+            </p:nvGrpSpPr>
+            <p:grpSpPr>
+              <a:xfrm>
+                <a:off x="3239508" y="2666130"/>
+                <a:ext cx="252000" cy="252000"/>
+                <a:chOff x="7980618" y="3273675"/>
+                <a:chExt cx="252000" cy="252000"/>
+              </a:xfrm>
+            </p:grpSpPr>
+            <p:sp>
+              <p:nvSpPr>
+                <p:cNvPr id="7" name="Ellipse 6">
+                  <a:extLst>
+                    <a:ext uri="{FF2B5EF4-FFF2-40B4-BE49-F238E27FC236}">
+                      <a16:creationId xmlns:a16="http://schemas.microsoft.com/office/drawing/2014/main" id="{3C8285DD-86D4-256B-F3E4-6AF84937F837}"/>
+                    </a:ext>
+                  </a:extLst>
+                </p:cNvPr>
+                <p:cNvSpPr/>
+                <p:nvPr/>
+              </p:nvSpPr>
+              <p:spPr>
+                <a:xfrm>
+                  <a:off x="7980618" y="3273675"/>
+                  <a:ext cx="252000" cy="252000"/>
+                </a:xfrm>
+                <a:prstGeom prst="ellipse">
+                  <a:avLst/>
+                </a:prstGeom>
+                <a:ln>
+                  <a:solidFill>
+                    <a:schemeClr val="bg2"/>
+                  </a:solidFill>
+                </a:ln>
+              </p:spPr>
+              <p:style>
+                <a:lnRef idx="2">
+                  <a:schemeClr val="accent1">
+                    <a:shade val="15000"/>
+                  </a:schemeClr>
+                </a:lnRef>
+                <a:fillRef idx="1">
+                  <a:schemeClr val="accent1"/>
+                </a:fillRef>
+                <a:effectRef idx="0">
+                  <a:schemeClr val="accent1"/>
+                </a:effectRef>
+                <a:fontRef idx="minor">
+                  <a:schemeClr val="lt1"/>
+                </a:fontRef>
+              </p:style>
+              <p:txBody>
+                <a:bodyPr rtlCol="0" anchor="ctr"/>
+                <a:lstStyle/>
+                <a:p>
+                  <a:pPr algn="ctr"/>
+                  <a:endParaRPr lang="fr-FR" dirty="0"/>
+                </a:p>
+              </p:txBody>
+            </p:sp>
+            <p:sp>
+              <p:nvSpPr>
+                <p:cNvPr id="8" name="Ellipse 7">
+                  <a:extLst>
+                    <a:ext uri="{FF2B5EF4-FFF2-40B4-BE49-F238E27FC236}">
+                      <a16:creationId xmlns:a16="http://schemas.microsoft.com/office/drawing/2014/main" id="{E5B48736-81DC-834B-5C23-DA37F2D01A91}"/>
+                    </a:ext>
+                  </a:extLst>
+                </p:cNvPr>
+                <p:cNvSpPr/>
+                <p:nvPr/>
+              </p:nvSpPr>
+              <p:spPr>
+                <a:xfrm>
+                  <a:off x="8034618" y="3327675"/>
+                  <a:ext cx="144000" cy="144000"/>
+                </a:xfrm>
+                <a:prstGeom prst="ellipse">
+                  <a:avLst/>
+                </a:prstGeom>
+                <a:ln>
+                  <a:noFill/>
+                </a:ln>
+              </p:spPr>
+              <p:style>
+                <a:lnRef idx="2">
+                  <a:schemeClr val="accent1"/>
+                </a:lnRef>
+                <a:fillRef idx="1">
+                  <a:schemeClr val="lt1"/>
+                </a:fillRef>
+                <a:effectRef idx="0">
+                  <a:schemeClr val="accent1"/>
+                </a:effectRef>
+                <a:fontRef idx="minor">
+                  <a:schemeClr val="dk1"/>
+                </a:fontRef>
+              </p:style>
+              <p:txBody>
+                <a:bodyPr rtlCol="0" anchor="ctr"/>
+                <a:lstStyle/>
+                <a:p>
+                  <a:pPr algn="ctr"/>
+                  <a:endParaRPr lang="fr-FR" dirty="0"/>
+                </a:p>
+              </p:txBody>
+            </p:sp>
+          </p:grpSp>
+        </p:grpSp>
+        <p:grpSp>
+          <p:nvGrpSpPr>
+            <p:cNvPr id="35" name="Groupe 34">
+              <a:extLst>
+                <a:ext uri="{FF2B5EF4-FFF2-40B4-BE49-F238E27FC236}">
+                  <a16:creationId xmlns:a16="http://schemas.microsoft.com/office/drawing/2014/main" id="{189421C9-77B4-3152-7943-C1283328E920}"/>
+                </a:ext>
+              </a:extLst>
+            </p:cNvPr>
+            <p:cNvGrpSpPr/>
+            <p:nvPr/>
+          </p:nvGrpSpPr>
+          <p:grpSpPr>
+            <a:xfrm flipH="1">
+              <a:off x="1182792" y="2760182"/>
+              <a:ext cx="1206000" cy="1080000"/>
+              <a:chOff x="6207618" y="2265872"/>
+              <a:chExt cx="1206000" cy="1080000"/>
+            </a:xfrm>
+          </p:grpSpPr>
+          <p:sp>
+            <p:nvSpPr>
+              <p:cNvPr id="5" name="Ellipse 4">
+                <a:extLst>
+                  <a:ext uri="{FF2B5EF4-FFF2-40B4-BE49-F238E27FC236}">
+                    <a16:creationId xmlns:a16="http://schemas.microsoft.com/office/drawing/2014/main" id="{D0A9803C-97A7-EF99-A8E2-2DE03C42D3BC}"/>
+                  </a:ext>
+                </a:extLst>
+              </p:cNvPr>
+              <p:cNvSpPr/>
+              <p:nvPr/>
+            </p:nvSpPr>
+            <p:spPr>
+              <a:xfrm>
+                <a:off x="6333618" y="2265872"/>
+                <a:ext cx="1080000" cy="1080000"/>
+              </a:xfrm>
+              <a:prstGeom prst="ellipse">
+                <a:avLst/>
+              </a:prstGeom>
+              <a:solidFill>
+                <a:schemeClr val="accent1">
+                  <a:lumMod val="40000"/>
+                  <a:lumOff val="60000"/>
+                </a:schemeClr>
+              </a:solidFill>
+              <a:ln>
+                <a:noFill/>
+              </a:ln>
+            </p:spPr>
+            <p:style>
+              <a:lnRef idx="2">
+                <a:schemeClr val="accent1">
+                  <a:shade val="15000"/>
+                </a:schemeClr>
+              </a:lnRef>
+              <a:fillRef idx="1">
+                <a:schemeClr val="accent1"/>
+              </a:fillRef>
+              <a:effectRef idx="0">
+                <a:schemeClr val="accent1"/>
+              </a:effectRef>
+              <a:fontRef idx="minor">
+                <a:schemeClr val="lt1"/>
+              </a:fontRef>
+            </p:style>
+            <p:txBody>
+              <a:bodyPr rtlCol="0" anchor="ctr"/>
+              <a:lstStyle/>
+              <a:p>
+                <a:pPr algn="ctr"/>
+                <a:endParaRPr lang="fr-FR" dirty="0"/>
+              </a:p>
+            </p:txBody>
+          </p:sp>
+          <p:grpSp>
+            <p:nvGrpSpPr>
+              <p:cNvPr id="14" name="Groupe 13">
+                <a:extLst>
+                  <a:ext uri="{FF2B5EF4-FFF2-40B4-BE49-F238E27FC236}">
+                    <a16:creationId xmlns:a16="http://schemas.microsoft.com/office/drawing/2014/main" id="{7AF0DA3D-8FF5-FA51-E245-2FC5DBB64ACA}"/>
+                  </a:ext>
+                </a:extLst>
+              </p:cNvPr>
+              <p:cNvGrpSpPr/>
+              <p:nvPr/>
+            </p:nvGrpSpPr>
+            <p:grpSpPr>
+              <a:xfrm>
+                <a:off x="6207618" y="2666130"/>
+                <a:ext cx="252000" cy="252000"/>
+                <a:chOff x="7980618" y="3273675"/>
+                <a:chExt cx="252000" cy="252000"/>
+              </a:xfrm>
+            </p:grpSpPr>
+            <p:sp>
+              <p:nvSpPr>
+                <p:cNvPr id="15" name="Ellipse 14">
+                  <a:extLst>
+                    <a:ext uri="{FF2B5EF4-FFF2-40B4-BE49-F238E27FC236}">
+                      <a16:creationId xmlns:a16="http://schemas.microsoft.com/office/drawing/2014/main" id="{7A0D1C58-B0DD-276E-7635-A72732BA1C7C}"/>
+                    </a:ext>
+                  </a:extLst>
+                </p:cNvPr>
+                <p:cNvSpPr/>
+                <p:nvPr/>
+              </p:nvSpPr>
+              <p:spPr>
+                <a:xfrm>
+                  <a:off x="7980618" y="3273675"/>
+                  <a:ext cx="252000" cy="252000"/>
+                </a:xfrm>
+                <a:prstGeom prst="ellipse">
+                  <a:avLst/>
+                </a:prstGeom>
+                <a:solidFill>
+                  <a:schemeClr val="accent2"/>
+                </a:solidFill>
+                <a:ln>
+                  <a:solidFill>
+                    <a:schemeClr val="bg2"/>
+                  </a:solidFill>
+                </a:ln>
+              </p:spPr>
+              <p:style>
+                <a:lnRef idx="2">
+                  <a:schemeClr val="accent1">
+                    <a:shade val="15000"/>
+                  </a:schemeClr>
+                </a:lnRef>
+                <a:fillRef idx="1">
+                  <a:schemeClr val="accent1"/>
+                </a:fillRef>
+                <a:effectRef idx="0">
+                  <a:schemeClr val="accent1"/>
+                </a:effectRef>
+                <a:fontRef idx="minor">
+                  <a:schemeClr val="lt1"/>
+                </a:fontRef>
+              </p:style>
+              <p:txBody>
+                <a:bodyPr rtlCol="0" anchor="ctr"/>
+                <a:lstStyle/>
+                <a:p>
+                  <a:pPr algn="ctr"/>
+                  <a:endParaRPr lang="fr-FR" dirty="0"/>
+                </a:p>
+              </p:txBody>
+            </p:sp>
+            <p:sp>
+              <p:nvSpPr>
+                <p:cNvPr id="16" name="Ellipse 15">
+                  <a:extLst>
+                    <a:ext uri="{FF2B5EF4-FFF2-40B4-BE49-F238E27FC236}">
+                      <a16:creationId xmlns:a16="http://schemas.microsoft.com/office/drawing/2014/main" id="{A2C67C17-89C7-C26B-EE98-195BC4691AC1}"/>
+                    </a:ext>
+                  </a:extLst>
+                </p:cNvPr>
+                <p:cNvSpPr/>
+                <p:nvPr/>
+              </p:nvSpPr>
+              <p:spPr>
+                <a:xfrm>
+                  <a:off x="8034618" y="3327675"/>
+                  <a:ext cx="144000" cy="144000"/>
+                </a:xfrm>
+                <a:prstGeom prst="ellipse">
+                  <a:avLst/>
+                </a:prstGeom>
+                <a:ln>
+                  <a:noFill/>
+                </a:ln>
+              </p:spPr>
+              <p:style>
+                <a:lnRef idx="2">
+                  <a:schemeClr val="accent1"/>
+                </a:lnRef>
+                <a:fillRef idx="1">
+                  <a:schemeClr val="lt1"/>
+                </a:fillRef>
+                <a:effectRef idx="0">
+                  <a:schemeClr val="accent1"/>
+                </a:effectRef>
+                <a:fontRef idx="minor">
+                  <a:schemeClr val="dk1"/>
+                </a:fontRef>
+              </p:style>
+              <p:txBody>
+                <a:bodyPr rtlCol="0" anchor="ctr"/>
+                <a:lstStyle/>
+                <a:p>
+                  <a:pPr algn="ctr"/>
+                  <a:endParaRPr lang="fr-FR" dirty="0"/>
+                </a:p>
+              </p:txBody>
+            </p:sp>
+          </p:grpSp>
+        </p:grpSp>
+        <p:cxnSp>
+          <p:nvCxnSpPr>
+            <p:cNvPr id="18" name="Connecteur droit 17">
+              <a:extLst>
+                <a:ext uri="{FF2B5EF4-FFF2-40B4-BE49-F238E27FC236}">
+                  <a16:creationId xmlns:a16="http://schemas.microsoft.com/office/drawing/2014/main" id="{93B28062-F57F-E2BD-1C52-F4E744098F08}"/>
+                </a:ext>
+              </a:extLst>
+            </p:cNvPr>
+            <p:cNvCxnSpPr>
+              <a:cxnSpLocks/>
+              <a:stCxn id="25" idx="2"/>
+              <a:endCxn id="28" idx="6"/>
+            </p:cNvCxnSpPr>
+            <p:nvPr/>
+          </p:nvCxnSpPr>
+          <p:spPr>
+            <a:xfrm>
+              <a:off x="3458483" y="3285896"/>
+              <a:ext cx="5187948" cy="0"/>
+            </a:xfrm>
+            <a:prstGeom prst="line">
+              <a:avLst/>
+            </a:prstGeom>
+            <a:ln>
+              <a:solidFill>
+                <a:schemeClr val="tx1"/>
+              </a:solidFill>
+              <a:prstDash val="lgDashDot"/>
+            </a:ln>
+          </p:spPr>
+          <p:style>
+            <a:lnRef idx="2">
+              <a:schemeClr val="accent1"/>
+            </a:lnRef>
+            <a:fillRef idx="0">
+              <a:schemeClr val="accent1"/>
+            </a:fillRef>
+            <a:effectRef idx="1">
+              <a:schemeClr val="accent1"/>
+            </a:effectRef>
+            <a:fontRef idx="minor">
+              <a:schemeClr val="tx1"/>
+            </a:fontRef>
+          </p:style>
+        </p:cxnSp>
+        <p:cxnSp>
+          <p:nvCxnSpPr>
+            <p:cNvPr id="37" name="Connecteur droit avec flèche 36">
+              <a:extLst>
+                <a:ext uri="{FF2B5EF4-FFF2-40B4-BE49-F238E27FC236}">
+                  <a16:creationId xmlns:a16="http://schemas.microsoft.com/office/drawing/2014/main" id="{E506B479-C4CC-E19C-E5BC-F7345A4D25D9}"/>
+                </a:ext>
+              </a:extLst>
+            </p:cNvPr>
+            <p:cNvCxnSpPr>
+              <a:cxnSpLocks/>
+              <a:stCxn id="16" idx="2"/>
+              <a:endCxn id="25" idx="2"/>
+            </p:cNvCxnSpPr>
+            <p:nvPr/>
+          </p:nvCxnSpPr>
+          <p:spPr>
+            <a:xfrm flipV="1">
+              <a:off x="2334792" y="3285896"/>
+              <a:ext cx="1123691" cy="544"/>
+            </a:xfrm>
+            <a:prstGeom prst="straightConnector1">
+              <a:avLst/>
+            </a:prstGeom>
+            <a:ln>
+              <a:tailEnd type="triangle"/>
+            </a:ln>
+          </p:spPr>
+          <p:style>
+            <a:lnRef idx="2">
+              <a:schemeClr val="accent1"/>
+            </a:lnRef>
+            <a:fillRef idx="0">
+              <a:schemeClr val="accent1"/>
+            </a:fillRef>
+            <a:effectRef idx="1">
+              <a:schemeClr val="accent1"/>
+            </a:effectRef>
+            <a:fontRef idx="minor">
+              <a:schemeClr val="tx1"/>
+            </a:fontRef>
+          </p:style>
+        </p:cxnSp>
+        <p:cxnSp>
+          <p:nvCxnSpPr>
+            <p:cNvPr id="40" name="Connecteur droit avec flèche 39">
+              <a:extLst>
+                <a:ext uri="{FF2B5EF4-FFF2-40B4-BE49-F238E27FC236}">
+                  <a16:creationId xmlns:a16="http://schemas.microsoft.com/office/drawing/2014/main" id="{10E85750-2F5C-F492-6881-5BD5E7F60371}"/>
+                </a:ext>
+              </a:extLst>
+            </p:cNvPr>
+            <p:cNvCxnSpPr>
+              <a:cxnSpLocks/>
+              <a:stCxn id="28" idx="6"/>
+              <a:endCxn id="8" idx="6"/>
+            </p:cNvCxnSpPr>
+            <p:nvPr/>
+          </p:nvCxnSpPr>
+          <p:spPr>
+            <a:xfrm>
+              <a:off x="8646431" y="3285896"/>
+              <a:ext cx="1101853" cy="0"/>
+            </a:xfrm>
+            <a:prstGeom prst="straightConnector1">
+              <a:avLst/>
+            </a:prstGeom>
+            <a:ln>
+              <a:tailEnd type="triangle"/>
+            </a:ln>
+          </p:spPr>
+          <p:style>
+            <a:lnRef idx="2">
+              <a:schemeClr val="accent1"/>
+            </a:lnRef>
+            <a:fillRef idx="0">
+              <a:schemeClr val="accent1"/>
+            </a:fillRef>
+            <a:effectRef idx="1">
+              <a:schemeClr val="accent1"/>
+            </a:effectRef>
+            <a:fontRef idx="minor">
+              <a:schemeClr val="tx1"/>
+            </a:fontRef>
+          </p:style>
+        </p:cxnSp>
+        <p:sp>
+          <p:nvSpPr>
+            <p:cNvPr id="48" name="Rectangle 1">
+              <a:extLst>
+                <a:ext uri="{FF2B5EF4-FFF2-40B4-BE49-F238E27FC236}">
+                  <a16:creationId xmlns:a16="http://schemas.microsoft.com/office/drawing/2014/main" id="{DD8760CB-F193-51C3-88DE-537EA1595048}"/>
+                </a:ext>
+              </a:extLst>
+            </p:cNvPr>
+            <p:cNvSpPr>
+              <a:spLocks noChangeArrowheads="1"/>
+            </p:cNvSpPr>
+            <p:nvPr/>
+          </p:nvSpPr>
+          <p:spPr bwMode="auto">
+            <a:xfrm>
+              <a:off x="982795" y="2953992"/>
+              <a:ext cx="1319623" cy="1249573"/>
+            </a:xfrm>
+            <a:prstGeom prst="rect">
+              <a:avLst/>
+            </a:prstGeom>
+            <a:noFill/>
+            <a:ln>
+              <a:noFill/>
+            </a:ln>
+            <a:effectLst/>
+            <a:extLst>
+              <a:ext uri="{909E8E84-426E-40DD-AFC4-6F175D3DCCD1}">
+                <a14:hiddenFill xmlns:a14="http://schemas.microsoft.com/office/drawing/2010/main">
+                  <a:solidFill>
+                    <a:schemeClr val="accent1"/>
+                  </a:solidFill>
+                </a14:hiddenFill>
+              </a:ext>
+              <a:ext uri="{91240B29-F687-4F45-9708-019B960494DF}">
+                <a14:hiddenLine xmlns:a14="http://schemas.microsoft.com/office/drawing/2010/main" w="9525">
+                  <a:solidFill>
+                    <a:schemeClr val="tx1"/>
+                  </a:solidFill>
+                  <a:miter lim="800000"/>
+                  <a:headEnd/>
+                  <a:tailEnd/>
+                </a14:hiddenLine>
+              </a:ext>
+              <a:ext uri="{AF507438-7753-43E0-B8FC-AC1667EBCBE1}">
+                <a14:hiddenEffects xmlns:a14="http://schemas.microsoft.com/office/drawing/2010/main">
+                  <a:effectLst>
+                    <a:outerShdw dist="35921" dir="2700000" algn="ctr" rotWithShape="0">
+                      <a:schemeClr val="bg2"/>
+                    </a:outerShdw>
+                  </a:effectLst>
+                </a14:hiddenEffects>
+              </a:ext>
+            </a:extLst>
+          </p:spPr>
+          <p:txBody>
+            <a:bodyPr vert="horz" wrap="square" lIns="91440" tIns="45720" rIns="91440" bIns="45720" numCol="1" anchor="ctr" anchorCtr="0" compatLnSpc="1">
+              <a:prstTxWarp prst="textNoShape">
+                <a:avLst/>
+              </a:prstTxWarp>
+              <a:spAutoFit/>
+            </a:bodyPr>
+            <a:lstStyle>
+              <a:lvl1pPr eaLnBrk="0" fontAlgn="base" hangingPunct="0">
+                <a:spcBef>
+                  <a:spcPct val="30000"/>
+                </a:spcBef>
+                <a:spcAft>
+                  <a:spcPct val="0"/>
+                </a:spcAft>
+                <a:defRPr sz="1200">
+                  <a:solidFill>
+                    <a:schemeClr val="tx1"/>
+                  </a:solidFill>
+                  <a:latin typeface="Arial" panose="020B0604020202020204" pitchFamily="34" charset="0"/>
+                </a:defRPr>
+              </a:lvl1pPr>
+              <a:lvl2pPr eaLnBrk="0" fontAlgn="base" hangingPunct="0">
+                <a:spcBef>
+                  <a:spcPct val="30000"/>
+                </a:spcBef>
+                <a:spcAft>
+                  <a:spcPct val="0"/>
+                </a:spcAft>
+                <a:defRPr sz="1200">
+                  <a:solidFill>
+                    <a:schemeClr val="tx1"/>
+                  </a:solidFill>
+                  <a:latin typeface="Arial" panose="020B0604020202020204" pitchFamily="34" charset="0"/>
+                </a:defRPr>
+              </a:lvl2pPr>
+              <a:lvl3pPr eaLnBrk="0" fontAlgn="base" hangingPunct="0">
+                <a:spcBef>
+                  <a:spcPct val="30000"/>
+                </a:spcBef>
+                <a:spcAft>
+                  <a:spcPct val="0"/>
+                </a:spcAft>
+                <a:defRPr sz="1200">
+                  <a:solidFill>
+                    <a:schemeClr val="tx1"/>
+                  </a:solidFill>
+                  <a:latin typeface="Arial" panose="020B0604020202020204" pitchFamily="34" charset="0"/>
+                </a:defRPr>
+              </a:lvl3pPr>
+              <a:lvl4pPr eaLnBrk="0" fontAlgn="base" hangingPunct="0">
+                <a:spcBef>
+                  <a:spcPct val="30000"/>
+                </a:spcBef>
+                <a:spcAft>
+                  <a:spcPct val="0"/>
+                </a:spcAft>
+                <a:defRPr sz="1200">
+                  <a:solidFill>
+                    <a:schemeClr val="tx1"/>
+                  </a:solidFill>
+                  <a:latin typeface="Arial" panose="020B0604020202020204" pitchFamily="34" charset="0"/>
+                </a:defRPr>
+              </a:lvl4pPr>
+              <a:lvl5pPr eaLnBrk="0" fontAlgn="base" hangingPunct="0">
+                <a:spcBef>
+                  <a:spcPct val="30000"/>
+                </a:spcBef>
+                <a:spcAft>
+                  <a:spcPct val="0"/>
+                </a:spcAft>
+                <a:defRPr sz="1200">
+                  <a:solidFill>
+                    <a:schemeClr val="tx1"/>
+                  </a:solidFill>
+                  <a:latin typeface="Arial" panose="020B0604020202020204" pitchFamily="34" charset="0"/>
+                </a:defRPr>
+              </a:lvl5pPr>
+              <a:lvl6pPr eaLnBrk="0" fontAlgn="base" hangingPunct="0">
+                <a:spcBef>
+                  <a:spcPct val="30000"/>
+                </a:spcBef>
+                <a:spcAft>
+                  <a:spcPct val="0"/>
+                </a:spcAft>
+                <a:defRPr sz="1200">
+                  <a:solidFill>
+                    <a:schemeClr val="tx1"/>
+                  </a:solidFill>
+                  <a:latin typeface="Arial" panose="020B0604020202020204" pitchFamily="34" charset="0"/>
+                </a:defRPr>
+              </a:lvl6pPr>
+              <a:lvl7pPr eaLnBrk="0" fontAlgn="base" hangingPunct="0">
+                <a:spcBef>
+                  <a:spcPct val="30000"/>
+                </a:spcBef>
+                <a:spcAft>
+                  <a:spcPct val="0"/>
+                </a:spcAft>
+                <a:defRPr sz="1200">
+                  <a:solidFill>
+                    <a:schemeClr val="tx1"/>
+                  </a:solidFill>
+                  <a:latin typeface="Arial" panose="020B0604020202020204" pitchFamily="34" charset="0"/>
+                </a:defRPr>
+              </a:lvl7pPr>
+              <a:lvl8pPr eaLnBrk="0" fontAlgn="base" hangingPunct="0">
+                <a:spcBef>
+                  <a:spcPct val="30000"/>
+                </a:spcBef>
+                <a:spcAft>
+                  <a:spcPct val="0"/>
+                </a:spcAft>
+                <a:defRPr sz="1200">
+                  <a:solidFill>
+                    <a:schemeClr val="tx1"/>
+                  </a:solidFill>
+                  <a:latin typeface="Arial" panose="020B0604020202020204" pitchFamily="34" charset="0"/>
+                </a:defRPr>
+              </a:lvl8pPr>
+              <a:lvl9pPr eaLnBrk="0" fontAlgn="base" hangingPunct="0">
+                <a:spcBef>
+                  <a:spcPct val="30000"/>
+                </a:spcBef>
+                <a:spcAft>
+                  <a:spcPct val="0"/>
+                </a:spcAft>
+                <a:defRPr sz="1200">
+                  <a:solidFill>
+                    <a:schemeClr val="tx1"/>
+                  </a:solidFill>
+                  <a:latin typeface="Arial" panose="020B0604020202020204" pitchFamily="34" charset="0"/>
+                </a:defRPr>
+              </a:lvl9pPr>
+            </a:lstStyle>
+            <a:p>
+              <a:pPr marL="0" marR="0" lvl="0" indent="0" algn="l" defTabSz="914400" rtl="0" eaLnBrk="0" fontAlgn="base" latinLnBrk="0" hangingPunct="0">
+                <a:lnSpc>
+                  <a:spcPct val="100000"/>
+                </a:lnSpc>
+                <a:spcBef>
+                  <a:spcPct val="30000"/>
+                </a:spcBef>
+                <a:spcAft>
+                  <a:spcPct val="0"/>
+                </a:spcAft>
+                <a:buClrTx/>
+                <a:buSzTx/>
+                <a:buFontTx/>
+                <a:buNone/>
+                <a:tabLst/>
+              </a:pPr>
+              <a:r>
+                <a:rPr kumimoji="0" lang="fr-FR" altLang="fr-FR" sz="1200" b="0" i="0" u="none" strike="noStrike" cap="none" normalizeH="0" baseline="0" dirty="0" err="1">
+                  <a:ln>
+                    <a:noFill/>
+                  </a:ln>
+                  <a:solidFill>
+                    <a:schemeClr val="tx1"/>
+                  </a:solidFill>
+                  <a:effectLst/>
+                  <a:latin typeface="Arial" panose="020B0604020202020204" pitchFamily="34" charset="0"/>
+                </a:rPr>
+                <a:t>Source</a:t>
+              </a:r>
+              <a:r>
+                <a:rPr kumimoji="0" lang="fr-FR" altLang="fr-FR" sz="1800" b="0" i="0" u="none" strike="noStrike" cap="none" normalizeH="0" baseline="0" dirty="0" err="1">
+                  <a:ln>
+                    <a:noFill/>
+                  </a:ln>
+                  <a:solidFill>
+                    <a:schemeClr val="tx1"/>
+                  </a:solidFill>
+                  <a:effectLst/>
+                  <a:latin typeface="Arial" panose="020B0604020202020204" pitchFamily="34" charset="0"/>
+                </a:rPr>
+                <a:t>.</a:t>
+              </a:r>
+              <a:r>
+                <a:rPr kumimoji="0" lang="fr-FR" altLang="fr-FR" sz="1200" b="0" i="0" u="none" strike="noStrike" cap="none" normalizeH="0" baseline="0" dirty="0" err="1">
+                  <a:ln>
+                    <a:noFill/>
+                  </a:ln>
+                  <a:solidFill>
+                    <a:schemeClr val="tx1"/>
+                  </a:solidFill>
+                  <a:effectLst/>
+                  <a:latin typeface="Arial" panose="020B0604020202020204" pitchFamily="34" charset="0"/>
+                </a:rPr>
+                <a:t>Object</a:t>
+              </a:r>
+              <a:r>
+                <a:rPr kumimoji="0" lang="fr-FR" altLang="fr-FR" sz="1000" b="0" i="0" u="none" strike="noStrike" cap="none" normalizeH="0" baseline="0" dirty="0">
+                  <a:ln>
+                    <a:noFill/>
+                  </a:ln>
+                  <a:solidFill>
+                    <a:schemeClr val="tx1"/>
+                  </a:solidFill>
+                  <a:effectLst/>
+                  <a:latin typeface="Arial Unicode MS"/>
+                </a:rPr>
+                <a:t>()</a:t>
+              </a:r>
+            </a:p>
+            <a:p>
+              <a:pPr marL="0" marR="0" lvl="0" indent="0" algn="l" defTabSz="914400" rtl="0" eaLnBrk="0" fontAlgn="base" latinLnBrk="0" hangingPunct="0">
+                <a:lnSpc>
+                  <a:spcPct val="100000"/>
+                </a:lnSpc>
+                <a:spcBef>
+                  <a:spcPct val="30000"/>
+                </a:spcBef>
+                <a:spcAft>
+                  <a:spcPct val="0"/>
+                </a:spcAft>
+                <a:buClrTx/>
+                <a:buSzTx/>
+                <a:buFontTx/>
+                <a:buNone/>
+                <a:tabLst/>
+              </a:pPr>
+              <a:r>
+                <a:rPr kumimoji="0" lang="fr-FR" altLang="fr-FR" sz="1100" b="0" i="0" u="none" strike="noStrike" cap="none" normalizeH="0" baseline="0" dirty="0" err="1">
+                  <a:ln>
+                    <a:noFill/>
+                  </a:ln>
+                  <a:solidFill>
+                    <a:schemeClr val="tx1"/>
+                  </a:solidFill>
+                  <a:effectLst/>
+                </a:rPr>
+                <a:t>fluid</a:t>
+              </a:r>
+              <a:r>
+                <a:rPr kumimoji="0" lang="fr-FR" altLang="fr-FR" sz="1100" b="0" i="0" u="none" strike="noStrike" cap="none" normalizeH="0" baseline="0" dirty="0">
+                  <a:ln>
+                    <a:noFill/>
+                  </a:ln>
+                  <a:solidFill>
+                    <a:schemeClr val="tx1"/>
+                  </a:solidFill>
+                  <a:effectLst/>
+                </a:rPr>
+                <a:t> = "water"</a:t>
+              </a:r>
+            </a:p>
+            <a:p>
+              <a:pPr marL="0" marR="0" lvl="0" indent="0" algn="l" defTabSz="914400" rtl="0" eaLnBrk="0" fontAlgn="base" latinLnBrk="0" hangingPunct="0">
+                <a:lnSpc>
+                  <a:spcPct val="100000"/>
+                </a:lnSpc>
+                <a:spcBef>
+                  <a:spcPct val="30000"/>
+                </a:spcBef>
+                <a:spcAft>
+                  <a:spcPct val="0"/>
+                </a:spcAft>
+                <a:buClrTx/>
+                <a:buSzTx/>
+                <a:buFontTx/>
+                <a:buNone/>
+                <a:tabLst/>
+              </a:pPr>
+              <a:r>
+                <a:rPr kumimoji="0" lang="fr-FR" altLang="fr-FR" sz="1100" b="0" i="0" u="none" strike="noStrike" cap="none" normalizeH="0" baseline="0" dirty="0" err="1">
+                  <a:ln>
+                    <a:noFill/>
+                  </a:ln>
+                  <a:solidFill>
+                    <a:schemeClr val="tx1"/>
+                  </a:solidFill>
+                  <a:effectLst/>
+                </a:rPr>
+                <a:t>Ti_degC</a:t>
+              </a:r>
+              <a:r>
+                <a:rPr kumimoji="0" lang="fr-FR" altLang="fr-FR" sz="1100" b="0" i="0" u="none" strike="noStrike" cap="none" normalizeH="0" baseline="0" dirty="0">
+                  <a:ln>
+                    <a:noFill/>
+                  </a:ln>
+                  <a:solidFill>
+                    <a:schemeClr val="tx1"/>
+                  </a:solidFill>
+                  <a:effectLst/>
+                </a:rPr>
+                <a:t> = 25</a:t>
+              </a:r>
+            </a:p>
+            <a:p>
+              <a:pPr marL="0" marR="0" lvl="0" indent="0" algn="l" defTabSz="914400" rtl="0" eaLnBrk="0" fontAlgn="base" latinLnBrk="0" hangingPunct="0">
+                <a:lnSpc>
+                  <a:spcPct val="100000"/>
+                </a:lnSpc>
+                <a:spcBef>
+                  <a:spcPct val="30000"/>
+                </a:spcBef>
+                <a:spcAft>
+                  <a:spcPct val="0"/>
+                </a:spcAft>
+                <a:buClrTx/>
+                <a:buSzTx/>
+                <a:buFontTx/>
+                <a:buNone/>
+                <a:tabLst/>
+              </a:pPr>
+              <a:r>
+                <a:rPr kumimoji="0" lang="fr-FR" altLang="fr-FR" sz="1100" b="0" i="0" u="none" strike="noStrike" cap="none" normalizeH="0" baseline="0" dirty="0" err="1">
+                  <a:ln>
+                    <a:noFill/>
+                  </a:ln>
+                  <a:solidFill>
+                    <a:schemeClr val="tx1"/>
+                  </a:solidFill>
+                  <a:effectLst/>
+                </a:rPr>
+                <a:t>Pi_bar</a:t>
+              </a:r>
+              <a:r>
+                <a:rPr kumimoji="0" lang="fr-FR" altLang="fr-FR" sz="1100" b="0" i="0" u="none" strike="noStrike" cap="none" normalizeH="0" baseline="0" dirty="0">
+                  <a:ln>
+                    <a:noFill/>
+                  </a:ln>
+                  <a:solidFill>
+                    <a:schemeClr val="tx1"/>
+                  </a:solidFill>
+                  <a:effectLst/>
+                </a:rPr>
+                <a:t> = 2</a:t>
+              </a:r>
+            </a:p>
+            <a:p>
+              <a:pPr marL="0" marR="0" lvl="0" indent="0" algn="l" defTabSz="914400" rtl="0" eaLnBrk="0" fontAlgn="base" latinLnBrk="0" hangingPunct="0">
+                <a:lnSpc>
+                  <a:spcPct val="100000"/>
+                </a:lnSpc>
+                <a:spcBef>
+                  <a:spcPct val="30000"/>
+                </a:spcBef>
+                <a:spcAft>
+                  <a:spcPct val="0"/>
+                </a:spcAft>
+                <a:buClrTx/>
+                <a:buSzTx/>
+                <a:buFontTx/>
+                <a:buNone/>
+                <a:tabLst/>
+              </a:pPr>
+              <a:r>
+                <a:rPr kumimoji="0" lang="fr-FR" altLang="fr-FR" sz="1100" b="0" i="0" u="none" strike="noStrike" cap="none" normalizeH="0" baseline="0" dirty="0">
+                  <a:ln>
+                    <a:noFill/>
+                  </a:ln>
+                  <a:solidFill>
+                    <a:schemeClr val="tx1"/>
+                  </a:solidFill>
+                  <a:effectLst/>
+                </a:rPr>
+                <a:t>F_m3h = 8 </a:t>
+              </a:r>
+              <a:endParaRPr kumimoji="0" lang="fr-FR" altLang="fr-FR" sz="2000" b="0" i="0" u="none" strike="noStrike" cap="none" normalizeH="0" baseline="0" dirty="0">
+                <a:ln>
+                  <a:noFill/>
+                </a:ln>
+                <a:solidFill>
+                  <a:schemeClr val="tx1"/>
+                </a:solidFill>
+                <a:effectLst/>
+                <a:latin typeface="Arial" panose="020B0604020202020204" pitchFamily="34" charset="0"/>
+              </a:endParaRPr>
+            </a:p>
+          </p:txBody>
+        </p:sp>
+        <p:sp>
+          <p:nvSpPr>
+            <p:cNvPr id="49" name="Rectangle 2">
+              <a:extLst>
+                <a:ext uri="{FF2B5EF4-FFF2-40B4-BE49-F238E27FC236}">
+                  <a16:creationId xmlns:a16="http://schemas.microsoft.com/office/drawing/2014/main" id="{88F88FFF-EF74-CC9B-7F60-C92F622D0A82}"/>
+                </a:ext>
+              </a:extLst>
+            </p:cNvPr>
+            <p:cNvSpPr>
+              <a:spLocks noChangeArrowheads="1"/>
+            </p:cNvSpPr>
+            <p:nvPr/>
+          </p:nvSpPr>
+          <p:spPr bwMode="auto">
+            <a:xfrm>
+              <a:off x="4925542" y="2914243"/>
+              <a:ext cx="1857829" cy="1029513"/>
+            </a:xfrm>
+            <a:prstGeom prst="rect">
+              <a:avLst/>
+            </a:prstGeom>
+            <a:noFill/>
+            <a:ln>
+              <a:noFill/>
+            </a:ln>
+            <a:effectLst/>
+            <a:extLst>
+              <a:ext uri="{909E8E84-426E-40DD-AFC4-6F175D3DCCD1}">
+                <a14:hiddenFill xmlns:a14="http://schemas.microsoft.com/office/drawing/2010/main">
+                  <a:solidFill>
+                    <a:schemeClr val="accent1"/>
+                  </a:solidFill>
+                </a14:hiddenFill>
+              </a:ext>
+              <a:ext uri="{91240B29-F687-4F45-9708-019B960494DF}">
+                <a14:hiddenLine xmlns:a14="http://schemas.microsoft.com/office/drawing/2010/main" w="9525">
+                  <a:solidFill>
+                    <a:schemeClr val="tx1"/>
+                  </a:solidFill>
+                  <a:miter lim="800000"/>
+                  <a:headEnd/>
+                  <a:tailEnd/>
+                </a14:hiddenLine>
+              </a:ext>
+              <a:ext uri="{AF507438-7753-43E0-B8FC-AC1667EBCBE1}">
+                <a14:hiddenEffects xmlns:a14="http://schemas.microsoft.com/office/drawing/2010/main">
+                  <a:effectLst>
+                    <a:outerShdw dist="35921" dir="2700000" algn="ctr" rotWithShape="0">
+                      <a:schemeClr val="bg2"/>
+                    </a:outerShdw>
+                  </a:effectLst>
+                </a14:hiddenEffects>
+              </a:ext>
+            </a:extLst>
+          </p:spPr>
+          <p:txBody>
+            <a:bodyPr vert="horz" wrap="square" lIns="91440" tIns="45720" rIns="91440" bIns="45720" numCol="1" anchor="ctr" anchorCtr="0" compatLnSpc="1">
+              <a:prstTxWarp prst="textNoShape">
+                <a:avLst/>
+              </a:prstTxWarp>
+              <a:spAutoFit/>
+            </a:bodyPr>
+            <a:lstStyle>
+              <a:lvl1pPr eaLnBrk="0" fontAlgn="base" hangingPunct="0">
+                <a:spcBef>
+                  <a:spcPct val="30000"/>
+                </a:spcBef>
+                <a:spcAft>
+                  <a:spcPct val="0"/>
+                </a:spcAft>
+                <a:defRPr sz="1200">
+                  <a:solidFill>
+                    <a:schemeClr val="tx1"/>
+                  </a:solidFill>
+                  <a:latin typeface="Arial" panose="020B0604020202020204" pitchFamily="34" charset="0"/>
+                </a:defRPr>
+              </a:lvl1pPr>
+              <a:lvl2pPr eaLnBrk="0" fontAlgn="base" hangingPunct="0">
+                <a:spcBef>
+                  <a:spcPct val="30000"/>
+                </a:spcBef>
+                <a:spcAft>
+                  <a:spcPct val="0"/>
+                </a:spcAft>
+                <a:defRPr sz="1200">
+                  <a:solidFill>
+                    <a:schemeClr val="tx1"/>
+                  </a:solidFill>
+                  <a:latin typeface="Arial" panose="020B0604020202020204" pitchFamily="34" charset="0"/>
+                </a:defRPr>
+              </a:lvl2pPr>
+              <a:lvl3pPr eaLnBrk="0" fontAlgn="base" hangingPunct="0">
+                <a:spcBef>
+                  <a:spcPct val="30000"/>
+                </a:spcBef>
+                <a:spcAft>
+                  <a:spcPct val="0"/>
+                </a:spcAft>
+                <a:defRPr sz="1200">
+                  <a:solidFill>
+                    <a:schemeClr val="tx1"/>
+                  </a:solidFill>
+                  <a:latin typeface="Arial" panose="020B0604020202020204" pitchFamily="34" charset="0"/>
+                </a:defRPr>
+              </a:lvl3pPr>
+              <a:lvl4pPr eaLnBrk="0" fontAlgn="base" hangingPunct="0">
+                <a:spcBef>
+                  <a:spcPct val="30000"/>
+                </a:spcBef>
+                <a:spcAft>
+                  <a:spcPct val="0"/>
+                </a:spcAft>
+                <a:defRPr sz="1200">
+                  <a:solidFill>
+                    <a:schemeClr val="tx1"/>
+                  </a:solidFill>
+                  <a:latin typeface="Arial" panose="020B0604020202020204" pitchFamily="34" charset="0"/>
+                </a:defRPr>
+              </a:lvl4pPr>
+              <a:lvl5pPr eaLnBrk="0" fontAlgn="base" hangingPunct="0">
+                <a:spcBef>
+                  <a:spcPct val="30000"/>
+                </a:spcBef>
+                <a:spcAft>
+                  <a:spcPct val="0"/>
+                </a:spcAft>
+                <a:defRPr sz="1200">
+                  <a:solidFill>
+                    <a:schemeClr val="tx1"/>
+                  </a:solidFill>
+                  <a:latin typeface="Arial" panose="020B0604020202020204" pitchFamily="34" charset="0"/>
+                </a:defRPr>
+              </a:lvl5pPr>
+              <a:lvl6pPr eaLnBrk="0" fontAlgn="base" hangingPunct="0">
+                <a:spcBef>
+                  <a:spcPct val="30000"/>
+                </a:spcBef>
+                <a:spcAft>
+                  <a:spcPct val="0"/>
+                </a:spcAft>
+                <a:defRPr sz="1200">
+                  <a:solidFill>
+                    <a:schemeClr val="tx1"/>
+                  </a:solidFill>
+                  <a:latin typeface="Arial" panose="020B0604020202020204" pitchFamily="34" charset="0"/>
+                </a:defRPr>
+              </a:lvl6pPr>
+              <a:lvl7pPr eaLnBrk="0" fontAlgn="base" hangingPunct="0">
+                <a:spcBef>
+                  <a:spcPct val="30000"/>
+                </a:spcBef>
+                <a:spcAft>
+                  <a:spcPct val="0"/>
+                </a:spcAft>
+                <a:defRPr sz="1200">
+                  <a:solidFill>
+                    <a:schemeClr val="tx1"/>
+                  </a:solidFill>
+                  <a:latin typeface="Arial" panose="020B0604020202020204" pitchFamily="34" charset="0"/>
+                </a:defRPr>
+              </a:lvl7pPr>
+              <a:lvl8pPr eaLnBrk="0" fontAlgn="base" hangingPunct="0">
+                <a:spcBef>
+                  <a:spcPct val="30000"/>
+                </a:spcBef>
+                <a:spcAft>
+                  <a:spcPct val="0"/>
+                </a:spcAft>
+                <a:defRPr sz="1200">
+                  <a:solidFill>
+                    <a:schemeClr val="tx1"/>
+                  </a:solidFill>
+                  <a:latin typeface="Arial" panose="020B0604020202020204" pitchFamily="34" charset="0"/>
+                </a:defRPr>
+              </a:lvl8pPr>
+              <a:lvl9pPr eaLnBrk="0" fontAlgn="base" hangingPunct="0">
+                <a:spcBef>
+                  <a:spcPct val="30000"/>
+                </a:spcBef>
+                <a:spcAft>
+                  <a:spcPct val="0"/>
+                </a:spcAft>
+                <a:defRPr sz="1200">
+                  <a:solidFill>
+                    <a:schemeClr val="tx1"/>
+                  </a:solidFill>
+                  <a:latin typeface="Arial" panose="020B0604020202020204" pitchFamily="34" charset="0"/>
+                </a:defRPr>
+              </a:lvl9pPr>
+            </a:lstStyle>
+            <a:p>
+              <a:pPr marL="0" marR="0" lvl="0" indent="0" algn="l" defTabSz="914400" rtl="0" eaLnBrk="0" fontAlgn="base" latinLnBrk="0" hangingPunct="0">
+                <a:lnSpc>
+                  <a:spcPct val="100000"/>
+                </a:lnSpc>
+                <a:spcBef>
+                  <a:spcPct val="30000"/>
+                </a:spcBef>
+                <a:spcAft>
+                  <a:spcPct val="0"/>
+                </a:spcAft>
+                <a:buClrTx/>
+                <a:buSzTx/>
+                <a:buFontTx/>
+                <a:buNone/>
+                <a:tabLst/>
+              </a:pPr>
+              <a:r>
+                <a:rPr kumimoji="0" lang="fr-FR" altLang="fr-FR" sz="1200" b="0" i="0" u="none" strike="noStrike" cap="none" normalizeH="0" baseline="0" dirty="0" err="1">
+                  <a:ln>
+                    <a:noFill/>
+                  </a:ln>
+                  <a:solidFill>
+                    <a:schemeClr val="tx1"/>
+                  </a:solidFill>
+                  <a:effectLst/>
+                  <a:latin typeface="Arial" panose="020B0604020202020204" pitchFamily="34" charset="0"/>
+                </a:rPr>
+                <a:t>StraightPipe</a:t>
+              </a:r>
+              <a:r>
+                <a:rPr kumimoji="0" lang="fr-FR" altLang="fr-FR" sz="1800" b="0" i="0" u="none" strike="noStrike" cap="none" normalizeH="0" baseline="0" dirty="0" err="1">
+                  <a:ln>
+                    <a:noFill/>
+                  </a:ln>
+                  <a:solidFill>
+                    <a:schemeClr val="tx1"/>
+                  </a:solidFill>
+                  <a:effectLst/>
+                  <a:latin typeface="Arial" panose="020B0604020202020204" pitchFamily="34" charset="0"/>
+                </a:rPr>
+                <a:t>.</a:t>
+              </a:r>
+              <a:r>
+                <a:rPr kumimoji="0" lang="fr-FR" altLang="fr-FR" sz="1200" b="0" i="0" u="none" strike="noStrike" cap="none" normalizeH="0" baseline="0" dirty="0" err="1">
+                  <a:ln>
+                    <a:noFill/>
+                  </a:ln>
+                  <a:solidFill>
+                    <a:schemeClr val="tx1"/>
+                  </a:solidFill>
+                  <a:effectLst/>
+                  <a:latin typeface="Arial" panose="020B0604020202020204" pitchFamily="34" charset="0"/>
+                </a:rPr>
+                <a:t>Object</a:t>
+              </a:r>
+              <a:r>
+                <a:rPr kumimoji="0" lang="fr-FR" altLang="fr-FR" sz="1000" b="0" i="0" u="none" strike="noStrike" cap="none" normalizeH="0" baseline="0" dirty="0">
+                  <a:ln>
+                    <a:noFill/>
+                  </a:ln>
+                  <a:solidFill>
+                    <a:schemeClr val="tx1"/>
+                  </a:solidFill>
+                  <a:effectLst/>
+                  <a:latin typeface="Arial Unicode MS"/>
+                </a:rPr>
+                <a:t>()</a:t>
+              </a:r>
+            </a:p>
+            <a:p>
+              <a:pPr marL="0" marR="0" lvl="0" indent="0" algn="l" defTabSz="914400" rtl="0" eaLnBrk="0" fontAlgn="base" latinLnBrk="0" hangingPunct="0">
+                <a:lnSpc>
+                  <a:spcPct val="100000"/>
+                </a:lnSpc>
+                <a:spcBef>
+                  <a:spcPct val="30000"/>
+                </a:spcBef>
+                <a:spcAft>
+                  <a:spcPct val="0"/>
+                </a:spcAft>
+                <a:buClrTx/>
+                <a:buSzTx/>
+                <a:buFontTx/>
+                <a:buNone/>
+                <a:tabLst/>
+              </a:pPr>
+              <a:r>
+                <a:rPr kumimoji="0" lang="en-US" altLang="fr-FR" sz="1100" b="0" i="0" u="none" strike="noStrike" cap="none" normalizeH="0" baseline="0" dirty="0" err="1">
+                  <a:ln>
+                    <a:noFill/>
+                  </a:ln>
+                  <a:solidFill>
+                    <a:schemeClr val="tx1"/>
+                  </a:solidFill>
+                  <a:effectLst/>
+                </a:rPr>
+                <a:t>d_hyd</a:t>
+              </a:r>
+              <a:r>
+                <a:rPr kumimoji="0" lang="en-US" altLang="fr-FR" sz="1100" b="0" i="0" u="none" strike="noStrike" cap="none" normalizeH="0" baseline="0" dirty="0">
+                  <a:ln>
+                    <a:noFill/>
+                  </a:ln>
+                  <a:solidFill>
+                    <a:schemeClr val="tx1"/>
+                  </a:solidFill>
+                  <a:effectLst/>
+                </a:rPr>
+                <a:t> = 0.050</a:t>
+              </a:r>
+            </a:p>
+            <a:p>
+              <a:pPr marL="0" marR="0" lvl="0" indent="0" algn="l" defTabSz="914400" rtl="0" eaLnBrk="0" fontAlgn="base" latinLnBrk="0" hangingPunct="0">
+                <a:lnSpc>
+                  <a:spcPct val="100000"/>
+                </a:lnSpc>
+                <a:spcBef>
+                  <a:spcPct val="30000"/>
+                </a:spcBef>
+                <a:spcAft>
+                  <a:spcPct val="0"/>
+                </a:spcAft>
+                <a:buClrTx/>
+                <a:buSzTx/>
+                <a:buFontTx/>
+                <a:buNone/>
+                <a:tabLst/>
+              </a:pPr>
+              <a:r>
+                <a:rPr kumimoji="0" lang="en-US" altLang="fr-FR" sz="1100" b="0" i="0" u="none" strike="noStrike" cap="none" normalizeH="0" baseline="0" dirty="0">
+                  <a:ln>
+                    <a:noFill/>
+                  </a:ln>
+                  <a:solidFill>
+                    <a:schemeClr val="tx1"/>
+                  </a:solidFill>
+                  <a:effectLst/>
+                </a:rPr>
+                <a:t>L = 500</a:t>
+              </a:r>
+            </a:p>
+            <a:p>
+              <a:pPr marL="0" marR="0" lvl="0" indent="0" algn="l" defTabSz="914400" rtl="0" eaLnBrk="0" fontAlgn="base" latinLnBrk="0" hangingPunct="0">
+                <a:lnSpc>
+                  <a:spcPct val="100000"/>
+                </a:lnSpc>
+                <a:spcBef>
+                  <a:spcPct val="30000"/>
+                </a:spcBef>
+                <a:spcAft>
+                  <a:spcPct val="0"/>
+                </a:spcAft>
+                <a:buClrTx/>
+                <a:buSzTx/>
+                <a:buFontTx/>
+                <a:buNone/>
+                <a:tabLst/>
+              </a:pPr>
+              <a:r>
+                <a:rPr kumimoji="0" lang="en-US" altLang="fr-FR" sz="1100" b="0" i="0" u="none" strike="noStrike" cap="none" normalizeH="0" baseline="0" dirty="0">
+                  <a:ln>
+                    <a:noFill/>
+                  </a:ln>
+                  <a:solidFill>
+                    <a:schemeClr val="tx1"/>
+                  </a:solidFill>
+                  <a:effectLst/>
+                </a:rPr>
+                <a:t>K = 0.00002</a:t>
+              </a:r>
+              <a:r>
+                <a:rPr kumimoji="0" lang="fr-FR" altLang="fr-FR" sz="1100" b="0" i="0" u="none" strike="noStrike" cap="none" normalizeH="0" baseline="0" dirty="0">
+                  <a:ln>
+                    <a:noFill/>
+                  </a:ln>
+                  <a:solidFill>
+                    <a:schemeClr val="tx1"/>
+                  </a:solidFill>
+                  <a:effectLst/>
+                </a:rPr>
+                <a:t> </a:t>
+              </a:r>
+              <a:endParaRPr kumimoji="0" lang="fr-FR" altLang="fr-FR" sz="1200" b="0" i="0" u="none" strike="noStrike" cap="none" normalizeH="0" baseline="0" dirty="0">
+                <a:ln>
+                  <a:noFill/>
+                </a:ln>
+                <a:solidFill>
+                  <a:schemeClr val="tx1"/>
+                </a:solidFill>
+                <a:effectLst/>
+                <a:latin typeface="Arial" panose="020B0604020202020204" pitchFamily="34" charset="0"/>
+              </a:endParaRPr>
+            </a:p>
+          </p:txBody>
+        </p:sp>
+        <p:sp>
+          <p:nvSpPr>
+            <p:cNvPr id="50" name="Rectangle 3">
+              <a:extLst>
+                <a:ext uri="{FF2B5EF4-FFF2-40B4-BE49-F238E27FC236}">
+                  <a16:creationId xmlns:a16="http://schemas.microsoft.com/office/drawing/2014/main" id="{F539AE3F-946E-E166-D863-CFB62858787C}"/>
+                </a:ext>
+              </a:extLst>
+            </p:cNvPr>
+            <p:cNvSpPr>
+              <a:spLocks noChangeArrowheads="1"/>
+            </p:cNvSpPr>
+            <p:nvPr/>
+          </p:nvSpPr>
+          <p:spPr bwMode="auto">
+            <a:xfrm>
+              <a:off x="9863458" y="3049649"/>
+              <a:ext cx="1222047" cy="369332"/>
+            </a:xfrm>
+            <a:prstGeom prst="rect">
+              <a:avLst/>
+            </a:prstGeom>
+            <a:noFill/>
+            <a:ln>
+              <a:noFill/>
+            </a:ln>
+            <a:effectLst/>
+            <a:extLst>
+              <a:ext uri="{909E8E84-426E-40DD-AFC4-6F175D3DCCD1}">
+                <a14:hiddenFill xmlns:a14="http://schemas.microsoft.com/office/drawing/2010/main">
+                  <a:solidFill>
+                    <a:schemeClr val="accent1"/>
+                  </a:solidFill>
+                </a14:hiddenFill>
+              </a:ext>
+              <a:ext uri="{91240B29-F687-4F45-9708-019B960494DF}">
+                <a14:hiddenLine xmlns:a14="http://schemas.microsoft.com/office/drawing/2010/main" w="9525">
+                  <a:solidFill>
+                    <a:schemeClr val="tx1"/>
+                  </a:solidFill>
+                  <a:miter lim="800000"/>
+                  <a:headEnd/>
+                  <a:tailEnd/>
+                </a14:hiddenLine>
+              </a:ext>
+              <a:ext uri="{AF507438-7753-43E0-B8FC-AC1667EBCBE1}">
+                <a14:hiddenEffects xmlns:a14="http://schemas.microsoft.com/office/drawing/2010/main">
+                  <a:effectLst>
+                    <a:outerShdw dist="35921" dir="2700000" algn="ctr" rotWithShape="0">
+                      <a:schemeClr val="bg2"/>
+                    </a:outerShdw>
+                  </a:effectLst>
+                </a14:hiddenEffects>
+              </a:ext>
+            </a:extLst>
+          </p:spPr>
+          <p:txBody>
+            <a:bodyPr vert="horz" wrap="square" lIns="91440" tIns="45720" rIns="91440" bIns="45720" numCol="1" anchor="ctr" anchorCtr="0" compatLnSpc="1">
+              <a:prstTxWarp prst="textNoShape">
+                <a:avLst/>
+              </a:prstTxWarp>
+              <a:spAutoFit/>
+            </a:bodyPr>
+            <a:lstStyle>
+              <a:lvl1pPr eaLnBrk="0" fontAlgn="base" hangingPunct="0">
+                <a:spcBef>
+                  <a:spcPct val="30000"/>
+                </a:spcBef>
+                <a:spcAft>
+                  <a:spcPct val="0"/>
+                </a:spcAft>
+                <a:defRPr sz="1200">
+                  <a:solidFill>
+                    <a:schemeClr val="tx1"/>
+                  </a:solidFill>
+                  <a:latin typeface="Arial" panose="020B0604020202020204" pitchFamily="34" charset="0"/>
+                </a:defRPr>
+              </a:lvl1pPr>
+              <a:lvl2pPr eaLnBrk="0" fontAlgn="base" hangingPunct="0">
+                <a:spcBef>
+                  <a:spcPct val="30000"/>
+                </a:spcBef>
+                <a:spcAft>
+                  <a:spcPct val="0"/>
+                </a:spcAft>
+                <a:defRPr sz="1200">
+                  <a:solidFill>
+                    <a:schemeClr val="tx1"/>
+                  </a:solidFill>
+                  <a:latin typeface="Arial" panose="020B0604020202020204" pitchFamily="34" charset="0"/>
+                </a:defRPr>
+              </a:lvl2pPr>
+              <a:lvl3pPr eaLnBrk="0" fontAlgn="base" hangingPunct="0">
+                <a:spcBef>
+                  <a:spcPct val="30000"/>
+                </a:spcBef>
+                <a:spcAft>
+                  <a:spcPct val="0"/>
+                </a:spcAft>
+                <a:defRPr sz="1200">
+                  <a:solidFill>
+                    <a:schemeClr val="tx1"/>
+                  </a:solidFill>
+                  <a:latin typeface="Arial" panose="020B0604020202020204" pitchFamily="34" charset="0"/>
+                </a:defRPr>
+              </a:lvl3pPr>
+              <a:lvl4pPr eaLnBrk="0" fontAlgn="base" hangingPunct="0">
+                <a:spcBef>
+                  <a:spcPct val="30000"/>
+                </a:spcBef>
+                <a:spcAft>
+                  <a:spcPct val="0"/>
+                </a:spcAft>
+                <a:defRPr sz="1200">
+                  <a:solidFill>
+                    <a:schemeClr val="tx1"/>
+                  </a:solidFill>
+                  <a:latin typeface="Arial" panose="020B0604020202020204" pitchFamily="34" charset="0"/>
+                </a:defRPr>
+              </a:lvl4pPr>
+              <a:lvl5pPr eaLnBrk="0" fontAlgn="base" hangingPunct="0">
+                <a:spcBef>
+                  <a:spcPct val="30000"/>
+                </a:spcBef>
+                <a:spcAft>
+                  <a:spcPct val="0"/>
+                </a:spcAft>
+                <a:defRPr sz="1200">
+                  <a:solidFill>
+                    <a:schemeClr val="tx1"/>
+                  </a:solidFill>
+                  <a:latin typeface="Arial" panose="020B0604020202020204" pitchFamily="34" charset="0"/>
+                </a:defRPr>
+              </a:lvl5pPr>
+              <a:lvl6pPr eaLnBrk="0" fontAlgn="base" hangingPunct="0">
+                <a:spcBef>
+                  <a:spcPct val="30000"/>
+                </a:spcBef>
+                <a:spcAft>
+                  <a:spcPct val="0"/>
+                </a:spcAft>
+                <a:defRPr sz="1200">
+                  <a:solidFill>
+                    <a:schemeClr val="tx1"/>
+                  </a:solidFill>
+                  <a:latin typeface="Arial" panose="020B0604020202020204" pitchFamily="34" charset="0"/>
+                </a:defRPr>
+              </a:lvl6pPr>
+              <a:lvl7pPr eaLnBrk="0" fontAlgn="base" hangingPunct="0">
+                <a:spcBef>
+                  <a:spcPct val="30000"/>
+                </a:spcBef>
+                <a:spcAft>
+                  <a:spcPct val="0"/>
+                </a:spcAft>
+                <a:defRPr sz="1200">
+                  <a:solidFill>
+                    <a:schemeClr val="tx1"/>
+                  </a:solidFill>
+                  <a:latin typeface="Arial" panose="020B0604020202020204" pitchFamily="34" charset="0"/>
+                </a:defRPr>
+              </a:lvl7pPr>
+              <a:lvl8pPr eaLnBrk="0" fontAlgn="base" hangingPunct="0">
+                <a:spcBef>
+                  <a:spcPct val="30000"/>
+                </a:spcBef>
+                <a:spcAft>
+                  <a:spcPct val="0"/>
+                </a:spcAft>
+                <a:defRPr sz="1200">
+                  <a:solidFill>
+                    <a:schemeClr val="tx1"/>
+                  </a:solidFill>
+                  <a:latin typeface="Arial" panose="020B0604020202020204" pitchFamily="34" charset="0"/>
+                </a:defRPr>
+              </a:lvl8pPr>
+              <a:lvl9pPr eaLnBrk="0" fontAlgn="base" hangingPunct="0">
+                <a:spcBef>
+                  <a:spcPct val="30000"/>
+                </a:spcBef>
+                <a:spcAft>
+                  <a:spcPct val="0"/>
+                </a:spcAft>
+                <a:defRPr sz="1200">
+                  <a:solidFill>
+                    <a:schemeClr val="tx1"/>
+                  </a:solidFill>
+                  <a:latin typeface="Arial" panose="020B0604020202020204" pitchFamily="34" charset="0"/>
+                </a:defRPr>
+              </a:lvl9pPr>
+            </a:lstStyle>
+            <a:p>
+              <a:pPr marL="0" marR="0" lvl="0" indent="0" algn="l" defTabSz="914400" rtl="0" eaLnBrk="0" fontAlgn="base" latinLnBrk="0" hangingPunct="0">
+                <a:lnSpc>
+                  <a:spcPct val="100000"/>
+                </a:lnSpc>
+                <a:spcBef>
+                  <a:spcPct val="30000"/>
+                </a:spcBef>
+                <a:spcAft>
+                  <a:spcPct val="0"/>
+                </a:spcAft>
+                <a:buClrTx/>
+                <a:buSzTx/>
+                <a:buFontTx/>
+                <a:buNone/>
+                <a:tabLst/>
+              </a:pPr>
+              <a:r>
+                <a:rPr kumimoji="0" lang="fr-FR" altLang="fr-FR" sz="1200" b="0" i="0" u="none" strike="noStrike" cap="none" normalizeH="0" baseline="0" dirty="0" err="1">
+                  <a:ln>
+                    <a:noFill/>
+                  </a:ln>
+                  <a:solidFill>
+                    <a:schemeClr val="tx1"/>
+                  </a:solidFill>
+                  <a:effectLst/>
+                  <a:latin typeface="Arial" panose="020B0604020202020204" pitchFamily="34" charset="0"/>
+                </a:rPr>
+                <a:t>Sink</a:t>
+              </a:r>
+              <a:r>
+                <a:rPr kumimoji="0" lang="fr-FR" altLang="fr-FR" sz="1800" b="0" i="0" u="none" strike="noStrike" cap="none" normalizeH="0" baseline="0" dirty="0" err="1">
+                  <a:ln>
+                    <a:noFill/>
+                  </a:ln>
+                  <a:solidFill>
+                    <a:schemeClr val="tx1"/>
+                  </a:solidFill>
+                  <a:effectLst/>
+                  <a:latin typeface="Arial" panose="020B0604020202020204" pitchFamily="34" charset="0"/>
+                </a:rPr>
+                <a:t>.</a:t>
+              </a:r>
+              <a:r>
+                <a:rPr kumimoji="0" lang="fr-FR" altLang="fr-FR" sz="1200" b="0" i="0" u="none" strike="noStrike" cap="none" normalizeH="0" baseline="0" dirty="0" err="1">
+                  <a:ln>
+                    <a:noFill/>
+                  </a:ln>
+                  <a:solidFill>
+                    <a:schemeClr val="tx1"/>
+                  </a:solidFill>
+                  <a:effectLst/>
+                  <a:latin typeface="Arial" panose="020B0604020202020204" pitchFamily="34" charset="0"/>
+                </a:rPr>
+                <a:t>Object</a:t>
+              </a:r>
+              <a:r>
+                <a:rPr kumimoji="0" lang="fr-FR" altLang="fr-FR" sz="1000" b="0" i="0" u="none" strike="noStrike" cap="none" normalizeH="0" baseline="0" dirty="0">
+                  <a:ln>
+                    <a:noFill/>
+                  </a:ln>
+                  <a:solidFill>
+                    <a:schemeClr val="tx1"/>
+                  </a:solidFill>
+                  <a:effectLst/>
+                  <a:latin typeface="Arial Unicode MS"/>
+                </a:rPr>
+                <a:t>()</a:t>
+              </a:r>
+              <a:r>
+                <a:rPr kumimoji="0" lang="fr-FR" altLang="fr-FR" sz="800" b="0" i="0" u="none" strike="noStrike" cap="none" normalizeH="0" baseline="0" dirty="0">
+                  <a:ln>
+                    <a:noFill/>
+                  </a:ln>
+                  <a:solidFill>
+                    <a:schemeClr val="tx1"/>
+                  </a:solidFill>
+                  <a:effectLst/>
+                </a:rPr>
+                <a:t> </a:t>
+              </a:r>
+              <a:endParaRPr kumimoji="0" lang="fr-FR" altLang="fr-FR" sz="1200" b="0" i="0" u="none" strike="noStrike" cap="none" normalizeH="0" baseline="0" dirty="0">
+                <a:ln>
+                  <a:noFill/>
+                </a:ln>
+                <a:solidFill>
+                  <a:schemeClr val="tx1"/>
+                </a:solidFill>
+                <a:effectLst/>
+                <a:latin typeface="Arial" panose="020B0604020202020204" pitchFamily="34" charset="0"/>
+              </a:endParaRPr>
+            </a:p>
+          </p:txBody>
+        </p:sp>
+        <p:sp>
+          <p:nvSpPr>
+            <p:cNvPr id="51" name="Rectangle 4">
+              <a:extLst>
+                <a:ext uri="{FF2B5EF4-FFF2-40B4-BE49-F238E27FC236}">
+                  <a16:creationId xmlns:a16="http://schemas.microsoft.com/office/drawing/2014/main" id="{8AC4A822-C449-8A12-6695-0BD634B26978}"/>
+                </a:ext>
+              </a:extLst>
+            </p:cNvPr>
+            <p:cNvSpPr>
+              <a:spLocks noChangeArrowheads="1"/>
+            </p:cNvSpPr>
+            <p:nvPr/>
+          </p:nvSpPr>
+          <p:spPr bwMode="auto">
+            <a:xfrm>
+              <a:off x="8585826" y="3280482"/>
+              <a:ext cx="1153532" cy="276999"/>
+            </a:xfrm>
+            <a:prstGeom prst="rect">
+              <a:avLst/>
+            </a:prstGeom>
+            <a:noFill/>
+            <a:ln>
+              <a:noFill/>
+            </a:ln>
+            <a:effectLst/>
+            <a:extLst>
+              <a:ext uri="{909E8E84-426E-40DD-AFC4-6F175D3DCCD1}">
+                <a14:hiddenFill xmlns:a14="http://schemas.microsoft.com/office/drawing/2010/main">
+                  <a:solidFill>
+                    <a:schemeClr val="accent1"/>
+                  </a:solidFill>
+                </a14:hiddenFill>
+              </a:ext>
+              <a:ext uri="{91240B29-F687-4F45-9708-019B960494DF}">
+                <a14:hiddenLine xmlns:a14="http://schemas.microsoft.com/office/drawing/2010/main" w="9525">
+                  <a:solidFill>
+                    <a:schemeClr val="tx1"/>
+                  </a:solidFill>
+                  <a:miter lim="800000"/>
+                  <a:headEnd/>
+                  <a:tailEnd/>
+                </a14:hiddenLine>
+              </a:ext>
+              <a:ext uri="{AF507438-7753-43E0-B8FC-AC1667EBCBE1}">
+                <a14:hiddenEffects xmlns:a14="http://schemas.microsoft.com/office/drawing/2010/main">
+                  <a:effectLst>
+                    <a:outerShdw dist="35921" dir="2700000" algn="ctr" rotWithShape="0">
+                      <a:schemeClr val="bg2"/>
+                    </a:outerShdw>
+                  </a:effectLst>
+                </a14:hiddenEffects>
+              </a:ext>
+            </a:extLst>
+          </p:spPr>
+          <p:txBody>
+            <a:bodyPr vert="horz" wrap="square" lIns="91440" tIns="45720" rIns="91440" bIns="45720" numCol="1" anchor="ctr" anchorCtr="0" compatLnSpc="1">
+              <a:prstTxWarp prst="textNoShape">
+                <a:avLst/>
+              </a:prstTxWarp>
+              <a:spAutoFit/>
+            </a:bodyPr>
+            <a:lstStyle>
+              <a:lvl1pPr eaLnBrk="0" fontAlgn="base" hangingPunct="0">
+                <a:spcBef>
+                  <a:spcPct val="30000"/>
+                </a:spcBef>
+                <a:spcAft>
+                  <a:spcPct val="0"/>
+                </a:spcAft>
+                <a:defRPr sz="1200">
+                  <a:solidFill>
+                    <a:schemeClr val="tx1"/>
+                  </a:solidFill>
+                  <a:latin typeface="Arial" panose="020B0604020202020204" pitchFamily="34" charset="0"/>
+                </a:defRPr>
+              </a:lvl1pPr>
+              <a:lvl2pPr eaLnBrk="0" fontAlgn="base" hangingPunct="0">
+                <a:spcBef>
+                  <a:spcPct val="30000"/>
+                </a:spcBef>
+                <a:spcAft>
+                  <a:spcPct val="0"/>
+                </a:spcAft>
+                <a:defRPr sz="1200">
+                  <a:solidFill>
+                    <a:schemeClr val="tx1"/>
+                  </a:solidFill>
+                  <a:latin typeface="Arial" panose="020B0604020202020204" pitchFamily="34" charset="0"/>
+                </a:defRPr>
+              </a:lvl2pPr>
+              <a:lvl3pPr eaLnBrk="0" fontAlgn="base" hangingPunct="0">
+                <a:spcBef>
+                  <a:spcPct val="30000"/>
+                </a:spcBef>
+                <a:spcAft>
+                  <a:spcPct val="0"/>
+                </a:spcAft>
+                <a:defRPr sz="1200">
+                  <a:solidFill>
+                    <a:schemeClr val="tx1"/>
+                  </a:solidFill>
+                  <a:latin typeface="Arial" panose="020B0604020202020204" pitchFamily="34" charset="0"/>
+                </a:defRPr>
+              </a:lvl3pPr>
+              <a:lvl4pPr eaLnBrk="0" fontAlgn="base" hangingPunct="0">
+                <a:spcBef>
+                  <a:spcPct val="30000"/>
+                </a:spcBef>
+                <a:spcAft>
+                  <a:spcPct val="0"/>
+                </a:spcAft>
+                <a:defRPr sz="1200">
+                  <a:solidFill>
+                    <a:schemeClr val="tx1"/>
+                  </a:solidFill>
+                  <a:latin typeface="Arial" panose="020B0604020202020204" pitchFamily="34" charset="0"/>
+                </a:defRPr>
+              </a:lvl4pPr>
+              <a:lvl5pPr eaLnBrk="0" fontAlgn="base" hangingPunct="0">
+                <a:spcBef>
+                  <a:spcPct val="30000"/>
+                </a:spcBef>
+                <a:spcAft>
+                  <a:spcPct val="0"/>
+                </a:spcAft>
+                <a:defRPr sz="1200">
+                  <a:solidFill>
+                    <a:schemeClr val="tx1"/>
+                  </a:solidFill>
+                  <a:latin typeface="Arial" panose="020B0604020202020204" pitchFamily="34" charset="0"/>
+                </a:defRPr>
+              </a:lvl5pPr>
+              <a:lvl6pPr eaLnBrk="0" fontAlgn="base" hangingPunct="0">
+                <a:spcBef>
+                  <a:spcPct val="30000"/>
+                </a:spcBef>
+                <a:spcAft>
+                  <a:spcPct val="0"/>
+                </a:spcAft>
+                <a:defRPr sz="1200">
+                  <a:solidFill>
+                    <a:schemeClr val="tx1"/>
+                  </a:solidFill>
+                  <a:latin typeface="Arial" panose="020B0604020202020204" pitchFamily="34" charset="0"/>
+                </a:defRPr>
+              </a:lvl6pPr>
+              <a:lvl7pPr eaLnBrk="0" fontAlgn="base" hangingPunct="0">
+                <a:spcBef>
+                  <a:spcPct val="30000"/>
+                </a:spcBef>
+                <a:spcAft>
+                  <a:spcPct val="0"/>
+                </a:spcAft>
+                <a:defRPr sz="1200">
+                  <a:solidFill>
+                    <a:schemeClr val="tx1"/>
+                  </a:solidFill>
+                  <a:latin typeface="Arial" panose="020B0604020202020204" pitchFamily="34" charset="0"/>
+                </a:defRPr>
+              </a:lvl7pPr>
+              <a:lvl8pPr eaLnBrk="0" fontAlgn="base" hangingPunct="0">
+                <a:spcBef>
+                  <a:spcPct val="30000"/>
+                </a:spcBef>
+                <a:spcAft>
+                  <a:spcPct val="0"/>
+                </a:spcAft>
+                <a:defRPr sz="1200">
+                  <a:solidFill>
+                    <a:schemeClr val="tx1"/>
+                  </a:solidFill>
+                  <a:latin typeface="Arial" panose="020B0604020202020204" pitchFamily="34" charset="0"/>
+                </a:defRPr>
+              </a:lvl8pPr>
+              <a:lvl9pPr eaLnBrk="0" fontAlgn="base" hangingPunct="0">
+                <a:spcBef>
+                  <a:spcPct val="30000"/>
+                </a:spcBef>
+                <a:spcAft>
+                  <a:spcPct val="0"/>
+                </a:spcAft>
+                <a:defRPr sz="1200">
+                  <a:solidFill>
+                    <a:schemeClr val="tx1"/>
+                  </a:solidFill>
+                  <a:latin typeface="Arial" panose="020B0604020202020204" pitchFamily="34" charset="0"/>
+                </a:defRPr>
+              </a:lvl9pPr>
+            </a:lstStyle>
+            <a:p>
+              <a:pPr marL="0" marR="0" lvl="0" indent="0" algn="l" defTabSz="914400" rtl="0" eaLnBrk="0" fontAlgn="base" latinLnBrk="0" hangingPunct="0">
+                <a:lnSpc>
+                  <a:spcPct val="100000"/>
+                </a:lnSpc>
+                <a:spcBef>
+                  <a:spcPct val="30000"/>
+                </a:spcBef>
+                <a:spcAft>
+                  <a:spcPct val="0"/>
+                </a:spcAft>
+                <a:buClrTx/>
+                <a:buSzTx/>
+                <a:buFontTx/>
+                <a:buNone/>
+                <a:tabLst/>
+              </a:pPr>
+              <a:r>
+                <a:rPr kumimoji="0" lang="fr-FR" altLang="fr-FR" sz="1200" b="0" i="0" u="none" strike="noStrike" cap="none" normalizeH="0" baseline="0" dirty="0" err="1">
+                  <a:ln>
+                    <a:noFill/>
+                  </a:ln>
+                  <a:solidFill>
+                    <a:schemeClr val="tx1"/>
+                  </a:solidFill>
+                  <a:effectLst/>
+                  <a:latin typeface="Arial" panose="020B0604020202020204" pitchFamily="34" charset="0"/>
+                </a:rPr>
+                <a:t>Fluid_connect</a:t>
+              </a:r>
+              <a:r>
+                <a:rPr kumimoji="0" lang="fr-FR" altLang="fr-FR" sz="800" b="0" i="0" u="none" strike="noStrike" cap="none" normalizeH="0" baseline="0" dirty="0">
+                  <a:ln>
+                    <a:noFill/>
+                  </a:ln>
+                  <a:solidFill>
+                    <a:schemeClr val="tx1"/>
+                  </a:solidFill>
+                  <a:effectLst/>
+                </a:rPr>
+                <a:t> </a:t>
+              </a:r>
+              <a:endParaRPr kumimoji="0" lang="fr-FR" altLang="fr-FR" sz="1200" b="0" i="0" u="none" strike="noStrike" cap="none" normalizeH="0" baseline="0" dirty="0">
+                <a:ln>
+                  <a:noFill/>
+                </a:ln>
+                <a:solidFill>
+                  <a:schemeClr val="tx1"/>
+                </a:solidFill>
+                <a:effectLst/>
+                <a:latin typeface="Arial" panose="020B0604020202020204" pitchFamily="34" charset="0"/>
+              </a:endParaRPr>
+            </a:p>
+          </p:txBody>
+        </p:sp>
+        <p:sp>
+          <p:nvSpPr>
+            <p:cNvPr id="52" name="Rectangle 4">
+              <a:extLst>
+                <a:ext uri="{FF2B5EF4-FFF2-40B4-BE49-F238E27FC236}">
+                  <a16:creationId xmlns:a16="http://schemas.microsoft.com/office/drawing/2014/main" id="{25CEE3DF-2D04-3F6B-C025-47BDC9B8D57B}"/>
+                </a:ext>
+              </a:extLst>
+            </p:cNvPr>
+            <p:cNvSpPr>
+              <a:spLocks noChangeArrowheads="1"/>
+            </p:cNvSpPr>
+            <p:nvPr/>
+          </p:nvSpPr>
+          <p:spPr bwMode="auto">
+            <a:xfrm>
+              <a:off x="2308116" y="3252977"/>
+              <a:ext cx="1153532" cy="276999"/>
+            </a:xfrm>
+            <a:prstGeom prst="rect">
+              <a:avLst/>
+            </a:prstGeom>
+            <a:noFill/>
+            <a:ln>
+              <a:noFill/>
+            </a:ln>
+            <a:effectLst/>
+            <a:extLst>
+              <a:ext uri="{909E8E84-426E-40DD-AFC4-6F175D3DCCD1}">
+                <a14:hiddenFill xmlns:a14="http://schemas.microsoft.com/office/drawing/2010/main">
+                  <a:solidFill>
+                    <a:schemeClr val="accent1"/>
+                  </a:solidFill>
+                </a14:hiddenFill>
+              </a:ext>
+              <a:ext uri="{91240B29-F687-4F45-9708-019B960494DF}">
+                <a14:hiddenLine xmlns:a14="http://schemas.microsoft.com/office/drawing/2010/main" w="9525">
+                  <a:solidFill>
+                    <a:schemeClr val="tx1"/>
+                  </a:solidFill>
+                  <a:miter lim="800000"/>
+                  <a:headEnd/>
+                  <a:tailEnd/>
+                </a14:hiddenLine>
+              </a:ext>
+              <a:ext uri="{AF507438-7753-43E0-B8FC-AC1667EBCBE1}">
+                <a14:hiddenEffects xmlns:a14="http://schemas.microsoft.com/office/drawing/2010/main">
+                  <a:effectLst>
+                    <a:outerShdw dist="35921" dir="2700000" algn="ctr" rotWithShape="0">
+                      <a:schemeClr val="bg2"/>
+                    </a:outerShdw>
+                  </a:effectLst>
+                </a14:hiddenEffects>
+              </a:ext>
+            </a:extLst>
+          </p:spPr>
+          <p:txBody>
+            <a:bodyPr vert="horz" wrap="square" lIns="91440" tIns="45720" rIns="91440" bIns="45720" numCol="1" anchor="ctr" anchorCtr="0" compatLnSpc="1">
+              <a:prstTxWarp prst="textNoShape">
+                <a:avLst/>
+              </a:prstTxWarp>
+              <a:spAutoFit/>
+            </a:bodyPr>
+            <a:lstStyle>
+              <a:lvl1pPr eaLnBrk="0" fontAlgn="base" hangingPunct="0">
+                <a:spcBef>
+                  <a:spcPct val="30000"/>
+                </a:spcBef>
+                <a:spcAft>
+                  <a:spcPct val="0"/>
+                </a:spcAft>
+                <a:defRPr sz="1200">
+                  <a:solidFill>
+                    <a:schemeClr val="tx1"/>
+                  </a:solidFill>
+                  <a:latin typeface="Arial" panose="020B0604020202020204" pitchFamily="34" charset="0"/>
+                </a:defRPr>
+              </a:lvl1pPr>
+              <a:lvl2pPr eaLnBrk="0" fontAlgn="base" hangingPunct="0">
+                <a:spcBef>
+                  <a:spcPct val="30000"/>
+                </a:spcBef>
+                <a:spcAft>
+                  <a:spcPct val="0"/>
+                </a:spcAft>
+                <a:defRPr sz="1200">
+                  <a:solidFill>
+                    <a:schemeClr val="tx1"/>
+                  </a:solidFill>
+                  <a:latin typeface="Arial" panose="020B0604020202020204" pitchFamily="34" charset="0"/>
+                </a:defRPr>
+              </a:lvl2pPr>
+              <a:lvl3pPr eaLnBrk="0" fontAlgn="base" hangingPunct="0">
+                <a:spcBef>
+                  <a:spcPct val="30000"/>
+                </a:spcBef>
+                <a:spcAft>
+                  <a:spcPct val="0"/>
+                </a:spcAft>
+                <a:defRPr sz="1200">
+                  <a:solidFill>
+                    <a:schemeClr val="tx1"/>
+                  </a:solidFill>
+                  <a:latin typeface="Arial" panose="020B0604020202020204" pitchFamily="34" charset="0"/>
+                </a:defRPr>
+              </a:lvl3pPr>
+              <a:lvl4pPr eaLnBrk="0" fontAlgn="base" hangingPunct="0">
+                <a:spcBef>
+                  <a:spcPct val="30000"/>
+                </a:spcBef>
+                <a:spcAft>
+                  <a:spcPct val="0"/>
+                </a:spcAft>
+                <a:defRPr sz="1200">
+                  <a:solidFill>
+                    <a:schemeClr val="tx1"/>
+                  </a:solidFill>
+                  <a:latin typeface="Arial" panose="020B0604020202020204" pitchFamily="34" charset="0"/>
+                </a:defRPr>
+              </a:lvl4pPr>
+              <a:lvl5pPr eaLnBrk="0" fontAlgn="base" hangingPunct="0">
+                <a:spcBef>
+                  <a:spcPct val="30000"/>
+                </a:spcBef>
+                <a:spcAft>
+                  <a:spcPct val="0"/>
+                </a:spcAft>
+                <a:defRPr sz="1200">
+                  <a:solidFill>
+                    <a:schemeClr val="tx1"/>
+                  </a:solidFill>
+                  <a:latin typeface="Arial" panose="020B0604020202020204" pitchFamily="34" charset="0"/>
+                </a:defRPr>
+              </a:lvl5pPr>
+              <a:lvl6pPr eaLnBrk="0" fontAlgn="base" hangingPunct="0">
+                <a:spcBef>
+                  <a:spcPct val="30000"/>
+                </a:spcBef>
+                <a:spcAft>
+                  <a:spcPct val="0"/>
+                </a:spcAft>
+                <a:defRPr sz="1200">
+                  <a:solidFill>
+                    <a:schemeClr val="tx1"/>
+                  </a:solidFill>
+                  <a:latin typeface="Arial" panose="020B0604020202020204" pitchFamily="34" charset="0"/>
+                </a:defRPr>
+              </a:lvl6pPr>
+              <a:lvl7pPr eaLnBrk="0" fontAlgn="base" hangingPunct="0">
+                <a:spcBef>
+                  <a:spcPct val="30000"/>
+                </a:spcBef>
+                <a:spcAft>
+                  <a:spcPct val="0"/>
+                </a:spcAft>
+                <a:defRPr sz="1200">
+                  <a:solidFill>
+                    <a:schemeClr val="tx1"/>
+                  </a:solidFill>
+                  <a:latin typeface="Arial" panose="020B0604020202020204" pitchFamily="34" charset="0"/>
+                </a:defRPr>
+              </a:lvl7pPr>
+              <a:lvl8pPr eaLnBrk="0" fontAlgn="base" hangingPunct="0">
+                <a:spcBef>
+                  <a:spcPct val="30000"/>
+                </a:spcBef>
+                <a:spcAft>
+                  <a:spcPct val="0"/>
+                </a:spcAft>
+                <a:defRPr sz="1200">
+                  <a:solidFill>
+                    <a:schemeClr val="tx1"/>
+                  </a:solidFill>
+                  <a:latin typeface="Arial" panose="020B0604020202020204" pitchFamily="34" charset="0"/>
+                </a:defRPr>
+              </a:lvl8pPr>
+              <a:lvl9pPr eaLnBrk="0" fontAlgn="base" hangingPunct="0">
+                <a:spcBef>
+                  <a:spcPct val="30000"/>
+                </a:spcBef>
+                <a:spcAft>
+                  <a:spcPct val="0"/>
+                </a:spcAft>
+                <a:defRPr sz="1200">
+                  <a:solidFill>
+                    <a:schemeClr val="tx1"/>
+                  </a:solidFill>
+                  <a:latin typeface="Arial" panose="020B0604020202020204" pitchFamily="34" charset="0"/>
+                </a:defRPr>
+              </a:lvl9pPr>
+            </a:lstStyle>
+            <a:p>
+              <a:pPr marL="0" marR="0" lvl="0" indent="0" algn="l" defTabSz="914400" rtl="0" eaLnBrk="0" fontAlgn="base" latinLnBrk="0" hangingPunct="0">
+                <a:lnSpc>
+                  <a:spcPct val="100000"/>
+                </a:lnSpc>
+                <a:spcBef>
+                  <a:spcPct val="30000"/>
+                </a:spcBef>
+                <a:spcAft>
+                  <a:spcPct val="0"/>
+                </a:spcAft>
+                <a:buClrTx/>
+                <a:buSzTx/>
+                <a:buFontTx/>
+                <a:buNone/>
+                <a:tabLst/>
+              </a:pPr>
+              <a:r>
+                <a:rPr kumimoji="0" lang="fr-FR" altLang="fr-FR" sz="1200" b="0" i="0" u="none" strike="noStrike" cap="none" normalizeH="0" baseline="0" dirty="0" err="1">
+                  <a:ln>
+                    <a:noFill/>
+                  </a:ln>
+                  <a:solidFill>
+                    <a:schemeClr val="tx1"/>
+                  </a:solidFill>
+                  <a:effectLst/>
+                  <a:latin typeface="Arial" panose="020B0604020202020204" pitchFamily="34" charset="0"/>
+                </a:rPr>
+                <a:t>Fluid_connect</a:t>
+              </a:r>
+              <a:r>
+                <a:rPr kumimoji="0" lang="fr-FR" altLang="fr-FR" sz="800" b="0" i="0" u="none" strike="noStrike" cap="none" normalizeH="0" baseline="0" dirty="0">
+                  <a:ln>
+                    <a:noFill/>
+                  </a:ln>
+                  <a:solidFill>
+                    <a:schemeClr val="tx1"/>
+                  </a:solidFill>
+                  <a:effectLst/>
+                </a:rPr>
+                <a:t> </a:t>
+              </a:r>
+              <a:endParaRPr kumimoji="0" lang="fr-FR" altLang="fr-FR" sz="1200" b="0" i="0" u="none" strike="noStrike" cap="none" normalizeH="0" baseline="0" dirty="0">
+                <a:ln>
+                  <a:noFill/>
+                </a:ln>
+                <a:solidFill>
+                  <a:schemeClr val="tx1"/>
+                </a:solidFill>
+                <a:effectLst/>
+                <a:latin typeface="Arial" panose="020B0604020202020204" pitchFamily="34" charset="0"/>
+              </a:endParaRPr>
+            </a:p>
+          </p:txBody>
+        </p:sp>
+      </p:grpSp>
+    </p:spTree>
+    <p:extLst>
+      <p:ext uri="{BB962C8B-B14F-4D97-AF65-F5344CB8AC3E}">
+        <p14:creationId xmlns:p14="http://schemas.microsoft.com/office/powerpoint/2010/main" val="3641366307"/>
+      </p:ext>
+    </p:extLst>
+  </p:cSld>
+  <p:clrMapOvr>
+    <a:masterClrMapping/>
+  </p:clrMapOvr>
+</p:sld>
+</file>
+
 <file path=ppt/theme/theme1.xml><?xml version="1.0" encoding="utf-8"?>
 <a:theme xmlns:a="http://schemas.openxmlformats.org/drawingml/2006/main" name="Thème Office">
   <a:themeElements>

--- a/Examples.pptx
+++ b/Examples.pptx
@@ -9,6 +9,7 @@
     <p:sldId id="257" r:id="rId3"/>
     <p:sldId id="258" r:id="rId4"/>
     <p:sldId id="259" r:id="rId5"/>
+    <p:sldId id="260" r:id="rId6"/>
   </p:sldIdLst>
   <p:sldSz cx="12192000" cy="6858000"/>
   <p:notesSz cx="6858000" cy="9144000"/>
@@ -118,7 +119,7 @@
 <file path=ppt/revisionInfo.xml><?xml version="1.0" encoding="utf-8"?>
 <p1510:revInfo xmlns:a="http://schemas.openxmlformats.org/drawingml/2006/main" xmlns:r="http://schemas.openxmlformats.org/officeDocument/2006/relationships" xmlns:p1510="http://schemas.microsoft.com/office/powerpoint/2015/10/main">
   <p1510:revLst>
-    <p1510:client id="{2A3E10D1-ABAB-4574-ADA8-42C8B9BEC6A9}" v="229" dt="2025-02-23T16:31:11.490"/>
+    <p1510:client id="{2A3E10D1-ABAB-4574-ADA8-42C8B9BEC6A9}" v="288" dt="2025-02-24T11:31:42.113"/>
   </p1510:revLst>
 </p1510:revInfo>
 </file>
@@ -128,7 +129,7 @@
   <pc:docChgLst>
     <pc:chgData name="Zoheir HADID" userId="123d7235792d1862" providerId="LiveId" clId="{2A3E10D1-ABAB-4574-ADA8-42C8B9BEC6A9}"/>
     <pc:docChg chg="undo redo custSel addSld modSld">
-      <pc:chgData name="Zoheir HADID" userId="123d7235792d1862" providerId="LiveId" clId="{2A3E10D1-ABAB-4574-ADA8-42C8B9BEC6A9}" dt="2025-02-23T16:31:11.490" v="1300" actId="1076"/>
+      <pc:chgData name="Zoheir HADID" userId="123d7235792d1862" providerId="LiveId" clId="{2A3E10D1-ABAB-4574-ADA8-42C8B9BEC6A9}" dt="2025-02-24T11:31:42.113" v="1772" actId="164"/>
       <pc:docMkLst>
         <pc:docMk/>
       </pc:docMkLst>
@@ -512,22 +513,6 @@
           <pc:docMk/>
           <pc:sldMk cId="517225097" sldId="258"/>
         </pc:sldMkLst>
-        <pc:spChg chg="del">
-          <ac:chgData name="Zoheir HADID" userId="123d7235792d1862" providerId="LiveId" clId="{2A3E10D1-ABAB-4574-ADA8-42C8B9BEC6A9}" dt="2025-02-22T15:26:55.923" v="582" actId="478"/>
-          <ac:spMkLst>
-            <pc:docMk/>
-            <pc:sldMk cId="517225097" sldId="258"/>
-            <ac:spMk id="2" creationId="{9BF26287-88B6-29C6-6F40-E71D60A3F9A6}"/>
-          </ac:spMkLst>
-        </pc:spChg>
-        <pc:spChg chg="del">
-          <ac:chgData name="Zoheir HADID" userId="123d7235792d1862" providerId="LiveId" clId="{2A3E10D1-ABAB-4574-ADA8-42C8B9BEC6A9}" dt="2025-02-22T15:26:55.923" v="582" actId="478"/>
-          <ac:spMkLst>
-            <pc:docMk/>
-            <pc:sldMk cId="517225097" sldId="258"/>
-            <ac:spMk id="3" creationId="{27C2536E-1F53-B406-7828-F32F6F73432A}"/>
-          </ac:spMkLst>
-        </pc:spChg>
         <pc:spChg chg="add mod">
           <ac:chgData name="Zoheir HADID" userId="123d7235792d1862" providerId="LiveId" clId="{2A3E10D1-ABAB-4574-ADA8-42C8B9BEC6A9}" dt="2025-02-22T15:40:43.348" v="825" actId="164"/>
           <ac:spMkLst>
@@ -606,14 +591,6 @@
             <pc:docMk/>
             <pc:sldMk cId="517225097" sldId="258"/>
             <ac:spMk id="23" creationId="{F0BAB0BB-4B74-2A2A-BE4F-5CB2BE62614C}"/>
-          </ac:spMkLst>
-        </pc:spChg>
-        <pc:spChg chg="add del mod">
-          <ac:chgData name="Zoheir HADID" userId="123d7235792d1862" providerId="LiveId" clId="{2A3E10D1-ABAB-4574-ADA8-42C8B9BEC6A9}" dt="2025-02-22T15:40:24.614" v="823" actId="478"/>
-          <ac:spMkLst>
-            <pc:docMk/>
-            <pc:sldMk cId="517225097" sldId="258"/>
-            <ac:spMk id="25" creationId="{64D04E9E-B984-BF55-3068-C3C1760BEC32}"/>
           </ac:spMkLst>
         </pc:spChg>
         <pc:spChg chg="add mod">
@@ -1053,6 +1030,389 @@
             <pc:docMk/>
             <pc:sldMk cId="3641366307" sldId="259"/>
             <ac:cxnSpMk id="40" creationId="{10E85750-2F5C-F492-6881-5BD5E7F60371}"/>
+          </ac:cxnSpMkLst>
+        </pc:cxnChg>
+      </pc:sldChg>
+      <pc:sldChg chg="addSp delSp modSp add mod">
+        <pc:chgData name="Zoheir HADID" userId="123d7235792d1862" providerId="LiveId" clId="{2A3E10D1-ABAB-4574-ADA8-42C8B9BEC6A9}" dt="2025-02-24T11:31:42.113" v="1772" actId="164"/>
+        <pc:sldMkLst>
+          <pc:docMk/>
+          <pc:sldMk cId="4152901445" sldId="260"/>
+        </pc:sldMkLst>
+        <pc:spChg chg="add del">
+          <ac:chgData name="Zoheir HADID" userId="123d7235792d1862" providerId="LiveId" clId="{2A3E10D1-ABAB-4574-ADA8-42C8B9BEC6A9}" dt="2025-02-24T11:15:04.925" v="1360" actId="22"/>
+          <ac:spMkLst>
+            <pc:docMk/>
+            <pc:sldMk cId="4152901445" sldId="260"/>
+            <ac:spMk id="3" creationId="{9D69E510-5BA3-53DB-02F5-64AA072A547D}"/>
+          </ac:spMkLst>
+        </pc:spChg>
+        <pc:spChg chg="add mod">
+          <ac:chgData name="Zoheir HADID" userId="123d7235792d1862" providerId="LiveId" clId="{2A3E10D1-ABAB-4574-ADA8-42C8B9BEC6A9}" dt="2025-02-24T11:31:42.113" v="1772" actId="164"/>
+          <ac:spMkLst>
+            <pc:docMk/>
+            <pc:sldMk cId="4152901445" sldId="260"/>
+            <ac:spMk id="4" creationId="{D58DA24D-3114-9498-312B-4E7F22D49BDA}"/>
+          </ac:spMkLst>
+        </pc:spChg>
+        <pc:spChg chg="mod">
+          <ac:chgData name="Zoheir HADID" userId="123d7235792d1862" providerId="LiveId" clId="{2A3E10D1-ABAB-4574-ADA8-42C8B9BEC6A9}" dt="2025-02-24T11:10:49.374" v="1325" actId="165"/>
+          <ac:spMkLst>
+            <pc:docMk/>
+            <pc:sldMk cId="4152901445" sldId="260"/>
+            <ac:spMk id="5" creationId="{31EA7E77-02AA-3D4A-767D-AB3DE542AABE}"/>
+          </ac:spMkLst>
+        </pc:spChg>
+        <pc:spChg chg="mod">
+          <ac:chgData name="Zoheir HADID" userId="123d7235792d1862" providerId="LiveId" clId="{2A3E10D1-ABAB-4574-ADA8-42C8B9BEC6A9}" dt="2025-02-24T11:10:49.374" v="1325" actId="165"/>
+          <ac:spMkLst>
+            <pc:docMk/>
+            <pc:sldMk cId="4152901445" sldId="260"/>
+            <ac:spMk id="8" creationId="{8330D4B4-2BB6-0E71-2FDB-ECE0A4B495DF}"/>
+          </ac:spMkLst>
+        </pc:spChg>
+        <pc:spChg chg="mod topLvl">
+          <ac:chgData name="Zoheir HADID" userId="123d7235792d1862" providerId="LiveId" clId="{2A3E10D1-ABAB-4574-ADA8-42C8B9BEC6A9}" dt="2025-02-24T11:31:42.113" v="1772" actId="164"/>
+          <ac:spMkLst>
+            <pc:docMk/>
+            <pc:sldMk cId="4152901445" sldId="260"/>
+            <ac:spMk id="19" creationId="{765EC068-57A8-C0D7-DB3B-DCFD694E2410}"/>
+          </ac:spMkLst>
+        </pc:spChg>
+        <pc:spChg chg="del mod topLvl">
+          <ac:chgData name="Zoheir HADID" userId="123d7235792d1862" providerId="LiveId" clId="{2A3E10D1-ABAB-4574-ADA8-42C8B9BEC6A9}" dt="2025-02-24T11:14:29.294" v="1353" actId="478"/>
+          <ac:spMkLst>
+            <pc:docMk/>
+            <pc:sldMk cId="4152901445" sldId="260"/>
+            <ac:spMk id="20" creationId="{46CC5E71-F7D6-E41A-6830-3B613444382F}"/>
+          </ac:spMkLst>
+        </pc:spChg>
+        <pc:spChg chg="mod topLvl">
+          <ac:chgData name="Zoheir HADID" userId="123d7235792d1862" providerId="LiveId" clId="{2A3E10D1-ABAB-4574-ADA8-42C8B9BEC6A9}" dt="2025-02-24T11:31:42.113" v="1772" actId="164"/>
+          <ac:spMkLst>
+            <pc:docMk/>
+            <pc:sldMk cId="4152901445" sldId="260"/>
+            <ac:spMk id="21" creationId="{34A1FB2D-9FA3-796E-6A12-D036F27495ED}"/>
+          </ac:spMkLst>
+        </pc:spChg>
+        <pc:spChg chg="mod">
+          <ac:chgData name="Zoheir HADID" userId="123d7235792d1862" providerId="LiveId" clId="{2A3E10D1-ABAB-4574-ADA8-42C8B9BEC6A9}" dt="2025-02-24T11:20:40.524" v="1526" actId="1037"/>
+          <ac:spMkLst>
+            <pc:docMk/>
+            <pc:sldMk cId="4152901445" sldId="260"/>
+            <ac:spMk id="24" creationId="{ED72F670-B1EC-5021-0882-DA7F5E39C108}"/>
+          </ac:spMkLst>
+        </pc:spChg>
+        <pc:spChg chg="mod">
+          <ac:chgData name="Zoheir HADID" userId="123d7235792d1862" providerId="LiveId" clId="{2A3E10D1-ABAB-4574-ADA8-42C8B9BEC6A9}" dt="2025-02-24T11:20:40.524" v="1526" actId="1037"/>
+          <ac:spMkLst>
+            <pc:docMk/>
+            <pc:sldMk cId="4152901445" sldId="260"/>
+            <ac:spMk id="25" creationId="{D96B1962-D093-018C-9153-2F00D852A262}"/>
+          </ac:spMkLst>
+        </pc:spChg>
+        <pc:spChg chg="mod">
+          <ac:chgData name="Zoheir HADID" userId="123d7235792d1862" providerId="LiveId" clId="{2A3E10D1-ABAB-4574-ADA8-42C8B9BEC6A9}" dt="2025-02-24T11:20:40.524" v="1526" actId="1037"/>
+          <ac:spMkLst>
+            <pc:docMk/>
+            <pc:sldMk cId="4152901445" sldId="260"/>
+            <ac:spMk id="27" creationId="{C2E4A764-3D62-4DBE-5B52-42DDFD44FE76}"/>
+          </ac:spMkLst>
+        </pc:spChg>
+        <pc:spChg chg="mod">
+          <ac:chgData name="Zoheir HADID" userId="123d7235792d1862" providerId="LiveId" clId="{2A3E10D1-ABAB-4574-ADA8-42C8B9BEC6A9}" dt="2025-02-24T11:20:40.524" v="1526" actId="1037"/>
+          <ac:spMkLst>
+            <pc:docMk/>
+            <pc:sldMk cId="4152901445" sldId="260"/>
+            <ac:spMk id="28" creationId="{CED0596E-892D-FE51-57BA-31DC34DCFA1D}"/>
+          </ac:spMkLst>
+        </pc:spChg>
+        <pc:spChg chg="add mod">
+          <ac:chgData name="Zoheir HADID" userId="123d7235792d1862" providerId="LiveId" clId="{2A3E10D1-ABAB-4574-ADA8-42C8B9BEC6A9}" dt="2025-02-24T11:31:42.113" v="1772" actId="164"/>
+          <ac:spMkLst>
+            <pc:docMk/>
+            <pc:sldMk cId="4152901445" sldId="260"/>
+            <ac:spMk id="30" creationId="{D0E81706-907B-96EA-F84D-DD7509A4BEC2}"/>
+          </ac:spMkLst>
+        </pc:spChg>
+        <pc:spChg chg="mod">
+          <ac:chgData name="Zoheir HADID" userId="123d7235792d1862" providerId="LiveId" clId="{2A3E10D1-ABAB-4574-ADA8-42C8B9BEC6A9}" dt="2025-02-24T11:22:09.314" v="1540"/>
+          <ac:spMkLst>
+            <pc:docMk/>
+            <pc:sldMk cId="4152901445" sldId="260"/>
+            <ac:spMk id="32" creationId="{4D17402E-5664-C331-AAEA-8C6D1B6A7727}"/>
+          </ac:spMkLst>
+        </pc:spChg>
+        <pc:spChg chg="mod">
+          <ac:chgData name="Zoheir HADID" userId="123d7235792d1862" providerId="LiveId" clId="{2A3E10D1-ABAB-4574-ADA8-42C8B9BEC6A9}" dt="2025-02-24T11:22:09.314" v="1540"/>
+          <ac:spMkLst>
+            <pc:docMk/>
+            <pc:sldMk cId="4152901445" sldId="260"/>
+            <ac:spMk id="36" creationId="{F7E95FCB-9456-2F18-37AF-4706EEEA1CC7}"/>
+          </ac:spMkLst>
+        </pc:spChg>
+        <pc:spChg chg="mod">
+          <ac:chgData name="Zoheir HADID" userId="123d7235792d1862" providerId="LiveId" clId="{2A3E10D1-ABAB-4574-ADA8-42C8B9BEC6A9}" dt="2025-02-24T11:22:09.314" v="1540"/>
+          <ac:spMkLst>
+            <pc:docMk/>
+            <pc:sldMk cId="4152901445" sldId="260"/>
+            <ac:spMk id="39" creationId="{EF9A12B3-5BA3-03ED-C2C2-02ADA6D6A35B}"/>
+          </ac:spMkLst>
+        </pc:spChg>
+        <pc:spChg chg="mod">
+          <ac:chgData name="Zoheir HADID" userId="123d7235792d1862" providerId="LiveId" clId="{2A3E10D1-ABAB-4574-ADA8-42C8B9BEC6A9}" dt="2025-02-24T11:22:09.314" v="1540"/>
+          <ac:spMkLst>
+            <pc:docMk/>
+            <pc:sldMk cId="4152901445" sldId="260"/>
+            <ac:spMk id="41" creationId="{3DFD6523-501D-8019-C19C-0FDDD2387F29}"/>
+          </ac:spMkLst>
+        </pc:spChg>
+        <pc:spChg chg="add mod ord">
+          <ac:chgData name="Zoheir HADID" userId="123d7235792d1862" providerId="LiveId" clId="{2A3E10D1-ABAB-4574-ADA8-42C8B9BEC6A9}" dt="2025-02-24T11:31:42.113" v="1772" actId="164"/>
+          <ac:spMkLst>
+            <pc:docMk/>
+            <pc:sldMk cId="4152901445" sldId="260"/>
+            <ac:spMk id="42" creationId="{58879BB4-8153-03CE-9B9E-25B6B08A4469}"/>
+          </ac:spMkLst>
+        </pc:spChg>
+        <pc:spChg chg="add mod">
+          <ac:chgData name="Zoheir HADID" userId="123d7235792d1862" providerId="LiveId" clId="{2A3E10D1-ABAB-4574-ADA8-42C8B9BEC6A9}" dt="2025-02-24T11:26:33.927" v="1679" actId="164"/>
+          <ac:spMkLst>
+            <pc:docMk/>
+            <pc:sldMk cId="4152901445" sldId="260"/>
+            <ac:spMk id="45" creationId="{F2AE0E85-478F-CA59-4741-856AA549DE0C}"/>
+          </ac:spMkLst>
+        </pc:spChg>
+        <pc:spChg chg="add mod">
+          <ac:chgData name="Zoheir HADID" userId="123d7235792d1862" providerId="LiveId" clId="{2A3E10D1-ABAB-4574-ADA8-42C8B9BEC6A9}" dt="2025-02-24T11:25:36.384" v="1670" actId="164"/>
+          <ac:spMkLst>
+            <pc:docMk/>
+            <pc:sldMk cId="4152901445" sldId="260"/>
+            <ac:spMk id="46" creationId="{1DCF45D5-2819-E43D-EB51-F86B3AD359BA}"/>
+          </ac:spMkLst>
+        </pc:spChg>
+        <pc:spChg chg="add mod">
+          <ac:chgData name="Zoheir HADID" userId="123d7235792d1862" providerId="LiveId" clId="{2A3E10D1-ABAB-4574-ADA8-42C8B9BEC6A9}" dt="2025-02-24T11:25:36.384" v="1670" actId="164"/>
+          <ac:spMkLst>
+            <pc:docMk/>
+            <pc:sldMk cId="4152901445" sldId="260"/>
+            <ac:spMk id="47" creationId="{1B9BA311-013E-89A3-A0AA-6C1E8122016D}"/>
+          </ac:spMkLst>
+        </pc:spChg>
+        <pc:spChg chg="mod topLvl">
+          <ac:chgData name="Zoheir HADID" userId="123d7235792d1862" providerId="LiveId" clId="{2A3E10D1-ABAB-4574-ADA8-42C8B9BEC6A9}" dt="2025-02-24T11:31:42.113" v="1772" actId="164"/>
+          <ac:spMkLst>
+            <pc:docMk/>
+            <pc:sldMk cId="4152901445" sldId="260"/>
+            <ac:spMk id="48" creationId="{0D6A51B7-41C0-7EA6-3E51-67B3CA511E7B}"/>
+          </ac:spMkLst>
+        </pc:spChg>
+        <pc:spChg chg="mod topLvl">
+          <ac:chgData name="Zoheir HADID" userId="123d7235792d1862" providerId="LiveId" clId="{2A3E10D1-ABAB-4574-ADA8-42C8B9BEC6A9}" dt="2025-02-24T11:31:42.113" v="1772" actId="164"/>
+          <ac:spMkLst>
+            <pc:docMk/>
+            <pc:sldMk cId="4152901445" sldId="260"/>
+            <ac:spMk id="49" creationId="{2CB849B6-F822-5C12-B9F6-87D377C2E853}"/>
+          </ac:spMkLst>
+        </pc:spChg>
+        <pc:spChg chg="del">
+          <ac:chgData name="Zoheir HADID" userId="123d7235792d1862" providerId="LiveId" clId="{2A3E10D1-ABAB-4574-ADA8-42C8B9BEC6A9}" dt="2025-02-24T11:19:00.564" v="1476" actId="478"/>
+          <ac:spMkLst>
+            <pc:docMk/>
+            <pc:sldMk cId="4152901445" sldId="260"/>
+            <ac:spMk id="50" creationId="{B46DACAB-0F8F-723C-B779-7DD75FFD0EE2}"/>
+          </ac:spMkLst>
+        </pc:spChg>
+        <pc:spChg chg="del mod topLvl">
+          <ac:chgData name="Zoheir HADID" userId="123d7235792d1862" providerId="LiveId" clId="{2A3E10D1-ABAB-4574-ADA8-42C8B9BEC6A9}" dt="2025-02-24T11:19:10.270" v="1479" actId="478"/>
+          <ac:spMkLst>
+            <pc:docMk/>
+            <pc:sldMk cId="4152901445" sldId="260"/>
+            <ac:spMk id="51" creationId="{F77D935D-6800-2E2E-5178-BEEE427DE204}"/>
+          </ac:spMkLst>
+        </pc:spChg>
+        <pc:spChg chg="mod">
+          <ac:chgData name="Zoheir HADID" userId="123d7235792d1862" providerId="LiveId" clId="{2A3E10D1-ABAB-4574-ADA8-42C8B9BEC6A9}" dt="2025-02-24T11:31:42.113" v="1772" actId="164"/>
+          <ac:spMkLst>
+            <pc:docMk/>
+            <pc:sldMk cId="4152901445" sldId="260"/>
+            <ac:spMk id="52" creationId="{4FDB5366-4AC5-7356-6FC0-6F22DA91D4C5}"/>
+          </ac:spMkLst>
+        </pc:spChg>
+        <pc:spChg chg="mod">
+          <ac:chgData name="Zoheir HADID" userId="123d7235792d1862" providerId="LiveId" clId="{2A3E10D1-ABAB-4574-ADA8-42C8B9BEC6A9}" dt="2025-02-24T11:25:48.433" v="1673"/>
+          <ac:spMkLst>
+            <pc:docMk/>
+            <pc:sldMk cId="4152901445" sldId="260"/>
+            <ac:spMk id="55" creationId="{73B02292-4C3A-6E3C-D646-55E18F47BB93}"/>
+          </ac:spMkLst>
+        </pc:spChg>
+        <pc:spChg chg="mod">
+          <ac:chgData name="Zoheir HADID" userId="123d7235792d1862" providerId="LiveId" clId="{2A3E10D1-ABAB-4574-ADA8-42C8B9BEC6A9}" dt="2025-02-24T11:25:48.433" v="1673"/>
+          <ac:spMkLst>
+            <pc:docMk/>
+            <pc:sldMk cId="4152901445" sldId="260"/>
+            <ac:spMk id="56" creationId="{FE4B09DC-B097-7F80-B5B0-6D8888927456}"/>
+          </ac:spMkLst>
+        </pc:spChg>
+        <pc:spChg chg="mod">
+          <ac:chgData name="Zoheir HADID" userId="123d7235792d1862" providerId="LiveId" clId="{2A3E10D1-ABAB-4574-ADA8-42C8B9BEC6A9}" dt="2025-02-24T11:25:56.021" v="1675"/>
+          <ac:spMkLst>
+            <pc:docMk/>
+            <pc:sldMk cId="4152901445" sldId="260"/>
+            <ac:spMk id="58" creationId="{A8D656B6-0831-D951-6F51-6E15B18DDFD2}"/>
+          </ac:spMkLst>
+        </pc:spChg>
+        <pc:spChg chg="mod">
+          <ac:chgData name="Zoheir HADID" userId="123d7235792d1862" providerId="LiveId" clId="{2A3E10D1-ABAB-4574-ADA8-42C8B9BEC6A9}" dt="2025-02-24T11:25:56.021" v="1675"/>
+          <ac:spMkLst>
+            <pc:docMk/>
+            <pc:sldMk cId="4152901445" sldId="260"/>
+            <ac:spMk id="59" creationId="{075D32BA-D8DF-423F-B39D-8A13F3E396A7}"/>
+          </ac:spMkLst>
+        </pc:spChg>
+        <pc:spChg chg="mod">
+          <ac:chgData name="Zoheir HADID" userId="123d7235792d1862" providerId="LiveId" clId="{2A3E10D1-ABAB-4574-ADA8-42C8B9BEC6A9}" dt="2025-02-24T11:26:03.309" v="1677"/>
+          <ac:spMkLst>
+            <pc:docMk/>
+            <pc:sldMk cId="4152901445" sldId="260"/>
+            <ac:spMk id="61" creationId="{0C7BF1C0-B3F7-5C56-7647-1E985EB189E9}"/>
+          </ac:spMkLst>
+        </pc:spChg>
+        <pc:spChg chg="mod">
+          <ac:chgData name="Zoheir HADID" userId="123d7235792d1862" providerId="LiveId" clId="{2A3E10D1-ABAB-4574-ADA8-42C8B9BEC6A9}" dt="2025-02-24T11:26:03.309" v="1677"/>
+          <ac:spMkLst>
+            <pc:docMk/>
+            <pc:sldMk cId="4152901445" sldId="260"/>
+            <ac:spMk id="62" creationId="{912E6D04-2A0A-4015-C17D-0B4BD123BFCA}"/>
+          </ac:spMkLst>
+        </pc:spChg>
+        <pc:spChg chg="add mod">
+          <ac:chgData name="Zoheir HADID" userId="123d7235792d1862" providerId="LiveId" clId="{2A3E10D1-ABAB-4574-ADA8-42C8B9BEC6A9}" dt="2025-02-24T11:31:42.113" v="1772" actId="164"/>
+          <ac:spMkLst>
+            <pc:docMk/>
+            <pc:sldMk cId="4152901445" sldId="260"/>
+            <ac:spMk id="64" creationId="{163F69F6-6F64-A295-6B24-075CBEAE88F6}"/>
+          </ac:spMkLst>
+        </pc:spChg>
+        <pc:grpChg chg="del mod">
+          <ac:chgData name="Zoheir HADID" userId="123d7235792d1862" providerId="LiveId" clId="{2A3E10D1-ABAB-4574-ADA8-42C8B9BEC6A9}" dt="2025-02-24T11:13:54.421" v="1342" actId="165"/>
+          <ac:grpSpMkLst>
+            <pc:docMk/>
+            <pc:sldMk cId="4152901445" sldId="260"/>
+            <ac:grpSpMk id="22" creationId="{AAE2C86A-FBC3-DFFC-BE11-C492079841C8}"/>
+          </ac:grpSpMkLst>
+        </pc:grpChg>
+        <pc:grpChg chg="mod topLvl">
+          <ac:chgData name="Zoheir HADID" userId="123d7235792d1862" providerId="LiveId" clId="{2A3E10D1-ABAB-4574-ADA8-42C8B9BEC6A9}" dt="2025-02-24T11:20:40.524" v="1526" actId="1037"/>
+          <ac:grpSpMkLst>
+            <pc:docMk/>
+            <pc:sldMk cId="4152901445" sldId="260"/>
+            <ac:grpSpMk id="23" creationId="{329F050E-F9DA-5927-4FF5-2255A975D77D}"/>
+          </ac:grpSpMkLst>
+        </pc:grpChg>
+        <pc:grpChg chg="mod topLvl">
+          <ac:chgData name="Zoheir HADID" userId="123d7235792d1862" providerId="LiveId" clId="{2A3E10D1-ABAB-4574-ADA8-42C8B9BEC6A9}" dt="2025-02-24T11:20:40.524" v="1526" actId="1037"/>
+          <ac:grpSpMkLst>
+            <pc:docMk/>
+            <pc:sldMk cId="4152901445" sldId="260"/>
+            <ac:grpSpMk id="26" creationId="{E93F1676-8113-8CD1-50CF-956B5FE2CA78}"/>
+          </ac:grpSpMkLst>
+        </pc:grpChg>
+        <pc:grpChg chg="add mod">
+          <ac:chgData name="Zoheir HADID" userId="123d7235792d1862" providerId="LiveId" clId="{2A3E10D1-ABAB-4574-ADA8-42C8B9BEC6A9}" dt="2025-02-24T11:22:24.826" v="1632" actId="1038"/>
+          <ac:grpSpMkLst>
+            <pc:docMk/>
+            <pc:sldMk cId="4152901445" sldId="260"/>
+            <ac:grpSpMk id="31" creationId="{46507631-6A60-2161-ADE9-FD4870A5690D}"/>
+          </ac:grpSpMkLst>
+        </pc:grpChg>
+        <pc:grpChg chg="del">
+          <ac:chgData name="Zoheir HADID" userId="123d7235792d1862" providerId="LiveId" clId="{2A3E10D1-ABAB-4574-ADA8-42C8B9BEC6A9}" dt="2025-02-24T11:18:58.422" v="1475" actId="478"/>
+          <ac:grpSpMkLst>
+            <pc:docMk/>
+            <pc:sldMk cId="4152901445" sldId="260"/>
+            <ac:grpSpMk id="33" creationId="{36BD947B-A40E-598E-2FA8-9331DF334F07}"/>
+          </ac:grpSpMkLst>
+        </pc:grpChg>
+        <pc:grpChg chg="del mod">
+          <ac:chgData name="Zoheir HADID" userId="123d7235792d1862" providerId="LiveId" clId="{2A3E10D1-ABAB-4574-ADA8-42C8B9BEC6A9}" dt="2025-02-24T11:12:52.635" v="1337" actId="165"/>
+          <ac:grpSpMkLst>
+            <pc:docMk/>
+            <pc:sldMk cId="4152901445" sldId="260"/>
+            <ac:grpSpMk id="34" creationId="{91468976-CB90-FD4F-DF95-3D38CCBF3D2A}"/>
+          </ac:grpSpMkLst>
+        </pc:grpChg>
+        <pc:grpChg chg="add mod">
+          <ac:chgData name="Zoheir HADID" userId="123d7235792d1862" providerId="LiveId" clId="{2A3E10D1-ABAB-4574-ADA8-42C8B9BEC6A9}" dt="2025-02-24T11:31:42.113" v="1772" actId="164"/>
+          <ac:grpSpMkLst>
+            <pc:docMk/>
+            <pc:sldMk cId="4152901445" sldId="260"/>
+            <ac:grpSpMk id="38" creationId="{05681A9D-F5E7-1FAA-AD52-7FD09939FFB1}"/>
+          </ac:grpSpMkLst>
+        </pc:grpChg>
+        <pc:grpChg chg="add mod">
+          <ac:chgData name="Zoheir HADID" userId="123d7235792d1862" providerId="LiveId" clId="{2A3E10D1-ABAB-4574-ADA8-42C8B9BEC6A9}" dt="2025-02-24T11:26:33.927" v="1679" actId="164"/>
+          <ac:grpSpMkLst>
+            <pc:docMk/>
+            <pc:sldMk cId="4152901445" sldId="260"/>
+            <ac:grpSpMk id="53" creationId="{B49333B1-D0F9-4A80-B105-1AD9EF26C10C}"/>
+          </ac:grpSpMkLst>
+        </pc:grpChg>
+        <pc:grpChg chg="add mod">
+          <ac:chgData name="Zoheir HADID" userId="123d7235792d1862" providerId="LiveId" clId="{2A3E10D1-ABAB-4574-ADA8-42C8B9BEC6A9}" dt="2025-02-24T11:26:33.927" v="1679" actId="164"/>
+          <ac:grpSpMkLst>
+            <pc:docMk/>
+            <pc:sldMk cId="4152901445" sldId="260"/>
+            <ac:grpSpMk id="54" creationId="{5DA215D5-98CF-0F0E-B1C9-2FBC340956C1}"/>
+          </ac:grpSpMkLst>
+        </pc:grpChg>
+        <pc:grpChg chg="add mod">
+          <ac:chgData name="Zoheir HADID" userId="123d7235792d1862" providerId="LiveId" clId="{2A3E10D1-ABAB-4574-ADA8-42C8B9BEC6A9}" dt="2025-02-24T11:26:33.927" v="1679" actId="164"/>
+          <ac:grpSpMkLst>
+            <pc:docMk/>
+            <pc:sldMk cId="4152901445" sldId="260"/>
+            <ac:grpSpMk id="57" creationId="{8E07988F-FDA6-1E43-D08E-1D4868C7C87D}"/>
+          </ac:grpSpMkLst>
+        </pc:grpChg>
+        <pc:grpChg chg="add mod">
+          <ac:chgData name="Zoheir HADID" userId="123d7235792d1862" providerId="LiveId" clId="{2A3E10D1-ABAB-4574-ADA8-42C8B9BEC6A9}" dt="2025-02-24T11:26:33.927" v="1679" actId="164"/>
+          <ac:grpSpMkLst>
+            <pc:docMk/>
+            <pc:sldMk cId="4152901445" sldId="260"/>
+            <ac:grpSpMk id="60" creationId="{8D4756DE-F5B1-76D0-DAE6-BEE569D1DC6C}"/>
+          </ac:grpSpMkLst>
+        </pc:grpChg>
+        <pc:grpChg chg="add mod">
+          <ac:chgData name="Zoheir HADID" userId="123d7235792d1862" providerId="LiveId" clId="{2A3E10D1-ABAB-4574-ADA8-42C8B9BEC6A9}" dt="2025-02-24T11:27:01.302" v="1737" actId="1037"/>
+          <ac:grpSpMkLst>
+            <pc:docMk/>
+            <pc:sldMk cId="4152901445" sldId="260"/>
+            <ac:grpSpMk id="63" creationId="{9B8C9515-1C63-F78B-1F82-52AB52E04E41}"/>
+          </ac:grpSpMkLst>
+        </pc:grpChg>
+        <pc:cxnChg chg="del mod">
+          <ac:chgData name="Zoheir HADID" userId="123d7235792d1862" providerId="LiveId" clId="{2A3E10D1-ABAB-4574-ADA8-42C8B9BEC6A9}" dt="2025-02-24T11:14:06.281" v="1344" actId="478"/>
+          <ac:cxnSpMkLst>
+            <pc:docMk/>
+            <pc:sldMk cId="4152901445" sldId="260"/>
+            <ac:cxnSpMk id="18" creationId="{75508130-F3FE-BC62-D36B-BF96CC08AF6D}"/>
+          </ac:cxnSpMkLst>
+        </pc:cxnChg>
+        <pc:cxnChg chg="mod">
+          <ac:chgData name="Zoheir HADID" userId="123d7235792d1862" providerId="LiveId" clId="{2A3E10D1-ABAB-4574-ADA8-42C8B9BEC6A9}" dt="2025-02-24T11:19:44.682" v="1503" actId="1037"/>
+          <ac:cxnSpMkLst>
+            <pc:docMk/>
+            <pc:sldMk cId="4152901445" sldId="260"/>
+            <ac:cxnSpMk id="37" creationId="{CE0BF89C-A013-9589-E207-49784BB9B3F1}"/>
+          </ac:cxnSpMkLst>
+        </pc:cxnChg>
+        <pc:cxnChg chg="mod ord">
+          <ac:chgData name="Zoheir HADID" userId="123d7235792d1862" providerId="LiveId" clId="{2A3E10D1-ABAB-4574-ADA8-42C8B9BEC6A9}" dt="2025-02-24T11:23:48.398" v="1640" actId="166"/>
+          <ac:cxnSpMkLst>
+            <pc:docMk/>
+            <pc:sldMk cId="4152901445" sldId="260"/>
+            <ac:cxnSpMk id="40" creationId="{11E67197-EE97-EEB9-FCFB-2FAFABDF41E7}"/>
           </ac:cxnSpMkLst>
         </pc:cxnChg>
       </pc:sldChg>
@@ -1208,7 +1568,7 @@
           <a:p>
             <a:fld id="{44643AC4-22AA-4210-A6CC-8CC3C7E4451E}" type="datetimeFigureOut">
               <a:rPr lang="fr-FR" smtClean="0"/>
-              <a:t>23/02/2025</a:t>
+              <a:t>24/02/2025</a:t>
             </a:fld>
             <a:endParaRPr lang="fr-FR"/>
           </a:p>
@@ -1406,7 +1766,7 @@
           <a:p>
             <a:fld id="{44643AC4-22AA-4210-A6CC-8CC3C7E4451E}" type="datetimeFigureOut">
               <a:rPr lang="fr-FR" smtClean="0"/>
-              <a:t>23/02/2025</a:t>
+              <a:t>24/02/2025</a:t>
             </a:fld>
             <a:endParaRPr lang="fr-FR"/>
           </a:p>
@@ -1614,7 +1974,7 @@
           <a:p>
             <a:fld id="{44643AC4-22AA-4210-A6CC-8CC3C7E4451E}" type="datetimeFigureOut">
               <a:rPr lang="fr-FR" smtClean="0"/>
-              <a:t>23/02/2025</a:t>
+              <a:t>24/02/2025</a:t>
             </a:fld>
             <a:endParaRPr lang="fr-FR"/>
           </a:p>
@@ -1812,7 +2172,7 @@
           <a:p>
             <a:fld id="{44643AC4-22AA-4210-A6CC-8CC3C7E4451E}" type="datetimeFigureOut">
               <a:rPr lang="fr-FR" smtClean="0"/>
-              <a:t>23/02/2025</a:t>
+              <a:t>24/02/2025</a:t>
             </a:fld>
             <a:endParaRPr lang="fr-FR"/>
           </a:p>
@@ -2087,7 +2447,7 @@
           <a:p>
             <a:fld id="{44643AC4-22AA-4210-A6CC-8CC3C7E4451E}" type="datetimeFigureOut">
               <a:rPr lang="fr-FR" smtClean="0"/>
-              <a:t>23/02/2025</a:t>
+              <a:t>24/02/2025</a:t>
             </a:fld>
             <a:endParaRPr lang="fr-FR"/>
           </a:p>
@@ -2352,7 +2712,7 @@
           <a:p>
             <a:fld id="{44643AC4-22AA-4210-A6CC-8CC3C7E4451E}" type="datetimeFigureOut">
               <a:rPr lang="fr-FR" smtClean="0"/>
-              <a:t>23/02/2025</a:t>
+              <a:t>24/02/2025</a:t>
             </a:fld>
             <a:endParaRPr lang="fr-FR"/>
           </a:p>
@@ -2764,7 +3124,7 @@
           <a:p>
             <a:fld id="{44643AC4-22AA-4210-A6CC-8CC3C7E4451E}" type="datetimeFigureOut">
               <a:rPr lang="fr-FR" smtClean="0"/>
-              <a:t>23/02/2025</a:t>
+              <a:t>24/02/2025</a:t>
             </a:fld>
             <a:endParaRPr lang="fr-FR"/>
           </a:p>
@@ -2905,7 +3265,7 @@
           <a:p>
             <a:fld id="{44643AC4-22AA-4210-A6CC-8CC3C7E4451E}" type="datetimeFigureOut">
               <a:rPr lang="fr-FR" smtClean="0"/>
-              <a:t>23/02/2025</a:t>
+              <a:t>24/02/2025</a:t>
             </a:fld>
             <a:endParaRPr lang="fr-FR"/>
           </a:p>
@@ -3018,7 +3378,7 @@
           <a:p>
             <a:fld id="{44643AC4-22AA-4210-A6CC-8CC3C7E4451E}" type="datetimeFigureOut">
               <a:rPr lang="fr-FR" smtClean="0"/>
-              <a:t>23/02/2025</a:t>
+              <a:t>24/02/2025</a:t>
             </a:fld>
             <a:endParaRPr lang="fr-FR"/>
           </a:p>
@@ -3329,7 +3689,7 @@
           <a:p>
             <a:fld id="{44643AC4-22AA-4210-A6CC-8CC3C7E4451E}" type="datetimeFigureOut">
               <a:rPr lang="fr-FR" smtClean="0"/>
-              <a:t>23/02/2025</a:t>
+              <a:t>24/02/2025</a:t>
             </a:fld>
             <a:endParaRPr lang="fr-FR"/>
           </a:p>
@@ -3617,7 +3977,7 @@
           <a:p>
             <a:fld id="{44643AC4-22AA-4210-A6CC-8CC3C7E4451E}" type="datetimeFigureOut">
               <a:rPr lang="fr-FR" smtClean="0"/>
-              <a:t>23/02/2025</a:t>
+              <a:t>24/02/2025</a:t>
             </a:fld>
             <a:endParaRPr lang="fr-FR"/>
           </a:p>
@@ -3858,7 +4218,7 @@
           <a:p>
             <a:fld id="{44643AC4-22AA-4210-A6CC-8CC3C7E4451E}" type="datetimeFigureOut">
               <a:rPr lang="fr-FR" smtClean="0"/>
-              <a:t>23/02/2025</a:t>
+              <a:t>24/02/2025</a:t>
             </a:fld>
             <a:endParaRPr lang="fr-FR"/>
           </a:p>
@@ -9652,6 +10012,2902 @@
 </p:sld>
 </file>
 
+<file path=ppt/slides/slide5.xml><?xml version="1.0" encoding="utf-8"?>
+<p:sld xmlns:a="http://schemas.openxmlformats.org/drawingml/2006/main" xmlns:r="http://schemas.openxmlformats.org/officeDocument/2006/relationships" xmlns:p="http://schemas.openxmlformats.org/presentationml/2006/main">
+  <p:cSld>
+    <p:spTree>
+      <p:nvGrpSpPr>
+        <p:cNvPr id="1" name="">
+          <a:extLst>
+            <a:ext uri="{FF2B5EF4-FFF2-40B4-BE49-F238E27FC236}">
+              <a16:creationId xmlns:a16="http://schemas.microsoft.com/office/drawing/2014/main" id="{0EE408D4-9551-DCF7-3115-D6EC674A8693}"/>
+            </a:ext>
+          </a:extLst>
+        </p:cNvPr>
+        <p:cNvGrpSpPr/>
+        <p:nvPr/>
+      </p:nvGrpSpPr>
+      <p:grpSpPr>
+        <a:xfrm>
+          <a:off x="0" y="0"/>
+          <a:ext cx="0" cy="0"/>
+          <a:chOff x="0" y="0"/>
+          <a:chExt cx="0" cy="0"/>
+        </a:xfrm>
+      </p:grpSpPr>
+      <p:grpSp>
+        <p:nvGrpSpPr>
+          <p:cNvPr id="66" name="Groupe 65">
+            <a:extLst>
+              <a:ext uri="{FF2B5EF4-FFF2-40B4-BE49-F238E27FC236}">
+                <a16:creationId xmlns:a16="http://schemas.microsoft.com/office/drawing/2014/main" id="{442271F9-3A18-E4D5-5A06-13A09D63CB37}"/>
+              </a:ext>
+            </a:extLst>
+          </p:cNvPr>
+          <p:cNvGrpSpPr/>
+          <p:nvPr/>
+        </p:nvGrpSpPr>
+        <p:grpSpPr>
+          <a:xfrm>
+            <a:off x="851568" y="1851863"/>
+            <a:ext cx="5514431" cy="2258604"/>
+            <a:chOff x="851568" y="1851863"/>
+            <a:chExt cx="5514431" cy="2258604"/>
+          </a:xfrm>
+        </p:grpSpPr>
+        <p:sp>
+          <p:nvSpPr>
+            <p:cNvPr id="42" name="Rectangle 41">
+              <a:extLst>
+                <a:ext uri="{FF2B5EF4-FFF2-40B4-BE49-F238E27FC236}">
+                  <a16:creationId xmlns:a16="http://schemas.microsoft.com/office/drawing/2014/main" id="{58879BB4-8153-03CE-9B9E-25B6B08A4469}"/>
+                </a:ext>
+              </a:extLst>
+            </p:cNvPr>
+            <p:cNvSpPr/>
+            <p:nvPr/>
+          </p:nvSpPr>
+          <p:spPr>
+            <a:xfrm>
+              <a:off x="5091962" y="2583594"/>
+              <a:ext cx="692888" cy="1440000"/>
+            </a:xfrm>
+            <a:prstGeom prst="rect">
+              <a:avLst/>
+            </a:prstGeom>
+            <a:solidFill>
+              <a:schemeClr val="accent1">
+                <a:lumMod val="40000"/>
+                <a:lumOff val="60000"/>
+              </a:schemeClr>
+            </a:solidFill>
+            <a:ln>
+              <a:noFill/>
+            </a:ln>
+          </p:spPr>
+          <p:style>
+            <a:lnRef idx="2">
+              <a:schemeClr val="accent2">
+                <a:shade val="15000"/>
+              </a:schemeClr>
+            </a:lnRef>
+            <a:fillRef idx="1">
+              <a:schemeClr val="accent2"/>
+            </a:fillRef>
+            <a:effectRef idx="0">
+              <a:schemeClr val="accent2"/>
+            </a:effectRef>
+            <a:fontRef idx="minor">
+              <a:schemeClr val="lt1"/>
+            </a:fontRef>
+          </p:style>
+          <p:txBody>
+            <a:bodyPr rtlCol="0" anchor="ctr"/>
+            <a:lstStyle/>
+            <a:p>
+              <a:pPr algn="ctr"/>
+              <a:endParaRPr lang="fr-FR" dirty="0"/>
+            </a:p>
+          </p:txBody>
+        </p:sp>
+        <p:sp>
+          <p:nvSpPr>
+            <p:cNvPr id="19" name="Rectangle 18">
+              <a:extLst>
+                <a:ext uri="{FF2B5EF4-FFF2-40B4-BE49-F238E27FC236}">
+                  <a16:creationId xmlns:a16="http://schemas.microsoft.com/office/drawing/2014/main" id="{765EC068-57A8-C0D7-DB3B-DCFD694E2410}"/>
+                </a:ext>
+              </a:extLst>
+            </p:cNvPr>
+            <p:cNvSpPr/>
+            <p:nvPr/>
+          </p:nvSpPr>
+          <p:spPr>
+            <a:xfrm>
+              <a:off x="3263784" y="2565896"/>
+              <a:ext cx="823152" cy="1440000"/>
+            </a:xfrm>
+            <a:prstGeom prst="rect">
+              <a:avLst/>
+            </a:prstGeom>
+            <a:solidFill>
+              <a:schemeClr val="accent2">
+                <a:lumMod val="60000"/>
+                <a:lumOff val="40000"/>
+              </a:schemeClr>
+            </a:solidFill>
+            <a:ln>
+              <a:noFill/>
+            </a:ln>
+          </p:spPr>
+          <p:style>
+            <a:lnRef idx="2">
+              <a:schemeClr val="accent2">
+                <a:shade val="15000"/>
+              </a:schemeClr>
+            </a:lnRef>
+            <a:fillRef idx="1">
+              <a:schemeClr val="accent2"/>
+            </a:fillRef>
+            <a:effectRef idx="0">
+              <a:schemeClr val="accent2"/>
+            </a:effectRef>
+            <a:fontRef idx="minor">
+              <a:schemeClr val="lt1"/>
+            </a:fontRef>
+          </p:style>
+          <p:txBody>
+            <a:bodyPr rtlCol="0" anchor="ctr"/>
+            <a:lstStyle/>
+            <a:p>
+              <a:pPr algn="ctr"/>
+              <a:endParaRPr lang="fr-FR" dirty="0"/>
+            </a:p>
+          </p:txBody>
+        </p:sp>
+        <p:sp>
+          <p:nvSpPr>
+            <p:cNvPr id="21" name="Rectangle 20">
+              <a:extLst>
+                <a:ext uri="{FF2B5EF4-FFF2-40B4-BE49-F238E27FC236}">
+                  <a16:creationId xmlns:a16="http://schemas.microsoft.com/office/drawing/2014/main" id="{34A1FB2D-9FA3-796E-6A12-D036F27495ED}"/>
+                </a:ext>
+              </a:extLst>
+            </p:cNvPr>
+            <p:cNvSpPr/>
+            <p:nvPr/>
+          </p:nvSpPr>
+          <p:spPr>
+            <a:xfrm rot="3680709">
+              <a:off x="2875002" y="3225728"/>
+              <a:ext cx="1586018" cy="101224"/>
+            </a:xfrm>
+            <a:prstGeom prst="rect">
+              <a:avLst/>
+            </a:prstGeom>
+            <a:ln>
+              <a:noFill/>
+            </a:ln>
+          </p:spPr>
+          <p:style>
+            <a:lnRef idx="2">
+              <a:schemeClr val="dk1">
+                <a:shade val="15000"/>
+              </a:schemeClr>
+            </a:lnRef>
+            <a:fillRef idx="1">
+              <a:schemeClr val="dk1"/>
+            </a:fillRef>
+            <a:effectRef idx="0">
+              <a:schemeClr val="dk1"/>
+            </a:effectRef>
+            <a:fontRef idx="minor">
+              <a:schemeClr val="lt1"/>
+            </a:fontRef>
+          </p:style>
+          <p:txBody>
+            <a:bodyPr rtlCol="0" anchor="ctr"/>
+            <a:lstStyle/>
+            <a:p>
+              <a:pPr algn="ctr"/>
+              <a:endParaRPr lang="fr-FR" dirty="0"/>
+            </a:p>
+          </p:txBody>
+        </p:sp>
+        <p:grpSp>
+          <p:nvGrpSpPr>
+            <p:cNvPr id="23" name="Groupe 22">
+              <a:extLst>
+                <a:ext uri="{FF2B5EF4-FFF2-40B4-BE49-F238E27FC236}">
+                  <a16:creationId xmlns:a16="http://schemas.microsoft.com/office/drawing/2014/main" id="{329F050E-F9DA-5927-4FF5-2255A975D77D}"/>
+                </a:ext>
+              </a:extLst>
+            </p:cNvPr>
+            <p:cNvGrpSpPr/>
+            <p:nvPr/>
+          </p:nvGrpSpPr>
+          <p:grpSpPr>
+            <a:xfrm>
+              <a:off x="3137783" y="3159896"/>
+              <a:ext cx="252000" cy="252000"/>
+              <a:chOff x="7980618" y="3273675"/>
+              <a:chExt cx="252000" cy="252000"/>
+            </a:xfrm>
+          </p:grpSpPr>
+          <p:sp>
+            <p:nvSpPr>
+              <p:cNvPr id="24" name="Ellipse 23">
+                <a:extLst>
+                  <a:ext uri="{FF2B5EF4-FFF2-40B4-BE49-F238E27FC236}">
+                    <a16:creationId xmlns:a16="http://schemas.microsoft.com/office/drawing/2014/main" id="{ED72F670-B1EC-5021-0882-DA7F5E39C108}"/>
+                  </a:ext>
+                </a:extLst>
+              </p:cNvPr>
+              <p:cNvSpPr/>
+              <p:nvPr/>
+            </p:nvSpPr>
+            <p:spPr>
+              <a:xfrm>
+                <a:off x="7980618" y="3273675"/>
+                <a:ext cx="252000" cy="252000"/>
+              </a:xfrm>
+              <a:prstGeom prst="ellipse">
+                <a:avLst/>
+              </a:prstGeom>
+              <a:ln>
+                <a:solidFill>
+                  <a:schemeClr val="bg2"/>
+                </a:solidFill>
+              </a:ln>
+            </p:spPr>
+            <p:style>
+              <a:lnRef idx="2">
+                <a:schemeClr val="accent1">
+                  <a:shade val="15000"/>
+                </a:schemeClr>
+              </a:lnRef>
+              <a:fillRef idx="1">
+                <a:schemeClr val="accent1"/>
+              </a:fillRef>
+              <a:effectRef idx="0">
+                <a:schemeClr val="accent1"/>
+              </a:effectRef>
+              <a:fontRef idx="minor">
+                <a:schemeClr val="lt1"/>
+              </a:fontRef>
+            </p:style>
+            <p:txBody>
+              <a:bodyPr rtlCol="0" anchor="ctr"/>
+              <a:lstStyle/>
+              <a:p>
+                <a:pPr algn="ctr"/>
+                <a:endParaRPr lang="fr-FR" dirty="0"/>
+              </a:p>
+            </p:txBody>
+          </p:sp>
+          <p:sp>
+            <p:nvSpPr>
+              <p:cNvPr id="25" name="Ellipse 24">
+                <a:extLst>
+                  <a:ext uri="{FF2B5EF4-FFF2-40B4-BE49-F238E27FC236}">
+                    <a16:creationId xmlns:a16="http://schemas.microsoft.com/office/drawing/2014/main" id="{D96B1962-D093-018C-9153-2F00D852A262}"/>
+                  </a:ext>
+                </a:extLst>
+              </p:cNvPr>
+              <p:cNvSpPr/>
+              <p:nvPr/>
+            </p:nvSpPr>
+            <p:spPr>
+              <a:xfrm>
+                <a:off x="8034618" y="3327675"/>
+                <a:ext cx="144000" cy="144000"/>
+              </a:xfrm>
+              <a:prstGeom prst="ellipse">
+                <a:avLst/>
+              </a:prstGeom>
+              <a:ln>
+                <a:noFill/>
+              </a:ln>
+            </p:spPr>
+            <p:style>
+              <a:lnRef idx="2">
+                <a:schemeClr val="accent1"/>
+              </a:lnRef>
+              <a:fillRef idx="1">
+                <a:schemeClr val="lt1"/>
+              </a:fillRef>
+              <a:effectRef idx="0">
+                <a:schemeClr val="accent1"/>
+              </a:effectRef>
+              <a:fontRef idx="minor">
+                <a:schemeClr val="dk1"/>
+              </a:fontRef>
+            </p:style>
+            <p:txBody>
+              <a:bodyPr rtlCol="0" anchor="ctr"/>
+              <a:lstStyle/>
+              <a:p>
+                <a:pPr algn="ctr"/>
+                <a:endParaRPr lang="fr-FR" dirty="0"/>
+              </a:p>
+            </p:txBody>
+          </p:sp>
+        </p:grpSp>
+        <p:grpSp>
+          <p:nvGrpSpPr>
+            <p:cNvPr id="26" name="Groupe 25">
+              <a:extLst>
+                <a:ext uri="{FF2B5EF4-FFF2-40B4-BE49-F238E27FC236}">
+                  <a16:creationId xmlns:a16="http://schemas.microsoft.com/office/drawing/2014/main" id="{E93F1676-8113-8CD1-50CF-956B5FE2CA78}"/>
+                </a:ext>
+              </a:extLst>
+            </p:cNvPr>
+            <p:cNvGrpSpPr/>
+            <p:nvPr/>
+          </p:nvGrpSpPr>
+          <p:grpSpPr>
+            <a:xfrm>
+              <a:off x="3957734" y="3159896"/>
+              <a:ext cx="252000" cy="252000"/>
+              <a:chOff x="7980618" y="3273675"/>
+              <a:chExt cx="252000" cy="252000"/>
+            </a:xfrm>
+          </p:grpSpPr>
+          <p:sp>
+            <p:nvSpPr>
+              <p:cNvPr id="27" name="Ellipse 26">
+                <a:extLst>
+                  <a:ext uri="{FF2B5EF4-FFF2-40B4-BE49-F238E27FC236}">
+                    <a16:creationId xmlns:a16="http://schemas.microsoft.com/office/drawing/2014/main" id="{C2E4A764-3D62-4DBE-5B52-42DDFD44FE76}"/>
+                  </a:ext>
+                </a:extLst>
+              </p:cNvPr>
+              <p:cNvSpPr/>
+              <p:nvPr/>
+            </p:nvSpPr>
+            <p:spPr>
+              <a:xfrm>
+                <a:off x="7980618" y="3273675"/>
+                <a:ext cx="252000" cy="252000"/>
+              </a:xfrm>
+              <a:prstGeom prst="ellipse">
+                <a:avLst/>
+              </a:prstGeom>
+              <a:solidFill>
+                <a:schemeClr val="accent2"/>
+              </a:solidFill>
+              <a:ln>
+                <a:solidFill>
+                  <a:schemeClr val="bg2"/>
+                </a:solidFill>
+              </a:ln>
+            </p:spPr>
+            <p:style>
+              <a:lnRef idx="2">
+                <a:schemeClr val="accent1">
+                  <a:shade val="15000"/>
+                </a:schemeClr>
+              </a:lnRef>
+              <a:fillRef idx="1">
+                <a:schemeClr val="accent1"/>
+              </a:fillRef>
+              <a:effectRef idx="0">
+                <a:schemeClr val="accent1"/>
+              </a:effectRef>
+              <a:fontRef idx="minor">
+                <a:schemeClr val="lt1"/>
+              </a:fontRef>
+            </p:style>
+            <p:txBody>
+              <a:bodyPr rtlCol="0" anchor="ctr"/>
+              <a:lstStyle/>
+              <a:p>
+                <a:pPr algn="ctr"/>
+                <a:endParaRPr lang="fr-FR" dirty="0"/>
+              </a:p>
+            </p:txBody>
+          </p:sp>
+          <p:sp>
+            <p:nvSpPr>
+              <p:cNvPr id="28" name="Ellipse 27">
+                <a:extLst>
+                  <a:ext uri="{FF2B5EF4-FFF2-40B4-BE49-F238E27FC236}">
+                    <a16:creationId xmlns:a16="http://schemas.microsoft.com/office/drawing/2014/main" id="{CED0596E-892D-FE51-57BA-31DC34DCFA1D}"/>
+                  </a:ext>
+                </a:extLst>
+              </p:cNvPr>
+              <p:cNvSpPr/>
+              <p:nvPr/>
+            </p:nvSpPr>
+            <p:spPr>
+              <a:xfrm>
+                <a:off x="8034618" y="3327675"/>
+                <a:ext cx="144000" cy="144000"/>
+              </a:xfrm>
+              <a:prstGeom prst="ellipse">
+                <a:avLst/>
+              </a:prstGeom>
+              <a:ln>
+                <a:noFill/>
+              </a:ln>
+            </p:spPr>
+            <p:style>
+              <a:lnRef idx="2">
+                <a:schemeClr val="accent1"/>
+              </a:lnRef>
+              <a:fillRef idx="1">
+                <a:schemeClr val="lt1"/>
+              </a:fillRef>
+              <a:effectRef idx="0">
+                <a:schemeClr val="accent1"/>
+              </a:effectRef>
+              <a:fontRef idx="minor">
+                <a:schemeClr val="dk1"/>
+              </a:fontRef>
+            </p:style>
+            <p:txBody>
+              <a:bodyPr rtlCol="0" anchor="ctr"/>
+              <a:lstStyle/>
+              <a:p>
+                <a:pPr algn="ctr"/>
+                <a:endParaRPr lang="fr-FR" dirty="0"/>
+              </a:p>
+            </p:txBody>
+          </p:sp>
+        </p:grpSp>
+        <p:grpSp>
+          <p:nvGrpSpPr>
+            <p:cNvPr id="35" name="Groupe 34">
+              <a:extLst>
+                <a:ext uri="{FF2B5EF4-FFF2-40B4-BE49-F238E27FC236}">
+                  <a16:creationId xmlns:a16="http://schemas.microsoft.com/office/drawing/2014/main" id="{2E05F8CE-743B-2750-28FE-30D2E1C6040B}"/>
+                </a:ext>
+              </a:extLst>
+            </p:cNvPr>
+            <p:cNvGrpSpPr/>
+            <p:nvPr/>
+          </p:nvGrpSpPr>
+          <p:grpSpPr>
+            <a:xfrm flipH="1">
+              <a:off x="1182792" y="2760182"/>
+              <a:ext cx="1206000" cy="1080000"/>
+              <a:chOff x="6207618" y="2265872"/>
+              <a:chExt cx="1206000" cy="1080000"/>
+            </a:xfrm>
+          </p:grpSpPr>
+          <p:sp>
+            <p:nvSpPr>
+              <p:cNvPr id="5" name="Ellipse 4">
+                <a:extLst>
+                  <a:ext uri="{FF2B5EF4-FFF2-40B4-BE49-F238E27FC236}">
+                    <a16:creationId xmlns:a16="http://schemas.microsoft.com/office/drawing/2014/main" id="{31EA7E77-02AA-3D4A-767D-AB3DE542AABE}"/>
+                  </a:ext>
+                </a:extLst>
+              </p:cNvPr>
+              <p:cNvSpPr/>
+              <p:nvPr/>
+            </p:nvSpPr>
+            <p:spPr>
+              <a:xfrm>
+                <a:off x="6333618" y="2265872"/>
+                <a:ext cx="1080000" cy="1080000"/>
+              </a:xfrm>
+              <a:prstGeom prst="ellipse">
+                <a:avLst/>
+              </a:prstGeom>
+              <a:solidFill>
+                <a:schemeClr val="accent1">
+                  <a:lumMod val="40000"/>
+                  <a:lumOff val="60000"/>
+                </a:schemeClr>
+              </a:solidFill>
+              <a:ln>
+                <a:noFill/>
+              </a:ln>
+            </p:spPr>
+            <p:style>
+              <a:lnRef idx="2">
+                <a:schemeClr val="accent1">
+                  <a:shade val="15000"/>
+                </a:schemeClr>
+              </a:lnRef>
+              <a:fillRef idx="1">
+                <a:schemeClr val="accent1"/>
+              </a:fillRef>
+              <a:effectRef idx="0">
+                <a:schemeClr val="accent1"/>
+              </a:effectRef>
+              <a:fontRef idx="minor">
+                <a:schemeClr val="lt1"/>
+              </a:fontRef>
+            </p:style>
+            <p:txBody>
+              <a:bodyPr rtlCol="0" anchor="ctr"/>
+              <a:lstStyle/>
+              <a:p>
+                <a:pPr algn="ctr"/>
+                <a:endParaRPr lang="fr-FR" dirty="0"/>
+              </a:p>
+            </p:txBody>
+          </p:sp>
+          <p:grpSp>
+            <p:nvGrpSpPr>
+              <p:cNvPr id="14" name="Groupe 13">
+                <a:extLst>
+                  <a:ext uri="{FF2B5EF4-FFF2-40B4-BE49-F238E27FC236}">
+                    <a16:creationId xmlns:a16="http://schemas.microsoft.com/office/drawing/2014/main" id="{E946E91E-05E4-C513-7ABB-1A94B0465199}"/>
+                  </a:ext>
+                </a:extLst>
+              </p:cNvPr>
+              <p:cNvGrpSpPr/>
+              <p:nvPr/>
+            </p:nvGrpSpPr>
+            <p:grpSpPr>
+              <a:xfrm>
+                <a:off x="6207618" y="2666130"/>
+                <a:ext cx="252000" cy="252000"/>
+                <a:chOff x="7980618" y="3273675"/>
+                <a:chExt cx="252000" cy="252000"/>
+              </a:xfrm>
+            </p:grpSpPr>
+            <p:sp>
+              <p:nvSpPr>
+                <p:cNvPr id="15" name="Ellipse 14">
+                  <a:extLst>
+                    <a:ext uri="{FF2B5EF4-FFF2-40B4-BE49-F238E27FC236}">
+                      <a16:creationId xmlns:a16="http://schemas.microsoft.com/office/drawing/2014/main" id="{0BFDD5C5-DA3C-2D09-94F9-4B638006A557}"/>
+                    </a:ext>
+                  </a:extLst>
+                </p:cNvPr>
+                <p:cNvSpPr/>
+                <p:nvPr/>
+              </p:nvSpPr>
+              <p:spPr>
+                <a:xfrm>
+                  <a:off x="7980618" y="3273675"/>
+                  <a:ext cx="252000" cy="252000"/>
+                </a:xfrm>
+                <a:prstGeom prst="ellipse">
+                  <a:avLst/>
+                </a:prstGeom>
+                <a:solidFill>
+                  <a:schemeClr val="accent2"/>
+                </a:solidFill>
+                <a:ln>
+                  <a:solidFill>
+                    <a:schemeClr val="bg2"/>
+                  </a:solidFill>
+                </a:ln>
+              </p:spPr>
+              <p:style>
+                <a:lnRef idx="2">
+                  <a:schemeClr val="accent1">
+                    <a:shade val="15000"/>
+                  </a:schemeClr>
+                </a:lnRef>
+                <a:fillRef idx="1">
+                  <a:schemeClr val="accent1"/>
+                </a:fillRef>
+                <a:effectRef idx="0">
+                  <a:schemeClr val="accent1"/>
+                </a:effectRef>
+                <a:fontRef idx="minor">
+                  <a:schemeClr val="lt1"/>
+                </a:fontRef>
+              </p:style>
+              <p:txBody>
+                <a:bodyPr rtlCol="0" anchor="ctr"/>
+                <a:lstStyle/>
+                <a:p>
+                  <a:pPr algn="ctr"/>
+                  <a:endParaRPr lang="fr-FR" dirty="0"/>
+                </a:p>
+              </p:txBody>
+            </p:sp>
+            <p:sp>
+              <p:nvSpPr>
+                <p:cNvPr id="16" name="Ellipse 15">
+                  <a:extLst>
+                    <a:ext uri="{FF2B5EF4-FFF2-40B4-BE49-F238E27FC236}">
+                      <a16:creationId xmlns:a16="http://schemas.microsoft.com/office/drawing/2014/main" id="{0BC57CD7-057B-947E-50E1-8BF925A0A833}"/>
+                    </a:ext>
+                  </a:extLst>
+                </p:cNvPr>
+                <p:cNvSpPr/>
+                <p:nvPr/>
+              </p:nvSpPr>
+              <p:spPr>
+                <a:xfrm>
+                  <a:off x="8034618" y="3327675"/>
+                  <a:ext cx="144000" cy="144000"/>
+                </a:xfrm>
+                <a:prstGeom prst="ellipse">
+                  <a:avLst/>
+                </a:prstGeom>
+                <a:ln>
+                  <a:noFill/>
+                </a:ln>
+              </p:spPr>
+              <p:style>
+                <a:lnRef idx="2">
+                  <a:schemeClr val="accent1"/>
+                </a:lnRef>
+                <a:fillRef idx="1">
+                  <a:schemeClr val="lt1"/>
+                </a:fillRef>
+                <a:effectRef idx="0">
+                  <a:schemeClr val="accent1"/>
+                </a:effectRef>
+                <a:fontRef idx="minor">
+                  <a:schemeClr val="dk1"/>
+                </a:fontRef>
+              </p:style>
+              <p:txBody>
+                <a:bodyPr rtlCol="0" anchor="ctr"/>
+                <a:lstStyle/>
+                <a:p>
+                  <a:pPr algn="ctr"/>
+                  <a:endParaRPr lang="fr-FR" dirty="0"/>
+                </a:p>
+              </p:txBody>
+            </p:sp>
+          </p:grpSp>
+        </p:grpSp>
+        <p:cxnSp>
+          <p:nvCxnSpPr>
+            <p:cNvPr id="37" name="Connecteur droit avec flèche 36">
+              <a:extLst>
+                <a:ext uri="{FF2B5EF4-FFF2-40B4-BE49-F238E27FC236}">
+                  <a16:creationId xmlns:a16="http://schemas.microsoft.com/office/drawing/2014/main" id="{CE0BF89C-A013-9589-E207-49784BB9B3F1}"/>
+                </a:ext>
+              </a:extLst>
+            </p:cNvPr>
+            <p:cNvCxnSpPr>
+              <a:cxnSpLocks/>
+              <a:stCxn id="16" idx="2"/>
+              <a:endCxn id="25" idx="2"/>
+            </p:cNvCxnSpPr>
+            <p:nvPr/>
+          </p:nvCxnSpPr>
+          <p:spPr>
+            <a:xfrm flipV="1">
+              <a:off x="2334792" y="3285896"/>
+              <a:ext cx="856991" cy="544"/>
+            </a:xfrm>
+            <a:prstGeom prst="straightConnector1">
+              <a:avLst/>
+            </a:prstGeom>
+            <a:ln>
+              <a:tailEnd type="triangle"/>
+            </a:ln>
+          </p:spPr>
+          <p:style>
+            <a:lnRef idx="2">
+              <a:schemeClr val="accent1"/>
+            </a:lnRef>
+            <a:fillRef idx="0">
+              <a:schemeClr val="accent1"/>
+            </a:fillRef>
+            <a:effectRef idx="1">
+              <a:schemeClr val="accent1"/>
+            </a:effectRef>
+            <a:fontRef idx="minor">
+              <a:schemeClr val="tx1"/>
+            </a:fontRef>
+          </p:style>
+        </p:cxnSp>
+        <p:sp>
+          <p:nvSpPr>
+            <p:cNvPr id="48" name="Rectangle 1">
+              <a:extLst>
+                <a:ext uri="{FF2B5EF4-FFF2-40B4-BE49-F238E27FC236}">
+                  <a16:creationId xmlns:a16="http://schemas.microsoft.com/office/drawing/2014/main" id="{0D6A51B7-41C0-7EA6-3E51-67B3CA511E7B}"/>
+                </a:ext>
+              </a:extLst>
+            </p:cNvPr>
+            <p:cNvSpPr>
+              <a:spLocks noChangeArrowheads="1"/>
+            </p:cNvSpPr>
+            <p:nvPr/>
+          </p:nvSpPr>
+          <p:spPr bwMode="auto">
+            <a:xfrm>
+              <a:off x="851568" y="2712882"/>
+              <a:ext cx="1682030" cy="997196"/>
+            </a:xfrm>
+            <a:prstGeom prst="rect">
+              <a:avLst/>
+            </a:prstGeom>
+            <a:noFill/>
+            <a:ln>
+              <a:noFill/>
+            </a:ln>
+            <a:effectLst/>
+            <a:extLst>
+              <a:ext uri="{909E8E84-426E-40DD-AFC4-6F175D3DCCD1}">
+                <a14:hiddenFill xmlns:a14="http://schemas.microsoft.com/office/drawing/2010/main">
+                  <a:solidFill>
+                    <a:schemeClr val="accent1"/>
+                  </a:solidFill>
+                </a14:hiddenFill>
+              </a:ext>
+              <a:ext uri="{91240B29-F687-4F45-9708-019B960494DF}">
+                <a14:hiddenLine xmlns:a14="http://schemas.microsoft.com/office/drawing/2010/main" w="9525">
+                  <a:solidFill>
+                    <a:schemeClr val="tx1"/>
+                  </a:solidFill>
+                  <a:miter lim="800000"/>
+                  <a:headEnd/>
+                  <a:tailEnd/>
+                </a14:hiddenLine>
+              </a:ext>
+              <a:ext uri="{AF507438-7753-43E0-B8FC-AC1667EBCBE1}">
+                <a14:hiddenEffects xmlns:a14="http://schemas.microsoft.com/office/drawing/2010/main">
+                  <a:effectLst>
+                    <a:outerShdw dist="35921" dir="2700000" algn="ctr" rotWithShape="0">
+                      <a:schemeClr val="bg2"/>
+                    </a:outerShdw>
+                  </a:effectLst>
+                </a14:hiddenEffects>
+              </a:ext>
+            </a:extLst>
+          </p:spPr>
+          <p:txBody>
+            <a:bodyPr vert="horz" wrap="square" lIns="91440" tIns="45720" rIns="91440" bIns="45720" numCol="1" anchor="ctr" anchorCtr="0" compatLnSpc="1">
+              <a:prstTxWarp prst="textNoShape">
+                <a:avLst/>
+              </a:prstTxWarp>
+              <a:spAutoFit/>
+            </a:bodyPr>
+            <a:lstStyle>
+              <a:lvl1pPr eaLnBrk="0" fontAlgn="base" hangingPunct="0">
+                <a:spcBef>
+                  <a:spcPct val="30000"/>
+                </a:spcBef>
+                <a:spcAft>
+                  <a:spcPct val="0"/>
+                </a:spcAft>
+                <a:defRPr sz="1200">
+                  <a:solidFill>
+                    <a:schemeClr val="tx1"/>
+                  </a:solidFill>
+                  <a:latin typeface="Arial" panose="020B0604020202020204" pitchFamily="34" charset="0"/>
+                </a:defRPr>
+              </a:lvl1pPr>
+              <a:lvl2pPr eaLnBrk="0" fontAlgn="base" hangingPunct="0">
+                <a:spcBef>
+                  <a:spcPct val="30000"/>
+                </a:spcBef>
+                <a:spcAft>
+                  <a:spcPct val="0"/>
+                </a:spcAft>
+                <a:defRPr sz="1200">
+                  <a:solidFill>
+                    <a:schemeClr val="tx1"/>
+                  </a:solidFill>
+                  <a:latin typeface="Arial" panose="020B0604020202020204" pitchFamily="34" charset="0"/>
+                </a:defRPr>
+              </a:lvl2pPr>
+              <a:lvl3pPr eaLnBrk="0" fontAlgn="base" hangingPunct="0">
+                <a:spcBef>
+                  <a:spcPct val="30000"/>
+                </a:spcBef>
+                <a:spcAft>
+                  <a:spcPct val="0"/>
+                </a:spcAft>
+                <a:defRPr sz="1200">
+                  <a:solidFill>
+                    <a:schemeClr val="tx1"/>
+                  </a:solidFill>
+                  <a:latin typeface="Arial" panose="020B0604020202020204" pitchFamily="34" charset="0"/>
+                </a:defRPr>
+              </a:lvl3pPr>
+              <a:lvl4pPr eaLnBrk="0" fontAlgn="base" hangingPunct="0">
+                <a:spcBef>
+                  <a:spcPct val="30000"/>
+                </a:spcBef>
+                <a:spcAft>
+                  <a:spcPct val="0"/>
+                </a:spcAft>
+                <a:defRPr sz="1200">
+                  <a:solidFill>
+                    <a:schemeClr val="tx1"/>
+                  </a:solidFill>
+                  <a:latin typeface="Arial" panose="020B0604020202020204" pitchFamily="34" charset="0"/>
+                </a:defRPr>
+              </a:lvl4pPr>
+              <a:lvl5pPr eaLnBrk="0" fontAlgn="base" hangingPunct="0">
+                <a:spcBef>
+                  <a:spcPct val="30000"/>
+                </a:spcBef>
+                <a:spcAft>
+                  <a:spcPct val="0"/>
+                </a:spcAft>
+                <a:defRPr sz="1200">
+                  <a:solidFill>
+                    <a:schemeClr val="tx1"/>
+                  </a:solidFill>
+                  <a:latin typeface="Arial" panose="020B0604020202020204" pitchFamily="34" charset="0"/>
+                </a:defRPr>
+              </a:lvl5pPr>
+              <a:lvl6pPr eaLnBrk="0" fontAlgn="base" hangingPunct="0">
+                <a:spcBef>
+                  <a:spcPct val="30000"/>
+                </a:spcBef>
+                <a:spcAft>
+                  <a:spcPct val="0"/>
+                </a:spcAft>
+                <a:defRPr sz="1200">
+                  <a:solidFill>
+                    <a:schemeClr val="tx1"/>
+                  </a:solidFill>
+                  <a:latin typeface="Arial" panose="020B0604020202020204" pitchFamily="34" charset="0"/>
+                </a:defRPr>
+              </a:lvl6pPr>
+              <a:lvl7pPr eaLnBrk="0" fontAlgn="base" hangingPunct="0">
+                <a:spcBef>
+                  <a:spcPct val="30000"/>
+                </a:spcBef>
+                <a:spcAft>
+                  <a:spcPct val="0"/>
+                </a:spcAft>
+                <a:defRPr sz="1200">
+                  <a:solidFill>
+                    <a:schemeClr val="tx1"/>
+                  </a:solidFill>
+                  <a:latin typeface="Arial" panose="020B0604020202020204" pitchFamily="34" charset="0"/>
+                </a:defRPr>
+              </a:lvl7pPr>
+              <a:lvl8pPr eaLnBrk="0" fontAlgn="base" hangingPunct="0">
+                <a:spcBef>
+                  <a:spcPct val="30000"/>
+                </a:spcBef>
+                <a:spcAft>
+                  <a:spcPct val="0"/>
+                </a:spcAft>
+                <a:defRPr sz="1200">
+                  <a:solidFill>
+                    <a:schemeClr val="tx1"/>
+                  </a:solidFill>
+                  <a:latin typeface="Arial" panose="020B0604020202020204" pitchFamily="34" charset="0"/>
+                </a:defRPr>
+              </a:lvl8pPr>
+              <a:lvl9pPr eaLnBrk="0" fontAlgn="base" hangingPunct="0">
+                <a:spcBef>
+                  <a:spcPct val="30000"/>
+                </a:spcBef>
+                <a:spcAft>
+                  <a:spcPct val="0"/>
+                </a:spcAft>
+                <a:defRPr sz="1200">
+                  <a:solidFill>
+                    <a:schemeClr val="tx1"/>
+                  </a:solidFill>
+                  <a:latin typeface="Arial" panose="020B0604020202020204" pitchFamily="34" charset="0"/>
+                </a:defRPr>
+              </a:lvl9pPr>
+            </a:lstStyle>
+            <a:p>
+              <a:pPr lvl="0"/>
+              <a:r>
+                <a:rPr kumimoji="0" lang="fr-FR" altLang="fr-FR" sz="1200" b="1" i="0" u="none" strike="noStrike" cap="none" normalizeH="0" baseline="0" dirty="0" err="1">
+                  <a:ln>
+                    <a:noFill/>
+                  </a:ln>
+                  <a:solidFill>
+                    <a:schemeClr val="tx1"/>
+                  </a:solidFill>
+                  <a:effectLst/>
+                  <a:latin typeface="Arial" panose="020B0604020202020204" pitchFamily="34" charset="0"/>
+                </a:rPr>
+                <a:t>FreshAir.Object</a:t>
+              </a:r>
+              <a:r>
+                <a:rPr kumimoji="0" lang="fr-FR" altLang="fr-FR" sz="1200" b="1" i="0" u="none" strike="noStrike" cap="none" normalizeH="0" baseline="0" dirty="0">
+                  <a:ln>
+                    <a:noFill/>
+                  </a:ln>
+                  <a:solidFill>
+                    <a:schemeClr val="tx1"/>
+                  </a:solidFill>
+                  <a:effectLst/>
+                  <a:latin typeface="Arial" panose="020B0604020202020204" pitchFamily="34" charset="0"/>
+                </a:rPr>
+                <a:t>()</a:t>
+              </a:r>
+              <a:r>
+                <a:rPr lang="fr-FR" altLang="fr-FR" b="1" dirty="0"/>
+                <a:t> </a:t>
+              </a:r>
+            </a:p>
+            <a:p>
+              <a:pPr lvl="0"/>
+              <a:r>
+                <a:rPr lang="pt-BR" altLang="fr-FR" dirty="0"/>
+                <a:t>F_m3h=3000 #m3/h</a:t>
+              </a:r>
+            </a:p>
+            <a:p>
+              <a:pPr lvl="0"/>
+              <a:r>
+                <a:rPr lang="pt-BR" altLang="fr-FR" dirty="0"/>
+                <a:t>T=5 #°C</a:t>
+              </a:r>
+            </a:p>
+            <a:p>
+              <a:pPr lvl="0"/>
+              <a:r>
+                <a:rPr lang="pt-BR" altLang="fr-FR" dirty="0"/>
+                <a:t>RH=80 # %</a:t>
+              </a:r>
+              <a:endParaRPr kumimoji="0" lang="fr-FR" altLang="fr-FR" sz="2000" b="0" i="0" u="none" strike="noStrike" cap="none" normalizeH="0" baseline="0" dirty="0">
+                <a:ln>
+                  <a:noFill/>
+                </a:ln>
+                <a:solidFill>
+                  <a:schemeClr val="tx1"/>
+                </a:solidFill>
+                <a:effectLst/>
+                <a:latin typeface="Arial" panose="020B0604020202020204" pitchFamily="34" charset="0"/>
+              </a:endParaRPr>
+            </a:p>
+          </p:txBody>
+        </p:sp>
+        <p:sp>
+          <p:nvSpPr>
+            <p:cNvPr id="49" name="Rectangle 2">
+              <a:extLst>
+                <a:ext uri="{FF2B5EF4-FFF2-40B4-BE49-F238E27FC236}">
+                  <a16:creationId xmlns:a16="http://schemas.microsoft.com/office/drawing/2014/main" id="{2CB849B6-F822-5C12-B9F6-87D377C2E853}"/>
+                </a:ext>
+              </a:extLst>
+            </p:cNvPr>
+            <p:cNvSpPr>
+              <a:spLocks noChangeArrowheads="1"/>
+            </p:cNvSpPr>
+            <p:nvPr/>
+          </p:nvSpPr>
+          <p:spPr bwMode="auto">
+            <a:xfrm>
+              <a:off x="2952020" y="2086535"/>
+              <a:ext cx="1681965" cy="497059"/>
+            </a:xfrm>
+            <a:prstGeom prst="rect">
+              <a:avLst/>
+            </a:prstGeom>
+            <a:noFill/>
+            <a:ln>
+              <a:noFill/>
+            </a:ln>
+            <a:effectLst/>
+            <a:extLst>
+              <a:ext uri="{909E8E84-426E-40DD-AFC4-6F175D3DCCD1}">
+                <a14:hiddenFill xmlns:a14="http://schemas.microsoft.com/office/drawing/2010/main">
+                  <a:solidFill>
+                    <a:schemeClr val="accent1"/>
+                  </a:solidFill>
+                </a14:hiddenFill>
+              </a:ext>
+              <a:ext uri="{91240B29-F687-4F45-9708-019B960494DF}">
+                <a14:hiddenLine xmlns:a14="http://schemas.microsoft.com/office/drawing/2010/main" w="9525">
+                  <a:solidFill>
+                    <a:schemeClr val="tx1"/>
+                  </a:solidFill>
+                  <a:miter lim="800000"/>
+                  <a:headEnd/>
+                  <a:tailEnd/>
+                </a14:hiddenLine>
+              </a:ext>
+              <a:ext uri="{AF507438-7753-43E0-B8FC-AC1667EBCBE1}">
+                <a14:hiddenEffects xmlns:a14="http://schemas.microsoft.com/office/drawing/2010/main">
+                  <a:effectLst>
+                    <a:outerShdw dist="35921" dir="2700000" algn="ctr" rotWithShape="0">
+                      <a:schemeClr val="bg2"/>
+                    </a:outerShdw>
+                  </a:effectLst>
+                </a14:hiddenEffects>
+              </a:ext>
+            </a:extLst>
+          </p:spPr>
+          <p:txBody>
+            <a:bodyPr vert="horz" wrap="square" lIns="91440" tIns="45720" rIns="91440" bIns="45720" numCol="1" anchor="ctr" anchorCtr="0" compatLnSpc="1">
+              <a:prstTxWarp prst="textNoShape">
+                <a:avLst/>
+              </a:prstTxWarp>
+              <a:spAutoFit/>
+            </a:bodyPr>
+            <a:lstStyle>
+              <a:lvl1pPr eaLnBrk="0" fontAlgn="base" hangingPunct="0">
+                <a:spcBef>
+                  <a:spcPct val="30000"/>
+                </a:spcBef>
+                <a:spcAft>
+                  <a:spcPct val="0"/>
+                </a:spcAft>
+                <a:defRPr sz="1200">
+                  <a:solidFill>
+                    <a:schemeClr val="tx1"/>
+                  </a:solidFill>
+                  <a:latin typeface="Arial" panose="020B0604020202020204" pitchFamily="34" charset="0"/>
+                </a:defRPr>
+              </a:lvl1pPr>
+              <a:lvl2pPr eaLnBrk="0" fontAlgn="base" hangingPunct="0">
+                <a:spcBef>
+                  <a:spcPct val="30000"/>
+                </a:spcBef>
+                <a:spcAft>
+                  <a:spcPct val="0"/>
+                </a:spcAft>
+                <a:defRPr sz="1200">
+                  <a:solidFill>
+                    <a:schemeClr val="tx1"/>
+                  </a:solidFill>
+                  <a:latin typeface="Arial" panose="020B0604020202020204" pitchFamily="34" charset="0"/>
+                </a:defRPr>
+              </a:lvl2pPr>
+              <a:lvl3pPr eaLnBrk="0" fontAlgn="base" hangingPunct="0">
+                <a:spcBef>
+                  <a:spcPct val="30000"/>
+                </a:spcBef>
+                <a:spcAft>
+                  <a:spcPct val="0"/>
+                </a:spcAft>
+                <a:defRPr sz="1200">
+                  <a:solidFill>
+                    <a:schemeClr val="tx1"/>
+                  </a:solidFill>
+                  <a:latin typeface="Arial" panose="020B0604020202020204" pitchFamily="34" charset="0"/>
+                </a:defRPr>
+              </a:lvl3pPr>
+              <a:lvl4pPr eaLnBrk="0" fontAlgn="base" hangingPunct="0">
+                <a:spcBef>
+                  <a:spcPct val="30000"/>
+                </a:spcBef>
+                <a:spcAft>
+                  <a:spcPct val="0"/>
+                </a:spcAft>
+                <a:defRPr sz="1200">
+                  <a:solidFill>
+                    <a:schemeClr val="tx1"/>
+                  </a:solidFill>
+                  <a:latin typeface="Arial" panose="020B0604020202020204" pitchFamily="34" charset="0"/>
+                </a:defRPr>
+              </a:lvl4pPr>
+              <a:lvl5pPr eaLnBrk="0" fontAlgn="base" hangingPunct="0">
+                <a:spcBef>
+                  <a:spcPct val="30000"/>
+                </a:spcBef>
+                <a:spcAft>
+                  <a:spcPct val="0"/>
+                </a:spcAft>
+                <a:defRPr sz="1200">
+                  <a:solidFill>
+                    <a:schemeClr val="tx1"/>
+                  </a:solidFill>
+                  <a:latin typeface="Arial" panose="020B0604020202020204" pitchFamily="34" charset="0"/>
+                </a:defRPr>
+              </a:lvl5pPr>
+              <a:lvl6pPr eaLnBrk="0" fontAlgn="base" hangingPunct="0">
+                <a:spcBef>
+                  <a:spcPct val="30000"/>
+                </a:spcBef>
+                <a:spcAft>
+                  <a:spcPct val="0"/>
+                </a:spcAft>
+                <a:defRPr sz="1200">
+                  <a:solidFill>
+                    <a:schemeClr val="tx1"/>
+                  </a:solidFill>
+                  <a:latin typeface="Arial" panose="020B0604020202020204" pitchFamily="34" charset="0"/>
+                </a:defRPr>
+              </a:lvl6pPr>
+              <a:lvl7pPr eaLnBrk="0" fontAlgn="base" hangingPunct="0">
+                <a:spcBef>
+                  <a:spcPct val="30000"/>
+                </a:spcBef>
+                <a:spcAft>
+                  <a:spcPct val="0"/>
+                </a:spcAft>
+                <a:defRPr sz="1200">
+                  <a:solidFill>
+                    <a:schemeClr val="tx1"/>
+                  </a:solidFill>
+                  <a:latin typeface="Arial" panose="020B0604020202020204" pitchFamily="34" charset="0"/>
+                </a:defRPr>
+              </a:lvl7pPr>
+              <a:lvl8pPr eaLnBrk="0" fontAlgn="base" hangingPunct="0">
+                <a:spcBef>
+                  <a:spcPct val="30000"/>
+                </a:spcBef>
+                <a:spcAft>
+                  <a:spcPct val="0"/>
+                </a:spcAft>
+                <a:defRPr sz="1200">
+                  <a:solidFill>
+                    <a:schemeClr val="tx1"/>
+                  </a:solidFill>
+                  <a:latin typeface="Arial" panose="020B0604020202020204" pitchFamily="34" charset="0"/>
+                </a:defRPr>
+              </a:lvl8pPr>
+              <a:lvl9pPr eaLnBrk="0" fontAlgn="base" hangingPunct="0">
+                <a:spcBef>
+                  <a:spcPct val="30000"/>
+                </a:spcBef>
+                <a:spcAft>
+                  <a:spcPct val="0"/>
+                </a:spcAft>
+                <a:defRPr sz="1200">
+                  <a:solidFill>
+                    <a:schemeClr val="tx1"/>
+                  </a:solidFill>
+                  <a:latin typeface="Arial" panose="020B0604020202020204" pitchFamily="34" charset="0"/>
+                </a:defRPr>
+              </a:lvl9pPr>
+            </a:lstStyle>
+            <a:p>
+              <a:pPr marL="0" marR="0" lvl="0" indent="0" algn="ctr" defTabSz="914400" rtl="0" eaLnBrk="0" fontAlgn="base" latinLnBrk="0" hangingPunct="0">
+                <a:lnSpc>
+                  <a:spcPct val="100000"/>
+                </a:lnSpc>
+                <a:spcBef>
+                  <a:spcPct val="30000"/>
+                </a:spcBef>
+                <a:spcAft>
+                  <a:spcPct val="0"/>
+                </a:spcAft>
+                <a:buClrTx/>
+                <a:buSzTx/>
+                <a:buFontTx/>
+                <a:buNone/>
+                <a:tabLst/>
+              </a:pPr>
+              <a:r>
+                <a:rPr kumimoji="0" lang="fr-FR" altLang="fr-FR" sz="1200" b="1" i="0" u="none" strike="noStrike" cap="none" normalizeH="0" baseline="0" dirty="0" err="1">
+                  <a:ln>
+                    <a:noFill/>
+                  </a:ln>
+                  <a:solidFill>
+                    <a:schemeClr val="tx1"/>
+                  </a:solidFill>
+                  <a:effectLst/>
+                  <a:latin typeface="Arial" panose="020B0604020202020204" pitchFamily="34" charset="0"/>
+                </a:rPr>
+                <a:t>HeatingCoil.Object</a:t>
+              </a:r>
+              <a:r>
+                <a:rPr kumimoji="0" lang="fr-FR" altLang="fr-FR" sz="1200" b="1" i="0" u="none" strike="noStrike" cap="none" normalizeH="0" baseline="0" dirty="0">
+                  <a:ln>
+                    <a:noFill/>
+                  </a:ln>
+                  <a:solidFill>
+                    <a:schemeClr val="tx1"/>
+                  </a:solidFill>
+                  <a:effectLst/>
+                  <a:latin typeface="Arial" panose="020B0604020202020204" pitchFamily="34" charset="0"/>
+                </a:rPr>
+                <a:t>()</a:t>
+              </a:r>
+            </a:p>
+            <a:p>
+              <a:pPr marL="0" marR="0" lvl="0" indent="0" algn="ctr" defTabSz="914400" rtl="0" eaLnBrk="0" fontAlgn="base" latinLnBrk="0" hangingPunct="0">
+                <a:lnSpc>
+                  <a:spcPct val="100000"/>
+                </a:lnSpc>
+                <a:spcBef>
+                  <a:spcPct val="30000"/>
+                </a:spcBef>
+                <a:spcAft>
+                  <a:spcPct val="0"/>
+                </a:spcAft>
+                <a:buClrTx/>
+                <a:buSzTx/>
+                <a:buFontTx/>
+                <a:buNone/>
+                <a:tabLst/>
+              </a:pPr>
+              <a:r>
+                <a:rPr kumimoji="0" lang="en-US" altLang="fr-FR" sz="1100" b="0" i="0" u="none" strike="noStrike" cap="none" normalizeH="0" baseline="0" dirty="0" err="1">
+                  <a:ln>
+                    <a:noFill/>
+                  </a:ln>
+                  <a:solidFill>
+                    <a:schemeClr val="tx1"/>
+                  </a:solidFill>
+                  <a:effectLst/>
+                </a:rPr>
+                <a:t>To_target</a:t>
+              </a:r>
+              <a:r>
+                <a:rPr kumimoji="0" lang="en-US" altLang="fr-FR" sz="1100" b="0" i="0" u="none" strike="noStrike" cap="none" normalizeH="0" baseline="0" dirty="0">
+                  <a:ln>
+                    <a:noFill/>
+                  </a:ln>
+                  <a:solidFill>
+                    <a:schemeClr val="tx1"/>
+                  </a:solidFill>
+                  <a:effectLst/>
+                </a:rPr>
+                <a:t>=20 #°C</a:t>
+              </a:r>
+              <a:endParaRPr kumimoji="0" lang="fr-FR" altLang="fr-FR" sz="1200" b="0" i="0" u="none" strike="noStrike" cap="none" normalizeH="0" baseline="0" dirty="0">
+                <a:ln>
+                  <a:noFill/>
+                </a:ln>
+                <a:solidFill>
+                  <a:schemeClr val="tx1"/>
+                </a:solidFill>
+                <a:effectLst/>
+                <a:latin typeface="Arial" panose="020B0604020202020204" pitchFamily="34" charset="0"/>
+              </a:endParaRPr>
+            </a:p>
+          </p:txBody>
+        </p:sp>
+        <p:sp>
+          <p:nvSpPr>
+            <p:cNvPr id="52" name="Rectangle 4">
+              <a:extLst>
+                <a:ext uri="{FF2B5EF4-FFF2-40B4-BE49-F238E27FC236}">
+                  <a16:creationId xmlns:a16="http://schemas.microsoft.com/office/drawing/2014/main" id="{4FDB5366-4AC5-7356-6FC0-6F22DA91D4C5}"/>
+                </a:ext>
+              </a:extLst>
+            </p:cNvPr>
+            <p:cNvSpPr>
+              <a:spLocks noChangeArrowheads="1"/>
+            </p:cNvSpPr>
+            <p:nvPr/>
+          </p:nvSpPr>
+          <p:spPr bwMode="auto">
+            <a:xfrm>
+              <a:off x="2263666" y="3252977"/>
+              <a:ext cx="1153532" cy="276999"/>
+            </a:xfrm>
+            <a:prstGeom prst="rect">
+              <a:avLst/>
+            </a:prstGeom>
+            <a:noFill/>
+            <a:ln>
+              <a:noFill/>
+            </a:ln>
+            <a:effectLst/>
+            <a:extLst>
+              <a:ext uri="{909E8E84-426E-40DD-AFC4-6F175D3DCCD1}">
+                <a14:hiddenFill xmlns:a14="http://schemas.microsoft.com/office/drawing/2010/main">
+                  <a:solidFill>
+                    <a:schemeClr val="accent1"/>
+                  </a:solidFill>
+                </a14:hiddenFill>
+              </a:ext>
+              <a:ext uri="{91240B29-F687-4F45-9708-019B960494DF}">
+                <a14:hiddenLine xmlns:a14="http://schemas.microsoft.com/office/drawing/2010/main" w="9525">
+                  <a:solidFill>
+                    <a:schemeClr val="tx1"/>
+                  </a:solidFill>
+                  <a:miter lim="800000"/>
+                  <a:headEnd/>
+                  <a:tailEnd/>
+                </a14:hiddenLine>
+              </a:ext>
+              <a:ext uri="{AF507438-7753-43E0-B8FC-AC1667EBCBE1}">
+                <a14:hiddenEffects xmlns:a14="http://schemas.microsoft.com/office/drawing/2010/main">
+                  <a:effectLst>
+                    <a:outerShdw dist="35921" dir="2700000" algn="ctr" rotWithShape="0">
+                      <a:schemeClr val="bg2"/>
+                    </a:outerShdw>
+                  </a:effectLst>
+                </a14:hiddenEffects>
+              </a:ext>
+            </a:extLst>
+          </p:spPr>
+          <p:txBody>
+            <a:bodyPr vert="horz" wrap="square" lIns="91440" tIns="45720" rIns="91440" bIns="45720" numCol="1" anchor="ctr" anchorCtr="0" compatLnSpc="1">
+              <a:prstTxWarp prst="textNoShape">
+                <a:avLst/>
+              </a:prstTxWarp>
+              <a:spAutoFit/>
+            </a:bodyPr>
+            <a:lstStyle>
+              <a:lvl1pPr eaLnBrk="0" fontAlgn="base" hangingPunct="0">
+                <a:spcBef>
+                  <a:spcPct val="30000"/>
+                </a:spcBef>
+                <a:spcAft>
+                  <a:spcPct val="0"/>
+                </a:spcAft>
+                <a:defRPr sz="1200">
+                  <a:solidFill>
+                    <a:schemeClr val="tx1"/>
+                  </a:solidFill>
+                  <a:latin typeface="Arial" panose="020B0604020202020204" pitchFamily="34" charset="0"/>
+                </a:defRPr>
+              </a:lvl1pPr>
+              <a:lvl2pPr eaLnBrk="0" fontAlgn="base" hangingPunct="0">
+                <a:spcBef>
+                  <a:spcPct val="30000"/>
+                </a:spcBef>
+                <a:spcAft>
+                  <a:spcPct val="0"/>
+                </a:spcAft>
+                <a:defRPr sz="1200">
+                  <a:solidFill>
+                    <a:schemeClr val="tx1"/>
+                  </a:solidFill>
+                  <a:latin typeface="Arial" panose="020B0604020202020204" pitchFamily="34" charset="0"/>
+                </a:defRPr>
+              </a:lvl2pPr>
+              <a:lvl3pPr eaLnBrk="0" fontAlgn="base" hangingPunct="0">
+                <a:spcBef>
+                  <a:spcPct val="30000"/>
+                </a:spcBef>
+                <a:spcAft>
+                  <a:spcPct val="0"/>
+                </a:spcAft>
+                <a:defRPr sz="1200">
+                  <a:solidFill>
+                    <a:schemeClr val="tx1"/>
+                  </a:solidFill>
+                  <a:latin typeface="Arial" panose="020B0604020202020204" pitchFamily="34" charset="0"/>
+                </a:defRPr>
+              </a:lvl3pPr>
+              <a:lvl4pPr eaLnBrk="0" fontAlgn="base" hangingPunct="0">
+                <a:spcBef>
+                  <a:spcPct val="30000"/>
+                </a:spcBef>
+                <a:spcAft>
+                  <a:spcPct val="0"/>
+                </a:spcAft>
+                <a:defRPr sz="1200">
+                  <a:solidFill>
+                    <a:schemeClr val="tx1"/>
+                  </a:solidFill>
+                  <a:latin typeface="Arial" panose="020B0604020202020204" pitchFamily="34" charset="0"/>
+                </a:defRPr>
+              </a:lvl4pPr>
+              <a:lvl5pPr eaLnBrk="0" fontAlgn="base" hangingPunct="0">
+                <a:spcBef>
+                  <a:spcPct val="30000"/>
+                </a:spcBef>
+                <a:spcAft>
+                  <a:spcPct val="0"/>
+                </a:spcAft>
+                <a:defRPr sz="1200">
+                  <a:solidFill>
+                    <a:schemeClr val="tx1"/>
+                  </a:solidFill>
+                  <a:latin typeface="Arial" panose="020B0604020202020204" pitchFamily="34" charset="0"/>
+                </a:defRPr>
+              </a:lvl5pPr>
+              <a:lvl6pPr eaLnBrk="0" fontAlgn="base" hangingPunct="0">
+                <a:spcBef>
+                  <a:spcPct val="30000"/>
+                </a:spcBef>
+                <a:spcAft>
+                  <a:spcPct val="0"/>
+                </a:spcAft>
+                <a:defRPr sz="1200">
+                  <a:solidFill>
+                    <a:schemeClr val="tx1"/>
+                  </a:solidFill>
+                  <a:latin typeface="Arial" panose="020B0604020202020204" pitchFamily="34" charset="0"/>
+                </a:defRPr>
+              </a:lvl6pPr>
+              <a:lvl7pPr eaLnBrk="0" fontAlgn="base" hangingPunct="0">
+                <a:spcBef>
+                  <a:spcPct val="30000"/>
+                </a:spcBef>
+                <a:spcAft>
+                  <a:spcPct val="0"/>
+                </a:spcAft>
+                <a:defRPr sz="1200">
+                  <a:solidFill>
+                    <a:schemeClr val="tx1"/>
+                  </a:solidFill>
+                  <a:latin typeface="Arial" panose="020B0604020202020204" pitchFamily="34" charset="0"/>
+                </a:defRPr>
+              </a:lvl7pPr>
+              <a:lvl8pPr eaLnBrk="0" fontAlgn="base" hangingPunct="0">
+                <a:spcBef>
+                  <a:spcPct val="30000"/>
+                </a:spcBef>
+                <a:spcAft>
+                  <a:spcPct val="0"/>
+                </a:spcAft>
+                <a:defRPr sz="1200">
+                  <a:solidFill>
+                    <a:schemeClr val="tx1"/>
+                  </a:solidFill>
+                  <a:latin typeface="Arial" panose="020B0604020202020204" pitchFamily="34" charset="0"/>
+                </a:defRPr>
+              </a:lvl8pPr>
+              <a:lvl9pPr eaLnBrk="0" fontAlgn="base" hangingPunct="0">
+                <a:spcBef>
+                  <a:spcPct val="30000"/>
+                </a:spcBef>
+                <a:spcAft>
+                  <a:spcPct val="0"/>
+                </a:spcAft>
+                <a:defRPr sz="1200">
+                  <a:solidFill>
+                    <a:schemeClr val="tx1"/>
+                  </a:solidFill>
+                  <a:latin typeface="Arial" panose="020B0604020202020204" pitchFamily="34" charset="0"/>
+                </a:defRPr>
+              </a:lvl9pPr>
+            </a:lstStyle>
+            <a:p>
+              <a:pPr marL="0" marR="0" lvl="0" indent="0" algn="l" defTabSz="914400" rtl="0" eaLnBrk="0" fontAlgn="base" latinLnBrk="0" hangingPunct="0">
+                <a:lnSpc>
+                  <a:spcPct val="100000"/>
+                </a:lnSpc>
+                <a:spcBef>
+                  <a:spcPct val="30000"/>
+                </a:spcBef>
+                <a:spcAft>
+                  <a:spcPct val="0"/>
+                </a:spcAft>
+                <a:buClrTx/>
+                <a:buSzTx/>
+                <a:buFontTx/>
+                <a:buNone/>
+                <a:tabLst/>
+              </a:pPr>
+              <a:r>
+                <a:rPr kumimoji="0" lang="fr-FR" altLang="fr-FR" sz="1200" b="0" i="0" u="none" strike="noStrike" cap="none" normalizeH="0" baseline="0" dirty="0" err="1">
+                  <a:ln>
+                    <a:noFill/>
+                  </a:ln>
+                  <a:solidFill>
+                    <a:schemeClr val="tx1"/>
+                  </a:solidFill>
+                  <a:effectLst/>
+                  <a:latin typeface="Arial" panose="020B0604020202020204" pitchFamily="34" charset="0"/>
+                </a:rPr>
+                <a:t>Air_connect</a:t>
+              </a:r>
+              <a:endParaRPr kumimoji="0" lang="fr-FR" altLang="fr-FR" sz="1200" b="0" i="0" u="none" strike="noStrike" cap="none" normalizeH="0" baseline="0" dirty="0">
+                <a:ln>
+                  <a:noFill/>
+                </a:ln>
+                <a:solidFill>
+                  <a:schemeClr val="tx1"/>
+                </a:solidFill>
+                <a:effectLst/>
+                <a:latin typeface="Arial" panose="020B0604020202020204" pitchFamily="34" charset="0"/>
+              </a:endParaRPr>
+            </a:p>
+          </p:txBody>
+        </p:sp>
+        <p:sp>
+          <p:nvSpPr>
+            <p:cNvPr id="4" name="Rectangle 3">
+              <a:extLst>
+                <a:ext uri="{FF2B5EF4-FFF2-40B4-BE49-F238E27FC236}">
+                  <a16:creationId xmlns:a16="http://schemas.microsoft.com/office/drawing/2014/main" id="{D58DA24D-3114-9498-312B-4E7F22D49BDA}"/>
+                </a:ext>
+              </a:extLst>
+            </p:cNvPr>
+            <p:cNvSpPr/>
+            <p:nvPr/>
+          </p:nvSpPr>
+          <p:spPr>
+            <a:xfrm rot="7139812">
+              <a:off x="2879927" y="3237146"/>
+              <a:ext cx="1586018" cy="101224"/>
+            </a:xfrm>
+            <a:prstGeom prst="rect">
+              <a:avLst/>
+            </a:prstGeom>
+            <a:ln>
+              <a:noFill/>
+            </a:ln>
+          </p:spPr>
+          <p:style>
+            <a:lnRef idx="2">
+              <a:schemeClr val="dk1">
+                <a:shade val="15000"/>
+              </a:schemeClr>
+            </a:lnRef>
+            <a:fillRef idx="1">
+              <a:schemeClr val="dk1"/>
+            </a:fillRef>
+            <a:effectRef idx="0">
+              <a:schemeClr val="dk1"/>
+            </a:effectRef>
+            <a:fontRef idx="minor">
+              <a:schemeClr val="lt1"/>
+            </a:fontRef>
+          </p:style>
+          <p:txBody>
+            <a:bodyPr rtlCol="0" anchor="ctr"/>
+            <a:lstStyle/>
+            <a:p>
+              <a:pPr algn="ctr"/>
+              <a:endParaRPr lang="fr-FR" dirty="0"/>
+            </a:p>
+          </p:txBody>
+        </p:sp>
+        <p:sp>
+          <p:nvSpPr>
+            <p:cNvPr id="30" name="Rectangle 4">
+              <a:extLst>
+                <a:ext uri="{FF2B5EF4-FFF2-40B4-BE49-F238E27FC236}">
+                  <a16:creationId xmlns:a16="http://schemas.microsoft.com/office/drawing/2014/main" id="{D0E81706-907B-96EA-F84D-DD7509A4BEC2}"/>
+                </a:ext>
+              </a:extLst>
+            </p:cNvPr>
+            <p:cNvSpPr>
+              <a:spLocks noChangeArrowheads="1"/>
+            </p:cNvSpPr>
+            <p:nvPr/>
+          </p:nvSpPr>
+          <p:spPr bwMode="auto">
+            <a:xfrm>
+              <a:off x="4078410" y="3262833"/>
+              <a:ext cx="1153532" cy="276999"/>
+            </a:xfrm>
+            <a:prstGeom prst="rect">
+              <a:avLst/>
+            </a:prstGeom>
+            <a:noFill/>
+            <a:ln>
+              <a:noFill/>
+            </a:ln>
+            <a:effectLst/>
+            <a:extLst>
+              <a:ext uri="{909E8E84-426E-40DD-AFC4-6F175D3DCCD1}">
+                <a14:hiddenFill xmlns:a14="http://schemas.microsoft.com/office/drawing/2010/main">
+                  <a:solidFill>
+                    <a:schemeClr val="accent1"/>
+                  </a:solidFill>
+                </a14:hiddenFill>
+              </a:ext>
+              <a:ext uri="{91240B29-F687-4F45-9708-019B960494DF}">
+                <a14:hiddenLine xmlns:a14="http://schemas.microsoft.com/office/drawing/2010/main" w="9525">
+                  <a:solidFill>
+                    <a:schemeClr val="tx1"/>
+                  </a:solidFill>
+                  <a:miter lim="800000"/>
+                  <a:headEnd/>
+                  <a:tailEnd/>
+                </a14:hiddenLine>
+              </a:ext>
+              <a:ext uri="{AF507438-7753-43E0-B8FC-AC1667EBCBE1}">
+                <a14:hiddenEffects xmlns:a14="http://schemas.microsoft.com/office/drawing/2010/main">
+                  <a:effectLst>
+                    <a:outerShdw dist="35921" dir="2700000" algn="ctr" rotWithShape="0">
+                      <a:schemeClr val="bg2"/>
+                    </a:outerShdw>
+                  </a:effectLst>
+                </a14:hiddenEffects>
+              </a:ext>
+            </a:extLst>
+          </p:spPr>
+          <p:txBody>
+            <a:bodyPr vert="horz" wrap="square" lIns="91440" tIns="45720" rIns="91440" bIns="45720" numCol="1" anchor="ctr" anchorCtr="0" compatLnSpc="1">
+              <a:prstTxWarp prst="textNoShape">
+                <a:avLst/>
+              </a:prstTxWarp>
+              <a:spAutoFit/>
+            </a:bodyPr>
+            <a:lstStyle>
+              <a:lvl1pPr eaLnBrk="0" fontAlgn="base" hangingPunct="0">
+                <a:spcBef>
+                  <a:spcPct val="30000"/>
+                </a:spcBef>
+                <a:spcAft>
+                  <a:spcPct val="0"/>
+                </a:spcAft>
+                <a:defRPr sz="1200">
+                  <a:solidFill>
+                    <a:schemeClr val="tx1"/>
+                  </a:solidFill>
+                  <a:latin typeface="Arial" panose="020B0604020202020204" pitchFamily="34" charset="0"/>
+                </a:defRPr>
+              </a:lvl1pPr>
+              <a:lvl2pPr eaLnBrk="0" fontAlgn="base" hangingPunct="0">
+                <a:spcBef>
+                  <a:spcPct val="30000"/>
+                </a:spcBef>
+                <a:spcAft>
+                  <a:spcPct val="0"/>
+                </a:spcAft>
+                <a:defRPr sz="1200">
+                  <a:solidFill>
+                    <a:schemeClr val="tx1"/>
+                  </a:solidFill>
+                  <a:latin typeface="Arial" panose="020B0604020202020204" pitchFamily="34" charset="0"/>
+                </a:defRPr>
+              </a:lvl2pPr>
+              <a:lvl3pPr eaLnBrk="0" fontAlgn="base" hangingPunct="0">
+                <a:spcBef>
+                  <a:spcPct val="30000"/>
+                </a:spcBef>
+                <a:spcAft>
+                  <a:spcPct val="0"/>
+                </a:spcAft>
+                <a:defRPr sz="1200">
+                  <a:solidFill>
+                    <a:schemeClr val="tx1"/>
+                  </a:solidFill>
+                  <a:latin typeface="Arial" panose="020B0604020202020204" pitchFamily="34" charset="0"/>
+                </a:defRPr>
+              </a:lvl3pPr>
+              <a:lvl4pPr eaLnBrk="0" fontAlgn="base" hangingPunct="0">
+                <a:spcBef>
+                  <a:spcPct val="30000"/>
+                </a:spcBef>
+                <a:spcAft>
+                  <a:spcPct val="0"/>
+                </a:spcAft>
+                <a:defRPr sz="1200">
+                  <a:solidFill>
+                    <a:schemeClr val="tx1"/>
+                  </a:solidFill>
+                  <a:latin typeface="Arial" panose="020B0604020202020204" pitchFamily="34" charset="0"/>
+                </a:defRPr>
+              </a:lvl4pPr>
+              <a:lvl5pPr eaLnBrk="0" fontAlgn="base" hangingPunct="0">
+                <a:spcBef>
+                  <a:spcPct val="30000"/>
+                </a:spcBef>
+                <a:spcAft>
+                  <a:spcPct val="0"/>
+                </a:spcAft>
+                <a:defRPr sz="1200">
+                  <a:solidFill>
+                    <a:schemeClr val="tx1"/>
+                  </a:solidFill>
+                  <a:latin typeface="Arial" panose="020B0604020202020204" pitchFamily="34" charset="0"/>
+                </a:defRPr>
+              </a:lvl5pPr>
+              <a:lvl6pPr eaLnBrk="0" fontAlgn="base" hangingPunct="0">
+                <a:spcBef>
+                  <a:spcPct val="30000"/>
+                </a:spcBef>
+                <a:spcAft>
+                  <a:spcPct val="0"/>
+                </a:spcAft>
+                <a:defRPr sz="1200">
+                  <a:solidFill>
+                    <a:schemeClr val="tx1"/>
+                  </a:solidFill>
+                  <a:latin typeface="Arial" panose="020B0604020202020204" pitchFamily="34" charset="0"/>
+                </a:defRPr>
+              </a:lvl6pPr>
+              <a:lvl7pPr eaLnBrk="0" fontAlgn="base" hangingPunct="0">
+                <a:spcBef>
+                  <a:spcPct val="30000"/>
+                </a:spcBef>
+                <a:spcAft>
+                  <a:spcPct val="0"/>
+                </a:spcAft>
+                <a:defRPr sz="1200">
+                  <a:solidFill>
+                    <a:schemeClr val="tx1"/>
+                  </a:solidFill>
+                  <a:latin typeface="Arial" panose="020B0604020202020204" pitchFamily="34" charset="0"/>
+                </a:defRPr>
+              </a:lvl7pPr>
+              <a:lvl8pPr eaLnBrk="0" fontAlgn="base" hangingPunct="0">
+                <a:spcBef>
+                  <a:spcPct val="30000"/>
+                </a:spcBef>
+                <a:spcAft>
+                  <a:spcPct val="0"/>
+                </a:spcAft>
+                <a:defRPr sz="1200">
+                  <a:solidFill>
+                    <a:schemeClr val="tx1"/>
+                  </a:solidFill>
+                  <a:latin typeface="Arial" panose="020B0604020202020204" pitchFamily="34" charset="0"/>
+                </a:defRPr>
+              </a:lvl8pPr>
+              <a:lvl9pPr eaLnBrk="0" fontAlgn="base" hangingPunct="0">
+                <a:spcBef>
+                  <a:spcPct val="30000"/>
+                </a:spcBef>
+                <a:spcAft>
+                  <a:spcPct val="0"/>
+                </a:spcAft>
+                <a:defRPr sz="1200">
+                  <a:solidFill>
+                    <a:schemeClr val="tx1"/>
+                  </a:solidFill>
+                  <a:latin typeface="Arial" panose="020B0604020202020204" pitchFamily="34" charset="0"/>
+                </a:defRPr>
+              </a:lvl9pPr>
+            </a:lstStyle>
+            <a:p>
+              <a:pPr marL="0" marR="0" lvl="0" indent="0" algn="l" defTabSz="914400" rtl="0" eaLnBrk="0" fontAlgn="base" latinLnBrk="0" hangingPunct="0">
+                <a:lnSpc>
+                  <a:spcPct val="100000"/>
+                </a:lnSpc>
+                <a:spcBef>
+                  <a:spcPct val="30000"/>
+                </a:spcBef>
+                <a:spcAft>
+                  <a:spcPct val="0"/>
+                </a:spcAft>
+                <a:buClrTx/>
+                <a:buSzTx/>
+                <a:buFontTx/>
+                <a:buNone/>
+                <a:tabLst/>
+              </a:pPr>
+              <a:r>
+                <a:rPr kumimoji="0" lang="fr-FR" altLang="fr-FR" sz="1200" b="0" i="0" u="none" strike="noStrike" cap="none" normalizeH="0" baseline="0" dirty="0" err="1">
+                  <a:ln>
+                    <a:noFill/>
+                  </a:ln>
+                  <a:solidFill>
+                    <a:schemeClr val="tx1"/>
+                  </a:solidFill>
+                  <a:effectLst/>
+                  <a:latin typeface="Arial" panose="020B0604020202020204" pitchFamily="34" charset="0"/>
+                </a:rPr>
+                <a:t>Air_connect</a:t>
+              </a:r>
+              <a:endParaRPr kumimoji="0" lang="fr-FR" altLang="fr-FR" sz="1200" b="0" i="0" u="none" strike="noStrike" cap="none" normalizeH="0" baseline="0" dirty="0">
+                <a:ln>
+                  <a:noFill/>
+                </a:ln>
+                <a:solidFill>
+                  <a:schemeClr val="tx1"/>
+                </a:solidFill>
+                <a:effectLst/>
+                <a:latin typeface="Arial" panose="020B0604020202020204" pitchFamily="34" charset="0"/>
+              </a:endParaRPr>
+            </a:p>
+          </p:txBody>
+        </p:sp>
+        <p:grpSp>
+          <p:nvGrpSpPr>
+            <p:cNvPr id="31" name="Groupe 30">
+              <a:extLst>
+                <a:ext uri="{FF2B5EF4-FFF2-40B4-BE49-F238E27FC236}">
+                  <a16:creationId xmlns:a16="http://schemas.microsoft.com/office/drawing/2014/main" id="{46507631-6A60-2161-ADE9-FD4870A5690D}"/>
+                </a:ext>
+              </a:extLst>
+            </p:cNvPr>
+            <p:cNvGrpSpPr/>
+            <p:nvPr/>
+          </p:nvGrpSpPr>
+          <p:grpSpPr>
+            <a:xfrm>
+              <a:off x="4991983" y="3159896"/>
+              <a:ext cx="252000" cy="252000"/>
+              <a:chOff x="7980618" y="3273675"/>
+              <a:chExt cx="252000" cy="252000"/>
+            </a:xfrm>
+          </p:grpSpPr>
+          <p:sp>
+            <p:nvSpPr>
+              <p:cNvPr id="32" name="Ellipse 31">
+                <a:extLst>
+                  <a:ext uri="{FF2B5EF4-FFF2-40B4-BE49-F238E27FC236}">
+                    <a16:creationId xmlns:a16="http://schemas.microsoft.com/office/drawing/2014/main" id="{4D17402E-5664-C331-AAEA-8C6D1B6A7727}"/>
+                  </a:ext>
+                </a:extLst>
+              </p:cNvPr>
+              <p:cNvSpPr/>
+              <p:nvPr/>
+            </p:nvSpPr>
+            <p:spPr>
+              <a:xfrm>
+                <a:off x="7980618" y="3273675"/>
+                <a:ext cx="252000" cy="252000"/>
+              </a:xfrm>
+              <a:prstGeom prst="ellipse">
+                <a:avLst/>
+              </a:prstGeom>
+              <a:ln>
+                <a:solidFill>
+                  <a:schemeClr val="bg2"/>
+                </a:solidFill>
+              </a:ln>
+            </p:spPr>
+            <p:style>
+              <a:lnRef idx="2">
+                <a:schemeClr val="accent1">
+                  <a:shade val="15000"/>
+                </a:schemeClr>
+              </a:lnRef>
+              <a:fillRef idx="1">
+                <a:schemeClr val="accent1"/>
+              </a:fillRef>
+              <a:effectRef idx="0">
+                <a:schemeClr val="accent1"/>
+              </a:effectRef>
+              <a:fontRef idx="minor">
+                <a:schemeClr val="lt1"/>
+              </a:fontRef>
+            </p:style>
+            <p:txBody>
+              <a:bodyPr rtlCol="0" anchor="ctr"/>
+              <a:lstStyle/>
+              <a:p>
+                <a:pPr algn="ctr"/>
+                <a:endParaRPr lang="fr-FR" dirty="0"/>
+              </a:p>
+            </p:txBody>
+          </p:sp>
+          <p:sp>
+            <p:nvSpPr>
+              <p:cNvPr id="36" name="Ellipse 35">
+                <a:extLst>
+                  <a:ext uri="{FF2B5EF4-FFF2-40B4-BE49-F238E27FC236}">
+                    <a16:creationId xmlns:a16="http://schemas.microsoft.com/office/drawing/2014/main" id="{F7E95FCB-9456-2F18-37AF-4706EEEA1CC7}"/>
+                  </a:ext>
+                </a:extLst>
+              </p:cNvPr>
+              <p:cNvSpPr/>
+              <p:nvPr/>
+            </p:nvSpPr>
+            <p:spPr>
+              <a:xfrm>
+                <a:off x="8034618" y="3327675"/>
+                <a:ext cx="144000" cy="144000"/>
+              </a:xfrm>
+              <a:prstGeom prst="ellipse">
+                <a:avLst/>
+              </a:prstGeom>
+              <a:ln>
+                <a:noFill/>
+              </a:ln>
+            </p:spPr>
+            <p:style>
+              <a:lnRef idx="2">
+                <a:schemeClr val="accent1"/>
+              </a:lnRef>
+              <a:fillRef idx="1">
+                <a:schemeClr val="lt1"/>
+              </a:fillRef>
+              <a:effectRef idx="0">
+                <a:schemeClr val="accent1"/>
+              </a:effectRef>
+              <a:fontRef idx="minor">
+                <a:schemeClr val="dk1"/>
+              </a:fontRef>
+            </p:style>
+            <p:txBody>
+              <a:bodyPr rtlCol="0" anchor="ctr"/>
+              <a:lstStyle/>
+              <a:p>
+                <a:pPr algn="ctr"/>
+                <a:endParaRPr lang="fr-FR" dirty="0"/>
+              </a:p>
+            </p:txBody>
+          </p:sp>
+        </p:grpSp>
+        <p:grpSp>
+          <p:nvGrpSpPr>
+            <p:cNvPr id="38" name="Groupe 37">
+              <a:extLst>
+                <a:ext uri="{FF2B5EF4-FFF2-40B4-BE49-F238E27FC236}">
+                  <a16:creationId xmlns:a16="http://schemas.microsoft.com/office/drawing/2014/main" id="{05681A9D-F5E7-1FAA-AD52-7FD09939FFB1}"/>
+                </a:ext>
+              </a:extLst>
+            </p:cNvPr>
+            <p:cNvGrpSpPr/>
+            <p:nvPr/>
+          </p:nvGrpSpPr>
+          <p:grpSpPr>
+            <a:xfrm>
+              <a:off x="5656359" y="3159896"/>
+              <a:ext cx="252000" cy="252000"/>
+              <a:chOff x="7980618" y="3273675"/>
+              <a:chExt cx="252000" cy="252000"/>
+            </a:xfrm>
+          </p:grpSpPr>
+          <p:sp>
+            <p:nvSpPr>
+              <p:cNvPr id="39" name="Ellipse 38">
+                <a:extLst>
+                  <a:ext uri="{FF2B5EF4-FFF2-40B4-BE49-F238E27FC236}">
+                    <a16:creationId xmlns:a16="http://schemas.microsoft.com/office/drawing/2014/main" id="{EF9A12B3-5BA3-03ED-C2C2-02ADA6D6A35B}"/>
+                  </a:ext>
+                </a:extLst>
+              </p:cNvPr>
+              <p:cNvSpPr/>
+              <p:nvPr/>
+            </p:nvSpPr>
+            <p:spPr>
+              <a:xfrm>
+                <a:off x="7980618" y="3273675"/>
+                <a:ext cx="252000" cy="252000"/>
+              </a:xfrm>
+              <a:prstGeom prst="ellipse">
+                <a:avLst/>
+              </a:prstGeom>
+              <a:solidFill>
+                <a:schemeClr val="accent2"/>
+              </a:solidFill>
+              <a:ln>
+                <a:solidFill>
+                  <a:schemeClr val="bg2"/>
+                </a:solidFill>
+              </a:ln>
+            </p:spPr>
+            <p:style>
+              <a:lnRef idx="2">
+                <a:schemeClr val="accent1">
+                  <a:shade val="15000"/>
+                </a:schemeClr>
+              </a:lnRef>
+              <a:fillRef idx="1">
+                <a:schemeClr val="accent1"/>
+              </a:fillRef>
+              <a:effectRef idx="0">
+                <a:schemeClr val="accent1"/>
+              </a:effectRef>
+              <a:fontRef idx="minor">
+                <a:schemeClr val="lt1"/>
+              </a:fontRef>
+            </p:style>
+            <p:txBody>
+              <a:bodyPr rtlCol="0" anchor="ctr"/>
+              <a:lstStyle/>
+              <a:p>
+                <a:pPr algn="ctr"/>
+                <a:endParaRPr lang="fr-FR" dirty="0"/>
+              </a:p>
+            </p:txBody>
+          </p:sp>
+          <p:sp>
+            <p:nvSpPr>
+              <p:cNvPr id="41" name="Ellipse 40">
+                <a:extLst>
+                  <a:ext uri="{FF2B5EF4-FFF2-40B4-BE49-F238E27FC236}">
+                    <a16:creationId xmlns:a16="http://schemas.microsoft.com/office/drawing/2014/main" id="{3DFD6523-501D-8019-C19C-0FDDD2387F29}"/>
+                  </a:ext>
+                </a:extLst>
+              </p:cNvPr>
+              <p:cNvSpPr/>
+              <p:nvPr/>
+            </p:nvSpPr>
+            <p:spPr>
+              <a:xfrm>
+                <a:off x="8034618" y="3327675"/>
+                <a:ext cx="144000" cy="144000"/>
+              </a:xfrm>
+              <a:prstGeom prst="ellipse">
+                <a:avLst/>
+              </a:prstGeom>
+              <a:ln>
+                <a:noFill/>
+              </a:ln>
+            </p:spPr>
+            <p:style>
+              <a:lnRef idx="2">
+                <a:schemeClr val="accent1"/>
+              </a:lnRef>
+              <a:fillRef idx="1">
+                <a:schemeClr val="lt1"/>
+              </a:fillRef>
+              <a:effectRef idx="0">
+                <a:schemeClr val="accent1"/>
+              </a:effectRef>
+              <a:fontRef idx="minor">
+                <a:schemeClr val="dk1"/>
+              </a:fontRef>
+            </p:style>
+            <p:txBody>
+              <a:bodyPr rtlCol="0" anchor="ctr"/>
+              <a:lstStyle/>
+              <a:p>
+                <a:pPr algn="ctr"/>
+                <a:endParaRPr lang="fr-FR" dirty="0"/>
+              </a:p>
+            </p:txBody>
+          </p:sp>
+        </p:grpSp>
+        <p:cxnSp>
+          <p:nvCxnSpPr>
+            <p:cNvPr id="40" name="Connecteur droit avec flèche 39">
+              <a:extLst>
+                <a:ext uri="{FF2B5EF4-FFF2-40B4-BE49-F238E27FC236}">
+                  <a16:creationId xmlns:a16="http://schemas.microsoft.com/office/drawing/2014/main" id="{11E67197-EE97-EEB9-FCFB-2FAFABDF41E7}"/>
+                </a:ext>
+              </a:extLst>
+            </p:cNvPr>
+            <p:cNvCxnSpPr>
+              <a:cxnSpLocks/>
+              <a:stCxn id="28" idx="6"/>
+              <a:endCxn id="36" idx="2"/>
+            </p:cNvCxnSpPr>
+            <p:nvPr/>
+          </p:nvCxnSpPr>
+          <p:spPr>
+            <a:xfrm>
+              <a:off x="4155734" y="3285896"/>
+              <a:ext cx="890249" cy="0"/>
+            </a:xfrm>
+            <a:prstGeom prst="straightConnector1">
+              <a:avLst/>
+            </a:prstGeom>
+            <a:ln>
+              <a:tailEnd type="triangle"/>
+            </a:ln>
+          </p:spPr>
+          <p:style>
+            <a:lnRef idx="2">
+              <a:schemeClr val="accent1"/>
+            </a:lnRef>
+            <a:fillRef idx="0">
+              <a:schemeClr val="accent1"/>
+            </a:fillRef>
+            <a:effectRef idx="1">
+              <a:schemeClr val="accent1"/>
+            </a:effectRef>
+            <a:fontRef idx="minor">
+              <a:schemeClr val="tx1"/>
+            </a:fontRef>
+          </p:style>
+        </p:cxnSp>
+        <p:grpSp>
+          <p:nvGrpSpPr>
+            <p:cNvPr id="63" name="Groupe 62">
+              <a:extLst>
+                <a:ext uri="{FF2B5EF4-FFF2-40B4-BE49-F238E27FC236}">
+                  <a16:creationId xmlns:a16="http://schemas.microsoft.com/office/drawing/2014/main" id="{9B8C9515-1C63-F78B-1F82-52AB52E04E41}"/>
+                </a:ext>
+              </a:extLst>
+            </p:cNvPr>
+            <p:cNvGrpSpPr/>
+            <p:nvPr/>
+          </p:nvGrpSpPr>
+          <p:grpSpPr>
+            <a:xfrm>
+              <a:off x="5278301" y="2598467"/>
+              <a:ext cx="371625" cy="1512000"/>
+              <a:chOff x="5452926" y="2598467"/>
+              <a:chExt cx="371625" cy="1512000"/>
+            </a:xfrm>
+          </p:grpSpPr>
+          <p:sp>
+            <p:nvSpPr>
+              <p:cNvPr id="45" name="Rectangle 44">
+                <a:extLst>
+                  <a:ext uri="{FF2B5EF4-FFF2-40B4-BE49-F238E27FC236}">
+                    <a16:creationId xmlns:a16="http://schemas.microsoft.com/office/drawing/2014/main" id="{F2AE0E85-478F-CA59-4741-856AA549DE0C}"/>
+                  </a:ext>
+                </a:extLst>
+              </p:cNvPr>
+              <p:cNvSpPr/>
+              <p:nvPr/>
+            </p:nvSpPr>
+            <p:spPr>
+              <a:xfrm rot="5400000">
+                <a:off x="4747538" y="3303855"/>
+                <a:ext cx="1512000" cy="101224"/>
+              </a:xfrm>
+              <a:prstGeom prst="rect">
+                <a:avLst/>
+              </a:prstGeom>
+              <a:ln>
+                <a:noFill/>
+              </a:ln>
+            </p:spPr>
+            <p:style>
+              <a:lnRef idx="2">
+                <a:schemeClr val="dk1">
+                  <a:shade val="15000"/>
+                </a:schemeClr>
+              </a:lnRef>
+              <a:fillRef idx="1">
+                <a:schemeClr val="dk1"/>
+              </a:fillRef>
+              <a:effectRef idx="0">
+                <a:schemeClr val="dk1"/>
+              </a:effectRef>
+              <a:fontRef idx="minor">
+                <a:schemeClr val="lt1"/>
+              </a:fontRef>
+            </p:style>
+            <p:txBody>
+              <a:bodyPr rtlCol="0" anchor="ctr"/>
+              <a:lstStyle/>
+              <a:p>
+                <a:pPr algn="ctr"/>
+                <a:endParaRPr lang="fr-FR" dirty="0"/>
+              </a:p>
+            </p:txBody>
+          </p:sp>
+          <p:grpSp>
+            <p:nvGrpSpPr>
+              <p:cNvPr id="53" name="Groupe 52">
+                <a:extLst>
+                  <a:ext uri="{FF2B5EF4-FFF2-40B4-BE49-F238E27FC236}">
+                    <a16:creationId xmlns:a16="http://schemas.microsoft.com/office/drawing/2014/main" id="{B49333B1-D0F9-4A80-B105-1AD9EF26C10C}"/>
+                  </a:ext>
+                </a:extLst>
+              </p:cNvPr>
+              <p:cNvGrpSpPr/>
+              <p:nvPr/>
+            </p:nvGrpSpPr>
+            <p:grpSpPr>
+              <a:xfrm>
+                <a:off x="5514226" y="2707377"/>
+                <a:ext cx="296217" cy="185509"/>
+                <a:chOff x="6052389" y="2688327"/>
+                <a:chExt cx="296217" cy="185509"/>
+              </a:xfrm>
+            </p:grpSpPr>
+            <p:sp>
+              <p:nvSpPr>
+                <p:cNvPr id="46" name="Rectangle 45">
+                  <a:extLst>
+                    <a:ext uri="{FF2B5EF4-FFF2-40B4-BE49-F238E27FC236}">
+                      <a16:creationId xmlns:a16="http://schemas.microsoft.com/office/drawing/2014/main" id="{1DCF45D5-2819-E43D-EB51-F86B3AD359BA}"/>
+                    </a:ext>
+                  </a:extLst>
+                </p:cNvPr>
+                <p:cNvSpPr/>
+                <p:nvPr/>
+              </p:nvSpPr>
+              <p:spPr>
+                <a:xfrm rot="9027910">
+                  <a:off x="6052390" y="2688327"/>
+                  <a:ext cx="296216" cy="45719"/>
+                </a:xfrm>
+                <a:prstGeom prst="rect">
+                  <a:avLst/>
+                </a:prstGeom>
+                <a:ln>
+                  <a:noFill/>
+                </a:ln>
+              </p:spPr>
+              <p:style>
+                <a:lnRef idx="2">
+                  <a:schemeClr val="dk1">
+                    <a:shade val="15000"/>
+                  </a:schemeClr>
+                </a:lnRef>
+                <a:fillRef idx="1">
+                  <a:schemeClr val="dk1"/>
+                </a:fillRef>
+                <a:effectRef idx="0">
+                  <a:schemeClr val="dk1"/>
+                </a:effectRef>
+                <a:fontRef idx="minor">
+                  <a:schemeClr val="lt1"/>
+                </a:fontRef>
+              </p:style>
+              <p:txBody>
+                <a:bodyPr rtlCol="0" anchor="ctr"/>
+                <a:lstStyle/>
+                <a:p>
+                  <a:pPr algn="ctr"/>
+                  <a:endParaRPr lang="fr-FR" dirty="0"/>
+                </a:p>
+              </p:txBody>
+            </p:sp>
+            <p:sp>
+              <p:nvSpPr>
+                <p:cNvPr id="47" name="Rectangle 46">
+                  <a:extLst>
+                    <a:ext uri="{FF2B5EF4-FFF2-40B4-BE49-F238E27FC236}">
+                      <a16:creationId xmlns:a16="http://schemas.microsoft.com/office/drawing/2014/main" id="{1B9BA311-013E-89A3-A0AA-6C1E8122016D}"/>
+                    </a:ext>
+                  </a:extLst>
+                </p:cNvPr>
+                <p:cNvSpPr/>
+                <p:nvPr/>
+              </p:nvSpPr>
+              <p:spPr>
+                <a:xfrm rot="12510964">
+                  <a:off x="6052389" y="2828117"/>
+                  <a:ext cx="296216" cy="45719"/>
+                </a:xfrm>
+                <a:prstGeom prst="rect">
+                  <a:avLst/>
+                </a:prstGeom>
+                <a:ln>
+                  <a:noFill/>
+                </a:ln>
+              </p:spPr>
+              <p:style>
+                <a:lnRef idx="2">
+                  <a:schemeClr val="dk1">
+                    <a:shade val="15000"/>
+                  </a:schemeClr>
+                </a:lnRef>
+                <a:fillRef idx="1">
+                  <a:schemeClr val="dk1"/>
+                </a:fillRef>
+                <a:effectRef idx="0">
+                  <a:schemeClr val="dk1"/>
+                </a:effectRef>
+                <a:fontRef idx="minor">
+                  <a:schemeClr val="lt1"/>
+                </a:fontRef>
+              </p:style>
+              <p:txBody>
+                <a:bodyPr rtlCol="0" anchor="ctr"/>
+                <a:lstStyle/>
+                <a:p>
+                  <a:pPr algn="ctr"/>
+                  <a:endParaRPr lang="fr-FR" dirty="0"/>
+                </a:p>
+              </p:txBody>
+            </p:sp>
+          </p:grpSp>
+          <p:grpSp>
+            <p:nvGrpSpPr>
+              <p:cNvPr id="54" name="Groupe 53">
+                <a:extLst>
+                  <a:ext uri="{FF2B5EF4-FFF2-40B4-BE49-F238E27FC236}">
+                    <a16:creationId xmlns:a16="http://schemas.microsoft.com/office/drawing/2014/main" id="{5DA215D5-98CF-0F0E-B1C9-2FBC340956C1}"/>
+                  </a:ext>
+                </a:extLst>
+              </p:cNvPr>
+              <p:cNvGrpSpPr/>
+              <p:nvPr/>
+            </p:nvGrpSpPr>
+            <p:grpSpPr>
+              <a:xfrm>
+                <a:off x="5523651" y="3048831"/>
+                <a:ext cx="296217" cy="185509"/>
+                <a:chOff x="6052389" y="2688327"/>
+                <a:chExt cx="296217" cy="185509"/>
+              </a:xfrm>
+            </p:grpSpPr>
+            <p:sp>
+              <p:nvSpPr>
+                <p:cNvPr id="55" name="Rectangle 54">
+                  <a:extLst>
+                    <a:ext uri="{FF2B5EF4-FFF2-40B4-BE49-F238E27FC236}">
+                      <a16:creationId xmlns:a16="http://schemas.microsoft.com/office/drawing/2014/main" id="{73B02292-4C3A-6E3C-D646-55E18F47BB93}"/>
+                    </a:ext>
+                  </a:extLst>
+                </p:cNvPr>
+                <p:cNvSpPr/>
+                <p:nvPr/>
+              </p:nvSpPr>
+              <p:spPr>
+                <a:xfrm rot="9027910">
+                  <a:off x="6052390" y="2688327"/>
+                  <a:ext cx="296216" cy="45719"/>
+                </a:xfrm>
+                <a:prstGeom prst="rect">
+                  <a:avLst/>
+                </a:prstGeom>
+                <a:ln>
+                  <a:noFill/>
+                </a:ln>
+              </p:spPr>
+              <p:style>
+                <a:lnRef idx="2">
+                  <a:schemeClr val="dk1">
+                    <a:shade val="15000"/>
+                  </a:schemeClr>
+                </a:lnRef>
+                <a:fillRef idx="1">
+                  <a:schemeClr val="dk1"/>
+                </a:fillRef>
+                <a:effectRef idx="0">
+                  <a:schemeClr val="dk1"/>
+                </a:effectRef>
+                <a:fontRef idx="minor">
+                  <a:schemeClr val="lt1"/>
+                </a:fontRef>
+              </p:style>
+              <p:txBody>
+                <a:bodyPr rtlCol="0" anchor="ctr"/>
+                <a:lstStyle/>
+                <a:p>
+                  <a:pPr algn="ctr"/>
+                  <a:endParaRPr lang="fr-FR" dirty="0"/>
+                </a:p>
+              </p:txBody>
+            </p:sp>
+            <p:sp>
+              <p:nvSpPr>
+                <p:cNvPr id="56" name="Rectangle 55">
+                  <a:extLst>
+                    <a:ext uri="{FF2B5EF4-FFF2-40B4-BE49-F238E27FC236}">
+                      <a16:creationId xmlns:a16="http://schemas.microsoft.com/office/drawing/2014/main" id="{FE4B09DC-B097-7F80-B5B0-6D8888927456}"/>
+                    </a:ext>
+                  </a:extLst>
+                </p:cNvPr>
+                <p:cNvSpPr/>
+                <p:nvPr/>
+              </p:nvSpPr>
+              <p:spPr>
+                <a:xfrm rot="12510964">
+                  <a:off x="6052389" y="2828117"/>
+                  <a:ext cx="296216" cy="45719"/>
+                </a:xfrm>
+                <a:prstGeom prst="rect">
+                  <a:avLst/>
+                </a:prstGeom>
+                <a:ln>
+                  <a:noFill/>
+                </a:ln>
+              </p:spPr>
+              <p:style>
+                <a:lnRef idx="2">
+                  <a:schemeClr val="dk1">
+                    <a:shade val="15000"/>
+                  </a:schemeClr>
+                </a:lnRef>
+                <a:fillRef idx="1">
+                  <a:schemeClr val="dk1"/>
+                </a:fillRef>
+                <a:effectRef idx="0">
+                  <a:schemeClr val="dk1"/>
+                </a:effectRef>
+                <a:fontRef idx="minor">
+                  <a:schemeClr val="lt1"/>
+                </a:fontRef>
+              </p:style>
+              <p:txBody>
+                <a:bodyPr rtlCol="0" anchor="ctr"/>
+                <a:lstStyle/>
+                <a:p>
+                  <a:pPr algn="ctr"/>
+                  <a:endParaRPr lang="fr-FR" dirty="0"/>
+                </a:p>
+              </p:txBody>
+            </p:sp>
+          </p:grpSp>
+          <p:grpSp>
+            <p:nvGrpSpPr>
+              <p:cNvPr id="57" name="Groupe 56">
+                <a:extLst>
+                  <a:ext uri="{FF2B5EF4-FFF2-40B4-BE49-F238E27FC236}">
+                    <a16:creationId xmlns:a16="http://schemas.microsoft.com/office/drawing/2014/main" id="{8E07988F-FDA6-1E43-D08E-1D4868C7C87D}"/>
+                  </a:ext>
+                </a:extLst>
+              </p:cNvPr>
+              <p:cNvGrpSpPr/>
+              <p:nvPr/>
+            </p:nvGrpSpPr>
+            <p:grpSpPr>
+              <a:xfrm>
+                <a:off x="5521280" y="3390625"/>
+                <a:ext cx="296217" cy="185509"/>
+                <a:chOff x="6052389" y="2688327"/>
+                <a:chExt cx="296217" cy="185509"/>
+              </a:xfrm>
+            </p:grpSpPr>
+            <p:sp>
+              <p:nvSpPr>
+                <p:cNvPr id="58" name="Rectangle 57">
+                  <a:extLst>
+                    <a:ext uri="{FF2B5EF4-FFF2-40B4-BE49-F238E27FC236}">
+                      <a16:creationId xmlns:a16="http://schemas.microsoft.com/office/drawing/2014/main" id="{A8D656B6-0831-D951-6F51-6E15B18DDFD2}"/>
+                    </a:ext>
+                  </a:extLst>
+                </p:cNvPr>
+                <p:cNvSpPr/>
+                <p:nvPr/>
+              </p:nvSpPr>
+              <p:spPr>
+                <a:xfrm rot="9027910">
+                  <a:off x="6052390" y="2688327"/>
+                  <a:ext cx="296216" cy="45719"/>
+                </a:xfrm>
+                <a:prstGeom prst="rect">
+                  <a:avLst/>
+                </a:prstGeom>
+                <a:ln>
+                  <a:noFill/>
+                </a:ln>
+              </p:spPr>
+              <p:style>
+                <a:lnRef idx="2">
+                  <a:schemeClr val="dk1">
+                    <a:shade val="15000"/>
+                  </a:schemeClr>
+                </a:lnRef>
+                <a:fillRef idx="1">
+                  <a:schemeClr val="dk1"/>
+                </a:fillRef>
+                <a:effectRef idx="0">
+                  <a:schemeClr val="dk1"/>
+                </a:effectRef>
+                <a:fontRef idx="minor">
+                  <a:schemeClr val="lt1"/>
+                </a:fontRef>
+              </p:style>
+              <p:txBody>
+                <a:bodyPr rtlCol="0" anchor="ctr"/>
+                <a:lstStyle/>
+                <a:p>
+                  <a:pPr algn="ctr"/>
+                  <a:endParaRPr lang="fr-FR" dirty="0"/>
+                </a:p>
+              </p:txBody>
+            </p:sp>
+            <p:sp>
+              <p:nvSpPr>
+                <p:cNvPr id="59" name="Rectangle 58">
+                  <a:extLst>
+                    <a:ext uri="{FF2B5EF4-FFF2-40B4-BE49-F238E27FC236}">
+                      <a16:creationId xmlns:a16="http://schemas.microsoft.com/office/drawing/2014/main" id="{075D32BA-D8DF-423F-B39D-8A13F3E396A7}"/>
+                    </a:ext>
+                  </a:extLst>
+                </p:cNvPr>
+                <p:cNvSpPr/>
+                <p:nvPr/>
+              </p:nvSpPr>
+              <p:spPr>
+                <a:xfrm rot="12510964">
+                  <a:off x="6052389" y="2828117"/>
+                  <a:ext cx="296216" cy="45719"/>
+                </a:xfrm>
+                <a:prstGeom prst="rect">
+                  <a:avLst/>
+                </a:prstGeom>
+                <a:ln>
+                  <a:noFill/>
+                </a:ln>
+              </p:spPr>
+              <p:style>
+                <a:lnRef idx="2">
+                  <a:schemeClr val="dk1">
+                    <a:shade val="15000"/>
+                  </a:schemeClr>
+                </a:lnRef>
+                <a:fillRef idx="1">
+                  <a:schemeClr val="dk1"/>
+                </a:fillRef>
+                <a:effectRef idx="0">
+                  <a:schemeClr val="dk1"/>
+                </a:effectRef>
+                <a:fontRef idx="minor">
+                  <a:schemeClr val="lt1"/>
+                </a:fontRef>
+              </p:style>
+              <p:txBody>
+                <a:bodyPr rtlCol="0" anchor="ctr"/>
+                <a:lstStyle/>
+                <a:p>
+                  <a:pPr algn="ctr"/>
+                  <a:endParaRPr lang="fr-FR" dirty="0"/>
+                </a:p>
+              </p:txBody>
+            </p:sp>
+          </p:grpSp>
+          <p:grpSp>
+            <p:nvGrpSpPr>
+              <p:cNvPr id="60" name="Groupe 59">
+                <a:extLst>
+                  <a:ext uri="{FF2B5EF4-FFF2-40B4-BE49-F238E27FC236}">
+                    <a16:creationId xmlns:a16="http://schemas.microsoft.com/office/drawing/2014/main" id="{8D4756DE-F5B1-76D0-DAE6-BEE569D1DC6C}"/>
+                  </a:ext>
+                </a:extLst>
+              </p:cNvPr>
+              <p:cNvGrpSpPr/>
+              <p:nvPr/>
+            </p:nvGrpSpPr>
+            <p:grpSpPr>
+              <a:xfrm>
+                <a:off x="5528334" y="3728046"/>
+                <a:ext cx="296217" cy="185509"/>
+                <a:chOff x="6052389" y="2688327"/>
+                <a:chExt cx="296217" cy="185509"/>
+              </a:xfrm>
+            </p:grpSpPr>
+            <p:sp>
+              <p:nvSpPr>
+                <p:cNvPr id="61" name="Rectangle 60">
+                  <a:extLst>
+                    <a:ext uri="{FF2B5EF4-FFF2-40B4-BE49-F238E27FC236}">
+                      <a16:creationId xmlns:a16="http://schemas.microsoft.com/office/drawing/2014/main" id="{0C7BF1C0-B3F7-5C56-7647-1E985EB189E9}"/>
+                    </a:ext>
+                  </a:extLst>
+                </p:cNvPr>
+                <p:cNvSpPr/>
+                <p:nvPr/>
+              </p:nvSpPr>
+              <p:spPr>
+                <a:xfrm rot="9027910">
+                  <a:off x="6052390" y="2688327"/>
+                  <a:ext cx="296216" cy="45719"/>
+                </a:xfrm>
+                <a:prstGeom prst="rect">
+                  <a:avLst/>
+                </a:prstGeom>
+                <a:ln>
+                  <a:noFill/>
+                </a:ln>
+              </p:spPr>
+              <p:style>
+                <a:lnRef idx="2">
+                  <a:schemeClr val="dk1">
+                    <a:shade val="15000"/>
+                  </a:schemeClr>
+                </a:lnRef>
+                <a:fillRef idx="1">
+                  <a:schemeClr val="dk1"/>
+                </a:fillRef>
+                <a:effectRef idx="0">
+                  <a:schemeClr val="dk1"/>
+                </a:effectRef>
+                <a:fontRef idx="minor">
+                  <a:schemeClr val="lt1"/>
+                </a:fontRef>
+              </p:style>
+              <p:txBody>
+                <a:bodyPr rtlCol="0" anchor="ctr"/>
+                <a:lstStyle/>
+                <a:p>
+                  <a:pPr algn="ctr"/>
+                  <a:endParaRPr lang="fr-FR" dirty="0"/>
+                </a:p>
+              </p:txBody>
+            </p:sp>
+            <p:sp>
+              <p:nvSpPr>
+                <p:cNvPr id="62" name="Rectangle 61">
+                  <a:extLst>
+                    <a:ext uri="{FF2B5EF4-FFF2-40B4-BE49-F238E27FC236}">
+                      <a16:creationId xmlns:a16="http://schemas.microsoft.com/office/drawing/2014/main" id="{912E6D04-2A0A-4015-C17D-0B4BD123BFCA}"/>
+                    </a:ext>
+                  </a:extLst>
+                </p:cNvPr>
+                <p:cNvSpPr/>
+                <p:nvPr/>
+              </p:nvSpPr>
+              <p:spPr>
+                <a:xfrm rot="12510964">
+                  <a:off x="6052389" y="2828117"/>
+                  <a:ext cx="296216" cy="45719"/>
+                </a:xfrm>
+                <a:prstGeom prst="rect">
+                  <a:avLst/>
+                </a:prstGeom>
+                <a:ln>
+                  <a:noFill/>
+                </a:ln>
+              </p:spPr>
+              <p:style>
+                <a:lnRef idx="2">
+                  <a:schemeClr val="dk1">
+                    <a:shade val="15000"/>
+                  </a:schemeClr>
+                </a:lnRef>
+                <a:fillRef idx="1">
+                  <a:schemeClr val="dk1"/>
+                </a:fillRef>
+                <a:effectRef idx="0">
+                  <a:schemeClr val="dk1"/>
+                </a:effectRef>
+                <a:fontRef idx="minor">
+                  <a:schemeClr val="lt1"/>
+                </a:fontRef>
+              </p:style>
+              <p:txBody>
+                <a:bodyPr rtlCol="0" anchor="ctr"/>
+                <a:lstStyle/>
+                <a:p>
+                  <a:pPr algn="ctr"/>
+                  <a:endParaRPr lang="fr-FR" dirty="0"/>
+                </a:p>
+              </p:txBody>
+            </p:sp>
+          </p:grpSp>
+        </p:grpSp>
+        <p:sp>
+          <p:nvSpPr>
+            <p:cNvPr id="64" name="Rectangle 2">
+              <a:extLst>
+                <a:ext uri="{FF2B5EF4-FFF2-40B4-BE49-F238E27FC236}">
+                  <a16:creationId xmlns:a16="http://schemas.microsoft.com/office/drawing/2014/main" id="{163F69F6-6F64-A295-6B24-075CBEAE88F6}"/>
+                </a:ext>
+              </a:extLst>
+            </p:cNvPr>
+            <p:cNvSpPr>
+              <a:spLocks noChangeArrowheads="1"/>
+            </p:cNvSpPr>
+            <p:nvPr/>
+          </p:nvSpPr>
+          <p:spPr bwMode="auto">
+            <a:xfrm>
+              <a:off x="4684034" y="1851863"/>
+              <a:ext cx="1681965" cy="737125"/>
+            </a:xfrm>
+            <a:prstGeom prst="rect">
+              <a:avLst/>
+            </a:prstGeom>
+            <a:noFill/>
+            <a:ln>
+              <a:noFill/>
+            </a:ln>
+            <a:effectLst/>
+            <a:extLst>
+              <a:ext uri="{909E8E84-426E-40DD-AFC4-6F175D3DCCD1}">
+                <a14:hiddenFill xmlns:a14="http://schemas.microsoft.com/office/drawing/2010/main">
+                  <a:solidFill>
+                    <a:schemeClr val="accent1"/>
+                  </a:solidFill>
+                </a14:hiddenFill>
+              </a:ext>
+              <a:ext uri="{91240B29-F687-4F45-9708-019B960494DF}">
+                <a14:hiddenLine xmlns:a14="http://schemas.microsoft.com/office/drawing/2010/main" w="9525">
+                  <a:solidFill>
+                    <a:schemeClr val="tx1"/>
+                  </a:solidFill>
+                  <a:miter lim="800000"/>
+                  <a:headEnd/>
+                  <a:tailEnd/>
+                </a14:hiddenLine>
+              </a:ext>
+              <a:ext uri="{AF507438-7753-43E0-B8FC-AC1667EBCBE1}">
+                <a14:hiddenEffects xmlns:a14="http://schemas.microsoft.com/office/drawing/2010/main">
+                  <a:effectLst>
+                    <a:outerShdw dist="35921" dir="2700000" algn="ctr" rotWithShape="0">
+                      <a:schemeClr val="bg2"/>
+                    </a:outerShdw>
+                  </a:effectLst>
+                </a14:hiddenEffects>
+              </a:ext>
+            </a:extLst>
+          </p:spPr>
+          <p:txBody>
+            <a:bodyPr vert="horz" wrap="square" lIns="91440" tIns="45720" rIns="91440" bIns="45720" numCol="1" anchor="ctr" anchorCtr="0" compatLnSpc="1">
+              <a:prstTxWarp prst="textNoShape">
+                <a:avLst/>
+              </a:prstTxWarp>
+              <a:spAutoFit/>
+            </a:bodyPr>
+            <a:lstStyle>
+              <a:lvl1pPr eaLnBrk="0" fontAlgn="base" hangingPunct="0">
+                <a:spcBef>
+                  <a:spcPct val="30000"/>
+                </a:spcBef>
+                <a:spcAft>
+                  <a:spcPct val="0"/>
+                </a:spcAft>
+                <a:defRPr sz="1200">
+                  <a:solidFill>
+                    <a:schemeClr val="tx1"/>
+                  </a:solidFill>
+                  <a:latin typeface="Arial" panose="020B0604020202020204" pitchFamily="34" charset="0"/>
+                </a:defRPr>
+              </a:lvl1pPr>
+              <a:lvl2pPr eaLnBrk="0" fontAlgn="base" hangingPunct="0">
+                <a:spcBef>
+                  <a:spcPct val="30000"/>
+                </a:spcBef>
+                <a:spcAft>
+                  <a:spcPct val="0"/>
+                </a:spcAft>
+                <a:defRPr sz="1200">
+                  <a:solidFill>
+                    <a:schemeClr val="tx1"/>
+                  </a:solidFill>
+                  <a:latin typeface="Arial" panose="020B0604020202020204" pitchFamily="34" charset="0"/>
+                </a:defRPr>
+              </a:lvl2pPr>
+              <a:lvl3pPr eaLnBrk="0" fontAlgn="base" hangingPunct="0">
+                <a:spcBef>
+                  <a:spcPct val="30000"/>
+                </a:spcBef>
+                <a:spcAft>
+                  <a:spcPct val="0"/>
+                </a:spcAft>
+                <a:defRPr sz="1200">
+                  <a:solidFill>
+                    <a:schemeClr val="tx1"/>
+                  </a:solidFill>
+                  <a:latin typeface="Arial" panose="020B0604020202020204" pitchFamily="34" charset="0"/>
+                </a:defRPr>
+              </a:lvl3pPr>
+              <a:lvl4pPr eaLnBrk="0" fontAlgn="base" hangingPunct="0">
+                <a:spcBef>
+                  <a:spcPct val="30000"/>
+                </a:spcBef>
+                <a:spcAft>
+                  <a:spcPct val="0"/>
+                </a:spcAft>
+                <a:defRPr sz="1200">
+                  <a:solidFill>
+                    <a:schemeClr val="tx1"/>
+                  </a:solidFill>
+                  <a:latin typeface="Arial" panose="020B0604020202020204" pitchFamily="34" charset="0"/>
+                </a:defRPr>
+              </a:lvl4pPr>
+              <a:lvl5pPr eaLnBrk="0" fontAlgn="base" hangingPunct="0">
+                <a:spcBef>
+                  <a:spcPct val="30000"/>
+                </a:spcBef>
+                <a:spcAft>
+                  <a:spcPct val="0"/>
+                </a:spcAft>
+                <a:defRPr sz="1200">
+                  <a:solidFill>
+                    <a:schemeClr val="tx1"/>
+                  </a:solidFill>
+                  <a:latin typeface="Arial" panose="020B0604020202020204" pitchFamily="34" charset="0"/>
+                </a:defRPr>
+              </a:lvl5pPr>
+              <a:lvl6pPr eaLnBrk="0" fontAlgn="base" hangingPunct="0">
+                <a:spcBef>
+                  <a:spcPct val="30000"/>
+                </a:spcBef>
+                <a:spcAft>
+                  <a:spcPct val="0"/>
+                </a:spcAft>
+                <a:defRPr sz="1200">
+                  <a:solidFill>
+                    <a:schemeClr val="tx1"/>
+                  </a:solidFill>
+                  <a:latin typeface="Arial" panose="020B0604020202020204" pitchFamily="34" charset="0"/>
+                </a:defRPr>
+              </a:lvl6pPr>
+              <a:lvl7pPr eaLnBrk="0" fontAlgn="base" hangingPunct="0">
+                <a:spcBef>
+                  <a:spcPct val="30000"/>
+                </a:spcBef>
+                <a:spcAft>
+                  <a:spcPct val="0"/>
+                </a:spcAft>
+                <a:defRPr sz="1200">
+                  <a:solidFill>
+                    <a:schemeClr val="tx1"/>
+                  </a:solidFill>
+                  <a:latin typeface="Arial" panose="020B0604020202020204" pitchFamily="34" charset="0"/>
+                </a:defRPr>
+              </a:lvl7pPr>
+              <a:lvl8pPr eaLnBrk="0" fontAlgn="base" hangingPunct="0">
+                <a:spcBef>
+                  <a:spcPct val="30000"/>
+                </a:spcBef>
+                <a:spcAft>
+                  <a:spcPct val="0"/>
+                </a:spcAft>
+                <a:defRPr sz="1200">
+                  <a:solidFill>
+                    <a:schemeClr val="tx1"/>
+                  </a:solidFill>
+                  <a:latin typeface="Arial" panose="020B0604020202020204" pitchFamily="34" charset="0"/>
+                </a:defRPr>
+              </a:lvl8pPr>
+              <a:lvl9pPr eaLnBrk="0" fontAlgn="base" hangingPunct="0">
+                <a:spcBef>
+                  <a:spcPct val="30000"/>
+                </a:spcBef>
+                <a:spcAft>
+                  <a:spcPct val="0"/>
+                </a:spcAft>
+                <a:defRPr sz="1200">
+                  <a:solidFill>
+                    <a:schemeClr val="tx1"/>
+                  </a:solidFill>
+                  <a:latin typeface="Arial" panose="020B0604020202020204" pitchFamily="34" charset="0"/>
+                </a:defRPr>
+              </a:lvl9pPr>
+            </a:lstStyle>
+            <a:p>
+              <a:pPr marL="0" marR="0" lvl="0" indent="0" algn="ctr" defTabSz="914400" rtl="0" eaLnBrk="0" fontAlgn="base" latinLnBrk="0" hangingPunct="0">
+                <a:lnSpc>
+                  <a:spcPct val="100000"/>
+                </a:lnSpc>
+                <a:spcBef>
+                  <a:spcPct val="30000"/>
+                </a:spcBef>
+                <a:spcAft>
+                  <a:spcPct val="0"/>
+                </a:spcAft>
+                <a:buClrTx/>
+                <a:buSzTx/>
+                <a:buFontTx/>
+                <a:buNone/>
+                <a:tabLst/>
+              </a:pPr>
+              <a:r>
+                <a:rPr kumimoji="0" lang="fr-FR" altLang="fr-FR" sz="1200" b="1" i="0" u="none" strike="noStrike" cap="none" normalizeH="0" baseline="0" dirty="0" err="1">
+                  <a:ln>
+                    <a:noFill/>
+                  </a:ln>
+                  <a:solidFill>
+                    <a:schemeClr val="tx1"/>
+                  </a:solidFill>
+                  <a:effectLst/>
+                  <a:latin typeface="Arial" panose="020B0604020202020204" pitchFamily="34" charset="0"/>
+                </a:rPr>
+                <a:t>Humidifier.Object</a:t>
+              </a:r>
+              <a:r>
+                <a:rPr kumimoji="0" lang="fr-FR" altLang="fr-FR" sz="1200" b="1" i="0" u="none" strike="noStrike" cap="none" normalizeH="0" baseline="0" dirty="0">
+                  <a:ln>
+                    <a:noFill/>
+                  </a:ln>
+                  <a:solidFill>
+                    <a:schemeClr val="tx1"/>
+                  </a:solidFill>
+                  <a:effectLst/>
+                  <a:latin typeface="Arial" panose="020B0604020202020204" pitchFamily="34" charset="0"/>
+                </a:rPr>
+                <a:t>()</a:t>
+              </a:r>
+            </a:p>
+            <a:p>
+              <a:pPr marL="0" marR="0" lvl="0" indent="0" algn="ctr" defTabSz="914400" rtl="0" eaLnBrk="0" fontAlgn="base" latinLnBrk="0" hangingPunct="0">
+                <a:lnSpc>
+                  <a:spcPct val="100000"/>
+                </a:lnSpc>
+                <a:spcBef>
+                  <a:spcPct val="30000"/>
+                </a:spcBef>
+                <a:spcAft>
+                  <a:spcPct val="0"/>
+                </a:spcAft>
+                <a:buClrTx/>
+                <a:buSzTx/>
+                <a:buFontTx/>
+                <a:buNone/>
+                <a:tabLst/>
+              </a:pPr>
+              <a:r>
+                <a:rPr kumimoji="0" lang="en-US" altLang="fr-FR" sz="1100" b="0" i="0" u="none" strike="noStrike" cap="none" normalizeH="0" baseline="0" dirty="0" err="1">
+                  <a:ln>
+                    <a:noFill/>
+                  </a:ln>
+                  <a:solidFill>
+                    <a:schemeClr val="tx1"/>
+                  </a:solidFill>
+                  <a:effectLst/>
+                </a:rPr>
+                <a:t>wo_target</a:t>
+              </a:r>
+              <a:r>
+                <a:rPr kumimoji="0" lang="en-US" altLang="fr-FR" sz="1100" b="0" i="0" u="none" strike="noStrike" cap="none" normalizeH="0" baseline="0" dirty="0">
+                  <a:ln>
+                    <a:noFill/>
+                  </a:ln>
+                  <a:solidFill>
+                    <a:schemeClr val="tx1"/>
+                  </a:solidFill>
+                  <a:effectLst/>
+                </a:rPr>
+                <a:t>=8 </a:t>
+              </a:r>
+            </a:p>
+            <a:p>
+              <a:pPr marL="0" marR="0" lvl="0" indent="0" algn="ctr" defTabSz="914400" rtl="0" eaLnBrk="0" fontAlgn="base" latinLnBrk="0" hangingPunct="0">
+                <a:lnSpc>
+                  <a:spcPct val="100000"/>
+                </a:lnSpc>
+                <a:spcBef>
+                  <a:spcPct val="30000"/>
+                </a:spcBef>
+                <a:spcAft>
+                  <a:spcPct val="0"/>
+                </a:spcAft>
+                <a:buClrTx/>
+                <a:buSzTx/>
+                <a:buFontTx/>
+                <a:buNone/>
+                <a:tabLst/>
+              </a:pPr>
+              <a:r>
+                <a:rPr lang="fr-FR" altLang="fr-FR" sz="1100" dirty="0" err="1"/>
+                <a:t>HumidType</a:t>
+              </a:r>
+              <a:r>
+                <a:rPr lang="fr-FR" altLang="fr-FR" sz="1100" dirty="0"/>
+                <a:t>="vapeur"</a:t>
+              </a:r>
+            </a:p>
+          </p:txBody>
+        </p:sp>
+      </p:grpSp>
+    </p:spTree>
+    <p:extLst>
+      <p:ext uri="{BB962C8B-B14F-4D97-AF65-F5344CB8AC3E}">
+        <p14:creationId xmlns:p14="http://schemas.microsoft.com/office/powerpoint/2010/main" val="4152901445"/>
+      </p:ext>
+    </p:extLst>
+  </p:cSld>
+  <p:clrMapOvr>
+    <a:masterClrMapping/>
+  </p:clrMapOvr>
+</p:sld>
+</file>
+
 <file path=ppt/theme/theme1.xml><?xml version="1.0" encoding="utf-8"?>
 <a:theme xmlns:a="http://schemas.openxmlformats.org/drawingml/2006/main" name="Thème Office">
   <a:themeElements>

--- a/Examples.pptx
+++ b/Examples.pptx
@@ -119,7 +119,7 @@
 <file path=ppt/revisionInfo.xml><?xml version="1.0" encoding="utf-8"?>
 <p1510:revInfo xmlns:a="http://schemas.openxmlformats.org/drawingml/2006/main" xmlns:r="http://schemas.openxmlformats.org/officeDocument/2006/relationships" xmlns:p1510="http://schemas.microsoft.com/office/powerpoint/2015/10/main">
   <p1510:revLst>
-    <p1510:client id="{2A3E10D1-ABAB-4574-ADA8-42C8B9BEC6A9}" v="288" dt="2025-02-24T11:31:42.113"/>
+    <p1510:client id="{2A3E10D1-ABAB-4574-ADA8-42C8B9BEC6A9}" v="302" dt="2025-02-24T16:51:11.193"/>
   </p1510:revLst>
 </p1510:revInfo>
 </file>
@@ -129,7 +129,7 @@
   <pc:docChgLst>
     <pc:chgData name="Zoheir HADID" userId="123d7235792d1862" providerId="LiveId" clId="{2A3E10D1-ABAB-4574-ADA8-42C8B9BEC6A9}"/>
     <pc:docChg chg="undo redo custSel addSld modSld">
-      <pc:chgData name="Zoheir HADID" userId="123d7235792d1862" providerId="LiveId" clId="{2A3E10D1-ABAB-4574-ADA8-42C8B9BEC6A9}" dt="2025-02-24T11:31:42.113" v="1772" actId="164"/>
+      <pc:chgData name="Zoheir HADID" userId="123d7235792d1862" providerId="LiveId" clId="{2A3E10D1-ABAB-4574-ADA8-42C8B9BEC6A9}" dt="2025-02-24T16:51:11.193" v="1870" actId="164"/>
       <pc:docMkLst>
         <pc:docMk/>
       </pc:docMkLst>
@@ -1034,11 +1034,19 @@
         </pc:cxnChg>
       </pc:sldChg>
       <pc:sldChg chg="addSp delSp modSp add mod">
-        <pc:chgData name="Zoheir HADID" userId="123d7235792d1862" providerId="LiveId" clId="{2A3E10D1-ABAB-4574-ADA8-42C8B9BEC6A9}" dt="2025-02-24T11:31:42.113" v="1772" actId="164"/>
+        <pc:chgData name="Zoheir HADID" userId="123d7235792d1862" providerId="LiveId" clId="{2A3E10D1-ABAB-4574-ADA8-42C8B9BEC6A9}" dt="2025-02-24T16:51:11.193" v="1870" actId="164"/>
         <pc:sldMkLst>
           <pc:docMk/>
           <pc:sldMk cId="4152901445" sldId="260"/>
         </pc:sldMkLst>
+        <pc:spChg chg="add mod">
+          <ac:chgData name="Zoheir HADID" userId="123d7235792d1862" providerId="LiveId" clId="{2A3E10D1-ABAB-4574-ADA8-42C8B9BEC6A9}" dt="2025-02-24T16:34:45.624" v="1790" actId="164"/>
+          <ac:spMkLst>
+            <pc:docMk/>
+            <pc:sldMk cId="4152901445" sldId="260"/>
+            <ac:spMk id="2" creationId="{854C97C6-AA7F-8CE1-82A3-A76C8364D014}"/>
+          </ac:spMkLst>
+        </pc:spChg>
         <pc:spChg chg="add del">
           <ac:chgData name="Zoheir HADID" userId="123d7235792d1862" providerId="LiveId" clId="{2A3E10D1-ABAB-4574-ADA8-42C8B9BEC6A9}" dt="2025-02-24T11:15:04.925" v="1360" actId="22"/>
           <ac:spMkLst>
@@ -1072,7 +1080,7 @@
           </ac:spMkLst>
         </pc:spChg>
         <pc:spChg chg="mod topLvl">
-          <ac:chgData name="Zoheir HADID" userId="123d7235792d1862" providerId="LiveId" clId="{2A3E10D1-ABAB-4574-ADA8-42C8B9BEC6A9}" dt="2025-02-24T11:31:42.113" v="1772" actId="164"/>
+          <ac:chgData name="Zoheir HADID" userId="123d7235792d1862" providerId="LiveId" clId="{2A3E10D1-ABAB-4574-ADA8-42C8B9BEC6A9}" dt="2025-02-24T16:33:25.967" v="1774"/>
           <ac:spMkLst>
             <pc:docMk/>
             <pc:sldMk cId="4152901445" sldId="260"/>
@@ -1175,6 +1183,14 @@
             <ac:spMk id="42" creationId="{58879BB4-8153-03CE-9B9E-25B6B08A4469}"/>
           </ac:spMkLst>
         </pc:spChg>
+        <pc:spChg chg="mod">
+          <ac:chgData name="Zoheir HADID" userId="123d7235792d1862" providerId="LiveId" clId="{2A3E10D1-ABAB-4574-ADA8-42C8B9BEC6A9}" dt="2025-02-24T16:36:49.095" v="1803" actId="13822"/>
+          <ac:spMkLst>
+            <pc:docMk/>
+            <pc:sldMk cId="4152901445" sldId="260"/>
+            <ac:spMk id="43" creationId="{914F6318-E458-7EC0-0ACF-CEF2FCFD5582}"/>
+          </ac:spMkLst>
+        </pc:spChg>
         <pc:spChg chg="add mod">
           <ac:chgData name="Zoheir HADID" userId="123d7235792d1862" providerId="LiveId" clId="{2A3E10D1-ABAB-4574-ADA8-42C8B9BEC6A9}" dt="2025-02-24T11:26:33.927" v="1679" actId="164"/>
           <ac:spMkLst>
@@ -1295,6 +1311,54 @@
             <ac:spMk id="64" creationId="{163F69F6-6F64-A295-6B24-075CBEAE88F6}"/>
           </ac:spMkLst>
         </pc:spChg>
+        <pc:spChg chg="add mod">
+          <ac:chgData name="Zoheir HADID" userId="123d7235792d1862" providerId="LiveId" clId="{2A3E10D1-ABAB-4574-ADA8-42C8B9BEC6A9}" dt="2025-02-24T16:40:04.940" v="1841" actId="164"/>
+          <ac:spMkLst>
+            <pc:docMk/>
+            <pc:sldMk cId="4152901445" sldId="260"/>
+            <ac:spMk id="69" creationId="{E2A31586-8B71-8A7A-0B92-E3332D2BA7B0}"/>
+          </ac:spMkLst>
+        </pc:spChg>
+        <pc:spChg chg="add mod">
+          <ac:chgData name="Zoheir HADID" userId="123d7235792d1862" providerId="LiveId" clId="{2A3E10D1-ABAB-4574-ADA8-42C8B9BEC6A9}" dt="2025-02-24T16:39:55.139" v="1840" actId="164"/>
+          <ac:spMkLst>
+            <pc:docMk/>
+            <pc:sldMk cId="4152901445" sldId="260"/>
+            <ac:spMk id="70" creationId="{776FA1B0-8A53-5041-AD78-85836A653979}"/>
+          </ac:spMkLst>
+        </pc:spChg>
+        <pc:spChg chg="add mod">
+          <ac:chgData name="Zoheir HADID" userId="123d7235792d1862" providerId="LiveId" clId="{2A3E10D1-ABAB-4574-ADA8-42C8B9BEC6A9}" dt="2025-02-24T16:51:11.193" v="1870" actId="164"/>
+          <ac:spMkLst>
+            <pc:docMk/>
+            <pc:sldMk cId="4152901445" sldId="260"/>
+            <ac:spMk id="78" creationId="{47F32088-08D2-599F-4139-7D374842BFC1}"/>
+          </ac:spMkLst>
+        </pc:spChg>
+        <pc:grpChg chg="add mod">
+          <ac:chgData name="Zoheir HADID" userId="123d7235792d1862" providerId="LiveId" clId="{2A3E10D1-ABAB-4574-ADA8-42C8B9BEC6A9}" dt="2025-02-24T16:36:26.692" v="1799" actId="164"/>
+          <ac:grpSpMkLst>
+            <pc:docMk/>
+            <pc:sldMk cId="4152901445" sldId="260"/>
+            <ac:grpSpMk id="9" creationId="{DCBEEA67-8241-D1D4-94F3-9517E12F0EFA}"/>
+          </ac:grpSpMkLst>
+        </pc:grpChg>
+        <pc:grpChg chg="add mod">
+          <ac:chgData name="Zoheir HADID" userId="123d7235792d1862" providerId="LiveId" clId="{2A3E10D1-ABAB-4574-ADA8-42C8B9BEC6A9}" dt="2025-02-24T16:39:55.139" v="1840" actId="164"/>
+          <ac:grpSpMkLst>
+            <pc:docMk/>
+            <pc:sldMk cId="4152901445" sldId="260"/>
+            <ac:grpSpMk id="20" creationId="{2E7B841C-7D88-BE22-7A5A-64E938FC491A}"/>
+          </ac:grpSpMkLst>
+        </pc:grpChg>
+        <pc:grpChg chg="add mod">
+          <ac:chgData name="Zoheir HADID" userId="123d7235792d1862" providerId="LiveId" clId="{2A3E10D1-ABAB-4574-ADA8-42C8B9BEC6A9}" dt="2025-02-24T16:40:04.940" v="1841" actId="164"/>
+          <ac:grpSpMkLst>
+            <pc:docMk/>
+            <pc:sldMk cId="4152901445" sldId="260"/>
+            <ac:grpSpMk id="22" creationId="{620D9C41-7B33-4E45-C001-C95DEEF31B09}"/>
+          </ac:grpSpMkLst>
+        </pc:grpChg>
         <pc:grpChg chg="del mod">
           <ac:chgData name="Zoheir HADID" userId="123d7235792d1862" providerId="LiveId" clId="{2A3E10D1-ABAB-4574-ADA8-42C8B9BEC6A9}" dt="2025-02-24T11:13:54.421" v="1342" actId="165"/>
           <ac:grpSpMkLst>
@@ -1319,6 +1383,14 @@
             <ac:grpSpMk id="26" creationId="{E93F1676-8113-8CD1-50CF-956B5FE2CA78}"/>
           </ac:grpSpMkLst>
         </pc:grpChg>
+        <pc:grpChg chg="mod">
+          <ac:chgData name="Zoheir HADID" userId="123d7235792d1862" providerId="LiveId" clId="{2A3E10D1-ABAB-4574-ADA8-42C8B9BEC6A9}" dt="2025-02-24T16:36:37.753" v="1801"/>
+          <ac:grpSpMkLst>
+            <pc:docMk/>
+            <pc:sldMk cId="4152901445" sldId="260"/>
+            <ac:grpSpMk id="29" creationId="{CE2D92D1-369E-8651-6029-EB38A5176A22}"/>
+          </ac:grpSpMkLst>
+        </pc:grpChg>
         <pc:grpChg chg="add mod">
           <ac:chgData name="Zoheir HADID" userId="123d7235792d1862" providerId="LiveId" clId="{2A3E10D1-ABAB-4574-ADA8-42C8B9BEC6A9}" dt="2025-02-24T11:22:24.826" v="1632" actId="1038"/>
           <ac:grpSpMkLst>
@@ -1391,12 +1463,84 @@
             <ac:grpSpMk id="63" creationId="{9B8C9515-1C63-F78B-1F82-52AB52E04E41}"/>
           </ac:grpSpMkLst>
         </pc:grpChg>
+        <pc:grpChg chg="add mod">
+          <ac:chgData name="Zoheir HADID" userId="123d7235792d1862" providerId="LiveId" clId="{2A3E10D1-ABAB-4574-ADA8-42C8B9BEC6A9}" dt="2025-02-24T16:39:55.139" v="1840" actId="164"/>
+          <ac:grpSpMkLst>
+            <pc:docMk/>
+            <pc:sldMk cId="4152901445" sldId="260"/>
+            <ac:grpSpMk id="71" creationId="{6B3C9632-BB62-2ABA-136E-AE1276AEF591}"/>
+          </ac:grpSpMkLst>
+        </pc:grpChg>
+        <pc:grpChg chg="add mod">
+          <ac:chgData name="Zoheir HADID" userId="123d7235792d1862" providerId="LiveId" clId="{2A3E10D1-ABAB-4574-ADA8-42C8B9BEC6A9}" dt="2025-02-24T16:40:04.940" v="1841" actId="164"/>
+          <ac:grpSpMkLst>
+            <pc:docMk/>
+            <pc:sldMk cId="4152901445" sldId="260"/>
+            <ac:grpSpMk id="72" creationId="{EFC56DD4-19ED-732E-6A2C-CCA96BF8CECD}"/>
+          </ac:grpSpMkLst>
+        </pc:grpChg>
+        <pc:grpChg chg="add mod">
+          <ac:chgData name="Zoheir HADID" userId="123d7235792d1862" providerId="LiveId" clId="{2A3E10D1-ABAB-4574-ADA8-42C8B9BEC6A9}" dt="2025-02-24T16:51:11.193" v="1870" actId="164"/>
+          <ac:grpSpMkLst>
+            <pc:docMk/>
+            <pc:sldMk cId="4152901445" sldId="260"/>
+            <ac:grpSpMk id="79" creationId="{9DD2A27C-E3CE-C599-957F-42B578A76CE0}"/>
+          </ac:grpSpMkLst>
+        </pc:grpChg>
+        <pc:cxnChg chg="add mod">
+          <ac:chgData name="Zoheir HADID" userId="123d7235792d1862" providerId="LiveId" clId="{2A3E10D1-ABAB-4574-ADA8-42C8B9BEC6A9}" dt="2025-02-24T16:34:45.624" v="1790" actId="164"/>
+          <ac:cxnSpMkLst>
+            <pc:docMk/>
+            <pc:sldMk cId="4152901445" sldId="260"/>
+            <ac:cxnSpMk id="6" creationId="{93B52085-32D3-30D6-0207-95329C3DA063}"/>
+          </ac:cxnSpMkLst>
+        </pc:cxnChg>
+        <pc:cxnChg chg="add">
+          <ac:chgData name="Zoheir HADID" userId="123d7235792d1862" providerId="LiveId" clId="{2A3E10D1-ABAB-4574-ADA8-42C8B9BEC6A9}" dt="2025-02-24T16:35:02.070" v="1791" actId="11529"/>
+          <ac:cxnSpMkLst>
+            <pc:docMk/>
+            <pc:sldMk cId="4152901445" sldId="260"/>
+            <ac:cxnSpMk id="11" creationId="{F6A1870C-6A55-EF7E-2319-916AEA7E2DDF}"/>
+          </ac:cxnSpMkLst>
+        </pc:cxnChg>
+        <pc:cxnChg chg="add mod">
+          <ac:chgData name="Zoheir HADID" userId="123d7235792d1862" providerId="LiveId" clId="{2A3E10D1-ABAB-4574-ADA8-42C8B9BEC6A9}" dt="2025-02-24T16:36:26.692" v="1799" actId="164"/>
+          <ac:cxnSpMkLst>
+            <pc:docMk/>
+            <pc:sldMk cId="4152901445" sldId="260"/>
+            <ac:cxnSpMk id="12" creationId="{11C5AB9F-DAAC-61F0-2B09-ACD2B9A05471}"/>
+          </ac:cxnSpMkLst>
+        </pc:cxnChg>
+        <pc:cxnChg chg="add mod">
+          <ac:chgData name="Zoheir HADID" userId="123d7235792d1862" providerId="LiveId" clId="{2A3E10D1-ABAB-4574-ADA8-42C8B9BEC6A9}" dt="2025-02-24T16:36:26.692" v="1799" actId="164"/>
+          <ac:cxnSpMkLst>
+            <pc:docMk/>
+            <pc:sldMk cId="4152901445" sldId="260"/>
+            <ac:cxnSpMk id="18" creationId="{009D6169-7A10-9570-1612-E7BD248893F0}"/>
+          </ac:cxnSpMkLst>
+        </pc:cxnChg>
         <pc:cxnChg chg="del mod">
           <ac:chgData name="Zoheir HADID" userId="123d7235792d1862" providerId="LiveId" clId="{2A3E10D1-ABAB-4574-ADA8-42C8B9BEC6A9}" dt="2025-02-24T11:14:06.281" v="1344" actId="478"/>
           <ac:cxnSpMkLst>
             <pc:docMk/>
             <pc:sldMk cId="4152901445" sldId="260"/>
             <ac:cxnSpMk id="18" creationId="{75508130-F3FE-BC62-D36B-BF96CC08AF6D}"/>
+          </ac:cxnSpMkLst>
+        </pc:cxnChg>
+        <pc:cxnChg chg="mod">
+          <ac:chgData name="Zoheir HADID" userId="123d7235792d1862" providerId="LiveId" clId="{2A3E10D1-ABAB-4574-ADA8-42C8B9BEC6A9}" dt="2025-02-24T16:36:49.095" v="1803" actId="13822"/>
+          <ac:cxnSpMkLst>
+            <pc:docMk/>
+            <pc:sldMk cId="4152901445" sldId="260"/>
+            <ac:cxnSpMk id="33" creationId="{C4ECF13E-3C24-A516-1947-A10F561725A5}"/>
+          </ac:cxnSpMkLst>
+        </pc:cxnChg>
+        <pc:cxnChg chg="mod">
+          <ac:chgData name="Zoheir HADID" userId="123d7235792d1862" providerId="LiveId" clId="{2A3E10D1-ABAB-4574-ADA8-42C8B9BEC6A9}" dt="2025-02-24T16:36:49.095" v="1803" actId="13822"/>
+          <ac:cxnSpMkLst>
+            <pc:docMk/>
+            <pc:sldMk cId="4152901445" sldId="260"/>
+            <ac:cxnSpMk id="34" creationId="{C5D21A32-858A-99BE-FC98-01476759916A}"/>
           </ac:cxnSpMkLst>
         </pc:cxnChg>
         <pc:cxnChg chg="mod">
@@ -1413,6 +1557,46 @@
             <pc:docMk/>
             <pc:sldMk cId="4152901445" sldId="260"/>
             <ac:cxnSpMk id="40" creationId="{11E67197-EE97-EEB9-FCFB-2FAFABDF41E7}"/>
+          </ac:cxnSpMkLst>
+        </pc:cxnChg>
+        <pc:cxnChg chg="mod">
+          <ac:chgData name="Zoheir HADID" userId="123d7235792d1862" providerId="LiveId" clId="{2A3E10D1-ABAB-4574-ADA8-42C8B9BEC6A9}" dt="2025-02-24T16:36:49.095" v="1803" actId="13822"/>
+          <ac:cxnSpMkLst>
+            <pc:docMk/>
+            <pc:sldMk cId="4152901445" sldId="260"/>
+            <ac:cxnSpMk id="44" creationId="{AE2C6A86-88A9-E1EC-497F-7E30D9C055DC}"/>
+          </ac:cxnSpMkLst>
+        </pc:cxnChg>
+        <pc:cxnChg chg="add mod">
+          <ac:chgData name="Zoheir HADID" userId="123d7235792d1862" providerId="LiveId" clId="{2A3E10D1-ABAB-4574-ADA8-42C8B9BEC6A9}" dt="2025-02-24T16:40:04.940" v="1841" actId="164"/>
+          <ac:cxnSpMkLst>
+            <pc:docMk/>
+            <pc:sldMk cId="4152901445" sldId="260"/>
+            <ac:cxnSpMk id="50" creationId="{83192C74-C300-0835-A3D8-1CE03AC280FA}"/>
+          </ac:cxnSpMkLst>
+        </pc:cxnChg>
+        <pc:cxnChg chg="add mod">
+          <ac:chgData name="Zoheir HADID" userId="123d7235792d1862" providerId="LiveId" clId="{2A3E10D1-ABAB-4574-ADA8-42C8B9BEC6A9}" dt="2025-02-24T16:51:11.193" v="1870" actId="164"/>
+          <ac:cxnSpMkLst>
+            <pc:docMk/>
+            <pc:sldMk cId="4152901445" sldId="260"/>
+            <ac:cxnSpMk id="74" creationId="{F7C6068E-D575-266C-1DB2-79527F0A09B6}"/>
+          </ac:cxnSpMkLst>
+        </pc:cxnChg>
+        <pc:cxnChg chg="add mod">
+          <ac:chgData name="Zoheir HADID" userId="123d7235792d1862" providerId="LiveId" clId="{2A3E10D1-ABAB-4574-ADA8-42C8B9BEC6A9}" dt="2025-02-24T16:51:11.193" v="1870" actId="164"/>
+          <ac:cxnSpMkLst>
+            <pc:docMk/>
+            <pc:sldMk cId="4152901445" sldId="260"/>
+            <ac:cxnSpMk id="75" creationId="{EA73CCF4-CBE0-FE96-9B3C-A0A31AD60156}"/>
+          </ac:cxnSpMkLst>
+        </pc:cxnChg>
+        <pc:cxnChg chg="add mod">
+          <ac:chgData name="Zoheir HADID" userId="123d7235792d1862" providerId="LiveId" clId="{2A3E10D1-ABAB-4574-ADA8-42C8B9BEC6A9}" dt="2025-02-24T16:51:11.193" v="1870" actId="164"/>
+          <ac:cxnSpMkLst>
+            <pc:docMk/>
+            <pc:sldMk cId="4152901445" sldId="260"/>
+            <ac:cxnSpMk id="77" creationId="{C7283F12-B9D6-7AA4-BA2D-B6F4B95665DD}"/>
           </ac:cxnSpMkLst>
         </pc:cxnChg>
       </pc:sldChg>
@@ -12895,6 +13079,775 @@
           </p:txBody>
         </p:sp>
       </p:grpSp>
+      <p:cxnSp>
+        <p:nvCxnSpPr>
+          <p:cNvPr id="11" name="Connecteur droit 10">
+            <a:extLst>
+              <a:ext uri="{FF2B5EF4-FFF2-40B4-BE49-F238E27FC236}">
+                <a16:creationId xmlns:a16="http://schemas.microsoft.com/office/drawing/2014/main" id="{F6A1870C-6A55-EF7E-2319-916AEA7E2DDF}"/>
+              </a:ext>
+            </a:extLst>
+          </p:cNvPr>
+          <p:cNvCxnSpPr/>
+          <p:nvPr/>
+        </p:nvCxnSpPr>
+        <p:spPr>
+          <a:xfrm>
+            <a:off x="2654300" y="2222500"/>
+            <a:ext cx="914400" cy="914400"/>
+          </a:xfrm>
+          <a:prstGeom prst="line">
+            <a:avLst/>
+          </a:prstGeom>
+        </p:spPr>
+        <p:style>
+          <a:lnRef idx="2">
+            <a:schemeClr val="accent1"/>
+          </a:lnRef>
+          <a:fillRef idx="0">
+            <a:schemeClr val="accent1"/>
+          </a:fillRef>
+          <a:effectRef idx="1">
+            <a:schemeClr val="accent1"/>
+          </a:effectRef>
+          <a:fontRef idx="minor">
+            <a:schemeClr val="tx1"/>
+          </a:fontRef>
+        </p:style>
+      </p:cxnSp>
+      <p:grpSp>
+        <p:nvGrpSpPr>
+          <p:cNvPr id="72" name="Groupe 71">
+            <a:extLst>
+              <a:ext uri="{FF2B5EF4-FFF2-40B4-BE49-F238E27FC236}">
+                <a16:creationId xmlns:a16="http://schemas.microsoft.com/office/drawing/2014/main" id="{EFC56DD4-19ED-732E-6A2C-CCA96BF8CECD}"/>
+              </a:ext>
+            </a:extLst>
+          </p:cNvPr>
+          <p:cNvGrpSpPr/>
+          <p:nvPr/>
+        </p:nvGrpSpPr>
+        <p:grpSpPr>
+          <a:xfrm>
+            <a:off x="3111500" y="4367181"/>
+            <a:ext cx="736374" cy="1720304"/>
+            <a:chOff x="3111500" y="4367181"/>
+            <a:chExt cx="736374" cy="1720304"/>
+          </a:xfrm>
+        </p:grpSpPr>
+        <p:grpSp>
+          <p:nvGrpSpPr>
+            <p:cNvPr id="22" name="Groupe 21">
+              <a:extLst>
+                <a:ext uri="{FF2B5EF4-FFF2-40B4-BE49-F238E27FC236}">
+                  <a16:creationId xmlns:a16="http://schemas.microsoft.com/office/drawing/2014/main" id="{620D9C41-7B33-4E45-C001-C95DEEF31B09}"/>
+                </a:ext>
+              </a:extLst>
+            </p:cNvPr>
+            <p:cNvGrpSpPr/>
+            <p:nvPr/>
+          </p:nvGrpSpPr>
+          <p:grpSpPr>
+            <a:xfrm>
+              <a:off x="3111500" y="4367181"/>
+              <a:ext cx="736374" cy="1720304"/>
+              <a:chOff x="2428519" y="4464596"/>
+              <a:chExt cx="736374" cy="1720304"/>
+            </a:xfrm>
+          </p:grpSpPr>
+          <p:grpSp>
+            <p:nvGrpSpPr>
+              <p:cNvPr id="29" name="Groupe 28">
+                <a:extLst>
+                  <a:ext uri="{FF2B5EF4-FFF2-40B4-BE49-F238E27FC236}">
+                    <a16:creationId xmlns:a16="http://schemas.microsoft.com/office/drawing/2014/main" id="{CE2D92D1-369E-8651-6029-EB38A5176A22}"/>
+                  </a:ext>
+                </a:extLst>
+              </p:cNvPr>
+              <p:cNvGrpSpPr/>
+              <p:nvPr/>
+            </p:nvGrpSpPr>
+            <p:grpSpPr>
+              <a:xfrm>
+                <a:off x="2428519" y="4464596"/>
+                <a:ext cx="736374" cy="1340319"/>
+                <a:chOff x="2428519" y="4464596"/>
+                <a:chExt cx="736374" cy="1340319"/>
+              </a:xfrm>
+            </p:grpSpPr>
+            <p:sp>
+              <p:nvSpPr>
+                <p:cNvPr id="43" name="Rectangle 42">
+                  <a:extLst>
+                    <a:ext uri="{FF2B5EF4-FFF2-40B4-BE49-F238E27FC236}">
+                      <a16:creationId xmlns:a16="http://schemas.microsoft.com/office/drawing/2014/main" id="{914F6318-E458-7EC0-0ACF-CEF2FCFD5582}"/>
+                    </a:ext>
+                  </a:extLst>
+                </p:cNvPr>
+                <p:cNvSpPr/>
+                <p:nvPr/>
+              </p:nvSpPr>
+              <p:spPr>
+                <a:xfrm>
+                  <a:off x="2428519" y="4464596"/>
+                  <a:ext cx="736374" cy="1340319"/>
+                </a:xfrm>
+                <a:prstGeom prst="rect">
+                  <a:avLst/>
+                </a:prstGeom>
+              </p:spPr>
+              <p:style>
+                <a:lnRef idx="2">
+                  <a:schemeClr val="accent1"/>
+                </a:lnRef>
+                <a:fillRef idx="1">
+                  <a:schemeClr val="lt1"/>
+                </a:fillRef>
+                <a:effectRef idx="0">
+                  <a:schemeClr val="accent1"/>
+                </a:effectRef>
+                <a:fontRef idx="minor">
+                  <a:schemeClr val="dk1"/>
+                </a:fontRef>
+              </p:style>
+              <p:txBody>
+                <a:bodyPr rtlCol="0" anchor="ctr"/>
+                <a:lstStyle/>
+                <a:p>
+                  <a:pPr algn="ctr"/>
+                  <a:endParaRPr lang="fr-FR"/>
+                </a:p>
+              </p:txBody>
+            </p:sp>
+            <p:cxnSp>
+              <p:nvCxnSpPr>
+                <p:cNvPr id="44" name="Connecteur droit 43">
+                  <a:extLst>
+                    <a:ext uri="{FF2B5EF4-FFF2-40B4-BE49-F238E27FC236}">
+                      <a16:creationId xmlns:a16="http://schemas.microsoft.com/office/drawing/2014/main" id="{AE2C6A86-88A9-E1EC-497F-7E30D9C055DC}"/>
+                    </a:ext>
+                  </a:extLst>
+                </p:cNvPr>
+                <p:cNvCxnSpPr>
+                  <a:cxnSpLocks/>
+                </p:cNvCxnSpPr>
+                <p:nvPr/>
+              </p:nvCxnSpPr>
+              <p:spPr>
+                <a:xfrm flipH="1">
+                  <a:off x="2428519" y="4464596"/>
+                  <a:ext cx="736374" cy="1340319"/>
+                </a:xfrm>
+                <a:prstGeom prst="line">
+                  <a:avLst/>
+                </a:prstGeom>
+              </p:spPr>
+              <p:style>
+                <a:lnRef idx="2">
+                  <a:schemeClr val="accent1"/>
+                </a:lnRef>
+                <a:fillRef idx="1">
+                  <a:schemeClr val="lt1"/>
+                </a:fillRef>
+                <a:effectRef idx="0">
+                  <a:schemeClr val="accent1"/>
+                </a:effectRef>
+                <a:fontRef idx="minor">
+                  <a:schemeClr val="dk1"/>
+                </a:fontRef>
+              </p:style>
+            </p:cxnSp>
+          </p:grpSp>
+          <p:cxnSp>
+            <p:nvCxnSpPr>
+              <p:cNvPr id="33" name="Connecteur droit 32">
+                <a:extLst>
+                  <a:ext uri="{FF2B5EF4-FFF2-40B4-BE49-F238E27FC236}">
+                    <a16:creationId xmlns:a16="http://schemas.microsoft.com/office/drawing/2014/main" id="{C4ECF13E-3C24-A516-1947-A10F561725A5}"/>
+                  </a:ext>
+                </a:extLst>
+              </p:cNvPr>
+              <p:cNvCxnSpPr>
+                <a:cxnSpLocks/>
+              </p:cNvCxnSpPr>
+              <p:nvPr/>
+            </p:nvCxnSpPr>
+            <p:spPr>
+              <a:xfrm>
+                <a:off x="2599342" y="5804915"/>
+                <a:ext cx="0" cy="379985"/>
+              </a:xfrm>
+              <a:prstGeom prst="line">
+                <a:avLst/>
+              </a:prstGeom>
+            </p:spPr>
+            <p:style>
+              <a:lnRef idx="2">
+                <a:schemeClr val="accent1"/>
+              </a:lnRef>
+              <a:fillRef idx="1">
+                <a:schemeClr val="lt1"/>
+              </a:fillRef>
+              <a:effectRef idx="0">
+                <a:schemeClr val="accent1"/>
+              </a:effectRef>
+              <a:fontRef idx="minor">
+                <a:schemeClr val="dk1"/>
+              </a:fontRef>
+            </p:style>
+          </p:cxnSp>
+          <p:cxnSp>
+            <p:nvCxnSpPr>
+              <p:cNvPr id="34" name="Connecteur droit 33">
+                <a:extLst>
+                  <a:ext uri="{FF2B5EF4-FFF2-40B4-BE49-F238E27FC236}">
+                    <a16:creationId xmlns:a16="http://schemas.microsoft.com/office/drawing/2014/main" id="{C5D21A32-858A-99BE-FC98-01476759916A}"/>
+                  </a:ext>
+                </a:extLst>
+              </p:cNvPr>
+              <p:cNvCxnSpPr>
+                <a:cxnSpLocks/>
+              </p:cNvCxnSpPr>
+              <p:nvPr/>
+            </p:nvCxnSpPr>
+            <p:spPr>
+              <a:xfrm>
+                <a:off x="2999392" y="5804915"/>
+                <a:ext cx="0" cy="379985"/>
+              </a:xfrm>
+              <a:prstGeom prst="line">
+                <a:avLst/>
+              </a:prstGeom>
+            </p:spPr>
+            <p:style>
+              <a:lnRef idx="2">
+                <a:schemeClr val="accent1"/>
+              </a:lnRef>
+              <a:fillRef idx="1">
+                <a:schemeClr val="lt1"/>
+              </a:fillRef>
+              <a:effectRef idx="0">
+                <a:schemeClr val="accent1"/>
+              </a:effectRef>
+              <a:fontRef idx="minor">
+                <a:schemeClr val="dk1"/>
+              </a:fontRef>
+            </p:style>
+          </p:cxnSp>
+        </p:grpSp>
+        <p:cxnSp>
+          <p:nvCxnSpPr>
+            <p:cNvPr id="50" name="Connecteur droit 49">
+              <a:extLst>
+                <a:ext uri="{FF2B5EF4-FFF2-40B4-BE49-F238E27FC236}">
+                  <a16:creationId xmlns:a16="http://schemas.microsoft.com/office/drawing/2014/main" id="{83192C74-C300-0835-A3D8-1CE03AC280FA}"/>
+                </a:ext>
+              </a:extLst>
+            </p:cNvPr>
+            <p:cNvCxnSpPr>
+              <a:cxnSpLocks/>
+            </p:cNvCxnSpPr>
+            <p:nvPr/>
+          </p:nvCxnSpPr>
+          <p:spPr>
+            <a:xfrm>
+              <a:off x="3111500" y="4367181"/>
+              <a:ext cx="736374" cy="1340319"/>
+            </a:xfrm>
+            <a:prstGeom prst="line">
+              <a:avLst/>
+            </a:prstGeom>
+          </p:spPr>
+          <p:style>
+            <a:lnRef idx="2">
+              <a:schemeClr val="accent1"/>
+            </a:lnRef>
+            <a:fillRef idx="1">
+              <a:schemeClr val="lt1"/>
+            </a:fillRef>
+            <a:effectRef idx="0">
+              <a:schemeClr val="accent1"/>
+            </a:effectRef>
+            <a:fontRef idx="minor">
+              <a:schemeClr val="dk1"/>
+            </a:fontRef>
+          </p:style>
+        </p:cxnSp>
+        <p:sp>
+          <p:nvSpPr>
+            <p:cNvPr id="69" name="ZoneTexte 68">
+              <a:extLst>
+                <a:ext uri="{FF2B5EF4-FFF2-40B4-BE49-F238E27FC236}">
+                  <a16:creationId xmlns:a16="http://schemas.microsoft.com/office/drawing/2014/main" id="{E2A31586-8B71-8A7A-0B92-E3332D2BA7B0}"/>
+                </a:ext>
+              </a:extLst>
+            </p:cNvPr>
+            <p:cNvSpPr txBox="1"/>
+            <p:nvPr/>
+          </p:nvSpPr>
+          <p:spPr>
+            <a:xfrm>
+              <a:off x="3111500" y="4367181"/>
+              <a:ext cx="736374" cy="461665"/>
+            </a:xfrm>
+            <a:prstGeom prst="rect">
+              <a:avLst/>
+            </a:prstGeom>
+            <a:noFill/>
+          </p:spPr>
+          <p:txBody>
+            <a:bodyPr wrap="square" rtlCol="0">
+              <a:spAutoFit/>
+            </a:bodyPr>
+            <a:lstStyle/>
+            <a:p>
+              <a:pPr algn="ctr"/>
+              <a:r>
+                <a:rPr lang="fr-FR" sz="1200" dirty="0" err="1"/>
+                <a:t>Cooling</a:t>
+              </a:r>
+              <a:r>
+                <a:rPr lang="fr-FR" sz="1200" dirty="0"/>
+                <a:t> </a:t>
+              </a:r>
+              <a:r>
+                <a:rPr lang="fr-FR" sz="1200" dirty="0" err="1"/>
+                <a:t>Coil</a:t>
+              </a:r>
+              <a:endParaRPr lang="fr-FR" sz="1200" dirty="0"/>
+            </a:p>
+          </p:txBody>
+        </p:sp>
+      </p:grpSp>
+      <p:grpSp>
+        <p:nvGrpSpPr>
+          <p:cNvPr id="71" name="Groupe 70">
+            <a:extLst>
+              <a:ext uri="{FF2B5EF4-FFF2-40B4-BE49-F238E27FC236}">
+                <a16:creationId xmlns:a16="http://schemas.microsoft.com/office/drawing/2014/main" id="{6B3C9632-BB62-2ABA-136E-AE1276AEF591}"/>
+              </a:ext>
+            </a:extLst>
+          </p:cNvPr>
+          <p:cNvGrpSpPr/>
+          <p:nvPr/>
+        </p:nvGrpSpPr>
+        <p:grpSpPr>
+          <a:xfrm>
+            <a:off x="1894605" y="4373881"/>
+            <a:ext cx="736374" cy="1726700"/>
+            <a:chOff x="1894605" y="4373881"/>
+            <a:chExt cx="736374" cy="1726700"/>
+          </a:xfrm>
+        </p:grpSpPr>
+        <p:grpSp>
+          <p:nvGrpSpPr>
+            <p:cNvPr id="20" name="Groupe 19">
+              <a:extLst>
+                <a:ext uri="{FF2B5EF4-FFF2-40B4-BE49-F238E27FC236}">
+                  <a16:creationId xmlns:a16="http://schemas.microsoft.com/office/drawing/2014/main" id="{2E7B841C-7D88-BE22-7A5A-64E938FC491A}"/>
+                </a:ext>
+              </a:extLst>
+            </p:cNvPr>
+            <p:cNvGrpSpPr/>
+            <p:nvPr/>
+          </p:nvGrpSpPr>
+          <p:grpSpPr>
+            <a:xfrm>
+              <a:off x="1894605" y="4380277"/>
+              <a:ext cx="736374" cy="1720304"/>
+              <a:chOff x="2428519" y="4464596"/>
+              <a:chExt cx="736374" cy="1720304"/>
+            </a:xfrm>
+          </p:grpSpPr>
+          <p:grpSp>
+            <p:nvGrpSpPr>
+              <p:cNvPr id="9" name="Groupe 8">
+                <a:extLst>
+                  <a:ext uri="{FF2B5EF4-FFF2-40B4-BE49-F238E27FC236}">
+                    <a16:creationId xmlns:a16="http://schemas.microsoft.com/office/drawing/2014/main" id="{DCBEEA67-8241-D1D4-94F3-9517E12F0EFA}"/>
+                  </a:ext>
+                </a:extLst>
+              </p:cNvPr>
+              <p:cNvGrpSpPr/>
+              <p:nvPr/>
+            </p:nvGrpSpPr>
+            <p:grpSpPr>
+              <a:xfrm>
+                <a:off x="2428519" y="4464596"/>
+                <a:ext cx="736374" cy="1340319"/>
+                <a:chOff x="2428519" y="4464596"/>
+                <a:chExt cx="736374" cy="1340319"/>
+              </a:xfrm>
+            </p:grpSpPr>
+            <p:sp>
+              <p:nvSpPr>
+                <p:cNvPr id="2" name="Rectangle 1">
+                  <a:extLst>
+                    <a:ext uri="{FF2B5EF4-FFF2-40B4-BE49-F238E27FC236}">
+                      <a16:creationId xmlns:a16="http://schemas.microsoft.com/office/drawing/2014/main" id="{854C97C6-AA7F-8CE1-82A3-A76C8364D014}"/>
+                    </a:ext>
+                  </a:extLst>
+                </p:cNvPr>
+                <p:cNvSpPr/>
+                <p:nvPr/>
+              </p:nvSpPr>
+              <p:spPr>
+                <a:xfrm>
+                  <a:off x="2428519" y="4464596"/>
+                  <a:ext cx="736374" cy="1340319"/>
+                </a:xfrm>
+                <a:prstGeom prst="rect">
+                  <a:avLst/>
+                </a:prstGeom>
+              </p:spPr>
+              <p:style>
+                <a:lnRef idx="2">
+                  <a:schemeClr val="accent2"/>
+                </a:lnRef>
+                <a:fillRef idx="1">
+                  <a:schemeClr val="lt1"/>
+                </a:fillRef>
+                <a:effectRef idx="0">
+                  <a:schemeClr val="accent2"/>
+                </a:effectRef>
+                <a:fontRef idx="minor">
+                  <a:schemeClr val="dk1"/>
+                </a:fontRef>
+              </p:style>
+              <p:txBody>
+                <a:bodyPr rtlCol="0" anchor="ctr"/>
+                <a:lstStyle/>
+                <a:p>
+                  <a:pPr algn="ctr"/>
+                  <a:endParaRPr lang="fr-FR" dirty="0"/>
+                </a:p>
+              </p:txBody>
+            </p:sp>
+            <p:cxnSp>
+              <p:nvCxnSpPr>
+                <p:cNvPr id="6" name="Connecteur droit 5">
+                  <a:extLst>
+                    <a:ext uri="{FF2B5EF4-FFF2-40B4-BE49-F238E27FC236}">
+                      <a16:creationId xmlns:a16="http://schemas.microsoft.com/office/drawing/2014/main" id="{93B52085-32D3-30D6-0207-95329C3DA063}"/>
+                    </a:ext>
+                  </a:extLst>
+                </p:cNvPr>
+                <p:cNvCxnSpPr>
+                  <a:cxnSpLocks/>
+                </p:cNvCxnSpPr>
+                <p:nvPr/>
+              </p:nvCxnSpPr>
+              <p:spPr>
+                <a:xfrm flipH="1">
+                  <a:off x="2428519" y="4464596"/>
+                  <a:ext cx="736374" cy="1340319"/>
+                </a:xfrm>
+                <a:prstGeom prst="line">
+                  <a:avLst/>
+                </a:prstGeom>
+              </p:spPr>
+              <p:style>
+                <a:lnRef idx="2">
+                  <a:schemeClr val="accent2"/>
+                </a:lnRef>
+                <a:fillRef idx="0">
+                  <a:schemeClr val="accent2"/>
+                </a:fillRef>
+                <a:effectRef idx="1">
+                  <a:schemeClr val="accent2"/>
+                </a:effectRef>
+                <a:fontRef idx="minor">
+                  <a:schemeClr val="tx1"/>
+                </a:fontRef>
+              </p:style>
+            </p:cxnSp>
+          </p:grpSp>
+          <p:cxnSp>
+            <p:nvCxnSpPr>
+              <p:cNvPr id="12" name="Connecteur droit 11">
+                <a:extLst>
+                  <a:ext uri="{FF2B5EF4-FFF2-40B4-BE49-F238E27FC236}">
+                    <a16:creationId xmlns:a16="http://schemas.microsoft.com/office/drawing/2014/main" id="{11C5AB9F-DAAC-61F0-2B09-ACD2B9A05471}"/>
+                  </a:ext>
+                </a:extLst>
+              </p:cNvPr>
+              <p:cNvCxnSpPr>
+                <a:cxnSpLocks/>
+              </p:cNvCxnSpPr>
+              <p:nvPr/>
+            </p:nvCxnSpPr>
+            <p:spPr>
+              <a:xfrm>
+                <a:off x="2599342" y="5804915"/>
+                <a:ext cx="0" cy="379985"/>
+              </a:xfrm>
+              <a:prstGeom prst="line">
+                <a:avLst/>
+              </a:prstGeom>
+            </p:spPr>
+            <p:style>
+              <a:lnRef idx="2">
+                <a:schemeClr val="accent2"/>
+              </a:lnRef>
+              <a:fillRef idx="0">
+                <a:schemeClr val="accent2"/>
+              </a:fillRef>
+              <a:effectRef idx="1">
+                <a:schemeClr val="accent2"/>
+              </a:effectRef>
+              <a:fontRef idx="minor">
+                <a:schemeClr val="tx1"/>
+              </a:fontRef>
+            </p:style>
+          </p:cxnSp>
+          <p:cxnSp>
+            <p:nvCxnSpPr>
+              <p:cNvPr id="18" name="Connecteur droit 17">
+                <a:extLst>
+                  <a:ext uri="{FF2B5EF4-FFF2-40B4-BE49-F238E27FC236}">
+                    <a16:creationId xmlns:a16="http://schemas.microsoft.com/office/drawing/2014/main" id="{009D6169-7A10-9570-1612-E7BD248893F0}"/>
+                  </a:ext>
+                </a:extLst>
+              </p:cNvPr>
+              <p:cNvCxnSpPr>
+                <a:cxnSpLocks/>
+              </p:cNvCxnSpPr>
+              <p:nvPr/>
+            </p:nvCxnSpPr>
+            <p:spPr>
+              <a:xfrm>
+                <a:off x="2999392" y="5804915"/>
+                <a:ext cx="0" cy="379985"/>
+              </a:xfrm>
+              <a:prstGeom prst="line">
+                <a:avLst/>
+              </a:prstGeom>
+            </p:spPr>
+            <p:style>
+              <a:lnRef idx="2">
+                <a:schemeClr val="accent2"/>
+              </a:lnRef>
+              <a:fillRef idx="0">
+                <a:schemeClr val="accent2"/>
+              </a:fillRef>
+              <a:effectRef idx="1">
+                <a:schemeClr val="accent2"/>
+              </a:effectRef>
+              <a:fontRef idx="minor">
+                <a:schemeClr val="tx1"/>
+              </a:fontRef>
+            </p:style>
+          </p:cxnSp>
+        </p:grpSp>
+        <p:sp>
+          <p:nvSpPr>
+            <p:cNvPr id="70" name="ZoneTexte 69">
+              <a:extLst>
+                <a:ext uri="{FF2B5EF4-FFF2-40B4-BE49-F238E27FC236}">
+                  <a16:creationId xmlns:a16="http://schemas.microsoft.com/office/drawing/2014/main" id="{776FA1B0-8A53-5041-AD78-85836A653979}"/>
+                </a:ext>
+              </a:extLst>
+            </p:cNvPr>
+            <p:cNvSpPr txBox="1"/>
+            <p:nvPr/>
+          </p:nvSpPr>
+          <p:spPr>
+            <a:xfrm>
+              <a:off x="1894605" y="4373881"/>
+              <a:ext cx="736374" cy="461665"/>
+            </a:xfrm>
+            <a:prstGeom prst="rect">
+              <a:avLst/>
+            </a:prstGeom>
+            <a:noFill/>
+          </p:spPr>
+          <p:txBody>
+            <a:bodyPr wrap="square" rtlCol="0">
+              <a:spAutoFit/>
+            </a:bodyPr>
+            <a:lstStyle/>
+            <a:p>
+              <a:pPr algn="ctr"/>
+              <a:r>
+                <a:rPr lang="fr-FR" sz="1200" dirty="0" err="1"/>
+                <a:t>HeatingCoil</a:t>
+              </a:r>
+              <a:endParaRPr lang="fr-FR" sz="1200" dirty="0"/>
+            </a:p>
+          </p:txBody>
+        </p:sp>
+      </p:grpSp>
+      <p:grpSp>
+        <p:nvGrpSpPr>
+          <p:cNvPr id="79" name="Groupe 78">
+            <a:extLst>
+              <a:ext uri="{FF2B5EF4-FFF2-40B4-BE49-F238E27FC236}">
+                <a16:creationId xmlns:a16="http://schemas.microsoft.com/office/drawing/2014/main" id="{9DD2A27C-E3CE-C599-957F-42B578A76CE0}"/>
+              </a:ext>
+            </a:extLst>
+          </p:cNvPr>
+          <p:cNvGrpSpPr/>
+          <p:nvPr/>
+        </p:nvGrpSpPr>
+        <p:grpSpPr>
+          <a:xfrm>
+            <a:off x="4540260" y="4974451"/>
+            <a:ext cx="1825739" cy="276999"/>
+            <a:chOff x="4540260" y="4974451"/>
+            <a:chExt cx="1825739" cy="276999"/>
+          </a:xfrm>
+        </p:grpSpPr>
+        <p:cxnSp>
+          <p:nvCxnSpPr>
+            <p:cNvPr id="74" name="Connecteur droit 73">
+              <a:extLst>
+                <a:ext uri="{FF2B5EF4-FFF2-40B4-BE49-F238E27FC236}">
+                  <a16:creationId xmlns:a16="http://schemas.microsoft.com/office/drawing/2014/main" id="{F7C6068E-D575-266C-1DB2-79527F0A09B6}"/>
+                </a:ext>
+              </a:extLst>
+            </p:cNvPr>
+            <p:cNvCxnSpPr>
+              <a:cxnSpLocks/>
+            </p:cNvCxnSpPr>
+            <p:nvPr/>
+          </p:nvCxnSpPr>
+          <p:spPr>
+            <a:xfrm>
+              <a:off x="4799080" y="5251450"/>
+              <a:ext cx="1308100" cy="0"/>
+            </a:xfrm>
+            <a:prstGeom prst="line">
+              <a:avLst/>
+            </a:prstGeom>
+          </p:spPr>
+          <p:style>
+            <a:lnRef idx="3">
+              <a:schemeClr val="dk1"/>
+            </a:lnRef>
+            <a:fillRef idx="0">
+              <a:schemeClr val="dk1"/>
+            </a:fillRef>
+            <a:effectRef idx="2">
+              <a:schemeClr val="dk1"/>
+            </a:effectRef>
+            <a:fontRef idx="minor">
+              <a:schemeClr val="tx1"/>
+            </a:fontRef>
+          </p:style>
+        </p:cxnSp>
+        <p:cxnSp>
+          <p:nvCxnSpPr>
+            <p:cNvPr id="75" name="Connecteur droit 74">
+              <a:extLst>
+                <a:ext uri="{FF2B5EF4-FFF2-40B4-BE49-F238E27FC236}">
+                  <a16:creationId xmlns:a16="http://schemas.microsoft.com/office/drawing/2014/main" id="{EA73CCF4-CBE0-FE96-9B3C-A0A31AD60156}"/>
+                </a:ext>
+              </a:extLst>
+            </p:cNvPr>
+            <p:cNvCxnSpPr>
+              <a:cxnSpLocks/>
+            </p:cNvCxnSpPr>
+            <p:nvPr/>
+          </p:nvCxnSpPr>
+          <p:spPr>
+            <a:xfrm>
+              <a:off x="6178550" y="5251450"/>
+              <a:ext cx="187449" cy="0"/>
+            </a:xfrm>
+            <a:prstGeom prst="line">
+              <a:avLst/>
+            </a:prstGeom>
+          </p:spPr>
+          <p:style>
+            <a:lnRef idx="1">
+              <a:schemeClr val="dk1"/>
+            </a:lnRef>
+            <a:fillRef idx="0">
+              <a:schemeClr val="dk1"/>
+            </a:fillRef>
+            <a:effectRef idx="0">
+              <a:schemeClr val="dk1"/>
+            </a:effectRef>
+            <a:fontRef idx="minor">
+              <a:schemeClr val="tx1"/>
+            </a:fontRef>
+          </p:style>
+        </p:cxnSp>
+        <p:cxnSp>
+          <p:nvCxnSpPr>
+            <p:cNvPr id="77" name="Connecteur droit 76">
+              <a:extLst>
+                <a:ext uri="{FF2B5EF4-FFF2-40B4-BE49-F238E27FC236}">
+                  <a16:creationId xmlns:a16="http://schemas.microsoft.com/office/drawing/2014/main" id="{C7283F12-B9D6-7AA4-BA2D-B6F4B95665DD}"/>
+                </a:ext>
+              </a:extLst>
+            </p:cNvPr>
+            <p:cNvCxnSpPr>
+              <a:cxnSpLocks/>
+            </p:cNvCxnSpPr>
+            <p:nvPr/>
+          </p:nvCxnSpPr>
+          <p:spPr>
+            <a:xfrm>
+              <a:off x="4540260" y="5251450"/>
+              <a:ext cx="187449" cy="0"/>
+            </a:xfrm>
+            <a:prstGeom prst="line">
+              <a:avLst/>
+            </a:prstGeom>
+          </p:spPr>
+          <p:style>
+            <a:lnRef idx="1">
+              <a:schemeClr val="dk1"/>
+            </a:lnRef>
+            <a:fillRef idx="0">
+              <a:schemeClr val="dk1"/>
+            </a:fillRef>
+            <a:effectRef idx="0">
+              <a:schemeClr val="dk1"/>
+            </a:effectRef>
+            <a:fontRef idx="minor">
+              <a:schemeClr val="tx1"/>
+            </a:fontRef>
+          </p:style>
+        </p:cxnSp>
+        <p:sp>
+          <p:nvSpPr>
+            <p:cNvPr id="78" name="ZoneTexte 77">
+              <a:extLst>
+                <a:ext uri="{FF2B5EF4-FFF2-40B4-BE49-F238E27FC236}">
+                  <a16:creationId xmlns:a16="http://schemas.microsoft.com/office/drawing/2014/main" id="{47F32088-08D2-599F-4139-7D374842BFC1}"/>
+                </a:ext>
+              </a:extLst>
+            </p:cNvPr>
+            <p:cNvSpPr txBox="1"/>
+            <p:nvPr/>
+          </p:nvSpPr>
+          <p:spPr>
+            <a:xfrm>
+              <a:off x="5070219" y="4974451"/>
+              <a:ext cx="736374" cy="276999"/>
+            </a:xfrm>
+            <a:prstGeom prst="rect">
+              <a:avLst/>
+            </a:prstGeom>
+            <a:noFill/>
+          </p:spPr>
+          <p:txBody>
+            <a:bodyPr wrap="square" rtlCol="0">
+              <a:spAutoFit/>
+            </a:bodyPr>
+            <a:lstStyle/>
+            <a:p>
+              <a:pPr algn="ctr"/>
+              <a:r>
+                <a:rPr lang="fr-FR" sz="1200" dirty="0"/>
+                <a:t>Pipeline</a:t>
+              </a:r>
+            </a:p>
+          </p:txBody>
+        </p:sp>
+      </p:grpSp>
     </p:spTree>
     <p:extLst>
       <p:ext uri="{BB962C8B-B14F-4D97-AF65-F5344CB8AC3E}">

--- a/Examples.pptx
+++ b/Examples.pptx
@@ -9,7 +9,8 @@
     <p:sldId id="257" r:id="rId3"/>
     <p:sldId id="258" r:id="rId4"/>
     <p:sldId id="259" r:id="rId5"/>
-    <p:sldId id="260" r:id="rId6"/>
+    <p:sldId id="261" r:id="rId6"/>
+    <p:sldId id="260" r:id="rId7"/>
   </p:sldIdLst>
   <p:sldSz cx="12192000" cy="6858000"/>
   <p:notesSz cx="6858000" cy="9144000"/>
@@ -119,7 +120,7 @@
 <file path=ppt/revisionInfo.xml><?xml version="1.0" encoding="utf-8"?>
 <p1510:revInfo xmlns:a="http://schemas.openxmlformats.org/drawingml/2006/main" xmlns:r="http://schemas.openxmlformats.org/officeDocument/2006/relationships" xmlns:p1510="http://schemas.microsoft.com/office/powerpoint/2015/10/main">
   <p1510:revLst>
-    <p1510:client id="{2A3E10D1-ABAB-4574-ADA8-42C8B9BEC6A9}" v="302" dt="2025-02-24T16:51:11.193"/>
+    <p1510:client id="{5FE8130B-E583-473C-B013-82E7A49310B6}" v="17" dt="2025-11-19T19:40:07.058"/>
   </p1510:revLst>
 </p1510:revInfo>
 </file>
@@ -127,1476 +128,240 @@
 <file path=ppt/changesInfos/changesInfo1.xml><?xml version="1.0" encoding="utf-8"?>
 <pc:chgInfo xmlns:a="http://schemas.openxmlformats.org/drawingml/2006/main" xmlns:r="http://schemas.openxmlformats.org/officeDocument/2006/relationships" xmlns:ac="http://schemas.microsoft.com/office/drawing/2013/main/command" xmlns:pc="http://schemas.microsoft.com/office/powerpoint/2013/main/command">
   <pc:docChgLst>
-    <pc:chgData name="Zoheir HADID" userId="123d7235792d1862" providerId="LiveId" clId="{2A3E10D1-ABAB-4574-ADA8-42C8B9BEC6A9}"/>
-    <pc:docChg chg="undo redo custSel addSld modSld">
-      <pc:chgData name="Zoheir HADID" userId="123d7235792d1862" providerId="LiveId" clId="{2A3E10D1-ABAB-4574-ADA8-42C8B9BEC6A9}" dt="2025-02-24T16:51:11.193" v="1870" actId="164"/>
+    <pc:chgData name="Zoheir HADID" userId="123d7235792d1862" providerId="LiveId" clId="{821638BF-488C-4751-A3CD-62E6B0C1C039}"/>
+    <pc:docChg chg="custSel addSld modSld">
+      <pc:chgData name="Zoheir HADID" userId="123d7235792d1862" providerId="LiveId" clId="{821638BF-488C-4751-A3CD-62E6B0C1C039}" dt="2025-11-19T19:40:07.056" v="308" actId="164"/>
       <pc:docMkLst>
         <pc:docMk/>
       </pc:docMkLst>
-      <pc:sldChg chg="addSp delSp modSp new mod">
-        <pc:chgData name="Zoheir HADID" userId="123d7235792d1862" providerId="LiveId" clId="{2A3E10D1-ABAB-4574-ADA8-42C8B9BEC6A9}" dt="2025-02-20T20:21:24.243" v="234" actId="164"/>
+      <pc:sldChg chg="addSp delSp modSp add mod">
+        <pc:chgData name="Zoheir HADID" userId="123d7235792d1862" providerId="LiveId" clId="{821638BF-488C-4751-A3CD-62E6B0C1C039}" dt="2025-11-19T19:40:07.056" v="308" actId="164"/>
         <pc:sldMkLst>
           <pc:docMk/>
-          <pc:sldMk cId="4243550657" sldId="256"/>
+          <pc:sldMk cId="3530312540" sldId="261"/>
         </pc:sldMkLst>
-        <pc:spChg chg="add mod">
-          <ac:chgData name="Zoheir HADID" userId="123d7235792d1862" providerId="LiveId" clId="{2A3E10D1-ABAB-4574-ADA8-42C8B9BEC6A9}" dt="2025-02-20T20:21:24.243" v="234" actId="164"/>
+        <pc:spChg chg="add mod ord">
+          <ac:chgData name="Zoheir HADID" userId="123d7235792d1862" providerId="LiveId" clId="{821638BF-488C-4751-A3CD-62E6B0C1C039}" dt="2025-11-19T19:40:07.056" v="308" actId="164"/>
           <ac:spMkLst>
             <pc:docMk/>
-            <pc:sldMk cId="4243550657" sldId="256"/>
-            <ac:spMk id="2" creationId="{3F58695C-B3F0-1FC7-CFE1-2B5C6549804D}"/>
+            <pc:sldMk cId="3530312540" sldId="261"/>
+            <ac:spMk id="4" creationId="{0B42A172-93E2-C36F-338F-229628B7A2B6}"/>
           </ac:spMkLst>
         </pc:spChg>
-        <pc:spChg chg="add mod">
-          <ac:chgData name="Zoheir HADID" userId="123d7235792d1862" providerId="LiveId" clId="{2A3E10D1-ABAB-4574-ADA8-42C8B9BEC6A9}" dt="2025-02-20T20:21:24.243" v="234" actId="164"/>
+        <pc:spChg chg="mod">
+          <ac:chgData name="Zoheir HADID" userId="123d7235792d1862" providerId="LiveId" clId="{821638BF-488C-4751-A3CD-62E6B0C1C039}" dt="2025-11-19T19:31:38.209" v="1" actId="165"/>
           <ac:spMkLst>
             <pc:docMk/>
-            <pc:sldMk cId="4243550657" sldId="256"/>
-            <ac:spMk id="3" creationId="{9D31B456-E998-A022-8E1C-C895D76722DB}"/>
+            <pc:sldMk cId="3530312540" sldId="261"/>
+            <ac:spMk id="5" creationId="{3D5EBBA8-4D53-2DB9-89FE-086C23A031A9}"/>
           </ac:spMkLst>
         </pc:spChg>
-        <pc:spChg chg="add mod ord topLvl">
-          <ac:chgData name="Zoheir HADID" userId="123d7235792d1862" providerId="LiveId" clId="{2A3E10D1-ABAB-4574-ADA8-42C8B9BEC6A9}" dt="2025-02-20T19:30:55.725" v="105" actId="171"/>
+        <pc:spChg chg="mod">
+          <ac:chgData name="Zoheir HADID" userId="123d7235792d1862" providerId="LiveId" clId="{821638BF-488C-4751-A3CD-62E6B0C1C039}" dt="2025-11-19T19:31:38.209" v="1" actId="165"/>
           <ac:spMkLst>
             <pc:docMk/>
-            <pc:sldMk cId="4243550657" sldId="256"/>
-            <ac:spMk id="4" creationId="{CAC6ACE4-478B-9440-72AE-E2B8DE434C14}"/>
+            <pc:sldMk cId="3530312540" sldId="261"/>
+            <ac:spMk id="6" creationId="{13B4B8FE-BFDA-97B1-FE1D-4074871250BB}"/>
           </ac:spMkLst>
         </pc:spChg>
-        <pc:spChg chg="add mod">
-          <ac:chgData name="Zoheir HADID" userId="123d7235792d1862" providerId="LiveId" clId="{2A3E10D1-ABAB-4574-ADA8-42C8B9BEC6A9}" dt="2025-02-20T20:21:24.243" v="234" actId="164"/>
+        <pc:spChg chg="add mod ord">
+          <ac:chgData name="Zoheir HADID" userId="123d7235792d1862" providerId="LiveId" clId="{821638BF-488C-4751-A3CD-62E6B0C1C039}" dt="2025-11-19T19:40:07.056" v="308" actId="164"/>
           <ac:spMkLst>
             <pc:docMk/>
-            <pc:sldMk cId="4243550657" sldId="256"/>
-            <ac:spMk id="5" creationId="{B7C6E827-14BE-CCE9-CCC2-1CA18C3F376A}"/>
+            <pc:sldMk cId="3530312540" sldId="261"/>
+            <ac:spMk id="9" creationId="{36D0F0F4-235F-EAA8-848E-621B9B9B20E2}"/>
           </ac:spMkLst>
         </pc:spChg>
-        <pc:spChg chg="add mod">
-          <ac:chgData name="Zoheir HADID" userId="123d7235792d1862" providerId="LiveId" clId="{2A3E10D1-ABAB-4574-ADA8-42C8B9BEC6A9}" dt="2025-02-20T20:21:24.243" v="234" actId="164"/>
+        <pc:spChg chg="mod">
+          <ac:chgData name="Zoheir HADID" userId="123d7235792d1862" providerId="LiveId" clId="{821638BF-488C-4751-A3CD-62E6B0C1C039}" dt="2025-11-19T19:31:38.209" v="1" actId="165"/>
           <ac:spMkLst>
             <pc:docMk/>
-            <pc:sldMk cId="4243550657" sldId="256"/>
-            <ac:spMk id="8" creationId="{A2CEDBE5-902D-5F6F-4DD0-873F201BDECF}"/>
+            <pc:sldMk cId="3530312540" sldId="261"/>
+            <ac:spMk id="15" creationId="{232E8FDA-A7E6-8027-732E-7F17FB621964}"/>
           </ac:spMkLst>
         </pc:spChg>
-        <pc:spChg chg="add mod">
-          <ac:chgData name="Zoheir HADID" userId="123d7235792d1862" providerId="LiveId" clId="{2A3E10D1-ABAB-4574-ADA8-42C8B9BEC6A9}" dt="2025-02-20T20:21:24.243" v="234" actId="164"/>
+        <pc:spChg chg="mod">
+          <ac:chgData name="Zoheir HADID" userId="123d7235792d1862" providerId="LiveId" clId="{821638BF-488C-4751-A3CD-62E6B0C1C039}" dt="2025-11-19T19:31:38.209" v="1" actId="165"/>
           <ac:spMkLst>
             <pc:docMk/>
-            <pc:sldMk cId="4243550657" sldId="256"/>
-            <ac:spMk id="9" creationId="{E5337EE6-9012-34EF-C7AF-3ADE37326102}"/>
+            <pc:sldMk cId="3530312540" sldId="261"/>
+            <ac:spMk id="16" creationId="{D25F5FA9-47E0-684B-0A46-9C26B3024CE4}"/>
           </ac:spMkLst>
         </pc:spChg>
-        <pc:spChg chg="add mod">
-          <ac:chgData name="Zoheir HADID" userId="123d7235792d1862" providerId="LiveId" clId="{2A3E10D1-ABAB-4574-ADA8-42C8B9BEC6A9}" dt="2025-02-20T20:21:24.243" v="234" actId="164"/>
+        <pc:spChg chg="mod">
+          <ac:chgData name="Zoheir HADID" userId="123d7235792d1862" providerId="LiveId" clId="{821638BF-488C-4751-A3CD-62E6B0C1C039}" dt="2025-11-19T19:33:56.560" v="33" actId="165"/>
           <ac:spMkLst>
             <pc:docMk/>
-            <pc:sldMk cId="4243550657" sldId="256"/>
-            <ac:spMk id="11" creationId="{8029C2BE-EFE1-F14B-C923-D78C968A5D31}"/>
+            <pc:sldMk cId="3530312540" sldId="261"/>
+            <ac:spMk id="19" creationId="{92E21A71-0F27-498B-A3F9-5808B3409489}"/>
           </ac:spMkLst>
         </pc:spChg>
-        <pc:spChg chg="add mod">
-          <ac:chgData name="Zoheir HADID" userId="123d7235792d1862" providerId="LiveId" clId="{2A3E10D1-ABAB-4574-ADA8-42C8B9BEC6A9}" dt="2025-02-20T20:21:24.243" v="234" actId="164"/>
+        <pc:spChg chg="mod">
+          <ac:chgData name="Zoheir HADID" userId="123d7235792d1862" providerId="LiveId" clId="{821638BF-488C-4751-A3CD-62E6B0C1C039}" dt="2025-11-19T19:33:56.560" v="33" actId="165"/>
           <ac:spMkLst>
             <pc:docMk/>
-            <pc:sldMk cId="4243550657" sldId="256"/>
-            <ac:spMk id="12" creationId="{D9C04986-58BE-ADD3-C55D-3F28A552404B}"/>
+            <pc:sldMk cId="3530312540" sldId="261"/>
+            <ac:spMk id="20" creationId="{C6D3AD93-7EB8-D1D2-9083-BABA02104463}"/>
           </ac:spMkLst>
         </pc:spChg>
-        <pc:spChg chg="add mod topLvl">
-          <ac:chgData name="Zoheir HADID" userId="123d7235792d1862" providerId="LiveId" clId="{2A3E10D1-ABAB-4574-ADA8-42C8B9BEC6A9}" dt="2025-02-20T20:21:12.531" v="233" actId="2711"/>
+        <pc:spChg chg="mod">
+          <ac:chgData name="Zoheir HADID" userId="123d7235792d1862" providerId="LiveId" clId="{821638BF-488C-4751-A3CD-62E6B0C1C039}" dt="2025-11-19T19:33:56.560" v="33" actId="165"/>
           <ac:spMkLst>
             <pc:docMk/>
-            <pc:sldMk cId="4243550657" sldId="256"/>
-            <ac:spMk id="13" creationId="{5C856BAA-B93B-D2F9-5117-C8E9E976C8E9}"/>
+            <pc:sldMk cId="3530312540" sldId="261"/>
+            <ac:spMk id="21" creationId="{323527AA-7319-CCBB-086F-31572888AFEB}"/>
           </ac:spMkLst>
         </pc:spChg>
-        <pc:spChg chg="add mod topLvl">
-          <ac:chgData name="Zoheir HADID" userId="123d7235792d1862" providerId="LiveId" clId="{2A3E10D1-ABAB-4574-ADA8-42C8B9BEC6A9}" dt="2025-02-20T20:00:50.516" v="114" actId="20577"/>
+        <pc:spChg chg="mod">
+          <ac:chgData name="Zoheir HADID" userId="123d7235792d1862" providerId="LiveId" clId="{821638BF-488C-4751-A3CD-62E6B0C1C039}" dt="2025-11-19T19:33:56.560" v="33" actId="165"/>
           <ac:spMkLst>
             <pc:docMk/>
-            <pc:sldMk cId="4243550657" sldId="256"/>
-            <ac:spMk id="14" creationId="{2BCFB17E-D087-52E4-D49F-A12D4B9A37F2}"/>
+            <pc:sldMk cId="3530312540" sldId="261"/>
+            <ac:spMk id="24" creationId="{32BB7457-8024-2113-3770-32697AB61F17}"/>
           </ac:spMkLst>
         </pc:spChg>
-        <pc:spChg chg="add mod topLvl">
-          <ac:chgData name="Zoheir HADID" userId="123d7235792d1862" providerId="LiveId" clId="{2A3E10D1-ABAB-4574-ADA8-42C8B9BEC6A9}" dt="2025-02-20T20:21:12.531" v="233" actId="2711"/>
+        <pc:spChg chg="mod">
+          <ac:chgData name="Zoheir HADID" userId="123d7235792d1862" providerId="LiveId" clId="{821638BF-488C-4751-A3CD-62E6B0C1C039}" dt="2025-11-19T19:33:56.560" v="33" actId="165"/>
           <ac:spMkLst>
             <pc:docMk/>
-            <pc:sldMk cId="4243550657" sldId="256"/>
-            <ac:spMk id="15" creationId="{8557D550-09EA-42A8-F987-6994E539AC81}"/>
+            <pc:sldMk cId="3530312540" sldId="261"/>
+            <ac:spMk id="25" creationId="{9652385A-064D-C7AA-08E1-CFE3D4FB55D0}"/>
           </ac:spMkLst>
         </pc:spChg>
-        <pc:spChg chg="add mod">
-          <ac:chgData name="Zoheir HADID" userId="123d7235792d1862" providerId="LiveId" clId="{2A3E10D1-ABAB-4574-ADA8-42C8B9BEC6A9}" dt="2025-02-20T20:21:24.243" v="234" actId="164"/>
+        <pc:spChg chg="mod">
+          <ac:chgData name="Zoheir HADID" userId="123d7235792d1862" providerId="LiveId" clId="{821638BF-488C-4751-A3CD-62E6B0C1C039}" dt="2025-11-19T19:33:56.560" v="33" actId="165"/>
           <ac:spMkLst>
             <pc:docMk/>
-            <pc:sldMk cId="4243550657" sldId="256"/>
-            <ac:spMk id="16" creationId="{B2E8991D-F101-939D-AFA5-01A73FD4F0C9}"/>
+            <pc:sldMk cId="3530312540" sldId="261"/>
+            <ac:spMk id="27" creationId="{F13056D5-D1B8-3F46-6AB9-3E885755762E}"/>
           </ac:spMkLst>
         </pc:spChg>
-        <pc:spChg chg="add mod ord topLvl">
-          <ac:chgData name="Zoheir HADID" userId="123d7235792d1862" providerId="LiveId" clId="{2A3E10D1-ABAB-4574-ADA8-42C8B9BEC6A9}" dt="2025-02-20T20:21:12.531" v="233" actId="2711"/>
+        <pc:spChg chg="mod">
+          <ac:chgData name="Zoheir HADID" userId="123d7235792d1862" providerId="LiveId" clId="{821638BF-488C-4751-A3CD-62E6B0C1C039}" dt="2025-11-19T19:33:56.560" v="33" actId="165"/>
           <ac:spMkLst>
             <pc:docMk/>
-            <pc:sldMk cId="4243550657" sldId="256"/>
-            <ac:spMk id="17" creationId="{D48D90E7-C8D6-2FF2-3B47-E4F6522056F1}"/>
+            <pc:sldMk cId="3530312540" sldId="261"/>
+            <ac:spMk id="28" creationId="{E26787EE-5E6E-4616-115F-5C189E6BFE09}"/>
           </ac:spMkLst>
         </pc:spChg>
-        <pc:spChg chg="add mod">
-          <ac:chgData name="Zoheir HADID" userId="123d7235792d1862" providerId="LiveId" clId="{2A3E10D1-ABAB-4574-ADA8-42C8B9BEC6A9}" dt="2025-02-20T20:21:24.243" v="234" actId="164"/>
+        <pc:spChg chg="mod">
+          <ac:chgData name="Zoheir HADID" userId="123d7235792d1862" providerId="LiveId" clId="{821638BF-488C-4751-A3CD-62E6B0C1C039}" dt="2025-11-19T19:40:07.056" v="308" actId="164"/>
           <ac:spMkLst>
             <pc:docMk/>
-            <pc:sldMk cId="4243550657" sldId="256"/>
-            <ac:spMk id="18" creationId="{BBAF7C19-38B8-A1D2-5BFE-4122ECF96344}"/>
+            <pc:sldMk cId="3530312540" sldId="261"/>
+            <ac:spMk id="48" creationId="{67AA9DD5-1A7B-46F5-17A8-29CA6EA39813}"/>
           </ac:spMkLst>
         </pc:spChg>
-        <pc:spChg chg="add mod topLvl">
-          <ac:chgData name="Zoheir HADID" userId="123d7235792d1862" providerId="LiveId" clId="{2A3E10D1-ABAB-4574-ADA8-42C8B9BEC6A9}" dt="2025-02-20T19:31:49.778" v="111" actId="14100"/>
+        <pc:spChg chg="mod topLvl">
+          <ac:chgData name="Zoheir HADID" userId="123d7235792d1862" providerId="LiveId" clId="{821638BF-488C-4751-A3CD-62E6B0C1C039}" dt="2025-11-19T19:40:07.056" v="308" actId="164"/>
           <ac:spMkLst>
             <pc:docMk/>
-            <pc:sldMk cId="4243550657" sldId="256"/>
-            <ac:spMk id="19" creationId="{662FF9E1-802F-CC34-7C6B-3000B6DA7E4C}"/>
+            <pc:sldMk cId="3530312540" sldId="261"/>
+            <ac:spMk id="49" creationId="{1D733092-D337-6EDC-BA8D-C725B5FFA69D}"/>
           </ac:spMkLst>
         </pc:spChg>
-        <pc:spChg chg="add mod">
-          <ac:chgData name="Zoheir HADID" userId="123d7235792d1862" providerId="LiveId" clId="{2A3E10D1-ABAB-4574-ADA8-42C8B9BEC6A9}" dt="2025-02-20T20:21:24.243" v="234" actId="164"/>
+        <pc:spChg chg="mod">
+          <ac:chgData name="Zoheir HADID" userId="123d7235792d1862" providerId="LiveId" clId="{821638BF-488C-4751-A3CD-62E6B0C1C039}" dt="2025-11-19T19:40:07.056" v="308" actId="164"/>
           <ac:spMkLst>
             <pc:docMk/>
-            <pc:sldMk cId="4243550657" sldId="256"/>
-            <ac:spMk id="20" creationId="{0F165808-3BD0-C1FB-9EC0-9ED8F7035E7C}"/>
+            <pc:sldMk cId="3530312540" sldId="261"/>
+            <ac:spMk id="50" creationId="{DB3853AE-3985-D68D-477E-B104B4A989B8}"/>
           </ac:spMkLst>
         </pc:spChg>
-        <pc:spChg chg="add mod topLvl">
-          <ac:chgData name="Zoheir HADID" userId="123d7235792d1862" providerId="LiveId" clId="{2A3E10D1-ABAB-4574-ADA8-42C8B9BEC6A9}" dt="2025-02-20T19:31:45.620" v="110" actId="14100"/>
+        <pc:spChg chg="mod topLvl">
+          <ac:chgData name="Zoheir HADID" userId="123d7235792d1862" providerId="LiveId" clId="{821638BF-488C-4751-A3CD-62E6B0C1C039}" dt="2025-11-19T19:40:07.056" v="308" actId="164"/>
           <ac:spMkLst>
             <pc:docMk/>
-            <pc:sldMk cId="4243550657" sldId="256"/>
-            <ac:spMk id="21" creationId="{B0DADAC8-ADD5-A214-68EA-A4E9CD44BC32}"/>
+            <pc:sldMk cId="3530312540" sldId="261"/>
+            <ac:spMk id="51" creationId="{B7A22C6E-19B4-7D08-162A-49924BC5A64D}"/>
           </ac:spMkLst>
         </pc:spChg>
-        <pc:spChg chg="add mod">
-          <ac:chgData name="Zoheir HADID" userId="123d7235792d1862" providerId="LiveId" clId="{2A3E10D1-ABAB-4574-ADA8-42C8B9BEC6A9}" dt="2025-02-20T20:21:12.531" v="233" actId="2711"/>
+        <pc:spChg chg="mod">
+          <ac:chgData name="Zoheir HADID" userId="123d7235792d1862" providerId="LiveId" clId="{821638BF-488C-4751-A3CD-62E6B0C1C039}" dt="2025-11-19T19:40:07.056" v="308" actId="164"/>
           <ac:spMkLst>
             <pc:docMk/>
-            <pc:sldMk cId="4243550657" sldId="256"/>
-            <ac:spMk id="28" creationId="{B3720C06-9D29-94A2-A8D5-2732955F5015}"/>
+            <pc:sldMk cId="3530312540" sldId="261"/>
+            <ac:spMk id="52" creationId="{80F184BB-1403-0A43-86C6-FDF9BD395C25}"/>
           </ac:spMkLst>
         </pc:spChg>
-        <pc:grpChg chg="add mod">
-          <ac:chgData name="Zoheir HADID" userId="123d7235792d1862" providerId="LiveId" clId="{2A3E10D1-ABAB-4574-ADA8-42C8B9BEC6A9}" dt="2025-02-20T19:31:25.758" v="108" actId="164"/>
+        <pc:grpChg chg="del mod">
+          <ac:chgData name="Zoheir HADID" userId="123d7235792d1862" providerId="LiveId" clId="{821638BF-488C-4751-A3CD-62E6B0C1C039}" dt="2025-11-19T19:34:13.273" v="36" actId="478"/>
           <ac:grpSpMkLst>
             <pc:docMk/>
-            <pc:sldMk cId="4243550657" sldId="256"/>
-            <ac:grpSpMk id="29" creationId="{A8516AF3-EB63-B6A4-2596-C03BE35F799A}"/>
+            <pc:sldMk cId="3530312540" sldId="261"/>
+            <ac:grpSpMk id="22" creationId="{08D4B274-C639-A289-1195-481750AB797F}"/>
+          </ac:grpSpMkLst>
+        </pc:grpChg>
+        <pc:grpChg chg="mod topLvl">
+          <ac:chgData name="Zoheir HADID" userId="123d7235792d1862" providerId="LiveId" clId="{821638BF-488C-4751-A3CD-62E6B0C1C039}" dt="2025-11-19T19:40:07.056" v="308" actId="164"/>
+          <ac:grpSpMkLst>
+            <pc:docMk/>
+            <pc:sldMk cId="3530312540" sldId="261"/>
+            <ac:grpSpMk id="23" creationId="{B72067BD-7C7E-0E6B-1766-D0E355627180}"/>
+          </ac:grpSpMkLst>
+        </pc:grpChg>
+        <pc:grpChg chg="mod topLvl">
+          <ac:chgData name="Zoheir HADID" userId="123d7235792d1862" providerId="LiveId" clId="{821638BF-488C-4751-A3CD-62E6B0C1C039}" dt="2025-11-19T19:40:07.056" v="308" actId="164"/>
+          <ac:grpSpMkLst>
+            <pc:docMk/>
+            <pc:sldMk cId="3530312540" sldId="261"/>
+            <ac:grpSpMk id="26" creationId="{E283EB55-67B5-6E26-F5C0-7FABF25FA630}"/>
           </ac:grpSpMkLst>
         </pc:grpChg>
         <pc:grpChg chg="add mod">
-          <ac:chgData name="Zoheir HADID" userId="123d7235792d1862" providerId="LiveId" clId="{2A3E10D1-ABAB-4574-ADA8-42C8B9BEC6A9}" dt="2025-02-20T19:31:25.758" v="108" actId="164"/>
+          <ac:chgData name="Zoheir HADID" userId="123d7235792d1862" providerId="LiveId" clId="{821638BF-488C-4751-A3CD-62E6B0C1C039}" dt="2025-11-19T19:40:07.056" v="308" actId="164"/>
           <ac:grpSpMkLst>
             <pc:docMk/>
-            <pc:sldMk cId="4243550657" sldId="256"/>
-            <ac:grpSpMk id="30" creationId="{5FC09632-2055-7347-5EA0-68F6E6CDEA1D}"/>
+            <pc:sldMk cId="3530312540" sldId="261"/>
+            <ac:grpSpMk id="32" creationId="{D60CD307-6E9D-AD93-4608-D9B9F79D63DF}"/>
           </ac:grpSpMkLst>
         </pc:grpChg>
-        <pc:cxnChg chg="add mod topLvl">
-          <ac:chgData name="Zoheir HADID" userId="123d7235792d1862" providerId="LiveId" clId="{2A3E10D1-ABAB-4574-ADA8-42C8B9BEC6A9}" dt="2025-02-20T19:30:41.471" v="104" actId="164"/>
+        <pc:grpChg chg="del">
+          <ac:chgData name="Zoheir HADID" userId="123d7235792d1862" providerId="LiveId" clId="{821638BF-488C-4751-A3CD-62E6B0C1C039}" dt="2025-11-19T19:33:56.560" v="33" actId="165"/>
+          <ac:grpSpMkLst>
+            <pc:docMk/>
+            <pc:sldMk cId="3530312540" sldId="261"/>
+            <ac:grpSpMk id="34" creationId="{84FAEE14-0EE4-FF94-2DF1-A71CC4978B96}"/>
+          </ac:grpSpMkLst>
+        </pc:grpChg>
+        <pc:picChg chg="add del mod">
+          <ac:chgData name="Zoheir HADID" userId="123d7235792d1862" providerId="LiveId" clId="{821638BF-488C-4751-A3CD-62E6B0C1C039}" dt="2025-11-19T19:39:07.485" v="303" actId="478"/>
+          <ac:picMkLst>
+            <pc:docMk/>
+            <pc:sldMk cId="3530312540" sldId="261"/>
+            <ac:picMk id="3" creationId="{6AC5E090-69F7-8E19-D754-0B4E275A6E3C}"/>
+          </ac:picMkLst>
+        </pc:picChg>
+        <pc:cxnChg chg="add mod">
+          <ac:chgData name="Zoheir HADID" userId="123d7235792d1862" providerId="LiveId" clId="{821638BF-488C-4751-A3CD-62E6B0C1C039}" dt="2025-11-19T19:39:53.426" v="306" actId="1076"/>
           <ac:cxnSpMkLst>
             <pc:docMk/>
-            <pc:sldMk cId="4243550657" sldId="256"/>
-            <ac:cxnSpMk id="6" creationId="{E90CF314-DCC1-E89C-356F-6D1BAF84DB0A}"/>
+            <pc:sldMk cId="3530312540" sldId="261"/>
+            <ac:cxnSpMk id="12" creationId="{223B99B9-5781-F69A-5FA3-2DDD7E3E376C}"/>
+          </ac:cxnSpMkLst>
+        </pc:cxnChg>
+        <pc:cxnChg chg="mod">
+          <ac:chgData name="Zoheir HADID" userId="123d7235792d1862" providerId="LiveId" clId="{821638BF-488C-4751-A3CD-62E6B0C1C039}" dt="2025-11-19T19:38:43.054" v="291" actId="1076"/>
+          <ac:cxnSpMkLst>
+            <pc:docMk/>
+            <pc:sldMk cId="3530312540" sldId="261"/>
+            <ac:cxnSpMk id="18" creationId="{BE8A6E7B-A43F-8031-647D-B6E292D41452}"/>
           </ac:cxnSpMkLst>
         </pc:cxnChg>
         <pc:cxnChg chg="add mod">
-          <ac:chgData name="Zoheir HADID" userId="123d7235792d1862" providerId="LiveId" clId="{2A3E10D1-ABAB-4574-ADA8-42C8B9BEC6A9}" dt="2025-02-20T19:23:09.099" v="22" actId="1036"/>
+          <ac:chgData name="Zoheir HADID" userId="123d7235792d1862" providerId="LiveId" clId="{821638BF-488C-4751-A3CD-62E6B0C1C039}" dt="2025-11-19T19:39:57.089" v="307" actId="1076"/>
           <ac:cxnSpMkLst>
             <pc:docMk/>
-            <pc:sldMk cId="4243550657" sldId="256"/>
-            <ac:cxnSpMk id="7" creationId="{A8143D30-D6E2-D195-6724-41A32E85C0AD}"/>
-          </ac:cxnSpMkLst>
-        </pc:cxnChg>
-        <pc:cxnChg chg="add mod topLvl">
-          <ac:chgData name="Zoheir HADID" userId="123d7235792d1862" providerId="LiveId" clId="{2A3E10D1-ABAB-4574-ADA8-42C8B9BEC6A9}" dt="2025-02-20T19:30:41.471" v="104" actId="164"/>
-          <ac:cxnSpMkLst>
-            <pc:docMk/>
-            <pc:sldMk cId="4243550657" sldId="256"/>
-            <ac:cxnSpMk id="10" creationId="{1EF644BA-B95D-10A2-E5C4-526596A112FA}"/>
-          </ac:cxnSpMkLst>
-        </pc:cxnChg>
-      </pc:sldChg>
-      <pc:sldChg chg="addSp delSp modSp new mod">
-        <pc:chgData name="Zoheir HADID" userId="123d7235792d1862" providerId="LiveId" clId="{2A3E10D1-ABAB-4574-ADA8-42C8B9BEC6A9}" dt="2025-02-21T19:50:36.880" v="580" actId="164"/>
-        <pc:sldMkLst>
-          <pc:docMk/>
-          <pc:sldMk cId="2787972203" sldId="257"/>
-        </pc:sldMkLst>
-        <pc:spChg chg="add mod">
-          <ac:chgData name="Zoheir HADID" userId="123d7235792d1862" providerId="LiveId" clId="{2A3E10D1-ABAB-4574-ADA8-42C8B9BEC6A9}" dt="2025-02-21T19:28:29.278" v="286" actId="164"/>
-          <ac:spMkLst>
-            <pc:docMk/>
-            <pc:sldMk cId="2787972203" sldId="257"/>
-            <ac:spMk id="4" creationId="{4DB96345-948C-FCB7-DB28-721A41378137}"/>
-          </ac:spMkLst>
-        </pc:spChg>
-        <pc:spChg chg="add mod">
-          <ac:chgData name="Zoheir HADID" userId="123d7235792d1862" providerId="LiveId" clId="{2A3E10D1-ABAB-4574-ADA8-42C8B9BEC6A9}" dt="2025-02-21T19:28:29.278" v="286" actId="164"/>
-          <ac:spMkLst>
-            <pc:docMk/>
-            <pc:sldMk cId="2787972203" sldId="257"/>
-            <ac:spMk id="5" creationId="{CA63D634-B8DD-81CD-C1E5-41ED1F7CEF77}"/>
-          </ac:spMkLst>
-        </pc:spChg>
-        <pc:spChg chg="add mod">
-          <ac:chgData name="Zoheir HADID" userId="123d7235792d1862" providerId="LiveId" clId="{2A3E10D1-ABAB-4574-ADA8-42C8B9BEC6A9}" dt="2025-02-21T19:28:29.278" v="286" actId="164"/>
-          <ac:spMkLst>
-            <pc:docMk/>
-            <pc:sldMk cId="2787972203" sldId="257"/>
-            <ac:spMk id="6" creationId="{7806EE60-D007-9708-17E7-E5C7DF6EDFF3}"/>
-          </ac:spMkLst>
-        </pc:spChg>
-        <pc:spChg chg="add mod">
-          <ac:chgData name="Zoheir HADID" userId="123d7235792d1862" providerId="LiveId" clId="{2A3E10D1-ABAB-4574-ADA8-42C8B9BEC6A9}" dt="2025-02-21T19:50:36.880" v="580" actId="164"/>
-          <ac:spMkLst>
-            <pc:docMk/>
-            <pc:sldMk cId="2787972203" sldId="257"/>
-            <ac:spMk id="22" creationId="{1A6A485C-CAC0-9BC2-E1BB-CA53ADCEE13E}"/>
-          </ac:spMkLst>
-        </pc:spChg>
-        <pc:spChg chg="add mod">
-          <ac:chgData name="Zoheir HADID" userId="123d7235792d1862" providerId="LiveId" clId="{2A3E10D1-ABAB-4574-ADA8-42C8B9BEC6A9}" dt="2025-02-21T19:50:36.880" v="580" actId="164"/>
-          <ac:spMkLst>
-            <pc:docMk/>
-            <pc:sldMk cId="2787972203" sldId="257"/>
-            <ac:spMk id="23" creationId="{7F2D0FAA-AB06-5A5A-5E37-F9E3707F86AE}"/>
-          </ac:spMkLst>
-        </pc:spChg>
-        <pc:spChg chg="add mod">
-          <ac:chgData name="Zoheir HADID" userId="123d7235792d1862" providerId="LiveId" clId="{2A3E10D1-ABAB-4574-ADA8-42C8B9BEC6A9}" dt="2025-02-21T19:50:36.880" v="580" actId="164"/>
-          <ac:spMkLst>
-            <pc:docMk/>
-            <pc:sldMk cId="2787972203" sldId="257"/>
-            <ac:spMk id="24" creationId="{13BC16B1-0B0C-3B12-19E0-BB4C69C4AAB9}"/>
-          </ac:spMkLst>
-        </pc:spChg>
-        <pc:spChg chg="add mod">
-          <ac:chgData name="Zoheir HADID" userId="123d7235792d1862" providerId="LiveId" clId="{2A3E10D1-ABAB-4574-ADA8-42C8B9BEC6A9}" dt="2025-02-21T19:31:59.969" v="343" actId="20577"/>
-          <ac:spMkLst>
-            <pc:docMk/>
-            <pc:sldMk cId="2787972203" sldId="257"/>
-            <ac:spMk id="25" creationId="{A60FB4EC-8961-71DE-4CA3-2BEE79D21313}"/>
-          </ac:spMkLst>
-        </pc:spChg>
-        <pc:spChg chg="add mod">
-          <ac:chgData name="Zoheir HADID" userId="123d7235792d1862" providerId="LiveId" clId="{2A3E10D1-ABAB-4574-ADA8-42C8B9BEC6A9}" dt="2025-02-21T19:32:16.532" v="353" actId="1076"/>
-          <ac:spMkLst>
-            <pc:docMk/>
-            <pc:sldMk cId="2787972203" sldId="257"/>
-            <ac:spMk id="26" creationId="{0106C6E6-99C9-952B-07CE-C32361AF9C8E}"/>
-          </ac:spMkLst>
-        </pc:spChg>
-        <pc:spChg chg="add mod">
-          <ac:chgData name="Zoheir HADID" userId="123d7235792d1862" providerId="LiveId" clId="{2A3E10D1-ABAB-4574-ADA8-42C8B9BEC6A9}" dt="2025-02-21T19:50:36.880" v="580" actId="164"/>
-          <ac:spMkLst>
-            <pc:docMk/>
-            <pc:sldMk cId="2787972203" sldId="257"/>
-            <ac:spMk id="27" creationId="{6A03283C-46DC-0A2F-6974-D3F6456CC793}"/>
-          </ac:spMkLst>
-        </pc:spChg>
-        <pc:spChg chg="add mod">
-          <ac:chgData name="Zoheir HADID" userId="123d7235792d1862" providerId="LiveId" clId="{2A3E10D1-ABAB-4574-ADA8-42C8B9BEC6A9}" dt="2025-02-21T19:50:36.880" v="580" actId="164"/>
-          <ac:spMkLst>
-            <pc:docMk/>
-            <pc:sldMk cId="2787972203" sldId="257"/>
-            <ac:spMk id="28" creationId="{F7BB8399-C38C-D574-1C82-84CFE5207783}"/>
-          </ac:spMkLst>
-        </pc:spChg>
-        <pc:spChg chg="add mod">
-          <ac:chgData name="Zoheir HADID" userId="123d7235792d1862" providerId="LiveId" clId="{2A3E10D1-ABAB-4574-ADA8-42C8B9BEC6A9}" dt="2025-02-21T19:50:36.880" v="580" actId="164"/>
-          <ac:spMkLst>
-            <pc:docMk/>
-            <pc:sldMk cId="2787972203" sldId="257"/>
-            <ac:spMk id="29" creationId="{409467AE-691D-4047-1B9E-EB9AF385DB5B}"/>
-          </ac:spMkLst>
-        </pc:spChg>
-        <pc:spChg chg="add mod">
-          <ac:chgData name="Zoheir HADID" userId="123d7235792d1862" providerId="LiveId" clId="{2A3E10D1-ABAB-4574-ADA8-42C8B9BEC6A9}" dt="2025-02-21T19:50:36.880" v="580" actId="164"/>
-          <ac:spMkLst>
-            <pc:docMk/>
-            <pc:sldMk cId="2787972203" sldId="257"/>
-            <ac:spMk id="30" creationId="{F5C62A59-9FDA-5E5E-2E20-AE8D90ACD23F}"/>
-          </ac:spMkLst>
-        </pc:spChg>
-        <pc:spChg chg="add mod">
-          <ac:chgData name="Zoheir HADID" userId="123d7235792d1862" providerId="LiveId" clId="{2A3E10D1-ABAB-4574-ADA8-42C8B9BEC6A9}" dt="2025-02-21T19:50:36.880" v="580" actId="164"/>
-          <ac:spMkLst>
-            <pc:docMk/>
-            <pc:sldMk cId="2787972203" sldId="257"/>
-            <ac:spMk id="31" creationId="{09C1A312-1A01-9460-33FC-D819D8D17A3B}"/>
-          </ac:spMkLst>
-        </pc:spChg>
-        <pc:spChg chg="add mod">
-          <ac:chgData name="Zoheir HADID" userId="123d7235792d1862" providerId="LiveId" clId="{2A3E10D1-ABAB-4574-ADA8-42C8B9BEC6A9}" dt="2025-02-21T19:37:35.524" v="446" actId="1076"/>
-          <ac:spMkLst>
-            <pc:docMk/>
-            <pc:sldMk cId="2787972203" sldId="257"/>
-            <ac:spMk id="32" creationId="{73C62EED-D7DE-66CB-76C8-E087D04E6B5E}"/>
-          </ac:spMkLst>
-        </pc:spChg>
-        <pc:spChg chg="add mod">
-          <ac:chgData name="Zoheir HADID" userId="123d7235792d1862" providerId="LiveId" clId="{2A3E10D1-ABAB-4574-ADA8-42C8B9BEC6A9}" dt="2025-02-21T19:50:36.880" v="580" actId="164"/>
-          <ac:spMkLst>
-            <pc:docMk/>
-            <pc:sldMk cId="2787972203" sldId="257"/>
-            <ac:spMk id="33" creationId="{752B9085-4713-25DD-87FE-E1CD863FB7BA}"/>
-          </ac:spMkLst>
-        </pc:spChg>
-        <pc:spChg chg="add mod">
-          <ac:chgData name="Zoheir HADID" userId="123d7235792d1862" providerId="LiveId" clId="{2A3E10D1-ABAB-4574-ADA8-42C8B9BEC6A9}" dt="2025-02-21T19:50:36.880" v="580" actId="164"/>
-          <ac:spMkLst>
-            <pc:docMk/>
-            <pc:sldMk cId="2787972203" sldId="257"/>
-            <ac:spMk id="41" creationId="{C4BC200B-EE31-C416-9BDB-8C216944AEBD}"/>
-          </ac:spMkLst>
-        </pc:spChg>
-        <pc:grpChg chg="add mod">
-          <ac:chgData name="Zoheir HADID" userId="123d7235792d1862" providerId="LiveId" clId="{2A3E10D1-ABAB-4574-ADA8-42C8B9BEC6A9}" dt="2025-02-21T19:34:02.812" v="397" actId="14100"/>
-          <ac:grpSpMkLst>
-            <pc:docMk/>
-            <pc:sldMk cId="2787972203" sldId="257"/>
-            <ac:grpSpMk id="7" creationId="{2764C442-AD40-56D7-B3EB-E5FA199A9679}"/>
-          </ac:grpSpMkLst>
-        </pc:grpChg>
-        <pc:cxnChg chg="add mod">
-          <ac:chgData name="Zoheir HADID" userId="123d7235792d1862" providerId="LiveId" clId="{2A3E10D1-ABAB-4574-ADA8-42C8B9BEC6A9}" dt="2025-02-21T19:29:33.221" v="292" actId="14100"/>
-          <ac:cxnSpMkLst>
-            <pc:docMk/>
-            <pc:sldMk cId="2787972203" sldId="257"/>
-            <ac:cxnSpMk id="9" creationId="{0773B754-5369-3CE4-1767-004BE8FEEFEE}"/>
+            <pc:sldMk cId="3530312540" sldId="261"/>
+            <ac:cxnSpMk id="29" creationId="{88AB5427-DC79-0431-3377-98E52FF87B32}"/>
           </ac:cxnSpMkLst>
         </pc:cxnChg>
         <pc:cxnChg chg="add mod">
-          <ac:chgData name="Zoheir HADID" userId="123d7235792d1862" providerId="LiveId" clId="{2A3E10D1-ABAB-4574-ADA8-42C8B9BEC6A9}" dt="2025-02-21T19:29:29.836" v="291" actId="14100"/>
+          <ac:chgData name="Zoheir HADID" userId="123d7235792d1862" providerId="LiveId" clId="{821638BF-488C-4751-A3CD-62E6B0C1C039}" dt="2025-11-19T19:38:45.238" v="292" actId="1076"/>
           <ac:cxnSpMkLst>
             <pc:docMk/>
-            <pc:sldMk cId="2787972203" sldId="257"/>
-            <ac:cxnSpMk id="10" creationId="{89B03A1E-4E6C-FA74-59AB-2CFA5C145AB4}"/>
-          </ac:cxnSpMkLst>
-        </pc:cxnChg>
-        <pc:cxnChg chg="add mod">
-          <ac:chgData name="Zoheir HADID" userId="123d7235792d1862" providerId="LiveId" clId="{2A3E10D1-ABAB-4574-ADA8-42C8B9BEC6A9}" dt="2025-02-21T19:30:04.861" v="303" actId="14100"/>
-          <ac:cxnSpMkLst>
-            <pc:docMk/>
-            <pc:sldMk cId="2787972203" sldId="257"/>
-            <ac:cxnSpMk id="13" creationId="{E891EAE3-C2FE-72AF-2879-0B7EF28DF4C0}"/>
-          </ac:cxnSpMkLst>
-        </pc:cxnChg>
-        <pc:cxnChg chg="add mod">
-          <ac:chgData name="Zoheir HADID" userId="123d7235792d1862" providerId="LiveId" clId="{2A3E10D1-ABAB-4574-ADA8-42C8B9BEC6A9}" dt="2025-02-21T19:29:54.301" v="299" actId="1076"/>
-          <ac:cxnSpMkLst>
-            <pc:docMk/>
-            <pc:sldMk cId="2787972203" sldId="257"/>
-            <ac:cxnSpMk id="16" creationId="{D2B5ED51-9FAB-CFF3-D006-D36A895A859F}"/>
-          </ac:cxnSpMkLst>
-        </pc:cxnChg>
-        <pc:cxnChg chg="add mod">
-          <ac:chgData name="Zoheir HADID" userId="123d7235792d1862" providerId="LiveId" clId="{2A3E10D1-ABAB-4574-ADA8-42C8B9BEC6A9}" dt="2025-02-21T19:30:00.939" v="302" actId="14100"/>
-          <ac:cxnSpMkLst>
-            <pc:docMk/>
-            <pc:sldMk cId="2787972203" sldId="257"/>
-            <ac:cxnSpMk id="19" creationId="{0DB33351-FF35-F4B4-6A1B-062DE44458DF}"/>
-          </ac:cxnSpMkLst>
-        </pc:cxnChg>
-      </pc:sldChg>
-      <pc:sldChg chg="addSp delSp modSp new mod">
-        <pc:chgData name="Zoheir HADID" userId="123d7235792d1862" providerId="LiveId" clId="{2A3E10D1-ABAB-4574-ADA8-42C8B9BEC6A9}" dt="2025-02-22T15:40:43.348" v="825" actId="164"/>
-        <pc:sldMkLst>
-          <pc:docMk/>
-          <pc:sldMk cId="517225097" sldId="258"/>
-        </pc:sldMkLst>
-        <pc:spChg chg="add mod">
-          <ac:chgData name="Zoheir HADID" userId="123d7235792d1862" providerId="LiveId" clId="{2A3E10D1-ABAB-4574-ADA8-42C8B9BEC6A9}" dt="2025-02-22T15:40:43.348" v="825" actId="164"/>
-          <ac:spMkLst>
-            <pc:docMk/>
-            <pc:sldMk cId="517225097" sldId="258"/>
-            <ac:spMk id="4" creationId="{FF7CA384-9261-4B2F-C031-5C7D1CDE3837}"/>
-          </ac:spMkLst>
-        </pc:spChg>
-        <pc:spChg chg="add mod">
-          <ac:chgData name="Zoheir HADID" userId="123d7235792d1862" providerId="LiveId" clId="{2A3E10D1-ABAB-4574-ADA8-42C8B9BEC6A9}" dt="2025-02-22T15:40:43.348" v="825" actId="164"/>
-          <ac:spMkLst>
-            <pc:docMk/>
-            <pc:sldMk cId="517225097" sldId="258"/>
-            <ac:spMk id="5" creationId="{84BDC965-07A7-2833-DF1D-962DEC5A7C38}"/>
-          </ac:spMkLst>
-        </pc:spChg>
-        <pc:spChg chg="add mod">
-          <ac:chgData name="Zoheir HADID" userId="123d7235792d1862" providerId="LiveId" clId="{2A3E10D1-ABAB-4574-ADA8-42C8B9BEC6A9}" dt="2025-02-22T15:36:52.093" v="767" actId="207"/>
-          <ac:spMkLst>
-            <pc:docMk/>
-            <pc:sldMk cId="517225097" sldId="258"/>
-            <ac:spMk id="6" creationId="{902813AF-539A-30C0-ADA3-930E170BFAC5}"/>
-          </ac:spMkLst>
-        </pc:spChg>
-        <pc:spChg chg="add mod">
-          <ac:chgData name="Zoheir HADID" userId="123d7235792d1862" providerId="LiveId" clId="{2A3E10D1-ABAB-4574-ADA8-42C8B9BEC6A9}" dt="2025-02-22T15:40:43.348" v="825" actId="164"/>
-          <ac:spMkLst>
-            <pc:docMk/>
-            <pc:sldMk cId="517225097" sldId="258"/>
-            <ac:spMk id="7" creationId="{958D7A05-E15E-AFC5-F4C2-4F42867CACBF}"/>
-          </ac:spMkLst>
-        </pc:spChg>
-        <pc:spChg chg="add mod">
-          <ac:chgData name="Zoheir HADID" userId="123d7235792d1862" providerId="LiveId" clId="{2A3E10D1-ABAB-4574-ADA8-42C8B9BEC6A9}" dt="2025-02-22T15:30:47.808" v="651" actId="14100"/>
-          <ac:spMkLst>
-            <pc:docMk/>
-            <pc:sldMk cId="517225097" sldId="258"/>
-            <ac:spMk id="8" creationId="{A849B0C0-04C9-F3C7-602A-7C358B22F98C}"/>
-          </ac:spMkLst>
-        </pc:spChg>
-        <pc:spChg chg="add mod">
-          <ac:chgData name="Zoheir HADID" userId="123d7235792d1862" providerId="LiveId" clId="{2A3E10D1-ABAB-4574-ADA8-42C8B9BEC6A9}" dt="2025-02-22T15:40:43.348" v="825" actId="164"/>
-          <ac:spMkLst>
-            <pc:docMk/>
-            <pc:sldMk cId="517225097" sldId="258"/>
-            <ac:spMk id="17" creationId="{80E64579-F4DF-FFC9-1360-A33281432025}"/>
-          </ac:spMkLst>
-        </pc:spChg>
-        <pc:spChg chg="add del mod">
-          <ac:chgData name="Zoheir HADID" userId="123d7235792d1862" providerId="LiveId" clId="{2A3E10D1-ABAB-4574-ADA8-42C8B9BEC6A9}" dt="2025-02-22T15:40:43.348" v="825" actId="164"/>
-          <ac:spMkLst>
-            <pc:docMk/>
-            <pc:sldMk cId="517225097" sldId="258"/>
-            <ac:spMk id="18" creationId="{83AC6062-23A6-BDC8-1306-A43E3C23D925}"/>
-          </ac:spMkLst>
-        </pc:spChg>
-        <pc:spChg chg="add mod">
-          <ac:chgData name="Zoheir HADID" userId="123d7235792d1862" providerId="LiveId" clId="{2A3E10D1-ABAB-4574-ADA8-42C8B9BEC6A9}" dt="2025-02-22T15:40:43.348" v="825" actId="164"/>
-          <ac:spMkLst>
-            <pc:docMk/>
-            <pc:sldMk cId="517225097" sldId="258"/>
-            <ac:spMk id="19" creationId="{6194947A-237A-056D-2030-BB9B04F37491}"/>
-          </ac:spMkLst>
-        </pc:spChg>
-        <pc:spChg chg="add mod">
-          <ac:chgData name="Zoheir HADID" userId="123d7235792d1862" providerId="LiveId" clId="{2A3E10D1-ABAB-4574-ADA8-42C8B9BEC6A9}" dt="2025-02-22T15:40:43.348" v="825" actId="164"/>
-          <ac:spMkLst>
-            <pc:docMk/>
-            <pc:sldMk cId="517225097" sldId="258"/>
-            <ac:spMk id="21" creationId="{2FB627EB-F0EA-7E33-E10D-DDAE3C09E28D}"/>
-          </ac:spMkLst>
-        </pc:spChg>
-        <pc:spChg chg="add mod">
-          <ac:chgData name="Zoheir HADID" userId="123d7235792d1862" providerId="LiveId" clId="{2A3E10D1-ABAB-4574-ADA8-42C8B9BEC6A9}" dt="2025-02-22T15:40:43.348" v="825" actId="164"/>
-          <ac:spMkLst>
-            <pc:docMk/>
-            <pc:sldMk cId="517225097" sldId="258"/>
-            <ac:spMk id="23" creationId="{F0BAB0BB-4B74-2A2A-BE4F-5CB2BE62614C}"/>
-          </ac:spMkLst>
-        </pc:spChg>
-        <pc:spChg chg="add mod">
-          <ac:chgData name="Zoheir HADID" userId="123d7235792d1862" providerId="LiveId" clId="{2A3E10D1-ABAB-4574-ADA8-42C8B9BEC6A9}" dt="2025-02-22T15:40:43.348" v="825" actId="164"/>
-          <ac:spMkLst>
-            <pc:docMk/>
-            <pc:sldMk cId="517225097" sldId="258"/>
-            <ac:spMk id="29" creationId="{FB94D4E0-F34F-8728-FA6C-AEEB08876245}"/>
-          </ac:spMkLst>
-        </pc:spChg>
-        <pc:spChg chg="add mod">
-          <ac:chgData name="Zoheir HADID" userId="123d7235792d1862" providerId="LiveId" clId="{2A3E10D1-ABAB-4574-ADA8-42C8B9BEC6A9}" dt="2025-02-22T15:40:43.348" v="825" actId="164"/>
-          <ac:spMkLst>
-            <pc:docMk/>
-            <pc:sldMk cId="517225097" sldId="258"/>
-            <ac:spMk id="30" creationId="{A5C6F7CD-5D75-B631-ACC0-9AE4EEFBC8BB}"/>
-          </ac:spMkLst>
-        </pc:spChg>
-        <pc:cxnChg chg="add mod">
-          <ac:chgData name="Zoheir HADID" userId="123d7235792d1862" providerId="LiveId" clId="{2A3E10D1-ABAB-4574-ADA8-42C8B9BEC6A9}" dt="2025-02-22T15:30:54.181" v="653" actId="14100"/>
-          <ac:cxnSpMkLst>
-            <pc:docMk/>
-            <pc:sldMk cId="517225097" sldId="258"/>
-            <ac:cxnSpMk id="10" creationId="{3DEC641D-5DB9-A13E-672F-02784861F272}"/>
-          </ac:cxnSpMkLst>
-        </pc:cxnChg>
-        <pc:cxnChg chg="add mod">
-          <ac:chgData name="Zoheir HADID" userId="123d7235792d1862" providerId="LiveId" clId="{2A3E10D1-ABAB-4574-ADA8-42C8B9BEC6A9}" dt="2025-02-22T15:31:25.806" v="660" actId="1076"/>
-          <ac:cxnSpMkLst>
-            <pc:docMk/>
-            <pc:sldMk cId="517225097" sldId="258"/>
-            <ac:cxnSpMk id="14" creationId="{D0C2B624-CF2B-75D8-B438-D196DBFF52AD}"/>
-          </ac:cxnSpMkLst>
-        </pc:cxnChg>
-        <pc:cxnChg chg="add mod">
-          <ac:chgData name="Zoheir HADID" userId="123d7235792d1862" providerId="LiveId" clId="{2A3E10D1-ABAB-4574-ADA8-42C8B9BEC6A9}" dt="2025-02-22T15:39:10.334" v="803" actId="1076"/>
-          <ac:cxnSpMkLst>
-            <pc:docMk/>
-            <pc:sldMk cId="517225097" sldId="258"/>
-            <ac:cxnSpMk id="27" creationId="{54E16171-74F8-BDE1-F569-ADD3E9936A89}"/>
-          </ac:cxnSpMkLst>
-        </pc:cxnChg>
-      </pc:sldChg>
-      <pc:sldChg chg="addSp delSp modSp new mod">
-        <pc:chgData name="Zoheir HADID" userId="123d7235792d1862" providerId="LiveId" clId="{2A3E10D1-ABAB-4574-ADA8-42C8B9BEC6A9}" dt="2025-02-23T16:31:11.490" v="1300" actId="1076"/>
-        <pc:sldMkLst>
-          <pc:docMk/>
-          <pc:sldMk cId="3641366307" sldId="259"/>
-        </pc:sldMkLst>
-        <pc:spChg chg="del">
-          <ac:chgData name="Zoheir HADID" userId="123d7235792d1862" providerId="LiveId" clId="{2A3E10D1-ABAB-4574-ADA8-42C8B9BEC6A9}" dt="2025-02-23T15:12:44.151" v="827" actId="478"/>
-          <ac:spMkLst>
-            <pc:docMk/>
-            <pc:sldMk cId="3641366307" sldId="259"/>
-            <ac:spMk id="2" creationId="{37F74546-9DD2-D104-3252-EB8767732DEB}"/>
-          </ac:spMkLst>
-        </pc:spChg>
-        <pc:spChg chg="del">
-          <ac:chgData name="Zoheir HADID" userId="123d7235792d1862" providerId="LiveId" clId="{2A3E10D1-ABAB-4574-ADA8-42C8B9BEC6A9}" dt="2025-02-23T15:12:46.799" v="828" actId="478"/>
-          <ac:spMkLst>
-            <pc:docMk/>
-            <pc:sldMk cId="3641366307" sldId="259"/>
-            <ac:spMk id="3" creationId="{8B37FEDC-215E-1F6D-2565-86AE20B79521}"/>
-          </ac:spMkLst>
-        </pc:spChg>
-        <pc:spChg chg="add del mod">
-          <ac:chgData name="Zoheir HADID" userId="123d7235792d1862" providerId="LiveId" clId="{2A3E10D1-ABAB-4574-ADA8-42C8B9BEC6A9}" dt="2025-02-23T15:13:02.856" v="831" actId="478"/>
-          <ac:spMkLst>
-            <pc:docMk/>
-            <pc:sldMk cId="3641366307" sldId="259"/>
-            <ac:spMk id="4" creationId="{1C65D463-07A9-2BD3-EC27-26B2A0C6EC4D}"/>
-          </ac:spMkLst>
-        </pc:spChg>
-        <pc:spChg chg="add mod">
-          <ac:chgData name="Zoheir HADID" userId="123d7235792d1862" providerId="LiveId" clId="{2A3E10D1-ABAB-4574-ADA8-42C8B9BEC6A9}" dt="2025-02-23T16:31:11.490" v="1300" actId="1076"/>
-          <ac:spMkLst>
-            <pc:docMk/>
-            <pc:sldMk cId="3641366307" sldId="259"/>
-            <ac:spMk id="5" creationId="{D0A9803C-97A7-EF99-A8E2-2DE03C42D3BC}"/>
-          </ac:spMkLst>
-        </pc:spChg>
-        <pc:spChg chg="add mod">
-          <ac:chgData name="Zoheir HADID" userId="123d7235792d1862" providerId="LiveId" clId="{2A3E10D1-ABAB-4574-ADA8-42C8B9BEC6A9}" dt="2025-02-23T16:31:11.490" v="1300" actId="1076"/>
-          <ac:spMkLst>
-            <pc:docMk/>
-            <pc:sldMk cId="3641366307" sldId="259"/>
-            <ac:spMk id="6" creationId="{6BE85D7F-4FCA-6E9A-E447-015B4936D5A8}"/>
-          </ac:spMkLst>
-        </pc:spChg>
-        <pc:spChg chg="add mod topLvl">
-          <ac:chgData name="Zoheir HADID" userId="123d7235792d1862" providerId="LiveId" clId="{2A3E10D1-ABAB-4574-ADA8-42C8B9BEC6A9}" dt="2025-02-23T16:31:11.490" v="1300" actId="1076"/>
-          <ac:spMkLst>
-            <pc:docMk/>
-            <pc:sldMk cId="3641366307" sldId="259"/>
-            <ac:spMk id="7" creationId="{3C8285DD-86D4-256B-F3E4-6AF84937F837}"/>
-          </ac:spMkLst>
-        </pc:spChg>
-        <pc:spChg chg="add mod topLvl">
-          <ac:chgData name="Zoheir HADID" userId="123d7235792d1862" providerId="LiveId" clId="{2A3E10D1-ABAB-4574-ADA8-42C8B9BEC6A9}" dt="2025-02-23T16:31:11.490" v="1300" actId="1076"/>
-          <ac:spMkLst>
-            <pc:docMk/>
-            <pc:sldMk cId="3641366307" sldId="259"/>
-            <ac:spMk id="8" creationId="{E5B48736-81DC-834B-5C23-DA37F2D01A91}"/>
-          </ac:spMkLst>
-        </pc:spChg>
-        <pc:spChg chg="mod">
-          <ac:chgData name="Zoheir HADID" userId="123d7235792d1862" providerId="LiveId" clId="{2A3E10D1-ABAB-4574-ADA8-42C8B9BEC6A9}" dt="2025-02-23T15:15:40.593" v="895" actId="207"/>
-          <ac:spMkLst>
-            <pc:docMk/>
-            <pc:sldMk cId="3641366307" sldId="259"/>
-            <ac:spMk id="11" creationId="{0F59F33F-E4BD-2BBE-74C6-E848CF81822F}"/>
-          </ac:spMkLst>
-        </pc:spChg>
-        <pc:spChg chg="mod">
-          <ac:chgData name="Zoheir HADID" userId="123d7235792d1862" providerId="LiveId" clId="{2A3E10D1-ABAB-4574-ADA8-42C8B9BEC6A9}" dt="2025-02-23T15:15:29.476" v="893"/>
-          <ac:spMkLst>
-            <pc:docMk/>
-            <pc:sldMk cId="3641366307" sldId="259"/>
-            <ac:spMk id="12" creationId="{DA53AF3E-84C3-8961-F994-793334DEEFA2}"/>
-          </ac:spMkLst>
-        </pc:spChg>
-        <pc:spChg chg="mod">
-          <ac:chgData name="Zoheir HADID" userId="123d7235792d1862" providerId="LiveId" clId="{2A3E10D1-ABAB-4574-ADA8-42C8B9BEC6A9}" dt="2025-02-23T15:22:29.491" v="967" actId="14100"/>
-          <ac:spMkLst>
-            <pc:docMk/>
-            <pc:sldMk cId="3641366307" sldId="259"/>
-            <ac:spMk id="15" creationId="{7A0D1C58-B0DD-276E-7635-A72732BA1C7C}"/>
-          </ac:spMkLst>
-        </pc:spChg>
-        <pc:spChg chg="mod">
-          <ac:chgData name="Zoheir HADID" userId="123d7235792d1862" providerId="LiveId" clId="{2A3E10D1-ABAB-4574-ADA8-42C8B9BEC6A9}" dt="2025-02-23T15:18:11.485" v="918"/>
-          <ac:spMkLst>
-            <pc:docMk/>
-            <pc:sldMk cId="3641366307" sldId="259"/>
-            <ac:spMk id="16" creationId="{A2C67C17-89C7-C26B-EE98-195BC4691AC1}"/>
-          </ac:spMkLst>
-        </pc:spChg>
-        <pc:spChg chg="add mod ord">
-          <ac:chgData name="Zoheir HADID" userId="123d7235792d1862" providerId="LiveId" clId="{2A3E10D1-ABAB-4574-ADA8-42C8B9BEC6A9}" dt="2025-02-23T15:20:46.862" v="942" actId="167"/>
-          <ac:spMkLst>
-            <pc:docMk/>
-            <pc:sldMk cId="3641366307" sldId="259"/>
-            <ac:spMk id="19" creationId="{29F411F1-7F34-3CA5-3BC0-57DA91722F91}"/>
-          </ac:spMkLst>
-        </pc:spChg>
-        <pc:spChg chg="add mod">
-          <ac:chgData name="Zoheir HADID" userId="123d7235792d1862" providerId="LiveId" clId="{2A3E10D1-ABAB-4574-ADA8-42C8B9BEC6A9}" dt="2025-02-23T15:20:23.009" v="937" actId="164"/>
-          <ac:spMkLst>
-            <pc:docMk/>
-            <pc:sldMk cId="3641366307" sldId="259"/>
-            <ac:spMk id="20" creationId="{029F4A8E-AEB4-D48C-6FC4-F2FB08916554}"/>
-          </ac:spMkLst>
-        </pc:spChg>
-        <pc:spChg chg="add mod">
-          <ac:chgData name="Zoheir HADID" userId="123d7235792d1862" providerId="LiveId" clId="{2A3E10D1-ABAB-4574-ADA8-42C8B9BEC6A9}" dt="2025-02-23T16:31:11.490" v="1300" actId="1076"/>
-          <ac:spMkLst>
-            <pc:docMk/>
-            <pc:sldMk cId="3641366307" sldId="259"/>
-            <ac:spMk id="21" creationId="{24917456-031D-76B9-30CF-CB2222464AAA}"/>
-          </ac:spMkLst>
-        </pc:spChg>
-        <pc:spChg chg="mod">
-          <ac:chgData name="Zoheir HADID" userId="123d7235792d1862" providerId="LiveId" clId="{2A3E10D1-ABAB-4574-ADA8-42C8B9BEC6A9}" dt="2025-02-23T16:31:11.490" v="1300" actId="1076"/>
-          <ac:spMkLst>
-            <pc:docMk/>
-            <pc:sldMk cId="3641366307" sldId="259"/>
-            <ac:spMk id="24" creationId="{B20E4939-B5CD-2D68-027C-91F01D9370E0}"/>
-          </ac:spMkLst>
-        </pc:spChg>
-        <pc:spChg chg="mod">
-          <ac:chgData name="Zoheir HADID" userId="123d7235792d1862" providerId="LiveId" clId="{2A3E10D1-ABAB-4574-ADA8-42C8B9BEC6A9}" dt="2025-02-23T15:21:03.861" v="946" actId="14100"/>
-          <ac:spMkLst>
-            <pc:docMk/>
-            <pc:sldMk cId="3641366307" sldId="259"/>
-            <ac:spMk id="25" creationId="{20A808B5-8B6E-C093-C99B-8C4A1699B32E}"/>
-          </ac:spMkLst>
-        </pc:spChg>
-        <pc:spChg chg="mod">
-          <ac:chgData name="Zoheir HADID" userId="123d7235792d1862" providerId="LiveId" clId="{2A3E10D1-ABAB-4574-ADA8-42C8B9BEC6A9}" dt="2025-02-23T16:31:11.490" v="1300" actId="1076"/>
-          <ac:spMkLst>
-            <pc:docMk/>
-            <pc:sldMk cId="3641366307" sldId="259"/>
-            <ac:spMk id="27" creationId="{43C5EF52-8355-5991-7071-1C1D72DFF283}"/>
-          </ac:spMkLst>
-        </pc:spChg>
-        <pc:spChg chg="mod">
-          <ac:chgData name="Zoheir HADID" userId="123d7235792d1862" providerId="LiveId" clId="{2A3E10D1-ABAB-4574-ADA8-42C8B9BEC6A9}" dt="2025-02-23T15:21:14.259" v="948"/>
-          <ac:spMkLst>
-            <pc:docMk/>
-            <pc:sldMk cId="3641366307" sldId="259"/>
-            <ac:spMk id="28" creationId="{35A2A6F9-0735-9988-0C27-E378BBA99C56}"/>
-          </ac:spMkLst>
-        </pc:spChg>
-        <pc:spChg chg="add mod">
-          <ac:chgData name="Zoheir HADID" userId="123d7235792d1862" providerId="LiveId" clId="{2A3E10D1-ABAB-4574-ADA8-42C8B9BEC6A9}" dt="2025-02-23T16:31:11.490" v="1300" actId="1076"/>
-          <ac:spMkLst>
-            <pc:docMk/>
-            <pc:sldMk cId="3641366307" sldId="259"/>
-            <ac:spMk id="48" creationId="{DD8760CB-F193-51C3-88DE-537EA1595048}"/>
-          </ac:spMkLst>
-        </pc:spChg>
-        <pc:spChg chg="add mod">
-          <ac:chgData name="Zoheir HADID" userId="123d7235792d1862" providerId="LiveId" clId="{2A3E10D1-ABAB-4574-ADA8-42C8B9BEC6A9}" dt="2025-02-23T16:31:11.490" v="1300" actId="1076"/>
-          <ac:spMkLst>
-            <pc:docMk/>
-            <pc:sldMk cId="3641366307" sldId="259"/>
-            <ac:spMk id="49" creationId="{88F88FFF-EF74-CC9B-7F60-C92F622D0A82}"/>
-          </ac:spMkLst>
-        </pc:spChg>
-        <pc:spChg chg="add mod">
-          <ac:chgData name="Zoheir HADID" userId="123d7235792d1862" providerId="LiveId" clId="{2A3E10D1-ABAB-4574-ADA8-42C8B9BEC6A9}" dt="2025-02-23T16:31:02.895" v="1298" actId="164"/>
-          <ac:spMkLst>
-            <pc:docMk/>
-            <pc:sldMk cId="3641366307" sldId="259"/>
-            <ac:spMk id="50" creationId="{F539AE3F-946E-E166-D863-CFB62858787C}"/>
-          </ac:spMkLst>
-        </pc:spChg>
-        <pc:spChg chg="add mod">
-          <ac:chgData name="Zoheir HADID" userId="123d7235792d1862" providerId="LiveId" clId="{2A3E10D1-ABAB-4574-ADA8-42C8B9BEC6A9}" dt="2025-02-23T16:31:02.895" v="1298" actId="164"/>
-          <ac:spMkLst>
-            <pc:docMk/>
-            <pc:sldMk cId="3641366307" sldId="259"/>
-            <ac:spMk id="51" creationId="{8AC4A822-C449-8A12-6695-0BD634B26978}"/>
-          </ac:spMkLst>
-        </pc:spChg>
-        <pc:spChg chg="add mod">
-          <ac:chgData name="Zoheir HADID" userId="123d7235792d1862" providerId="LiveId" clId="{2A3E10D1-ABAB-4574-ADA8-42C8B9BEC6A9}" dt="2025-02-23T16:31:11.490" v="1300" actId="1076"/>
-          <ac:spMkLst>
-            <pc:docMk/>
-            <pc:sldMk cId="3641366307" sldId="259"/>
-            <ac:spMk id="52" creationId="{25CEE3DF-2D04-3F6B-C025-47BDC9B8D57B}"/>
-          </ac:spMkLst>
-        </pc:spChg>
-        <pc:spChg chg="add del mod">
-          <ac:chgData name="Zoheir HADID" userId="123d7235792d1862" providerId="LiveId" clId="{2A3E10D1-ABAB-4574-ADA8-42C8B9BEC6A9}" dt="2025-02-23T15:38:56.545" v="1193" actId="478"/>
-          <ac:spMkLst>
-            <pc:docMk/>
-            <pc:sldMk cId="3641366307" sldId="259"/>
-            <ac:spMk id="53" creationId="{7F38AD93-18F1-0D8F-5834-7D02DEADE3E9}"/>
-          </ac:spMkLst>
-        </pc:spChg>
-        <pc:spChg chg="add del">
-          <ac:chgData name="Zoheir HADID" userId="123d7235792d1862" providerId="LiveId" clId="{2A3E10D1-ABAB-4574-ADA8-42C8B9BEC6A9}" dt="2025-02-23T15:39:00.803" v="1195" actId="478"/>
-          <ac:spMkLst>
-            <pc:docMk/>
-            <pc:sldMk cId="3641366307" sldId="259"/>
-            <ac:spMk id="54" creationId="{8EC47516-5AFF-9028-3723-85D29B276A7E}"/>
-          </ac:spMkLst>
-        </pc:spChg>
-        <pc:spChg chg="add del mod">
-          <ac:chgData name="Zoheir HADID" userId="123d7235792d1862" providerId="LiveId" clId="{2A3E10D1-ABAB-4574-ADA8-42C8B9BEC6A9}" dt="2025-02-23T15:39:49.365" v="1205" actId="478"/>
-          <ac:spMkLst>
-            <pc:docMk/>
-            <pc:sldMk cId="3641366307" sldId="259"/>
-            <ac:spMk id="55" creationId="{B18C4C32-174E-2DA9-A072-C404DF4561BA}"/>
-          </ac:spMkLst>
-        </pc:spChg>
-        <pc:spChg chg="add">
-          <ac:chgData name="Zoheir HADID" userId="123d7235792d1862" providerId="LiveId" clId="{2A3E10D1-ABAB-4574-ADA8-42C8B9BEC6A9}" dt="2025-02-23T15:39:20.635" v="1197"/>
-          <ac:spMkLst>
-            <pc:docMk/>
-            <pc:sldMk cId="3641366307" sldId="259"/>
-            <ac:spMk id="56" creationId="{DA49CA28-D70E-3184-D7A7-01954A784439}"/>
-          </ac:spMkLst>
-        </pc:spChg>
-        <pc:spChg chg="add">
-          <ac:chgData name="Zoheir HADID" userId="123d7235792d1862" providerId="LiveId" clId="{2A3E10D1-ABAB-4574-ADA8-42C8B9BEC6A9}" dt="2025-02-23T15:39:25.828" v="1199"/>
-          <ac:spMkLst>
-            <pc:docMk/>
-            <pc:sldMk cId="3641366307" sldId="259"/>
-            <ac:spMk id="57" creationId="{6760186C-9F3A-2DA6-BE82-4A4241343DD9}"/>
-          </ac:spMkLst>
-        </pc:spChg>
-        <pc:spChg chg="add">
-          <ac:chgData name="Zoheir HADID" userId="123d7235792d1862" providerId="LiveId" clId="{2A3E10D1-ABAB-4574-ADA8-42C8B9BEC6A9}" dt="2025-02-23T15:39:41.124" v="1201"/>
-          <ac:spMkLst>
-            <pc:docMk/>
-            <pc:sldMk cId="3641366307" sldId="259"/>
-            <ac:spMk id="58" creationId="{70E40EB9-09E9-89EB-5F67-AE3FF34F30E9}"/>
-          </ac:spMkLst>
-        </pc:spChg>
-        <pc:spChg chg="add">
-          <ac:chgData name="Zoheir HADID" userId="123d7235792d1862" providerId="LiveId" clId="{2A3E10D1-ABAB-4574-ADA8-42C8B9BEC6A9}" dt="2025-02-23T15:41:49.805" v="1207"/>
-          <ac:spMkLst>
-            <pc:docMk/>
-            <pc:sldMk cId="3641366307" sldId="259"/>
-            <ac:spMk id="59" creationId="{6241D2F3-9B32-16AC-D7BF-A8C4166C71E0}"/>
-          </ac:spMkLst>
-        </pc:spChg>
-        <pc:spChg chg="add">
-          <ac:chgData name="Zoheir HADID" userId="123d7235792d1862" providerId="LiveId" clId="{2A3E10D1-ABAB-4574-ADA8-42C8B9BEC6A9}" dt="2025-02-23T15:42:02.500" v="1210"/>
-          <ac:spMkLst>
-            <pc:docMk/>
-            <pc:sldMk cId="3641366307" sldId="259"/>
-            <ac:spMk id="60" creationId="{8C59E5D8-9B62-7E1C-BC43-BB80A5C5CBDC}"/>
-          </ac:spMkLst>
-        </pc:spChg>
-        <pc:spChg chg="add">
-          <ac:chgData name="Zoheir HADID" userId="123d7235792d1862" providerId="LiveId" clId="{2A3E10D1-ABAB-4574-ADA8-42C8B9BEC6A9}" dt="2025-02-23T15:42:48.615" v="1218"/>
-          <ac:spMkLst>
-            <pc:docMk/>
-            <pc:sldMk cId="3641366307" sldId="259"/>
-            <ac:spMk id="61" creationId="{D2F88CDF-10C9-937E-5A65-9FB2248238B3}"/>
-          </ac:spMkLst>
-        </pc:spChg>
-        <pc:spChg chg="add del mod">
-          <ac:chgData name="Zoheir HADID" userId="123d7235792d1862" providerId="LiveId" clId="{2A3E10D1-ABAB-4574-ADA8-42C8B9BEC6A9}" dt="2025-02-23T16:28:09.925" v="1282" actId="478"/>
-          <ac:spMkLst>
-            <pc:docMk/>
-            <pc:sldMk cId="3641366307" sldId="259"/>
-            <ac:spMk id="62" creationId="{99413568-0C0B-40AB-4704-5CE0BDA2A7C5}"/>
-          </ac:spMkLst>
-        </pc:spChg>
-        <pc:spChg chg="add">
-          <ac:chgData name="Zoheir HADID" userId="123d7235792d1862" providerId="LiveId" clId="{2A3E10D1-ABAB-4574-ADA8-42C8B9BEC6A9}" dt="2025-02-23T15:46:14.106" v="1243"/>
-          <ac:spMkLst>
-            <pc:docMk/>
-            <pc:sldMk cId="3641366307" sldId="259"/>
-            <ac:spMk id="63" creationId="{74EAD2C5-B7C7-71D5-2C84-9DD31E519DC7}"/>
-          </ac:spMkLst>
-        </pc:spChg>
-        <pc:spChg chg="add">
-          <ac:chgData name="Zoheir HADID" userId="123d7235792d1862" providerId="LiveId" clId="{2A3E10D1-ABAB-4574-ADA8-42C8B9BEC6A9}" dt="2025-02-23T15:46:39.177" v="1247"/>
-          <ac:spMkLst>
-            <pc:docMk/>
-            <pc:sldMk cId="3641366307" sldId="259"/>
-            <ac:spMk id="64" creationId="{37C5FD24-C3AA-27F6-465B-D063097EA3F2}"/>
-          </ac:spMkLst>
-        </pc:spChg>
-        <pc:grpChg chg="add del mod">
-          <ac:chgData name="Zoheir HADID" userId="123d7235792d1862" providerId="LiveId" clId="{2A3E10D1-ABAB-4574-ADA8-42C8B9BEC6A9}" dt="2025-02-23T15:17:35.123" v="914" actId="165"/>
-          <ac:grpSpMkLst>
-            <pc:docMk/>
-            <pc:sldMk cId="3641366307" sldId="259"/>
-            <ac:grpSpMk id="9" creationId="{41B782CE-E22D-24D6-9317-642D8B43B6CB}"/>
-          </ac:grpSpMkLst>
-        </pc:grpChg>
-        <pc:grpChg chg="add del mod">
-          <ac:chgData name="Zoheir HADID" userId="123d7235792d1862" providerId="LiveId" clId="{2A3E10D1-ABAB-4574-ADA8-42C8B9BEC6A9}" dt="2025-02-23T15:17:03.830" v="908" actId="478"/>
-          <ac:grpSpMkLst>
-            <pc:docMk/>
-            <pc:sldMk cId="3641366307" sldId="259"/>
-            <ac:grpSpMk id="10" creationId="{54DA4006-85D5-AE96-5792-47E2D387E12E}"/>
-          </ac:grpSpMkLst>
-        </pc:grpChg>
-        <pc:grpChg chg="add mod">
-          <ac:chgData name="Zoheir HADID" userId="123d7235792d1862" providerId="LiveId" clId="{2A3E10D1-ABAB-4574-ADA8-42C8B9BEC6A9}" dt="2025-02-23T15:22:52.605" v="968" actId="164"/>
-          <ac:grpSpMkLst>
-            <pc:docMk/>
-            <pc:sldMk cId="3641366307" sldId="259"/>
-            <ac:grpSpMk id="13" creationId="{36FA6994-9C38-AE50-2054-9074D7295DD1}"/>
-          </ac:grpSpMkLst>
-        </pc:grpChg>
-        <pc:grpChg chg="add mod">
-          <ac:chgData name="Zoheir HADID" userId="123d7235792d1862" providerId="LiveId" clId="{2A3E10D1-ABAB-4574-ADA8-42C8B9BEC6A9}" dt="2025-02-23T15:23:23.400" v="971" actId="164"/>
-          <ac:grpSpMkLst>
-            <pc:docMk/>
-            <pc:sldMk cId="3641366307" sldId="259"/>
-            <ac:grpSpMk id="14" creationId="{7AF0DA3D-8FF5-FA51-E245-2FC5DBB64ACA}"/>
-          </ac:grpSpMkLst>
-        </pc:grpChg>
-        <pc:grpChg chg="add mod">
-          <ac:chgData name="Zoheir HADID" userId="123d7235792d1862" providerId="LiveId" clId="{2A3E10D1-ABAB-4574-ADA8-42C8B9BEC6A9}" dt="2025-02-23T15:23:01.782" v="969" actId="164"/>
-          <ac:grpSpMkLst>
-            <pc:docMk/>
-            <pc:sldMk cId="3641366307" sldId="259"/>
-            <ac:grpSpMk id="22" creationId="{CDF6488B-9FB7-2678-A0E7-DA6A7DEA1359}"/>
-          </ac:grpSpMkLst>
-        </pc:grpChg>
-        <pc:grpChg chg="add mod">
-          <ac:chgData name="Zoheir HADID" userId="123d7235792d1862" providerId="LiveId" clId="{2A3E10D1-ABAB-4574-ADA8-42C8B9BEC6A9}" dt="2025-02-23T15:23:01.782" v="969" actId="164"/>
-          <ac:grpSpMkLst>
-            <pc:docMk/>
-            <pc:sldMk cId="3641366307" sldId="259"/>
-            <ac:grpSpMk id="23" creationId="{97F4453B-6E2D-5CCC-88BC-9F9440CF7FE2}"/>
-          </ac:grpSpMkLst>
-        </pc:grpChg>
-        <pc:grpChg chg="add mod">
-          <ac:chgData name="Zoheir HADID" userId="123d7235792d1862" providerId="LiveId" clId="{2A3E10D1-ABAB-4574-ADA8-42C8B9BEC6A9}" dt="2025-02-23T15:23:01.782" v="969" actId="164"/>
-          <ac:grpSpMkLst>
-            <pc:docMk/>
-            <pc:sldMk cId="3641366307" sldId="259"/>
-            <ac:grpSpMk id="26" creationId="{EC9E6CD6-BED4-605E-503F-D8BF1551EB3D}"/>
-          </ac:grpSpMkLst>
-        </pc:grpChg>
-        <pc:grpChg chg="add mod">
-          <ac:chgData name="Zoheir HADID" userId="123d7235792d1862" providerId="LiveId" clId="{2A3E10D1-ABAB-4574-ADA8-42C8B9BEC6A9}" dt="2025-02-23T16:31:02.895" v="1298" actId="164"/>
-          <ac:grpSpMkLst>
-            <pc:docMk/>
-            <pc:sldMk cId="3641366307" sldId="259"/>
-            <ac:grpSpMk id="33" creationId="{60F46626-C8E0-E4EC-70F4-ABB1C7884F59}"/>
-          </ac:grpSpMkLst>
-        </pc:grpChg>
-        <pc:grpChg chg="add mod ord">
-          <ac:chgData name="Zoheir HADID" userId="123d7235792d1862" providerId="LiveId" clId="{2A3E10D1-ABAB-4574-ADA8-42C8B9BEC6A9}" dt="2025-02-23T16:31:02.895" v="1298" actId="164"/>
-          <ac:grpSpMkLst>
-            <pc:docMk/>
-            <pc:sldMk cId="3641366307" sldId="259"/>
-            <ac:grpSpMk id="34" creationId="{03E1FA59-07C2-1253-6CBA-2419FDD3762D}"/>
-          </ac:grpSpMkLst>
-        </pc:grpChg>
-        <pc:grpChg chg="add mod">
-          <ac:chgData name="Zoheir HADID" userId="123d7235792d1862" providerId="LiveId" clId="{2A3E10D1-ABAB-4574-ADA8-42C8B9BEC6A9}" dt="2025-02-23T16:31:02.895" v="1298" actId="164"/>
-          <ac:grpSpMkLst>
-            <pc:docMk/>
-            <pc:sldMk cId="3641366307" sldId="259"/>
-            <ac:grpSpMk id="35" creationId="{189421C9-77B4-3152-7943-C1283328E920}"/>
-          </ac:grpSpMkLst>
-        </pc:grpChg>
-        <pc:grpChg chg="add mod">
-          <ac:chgData name="Zoheir HADID" userId="123d7235792d1862" providerId="LiveId" clId="{2A3E10D1-ABAB-4574-ADA8-42C8B9BEC6A9}" dt="2025-02-23T16:31:02.895" v="1298" actId="164"/>
-          <ac:grpSpMkLst>
-            <pc:docMk/>
-            <pc:sldMk cId="3641366307" sldId="259"/>
-            <ac:grpSpMk id="65" creationId="{A2DC5EF5-B947-CAD9-81E8-84C5E9B69367}"/>
-          </ac:grpSpMkLst>
-        </pc:grpChg>
-        <pc:cxnChg chg="add mod ord">
-          <ac:chgData name="Zoheir HADID" userId="123d7235792d1862" providerId="LiveId" clId="{2A3E10D1-ABAB-4574-ADA8-42C8B9BEC6A9}" dt="2025-02-23T15:26:57.437" v="1000" actId="14100"/>
-          <ac:cxnSpMkLst>
-            <pc:docMk/>
-            <pc:sldMk cId="3641366307" sldId="259"/>
-            <ac:cxnSpMk id="18" creationId="{93B28062-F57F-E2BD-1C52-F4E744098F08}"/>
-          </ac:cxnSpMkLst>
-        </pc:cxnChg>
-        <pc:cxnChg chg="add mod">
-          <ac:chgData name="Zoheir HADID" userId="123d7235792d1862" providerId="LiveId" clId="{2A3E10D1-ABAB-4574-ADA8-42C8B9BEC6A9}" dt="2025-02-23T15:37:47.453" v="1109" actId="1037"/>
-          <ac:cxnSpMkLst>
-            <pc:docMk/>
-            <pc:sldMk cId="3641366307" sldId="259"/>
-            <ac:cxnSpMk id="37" creationId="{E506B479-C4CC-E19C-E5BC-F7345A4D25D9}"/>
-          </ac:cxnSpMkLst>
-        </pc:cxnChg>
-        <pc:cxnChg chg="add mod">
-          <ac:chgData name="Zoheir HADID" userId="123d7235792d1862" providerId="LiveId" clId="{2A3E10D1-ABAB-4574-ADA8-42C8B9BEC6A9}" dt="2025-02-23T16:31:02.895" v="1298" actId="164"/>
-          <ac:cxnSpMkLst>
-            <pc:docMk/>
-            <pc:sldMk cId="3641366307" sldId="259"/>
-            <ac:cxnSpMk id="40" creationId="{10E85750-2F5C-F492-6881-5BD5E7F60371}"/>
-          </ac:cxnSpMkLst>
-        </pc:cxnChg>
-      </pc:sldChg>
-      <pc:sldChg chg="addSp delSp modSp add mod">
-        <pc:chgData name="Zoheir HADID" userId="123d7235792d1862" providerId="LiveId" clId="{2A3E10D1-ABAB-4574-ADA8-42C8B9BEC6A9}" dt="2025-02-24T16:51:11.193" v="1870" actId="164"/>
-        <pc:sldMkLst>
-          <pc:docMk/>
-          <pc:sldMk cId="4152901445" sldId="260"/>
-        </pc:sldMkLst>
-        <pc:spChg chg="add mod">
-          <ac:chgData name="Zoheir HADID" userId="123d7235792d1862" providerId="LiveId" clId="{2A3E10D1-ABAB-4574-ADA8-42C8B9BEC6A9}" dt="2025-02-24T16:34:45.624" v="1790" actId="164"/>
-          <ac:spMkLst>
-            <pc:docMk/>
-            <pc:sldMk cId="4152901445" sldId="260"/>
-            <ac:spMk id="2" creationId="{854C97C6-AA7F-8CE1-82A3-A76C8364D014}"/>
-          </ac:spMkLst>
-        </pc:spChg>
-        <pc:spChg chg="add del">
-          <ac:chgData name="Zoheir HADID" userId="123d7235792d1862" providerId="LiveId" clId="{2A3E10D1-ABAB-4574-ADA8-42C8B9BEC6A9}" dt="2025-02-24T11:15:04.925" v="1360" actId="22"/>
-          <ac:spMkLst>
-            <pc:docMk/>
-            <pc:sldMk cId="4152901445" sldId="260"/>
-            <ac:spMk id="3" creationId="{9D69E510-5BA3-53DB-02F5-64AA072A547D}"/>
-          </ac:spMkLst>
-        </pc:spChg>
-        <pc:spChg chg="add mod">
-          <ac:chgData name="Zoheir HADID" userId="123d7235792d1862" providerId="LiveId" clId="{2A3E10D1-ABAB-4574-ADA8-42C8B9BEC6A9}" dt="2025-02-24T11:31:42.113" v="1772" actId="164"/>
-          <ac:spMkLst>
-            <pc:docMk/>
-            <pc:sldMk cId="4152901445" sldId="260"/>
-            <ac:spMk id="4" creationId="{D58DA24D-3114-9498-312B-4E7F22D49BDA}"/>
-          </ac:spMkLst>
-        </pc:spChg>
-        <pc:spChg chg="mod">
-          <ac:chgData name="Zoheir HADID" userId="123d7235792d1862" providerId="LiveId" clId="{2A3E10D1-ABAB-4574-ADA8-42C8B9BEC6A9}" dt="2025-02-24T11:10:49.374" v="1325" actId="165"/>
-          <ac:spMkLst>
-            <pc:docMk/>
-            <pc:sldMk cId="4152901445" sldId="260"/>
-            <ac:spMk id="5" creationId="{31EA7E77-02AA-3D4A-767D-AB3DE542AABE}"/>
-          </ac:spMkLst>
-        </pc:spChg>
-        <pc:spChg chg="mod">
-          <ac:chgData name="Zoheir HADID" userId="123d7235792d1862" providerId="LiveId" clId="{2A3E10D1-ABAB-4574-ADA8-42C8B9BEC6A9}" dt="2025-02-24T11:10:49.374" v="1325" actId="165"/>
-          <ac:spMkLst>
-            <pc:docMk/>
-            <pc:sldMk cId="4152901445" sldId="260"/>
-            <ac:spMk id="8" creationId="{8330D4B4-2BB6-0E71-2FDB-ECE0A4B495DF}"/>
-          </ac:spMkLst>
-        </pc:spChg>
-        <pc:spChg chg="mod topLvl">
-          <ac:chgData name="Zoheir HADID" userId="123d7235792d1862" providerId="LiveId" clId="{2A3E10D1-ABAB-4574-ADA8-42C8B9BEC6A9}" dt="2025-02-24T16:33:25.967" v="1774"/>
-          <ac:spMkLst>
-            <pc:docMk/>
-            <pc:sldMk cId="4152901445" sldId="260"/>
-            <ac:spMk id="19" creationId="{765EC068-57A8-C0D7-DB3B-DCFD694E2410}"/>
-          </ac:spMkLst>
-        </pc:spChg>
-        <pc:spChg chg="del mod topLvl">
-          <ac:chgData name="Zoheir HADID" userId="123d7235792d1862" providerId="LiveId" clId="{2A3E10D1-ABAB-4574-ADA8-42C8B9BEC6A9}" dt="2025-02-24T11:14:29.294" v="1353" actId="478"/>
-          <ac:spMkLst>
-            <pc:docMk/>
-            <pc:sldMk cId="4152901445" sldId="260"/>
-            <ac:spMk id="20" creationId="{46CC5E71-F7D6-E41A-6830-3B613444382F}"/>
-          </ac:spMkLst>
-        </pc:spChg>
-        <pc:spChg chg="mod topLvl">
-          <ac:chgData name="Zoheir HADID" userId="123d7235792d1862" providerId="LiveId" clId="{2A3E10D1-ABAB-4574-ADA8-42C8B9BEC6A9}" dt="2025-02-24T11:31:42.113" v="1772" actId="164"/>
-          <ac:spMkLst>
-            <pc:docMk/>
-            <pc:sldMk cId="4152901445" sldId="260"/>
-            <ac:spMk id="21" creationId="{34A1FB2D-9FA3-796E-6A12-D036F27495ED}"/>
-          </ac:spMkLst>
-        </pc:spChg>
-        <pc:spChg chg="mod">
-          <ac:chgData name="Zoheir HADID" userId="123d7235792d1862" providerId="LiveId" clId="{2A3E10D1-ABAB-4574-ADA8-42C8B9BEC6A9}" dt="2025-02-24T11:20:40.524" v="1526" actId="1037"/>
-          <ac:spMkLst>
-            <pc:docMk/>
-            <pc:sldMk cId="4152901445" sldId="260"/>
-            <ac:spMk id="24" creationId="{ED72F670-B1EC-5021-0882-DA7F5E39C108}"/>
-          </ac:spMkLst>
-        </pc:spChg>
-        <pc:spChg chg="mod">
-          <ac:chgData name="Zoheir HADID" userId="123d7235792d1862" providerId="LiveId" clId="{2A3E10D1-ABAB-4574-ADA8-42C8B9BEC6A9}" dt="2025-02-24T11:20:40.524" v="1526" actId="1037"/>
-          <ac:spMkLst>
-            <pc:docMk/>
-            <pc:sldMk cId="4152901445" sldId="260"/>
-            <ac:spMk id="25" creationId="{D96B1962-D093-018C-9153-2F00D852A262}"/>
-          </ac:spMkLst>
-        </pc:spChg>
-        <pc:spChg chg="mod">
-          <ac:chgData name="Zoheir HADID" userId="123d7235792d1862" providerId="LiveId" clId="{2A3E10D1-ABAB-4574-ADA8-42C8B9BEC6A9}" dt="2025-02-24T11:20:40.524" v="1526" actId="1037"/>
-          <ac:spMkLst>
-            <pc:docMk/>
-            <pc:sldMk cId="4152901445" sldId="260"/>
-            <ac:spMk id="27" creationId="{C2E4A764-3D62-4DBE-5B52-42DDFD44FE76}"/>
-          </ac:spMkLst>
-        </pc:spChg>
-        <pc:spChg chg="mod">
-          <ac:chgData name="Zoheir HADID" userId="123d7235792d1862" providerId="LiveId" clId="{2A3E10D1-ABAB-4574-ADA8-42C8B9BEC6A9}" dt="2025-02-24T11:20:40.524" v="1526" actId="1037"/>
-          <ac:spMkLst>
-            <pc:docMk/>
-            <pc:sldMk cId="4152901445" sldId="260"/>
-            <ac:spMk id="28" creationId="{CED0596E-892D-FE51-57BA-31DC34DCFA1D}"/>
-          </ac:spMkLst>
-        </pc:spChg>
-        <pc:spChg chg="add mod">
-          <ac:chgData name="Zoheir HADID" userId="123d7235792d1862" providerId="LiveId" clId="{2A3E10D1-ABAB-4574-ADA8-42C8B9BEC6A9}" dt="2025-02-24T11:31:42.113" v="1772" actId="164"/>
-          <ac:spMkLst>
-            <pc:docMk/>
-            <pc:sldMk cId="4152901445" sldId="260"/>
-            <ac:spMk id="30" creationId="{D0E81706-907B-96EA-F84D-DD7509A4BEC2}"/>
-          </ac:spMkLst>
-        </pc:spChg>
-        <pc:spChg chg="mod">
-          <ac:chgData name="Zoheir HADID" userId="123d7235792d1862" providerId="LiveId" clId="{2A3E10D1-ABAB-4574-ADA8-42C8B9BEC6A9}" dt="2025-02-24T11:22:09.314" v="1540"/>
-          <ac:spMkLst>
-            <pc:docMk/>
-            <pc:sldMk cId="4152901445" sldId="260"/>
-            <ac:spMk id="32" creationId="{4D17402E-5664-C331-AAEA-8C6D1B6A7727}"/>
-          </ac:spMkLst>
-        </pc:spChg>
-        <pc:spChg chg="mod">
-          <ac:chgData name="Zoheir HADID" userId="123d7235792d1862" providerId="LiveId" clId="{2A3E10D1-ABAB-4574-ADA8-42C8B9BEC6A9}" dt="2025-02-24T11:22:09.314" v="1540"/>
-          <ac:spMkLst>
-            <pc:docMk/>
-            <pc:sldMk cId="4152901445" sldId="260"/>
-            <ac:spMk id="36" creationId="{F7E95FCB-9456-2F18-37AF-4706EEEA1CC7}"/>
-          </ac:spMkLst>
-        </pc:spChg>
-        <pc:spChg chg="mod">
-          <ac:chgData name="Zoheir HADID" userId="123d7235792d1862" providerId="LiveId" clId="{2A3E10D1-ABAB-4574-ADA8-42C8B9BEC6A9}" dt="2025-02-24T11:22:09.314" v="1540"/>
-          <ac:spMkLst>
-            <pc:docMk/>
-            <pc:sldMk cId="4152901445" sldId="260"/>
-            <ac:spMk id="39" creationId="{EF9A12B3-5BA3-03ED-C2C2-02ADA6D6A35B}"/>
-          </ac:spMkLst>
-        </pc:spChg>
-        <pc:spChg chg="mod">
-          <ac:chgData name="Zoheir HADID" userId="123d7235792d1862" providerId="LiveId" clId="{2A3E10D1-ABAB-4574-ADA8-42C8B9BEC6A9}" dt="2025-02-24T11:22:09.314" v="1540"/>
-          <ac:spMkLst>
-            <pc:docMk/>
-            <pc:sldMk cId="4152901445" sldId="260"/>
-            <ac:spMk id="41" creationId="{3DFD6523-501D-8019-C19C-0FDDD2387F29}"/>
-          </ac:spMkLst>
-        </pc:spChg>
-        <pc:spChg chg="add mod ord">
-          <ac:chgData name="Zoheir HADID" userId="123d7235792d1862" providerId="LiveId" clId="{2A3E10D1-ABAB-4574-ADA8-42C8B9BEC6A9}" dt="2025-02-24T11:31:42.113" v="1772" actId="164"/>
-          <ac:spMkLst>
-            <pc:docMk/>
-            <pc:sldMk cId="4152901445" sldId="260"/>
-            <ac:spMk id="42" creationId="{58879BB4-8153-03CE-9B9E-25B6B08A4469}"/>
-          </ac:spMkLst>
-        </pc:spChg>
-        <pc:spChg chg="mod">
-          <ac:chgData name="Zoheir HADID" userId="123d7235792d1862" providerId="LiveId" clId="{2A3E10D1-ABAB-4574-ADA8-42C8B9BEC6A9}" dt="2025-02-24T16:36:49.095" v="1803" actId="13822"/>
-          <ac:spMkLst>
-            <pc:docMk/>
-            <pc:sldMk cId="4152901445" sldId="260"/>
-            <ac:spMk id="43" creationId="{914F6318-E458-7EC0-0ACF-CEF2FCFD5582}"/>
-          </ac:spMkLst>
-        </pc:spChg>
-        <pc:spChg chg="add mod">
-          <ac:chgData name="Zoheir HADID" userId="123d7235792d1862" providerId="LiveId" clId="{2A3E10D1-ABAB-4574-ADA8-42C8B9BEC6A9}" dt="2025-02-24T11:26:33.927" v="1679" actId="164"/>
-          <ac:spMkLst>
-            <pc:docMk/>
-            <pc:sldMk cId="4152901445" sldId="260"/>
-            <ac:spMk id="45" creationId="{F2AE0E85-478F-CA59-4741-856AA549DE0C}"/>
-          </ac:spMkLst>
-        </pc:spChg>
-        <pc:spChg chg="add mod">
-          <ac:chgData name="Zoheir HADID" userId="123d7235792d1862" providerId="LiveId" clId="{2A3E10D1-ABAB-4574-ADA8-42C8B9BEC6A9}" dt="2025-02-24T11:25:36.384" v="1670" actId="164"/>
-          <ac:spMkLst>
-            <pc:docMk/>
-            <pc:sldMk cId="4152901445" sldId="260"/>
-            <ac:spMk id="46" creationId="{1DCF45D5-2819-E43D-EB51-F86B3AD359BA}"/>
-          </ac:spMkLst>
-        </pc:spChg>
-        <pc:spChg chg="add mod">
-          <ac:chgData name="Zoheir HADID" userId="123d7235792d1862" providerId="LiveId" clId="{2A3E10D1-ABAB-4574-ADA8-42C8B9BEC6A9}" dt="2025-02-24T11:25:36.384" v="1670" actId="164"/>
-          <ac:spMkLst>
-            <pc:docMk/>
-            <pc:sldMk cId="4152901445" sldId="260"/>
-            <ac:spMk id="47" creationId="{1B9BA311-013E-89A3-A0AA-6C1E8122016D}"/>
-          </ac:spMkLst>
-        </pc:spChg>
-        <pc:spChg chg="mod topLvl">
-          <ac:chgData name="Zoheir HADID" userId="123d7235792d1862" providerId="LiveId" clId="{2A3E10D1-ABAB-4574-ADA8-42C8B9BEC6A9}" dt="2025-02-24T11:31:42.113" v="1772" actId="164"/>
-          <ac:spMkLst>
-            <pc:docMk/>
-            <pc:sldMk cId="4152901445" sldId="260"/>
-            <ac:spMk id="48" creationId="{0D6A51B7-41C0-7EA6-3E51-67B3CA511E7B}"/>
-          </ac:spMkLst>
-        </pc:spChg>
-        <pc:spChg chg="mod topLvl">
-          <ac:chgData name="Zoheir HADID" userId="123d7235792d1862" providerId="LiveId" clId="{2A3E10D1-ABAB-4574-ADA8-42C8B9BEC6A9}" dt="2025-02-24T11:31:42.113" v="1772" actId="164"/>
-          <ac:spMkLst>
-            <pc:docMk/>
-            <pc:sldMk cId="4152901445" sldId="260"/>
-            <ac:spMk id="49" creationId="{2CB849B6-F822-5C12-B9F6-87D377C2E853}"/>
-          </ac:spMkLst>
-        </pc:spChg>
-        <pc:spChg chg="del">
-          <ac:chgData name="Zoheir HADID" userId="123d7235792d1862" providerId="LiveId" clId="{2A3E10D1-ABAB-4574-ADA8-42C8B9BEC6A9}" dt="2025-02-24T11:19:00.564" v="1476" actId="478"/>
-          <ac:spMkLst>
-            <pc:docMk/>
-            <pc:sldMk cId="4152901445" sldId="260"/>
-            <ac:spMk id="50" creationId="{B46DACAB-0F8F-723C-B779-7DD75FFD0EE2}"/>
-          </ac:spMkLst>
-        </pc:spChg>
-        <pc:spChg chg="del mod topLvl">
-          <ac:chgData name="Zoheir HADID" userId="123d7235792d1862" providerId="LiveId" clId="{2A3E10D1-ABAB-4574-ADA8-42C8B9BEC6A9}" dt="2025-02-24T11:19:10.270" v="1479" actId="478"/>
-          <ac:spMkLst>
-            <pc:docMk/>
-            <pc:sldMk cId="4152901445" sldId="260"/>
-            <ac:spMk id="51" creationId="{F77D935D-6800-2E2E-5178-BEEE427DE204}"/>
-          </ac:spMkLst>
-        </pc:spChg>
-        <pc:spChg chg="mod">
-          <ac:chgData name="Zoheir HADID" userId="123d7235792d1862" providerId="LiveId" clId="{2A3E10D1-ABAB-4574-ADA8-42C8B9BEC6A9}" dt="2025-02-24T11:31:42.113" v="1772" actId="164"/>
-          <ac:spMkLst>
-            <pc:docMk/>
-            <pc:sldMk cId="4152901445" sldId="260"/>
-            <ac:spMk id="52" creationId="{4FDB5366-4AC5-7356-6FC0-6F22DA91D4C5}"/>
-          </ac:spMkLst>
-        </pc:spChg>
-        <pc:spChg chg="mod">
-          <ac:chgData name="Zoheir HADID" userId="123d7235792d1862" providerId="LiveId" clId="{2A3E10D1-ABAB-4574-ADA8-42C8B9BEC6A9}" dt="2025-02-24T11:25:48.433" v="1673"/>
-          <ac:spMkLst>
-            <pc:docMk/>
-            <pc:sldMk cId="4152901445" sldId="260"/>
-            <ac:spMk id="55" creationId="{73B02292-4C3A-6E3C-D646-55E18F47BB93}"/>
-          </ac:spMkLst>
-        </pc:spChg>
-        <pc:spChg chg="mod">
-          <ac:chgData name="Zoheir HADID" userId="123d7235792d1862" providerId="LiveId" clId="{2A3E10D1-ABAB-4574-ADA8-42C8B9BEC6A9}" dt="2025-02-24T11:25:48.433" v="1673"/>
-          <ac:spMkLst>
-            <pc:docMk/>
-            <pc:sldMk cId="4152901445" sldId="260"/>
-            <ac:spMk id="56" creationId="{FE4B09DC-B097-7F80-B5B0-6D8888927456}"/>
-          </ac:spMkLst>
-        </pc:spChg>
-        <pc:spChg chg="mod">
-          <ac:chgData name="Zoheir HADID" userId="123d7235792d1862" providerId="LiveId" clId="{2A3E10D1-ABAB-4574-ADA8-42C8B9BEC6A9}" dt="2025-02-24T11:25:56.021" v="1675"/>
-          <ac:spMkLst>
-            <pc:docMk/>
-            <pc:sldMk cId="4152901445" sldId="260"/>
-            <ac:spMk id="58" creationId="{A8D656B6-0831-D951-6F51-6E15B18DDFD2}"/>
-          </ac:spMkLst>
-        </pc:spChg>
-        <pc:spChg chg="mod">
-          <ac:chgData name="Zoheir HADID" userId="123d7235792d1862" providerId="LiveId" clId="{2A3E10D1-ABAB-4574-ADA8-42C8B9BEC6A9}" dt="2025-02-24T11:25:56.021" v="1675"/>
-          <ac:spMkLst>
-            <pc:docMk/>
-            <pc:sldMk cId="4152901445" sldId="260"/>
-            <ac:spMk id="59" creationId="{075D32BA-D8DF-423F-B39D-8A13F3E396A7}"/>
-          </ac:spMkLst>
-        </pc:spChg>
-        <pc:spChg chg="mod">
-          <ac:chgData name="Zoheir HADID" userId="123d7235792d1862" providerId="LiveId" clId="{2A3E10D1-ABAB-4574-ADA8-42C8B9BEC6A9}" dt="2025-02-24T11:26:03.309" v="1677"/>
-          <ac:spMkLst>
-            <pc:docMk/>
-            <pc:sldMk cId="4152901445" sldId="260"/>
-            <ac:spMk id="61" creationId="{0C7BF1C0-B3F7-5C56-7647-1E985EB189E9}"/>
-          </ac:spMkLst>
-        </pc:spChg>
-        <pc:spChg chg="mod">
-          <ac:chgData name="Zoheir HADID" userId="123d7235792d1862" providerId="LiveId" clId="{2A3E10D1-ABAB-4574-ADA8-42C8B9BEC6A9}" dt="2025-02-24T11:26:03.309" v="1677"/>
-          <ac:spMkLst>
-            <pc:docMk/>
-            <pc:sldMk cId="4152901445" sldId="260"/>
-            <ac:spMk id="62" creationId="{912E6D04-2A0A-4015-C17D-0B4BD123BFCA}"/>
-          </ac:spMkLst>
-        </pc:spChg>
-        <pc:spChg chg="add mod">
-          <ac:chgData name="Zoheir HADID" userId="123d7235792d1862" providerId="LiveId" clId="{2A3E10D1-ABAB-4574-ADA8-42C8B9BEC6A9}" dt="2025-02-24T11:31:42.113" v="1772" actId="164"/>
-          <ac:spMkLst>
-            <pc:docMk/>
-            <pc:sldMk cId="4152901445" sldId="260"/>
-            <ac:spMk id="64" creationId="{163F69F6-6F64-A295-6B24-075CBEAE88F6}"/>
-          </ac:spMkLst>
-        </pc:spChg>
-        <pc:spChg chg="add mod">
-          <ac:chgData name="Zoheir HADID" userId="123d7235792d1862" providerId="LiveId" clId="{2A3E10D1-ABAB-4574-ADA8-42C8B9BEC6A9}" dt="2025-02-24T16:40:04.940" v="1841" actId="164"/>
-          <ac:spMkLst>
-            <pc:docMk/>
-            <pc:sldMk cId="4152901445" sldId="260"/>
-            <ac:spMk id="69" creationId="{E2A31586-8B71-8A7A-0B92-E3332D2BA7B0}"/>
-          </ac:spMkLst>
-        </pc:spChg>
-        <pc:spChg chg="add mod">
-          <ac:chgData name="Zoheir HADID" userId="123d7235792d1862" providerId="LiveId" clId="{2A3E10D1-ABAB-4574-ADA8-42C8B9BEC6A9}" dt="2025-02-24T16:39:55.139" v="1840" actId="164"/>
-          <ac:spMkLst>
-            <pc:docMk/>
-            <pc:sldMk cId="4152901445" sldId="260"/>
-            <ac:spMk id="70" creationId="{776FA1B0-8A53-5041-AD78-85836A653979}"/>
-          </ac:spMkLst>
-        </pc:spChg>
-        <pc:spChg chg="add mod">
-          <ac:chgData name="Zoheir HADID" userId="123d7235792d1862" providerId="LiveId" clId="{2A3E10D1-ABAB-4574-ADA8-42C8B9BEC6A9}" dt="2025-02-24T16:51:11.193" v="1870" actId="164"/>
-          <ac:spMkLst>
-            <pc:docMk/>
-            <pc:sldMk cId="4152901445" sldId="260"/>
-            <ac:spMk id="78" creationId="{47F32088-08D2-599F-4139-7D374842BFC1}"/>
-          </ac:spMkLst>
-        </pc:spChg>
-        <pc:grpChg chg="add mod">
-          <ac:chgData name="Zoheir HADID" userId="123d7235792d1862" providerId="LiveId" clId="{2A3E10D1-ABAB-4574-ADA8-42C8B9BEC6A9}" dt="2025-02-24T16:36:26.692" v="1799" actId="164"/>
-          <ac:grpSpMkLst>
-            <pc:docMk/>
-            <pc:sldMk cId="4152901445" sldId="260"/>
-            <ac:grpSpMk id="9" creationId="{DCBEEA67-8241-D1D4-94F3-9517E12F0EFA}"/>
-          </ac:grpSpMkLst>
-        </pc:grpChg>
-        <pc:grpChg chg="add mod">
-          <ac:chgData name="Zoheir HADID" userId="123d7235792d1862" providerId="LiveId" clId="{2A3E10D1-ABAB-4574-ADA8-42C8B9BEC6A9}" dt="2025-02-24T16:39:55.139" v="1840" actId="164"/>
-          <ac:grpSpMkLst>
-            <pc:docMk/>
-            <pc:sldMk cId="4152901445" sldId="260"/>
-            <ac:grpSpMk id="20" creationId="{2E7B841C-7D88-BE22-7A5A-64E938FC491A}"/>
-          </ac:grpSpMkLst>
-        </pc:grpChg>
-        <pc:grpChg chg="add mod">
-          <ac:chgData name="Zoheir HADID" userId="123d7235792d1862" providerId="LiveId" clId="{2A3E10D1-ABAB-4574-ADA8-42C8B9BEC6A9}" dt="2025-02-24T16:40:04.940" v="1841" actId="164"/>
-          <ac:grpSpMkLst>
-            <pc:docMk/>
-            <pc:sldMk cId="4152901445" sldId="260"/>
-            <ac:grpSpMk id="22" creationId="{620D9C41-7B33-4E45-C001-C95DEEF31B09}"/>
-          </ac:grpSpMkLst>
-        </pc:grpChg>
-        <pc:grpChg chg="del mod">
-          <ac:chgData name="Zoheir HADID" userId="123d7235792d1862" providerId="LiveId" clId="{2A3E10D1-ABAB-4574-ADA8-42C8B9BEC6A9}" dt="2025-02-24T11:13:54.421" v="1342" actId="165"/>
-          <ac:grpSpMkLst>
-            <pc:docMk/>
-            <pc:sldMk cId="4152901445" sldId="260"/>
-            <ac:grpSpMk id="22" creationId="{AAE2C86A-FBC3-DFFC-BE11-C492079841C8}"/>
-          </ac:grpSpMkLst>
-        </pc:grpChg>
-        <pc:grpChg chg="mod topLvl">
-          <ac:chgData name="Zoheir HADID" userId="123d7235792d1862" providerId="LiveId" clId="{2A3E10D1-ABAB-4574-ADA8-42C8B9BEC6A9}" dt="2025-02-24T11:20:40.524" v="1526" actId="1037"/>
-          <ac:grpSpMkLst>
-            <pc:docMk/>
-            <pc:sldMk cId="4152901445" sldId="260"/>
-            <ac:grpSpMk id="23" creationId="{329F050E-F9DA-5927-4FF5-2255A975D77D}"/>
-          </ac:grpSpMkLst>
-        </pc:grpChg>
-        <pc:grpChg chg="mod topLvl">
-          <ac:chgData name="Zoheir HADID" userId="123d7235792d1862" providerId="LiveId" clId="{2A3E10D1-ABAB-4574-ADA8-42C8B9BEC6A9}" dt="2025-02-24T11:20:40.524" v="1526" actId="1037"/>
-          <ac:grpSpMkLst>
-            <pc:docMk/>
-            <pc:sldMk cId="4152901445" sldId="260"/>
-            <ac:grpSpMk id="26" creationId="{E93F1676-8113-8CD1-50CF-956B5FE2CA78}"/>
-          </ac:grpSpMkLst>
-        </pc:grpChg>
-        <pc:grpChg chg="mod">
-          <ac:chgData name="Zoheir HADID" userId="123d7235792d1862" providerId="LiveId" clId="{2A3E10D1-ABAB-4574-ADA8-42C8B9BEC6A9}" dt="2025-02-24T16:36:37.753" v="1801"/>
-          <ac:grpSpMkLst>
-            <pc:docMk/>
-            <pc:sldMk cId="4152901445" sldId="260"/>
-            <ac:grpSpMk id="29" creationId="{CE2D92D1-369E-8651-6029-EB38A5176A22}"/>
-          </ac:grpSpMkLst>
-        </pc:grpChg>
-        <pc:grpChg chg="add mod">
-          <ac:chgData name="Zoheir HADID" userId="123d7235792d1862" providerId="LiveId" clId="{2A3E10D1-ABAB-4574-ADA8-42C8B9BEC6A9}" dt="2025-02-24T11:22:24.826" v="1632" actId="1038"/>
-          <ac:grpSpMkLst>
-            <pc:docMk/>
-            <pc:sldMk cId="4152901445" sldId="260"/>
-            <ac:grpSpMk id="31" creationId="{46507631-6A60-2161-ADE9-FD4870A5690D}"/>
-          </ac:grpSpMkLst>
-        </pc:grpChg>
-        <pc:grpChg chg="del">
-          <ac:chgData name="Zoheir HADID" userId="123d7235792d1862" providerId="LiveId" clId="{2A3E10D1-ABAB-4574-ADA8-42C8B9BEC6A9}" dt="2025-02-24T11:18:58.422" v="1475" actId="478"/>
-          <ac:grpSpMkLst>
-            <pc:docMk/>
-            <pc:sldMk cId="4152901445" sldId="260"/>
-            <ac:grpSpMk id="33" creationId="{36BD947B-A40E-598E-2FA8-9331DF334F07}"/>
-          </ac:grpSpMkLst>
-        </pc:grpChg>
-        <pc:grpChg chg="del mod">
-          <ac:chgData name="Zoheir HADID" userId="123d7235792d1862" providerId="LiveId" clId="{2A3E10D1-ABAB-4574-ADA8-42C8B9BEC6A9}" dt="2025-02-24T11:12:52.635" v="1337" actId="165"/>
-          <ac:grpSpMkLst>
-            <pc:docMk/>
-            <pc:sldMk cId="4152901445" sldId="260"/>
-            <ac:grpSpMk id="34" creationId="{91468976-CB90-FD4F-DF95-3D38CCBF3D2A}"/>
-          </ac:grpSpMkLst>
-        </pc:grpChg>
-        <pc:grpChg chg="add mod">
-          <ac:chgData name="Zoheir HADID" userId="123d7235792d1862" providerId="LiveId" clId="{2A3E10D1-ABAB-4574-ADA8-42C8B9BEC6A9}" dt="2025-02-24T11:31:42.113" v="1772" actId="164"/>
-          <ac:grpSpMkLst>
-            <pc:docMk/>
-            <pc:sldMk cId="4152901445" sldId="260"/>
-            <ac:grpSpMk id="38" creationId="{05681A9D-F5E7-1FAA-AD52-7FD09939FFB1}"/>
-          </ac:grpSpMkLst>
-        </pc:grpChg>
-        <pc:grpChg chg="add mod">
-          <ac:chgData name="Zoheir HADID" userId="123d7235792d1862" providerId="LiveId" clId="{2A3E10D1-ABAB-4574-ADA8-42C8B9BEC6A9}" dt="2025-02-24T11:26:33.927" v="1679" actId="164"/>
-          <ac:grpSpMkLst>
-            <pc:docMk/>
-            <pc:sldMk cId="4152901445" sldId="260"/>
-            <ac:grpSpMk id="53" creationId="{B49333B1-D0F9-4A80-B105-1AD9EF26C10C}"/>
-          </ac:grpSpMkLst>
-        </pc:grpChg>
-        <pc:grpChg chg="add mod">
-          <ac:chgData name="Zoheir HADID" userId="123d7235792d1862" providerId="LiveId" clId="{2A3E10D1-ABAB-4574-ADA8-42C8B9BEC6A9}" dt="2025-02-24T11:26:33.927" v="1679" actId="164"/>
-          <ac:grpSpMkLst>
-            <pc:docMk/>
-            <pc:sldMk cId="4152901445" sldId="260"/>
-            <ac:grpSpMk id="54" creationId="{5DA215D5-98CF-0F0E-B1C9-2FBC340956C1}"/>
-          </ac:grpSpMkLst>
-        </pc:grpChg>
-        <pc:grpChg chg="add mod">
-          <ac:chgData name="Zoheir HADID" userId="123d7235792d1862" providerId="LiveId" clId="{2A3E10D1-ABAB-4574-ADA8-42C8B9BEC6A9}" dt="2025-02-24T11:26:33.927" v="1679" actId="164"/>
-          <ac:grpSpMkLst>
-            <pc:docMk/>
-            <pc:sldMk cId="4152901445" sldId="260"/>
-            <ac:grpSpMk id="57" creationId="{8E07988F-FDA6-1E43-D08E-1D4868C7C87D}"/>
-          </ac:grpSpMkLst>
-        </pc:grpChg>
-        <pc:grpChg chg="add mod">
-          <ac:chgData name="Zoheir HADID" userId="123d7235792d1862" providerId="LiveId" clId="{2A3E10D1-ABAB-4574-ADA8-42C8B9BEC6A9}" dt="2025-02-24T11:26:33.927" v="1679" actId="164"/>
-          <ac:grpSpMkLst>
-            <pc:docMk/>
-            <pc:sldMk cId="4152901445" sldId="260"/>
-            <ac:grpSpMk id="60" creationId="{8D4756DE-F5B1-76D0-DAE6-BEE569D1DC6C}"/>
-          </ac:grpSpMkLst>
-        </pc:grpChg>
-        <pc:grpChg chg="add mod">
-          <ac:chgData name="Zoheir HADID" userId="123d7235792d1862" providerId="LiveId" clId="{2A3E10D1-ABAB-4574-ADA8-42C8B9BEC6A9}" dt="2025-02-24T11:27:01.302" v="1737" actId="1037"/>
-          <ac:grpSpMkLst>
-            <pc:docMk/>
-            <pc:sldMk cId="4152901445" sldId="260"/>
-            <ac:grpSpMk id="63" creationId="{9B8C9515-1C63-F78B-1F82-52AB52E04E41}"/>
-          </ac:grpSpMkLst>
-        </pc:grpChg>
-        <pc:grpChg chg="add mod">
-          <ac:chgData name="Zoheir HADID" userId="123d7235792d1862" providerId="LiveId" clId="{2A3E10D1-ABAB-4574-ADA8-42C8B9BEC6A9}" dt="2025-02-24T16:39:55.139" v="1840" actId="164"/>
-          <ac:grpSpMkLst>
-            <pc:docMk/>
-            <pc:sldMk cId="4152901445" sldId="260"/>
-            <ac:grpSpMk id="71" creationId="{6B3C9632-BB62-2ABA-136E-AE1276AEF591}"/>
-          </ac:grpSpMkLst>
-        </pc:grpChg>
-        <pc:grpChg chg="add mod">
-          <ac:chgData name="Zoheir HADID" userId="123d7235792d1862" providerId="LiveId" clId="{2A3E10D1-ABAB-4574-ADA8-42C8B9BEC6A9}" dt="2025-02-24T16:40:04.940" v="1841" actId="164"/>
-          <ac:grpSpMkLst>
-            <pc:docMk/>
-            <pc:sldMk cId="4152901445" sldId="260"/>
-            <ac:grpSpMk id="72" creationId="{EFC56DD4-19ED-732E-6A2C-CCA96BF8CECD}"/>
-          </ac:grpSpMkLst>
-        </pc:grpChg>
-        <pc:grpChg chg="add mod">
-          <ac:chgData name="Zoheir HADID" userId="123d7235792d1862" providerId="LiveId" clId="{2A3E10D1-ABAB-4574-ADA8-42C8B9BEC6A9}" dt="2025-02-24T16:51:11.193" v="1870" actId="164"/>
-          <ac:grpSpMkLst>
-            <pc:docMk/>
-            <pc:sldMk cId="4152901445" sldId="260"/>
-            <ac:grpSpMk id="79" creationId="{9DD2A27C-E3CE-C599-957F-42B578A76CE0}"/>
-          </ac:grpSpMkLst>
-        </pc:grpChg>
-        <pc:cxnChg chg="add mod">
-          <ac:chgData name="Zoheir HADID" userId="123d7235792d1862" providerId="LiveId" clId="{2A3E10D1-ABAB-4574-ADA8-42C8B9BEC6A9}" dt="2025-02-24T16:34:45.624" v="1790" actId="164"/>
-          <ac:cxnSpMkLst>
-            <pc:docMk/>
-            <pc:sldMk cId="4152901445" sldId="260"/>
-            <ac:cxnSpMk id="6" creationId="{93B52085-32D3-30D6-0207-95329C3DA063}"/>
-          </ac:cxnSpMkLst>
-        </pc:cxnChg>
-        <pc:cxnChg chg="add">
-          <ac:chgData name="Zoheir HADID" userId="123d7235792d1862" providerId="LiveId" clId="{2A3E10D1-ABAB-4574-ADA8-42C8B9BEC6A9}" dt="2025-02-24T16:35:02.070" v="1791" actId="11529"/>
-          <ac:cxnSpMkLst>
-            <pc:docMk/>
-            <pc:sldMk cId="4152901445" sldId="260"/>
-            <ac:cxnSpMk id="11" creationId="{F6A1870C-6A55-EF7E-2319-916AEA7E2DDF}"/>
-          </ac:cxnSpMkLst>
-        </pc:cxnChg>
-        <pc:cxnChg chg="add mod">
-          <ac:chgData name="Zoheir HADID" userId="123d7235792d1862" providerId="LiveId" clId="{2A3E10D1-ABAB-4574-ADA8-42C8B9BEC6A9}" dt="2025-02-24T16:36:26.692" v="1799" actId="164"/>
-          <ac:cxnSpMkLst>
-            <pc:docMk/>
-            <pc:sldMk cId="4152901445" sldId="260"/>
-            <ac:cxnSpMk id="12" creationId="{11C5AB9F-DAAC-61F0-2B09-ACD2B9A05471}"/>
-          </ac:cxnSpMkLst>
-        </pc:cxnChg>
-        <pc:cxnChg chg="add mod">
-          <ac:chgData name="Zoheir HADID" userId="123d7235792d1862" providerId="LiveId" clId="{2A3E10D1-ABAB-4574-ADA8-42C8B9BEC6A9}" dt="2025-02-24T16:36:26.692" v="1799" actId="164"/>
-          <ac:cxnSpMkLst>
-            <pc:docMk/>
-            <pc:sldMk cId="4152901445" sldId="260"/>
-            <ac:cxnSpMk id="18" creationId="{009D6169-7A10-9570-1612-E7BD248893F0}"/>
-          </ac:cxnSpMkLst>
-        </pc:cxnChg>
-        <pc:cxnChg chg="del mod">
-          <ac:chgData name="Zoheir HADID" userId="123d7235792d1862" providerId="LiveId" clId="{2A3E10D1-ABAB-4574-ADA8-42C8B9BEC6A9}" dt="2025-02-24T11:14:06.281" v="1344" actId="478"/>
-          <ac:cxnSpMkLst>
-            <pc:docMk/>
-            <pc:sldMk cId="4152901445" sldId="260"/>
-            <ac:cxnSpMk id="18" creationId="{75508130-F3FE-BC62-D36B-BF96CC08AF6D}"/>
-          </ac:cxnSpMkLst>
-        </pc:cxnChg>
-        <pc:cxnChg chg="mod">
-          <ac:chgData name="Zoheir HADID" userId="123d7235792d1862" providerId="LiveId" clId="{2A3E10D1-ABAB-4574-ADA8-42C8B9BEC6A9}" dt="2025-02-24T16:36:49.095" v="1803" actId="13822"/>
-          <ac:cxnSpMkLst>
-            <pc:docMk/>
-            <pc:sldMk cId="4152901445" sldId="260"/>
-            <ac:cxnSpMk id="33" creationId="{C4ECF13E-3C24-A516-1947-A10F561725A5}"/>
-          </ac:cxnSpMkLst>
-        </pc:cxnChg>
-        <pc:cxnChg chg="mod">
-          <ac:chgData name="Zoheir HADID" userId="123d7235792d1862" providerId="LiveId" clId="{2A3E10D1-ABAB-4574-ADA8-42C8B9BEC6A9}" dt="2025-02-24T16:36:49.095" v="1803" actId="13822"/>
-          <ac:cxnSpMkLst>
-            <pc:docMk/>
-            <pc:sldMk cId="4152901445" sldId="260"/>
-            <ac:cxnSpMk id="34" creationId="{C5D21A32-858A-99BE-FC98-01476759916A}"/>
-          </ac:cxnSpMkLst>
-        </pc:cxnChg>
-        <pc:cxnChg chg="mod">
-          <ac:chgData name="Zoheir HADID" userId="123d7235792d1862" providerId="LiveId" clId="{2A3E10D1-ABAB-4574-ADA8-42C8B9BEC6A9}" dt="2025-02-24T11:19:44.682" v="1503" actId="1037"/>
-          <ac:cxnSpMkLst>
-            <pc:docMk/>
-            <pc:sldMk cId="4152901445" sldId="260"/>
-            <ac:cxnSpMk id="37" creationId="{CE0BF89C-A013-9589-E207-49784BB9B3F1}"/>
-          </ac:cxnSpMkLst>
-        </pc:cxnChg>
-        <pc:cxnChg chg="mod ord">
-          <ac:chgData name="Zoheir HADID" userId="123d7235792d1862" providerId="LiveId" clId="{2A3E10D1-ABAB-4574-ADA8-42C8B9BEC6A9}" dt="2025-02-24T11:23:48.398" v="1640" actId="166"/>
-          <ac:cxnSpMkLst>
-            <pc:docMk/>
-            <pc:sldMk cId="4152901445" sldId="260"/>
-            <ac:cxnSpMk id="40" creationId="{11E67197-EE97-EEB9-FCFB-2FAFABDF41E7}"/>
-          </ac:cxnSpMkLst>
-        </pc:cxnChg>
-        <pc:cxnChg chg="mod">
-          <ac:chgData name="Zoheir HADID" userId="123d7235792d1862" providerId="LiveId" clId="{2A3E10D1-ABAB-4574-ADA8-42C8B9BEC6A9}" dt="2025-02-24T16:36:49.095" v="1803" actId="13822"/>
-          <ac:cxnSpMkLst>
-            <pc:docMk/>
-            <pc:sldMk cId="4152901445" sldId="260"/>
-            <ac:cxnSpMk id="44" creationId="{AE2C6A86-88A9-E1EC-497F-7E30D9C055DC}"/>
-          </ac:cxnSpMkLst>
-        </pc:cxnChg>
-        <pc:cxnChg chg="add mod">
-          <ac:chgData name="Zoheir HADID" userId="123d7235792d1862" providerId="LiveId" clId="{2A3E10D1-ABAB-4574-ADA8-42C8B9BEC6A9}" dt="2025-02-24T16:40:04.940" v="1841" actId="164"/>
-          <ac:cxnSpMkLst>
-            <pc:docMk/>
-            <pc:sldMk cId="4152901445" sldId="260"/>
-            <ac:cxnSpMk id="50" creationId="{83192C74-C300-0835-A3D8-1CE03AC280FA}"/>
-          </ac:cxnSpMkLst>
-        </pc:cxnChg>
-        <pc:cxnChg chg="add mod">
-          <ac:chgData name="Zoheir HADID" userId="123d7235792d1862" providerId="LiveId" clId="{2A3E10D1-ABAB-4574-ADA8-42C8B9BEC6A9}" dt="2025-02-24T16:51:11.193" v="1870" actId="164"/>
-          <ac:cxnSpMkLst>
-            <pc:docMk/>
-            <pc:sldMk cId="4152901445" sldId="260"/>
-            <ac:cxnSpMk id="74" creationId="{F7C6068E-D575-266C-1DB2-79527F0A09B6}"/>
-          </ac:cxnSpMkLst>
-        </pc:cxnChg>
-        <pc:cxnChg chg="add mod">
-          <ac:chgData name="Zoheir HADID" userId="123d7235792d1862" providerId="LiveId" clId="{2A3E10D1-ABAB-4574-ADA8-42C8B9BEC6A9}" dt="2025-02-24T16:51:11.193" v="1870" actId="164"/>
-          <ac:cxnSpMkLst>
-            <pc:docMk/>
-            <pc:sldMk cId="4152901445" sldId="260"/>
-            <ac:cxnSpMk id="75" creationId="{EA73CCF4-CBE0-FE96-9B3C-A0A31AD60156}"/>
-          </ac:cxnSpMkLst>
-        </pc:cxnChg>
-        <pc:cxnChg chg="add mod">
-          <ac:chgData name="Zoheir HADID" userId="123d7235792d1862" providerId="LiveId" clId="{2A3E10D1-ABAB-4574-ADA8-42C8B9BEC6A9}" dt="2025-02-24T16:51:11.193" v="1870" actId="164"/>
-          <ac:cxnSpMkLst>
-            <pc:docMk/>
-            <pc:sldMk cId="4152901445" sldId="260"/>
-            <ac:cxnSpMk id="77" creationId="{C7283F12-B9D6-7AA4-BA2D-B6F4B95665DD}"/>
+            <pc:sldMk cId="3530312540" sldId="261"/>
+            <ac:cxnSpMk id="30" creationId="{492CB22E-B019-6EAD-FE7D-A81EDBFBE3B4}"/>
           </ac:cxnSpMkLst>
         </pc:cxnChg>
       </pc:sldChg>
@@ -1752,7 +517,7 @@
           <a:p>
             <a:fld id="{44643AC4-22AA-4210-A6CC-8CC3C7E4451E}" type="datetimeFigureOut">
               <a:rPr lang="fr-FR" smtClean="0"/>
-              <a:t>24/02/2025</a:t>
+              <a:t>19/11/2025</a:t>
             </a:fld>
             <a:endParaRPr lang="fr-FR"/>
           </a:p>
@@ -1950,7 +715,7 @@
           <a:p>
             <a:fld id="{44643AC4-22AA-4210-A6CC-8CC3C7E4451E}" type="datetimeFigureOut">
               <a:rPr lang="fr-FR" smtClean="0"/>
-              <a:t>24/02/2025</a:t>
+              <a:t>19/11/2025</a:t>
             </a:fld>
             <a:endParaRPr lang="fr-FR"/>
           </a:p>
@@ -2158,7 +923,7 @@
           <a:p>
             <a:fld id="{44643AC4-22AA-4210-A6CC-8CC3C7E4451E}" type="datetimeFigureOut">
               <a:rPr lang="fr-FR" smtClean="0"/>
-              <a:t>24/02/2025</a:t>
+              <a:t>19/11/2025</a:t>
             </a:fld>
             <a:endParaRPr lang="fr-FR"/>
           </a:p>
@@ -2356,7 +1121,7 @@
           <a:p>
             <a:fld id="{44643AC4-22AA-4210-A6CC-8CC3C7E4451E}" type="datetimeFigureOut">
               <a:rPr lang="fr-FR" smtClean="0"/>
-              <a:t>24/02/2025</a:t>
+              <a:t>19/11/2025</a:t>
             </a:fld>
             <a:endParaRPr lang="fr-FR"/>
           </a:p>
@@ -2631,7 +1396,7 @@
           <a:p>
             <a:fld id="{44643AC4-22AA-4210-A6CC-8CC3C7E4451E}" type="datetimeFigureOut">
               <a:rPr lang="fr-FR" smtClean="0"/>
-              <a:t>24/02/2025</a:t>
+              <a:t>19/11/2025</a:t>
             </a:fld>
             <a:endParaRPr lang="fr-FR"/>
           </a:p>
@@ -2896,7 +1661,7 @@
           <a:p>
             <a:fld id="{44643AC4-22AA-4210-A6CC-8CC3C7E4451E}" type="datetimeFigureOut">
               <a:rPr lang="fr-FR" smtClean="0"/>
-              <a:t>24/02/2025</a:t>
+              <a:t>19/11/2025</a:t>
             </a:fld>
             <a:endParaRPr lang="fr-FR"/>
           </a:p>
@@ -3308,7 +2073,7 @@
           <a:p>
             <a:fld id="{44643AC4-22AA-4210-A6CC-8CC3C7E4451E}" type="datetimeFigureOut">
               <a:rPr lang="fr-FR" smtClean="0"/>
-              <a:t>24/02/2025</a:t>
+              <a:t>19/11/2025</a:t>
             </a:fld>
             <a:endParaRPr lang="fr-FR"/>
           </a:p>
@@ -3449,7 +2214,7 @@
           <a:p>
             <a:fld id="{44643AC4-22AA-4210-A6CC-8CC3C7E4451E}" type="datetimeFigureOut">
               <a:rPr lang="fr-FR" smtClean="0"/>
-              <a:t>24/02/2025</a:t>
+              <a:t>19/11/2025</a:t>
             </a:fld>
             <a:endParaRPr lang="fr-FR"/>
           </a:p>
@@ -3562,7 +2327,7 @@
           <a:p>
             <a:fld id="{44643AC4-22AA-4210-A6CC-8CC3C7E4451E}" type="datetimeFigureOut">
               <a:rPr lang="fr-FR" smtClean="0"/>
-              <a:t>24/02/2025</a:t>
+              <a:t>19/11/2025</a:t>
             </a:fld>
             <a:endParaRPr lang="fr-FR"/>
           </a:p>
@@ -3873,7 +2638,7 @@
           <a:p>
             <a:fld id="{44643AC4-22AA-4210-A6CC-8CC3C7E4451E}" type="datetimeFigureOut">
               <a:rPr lang="fr-FR" smtClean="0"/>
-              <a:t>24/02/2025</a:t>
+              <a:t>19/11/2025</a:t>
             </a:fld>
             <a:endParaRPr lang="fr-FR"/>
           </a:p>
@@ -4161,7 +2926,7 @@
           <a:p>
             <a:fld id="{44643AC4-22AA-4210-A6CC-8CC3C7E4451E}" type="datetimeFigureOut">
               <a:rPr lang="fr-FR" smtClean="0"/>
-              <a:t>24/02/2025</a:t>
+              <a:t>19/11/2025</a:t>
             </a:fld>
             <a:endParaRPr lang="fr-FR"/>
           </a:p>
@@ -4402,7 +3167,7 @@
           <a:p>
             <a:fld id="{44643AC4-22AA-4210-A6CC-8CC3C7E4451E}" type="datetimeFigureOut">
               <a:rPr lang="fr-FR" smtClean="0"/>
-              <a:t>24/02/2025</a:t>
+              <a:t>19/11/2025</a:t>
             </a:fld>
             <a:endParaRPr lang="fr-FR"/>
           </a:p>
@@ -10204,6 +8969,2552 @@
         <p:cNvPr id="1" name="">
           <a:extLst>
             <a:ext uri="{FF2B5EF4-FFF2-40B4-BE49-F238E27FC236}">
+              <a16:creationId xmlns:a16="http://schemas.microsoft.com/office/drawing/2014/main" id="{1E2790B5-20C5-0C62-FC14-218A28EB58DF}"/>
+            </a:ext>
+          </a:extLst>
+        </p:cNvPr>
+        <p:cNvGrpSpPr/>
+        <p:nvPr/>
+      </p:nvGrpSpPr>
+      <p:grpSpPr>
+        <a:xfrm>
+          <a:off x="0" y="0"/>
+          <a:ext cx="0" cy="0"/>
+          <a:chOff x="0" y="0"/>
+          <a:chExt cx="0" cy="0"/>
+        </a:xfrm>
+      </p:grpSpPr>
+      <p:grpSp>
+        <p:nvGrpSpPr>
+          <p:cNvPr id="32" name="Groupe 31">
+            <a:extLst>
+              <a:ext uri="{FF2B5EF4-FFF2-40B4-BE49-F238E27FC236}">
+                <a16:creationId xmlns:a16="http://schemas.microsoft.com/office/drawing/2014/main" id="{D60CD307-6E9D-AD93-4608-D9B9F79D63DF}"/>
+              </a:ext>
+            </a:extLst>
+          </p:cNvPr>
+          <p:cNvGrpSpPr/>
+          <p:nvPr/>
+        </p:nvGrpSpPr>
+        <p:grpSpPr>
+          <a:xfrm>
+            <a:off x="982795" y="1487712"/>
+            <a:ext cx="10102710" cy="3206013"/>
+            <a:chOff x="982795" y="1487712"/>
+            <a:chExt cx="10102710" cy="3206013"/>
+          </a:xfrm>
+        </p:grpSpPr>
+        <p:sp>
+          <p:nvSpPr>
+            <p:cNvPr id="9" name="Triangle isocèle 8">
+              <a:extLst>
+                <a:ext uri="{FF2B5EF4-FFF2-40B4-BE49-F238E27FC236}">
+                  <a16:creationId xmlns:a16="http://schemas.microsoft.com/office/drawing/2014/main" id="{36D0F0F4-235F-EAA8-848E-621B9B9B20E2}"/>
+                </a:ext>
+              </a:extLst>
+            </p:cNvPr>
+            <p:cNvSpPr/>
+            <p:nvPr/>
+          </p:nvSpPr>
+          <p:spPr>
+            <a:xfrm rot="16200000" flipH="1">
+              <a:off x="5914209" y="2020518"/>
+              <a:ext cx="2808000" cy="2520000"/>
+            </a:xfrm>
+            <a:prstGeom prst="triangle">
+              <a:avLst/>
+            </a:prstGeom>
+          </p:spPr>
+          <p:style>
+            <a:lnRef idx="2">
+              <a:schemeClr val="dk1"/>
+            </a:lnRef>
+            <a:fillRef idx="1">
+              <a:schemeClr val="lt1"/>
+            </a:fillRef>
+            <a:effectRef idx="0">
+              <a:schemeClr val="dk1"/>
+            </a:effectRef>
+            <a:fontRef idx="minor">
+              <a:schemeClr val="dk1"/>
+            </a:fontRef>
+          </p:style>
+          <p:txBody>
+            <a:bodyPr rtlCol="0" anchor="ctr"/>
+            <a:lstStyle/>
+            <a:p>
+              <a:pPr algn="ctr"/>
+              <a:endParaRPr lang="fr-FR"/>
+            </a:p>
+          </p:txBody>
+        </p:sp>
+        <p:sp>
+          <p:nvSpPr>
+            <p:cNvPr id="4" name="Triangle isocèle 3">
+              <a:extLst>
+                <a:ext uri="{FF2B5EF4-FFF2-40B4-BE49-F238E27FC236}">
+                  <a16:creationId xmlns:a16="http://schemas.microsoft.com/office/drawing/2014/main" id="{0B42A172-93E2-C36F-338F-229628B7A2B6}"/>
+                </a:ext>
+              </a:extLst>
+            </p:cNvPr>
+            <p:cNvSpPr/>
+            <p:nvPr/>
+          </p:nvSpPr>
+          <p:spPr>
+            <a:xfrm rot="5400000">
+              <a:off x="3396993" y="2027712"/>
+              <a:ext cx="2812026" cy="2520000"/>
+            </a:xfrm>
+            <a:prstGeom prst="triangle">
+              <a:avLst/>
+            </a:prstGeom>
+          </p:spPr>
+          <p:style>
+            <a:lnRef idx="2">
+              <a:schemeClr val="dk1"/>
+            </a:lnRef>
+            <a:fillRef idx="1">
+              <a:schemeClr val="lt1"/>
+            </a:fillRef>
+            <a:effectRef idx="0">
+              <a:schemeClr val="dk1"/>
+            </a:effectRef>
+            <a:fontRef idx="minor">
+              <a:schemeClr val="dk1"/>
+            </a:fontRef>
+          </p:style>
+          <p:txBody>
+            <a:bodyPr rtlCol="0" anchor="ctr"/>
+            <a:lstStyle/>
+            <a:p>
+              <a:pPr algn="ctr"/>
+              <a:endParaRPr lang="fr-FR"/>
+            </a:p>
+          </p:txBody>
+        </p:sp>
+        <p:grpSp>
+          <p:nvGrpSpPr>
+            <p:cNvPr id="23" name="Groupe 22">
+              <a:extLst>
+                <a:ext uri="{FF2B5EF4-FFF2-40B4-BE49-F238E27FC236}">
+                  <a16:creationId xmlns:a16="http://schemas.microsoft.com/office/drawing/2014/main" id="{B72067BD-7C7E-0E6B-1766-D0E355627180}"/>
+                </a:ext>
+              </a:extLst>
+            </p:cNvPr>
+            <p:cNvGrpSpPr/>
+            <p:nvPr/>
+          </p:nvGrpSpPr>
+          <p:grpSpPr>
+            <a:xfrm>
+              <a:off x="3404483" y="3159896"/>
+              <a:ext cx="252000" cy="252000"/>
+              <a:chOff x="7980618" y="3273675"/>
+              <a:chExt cx="252000" cy="252000"/>
+            </a:xfrm>
+          </p:grpSpPr>
+          <p:sp>
+            <p:nvSpPr>
+              <p:cNvPr id="24" name="Ellipse 23">
+                <a:extLst>
+                  <a:ext uri="{FF2B5EF4-FFF2-40B4-BE49-F238E27FC236}">
+                    <a16:creationId xmlns:a16="http://schemas.microsoft.com/office/drawing/2014/main" id="{32BB7457-8024-2113-3770-32697AB61F17}"/>
+                  </a:ext>
+                </a:extLst>
+              </p:cNvPr>
+              <p:cNvSpPr/>
+              <p:nvPr/>
+            </p:nvSpPr>
+            <p:spPr>
+              <a:xfrm>
+                <a:off x="7980618" y="3273675"/>
+                <a:ext cx="252000" cy="252000"/>
+              </a:xfrm>
+              <a:prstGeom prst="ellipse">
+                <a:avLst/>
+              </a:prstGeom>
+              <a:ln>
+                <a:solidFill>
+                  <a:schemeClr val="bg2"/>
+                </a:solidFill>
+              </a:ln>
+            </p:spPr>
+            <p:style>
+              <a:lnRef idx="2">
+                <a:schemeClr val="accent1">
+                  <a:shade val="15000"/>
+                </a:schemeClr>
+              </a:lnRef>
+              <a:fillRef idx="1">
+                <a:schemeClr val="accent1"/>
+              </a:fillRef>
+              <a:effectRef idx="0">
+                <a:schemeClr val="accent1"/>
+              </a:effectRef>
+              <a:fontRef idx="minor">
+                <a:schemeClr val="lt1"/>
+              </a:fontRef>
+            </p:style>
+            <p:txBody>
+              <a:bodyPr rtlCol="0" anchor="ctr"/>
+              <a:lstStyle/>
+              <a:p>
+                <a:pPr algn="ctr"/>
+                <a:endParaRPr lang="fr-FR" dirty="0"/>
+              </a:p>
+            </p:txBody>
+          </p:sp>
+          <p:sp>
+            <p:nvSpPr>
+              <p:cNvPr id="25" name="Ellipse 24">
+                <a:extLst>
+                  <a:ext uri="{FF2B5EF4-FFF2-40B4-BE49-F238E27FC236}">
+                    <a16:creationId xmlns:a16="http://schemas.microsoft.com/office/drawing/2014/main" id="{9652385A-064D-C7AA-08E1-CFE3D4FB55D0}"/>
+                  </a:ext>
+                </a:extLst>
+              </p:cNvPr>
+              <p:cNvSpPr/>
+              <p:nvPr/>
+            </p:nvSpPr>
+            <p:spPr>
+              <a:xfrm>
+                <a:off x="8034618" y="3327675"/>
+                <a:ext cx="144000" cy="144000"/>
+              </a:xfrm>
+              <a:prstGeom prst="ellipse">
+                <a:avLst/>
+              </a:prstGeom>
+              <a:ln>
+                <a:noFill/>
+              </a:ln>
+            </p:spPr>
+            <p:style>
+              <a:lnRef idx="2">
+                <a:schemeClr val="accent1"/>
+              </a:lnRef>
+              <a:fillRef idx="1">
+                <a:schemeClr val="lt1"/>
+              </a:fillRef>
+              <a:effectRef idx="0">
+                <a:schemeClr val="accent1"/>
+              </a:effectRef>
+              <a:fontRef idx="minor">
+                <a:schemeClr val="dk1"/>
+              </a:fontRef>
+            </p:style>
+            <p:txBody>
+              <a:bodyPr rtlCol="0" anchor="ctr"/>
+              <a:lstStyle/>
+              <a:p>
+                <a:pPr algn="ctr"/>
+                <a:endParaRPr lang="fr-FR" dirty="0"/>
+              </a:p>
+            </p:txBody>
+          </p:sp>
+        </p:grpSp>
+        <p:grpSp>
+          <p:nvGrpSpPr>
+            <p:cNvPr id="26" name="Groupe 25">
+              <a:extLst>
+                <a:ext uri="{FF2B5EF4-FFF2-40B4-BE49-F238E27FC236}">
+                  <a16:creationId xmlns:a16="http://schemas.microsoft.com/office/drawing/2014/main" id="{E283EB55-67B5-6E26-F5C0-7FABF25FA630}"/>
+                </a:ext>
+              </a:extLst>
+            </p:cNvPr>
+            <p:cNvGrpSpPr/>
+            <p:nvPr/>
+          </p:nvGrpSpPr>
+          <p:grpSpPr>
+            <a:xfrm>
+              <a:off x="8448431" y="3159896"/>
+              <a:ext cx="252000" cy="252000"/>
+              <a:chOff x="7980618" y="3273675"/>
+              <a:chExt cx="252000" cy="252000"/>
+            </a:xfrm>
+          </p:grpSpPr>
+          <p:sp>
+            <p:nvSpPr>
+              <p:cNvPr id="27" name="Ellipse 26">
+                <a:extLst>
+                  <a:ext uri="{FF2B5EF4-FFF2-40B4-BE49-F238E27FC236}">
+                    <a16:creationId xmlns:a16="http://schemas.microsoft.com/office/drawing/2014/main" id="{F13056D5-D1B8-3F46-6AB9-3E885755762E}"/>
+                  </a:ext>
+                </a:extLst>
+              </p:cNvPr>
+              <p:cNvSpPr/>
+              <p:nvPr/>
+            </p:nvSpPr>
+            <p:spPr>
+              <a:xfrm>
+                <a:off x="7980618" y="3273675"/>
+                <a:ext cx="252000" cy="252000"/>
+              </a:xfrm>
+              <a:prstGeom prst="ellipse">
+                <a:avLst/>
+              </a:prstGeom>
+              <a:solidFill>
+                <a:schemeClr val="accent2"/>
+              </a:solidFill>
+              <a:ln>
+                <a:solidFill>
+                  <a:schemeClr val="bg2"/>
+                </a:solidFill>
+              </a:ln>
+            </p:spPr>
+            <p:style>
+              <a:lnRef idx="2">
+                <a:schemeClr val="accent1">
+                  <a:shade val="15000"/>
+                </a:schemeClr>
+              </a:lnRef>
+              <a:fillRef idx="1">
+                <a:schemeClr val="accent1"/>
+              </a:fillRef>
+              <a:effectRef idx="0">
+                <a:schemeClr val="accent1"/>
+              </a:effectRef>
+              <a:fontRef idx="minor">
+                <a:schemeClr val="lt1"/>
+              </a:fontRef>
+            </p:style>
+            <p:txBody>
+              <a:bodyPr rtlCol="0" anchor="ctr"/>
+              <a:lstStyle/>
+              <a:p>
+                <a:pPr algn="ctr"/>
+                <a:endParaRPr lang="fr-FR" dirty="0"/>
+              </a:p>
+            </p:txBody>
+          </p:sp>
+          <p:sp>
+            <p:nvSpPr>
+              <p:cNvPr id="28" name="Ellipse 27">
+                <a:extLst>
+                  <a:ext uri="{FF2B5EF4-FFF2-40B4-BE49-F238E27FC236}">
+                    <a16:creationId xmlns:a16="http://schemas.microsoft.com/office/drawing/2014/main" id="{E26787EE-5E6E-4616-115F-5C189E6BFE09}"/>
+                  </a:ext>
+                </a:extLst>
+              </p:cNvPr>
+              <p:cNvSpPr/>
+              <p:nvPr/>
+            </p:nvSpPr>
+            <p:spPr>
+              <a:xfrm>
+                <a:off x="8034618" y="3327675"/>
+                <a:ext cx="144000" cy="144000"/>
+              </a:xfrm>
+              <a:prstGeom prst="ellipse">
+                <a:avLst/>
+              </a:prstGeom>
+              <a:ln>
+                <a:noFill/>
+              </a:ln>
+            </p:spPr>
+            <p:style>
+              <a:lnRef idx="2">
+                <a:schemeClr val="accent1"/>
+              </a:lnRef>
+              <a:fillRef idx="1">
+                <a:schemeClr val="lt1"/>
+              </a:fillRef>
+              <a:effectRef idx="0">
+                <a:schemeClr val="accent1"/>
+              </a:effectRef>
+              <a:fontRef idx="minor">
+                <a:schemeClr val="dk1"/>
+              </a:fontRef>
+            </p:style>
+            <p:txBody>
+              <a:bodyPr rtlCol="0" anchor="ctr"/>
+              <a:lstStyle/>
+              <a:p>
+                <a:pPr algn="ctr"/>
+                <a:endParaRPr lang="fr-FR" dirty="0"/>
+              </a:p>
+            </p:txBody>
+          </p:sp>
+        </p:grpSp>
+        <p:grpSp>
+          <p:nvGrpSpPr>
+            <p:cNvPr id="33" name="Groupe 32">
+              <a:extLst>
+                <a:ext uri="{FF2B5EF4-FFF2-40B4-BE49-F238E27FC236}">
+                  <a16:creationId xmlns:a16="http://schemas.microsoft.com/office/drawing/2014/main" id="{082FE57B-FFE5-ECBC-A790-B113474C61A5}"/>
+                </a:ext>
+              </a:extLst>
+            </p:cNvPr>
+            <p:cNvGrpSpPr/>
+            <p:nvPr/>
+          </p:nvGrpSpPr>
+          <p:grpSpPr>
+            <a:xfrm flipH="1">
+              <a:off x="9694284" y="2745896"/>
+              <a:ext cx="1206000" cy="1080000"/>
+              <a:chOff x="2285508" y="2252130"/>
+              <a:chExt cx="1206000" cy="1080000"/>
+            </a:xfrm>
+          </p:grpSpPr>
+          <p:sp>
+            <p:nvSpPr>
+              <p:cNvPr id="6" name="Ellipse 5">
+                <a:extLst>
+                  <a:ext uri="{FF2B5EF4-FFF2-40B4-BE49-F238E27FC236}">
+                    <a16:creationId xmlns:a16="http://schemas.microsoft.com/office/drawing/2014/main" id="{13B4B8FE-BFDA-97B1-FE1D-4074871250BB}"/>
+                  </a:ext>
+                </a:extLst>
+              </p:cNvPr>
+              <p:cNvSpPr/>
+              <p:nvPr/>
+            </p:nvSpPr>
+            <p:spPr>
+              <a:xfrm>
+                <a:off x="2285508" y="2252130"/>
+                <a:ext cx="1080000" cy="1080000"/>
+              </a:xfrm>
+              <a:prstGeom prst="ellipse">
+                <a:avLst/>
+              </a:prstGeom>
+              <a:ln>
+                <a:noFill/>
+              </a:ln>
+            </p:spPr>
+            <p:style>
+              <a:lnRef idx="2">
+                <a:schemeClr val="accent2">
+                  <a:shade val="15000"/>
+                </a:schemeClr>
+              </a:lnRef>
+              <a:fillRef idx="1">
+                <a:schemeClr val="accent2"/>
+              </a:fillRef>
+              <a:effectRef idx="0">
+                <a:schemeClr val="accent2"/>
+              </a:effectRef>
+              <a:fontRef idx="minor">
+                <a:schemeClr val="lt1"/>
+              </a:fontRef>
+            </p:style>
+            <p:txBody>
+              <a:bodyPr rtlCol="0" anchor="ctr"/>
+              <a:lstStyle/>
+              <a:p>
+                <a:pPr algn="ctr"/>
+                <a:endParaRPr lang="fr-FR" dirty="0"/>
+              </a:p>
+            </p:txBody>
+          </p:sp>
+          <p:grpSp>
+            <p:nvGrpSpPr>
+              <p:cNvPr id="13" name="Groupe 12">
+                <a:extLst>
+                  <a:ext uri="{FF2B5EF4-FFF2-40B4-BE49-F238E27FC236}">
+                    <a16:creationId xmlns:a16="http://schemas.microsoft.com/office/drawing/2014/main" id="{FEA6BFE1-58F8-4820-DBAB-28F2367354D7}"/>
+                  </a:ext>
+                </a:extLst>
+              </p:cNvPr>
+              <p:cNvGrpSpPr/>
+              <p:nvPr/>
+            </p:nvGrpSpPr>
+            <p:grpSpPr>
+              <a:xfrm>
+                <a:off x="3239508" y="2666130"/>
+                <a:ext cx="252000" cy="252000"/>
+                <a:chOff x="7980618" y="3273675"/>
+                <a:chExt cx="252000" cy="252000"/>
+              </a:xfrm>
+            </p:grpSpPr>
+            <p:sp>
+              <p:nvSpPr>
+                <p:cNvPr id="7" name="Ellipse 6">
+                  <a:extLst>
+                    <a:ext uri="{FF2B5EF4-FFF2-40B4-BE49-F238E27FC236}">
+                      <a16:creationId xmlns:a16="http://schemas.microsoft.com/office/drawing/2014/main" id="{0FCC0CDE-2E90-3C30-CA01-BD683632AF73}"/>
+                    </a:ext>
+                  </a:extLst>
+                </p:cNvPr>
+                <p:cNvSpPr/>
+                <p:nvPr/>
+              </p:nvSpPr>
+              <p:spPr>
+                <a:xfrm>
+                  <a:off x="7980618" y="3273675"/>
+                  <a:ext cx="252000" cy="252000"/>
+                </a:xfrm>
+                <a:prstGeom prst="ellipse">
+                  <a:avLst/>
+                </a:prstGeom>
+                <a:ln>
+                  <a:solidFill>
+                    <a:schemeClr val="bg2"/>
+                  </a:solidFill>
+                </a:ln>
+              </p:spPr>
+              <p:style>
+                <a:lnRef idx="2">
+                  <a:schemeClr val="accent1">
+                    <a:shade val="15000"/>
+                  </a:schemeClr>
+                </a:lnRef>
+                <a:fillRef idx="1">
+                  <a:schemeClr val="accent1"/>
+                </a:fillRef>
+                <a:effectRef idx="0">
+                  <a:schemeClr val="accent1"/>
+                </a:effectRef>
+                <a:fontRef idx="minor">
+                  <a:schemeClr val="lt1"/>
+                </a:fontRef>
+              </p:style>
+              <p:txBody>
+                <a:bodyPr rtlCol="0" anchor="ctr"/>
+                <a:lstStyle/>
+                <a:p>
+                  <a:pPr algn="ctr"/>
+                  <a:endParaRPr lang="fr-FR" dirty="0"/>
+                </a:p>
+              </p:txBody>
+            </p:sp>
+            <p:sp>
+              <p:nvSpPr>
+                <p:cNvPr id="8" name="Ellipse 7">
+                  <a:extLst>
+                    <a:ext uri="{FF2B5EF4-FFF2-40B4-BE49-F238E27FC236}">
+                      <a16:creationId xmlns:a16="http://schemas.microsoft.com/office/drawing/2014/main" id="{45A5D802-067F-0E97-7930-91CCC97B498A}"/>
+                    </a:ext>
+                  </a:extLst>
+                </p:cNvPr>
+                <p:cNvSpPr/>
+                <p:nvPr/>
+              </p:nvSpPr>
+              <p:spPr>
+                <a:xfrm>
+                  <a:off x="8034618" y="3327675"/>
+                  <a:ext cx="144000" cy="144000"/>
+                </a:xfrm>
+                <a:prstGeom prst="ellipse">
+                  <a:avLst/>
+                </a:prstGeom>
+                <a:ln>
+                  <a:noFill/>
+                </a:ln>
+              </p:spPr>
+              <p:style>
+                <a:lnRef idx="2">
+                  <a:schemeClr val="accent1"/>
+                </a:lnRef>
+                <a:fillRef idx="1">
+                  <a:schemeClr val="lt1"/>
+                </a:fillRef>
+                <a:effectRef idx="0">
+                  <a:schemeClr val="accent1"/>
+                </a:effectRef>
+                <a:fontRef idx="minor">
+                  <a:schemeClr val="dk1"/>
+                </a:fontRef>
+              </p:style>
+              <p:txBody>
+                <a:bodyPr rtlCol="0" anchor="ctr"/>
+                <a:lstStyle/>
+                <a:p>
+                  <a:pPr algn="ctr"/>
+                  <a:endParaRPr lang="fr-FR" dirty="0"/>
+                </a:p>
+              </p:txBody>
+            </p:sp>
+          </p:grpSp>
+        </p:grpSp>
+        <p:grpSp>
+          <p:nvGrpSpPr>
+            <p:cNvPr id="35" name="Groupe 34">
+              <a:extLst>
+                <a:ext uri="{FF2B5EF4-FFF2-40B4-BE49-F238E27FC236}">
+                  <a16:creationId xmlns:a16="http://schemas.microsoft.com/office/drawing/2014/main" id="{4025191D-555B-5BBF-33B9-764676956915}"/>
+                </a:ext>
+              </a:extLst>
+            </p:cNvPr>
+            <p:cNvGrpSpPr/>
+            <p:nvPr/>
+          </p:nvGrpSpPr>
+          <p:grpSpPr>
+            <a:xfrm flipH="1">
+              <a:off x="1182792" y="2760182"/>
+              <a:ext cx="1206000" cy="1080000"/>
+              <a:chOff x="6207618" y="2265872"/>
+              <a:chExt cx="1206000" cy="1080000"/>
+            </a:xfrm>
+          </p:grpSpPr>
+          <p:sp>
+            <p:nvSpPr>
+              <p:cNvPr id="5" name="Ellipse 4">
+                <a:extLst>
+                  <a:ext uri="{FF2B5EF4-FFF2-40B4-BE49-F238E27FC236}">
+                    <a16:creationId xmlns:a16="http://schemas.microsoft.com/office/drawing/2014/main" id="{3D5EBBA8-4D53-2DB9-89FE-086C23A031A9}"/>
+                  </a:ext>
+                </a:extLst>
+              </p:cNvPr>
+              <p:cNvSpPr/>
+              <p:nvPr/>
+            </p:nvSpPr>
+            <p:spPr>
+              <a:xfrm>
+                <a:off x="6333618" y="2265872"/>
+                <a:ext cx="1080000" cy="1080000"/>
+              </a:xfrm>
+              <a:prstGeom prst="ellipse">
+                <a:avLst/>
+              </a:prstGeom>
+              <a:solidFill>
+                <a:schemeClr val="accent1">
+                  <a:lumMod val="40000"/>
+                  <a:lumOff val="60000"/>
+                </a:schemeClr>
+              </a:solidFill>
+              <a:ln>
+                <a:noFill/>
+              </a:ln>
+            </p:spPr>
+            <p:style>
+              <a:lnRef idx="2">
+                <a:schemeClr val="accent1">
+                  <a:shade val="15000"/>
+                </a:schemeClr>
+              </a:lnRef>
+              <a:fillRef idx="1">
+                <a:schemeClr val="accent1"/>
+              </a:fillRef>
+              <a:effectRef idx="0">
+                <a:schemeClr val="accent1"/>
+              </a:effectRef>
+              <a:fontRef idx="minor">
+                <a:schemeClr val="lt1"/>
+              </a:fontRef>
+            </p:style>
+            <p:txBody>
+              <a:bodyPr rtlCol="0" anchor="ctr"/>
+              <a:lstStyle/>
+              <a:p>
+                <a:pPr algn="ctr"/>
+                <a:endParaRPr lang="fr-FR" dirty="0"/>
+              </a:p>
+            </p:txBody>
+          </p:sp>
+          <p:grpSp>
+            <p:nvGrpSpPr>
+              <p:cNvPr id="14" name="Groupe 13">
+                <a:extLst>
+                  <a:ext uri="{FF2B5EF4-FFF2-40B4-BE49-F238E27FC236}">
+                    <a16:creationId xmlns:a16="http://schemas.microsoft.com/office/drawing/2014/main" id="{88428980-BF8D-515F-8DA1-AA06B1CE4AD6}"/>
+                  </a:ext>
+                </a:extLst>
+              </p:cNvPr>
+              <p:cNvGrpSpPr/>
+              <p:nvPr/>
+            </p:nvGrpSpPr>
+            <p:grpSpPr>
+              <a:xfrm>
+                <a:off x="6207618" y="2666130"/>
+                <a:ext cx="252000" cy="252000"/>
+                <a:chOff x="7980618" y="3273675"/>
+                <a:chExt cx="252000" cy="252000"/>
+              </a:xfrm>
+            </p:grpSpPr>
+            <p:sp>
+              <p:nvSpPr>
+                <p:cNvPr id="15" name="Ellipse 14">
+                  <a:extLst>
+                    <a:ext uri="{FF2B5EF4-FFF2-40B4-BE49-F238E27FC236}">
+                      <a16:creationId xmlns:a16="http://schemas.microsoft.com/office/drawing/2014/main" id="{232E8FDA-A7E6-8027-732E-7F17FB621964}"/>
+                    </a:ext>
+                  </a:extLst>
+                </p:cNvPr>
+                <p:cNvSpPr/>
+                <p:nvPr/>
+              </p:nvSpPr>
+              <p:spPr>
+                <a:xfrm>
+                  <a:off x="7980618" y="3273675"/>
+                  <a:ext cx="252000" cy="252000"/>
+                </a:xfrm>
+                <a:prstGeom prst="ellipse">
+                  <a:avLst/>
+                </a:prstGeom>
+                <a:solidFill>
+                  <a:schemeClr val="accent2"/>
+                </a:solidFill>
+                <a:ln>
+                  <a:solidFill>
+                    <a:schemeClr val="bg2"/>
+                  </a:solidFill>
+                </a:ln>
+              </p:spPr>
+              <p:style>
+                <a:lnRef idx="2">
+                  <a:schemeClr val="accent1">
+                    <a:shade val="15000"/>
+                  </a:schemeClr>
+                </a:lnRef>
+                <a:fillRef idx="1">
+                  <a:schemeClr val="accent1"/>
+                </a:fillRef>
+                <a:effectRef idx="0">
+                  <a:schemeClr val="accent1"/>
+                </a:effectRef>
+                <a:fontRef idx="minor">
+                  <a:schemeClr val="lt1"/>
+                </a:fontRef>
+              </p:style>
+              <p:txBody>
+                <a:bodyPr rtlCol="0" anchor="ctr"/>
+                <a:lstStyle/>
+                <a:p>
+                  <a:pPr algn="ctr"/>
+                  <a:endParaRPr lang="fr-FR" dirty="0"/>
+                </a:p>
+              </p:txBody>
+            </p:sp>
+            <p:sp>
+              <p:nvSpPr>
+                <p:cNvPr id="16" name="Ellipse 15">
+                  <a:extLst>
+                    <a:ext uri="{FF2B5EF4-FFF2-40B4-BE49-F238E27FC236}">
+                      <a16:creationId xmlns:a16="http://schemas.microsoft.com/office/drawing/2014/main" id="{D25F5FA9-47E0-684B-0A46-9C26B3024CE4}"/>
+                    </a:ext>
+                  </a:extLst>
+                </p:cNvPr>
+                <p:cNvSpPr/>
+                <p:nvPr/>
+              </p:nvSpPr>
+              <p:spPr>
+                <a:xfrm>
+                  <a:off x="8034618" y="3327675"/>
+                  <a:ext cx="144000" cy="144000"/>
+                </a:xfrm>
+                <a:prstGeom prst="ellipse">
+                  <a:avLst/>
+                </a:prstGeom>
+                <a:ln>
+                  <a:noFill/>
+                </a:ln>
+              </p:spPr>
+              <p:style>
+                <a:lnRef idx="2">
+                  <a:schemeClr val="accent1"/>
+                </a:lnRef>
+                <a:fillRef idx="1">
+                  <a:schemeClr val="lt1"/>
+                </a:fillRef>
+                <a:effectRef idx="0">
+                  <a:schemeClr val="accent1"/>
+                </a:effectRef>
+                <a:fontRef idx="minor">
+                  <a:schemeClr val="dk1"/>
+                </a:fontRef>
+              </p:style>
+              <p:txBody>
+                <a:bodyPr rtlCol="0" anchor="ctr"/>
+                <a:lstStyle/>
+                <a:p>
+                  <a:pPr algn="ctr"/>
+                  <a:endParaRPr lang="fr-FR" dirty="0"/>
+                </a:p>
+              </p:txBody>
+            </p:sp>
+          </p:grpSp>
+        </p:grpSp>
+        <p:cxnSp>
+          <p:nvCxnSpPr>
+            <p:cNvPr id="18" name="Connecteur droit 17">
+              <a:extLst>
+                <a:ext uri="{FF2B5EF4-FFF2-40B4-BE49-F238E27FC236}">
+                  <a16:creationId xmlns:a16="http://schemas.microsoft.com/office/drawing/2014/main" id="{BE8A6E7B-A43F-8031-647D-B6E292D41452}"/>
+                </a:ext>
+              </a:extLst>
+            </p:cNvPr>
+            <p:cNvCxnSpPr>
+              <a:cxnSpLocks/>
+            </p:cNvCxnSpPr>
+            <p:nvPr/>
+          </p:nvCxnSpPr>
+          <p:spPr>
+            <a:xfrm>
+              <a:off x="6058209" y="1487712"/>
+              <a:ext cx="0" cy="1800000"/>
+            </a:xfrm>
+            <a:prstGeom prst="line">
+              <a:avLst/>
+            </a:prstGeom>
+            <a:ln/>
+          </p:spPr>
+          <p:style>
+            <a:lnRef idx="3">
+              <a:schemeClr val="dk1"/>
+            </a:lnRef>
+            <a:fillRef idx="0">
+              <a:schemeClr val="dk1"/>
+            </a:fillRef>
+            <a:effectRef idx="2">
+              <a:schemeClr val="dk1"/>
+            </a:effectRef>
+            <a:fontRef idx="minor">
+              <a:schemeClr val="tx1"/>
+            </a:fontRef>
+          </p:style>
+        </p:cxnSp>
+        <p:cxnSp>
+          <p:nvCxnSpPr>
+            <p:cNvPr id="37" name="Connecteur droit avec flèche 36">
+              <a:extLst>
+                <a:ext uri="{FF2B5EF4-FFF2-40B4-BE49-F238E27FC236}">
+                  <a16:creationId xmlns:a16="http://schemas.microsoft.com/office/drawing/2014/main" id="{528847AF-C779-79D7-4D1D-0A042F2F581D}"/>
+                </a:ext>
+              </a:extLst>
+            </p:cNvPr>
+            <p:cNvCxnSpPr>
+              <a:cxnSpLocks/>
+              <a:stCxn id="16" idx="2"/>
+              <a:endCxn id="25" idx="2"/>
+            </p:cNvCxnSpPr>
+            <p:nvPr/>
+          </p:nvCxnSpPr>
+          <p:spPr>
+            <a:xfrm flipV="1">
+              <a:off x="2334792" y="3285896"/>
+              <a:ext cx="1123691" cy="544"/>
+            </a:xfrm>
+            <a:prstGeom prst="straightConnector1">
+              <a:avLst/>
+            </a:prstGeom>
+            <a:ln>
+              <a:tailEnd type="triangle"/>
+            </a:ln>
+          </p:spPr>
+          <p:style>
+            <a:lnRef idx="2">
+              <a:schemeClr val="accent1"/>
+            </a:lnRef>
+            <a:fillRef idx="0">
+              <a:schemeClr val="accent1"/>
+            </a:fillRef>
+            <a:effectRef idx="1">
+              <a:schemeClr val="accent1"/>
+            </a:effectRef>
+            <a:fontRef idx="minor">
+              <a:schemeClr val="tx1"/>
+            </a:fontRef>
+          </p:style>
+        </p:cxnSp>
+        <p:cxnSp>
+          <p:nvCxnSpPr>
+            <p:cNvPr id="40" name="Connecteur droit avec flèche 39">
+              <a:extLst>
+                <a:ext uri="{FF2B5EF4-FFF2-40B4-BE49-F238E27FC236}">
+                  <a16:creationId xmlns:a16="http://schemas.microsoft.com/office/drawing/2014/main" id="{1E4035DA-A675-5947-0307-D79CF07587A7}"/>
+                </a:ext>
+              </a:extLst>
+            </p:cNvPr>
+            <p:cNvCxnSpPr>
+              <a:cxnSpLocks/>
+              <a:stCxn id="28" idx="6"/>
+              <a:endCxn id="8" idx="6"/>
+            </p:cNvCxnSpPr>
+            <p:nvPr/>
+          </p:nvCxnSpPr>
+          <p:spPr>
+            <a:xfrm>
+              <a:off x="8646431" y="3285896"/>
+              <a:ext cx="1101853" cy="0"/>
+            </a:xfrm>
+            <a:prstGeom prst="straightConnector1">
+              <a:avLst/>
+            </a:prstGeom>
+            <a:ln>
+              <a:tailEnd type="triangle"/>
+            </a:ln>
+          </p:spPr>
+          <p:style>
+            <a:lnRef idx="2">
+              <a:schemeClr val="accent1"/>
+            </a:lnRef>
+            <a:fillRef idx="0">
+              <a:schemeClr val="accent1"/>
+            </a:fillRef>
+            <a:effectRef idx="1">
+              <a:schemeClr val="accent1"/>
+            </a:effectRef>
+            <a:fontRef idx="minor">
+              <a:schemeClr val="tx1"/>
+            </a:fontRef>
+          </p:style>
+        </p:cxnSp>
+        <p:sp>
+          <p:nvSpPr>
+            <p:cNvPr id="48" name="Rectangle 1">
+              <a:extLst>
+                <a:ext uri="{FF2B5EF4-FFF2-40B4-BE49-F238E27FC236}">
+                  <a16:creationId xmlns:a16="http://schemas.microsoft.com/office/drawing/2014/main" id="{67AA9DD5-1A7B-46F5-17A8-29CA6EA39813}"/>
+                </a:ext>
+              </a:extLst>
+            </p:cNvPr>
+            <p:cNvSpPr>
+              <a:spLocks noChangeArrowheads="1"/>
+            </p:cNvSpPr>
+            <p:nvPr/>
+          </p:nvSpPr>
+          <p:spPr bwMode="auto">
+            <a:xfrm>
+              <a:off x="982795" y="2953992"/>
+              <a:ext cx="1319623" cy="1249573"/>
+            </a:xfrm>
+            <a:prstGeom prst="rect">
+              <a:avLst/>
+            </a:prstGeom>
+            <a:noFill/>
+            <a:ln>
+              <a:noFill/>
+            </a:ln>
+            <a:effectLst/>
+            <a:extLst>
+              <a:ext uri="{909E8E84-426E-40DD-AFC4-6F175D3DCCD1}">
+                <a14:hiddenFill xmlns:a14="http://schemas.microsoft.com/office/drawing/2010/main">
+                  <a:solidFill>
+                    <a:schemeClr val="accent1"/>
+                  </a:solidFill>
+                </a14:hiddenFill>
+              </a:ext>
+              <a:ext uri="{91240B29-F687-4F45-9708-019B960494DF}">
+                <a14:hiddenLine xmlns:a14="http://schemas.microsoft.com/office/drawing/2010/main" w="9525">
+                  <a:solidFill>
+                    <a:schemeClr val="tx1"/>
+                  </a:solidFill>
+                  <a:miter lim="800000"/>
+                  <a:headEnd/>
+                  <a:tailEnd/>
+                </a14:hiddenLine>
+              </a:ext>
+              <a:ext uri="{AF507438-7753-43E0-B8FC-AC1667EBCBE1}">
+                <a14:hiddenEffects xmlns:a14="http://schemas.microsoft.com/office/drawing/2010/main">
+                  <a:effectLst>
+                    <a:outerShdw dist="35921" dir="2700000" algn="ctr" rotWithShape="0">
+                      <a:schemeClr val="bg2"/>
+                    </a:outerShdw>
+                  </a:effectLst>
+                </a14:hiddenEffects>
+              </a:ext>
+            </a:extLst>
+          </p:spPr>
+          <p:txBody>
+            <a:bodyPr vert="horz" wrap="square" lIns="91440" tIns="45720" rIns="91440" bIns="45720" numCol="1" anchor="ctr" anchorCtr="0" compatLnSpc="1">
+              <a:prstTxWarp prst="textNoShape">
+                <a:avLst/>
+              </a:prstTxWarp>
+              <a:spAutoFit/>
+            </a:bodyPr>
+            <a:lstStyle>
+              <a:lvl1pPr eaLnBrk="0" fontAlgn="base" hangingPunct="0">
+                <a:spcBef>
+                  <a:spcPct val="30000"/>
+                </a:spcBef>
+                <a:spcAft>
+                  <a:spcPct val="0"/>
+                </a:spcAft>
+                <a:defRPr sz="1200">
+                  <a:solidFill>
+                    <a:schemeClr val="tx1"/>
+                  </a:solidFill>
+                  <a:latin typeface="Arial" panose="020B0604020202020204" pitchFamily="34" charset="0"/>
+                </a:defRPr>
+              </a:lvl1pPr>
+              <a:lvl2pPr eaLnBrk="0" fontAlgn="base" hangingPunct="0">
+                <a:spcBef>
+                  <a:spcPct val="30000"/>
+                </a:spcBef>
+                <a:spcAft>
+                  <a:spcPct val="0"/>
+                </a:spcAft>
+                <a:defRPr sz="1200">
+                  <a:solidFill>
+                    <a:schemeClr val="tx1"/>
+                  </a:solidFill>
+                  <a:latin typeface="Arial" panose="020B0604020202020204" pitchFamily="34" charset="0"/>
+                </a:defRPr>
+              </a:lvl2pPr>
+              <a:lvl3pPr eaLnBrk="0" fontAlgn="base" hangingPunct="0">
+                <a:spcBef>
+                  <a:spcPct val="30000"/>
+                </a:spcBef>
+                <a:spcAft>
+                  <a:spcPct val="0"/>
+                </a:spcAft>
+                <a:defRPr sz="1200">
+                  <a:solidFill>
+                    <a:schemeClr val="tx1"/>
+                  </a:solidFill>
+                  <a:latin typeface="Arial" panose="020B0604020202020204" pitchFamily="34" charset="0"/>
+                </a:defRPr>
+              </a:lvl3pPr>
+              <a:lvl4pPr eaLnBrk="0" fontAlgn="base" hangingPunct="0">
+                <a:spcBef>
+                  <a:spcPct val="30000"/>
+                </a:spcBef>
+                <a:spcAft>
+                  <a:spcPct val="0"/>
+                </a:spcAft>
+                <a:defRPr sz="1200">
+                  <a:solidFill>
+                    <a:schemeClr val="tx1"/>
+                  </a:solidFill>
+                  <a:latin typeface="Arial" panose="020B0604020202020204" pitchFamily="34" charset="0"/>
+                </a:defRPr>
+              </a:lvl4pPr>
+              <a:lvl5pPr eaLnBrk="0" fontAlgn="base" hangingPunct="0">
+                <a:spcBef>
+                  <a:spcPct val="30000"/>
+                </a:spcBef>
+                <a:spcAft>
+                  <a:spcPct val="0"/>
+                </a:spcAft>
+                <a:defRPr sz="1200">
+                  <a:solidFill>
+                    <a:schemeClr val="tx1"/>
+                  </a:solidFill>
+                  <a:latin typeface="Arial" panose="020B0604020202020204" pitchFamily="34" charset="0"/>
+                </a:defRPr>
+              </a:lvl5pPr>
+              <a:lvl6pPr eaLnBrk="0" fontAlgn="base" hangingPunct="0">
+                <a:spcBef>
+                  <a:spcPct val="30000"/>
+                </a:spcBef>
+                <a:spcAft>
+                  <a:spcPct val="0"/>
+                </a:spcAft>
+                <a:defRPr sz="1200">
+                  <a:solidFill>
+                    <a:schemeClr val="tx1"/>
+                  </a:solidFill>
+                  <a:latin typeface="Arial" panose="020B0604020202020204" pitchFamily="34" charset="0"/>
+                </a:defRPr>
+              </a:lvl6pPr>
+              <a:lvl7pPr eaLnBrk="0" fontAlgn="base" hangingPunct="0">
+                <a:spcBef>
+                  <a:spcPct val="30000"/>
+                </a:spcBef>
+                <a:spcAft>
+                  <a:spcPct val="0"/>
+                </a:spcAft>
+                <a:defRPr sz="1200">
+                  <a:solidFill>
+                    <a:schemeClr val="tx1"/>
+                  </a:solidFill>
+                  <a:latin typeface="Arial" panose="020B0604020202020204" pitchFamily="34" charset="0"/>
+                </a:defRPr>
+              </a:lvl7pPr>
+              <a:lvl8pPr eaLnBrk="0" fontAlgn="base" hangingPunct="0">
+                <a:spcBef>
+                  <a:spcPct val="30000"/>
+                </a:spcBef>
+                <a:spcAft>
+                  <a:spcPct val="0"/>
+                </a:spcAft>
+                <a:defRPr sz="1200">
+                  <a:solidFill>
+                    <a:schemeClr val="tx1"/>
+                  </a:solidFill>
+                  <a:latin typeface="Arial" panose="020B0604020202020204" pitchFamily="34" charset="0"/>
+                </a:defRPr>
+              </a:lvl8pPr>
+              <a:lvl9pPr eaLnBrk="0" fontAlgn="base" hangingPunct="0">
+                <a:spcBef>
+                  <a:spcPct val="30000"/>
+                </a:spcBef>
+                <a:spcAft>
+                  <a:spcPct val="0"/>
+                </a:spcAft>
+                <a:defRPr sz="1200">
+                  <a:solidFill>
+                    <a:schemeClr val="tx1"/>
+                  </a:solidFill>
+                  <a:latin typeface="Arial" panose="020B0604020202020204" pitchFamily="34" charset="0"/>
+                </a:defRPr>
+              </a:lvl9pPr>
+            </a:lstStyle>
+            <a:p>
+              <a:pPr marL="0" marR="0" lvl="0" indent="0" algn="l" defTabSz="914400" rtl="0" eaLnBrk="0" fontAlgn="base" latinLnBrk="0" hangingPunct="0">
+                <a:lnSpc>
+                  <a:spcPct val="100000"/>
+                </a:lnSpc>
+                <a:spcBef>
+                  <a:spcPct val="30000"/>
+                </a:spcBef>
+                <a:spcAft>
+                  <a:spcPct val="0"/>
+                </a:spcAft>
+                <a:buClrTx/>
+                <a:buSzTx/>
+                <a:buFontTx/>
+                <a:buNone/>
+                <a:tabLst/>
+              </a:pPr>
+              <a:r>
+                <a:rPr kumimoji="0" lang="fr-FR" altLang="fr-FR" sz="1200" b="0" i="0" u="none" strike="noStrike" cap="none" normalizeH="0" baseline="0" dirty="0" err="1">
+                  <a:ln>
+                    <a:noFill/>
+                  </a:ln>
+                  <a:solidFill>
+                    <a:schemeClr val="tx1"/>
+                  </a:solidFill>
+                  <a:effectLst/>
+                  <a:latin typeface="Arial" panose="020B0604020202020204" pitchFamily="34" charset="0"/>
+                </a:rPr>
+                <a:t>Source</a:t>
+              </a:r>
+              <a:r>
+                <a:rPr kumimoji="0" lang="fr-FR" altLang="fr-FR" sz="1800" b="0" i="0" u="none" strike="noStrike" cap="none" normalizeH="0" baseline="0" dirty="0" err="1">
+                  <a:ln>
+                    <a:noFill/>
+                  </a:ln>
+                  <a:solidFill>
+                    <a:schemeClr val="tx1"/>
+                  </a:solidFill>
+                  <a:effectLst/>
+                  <a:latin typeface="Arial" panose="020B0604020202020204" pitchFamily="34" charset="0"/>
+                </a:rPr>
+                <a:t>.</a:t>
+              </a:r>
+              <a:r>
+                <a:rPr kumimoji="0" lang="fr-FR" altLang="fr-FR" sz="1200" b="0" i="0" u="none" strike="noStrike" cap="none" normalizeH="0" baseline="0" dirty="0" err="1">
+                  <a:ln>
+                    <a:noFill/>
+                  </a:ln>
+                  <a:solidFill>
+                    <a:schemeClr val="tx1"/>
+                  </a:solidFill>
+                  <a:effectLst/>
+                  <a:latin typeface="Arial" panose="020B0604020202020204" pitchFamily="34" charset="0"/>
+                </a:rPr>
+                <a:t>Object</a:t>
+              </a:r>
+              <a:r>
+                <a:rPr kumimoji="0" lang="fr-FR" altLang="fr-FR" sz="1000" b="0" i="0" u="none" strike="noStrike" cap="none" normalizeH="0" baseline="0" dirty="0">
+                  <a:ln>
+                    <a:noFill/>
+                  </a:ln>
+                  <a:solidFill>
+                    <a:schemeClr val="tx1"/>
+                  </a:solidFill>
+                  <a:effectLst/>
+                  <a:latin typeface="Arial Unicode MS"/>
+                </a:rPr>
+                <a:t>()</a:t>
+              </a:r>
+            </a:p>
+            <a:p>
+              <a:pPr marL="0" marR="0" lvl="0" indent="0" algn="l" defTabSz="914400" rtl="0" eaLnBrk="0" fontAlgn="base" latinLnBrk="0" hangingPunct="0">
+                <a:lnSpc>
+                  <a:spcPct val="100000"/>
+                </a:lnSpc>
+                <a:spcBef>
+                  <a:spcPct val="30000"/>
+                </a:spcBef>
+                <a:spcAft>
+                  <a:spcPct val="0"/>
+                </a:spcAft>
+                <a:buClrTx/>
+                <a:buSzTx/>
+                <a:buFontTx/>
+                <a:buNone/>
+                <a:tabLst/>
+              </a:pPr>
+              <a:r>
+                <a:rPr kumimoji="0" lang="fr-FR" altLang="fr-FR" sz="1100" b="0" i="0" u="none" strike="noStrike" cap="none" normalizeH="0" baseline="0" dirty="0" err="1">
+                  <a:ln>
+                    <a:noFill/>
+                  </a:ln>
+                  <a:solidFill>
+                    <a:schemeClr val="tx1"/>
+                  </a:solidFill>
+                  <a:effectLst/>
+                </a:rPr>
+                <a:t>fluid</a:t>
+              </a:r>
+              <a:r>
+                <a:rPr kumimoji="0" lang="fr-FR" altLang="fr-FR" sz="1100" b="0" i="0" u="none" strike="noStrike" cap="none" normalizeH="0" baseline="0" dirty="0">
+                  <a:ln>
+                    <a:noFill/>
+                  </a:ln>
+                  <a:solidFill>
+                    <a:schemeClr val="tx1"/>
+                  </a:solidFill>
+                  <a:effectLst/>
+                </a:rPr>
+                <a:t> = "water"</a:t>
+              </a:r>
+            </a:p>
+            <a:p>
+              <a:pPr marL="0" marR="0" lvl="0" indent="0" algn="l" defTabSz="914400" rtl="0" eaLnBrk="0" fontAlgn="base" latinLnBrk="0" hangingPunct="0">
+                <a:lnSpc>
+                  <a:spcPct val="100000"/>
+                </a:lnSpc>
+                <a:spcBef>
+                  <a:spcPct val="30000"/>
+                </a:spcBef>
+                <a:spcAft>
+                  <a:spcPct val="0"/>
+                </a:spcAft>
+                <a:buClrTx/>
+                <a:buSzTx/>
+                <a:buFontTx/>
+                <a:buNone/>
+                <a:tabLst/>
+              </a:pPr>
+              <a:r>
+                <a:rPr kumimoji="0" lang="fr-FR" altLang="fr-FR" sz="1100" b="0" i="0" u="none" strike="noStrike" cap="none" normalizeH="0" baseline="0" dirty="0" err="1">
+                  <a:ln>
+                    <a:noFill/>
+                  </a:ln>
+                  <a:solidFill>
+                    <a:schemeClr val="tx1"/>
+                  </a:solidFill>
+                  <a:effectLst/>
+                </a:rPr>
+                <a:t>Ti_degC</a:t>
+              </a:r>
+              <a:r>
+                <a:rPr kumimoji="0" lang="fr-FR" altLang="fr-FR" sz="1100" b="0" i="0" u="none" strike="noStrike" cap="none" normalizeH="0" baseline="0" dirty="0">
+                  <a:ln>
+                    <a:noFill/>
+                  </a:ln>
+                  <a:solidFill>
+                    <a:schemeClr val="tx1"/>
+                  </a:solidFill>
+                  <a:effectLst/>
+                </a:rPr>
+                <a:t> = 25</a:t>
+              </a:r>
+            </a:p>
+            <a:p>
+              <a:pPr marL="0" marR="0" lvl="0" indent="0" algn="l" defTabSz="914400" rtl="0" eaLnBrk="0" fontAlgn="base" latinLnBrk="0" hangingPunct="0">
+                <a:lnSpc>
+                  <a:spcPct val="100000"/>
+                </a:lnSpc>
+                <a:spcBef>
+                  <a:spcPct val="30000"/>
+                </a:spcBef>
+                <a:spcAft>
+                  <a:spcPct val="0"/>
+                </a:spcAft>
+                <a:buClrTx/>
+                <a:buSzTx/>
+                <a:buFontTx/>
+                <a:buNone/>
+                <a:tabLst/>
+              </a:pPr>
+              <a:r>
+                <a:rPr kumimoji="0" lang="fr-FR" altLang="fr-FR" sz="1100" b="0" i="0" u="none" strike="noStrike" cap="none" normalizeH="0" baseline="0" dirty="0" err="1">
+                  <a:ln>
+                    <a:noFill/>
+                  </a:ln>
+                  <a:solidFill>
+                    <a:schemeClr val="tx1"/>
+                  </a:solidFill>
+                  <a:effectLst/>
+                </a:rPr>
+                <a:t>Pi_bar</a:t>
+              </a:r>
+              <a:r>
+                <a:rPr kumimoji="0" lang="fr-FR" altLang="fr-FR" sz="1100" b="0" i="0" u="none" strike="noStrike" cap="none" normalizeH="0" baseline="0" dirty="0">
+                  <a:ln>
+                    <a:noFill/>
+                  </a:ln>
+                  <a:solidFill>
+                    <a:schemeClr val="tx1"/>
+                  </a:solidFill>
+                  <a:effectLst/>
+                </a:rPr>
+                <a:t> = 3</a:t>
+              </a:r>
+            </a:p>
+            <a:p>
+              <a:pPr marL="0" marR="0" lvl="0" indent="0" algn="l" defTabSz="914400" rtl="0" eaLnBrk="0" fontAlgn="base" latinLnBrk="0" hangingPunct="0">
+                <a:lnSpc>
+                  <a:spcPct val="100000"/>
+                </a:lnSpc>
+                <a:spcBef>
+                  <a:spcPct val="30000"/>
+                </a:spcBef>
+                <a:spcAft>
+                  <a:spcPct val="0"/>
+                </a:spcAft>
+                <a:buClrTx/>
+                <a:buSzTx/>
+                <a:buFontTx/>
+                <a:buNone/>
+                <a:tabLst/>
+              </a:pPr>
+              <a:r>
+                <a:rPr kumimoji="0" lang="fr-FR" altLang="fr-FR" sz="1100" b="0" i="0" u="none" strike="noStrike" cap="none" normalizeH="0" baseline="0" dirty="0">
+                  <a:ln>
+                    <a:noFill/>
+                  </a:ln>
+                  <a:solidFill>
+                    <a:schemeClr val="tx1"/>
+                  </a:solidFill>
+                  <a:effectLst/>
+                </a:rPr>
+                <a:t>F_m3h = </a:t>
+              </a:r>
+              <a:r>
+                <a:rPr lang="fr-FR" altLang="fr-FR" sz="1100" dirty="0"/>
+                <a:t>70</a:t>
+              </a:r>
+              <a:endParaRPr kumimoji="0" lang="fr-FR" altLang="fr-FR" sz="2000" b="0" i="0" u="none" strike="noStrike" cap="none" normalizeH="0" baseline="0" dirty="0">
+                <a:ln>
+                  <a:noFill/>
+                </a:ln>
+                <a:solidFill>
+                  <a:schemeClr val="tx1"/>
+                </a:solidFill>
+                <a:effectLst/>
+                <a:latin typeface="Arial" panose="020B0604020202020204" pitchFamily="34" charset="0"/>
+              </a:endParaRPr>
+            </a:p>
+          </p:txBody>
+        </p:sp>
+        <p:sp>
+          <p:nvSpPr>
+            <p:cNvPr id="49" name="Rectangle 2">
+              <a:extLst>
+                <a:ext uri="{FF2B5EF4-FFF2-40B4-BE49-F238E27FC236}">
+                  <a16:creationId xmlns:a16="http://schemas.microsoft.com/office/drawing/2014/main" id="{1D733092-D337-6EDC-BA8D-C725B5FFA69D}"/>
+                </a:ext>
+              </a:extLst>
+            </p:cNvPr>
+            <p:cNvSpPr>
+              <a:spLocks noChangeArrowheads="1"/>
+            </p:cNvSpPr>
+            <p:nvPr/>
+          </p:nvSpPr>
+          <p:spPr bwMode="auto">
+            <a:xfrm>
+              <a:off x="5307523" y="3580285"/>
+              <a:ext cx="2035697" cy="717119"/>
+            </a:xfrm>
+            <a:prstGeom prst="rect">
+              <a:avLst/>
+            </a:prstGeom>
+            <a:noFill/>
+            <a:ln>
+              <a:noFill/>
+            </a:ln>
+            <a:effectLst/>
+            <a:extLst>
+              <a:ext uri="{909E8E84-426E-40DD-AFC4-6F175D3DCCD1}">
+                <a14:hiddenFill xmlns:a14="http://schemas.microsoft.com/office/drawing/2010/main">
+                  <a:solidFill>
+                    <a:schemeClr val="accent1"/>
+                  </a:solidFill>
+                </a14:hiddenFill>
+              </a:ext>
+              <a:ext uri="{91240B29-F687-4F45-9708-019B960494DF}">
+                <a14:hiddenLine xmlns:a14="http://schemas.microsoft.com/office/drawing/2010/main" w="9525">
+                  <a:solidFill>
+                    <a:schemeClr val="tx1"/>
+                  </a:solidFill>
+                  <a:miter lim="800000"/>
+                  <a:headEnd/>
+                  <a:tailEnd/>
+                </a14:hiddenLine>
+              </a:ext>
+              <a:ext uri="{AF507438-7753-43E0-B8FC-AC1667EBCBE1}">
+                <a14:hiddenEffects xmlns:a14="http://schemas.microsoft.com/office/drawing/2010/main">
+                  <a:effectLst>
+                    <a:outerShdw dist="35921" dir="2700000" algn="ctr" rotWithShape="0">
+                      <a:schemeClr val="bg2"/>
+                    </a:outerShdw>
+                  </a:effectLst>
+                </a14:hiddenEffects>
+              </a:ext>
+            </a:extLst>
+          </p:spPr>
+          <p:txBody>
+            <a:bodyPr vert="horz" wrap="square" lIns="91440" tIns="45720" rIns="91440" bIns="45720" numCol="1" anchor="ctr" anchorCtr="0" compatLnSpc="1">
+              <a:prstTxWarp prst="textNoShape">
+                <a:avLst/>
+              </a:prstTxWarp>
+              <a:spAutoFit/>
+            </a:bodyPr>
+            <a:lstStyle>
+              <a:lvl1pPr eaLnBrk="0" fontAlgn="base" hangingPunct="0">
+                <a:spcBef>
+                  <a:spcPct val="30000"/>
+                </a:spcBef>
+                <a:spcAft>
+                  <a:spcPct val="0"/>
+                </a:spcAft>
+                <a:defRPr sz="1200">
+                  <a:solidFill>
+                    <a:schemeClr val="tx1"/>
+                  </a:solidFill>
+                  <a:latin typeface="Arial" panose="020B0604020202020204" pitchFamily="34" charset="0"/>
+                </a:defRPr>
+              </a:lvl1pPr>
+              <a:lvl2pPr eaLnBrk="0" fontAlgn="base" hangingPunct="0">
+                <a:spcBef>
+                  <a:spcPct val="30000"/>
+                </a:spcBef>
+                <a:spcAft>
+                  <a:spcPct val="0"/>
+                </a:spcAft>
+                <a:defRPr sz="1200">
+                  <a:solidFill>
+                    <a:schemeClr val="tx1"/>
+                  </a:solidFill>
+                  <a:latin typeface="Arial" panose="020B0604020202020204" pitchFamily="34" charset="0"/>
+                </a:defRPr>
+              </a:lvl2pPr>
+              <a:lvl3pPr eaLnBrk="0" fontAlgn="base" hangingPunct="0">
+                <a:spcBef>
+                  <a:spcPct val="30000"/>
+                </a:spcBef>
+                <a:spcAft>
+                  <a:spcPct val="0"/>
+                </a:spcAft>
+                <a:defRPr sz="1200">
+                  <a:solidFill>
+                    <a:schemeClr val="tx1"/>
+                  </a:solidFill>
+                  <a:latin typeface="Arial" panose="020B0604020202020204" pitchFamily="34" charset="0"/>
+                </a:defRPr>
+              </a:lvl3pPr>
+              <a:lvl4pPr eaLnBrk="0" fontAlgn="base" hangingPunct="0">
+                <a:spcBef>
+                  <a:spcPct val="30000"/>
+                </a:spcBef>
+                <a:spcAft>
+                  <a:spcPct val="0"/>
+                </a:spcAft>
+                <a:defRPr sz="1200">
+                  <a:solidFill>
+                    <a:schemeClr val="tx1"/>
+                  </a:solidFill>
+                  <a:latin typeface="Arial" panose="020B0604020202020204" pitchFamily="34" charset="0"/>
+                </a:defRPr>
+              </a:lvl4pPr>
+              <a:lvl5pPr eaLnBrk="0" fontAlgn="base" hangingPunct="0">
+                <a:spcBef>
+                  <a:spcPct val="30000"/>
+                </a:spcBef>
+                <a:spcAft>
+                  <a:spcPct val="0"/>
+                </a:spcAft>
+                <a:defRPr sz="1200">
+                  <a:solidFill>
+                    <a:schemeClr val="tx1"/>
+                  </a:solidFill>
+                  <a:latin typeface="Arial" panose="020B0604020202020204" pitchFamily="34" charset="0"/>
+                </a:defRPr>
+              </a:lvl5pPr>
+              <a:lvl6pPr eaLnBrk="0" fontAlgn="base" hangingPunct="0">
+                <a:spcBef>
+                  <a:spcPct val="30000"/>
+                </a:spcBef>
+                <a:spcAft>
+                  <a:spcPct val="0"/>
+                </a:spcAft>
+                <a:defRPr sz="1200">
+                  <a:solidFill>
+                    <a:schemeClr val="tx1"/>
+                  </a:solidFill>
+                  <a:latin typeface="Arial" panose="020B0604020202020204" pitchFamily="34" charset="0"/>
+                </a:defRPr>
+              </a:lvl6pPr>
+              <a:lvl7pPr eaLnBrk="0" fontAlgn="base" hangingPunct="0">
+                <a:spcBef>
+                  <a:spcPct val="30000"/>
+                </a:spcBef>
+                <a:spcAft>
+                  <a:spcPct val="0"/>
+                </a:spcAft>
+                <a:defRPr sz="1200">
+                  <a:solidFill>
+                    <a:schemeClr val="tx1"/>
+                  </a:solidFill>
+                  <a:latin typeface="Arial" panose="020B0604020202020204" pitchFamily="34" charset="0"/>
+                </a:defRPr>
+              </a:lvl7pPr>
+              <a:lvl8pPr eaLnBrk="0" fontAlgn="base" hangingPunct="0">
+                <a:spcBef>
+                  <a:spcPct val="30000"/>
+                </a:spcBef>
+                <a:spcAft>
+                  <a:spcPct val="0"/>
+                </a:spcAft>
+                <a:defRPr sz="1200">
+                  <a:solidFill>
+                    <a:schemeClr val="tx1"/>
+                  </a:solidFill>
+                  <a:latin typeface="Arial" panose="020B0604020202020204" pitchFamily="34" charset="0"/>
+                </a:defRPr>
+              </a:lvl8pPr>
+              <a:lvl9pPr eaLnBrk="0" fontAlgn="base" hangingPunct="0">
+                <a:spcBef>
+                  <a:spcPct val="30000"/>
+                </a:spcBef>
+                <a:spcAft>
+                  <a:spcPct val="0"/>
+                </a:spcAft>
+                <a:defRPr sz="1200">
+                  <a:solidFill>
+                    <a:schemeClr val="tx1"/>
+                  </a:solidFill>
+                  <a:latin typeface="Arial" panose="020B0604020202020204" pitchFamily="34" charset="0"/>
+                </a:defRPr>
+              </a:lvl9pPr>
+            </a:lstStyle>
+            <a:p>
+              <a:pPr marL="0" marR="0" lvl="0" indent="0" algn="l" defTabSz="914400" rtl="0" eaLnBrk="0" fontAlgn="base" latinLnBrk="0" hangingPunct="0">
+                <a:lnSpc>
+                  <a:spcPct val="100000"/>
+                </a:lnSpc>
+                <a:spcBef>
+                  <a:spcPct val="30000"/>
+                </a:spcBef>
+                <a:spcAft>
+                  <a:spcPct val="0"/>
+                </a:spcAft>
+                <a:buClrTx/>
+                <a:buSzTx/>
+                <a:buFontTx/>
+                <a:buNone/>
+                <a:tabLst/>
+              </a:pPr>
+              <a:r>
+                <a:rPr kumimoji="0" lang="fr-FR" altLang="fr-FR" sz="1200" b="0" i="0" u="none" strike="noStrike" cap="none" normalizeH="0" baseline="0" dirty="0" err="1">
+                  <a:ln>
+                    <a:noFill/>
+                  </a:ln>
+                  <a:solidFill>
+                    <a:schemeClr val="tx1"/>
+                  </a:solidFill>
+                  <a:effectLst/>
+                  <a:latin typeface="Arial" panose="020B0604020202020204" pitchFamily="34" charset="0"/>
+                </a:rPr>
+                <a:t>TA_Valve.Object</a:t>
+              </a:r>
+              <a:r>
+                <a:rPr kumimoji="0" lang="fr-FR" altLang="fr-FR" sz="1200" b="0" i="0" u="none" strike="noStrike" cap="none" normalizeH="0" baseline="0" dirty="0">
+                  <a:ln>
+                    <a:noFill/>
+                  </a:ln>
+                  <a:solidFill>
+                    <a:schemeClr val="tx1"/>
+                  </a:solidFill>
+                  <a:effectLst/>
+                  <a:latin typeface="Arial" panose="020B0604020202020204" pitchFamily="34" charset="0"/>
+                </a:rPr>
+                <a:t>()</a:t>
+              </a:r>
+            </a:p>
+            <a:p>
+              <a:pPr marL="0" marR="0" lvl="0" indent="0" algn="l" defTabSz="914400" rtl="0" eaLnBrk="0" fontAlgn="base" latinLnBrk="0" hangingPunct="0">
+                <a:lnSpc>
+                  <a:spcPct val="100000"/>
+                </a:lnSpc>
+                <a:spcBef>
+                  <a:spcPct val="30000"/>
+                </a:spcBef>
+                <a:spcAft>
+                  <a:spcPct val="0"/>
+                </a:spcAft>
+                <a:buClrTx/>
+                <a:buSzTx/>
+                <a:buFontTx/>
+                <a:buNone/>
+                <a:tabLst/>
+              </a:pPr>
+              <a:r>
+                <a:rPr kumimoji="0" lang="en-US" altLang="fr-FR" sz="1100" b="0" i="0" u="none" strike="noStrike" cap="none" normalizeH="0" baseline="0" dirty="0" err="1">
+                  <a:ln>
+                    <a:noFill/>
+                  </a:ln>
+                  <a:solidFill>
+                    <a:schemeClr val="tx1"/>
+                  </a:solidFill>
+                  <a:effectLst/>
+                </a:rPr>
+                <a:t>dn</a:t>
+              </a:r>
+              <a:r>
+                <a:rPr kumimoji="0" lang="en-US" altLang="fr-FR" sz="1100" b="0" i="0" u="none" strike="noStrike" cap="none" normalizeH="0" baseline="0" dirty="0">
+                  <a:ln>
+                    <a:noFill/>
+                  </a:ln>
+                  <a:solidFill>
+                    <a:schemeClr val="tx1"/>
+                  </a:solidFill>
+                  <a:effectLst/>
+                </a:rPr>
+                <a:t> = "STAF-DN100“</a:t>
+              </a:r>
+            </a:p>
+            <a:p>
+              <a:pPr marL="0" marR="0" lvl="0" indent="0" algn="l" defTabSz="914400" rtl="0" eaLnBrk="0" fontAlgn="base" latinLnBrk="0" hangingPunct="0">
+                <a:lnSpc>
+                  <a:spcPct val="100000"/>
+                </a:lnSpc>
+                <a:spcBef>
+                  <a:spcPct val="30000"/>
+                </a:spcBef>
+                <a:spcAft>
+                  <a:spcPct val="0"/>
+                </a:spcAft>
+                <a:buClrTx/>
+                <a:buSzTx/>
+                <a:buFontTx/>
+                <a:buNone/>
+                <a:tabLst/>
+              </a:pPr>
+              <a:r>
+                <a:rPr kumimoji="0" lang="en-US" altLang="fr-FR" sz="1100" b="0" i="0" u="none" strike="noStrike" cap="none" normalizeH="0" baseline="0" dirty="0" err="1">
+                  <a:ln>
+                    <a:noFill/>
+                  </a:ln>
+                  <a:solidFill>
+                    <a:schemeClr val="tx1"/>
+                  </a:solidFill>
+                  <a:effectLst/>
+                </a:rPr>
+                <a:t>nb_tours</a:t>
+              </a:r>
+              <a:r>
+                <a:rPr kumimoji="0" lang="en-US" altLang="fr-FR" sz="1100" b="0" i="0" u="none" strike="noStrike" cap="none" normalizeH="0" baseline="0" dirty="0">
+                  <a:ln>
+                    <a:noFill/>
+                  </a:ln>
+                  <a:solidFill>
+                    <a:schemeClr val="tx1"/>
+                  </a:solidFill>
+                  <a:effectLst/>
+                </a:rPr>
+                <a:t> = 4.3</a:t>
+              </a:r>
+            </a:p>
+          </p:txBody>
+        </p:sp>
+        <p:sp>
+          <p:nvSpPr>
+            <p:cNvPr id="50" name="Rectangle 3">
+              <a:extLst>
+                <a:ext uri="{FF2B5EF4-FFF2-40B4-BE49-F238E27FC236}">
+                  <a16:creationId xmlns:a16="http://schemas.microsoft.com/office/drawing/2014/main" id="{DB3853AE-3985-D68D-477E-B104B4A989B8}"/>
+                </a:ext>
+              </a:extLst>
+            </p:cNvPr>
+            <p:cNvSpPr>
+              <a:spLocks noChangeArrowheads="1"/>
+            </p:cNvSpPr>
+            <p:nvPr/>
+          </p:nvSpPr>
+          <p:spPr bwMode="auto">
+            <a:xfrm>
+              <a:off x="9863458" y="3049649"/>
+              <a:ext cx="1222047" cy="369332"/>
+            </a:xfrm>
+            <a:prstGeom prst="rect">
+              <a:avLst/>
+            </a:prstGeom>
+            <a:noFill/>
+            <a:ln>
+              <a:noFill/>
+            </a:ln>
+            <a:effectLst/>
+            <a:extLst>
+              <a:ext uri="{909E8E84-426E-40DD-AFC4-6F175D3DCCD1}">
+                <a14:hiddenFill xmlns:a14="http://schemas.microsoft.com/office/drawing/2010/main">
+                  <a:solidFill>
+                    <a:schemeClr val="accent1"/>
+                  </a:solidFill>
+                </a14:hiddenFill>
+              </a:ext>
+              <a:ext uri="{91240B29-F687-4F45-9708-019B960494DF}">
+                <a14:hiddenLine xmlns:a14="http://schemas.microsoft.com/office/drawing/2010/main" w="9525">
+                  <a:solidFill>
+                    <a:schemeClr val="tx1"/>
+                  </a:solidFill>
+                  <a:miter lim="800000"/>
+                  <a:headEnd/>
+                  <a:tailEnd/>
+                </a14:hiddenLine>
+              </a:ext>
+              <a:ext uri="{AF507438-7753-43E0-B8FC-AC1667EBCBE1}">
+                <a14:hiddenEffects xmlns:a14="http://schemas.microsoft.com/office/drawing/2010/main">
+                  <a:effectLst>
+                    <a:outerShdw dist="35921" dir="2700000" algn="ctr" rotWithShape="0">
+                      <a:schemeClr val="bg2"/>
+                    </a:outerShdw>
+                  </a:effectLst>
+                </a14:hiddenEffects>
+              </a:ext>
+            </a:extLst>
+          </p:spPr>
+          <p:txBody>
+            <a:bodyPr vert="horz" wrap="square" lIns="91440" tIns="45720" rIns="91440" bIns="45720" numCol="1" anchor="ctr" anchorCtr="0" compatLnSpc="1">
+              <a:prstTxWarp prst="textNoShape">
+                <a:avLst/>
+              </a:prstTxWarp>
+              <a:spAutoFit/>
+            </a:bodyPr>
+            <a:lstStyle>
+              <a:lvl1pPr eaLnBrk="0" fontAlgn="base" hangingPunct="0">
+                <a:spcBef>
+                  <a:spcPct val="30000"/>
+                </a:spcBef>
+                <a:spcAft>
+                  <a:spcPct val="0"/>
+                </a:spcAft>
+                <a:defRPr sz="1200">
+                  <a:solidFill>
+                    <a:schemeClr val="tx1"/>
+                  </a:solidFill>
+                  <a:latin typeface="Arial" panose="020B0604020202020204" pitchFamily="34" charset="0"/>
+                </a:defRPr>
+              </a:lvl1pPr>
+              <a:lvl2pPr eaLnBrk="0" fontAlgn="base" hangingPunct="0">
+                <a:spcBef>
+                  <a:spcPct val="30000"/>
+                </a:spcBef>
+                <a:spcAft>
+                  <a:spcPct val="0"/>
+                </a:spcAft>
+                <a:defRPr sz="1200">
+                  <a:solidFill>
+                    <a:schemeClr val="tx1"/>
+                  </a:solidFill>
+                  <a:latin typeface="Arial" panose="020B0604020202020204" pitchFamily="34" charset="0"/>
+                </a:defRPr>
+              </a:lvl2pPr>
+              <a:lvl3pPr eaLnBrk="0" fontAlgn="base" hangingPunct="0">
+                <a:spcBef>
+                  <a:spcPct val="30000"/>
+                </a:spcBef>
+                <a:spcAft>
+                  <a:spcPct val="0"/>
+                </a:spcAft>
+                <a:defRPr sz="1200">
+                  <a:solidFill>
+                    <a:schemeClr val="tx1"/>
+                  </a:solidFill>
+                  <a:latin typeface="Arial" panose="020B0604020202020204" pitchFamily="34" charset="0"/>
+                </a:defRPr>
+              </a:lvl3pPr>
+              <a:lvl4pPr eaLnBrk="0" fontAlgn="base" hangingPunct="0">
+                <a:spcBef>
+                  <a:spcPct val="30000"/>
+                </a:spcBef>
+                <a:spcAft>
+                  <a:spcPct val="0"/>
+                </a:spcAft>
+                <a:defRPr sz="1200">
+                  <a:solidFill>
+                    <a:schemeClr val="tx1"/>
+                  </a:solidFill>
+                  <a:latin typeface="Arial" panose="020B0604020202020204" pitchFamily="34" charset="0"/>
+                </a:defRPr>
+              </a:lvl4pPr>
+              <a:lvl5pPr eaLnBrk="0" fontAlgn="base" hangingPunct="0">
+                <a:spcBef>
+                  <a:spcPct val="30000"/>
+                </a:spcBef>
+                <a:spcAft>
+                  <a:spcPct val="0"/>
+                </a:spcAft>
+                <a:defRPr sz="1200">
+                  <a:solidFill>
+                    <a:schemeClr val="tx1"/>
+                  </a:solidFill>
+                  <a:latin typeface="Arial" panose="020B0604020202020204" pitchFamily="34" charset="0"/>
+                </a:defRPr>
+              </a:lvl5pPr>
+              <a:lvl6pPr eaLnBrk="0" fontAlgn="base" hangingPunct="0">
+                <a:spcBef>
+                  <a:spcPct val="30000"/>
+                </a:spcBef>
+                <a:spcAft>
+                  <a:spcPct val="0"/>
+                </a:spcAft>
+                <a:defRPr sz="1200">
+                  <a:solidFill>
+                    <a:schemeClr val="tx1"/>
+                  </a:solidFill>
+                  <a:latin typeface="Arial" panose="020B0604020202020204" pitchFamily="34" charset="0"/>
+                </a:defRPr>
+              </a:lvl6pPr>
+              <a:lvl7pPr eaLnBrk="0" fontAlgn="base" hangingPunct="0">
+                <a:spcBef>
+                  <a:spcPct val="30000"/>
+                </a:spcBef>
+                <a:spcAft>
+                  <a:spcPct val="0"/>
+                </a:spcAft>
+                <a:defRPr sz="1200">
+                  <a:solidFill>
+                    <a:schemeClr val="tx1"/>
+                  </a:solidFill>
+                  <a:latin typeface="Arial" panose="020B0604020202020204" pitchFamily="34" charset="0"/>
+                </a:defRPr>
+              </a:lvl7pPr>
+              <a:lvl8pPr eaLnBrk="0" fontAlgn="base" hangingPunct="0">
+                <a:spcBef>
+                  <a:spcPct val="30000"/>
+                </a:spcBef>
+                <a:spcAft>
+                  <a:spcPct val="0"/>
+                </a:spcAft>
+                <a:defRPr sz="1200">
+                  <a:solidFill>
+                    <a:schemeClr val="tx1"/>
+                  </a:solidFill>
+                  <a:latin typeface="Arial" panose="020B0604020202020204" pitchFamily="34" charset="0"/>
+                </a:defRPr>
+              </a:lvl8pPr>
+              <a:lvl9pPr eaLnBrk="0" fontAlgn="base" hangingPunct="0">
+                <a:spcBef>
+                  <a:spcPct val="30000"/>
+                </a:spcBef>
+                <a:spcAft>
+                  <a:spcPct val="0"/>
+                </a:spcAft>
+                <a:defRPr sz="1200">
+                  <a:solidFill>
+                    <a:schemeClr val="tx1"/>
+                  </a:solidFill>
+                  <a:latin typeface="Arial" panose="020B0604020202020204" pitchFamily="34" charset="0"/>
+                </a:defRPr>
+              </a:lvl9pPr>
+            </a:lstStyle>
+            <a:p>
+              <a:pPr marL="0" marR="0" lvl="0" indent="0" algn="l" defTabSz="914400" rtl="0" eaLnBrk="0" fontAlgn="base" latinLnBrk="0" hangingPunct="0">
+                <a:lnSpc>
+                  <a:spcPct val="100000"/>
+                </a:lnSpc>
+                <a:spcBef>
+                  <a:spcPct val="30000"/>
+                </a:spcBef>
+                <a:spcAft>
+                  <a:spcPct val="0"/>
+                </a:spcAft>
+                <a:buClrTx/>
+                <a:buSzTx/>
+                <a:buFontTx/>
+                <a:buNone/>
+                <a:tabLst/>
+              </a:pPr>
+              <a:r>
+                <a:rPr kumimoji="0" lang="fr-FR" altLang="fr-FR" sz="1200" b="0" i="0" u="none" strike="noStrike" cap="none" normalizeH="0" baseline="0" dirty="0" err="1">
+                  <a:ln>
+                    <a:noFill/>
+                  </a:ln>
+                  <a:solidFill>
+                    <a:schemeClr val="tx1"/>
+                  </a:solidFill>
+                  <a:effectLst/>
+                  <a:latin typeface="Arial" panose="020B0604020202020204" pitchFamily="34" charset="0"/>
+                </a:rPr>
+                <a:t>Sink</a:t>
+              </a:r>
+              <a:r>
+                <a:rPr kumimoji="0" lang="fr-FR" altLang="fr-FR" sz="1800" b="0" i="0" u="none" strike="noStrike" cap="none" normalizeH="0" baseline="0" dirty="0" err="1">
+                  <a:ln>
+                    <a:noFill/>
+                  </a:ln>
+                  <a:solidFill>
+                    <a:schemeClr val="tx1"/>
+                  </a:solidFill>
+                  <a:effectLst/>
+                  <a:latin typeface="Arial" panose="020B0604020202020204" pitchFamily="34" charset="0"/>
+                </a:rPr>
+                <a:t>.</a:t>
+              </a:r>
+              <a:r>
+                <a:rPr kumimoji="0" lang="fr-FR" altLang="fr-FR" sz="1200" b="0" i="0" u="none" strike="noStrike" cap="none" normalizeH="0" baseline="0" dirty="0" err="1">
+                  <a:ln>
+                    <a:noFill/>
+                  </a:ln>
+                  <a:solidFill>
+                    <a:schemeClr val="tx1"/>
+                  </a:solidFill>
+                  <a:effectLst/>
+                  <a:latin typeface="Arial" panose="020B0604020202020204" pitchFamily="34" charset="0"/>
+                </a:rPr>
+                <a:t>Object</a:t>
+              </a:r>
+              <a:r>
+                <a:rPr kumimoji="0" lang="fr-FR" altLang="fr-FR" sz="1000" b="0" i="0" u="none" strike="noStrike" cap="none" normalizeH="0" baseline="0" dirty="0">
+                  <a:ln>
+                    <a:noFill/>
+                  </a:ln>
+                  <a:solidFill>
+                    <a:schemeClr val="tx1"/>
+                  </a:solidFill>
+                  <a:effectLst/>
+                  <a:latin typeface="Arial Unicode MS"/>
+                </a:rPr>
+                <a:t>()</a:t>
+              </a:r>
+              <a:r>
+                <a:rPr kumimoji="0" lang="fr-FR" altLang="fr-FR" sz="800" b="0" i="0" u="none" strike="noStrike" cap="none" normalizeH="0" baseline="0" dirty="0">
+                  <a:ln>
+                    <a:noFill/>
+                  </a:ln>
+                  <a:solidFill>
+                    <a:schemeClr val="tx1"/>
+                  </a:solidFill>
+                  <a:effectLst/>
+                </a:rPr>
+                <a:t> </a:t>
+              </a:r>
+              <a:endParaRPr kumimoji="0" lang="fr-FR" altLang="fr-FR" sz="1200" b="0" i="0" u="none" strike="noStrike" cap="none" normalizeH="0" baseline="0" dirty="0">
+                <a:ln>
+                  <a:noFill/>
+                </a:ln>
+                <a:solidFill>
+                  <a:schemeClr val="tx1"/>
+                </a:solidFill>
+                <a:effectLst/>
+                <a:latin typeface="Arial" panose="020B0604020202020204" pitchFamily="34" charset="0"/>
+              </a:endParaRPr>
+            </a:p>
+          </p:txBody>
+        </p:sp>
+        <p:sp>
+          <p:nvSpPr>
+            <p:cNvPr id="51" name="Rectangle 4">
+              <a:extLst>
+                <a:ext uri="{FF2B5EF4-FFF2-40B4-BE49-F238E27FC236}">
+                  <a16:creationId xmlns:a16="http://schemas.microsoft.com/office/drawing/2014/main" id="{B7A22C6E-19B4-7D08-162A-49924BC5A64D}"/>
+                </a:ext>
+              </a:extLst>
+            </p:cNvPr>
+            <p:cNvSpPr>
+              <a:spLocks noChangeArrowheads="1"/>
+            </p:cNvSpPr>
+            <p:nvPr/>
+          </p:nvSpPr>
+          <p:spPr bwMode="auto">
+            <a:xfrm>
+              <a:off x="8585826" y="3280482"/>
+              <a:ext cx="1153532" cy="276999"/>
+            </a:xfrm>
+            <a:prstGeom prst="rect">
+              <a:avLst/>
+            </a:prstGeom>
+            <a:noFill/>
+            <a:ln>
+              <a:noFill/>
+            </a:ln>
+            <a:effectLst/>
+            <a:extLst>
+              <a:ext uri="{909E8E84-426E-40DD-AFC4-6F175D3DCCD1}">
+                <a14:hiddenFill xmlns:a14="http://schemas.microsoft.com/office/drawing/2010/main">
+                  <a:solidFill>
+                    <a:schemeClr val="accent1"/>
+                  </a:solidFill>
+                </a14:hiddenFill>
+              </a:ext>
+              <a:ext uri="{91240B29-F687-4F45-9708-019B960494DF}">
+                <a14:hiddenLine xmlns:a14="http://schemas.microsoft.com/office/drawing/2010/main" w="9525">
+                  <a:solidFill>
+                    <a:schemeClr val="tx1"/>
+                  </a:solidFill>
+                  <a:miter lim="800000"/>
+                  <a:headEnd/>
+                  <a:tailEnd/>
+                </a14:hiddenLine>
+              </a:ext>
+              <a:ext uri="{AF507438-7753-43E0-B8FC-AC1667EBCBE1}">
+                <a14:hiddenEffects xmlns:a14="http://schemas.microsoft.com/office/drawing/2010/main">
+                  <a:effectLst>
+                    <a:outerShdw dist="35921" dir="2700000" algn="ctr" rotWithShape="0">
+                      <a:schemeClr val="bg2"/>
+                    </a:outerShdw>
+                  </a:effectLst>
+                </a14:hiddenEffects>
+              </a:ext>
+            </a:extLst>
+          </p:spPr>
+          <p:txBody>
+            <a:bodyPr vert="horz" wrap="square" lIns="91440" tIns="45720" rIns="91440" bIns="45720" numCol="1" anchor="ctr" anchorCtr="0" compatLnSpc="1">
+              <a:prstTxWarp prst="textNoShape">
+                <a:avLst/>
+              </a:prstTxWarp>
+              <a:spAutoFit/>
+            </a:bodyPr>
+            <a:lstStyle>
+              <a:lvl1pPr eaLnBrk="0" fontAlgn="base" hangingPunct="0">
+                <a:spcBef>
+                  <a:spcPct val="30000"/>
+                </a:spcBef>
+                <a:spcAft>
+                  <a:spcPct val="0"/>
+                </a:spcAft>
+                <a:defRPr sz="1200">
+                  <a:solidFill>
+                    <a:schemeClr val="tx1"/>
+                  </a:solidFill>
+                  <a:latin typeface="Arial" panose="020B0604020202020204" pitchFamily="34" charset="0"/>
+                </a:defRPr>
+              </a:lvl1pPr>
+              <a:lvl2pPr eaLnBrk="0" fontAlgn="base" hangingPunct="0">
+                <a:spcBef>
+                  <a:spcPct val="30000"/>
+                </a:spcBef>
+                <a:spcAft>
+                  <a:spcPct val="0"/>
+                </a:spcAft>
+                <a:defRPr sz="1200">
+                  <a:solidFill>
+                    <a:schemeClr val="tx1"/>
+                  </a:solidFill>
+                  <a:latin typeface="Arial" panose="020B0604020202020204" pitchFamily="34" charset="0"/>
+                </a:defRPr>
+              </a:lvl2pPr>
+              <a:lvl3pPr eaLnBrk="0" fontAlgn="base" hangingPunct="0">
+                <a:spcBef>
+                  <a:spcPct val="30000"/>
+                </a:spcBef>
+                <a:spcAft>
+                  <a:spcPct val="0"/>
+                </a:spcAft>
+                <a:defRPr sz="1200">
+                  <a:solidFill>
+                    <a:schemeClr val="tx1"/>
+                  </a:solidFill>
+                  <a:latin typeface="Arial" panose="020B0604020202020204" pitchFamily="34" charset="0"/>
+                </a:defRPr>
+              </a:lvl3pPr>
+              <a:lvl4pPr eaLnBrk="0" fontAlgn="base" hangingPunct="0">
+                <a:spcBef>
+                  <a:spcPct val="30000"/>
+                </a:spcBef>
+                <a:spcAft>
+                  <a:spcPct val="0"/>
+                </a:spcAft>
+                <a:defRPr sz="1200">
+                  <a:solidFill>
+                    <a:schemeClr val="tx1"/>
+                  </a:solidFill>
+                  <a:latin typeface="Arial" panose="020B0604020202020204" pitchFamily="34" charset="0"/>
+                </a:defRPr>
+              </a:lvl4pPr>
+              <a:lvl5pPr eaLnBrk="0" fontAlgn="base" hangingPunct="0">
+                <a:spcBef>
+                  <a:spcPct val="30000"/>
+                </a:spcBef>
+                <a:spcAft>
+                  <a:spcPct val="0"/>
+                </a:spcAft>
+                <a:defRPr sz="1200">
+                  <a:solidFill>
+                    <a:schemeClr val="tx1"/>
+                  </a:solidFill>
+                  <a:latin typeface="Arial" panose="020B0604020202020204" pitchFamily="34" charset="0"/>
+                </a:defRPr>
+              </a:lvl5pPr>
+              <a:lvl6pPr eaLnBrk="0" fontAlgn="base" hangingPunct="0">
+                <a:spcBef>
+                  <a:spcPct val="30000"/>
+                </a:spcBef>
+                <a:spcAft>
+                  <a:spcPct val="0"/>
+                </a:spcAft>
+                <a:defRPr sz="1200">
+                  <a:solidFill>
+                    <a:schemeClr val="tx1"/>
+                  </a:solidFill>
+                  <a:latin typeface="Arial" panose="020B0604020202020204" pitchFamily="34" charset="0"/>
+                </a:defRPr>
+              </a:lvl6pPr>
+              <a:lvl7pPr eaLnBrk="0" fontAlgn="base" hangingPunct="0">
+                <a:spcBef>
+                  <a:spcPct val="30000"/>
+                </a:spcBef>
+                <a:spcAft>
+                  <a:spcPct val="0"/>
+                </a:spcAft>
+                <a:defRPr sz="1200">
+                  <a:solidFill>
+                    <a:schemeClr val="tx1"/>
+                  </a:solidFill>
+                  <a:latin typeface="Arial" panose="020B0604020202020204" pitchFamily="34" charset="0"/>
+                </a:defRPr>
+              </a:lvl7pPr>
+              <a:lvl8pPr eaLnBrk="0" fontAlgn="base" hangingPunct="0">
+                <a:spcBef>
+                  <a:spcPct val="30000"/>
+                </a:spcBef>
+                <a:spcAft>
+                  <a:spcPct val="0"/>
+                </a:spcAft>
+                <a:defRPr sz="1200">
+                  <a:solidFill>
+                    <a:schemeClr val="tx1"/>
+                  </a:solidFill>
+                  <a:latin typeface="Arial" panose="020B0604020202020204" pitchFamily="34" charset="0"/>
+                </a:defRPr>
+              </a:lvl8pPr>
+              <a:lvl9pPr eaLnBrk="0" fontAlgn="base" hangingPunct="0">
+                <a:spcBef>
+                  <a:spcPct val="30000"/>
+                </a:spcBef>
+                <a:spcAft>
+                  <a:spcPct val="0"/>
+                </a:spcAft>
+                <a:defRPr sz="1200">
+                  <a:solidFill>
+                    <a:schemeClr val="tx1"/>
+                  </a:solidFill>
+                  <a:latin typeface="Arial" panose="020B0604020202020204" pitchFamily="34" charset="0"/>
+                </a:defRPr>
+              </a:lvl9pPr>
+            </a:lstStyle>
+            <a:p>
+              <a:pPr marL="0" marR="0" lvl="0" indent="0" algn="l" defTabSz="914400" rtl="0" eaLnBrk="0" fontAlgn="base" latinLnBrk="0" hangingPunct="0">
+                <a:lnSpc>
+                  <a:spcPct val="100000"/>
+                </a:lnSpc>
+                <a:spcBef>
+                  <a:spcPct val="30000"/>
+                </a:spcBef>
+                <a:spcAft>
+                  <a:spcPct val="0"/>
+                </a:spcAft>
+                <a:buClrTx/>
+                <a:buSzTx/>
+                <a:buFontTx/>
+                <a:buNone/>
+                <a:tabLst/>
+              </a:pPr>
+              <a:r>
+                <a:rPr kumimoji="0" lang="fr-FR" altLang="fr-FR" sz="1200" b="0" i="0" u="none" strike="noStrike" cap="none" normalizeH="0" baseline="0" dirty="0" err="1">
+                  <a:ln>
+                    <a:noFill/>
+                  </a:ln>
+                  <a:solidFill>
+                    <a:schemeClr val="tx1"/>
+                  </a:solidFill>
+                  <a:effectLst/>
+                  <a:latin typeface="Arial" panose="020B0604020202020204" pitchFamily="34" charset="0"/>
+                </a:rPr>
+                <a:t>Fluid_connect</a:t>
+              </a:r>
+              <a:r>
+                <a:rPr kumimoji="0" lang="fr-FR" altLang="fr-FR" sz="800" b="0" i="0" u="none" strike="noStrike" cap="none" normalizeH="0" baseline="0" dirty="0">
+                  <a:ln>
+                    <a:noFill/>
+                  </a:ln>
+                  <a:solidFill>
+                    <a:schemeClr val="tx1"/>
+                  </a:solidFill>
+                  <a:effectLst/>
+                </a:rPr>
+                <a:t> </a:t>
+              </a:r>
+              <a:endParaRPr kumimoji="0" lang="fr-FR" altLang="fr-FR" sz="1200" b="0" i="0" u="none" strike="noStrike" cap="none" normalizeH="0" baseline="0" dirty="0">
+                <a:ln>
+                  <a:noFill/>
+                </a:ln>
+                <a:solidFill>
+                  <a:schemeClr val="tx1"/>
+                </a:solidFill>
+                <a:effectLst/>
+                <a:latin typeface="Arial" panose="020B0604020202020204" pitchFamily="34" charset="0"/>
+              </a:endParaRPr>
+            </a:p>
+          </p:txBody>
+        </p:sp>
+        <p:sp>
+          <p:nvSpPr>
+            <p:cNvPr id="52" name="Rectangle 4">
+              <a:extLst>
+                <a:ext uri="{FF2B5EF4-FFF2-40B4-BE49-F238E27FC236}">
+                  <a16:creationId xmlns:a16="http://schemas.microsoft.com/office/drawing/2014/main" id="{80F184BB-1403-0A43-86C6-FDF9BD395C25}"/>
+                </a:ext>
+              </a:extLst>
+            </p:cNvPr>
+            <p:cNvSpPr>
+              <a:spLocks noChangeArrowheads="1"/>
+            </p:cNvSpPr>
+            <p:nvPr/>
+          </p:nvSpPr>
+          <p:spPr bwMode="auto">
+            <a:xfrm>
+              <a:off x="2308116" y="3252977"/>
+              <a:ext cx="1153532" cy="276999"/>
+            </a:xfrm>
+            <a:prstGeom prst="rect">
+              <a:avLst/>
+            </a:prstGeom>
+            <a:noFill/>
+            <a:ln>
+              <a:noFill/>
+            </a:ln>
+            <a:effectLst/>
+            <a:extLst>
+              <a:ext uri="{909E8E84-426E-40DD-AFC4-6F175D3DCCD1}">
+                <a14:hiddenFill xmlns:a14="http://schemas.microsoft.com/office/drawing/2010/main">
+                  <a:solidFill>
+                    <a:schemeClr val="accent1"/>
+                  </a:solidFill>
+                </a14:hiddenFill>
+              </a:ext>
+              <a:ext uri="{91240B29-F687-4F45-9708-019B960494DF}">
+                <a14:hiddenLine xmlns:a14="http://schemas.microsoft.com/office/drawing/2010/main" w="9525">
+                  <a:solidFill>
+                    <a:schemeClr val="tx1"/>
+                  </a:solidFill>
+                  <a:miter lim="800000"/>
+                  <a:headEnd/>
+                  <a:tailEnd/>
+                </a14:hiddenLine>
+              </a:ext>
+              <a:ext uri="{AF507438-7753-43E0-B8FC-AC1667EBCBE1}">
+                <a14:hiddenEffects xmlns:a14="http://schemas.microsoft.com/office/drawing/2010/main">
+                  <a:effectLst>
+                    <a:outerShdw dist="35921" dir="2700000" algn="ctr" rotWithShape="0">
+                      <a:schemeClr val="bg2"/>
+                    </a:outerShdw>
+                  </a:effectLst>
+                </a14:hiddenEffects>
+              </a:ext>
+            </a:extLst>
+          </p:spPr>
+          <p:txBody>
+            <a:bodyPr vert="horz" wrap="square" lIns="91440" tIns="45720" rIns="91440" bIns="45720" numCol="1" anchor="ctr" anchorCtr="0" compatLnSpc="1">
+              <a:prstTxWarp prst="textNoShape">
+                <a:avLst/>
+              </a:prstTxWarp>
+              <a:spAutoFit/>
+            </a:bodyPr>
+            <a:lstStyle>
+              <a:lvl1pPr eaLnBrk="0" fontAlgn="base" hangingPunct="0">
+                <a:spcBef>
+                  <a:spcPct val="30000"/>
+                </a:spcBef>
+                <a:spcAft>
+                  <a:spcPct val="0"/>
+                </a:spcAft>
+                <a:defRPr sz="1200">
+                  <a:solidFill>
+                    <a:schemeClr val="tx1"/>
+                  </a:solidFill>
+                  <a:latin typeface="Arial" panose="020B0604020202020204" pitchFamily="34" charset="0"/>
+                </a:defRPr>
+              </a:lvl1pPr>
+              <a:lvl2pPr eaLnBrk="0" fontAlgn="base" hangingPunct="0">
+                <a:spcBef>
+                  <a:spcPct val="30000"/>
+                </a:spcBef>
+                <a:spcAft>
+                  <a:spcPct val="0"/>
+                </a:spcAft>
+                <a:defRPr sz="1200">
+                  <a:solidFill>
+                    <a:schemeClr val="tx1"/>
+                  </a:solidFill>
+                  <a:latin typeface="Arial" panose="020B0604020202020204" pitchFamily="34" charset="0"/>
+                </a:defRPr>
+              </a:lvl2pPr>
+              <a:lvl3pPr eaLnBrk="0" fontAlgn="base" hangingPunct="0">
+                <a:spcBef>
+                  <a:spcPct val="30000"/>
+                </a:spcBef>
+                <a:spcAft>
+                  <a:spcPct val="0"/>
+                </a:spcAft>
+                <a:defRPr sz="1200">
+                  <a:solidFill>
+                    <a:schemeClr val="tx1"/>
+                  </a:solidFill>
+                  <a:latin typeface="Arial" panose="020B0604020202020204" pitchFamily="34" charset="0"/>
+                </a:defRPr>
+              </a:lvl3pPr>
+              <a:lvl4pPr eaLnBrk="0" fontAlgn="base" hangingPunct="0">
+                <a:spcBef>
+                  <a:spcPct val="30000"/>
+                </a:spcBef>
+                <a:spcAft>
+                  <a:spcPct val="0"/>
+                </a:spcAft>
+                <a:defRPr sz="1200">
+                  <a:solidFill>
+                    <a:schemeClr val="tx1"/>
+                  </a:solidFill>
+                  <a:latin typeface="Arial" panose="020B0604020202020204" pitchFamily="34" charset="0"/>
+                </a:defRPr>
+              </a:lvl4pPr>
+              <a:lvl5pPr eaLnBrk="0" fontAlgn="base" hangingPunct="0">
+                <a:spcBef>
+                  <a:spcPct val="30000"/>
+                </a:spcBef>
+                <a:spcAft>
+                  <a:spcPct val="0"/>
+                </a:spcAft>
+                <a:defRPr sz="1200">
+                  <a:solidFill>
+                    <a:schemeClr val="tx1"/>
+                  </a:solidFill>
+                  <a:latin typeface="Arial" panose="020B0604020202020204" pitchFamily="34" charset="0"/>
+                </a:defRPr>
+              </a:lvl5pPr>
+              <a:lvl6pPr eaLnBrk="0" fontAlgn="base" hangingPunct="0">
+                <a:spcBef>
+                  <a:spcPct val="30000"/>
+                </a:spcBef>
+                <a:spcAft>
+                  <a:spcPct val="0"/>
+                </a:spcAft>
+                <a:defRPr sz="1200">
+                  <a:solidFill>
+                    <a:schemeClr val="tx1"/>
+                  </a:solidFill>
+                  <a:latin typeface="Arial" panose="020B0604020202020204" pitchFamily="34" charset="0"/>
+                </a:defRPr>
+              </a:lvl6pPr>
+              <a:lvl7pPr eaLnBrk="0" fontAlgn="base" hangingPunct="0">
+                <a:spcBef>
+                  <a:spcPct val="30000"/>
+                </a:spcBef>
+                <a:spcAft>
+                  <a:spcPct val="0"/>
+                </a:spcAft>
+                <a:defRPr sz="1200">
+                  <a:solidFill>
+                    <a:schemeClr val="tx1"/>
+                  </a:solidFill>
+                  <a:latin typeface="Arial" panose="020B0604020202020204" pitchFamily="34" charset="0"/>
+                </a:defRPr>
+              </a:lvl7pPr>
+              <a:lvl8pPr eaLnBrk="0" fontAlgn="base" hangingPunct="0">
+                <a:spcBef>
+                  <a:spcPct val="30000"/>
+                </a:spcBef>
+                <a:spcAft>
+                  <a:spcPct val="0"/>
+                </a:spcAft>
+                <a:defRPr sz="1200">
+                  <a:solidFill>
+                    <a:schemeClr val="tx1"/>
+                  </a:solidFill>
+                  <a:latin typeface="Arial" panose="020B0604020202020204" pitchFamily="34" charset="0"/>
+                </a:defRPr>
+              </a:lvl8pPr>
+              <a:lvl9pPr eaLnBrk="0" fontAlgn="base" hangingPunct="0">
+                <a:spcBef>
+                  <a:spcPct val="30000"/>
+                </a:spcBef>
+                <a:spcAft>
+                  <a:spcPct val="0"/>
+                </a:spcAft>
+                <a:defRPr sz="1200">
+                  <a:solidFill>
+                    <a:schemeClr val="tx1"/>
+                  </a:solidFill>
+                  <a:latin typeface="Arial" panose="020B0604020202020204" pitchFamily="34" charset="0"/>
+                </a:defRPr>
+              </a:lvl9pPr>
+            </a:lstStyle>
+            <a:p>
+              <a:pPr marL="0" marR="0" lvl="0" indent="0" algn="l" defTabSz="914400" rtl="0" eaLnBrk="0" fontAlgn="base" latinLnBrk="0" hangingPunct="0">
+                <a:lnSpc>
+                  <a:spcPct val="100000"/>
+                </a:lnSpc>
+                <a:spcBef>
+                  <a:spcPct val="30000"/>
+                </a:spcBef>
+                <a:spcAft>
+                  <a:spcPct val="0"/>
+                </a:spcAft>
+                <a:buClrTx/>
+                <a:buSzTx/>
+                <a:buFontTx/>
+                <a:buNone/>
+                <a:tabLst/>
+              </a:pPr>
+              <a:r>
+                <a:rPr kumimoji="0" lang="fr-FR" altLang="fr-FR" sz="1200" b="0" i="0" u="none" strike="noStrike" cap="none" normalizeH="0" baseline="0" dirty="0" err="1">
+                  <a:ln>
+                    <a:noFill/>
+                  </a:ln>
+                  <a:solidFill>
+                    <a:schemeClr val="tx1"/>
+                  </a:solidFill>
+                  <a:effectLst/>
+                  <a:latin typeface="Arial" panose="020B0604020202020204" pitchFamily="34" charset="0"/>
+                </a:rPr>
+                <a:t>Fluid_connect</a:t>
+              </a:r>
+              <a:r>
+                <a:rPr kumimoji="0" lang="fr-FR" altLang="fr-FR" sz="800" b="0" i="0" u="none" strike="noStrike" cap="none" normalizeH="0" baseline="0" dirty="0">
+                  <a:ln>
+                    <a:noFill/>
+                  </a:ln>
+                  <a:solidFill>
+                    <a:schemeClr val="tx1"/>
+                  </a:solidFill>
+                  <a:effectLst/>
+                </a:rPr>
+                <a:t> </a:t>
+              </a:r>
+              <a:endParaRPr kumimoji="0" lang="fr-FR" altLang="fr-FR" sz="1200" b="0" i="0" u="none" strike="noStrike" cap="none" normalizeH="0" baseline="0" dirty="0">
+                <a:ln>
+                  <a:noFill/>
+                </a:ln>
+                <a:solidFill>
+                  <a:schemeClr val="tx1"/>
+                </a:solidFill>
+                <a:effectLst/>
+                <a:latin typeface="Arial" panose="020B0604020202020204" pitchFamily="34" charset="0"/>
+              </a:endParaRPr>
+            </a:p>
+          </p:txBody>
+        </p:sp>
+        <p:cxnSp>
+          <p:nvCxnSpPr>
+            <p:cNvPr id="12" name="Connecteur droit 11">
+              <a:extLst>
+                <a:ext uri="{FF2B5EF4-FFF2-40B4-BE49-F238E27FC236}">
+                  <a16:creationId xmlns:a16="http://schemas.microsoft.com/office/drawing/2014/main" id="{223B99B9-5781-F69A-5FA3-2DDD7E3E376C}"/>
+                </a:ext>
+              </a:extLst>
+            </p:cNvPr>
+            <p:cNvCxnSpPr>
+              <a:cxnSpLocks/>
+            </p:cNvCxnSpPr>
+            <p:nvPr/>
+          </p:nvCxnSpPr>
+          <p:spPr>
+            <a:xfrm>
+              <a:off x="4253989" y="4297404"/>
+              <a:ext cx="0" cy="360000"/>
+            </a:xfrm>
+            <a:prstGeom prst="line">
+              <a:avLst/>
+            </a:prstGeom>
+            <a:ln/>
+          </p:spPr>
+          <p:style>
+            <a:lnRef idx="3">
+              <a:schemeClr val="dk1"/>
+            </a:lnRef>
+            <a:fillRef idx="0">
+              <a:schemeClr val="dk1"/>
+            </a:fillRef>
+            <a:effectRef idx="2">
+              <a:schemeClr val="dk1"/>
+            </a:effectRef>
+            <a:fontRef idx="minor">
+              <a:schemeClr val="tx1"/>
+            </a:fontRef>
+          </p:style>
+        </p:cxnSp>
+        <p:cxnSp>
+          <p:nvCxnSpPr>
+            <p:cNvPr id="29" name="Connecteur droit 28">
+              <a:extLst>
+                <a:ext uri="{FF2B5EF4-FFF2-40B4-BE49-F238E27FC236}">
+                  <a16:creationId xmlns:a16="http://schemas.microsoft.com/office/drawing/2014/main" id="{88AB5427-DC79-0431-3377-98E52FF87B32}"/>
+                </a:ext>
+              </a:extLst>
+            </p:cNvPr>
+            <p:cNvCxnSpPr>
+              <a:cxnSpLocks/>
+            </p:cNvCxnSpPr>
+            <p:nvPr/>
+          </p:nvCxnSpPr>
+          <p:spPr>
+            <a:xfrm>
+              <a:off x="7872985" y="4297404"/>
+              <a:ext cx="0" cy="360000"/>
+            </a:xfrm>
+            <a:prstGeom prst="line">
+              <a:avLst/>
+            </a:prstGeom>
+            <a:ln/>
+          </p:spPr>
+          <p:style>
+            <a:lnRef idx="3">
+              <a:schemeClr val="dk1"/>
+            </a:lnRef>
+            <a:fillRef idx="0">
+              <a:schemeClr val="dk1"/>
+            </a:fillRef>
+            <a:effectRef idx="2">
+              <a:schemeClr val="dk1"/>
+            </a:effectRef>
+            <a:fontRef idx="minor">
+              <a:schemeClr val="tx1"/>
+            </a:fontRef>
+          </p:style>
+        </p:cxnSp>
+        <p:cxnSp>
+          <p:nvCxnSpPr>
+            <p:cNvPr id="30" name="Connecteur droit 29">
+              <a:extLst>
+                <a:ext uri="{FF2B5EF4-FFF2-40B4-BE49-F238E27FC236}">
+                  <a16:creationId xmlns:a16="http://schemas.microsoft.com/office/drawing/2014/main" id="{492CB22E-B019-6EAD-FE7D-A81EDBFBE3B4}"/>
+                </a:ext>
+              </a:extLst>
+            </p:cNvPr>
+            <p:cNvCxnSpPr>
+              <a:cxnSpLocks/>
+            </p:cNvCxnSpPr>
+            <p:nvPr/>
+          </p:nvCxnSpPr>
+          <p:spPr>
+            <a:xfrm flipH="1">
+              <a:off x="4618209" y="1487712"/>
+              <a:ext cx="2880000" cy="0"/>
+            </a:xfrm>
+            <a:prstGeom prst="line">
+              <a:avLst/>
+            </a:prstGeom>
+            <a:ln/>
+          </p:spPr>
+          <p:style>
+            <a:lnRef idx="3">
+              <a:schemeClr val="dk1"/>
+            </a:lnRef>
+            <a:fillRef idx="0">
+              <a:schemeClr val="dk1"/>
+            </a:fillRef>
+            <a:effectRef idx="2">
+              <a:schemeClr val="dk1"/>
+            </a:effectRef>
+            <a:fontRef idx="minor">
+              <a:schemeClr val="tx1"/>
+            </a:fontRef>
+          </p:style>
+        </p:cxnSp>
+      </p:grpSp>
+    </p:spTree>
+    <p:extLst>
+      <p:ext uri="{BB962C8B-B14F-4D97-AF65-F5344CB8AC3E}">
+        <p14:creationId xmlns:p14="http://schemas.microsoft.com/office/powerpoint/2010/main" val="3530312540"/>
+      </p:ext>
+    </p:extLst>
+  </p:cSld>
+  <p:clrMapOvr>
+    <a:masterClrMapping/>
+  </p:clrMapOvr>
+</p:sld>
+</file>
+
+<file path=ppt/slides/slide6.xml><?xml version="1.0" encoding="utf-8"?>
+<p:sld xmlns:a="http://schemas.openxmlformats.org/drawingml/2006/main" xmlns:r="http://schemas.openxmlformats.org/officeDocument/2006/relationships" xmlns:p="http://schemas.openxmlformats.org/presentationml/2006/main">
+  <p:cSld>
+    <p:spTree>
+      <p:nvGrpSpPr>
+        <p:cNvPr id="1" name="">
+          <a:extLst>
+            <a:ext uri="{FF2B5EF4-FFF2-40B4-BE49-F238E27FC236}">
               <a16:creationId xmlns:a16="http://schemas.microsoft.com/office/drawing/2014/main" id="{0EE408D4-9551-DCF7-3115-D6EC674A8693}"/>
             </a:ext>
           </a:extLst>

--- a/Examples.pptx
+++ b/Examples.pptx
@@ -120,7 +120,7 @@
 <file path=ppt/revisionInfo.xml><?xml version="1.0" encoding="utf-8"?>
 <p1510:revInfo xmlns:a="http://schemas.openxmlformats.org/drawingml/2006/main" xmlns:r="http://schemas.openxmlformats.org/officeDocument/2006/relationships" xmlns:p1510="http://schemas.microsoft.com/office/powerpoint/2015/10/main">
   <p1510:revLst>
-    <p1510:client id="{5FE8130B-E583-473C-B013-82E7A49310B6}" v="17" dt="2025-11-19T19:40:07.058"/>
+    <p1510:client id="{5FE8130B-E583-473C-B013-82E7A49310B6}" v="19" dt="2025-11-21T21:00:55.630"/>
   </p1510:revLst>
 </p1510:revInfo>
 </file>
@@ -130,18 +130,18 @@
   <pc:docChgLst>
     <pc:chgData name="Zoheir HADID" userId="123d7235792d1862" providerId="LiveId" clId="{821638BF-488C-4751-A3CD-62E6B0C1C039}"/>
     <pc:docChg chg="custSel addSld modSld">
-      <pc:chgData name="Zoheir HADID" userId="123d7235792d1862" providerId="LiveId" clId="{821638BF-488C-4751-A3CD-62E6B0C1C039}" dt="2025-11-19T19:40:07.056" v="308" actId="164"/>
+      <pc:chgData name="Zoheir HADID" userId="123d7235792d1862" providerId="LiveId" clId="{821638BF-488C-4751-A3CD-62E6B0C1C039}" dt="2025-11-21T21:01:49.289" v="322" actId="20577"/>
       <pc:docMkLst>
         <pc:docMk/>
       </pc:docMkLst>
       <pc:sldChg chg="addSp delSp modSp add mod">
-        <pc:chgData name="Zoheir HADID" userId="123d7235792d1862" providerId="LiveId" clId="{821638BF-488C-4751-A3CD-62E6B0C1C039}" dt="2025-11-19T19:40:07.056" v="308" actId="164"/>
+        <pc:chgData name="Zoheir HADID" userId="123d7235792d1862" providerId="LiveId" clId="{821638BF-488C-4751-A3CD-62E6B0C1C039}" dt="2025-11-21T21:01:49.289" v="322" actId="20577"/>
         <pc:sldMkLst>
           <pc:docMk/>
           <pc:sldMk cId="3530312540" sldId="261"/>
         </pc:sldMkLst>
         <pc:spChg chg="add mod ord">
-          <ac:chgData name="Zoheir HADID" userId="123d7235792d1862" providerId="LiveId" clId="{821638BF-488C-4751-A3CD-62E6B0C1C039}" dt="2025-11-19T19:40:07.056" v="308" actId="164"/>
+          <ac:chgData name="Zoheir HADID" userId="123d7235792d1862" providerId="LiveId" clId="{821638BF-488C-4751-A3CD-62E6B0C1C039}" dt="2025-11-21T21:00:55.629" v="313" actId="1076"/>
           <ac:spMkLst>
             <pc:docMk/>
             <pc:sldMk cId="3530312540" sldId="261"/>
@@ -157,11 +157,19 @@
           </ac:spMkLst>
         </pc:spChg>
         <pc:spChg chg="mod">
-          <ac:chgData name="Zoheir HADID" userId="123d7235792d1862" providerId="LiveId" clId="{821638BF-488C-4751-A3CD-62E6B0C1C039}" dt="2025-11-19T19:31:38.209" v="1" actId="165"/>
+          <ac:chgData name="Zoheir HADID" userId="123d7235792d1862" providerId="LiveId" clId="{821638BF-488C-4751-A3CD-62E6B0C1C039}" dt="2025-11-21T21:00:55.629" v="313" actId="1076"/>
           <ac:spMkLst>
             <pc:docMk/>
             <pc:sldMk cId="3530312540" sldId="261"/>
             <ac:spMk id="6" creationId="{13B4B8FE-BFDA-97B1-FE1D-4074871250BB}"/>
+          </ac:spMkLst>
+        </pc:spChg>
+        <pc:spChg chg="mod">
+          <ac:chgData name="Zoheir HADID" userId="123d7235792d1862" providerId="LiveId" clId="{821638BF-488C-4751-A3CD-62E6B0C1C039}" dt="2025-11-21T21:00:55.629" v="313" actId="1076"/>
+          <ac:spMkLst>
+            <pc:docMk/>
+            <pc:sldMk cId="3530312540" sldId="261"/>
+            <ac:spMk id="7" creationId="{0FCC0CDE-2E90-3C30-CA01-BD683632AF73}"/>
           </ac:spMkLst>
         </pc:spChg>
         <pc:spChg chg="add mod ord">
@@ -181,7 +189,7 @@
           </ac:spMkLst>
         </pc:spChg>
         <pc:spChg chg="mod">
-          <ac:chgData name="Zoheir HADID" userId="123d7235792d1862" providerId="LiveId" clId="{821638BF-488C-4751-A3CD-62E6B0C1C039}" dt="2025-11-19T19:31:38.209" v="1" actId="165"/>
+          <ac:chgData name="Zoheir HADID" userId="123d7235792d1862" providerId="LiveId" clId="{821638BF-488C-4751-A3CD-62E6B0C1C039}" dt="2025-11-21T21:00:55.629" v="313" actId="1076"/>
           <ac:spMkLst>
             <pc:docMk/>
             <pc:sldMk cId="3530312540" sldId="261"/>
@@ -189,31 +197,7 @@
           </ac:spMkLst>
         </pc:spChg>
         <pc:spChg chg="mod">
-          <ac:chgData name="Zoheir HADID" userId="123d7235792d1862" providerId="LiveId" clId="{821638BF-488C-4751-A3CD-62E6B0C1C039}" dt="2025-11-19T19:33:56.560" v="33" actId="165"/>
-          <ac:spMkLst>
-            <pc:docMk/>
-            <pc:sldMk cId="3530312540" sldId="261"/>
-            <ac:spMk id="19" creationId="{92E21A71-0F27-498B-A3F9-5808B3409489}"/>
-          </ac:spMkLst>
-        </pc:spChg>
-        <pc:spChg chg="mod">
-          <ac:chgData name="Zoheir HADID" userId="123d7235792d1862" providerId="LiveId" clId="{821638BF-488C-4751-A3CD-62E6B0C1C039}" dt="2025-11-19T19:33:56.560" v="33" actId="165"/>
-          <ac:spMkLst>
-            <pc:docMk/>
-            <pc:sldMk cId="3530312540" sldId="261"/>
-            <ac:spMk id="20" creationId="{C6D3AD93-7EB8-D1D2-9083-BABA02104463}"/>
-          </ac:spMkLst>
-        </pc:spChg>
-        <pc:spChg chg="mod">
-          <ac:chgData name="Zoheir HADID" userId="123d7235792d1862" providerId="LiveId" clId="{821638BF-488C-4751-A3CD-62E6B0C1C039}" dt="2025-11-19T19:33:56.560" v="33" actId="165"/>
-          <ac:spMkLst>
-            <pc:docMk/>
-            <pc:sldMk cId="3530312540" sldId="261"/>
-            <ac:spMk id="21" creationId="{323527AA-7319-CCBB-086F-31572888AFEB}"/>
-          </ac:spMkLst>
-        </pc:spChg>
-        <pc:spChg chg="mod">
-          <ac:chgData name="Zoheir HADID" userId="123d7235792d1862" providerId="LiveId" clId="{821638BF-488C-4751-A3CD-62E6B0C1C039}" dt="2025-11-19T19:33:56.560" v="33" actId="165"/>
+          <ac:chgData name="Zoheir HADID" userId="123d7235792d1862" providerId="LiveId" clId="{821638BF-488C-4751-A3CD-62E6B0C1C039}" dt="2025-11-21T21:00:55.629" v="313" actId="1076"/>
           <ac:spMkLst>
             <pc:docMk/>
             <pc:sldMk cId="3530312540" sldId="261"/>
@@ -221,7 +205,7 @@
           </ac:spMkLst>
         </pc:spChg>
         <pc:spChg chg="mod">
-          <ac:chgData name="Zoheir HADID" userId="123d7235792d1862" providerId="LiveId" clId="{821638BF-488C-4751-A3CD-62E6B0C1C039}" dt="2025-11-19T19:33:56.560" v="33" actId="165"/>
+          <ac:chgData name="Zoheir HADID" userId="123d7235792d1862" providerId="LiveId" clId="{821638BF-488C-4751-A3CD-62E6B0C1C039}" dt="2025-11-21T21:00:55.629" v="313" actId="1076"/>
           <ac:spMkLst>
             <pc:docMk/>
             <pc:sldMk cId="3530312540" sldId="261"/>
@@ -237,7 +221,7 @@
           </ac:spMkLst>
         </pc:spChg>
         <pc:spChg chg="mod">
-          <ac:chgData name="Zoheir HADID" userId="123d7235792d1862" providerId="LiveId" clId="{821638BF-488C-4751-A3CD-62E6B0C1C039}" dt="2025-11-19T19:33:56.560" v="33" actId="165"/>
+          <ac:chgData name="Zoheir HADID" userId="123d7235792d1862" providerId="LiveId" clId="{821638BF-488C-4751-A3CD-62E6B0C1C039}" dt="2025-11-21T21:00:55.629" v="313" actId="1076"/>
           <ac:spMkLst>
             <pc:docMk/>
             <pc:sldMk cId="3530312540" sldId="261"/>
@@ -245,7 +229,7 @@
           </ac:spMkLst>
         </pc:spChg>
         <pc:spChg chg="mod">
-          <ac:chgData name="Zoheir HADID" userId="123d7235792d1862" providerId="LiveId" clId="{821638BF-488C-4751-A3CD-62E6B0C1C039}" dt="2025-11-19T19:40:07.056" v="308" actId="164"/>
+          <ac:chgData name="Zoheir HADID" userId="123d7235792d1862" providerId="LiveId" clId="{821638BF-488C-4751-A3CD-62E6B0C1C039}" dt="2025-11-21T21:01:32.761" v="315" actId="20577"/>
           <ac:spMkLst>
             <pc:docMk/>
             <pc:sldMk cId="3530312540" sldId="261"/>
@@ -253,7 +237,7 @@
           </ac:spMkLst>
         </pc:spChg>
         <pc:spChg chg="mod topLvl">
-          <ac:chgData name="Zoheir HADID" userId="123d7235792d1862" providerId="LiveId" clId="{821638BF-488C-4751-A3CD-62E6B0C1C039}" dt="2025-11-19T19:40:07.056" v="308" actId="164"/>
+          <ac:chgData name="Zoheir HADID" userId="123d7235792d1862" providerId="LiveId" clId="{821638BF-488C-4751-A3CD-62E6B0C1C039}" dt="2025-11-21T21:01:49.289" v="322" actId="20577"/>
           <ac:spMkLst>
             <pc:docMk/>
             <pc:sldMk cId="3530312540" sldId="261"/>
@@ -261,7 +245,7 @@
           </ac:spMkLst>
         </pc:spChg>
         <pc:spChg chg="mod">
-          <ac:chgData name="Zoheir HADID" userId="123d7235792d1862" providerId="LiveId" clId="{821638BF-488C-4751-A3CD-62E6B0C1C039}" dt="2025-11-19T19:40:07.056" v="308" actId="164"/>
+          <ac:chgData name="Zoheir HADID" userId="123d7235792d1862" providerId="LiveId" clId="{821638BF-488C-4751-A3CD-62E6B0C1C039}" dt="2025-11-21T21:00:55.629" v="313" actId="1076"/>
           <ac:spMkLst>
             <pc:docMk/>
             <pc:sldMk cId="3530312540" sldId="261"/>
@@ -277,21 +261,13 @@
           </ac:spMkLst>
         </pc:spChg>
         <pc:spChg chg="mod">
-          <ac:chgData name="Zoheir HADID" userId="123d7235792d1862" providerId="LiveId" clId="{821638BF-488C-4751-A3CD-62E6B0C1C039}" dt="2025-11-19T19:40:07.056" v="308" actId="164"/>
+          <ac:chgData name="Zoheir HADID" userId="123d7235792d1862" providerId="LiveId" clId="{821638BF-488C-4751-A3CD-62E6B0C1C039}" dt="2025-11-21T21:00:55.629" v="313" actId="1076"/>
           <ac:spMkLst>
             <pc:docMk/>
             <pc:sldMk cId="3530312540" sldId="261"/>
             <ac:spMk id="52" creationId="{80F184BB-1403-0A43-86C6-FDF9BD395C25}"/>
           </ac:spMkLst>
         </pc:spChg>
-        <pc:grpChg chg="del mod">
-          <ac:chgData name="Zoheir HADID" userId="123d7235792d1862" providerId="LiveId" clId="{821638BF-488C-4751-A3CD-62E6B0C1C039}" dt="2025-11-19T19:34:13.273" v="36" actId="478"/>
-          <ac:grpSpMkLst>
-            <pc:docMk/>
-            <pc:sldMk cId="3530312540" sldId="261"/>
-            <ac:grpSpMk id="22" creationId="{08D4B274-C639-A289-1195-481750AB797F}"/>
-          </ac:grpSpMkLst>
-        </pc:grpChg>
         <pc:grpChg chg="mod topLvl">
           <ac:chgData name="Zoheir HADID" userId="123d7235792d1862" providerId="LiveId" clId="{821638BF-488C-4751-A3CD-62E6B0C1C039}" dt="2025-11-19T19:40:07.056" v="308" actId="164"/>
           <ac:grpSpMkLst>
@@ -316,22 +292,6 @@
             <ac:grpSpMk id="32" creationId="{D60CD307-6E9D-AD93-4608-D9B9F79D63DF}"/>
           </ac:grpSpMkLst>
         </pc:grpChg>
-        <pc:grpChg chg="del">
-          <ac:chgData name="Zoheir HADID" userId="123d7235792d1862" providerId="LiveId" clId="{821638BF-488C-4751-A3CD-62E6B0C1C039}" dt="2025-11-19T19:33:56.560" v="33" actId="165"/>
-          <ac:grpSpMkLst>
-            <pc:docMk/>
-            <pc:sldMk cId="3530312540" sldId="261"/>
-            <ac:grpSpMk id="34" creationId="{84FAEE14-0EE4-FF94-2DF1-A71CC4978B96}"/>
-          </ac:grpSpMkLst>
-        </pc:grpChg>
-        <pc:picChg chg="add del mod">
-          <ac:chgData name="Zoheir HADID" userId="123d7235792d1862" providerId="LiveId" clId="{821638BF-488C-4751-A3CD-62E6B0C1C039}" dt="2025-11-19T19:39:07.485" v="303" actId="478"/>
-          <ac:picMkLst>
-            <pc:docMk/>
-            <pc:sldMk cId="3530312540" sldId="261"/>
-            <ac:picMk id="3" creationId="{6AC5E090-69F7-8E19-D754-0B4E275A6E3C}"/>
-          </ac:picMkLst>
-        </pc:picChg>
         <pc:cxnChg chg="add mod">
           <ac:chgData name="Zoheir HADID" userId="123d7235792d1862" providerId="LiveId" clId="{821638BF-488C-4751-A3CD-62E6B0C1C039}" dt="2025-11-19T19:39:53.426" v="306" actId="1076"/>
           <ac:cxnSpMkLst>
@@ -517,7 +477,7 @@
           <a:p>
             <a:fld id="{44643AC4-22AA-4210-A6CC-8CC3C7E4451E}" type="datetimeFigureOut">
               <a:rPr lang="fr-FR" smtClean="0"/>
-              <a:t>19/11/2025</a:t>
+              <a:t>21/11/2025</a:t>
             </a:fld>
             <a:endParaRPr lang="fr-FR"/>
           </a:p>
@@ -715,7 +675,7 @@
           <a:p>
             <a:fld id="{44643AC4-22AA-4210-A6CC-8CC3C7E4451E}" type="datetimeFigureOut">
               <a:rPr lang="fr-FR" smtClean="0"/>
-              <a:t>19/11/2025</a:t>
+              <a:t>21/11/2025</a:t>
             </a:fld>
             <a:endParaRPr lang="fr-FR"/>
           </a:p>
@@ -923,7 +883,7 @@
           <a:p>
             <a:fld id="{44643AC4-22AA-4210-A6CC-8CC3C7E4451E}" type="datetimeFigureOut">
               <a:rPr lang="fr-FR" smtClean="0"/>
-              <a:t>19/11/2025</a:t>
+              <a:t>21/11/2025</a:t>
             </a:fld>
             <a:endParaRPr lang="fr-FR"/>
           </a:p>
@@ -1121,7 +1081,7 @@
           <a:p>
             <a:fld id="{44643AC4-22AA-4210-A6CC-8CC3C7E4451E}" type="datetimeFigureOut">
               <a:rPr lang="fr-FR" smtClean="0"/>
-              <a:t>19/11/2025</a:t>
+              <a:t>21/11/2025</a:t>
             </a:fld>
             <a:endParaRPr lang="fr-FR"/>
           </a:p>
@@ -1396,7 +1356,7 @@
           <a:p>
             <a:fld id="{44643AC4-22AA-4210-A6CC-8CC3C7E4451E}" type="datetimeFigureOut">
               <a:rPr lang="fr-FR" smtClean="0"/>
-              <a:t>19/11/2025</a:t>
+              <a:t>21/11/2025</a:t>
             </a:fld>
             <a:endParaRPr lang="fr-FR"/>
           </a:p>
@@ -1661,7 +1621,7 @@
           <a:p>
             <a:fld id="{44643AC4-22AA-4210-A6CC-8CC3C7E4451E}" type="datetimeFigureOut">
               <a:rPr lang="fr-FR" smtClean="0"/>
-              <a:t>19/11/2025</a:t>
+              <a:t>21/11/2025</a:t>
             </a:fld>
             <a:endParaRPr lang="fr-FR"/>
           </a:p>
@@ -2073,7 +2033,7 @@
           <a:p>
             <a:fld id="{44643AC4-22AA-4210-A6CC-8CC3C7E4451E}" type="datetimeFigureOut">
               <a:rPr lang="fr-FR" smtClean="0"/>
-              <a:t>19/11/2025</a:t>
+              <a:t>21/11/2025</a:t>
             </a:fld>
             <a:endParaRPr lang="fr-FR"/>
           </a:p>
@@ -2214,7 +2174,7 @@
           <a:p>
             <a:fld id="{44643AC4-22AA-4210-A6CC-8CC3C7E4451E}" type="datetimeFigureOut">
               <a:rPr lang="fr-FR" smtClean="0"/>
-              <a:t>19/11/2025</a:t>
+              <a:t>21/11/2025</a:t>
             </a:fld>
             <a:endParaRPr lang="fr-FR"/>
           </a:p>
@@ -2327,7 +2287,7 @@
           <a:p>
             <a:fld id="{44643AC4-22AA-4210-A6CC-8CC3C7E4451E}" type="datetimeFigureOut">
               <a:rPr lang="fr-FR" smtClean="0"/>
-              <a:t>19/11/2025</a:t>
+              <a:t>21/11/2025</a:t>
             </a:fld>
             <a:endParaRPr lang="fr-FR"/>
           </a:p>
@@ -2638,7 +2598,7 @@
           <a:p>
             <a:fld id="{44643AC4-22AA-4210-A6CC-8CC3C7E4451E}" type="datetimeFigureOut">
               <a:rPr lang="fr-FR" smtClean="0"/>
-              <a:t>19/11/2025</a:t>
+              <a:t>21/11/2025</a:t>
             </a:fld>
             <a:endParaRPr lang="fr-FR"/>
           </a:p>
@@ -2926,7 +2886,7 @@
           <a:p>
             <a:fld id="{44643AC4-22AA-4210-A6CC-8CC3C7E4451E}" type="datetimeFigureOut">
               <a:rPr lang="fr-FR" smtClean="0"/>
-              <a:t>19/11/2025</a:t>
+              <a:t>21/11/2025</a:t>
             </a:fld>
             <a:endParaRPr lang="fr-FR"/>
           </a:p>
@@ -3167,7 +3127,7 @@
           <a:p>
             <a:fld id="{44643AC4-22AA-4210-A6CC-8CC3C7E4451E}" type="datetimeFigureOut">
               <a:rPr lang="fr-FR" smtClean="0"/>
-              <a:t>19/11/2025</a:t>
+              <a:t>21/11/2025</a:t>
             </a:fld>
             <a:endParaRPr lang="fr-FR"/>
           </a:p>
@@ -8998,10 +8958,10 @@
         </p:nvGrpSpPr>
         <p:grpSpPr>
           <a:xfrm>
-            <a:off x="982795" y="1487712"/>
-            <a:ext cx="10102710" cy="3206013"/>
-            <a:chOff x="982795" y="1487712"/>
-            <a:chExt cx="10102710" cy="3206013"/>
+            <a:off x="696793" y="1487712"/>
+            <a:ext cx="10388712" cy="3206013"/>
+            <a:chOff x="696793" y="1487712"/>
+            <a:chExt cx="10388712" cy="3206013"/>
           </a:xfrm>
         </p:grpSpPr>
         <p:sp>
@@ -9861,8 +9821,8 @@
           </p:nvSpPr>
           <p:spPr bwMode="auto">
             <a:xfrm>
-              <a:off x="982795" y="2953992"/>
-              <a:ext cx="1319623" cy="1249573"/>
+              <a:off x="696793" y="2864737"/>
+              <a:ext cx="1605625" cy="1428083"/>
             </a:xfrm>
             <a:prstGeom prst="rect">
               <a:avLst/>
@@ -10054,7 +10014,7 @@
                 <a:tabLst/>
               </a:pPr>
               <a:r>
-                <a:rPr kumimoji="0" lang="fr-FR" altLang="fr-FR" sz="1200" b="0" i="0" u="none" strike="noStrike" cap="none" normalizeH="0" baseline="0" dirty="0" err="1">
+                <a:rPr kumimoji="0" lang="fr-FR" altLang="fr-FR" sz="1400" b="0" i="0" u="none" strike="noStrike" cap="none" normalizeH="0" baseline="0" dirty="0" err="1">
                   <a:ln>
                     <a:noFill/>
                   </a:ln>
@@ -10064,36 +10024,10 @@
                   <a:effectLst/>
                   <a:latin typeface="Arial" panose="020B0604020202020204" pitchFamily="34" charset="0"/>
                 </a:rPr>
-                <a:t>Source</a:t>
+                <a:t>Source.Object</a:t>
               </a:r>
               <a:r>
-                <a:rPr kumimoji="0" lang="fr-FR" altLang="fr-FR" sz="1800" b="0" i="0" u="none" strike="noStrike" cap="none" normalizeH="0" baseline="0" dirty="0" err="1">
-                  <a:ln>
-                    <a:noFill/>
-                  </a:ln>
-                  <a:solidFill>
-                    <a:schemeClr val="tx1"/>
-                  </a:solidFill>
-                  <a:effectLst/>
-                  <a:latin typeface="Arial" panose="020B0604020202020204" pitchFamily="34" charset="0"/>
-                </a:rPr>
-                <a:t>.</a:t>
-              </a:r>
-              <a:r>
-                <a:rPr kumimoji="0" lang="fr-FR" altLang="fr-FR" sz="1200" b="0" i="0" u="none" strike="noStrike" cap="none" normalizeH="0" baseline="0" dirty="0" err="1">
-                  <a:ln>
-                    <a:noFill/>
-                  </a:ln>
-                  <a:solidFill>
-                    <a:schemeClr val="tx1"/>
-                  </a:solidFill>
-                  <a:effectLst/>
-                  <a:latin typeface="Arial" panose="020B0604020202020204" pitchFamily="34" charset="0"/>
-                </a:rPr>
-                <a:t>Object</a:t>
-              </a:r>
-              <a:r>
-                <a:rPr kumimoji="0" lang="fr-FR" altLang="fr-FR" sz="1000" b="0" i="0" u="none" strike="noStrike" cap="none" normalizeH="0" baseline="0" dirty="0">
+                <a:rPr kumimoji="0" lang="fr-FR" altLang="fr-FR" sz="1400" b="0" i="0" u="none" strike="noStrike" cap="none" normalizeH="0" baseline="0" dirty="0">
                   <a:ln>
                     <a:noFill/>
                   </a:ln>
@@ -10124,7 +10058,7 @@
                 <a:tabLst/>
               </a:pPr>
               <a:r>
-                <a:rPr kumimoji="0" lang="fr-FR" altLang="fr-FR" sz="1100" b="0" i="0" u="none" strike="noStrike" cap="none" normalizeH="0" baseline="0" dirty="0" err="1">
+                <a:rPr kumimoji="0" lang="fr-FR" altLang="fr-FR" sz="1400" b="0" i="0" u="none" strike="noStrike" cap="none" normalizeH="0" baseline="0" dirty="0" err="1">
                   <a:ln>
                     <a:noFill/>
                   </a:ln>
@@ -10136,7 +10070,7 @@
                 <a:t>fluid</a:t>
               </a:r>
               <a:r>
-                <a:rPr kumimoji="0" lang="fr-FR" altLang="fr-FR" sz="1100" b="0" i="0" u="none" strike="noStrike" cap="none" normalizeH="0" baseline="0" dirty="0">
+                <a:rPr kumimoji="0" lang="fr-FR" altLang="fr-FR" sz="1400" b="0" i="0" u="none" strike="noStrike" cap="none" normalizeH="0" baseline="0" dirty="0">
                   <a:ln>
                     <a:noFill/>
                   </a:ln>
@@ -10166,7 +10100,7 @@
                 <a:tabLst/>
               </a:pPr>
               <a:r>
-                <a:rPr kumimoji="0" lang="fr-FR" altLang="fr-FR" sz="1100" b="0" i="0" u="none" strike="noStrike" cap="none" normalizeH="0" baseline="0" dirty="0" err="1">
+                <a:rPr kumimoji="0" lang="fr-FR" altLang="fr-FR" sz="1400" b="0" i="0" u="none" strike="noStrike" cap="none" normalizeH="0" baseline="0" dirty="0" err="1">
                   <a:ln>
                     <a:noFill/>
                   </a:ln>
@@ -10178,7 +10112,7 @@
                 <a:t>Ti_degC</a:t>
               </a:r>
               <a:r>
-                <a:rPr kumimoji="0" lang="fr-FR" altLang="fr-FR" sz="1100" b="0" i="0" u="none" strike="noStrike" cap="none" normalizeH="0" baseline="0" dirty="0">
+                <a:rPr kumimoji="0" lang="fr-FR" altLang="fr-FR" sz="1400" b="0" i="0" u="none" strike="noStrike" cap="none" normalizeH="0" baseline="0" dirty="0">
                   <a:ln>
                     <a:noFill/>
                   </a:ln>
@@ -10208,7 +10142,7 @@
                 <a:tabLst/>
               </a:pPr>
               <a:r>
-                <a:rPr kumimoji="0" lang="fr-FR" altLang="fr-FR" sz="1100" b="0" i="0" u="none" strike="noStrike" cap="none" normalizeH="0" baseline="0" dirty="0" err="1">
+                <a:rPr kumimoji="0" lang="fr-FR" altLang="fr-FR" sz="1400" b="0" i="0" u="none" strike="noStrike" cap="none" normalizeH="0" baseline="0" dirty="0" err="1">
                   <a:ln>
                     <a:noFill/>
                   </a:ln>
@@ -10220,7 +10154,7 @@
                 <a:t>Pi_bar</a:t>
               </a:r>
               <a:r>
-                <a:rPr kumimoji="0" lang="fr-FR" altLang="fr-FR" sz="1100" b="0" i="0" u="none" strike="noStrike" cap="none" normalizeH="0" baseline="0" dirty="0">
+                <a:rPr kumimoji="0" lang="fr-FR" altLang="fr-FR" sz="1400" b="0" i="0" u="none" strike="noStrike" cap="none" normalizeH="0" baseline="0" dirty="0">
                   <a:ln>
                     <a:noFill/>
                   </a:ln>
@@ -10250,7 +10184,7 @@
                 <a:tabLst/>
               </a:pPr>
               <a:r>
-                <a:rPr kumimoji="0" lang="fr-FR" altLang="fr-FR" sz="1100" b="0" i="0" u="none" strike="noStrike" cap="none" normalizeH="0" baseline="0" dirty="0">
+                <a:rPr kumimoji="0" lang="fr-FR" altLang="fr-FR" sz="1400" b="0" i="0" u="none" strike="noStrike" cap="none" normalizeH="0" baseline="0" dirty="0">
                   <a:ln>
                     <a:noFill/>
                   </a:ln>
@@ -10262,10 +10196,10 @@
                 <a:t>F_m3h = </a:t>
               </a:r>
               <a:r>
-                <a:rPr lang="fr-FR" altLang="fr-FR" sz="1100" dirty="0"/>
-                <a:t>70</a:t>
+                <a:rPr lang="fr-FR" altLang="fr-FR" sz="1400" dirty="0"/>
+                <a:t>40</a:t>
               </a:r>
-              <a:endParaRPr kumimoji="0" lang="fr-FR" altLang="fr-FR" sz="2000" b="0" i="0" u="none" strike="noStrike" cap="none" normalizeH="0" baseline="0" dirty="0">
+              <a:endParaRPr kumimoji="0" lang="fr-FR" altLang="fr-FR" sz="1400" b="0" i="0" u="none" strike="noStrike" cap="none" normalizeH="0" baseline="0" dirty="0">
                 <a:ln>
                   <a:noFill/>
                 </a:ln>
@@ -10294,8 +10228,8 @@
           </p:nvSpPr>
           <p:spPr bwMode="auto">
             <a:xfrm>
-              <a:off x="5307523" y="3580285"/>
-              <a:ext cx="2035697" cy="717119"/>
+              <a:off x="5147162" y="3789474"/>
+              <a:ext cx="2035697" cy="867930"/>
             </a:xfrm>
             <a:prstGeom prst="rect">
               <a:avLst/>
@@ -10487,7 +10421,7 @@
                 <a:tabLst/>
               </a:pPr>
               <a:r>
-                <a:rPr kumimoji="0" lang="fr-FR" altLang="fr-FR" sz="1200" b="0" i="0" u="none" strike="noStrike" cap="none" normalizeH="0" baseline="0" dirty="0" err="1">
+                <a:rPr kumimoji="0" lang="fr-FR" altLang="fr-FR" sz="1400" b="0" i="0" u="none" strike="noStrike" cap="none" normalizeH="0" baseline="0" dirty="0" err="1">
                   <a:ln>
                     <a:noFill/>
                   </a:ln>
@@ -10500,7 +10434,7 @@
                 <a:t>TA_Valve.Object</a:t>
               </a:r>
               <a:r>
-                <a:rPr kumimoji="0" lang="fr-FR" altLang="fr-FR" sz="1200" b="0" i="0" u="none" strike="noStrike" cap="none" normalizeH="0" baseline="0" dirty="0">
+                <a:rPr kumimoji="0" lang="fr-FR" altLang="fr-FR" sz="1400" b="0" i="0" u="none" strike="noStrike" cap="none" normalizeH="0" baseline="0" dirty="0">
                   <a:ln>
                     <a:noFill/>
                   </a:ln>
@@ -10531,7 +10465,7 @@
                 <a:tabLst/>
               </a:pPr>
               <a:r>
-                <a:rPr kumimoji="0" lang="en-US" altLang="fr-FR" sz="1100" b="0" i="0" u="none" strike="noStrike" cap="none" normalizeH="0" baseline="0" dirty="0" err="1">
+                <a:rPr kumimoji="0" lang="en-US" altLang="fr-FR" sz="1400" b="0" i="0" u="none" strike="noStrike" cap="none" normalizeH="0" baseline="0" dirty="0" err="1">
                   <a:ln>
                     <a:noFill/>
                   </a:ln>
@@ -10543,7 +10477,7 @@
                 <a:t>dn</a:t>
               </a:r>
               <a:r>
-                <a:rPr kumimoji="0" lang="en-US" altLang="fr-FR" sz="1100" b="0" i="0" u="none" strike="noStrike" cap="none" normalizeH="0" baseline="0" dirty="0">
+                <a:rPr kumimoji="0" lang="en-US" altLang="fr-FR" sz="1400" b="0" i="0" u="none" strike="noStrike" cap="none" normalizeH="0" baseline="0" dirty="0">
                   <a:ln>
                     <a:noFill/>
                   </a:ln>
@@ -10573,7 +10507,7 @@
                 <a:tabLst/>
               </a:pPr>
               <a:r>
-                <a:rPr kumimoji="0" lang="en-US" altLang="fr-FR" sz="1100" b="0" i="0" u="none" strike="noStrike" cap="none" normalizeH="0" baseline="0" dirty="0" err="1">
+                <a:rPr kumimoji="0" lang="en-US" altLang="fr-FR" sz="1400" b="0" i="0" u="none" strike="noStrike" cap="none" normalizeH="0" baseline="0" dirty="0" err="1">
                   <a:ln>
                     <a:noFill/>
                   </a:ln>
@@ -10585,7 +10519,7 @@
                 <a:t>nb_tours</a:t>
               </a:r>
               <a:r>
-                <a:rPr kumimoji="0" lang="en-US" altLang="fr-FR" sz="1100" b="0" i="0" u="none" strike="noStrike" cap="none" normalizeH="0" baseline="0" dirty="0">
+                <a:rPr kumimoji="0" lang="en-US" altLang="fr-FR" sz="1400" b="0" i="0" u="none" strike="noStrike" cap="none" normalizeH="0" baseline="0" dirty="0">
                   <a:ln>
                     <a:noFill/>
                   </a:ln>
@@ -10594,8 +10528,29 @@
                   </a:solidFill>
                   <a:effectLst/>
                 </a:rPr>
-                <a:t> = 4.3</a:t>
+                <a:t> </a:t>
               </a:r>
+              <a:r>
+                <a:rPr kumimoji="0" lang="en-US" altLang="fr-FR" sz="1400" b="0" i="0" u="none" strike="noStrike" cap="none" normalizeH="0" baseline="0">
+                  <a:ln>
+                    <a:noFill/>
+                  </a:ln>
+                  <a:solidFill>
+                    <a:schemeClr val="tx1"/>
+                  </a:solidFill>
+                  <a:effectLst/>
+                </a:rPr>
+                <a:t>= 3.8</a:t>
+              </a:r>
+              <a:endParaRPr kumimoji="0" lang="en-US" altLang="fr-FR" sz="1400" b="0" i="0" u="none" strike="noStrike" cap="none" normalizeH="0" baseline="0" dirty="0">
+                <a:ln>
+                  <a:noFill/>
+                </a:ln>
+                <a:solidFill>
+                  <a:schemeClr val="tx1"/>
+                </a:solidFill>
+                <a:effectLst/>
+              </a:endParaRPr>
             </a:p>
           </p:txBody>
         </p:sp>
@@ -10615,8 +10570,8 @@
           </p:nvSpPr>
           <p:spPr bwMode="auto">
             <a:xfrm>
-              <a:off x="9863458" y="3049649"/>
-              <a:ext cx="1222047" cy="369332"/>
+              <a:off x="9863458" y="3080426"/>
+              <a:ext cx="1222047" cy="307777"/>
             </a:xfrm>
             <a:prstGeom prst="rect">
               <a:avLst/>
@@ -10808,7 +10763,7 @@
                 <a:tabLst/>
               </a:pPr>
               <a:r>
-                <a:rPr kumimoji="0" lang="fr-FR" altLang="fr-FR" sz="1200" b="0" i="0" u="none" strike="noStrike" cap="none" normalizeH="0" baseline="0" dirty="0" err="1">
+                <a:rPr kumimoji="0" lang="fr-FR" altLang="fr-FR" sz="1400" b="0" i="0" u="none" strike="noStrike" cap="none" normalizeH="0" baseline="0" dirty="0" err="1">
                   <a:ln>
                     <a:noFill/>
                   </a:ln>
@@ -10818,36 +10773,10 @@
                   <a:effectLst/>
                   <a:latin typeface="Arial" panose="020B0604020202020204" pitchFamily="34" charset="0"/>
                 </a:rPr>
-                <a:t>Sink</a:t>
+                <a:t>Sink.Object</a:t>
               </a:r>
               <a:r>
-                <a:rPr kumimoji="0" lang="fr-FR" altLang="fr-FR" sz="1800" b="0" i="0" u="none" strike="noStrike" cap="none" normalizeH="0" baseline="0" dirty="0" err="1">
-                  <a:ln>
-                    <a:noFill/>
-                  </a:ln>
-                  <a:solidFill>
-                    <a:schemeClr val="tx1"/>
-                  </a:solidFill>
-                  <a:effectLst/>
-                  <a:latin typeface="Arial" panose="020B0604020202020204" pitchFamily="34" charset="0"/>
-                </a:rPr>
-                <a:t>.</a:t>
-              </a:r>
-              <a:r>
-                <a:rPr kumimoji="0" lang="fr-FR" altLang="fr-FR" sz="1200" b="0" i="0" u="none" strike="noStrike" cap="none" normalizeH="0" baseline="0" dirty="0" err="1">
-                  <a:ln>
-                    <a:noFill/>
-                  </a:ln>
-                  <a:solidFill>
-                    <a:schemeClr val="tx1"/>
-                  </a:solidFill>
-                  <a:effectLst/>
-                  <a:latin typeface="Arial" panose="020B0604020202020204" pitchFamily="34" charset="0"/>
-                </a:rPr>
-                <a:t>Object</a:t>
-              </a:r>
-              <a:r>
-                <a:rPr kumimoji="0" lang="fr-FR" altLang="fr-FR" sz="1000" b="0" i="0" u="none" strike="noStrike" cap="none" normalizeH="0" baseline="0" dirty="0">
+                <a:rPr kumimoji="0" lang="fr-FR" altLang="fr-FR" sz="1400" b="0" i="0" u="none" strike="noStrike" cap="none" normalizeH="0" baseline="0" dirty="0">
                   <a:ln>
                     <a:noFill/>
                   </a:ln>
@@ -10860,7 +10789,7 @@
                 <a:t>()</a:t>
               </a:r>
               <a:r>
-                <a:rPr kumimoji="0" lang="fr-FR" altLang="fr-FR" sz="800" b="0" i="0" u="none" strike="noStrike" cap="none" normalizeH="0" baseline="0" dirty="0">
+                <a:rPr kumimoji="0" lang="fr-FR" altLang="fr-FR" sz="1400" b="0" i="0" u="none" strike="noStrike" cap="none" normalizeH="0" baseline="0" dirty="0">
                   <a:ln>
                     <a:noFill/>
                   </a:ln>
@@ -10871,7 +10800,7 @@
                 </a:rPr>
                 <a:t> </a:t>
               </a:r>
-              <a:endParaRPr kumimoji="0" lang="fr-FR" altLang="fr-FR" sz="1200" b="0" i="0" u="none" strike="noStrike" cap="none" normalizeH="0" baseline="0" dirty="0">
+              <a:endParaRPr kumimoji="0" lang="fr-FR" altLang="fr-FR" sz="1400" b="0" i="0" u="none" strike="noStrike" cap="none" normalizeH="0" baseline="0" dirty="0">
                 <a:ln>
                   <a:noFill/>
                 </a:ln>
